--- a/Pres_Avril/PresentationPIMSAvril.pptx
+++ b/Pres_Avril/PresentationPIMSAvril.pptx
@@ -8,16 +8,17 @@
   <p:sldIdLst>
     <p:sldId id="260" r:id="rId3"/>
     <p:sldId id="261" r:id="rId4"/>
-    <p:sldId id="265" r:id="rId5"/>
-    <p:sldId id="267" r:id="rId6"/>
-    <p:sldId id="277" r:id="rId7"/>
-    <p:sldId id="268" r:id="rId8"/>
-    <p:sldId id="269" r:id="rId9"/>
-    <p:sldId id="270" r:id="rId10"/>
-    <p:sldId id="272" r:id="rId11"/>
-    <p:sldId id="276" r:id="rId12"/>
-    <p:sldId id="273" r:id="rId13"/>
-    <p:sldId id="274" r:id="rId14"/>
+    <p:sldId id="278" r:id="rId5"/>
+    <p:sldId id="265" r:id="rId6"/>
+    <p:sldId id="267" r:id="rId7"/>
+    <p:sldId id="277" r:id="rId8"/>
+    <p:sldId id="268" r:id="rId9"/>
+    <p:sldId id="269" r:id="rId10"/>
+    <p:sldId id="270" r:id="rId11"/>
+    <p:sldId id="272" r:id="rId12"/>
+    <p:sldId id="276" r:id="rId13"/>
+    <p:sldId id="273" r:id="rId14"/>
+    <p:sldId id="274" r:id="rId15"/>
   </p:sldIdLst>
   <p:sldSz cx="12192000" cy="6858000"/>
   <p:notesSz cx="6858000" cy="9144000"/>
@@ -118,7 +119,7 @@
   </p:defaultTextStyle>
   <p:extLst>
     <p:ext uri="{EFAFB233-063F-42B5-8137-9DF3F51BA10A}">
-      <p15:sldGuideLst xmlns="" xmlns:p15="http://schemas.microsoft.com/office/powerpoint/2012/main"/>
+      <p15:sldGuideLst xmlns:p15="http://schemas.microsoft.com/office/powerpoint/2012/main" xmlns=""/>
     </p:ext>
   </p:extLst>
 </p:presentation>
@@ -314,7 +315,7 @@
     <a:masterClrMapping/>
   </p:clrMapOvr>
   <mc:AlternateContent xmlns:mc="http://schemas.openxmlformats.org/markup-compatibility/2006">
-    <mc:Choice xmlns="" xmlns:p15="http://schemas.microsoft.com/office/powerpoint/2012/main" Requires="p15">
+    <mc:Choice xmlns:p15="http://schemas.microsoft.com/office/powerpoint/2012/main" xmlns="" Requires="p15">
       <p:transition xmlns:p14="http://schemas.microsoft.com/office/powerpoint/2010/main" spd="slow" p14:dur="1250">
         <p15:prstTrans prst="peelOff"/>
       </p:transition>
@@ -496,7 +497,7 @@
     <a:masterClrMapping/>
   </p:clrMapOvr>
   <mc:AlternateContent xmlns:mc="http://schemas.openxmlformats.org/markup-compatibility/2006">
-    <mc:Choice xmlns="" xmlns:p15="http://schemas.microsoft.com/office/powerpoint/2012/main" Requires="p15">
+    <mc:Choice xmlns:p15="http://schemas.microsoft.com/office/powerpoint/2012/main" xmlns="" Requires="p15">
       <p:transition xmlns:p14="http://schemas.microsoft.com/office/powerpoint/2010/main" spd="slow" p14:dur="1250">
         <p15:prstTrans prst="peelOff"/>
       </p:transition>
@@ -688,7 +689,7 @@
     <a:masterClrMapping/>
   </p:clrMapOvr>
   <mc:AlternateContent xmlns:mc="http://schemas.openxmlformats.org/markup-compatibility/2006">
-    <mc:Choice xmlns="" xmlns:p15="http://schemas.microsoft.com/office/powerpoint/2012/main" Requires="p15">
+    <mc:Choice xmlns:p15="http://schemas.microsoft.com/office/powerpoint/2012/main" xmlns="" Requires="p15">
       <p:transition xmlns:p14="http://schemas.microsoft.com/office/powerpoint/2010/main" spd="slow" p14:dur="1250">
         <p15:prstTrans prst="peelOff"/>
       </p:transition>
@@ -1056,7 +1057,7 @@
     <a:masterClrMapping/>
   </p:clrMapOvr>
   <mc:AlternateContent xmlns:mc="http://schemas.openxmlformats.org/markup-compatibility/2006">
-    <mc:Choice xmlns="" xmlns:p15="http://schemas.microsoft.com/office/powerpoint/2012/main" Requires="p15">
+    <mc:Choice xmlns:p15="http://schemas.microsoft.com/office/powerpoint/2012/main" xmlns="" Requires="p15">
       <p:transition xmlns:p14="http://schemas.microsoft.com/office/powerpoint/2010/main" spd="slow" p14:dur="1250">
         <p15:prstTrans prst="peelOff"/>
       </p:transition>
@@ -1350,7 +1351,7 @@
     <a:masterClrMapping/>
   </p:clrMapOvr>
   <mc:AlternateContent xmlns:mc="http://schemas.openxmlformats.org/markup-compatibility/2006">
-    <mc:Choice xmlns="" xmlns:p15="http://schemas.microsoft.com/office/powerpoint/2012/main" Requires="p15">
+    <mc:Choice xmlns:p15="http://schemas.microsoft.com/office/powerpoint/2012/main" xmlns="" Requires="p15">
       <p:transition xmlns:p14="http://schemas.microsoft.com/office/powerpoint/2010/main" spd="slow" p14:dur="1250">
         <p15:prstTrans prst="peelOff"/>
       </p:transition>
@@ -1716,7 +1717,7 @@
     <a:masterClrMapping/>
   </p:clrMapOvr>
   <mc:AlternateContent xmlns:mc="http://schemas.openxmlformats.org/markup-compatibility/2006">
-    <mc:Choice xmlns="" xmlns:p15="http://schemas.microsoft.com/office/powerpoint/2012/main" Requires="p15">
+    <mc:Choice xmlns:p15="http://schemas.microsoft.com/office/powerpoint/2012/main" xmlns="" Requires="p15">
       <p:transition xmlns:p14="http://schemas.microsoft.com/office/powerpoint/2010/main" spd="slow" p14:dur="1250">
         <p15:prstTrans prst="peelOff"/>
       </p:transition>
@@ -2071,7 +2072,7 @@
     <a:masterClrMapping/>
   </p:clrMapOvr>
   <mc:AlternateContent xmlns:mc="http://schemas.openxmlformats.org/markup-compatibility/2006">
-    <mc:Choice xmlns="" xmlns:p15="http://schemas.microsoft.com/office/powerpoint/2012/main" Requires="p15">
+    <mc:Choice xmlns:p15="http://schemas.microsoft.com/office/powerpoint/2012/main" xmlns="" Requires="p15">
       <p:transition xmlns:p14="http://schemas.microsoft.com/office/powerpoint/2010/main" spd="slow" p14:dur="1250">
         <p15:prstTrans prst="peelOff"/>
       </p:transition>
@@ -2560,7 +2561,7 @@
     <a:masterClrMapping/>
   </p:clrMapOvr>
   <mc:AlternateContent xmlns:mc="http://schemas.openxmlformats.org/markup-compatibility/2006">
-    <mc:Choice xmlns="" xmlns:p15="http://schemas.microsoft.com/office/powerpoint/2012/main" Requires="p15">
+    <mc:Choice xmlns:p15="http://schemas.microsoft.com/office/powerpoint/2012/main" xmlns="" Requires="p15">
       <p:transition xmlns:p14="http://schemas.microsoft.com/office/powerpoint/2010/main" spd="slow" p14:dur="1250">
         <p15:prstTrans prst="peelOff"/>
       </p:transition>
@@ -2792,7 +2793,7 @@
     <a:masterClrMapping/>
   </p:clrMapOvr>
   <mc:AlternateContent xmlns:mc="http://schemas.openxmlformats.org/markup-compatibility/2006">
-    <mc:Choice xmlns="" xmlns:p15="http://schemas.microsoft.com/office/powerpoint/2012/main" Requires="p15">
+    <mc:Choice xmlns:p15="http://schemas.microsoft.com/office/powerpoint/2012/main" xmlns="" Requires="p15">
       <p:transition xmlns:p14="http://schemas.microsoft.com/office/powerpoint/2010/main" spd="slow" p14:dur="1250">
         <p15:prstTrans prst="peelOff"/>
       </p:transition>
@@ -3001,7 +3002,7 @@
     <a:masterClrMapping/>
   </p:clrMapOvr>
   <mc:AlternateContent xmlns:mc="http://schemas.openxmlformats.org/markup-compatibility/2006">
-    <mc:Choice xmlns="" xmlns:p15="http://schemas.microsoft.com/office/powerpoint/2012/main" Requires="p15">
+    <mc:Choice xmlns:p15="http://schemas.microsoft.com/office/powerpoint/2012/main" xmlns="" Requires="p15">
       <p:transition xmlns:p14="http://schemas.microsoft.com/office/powerpoint/2010/main" spd="slow" p14:dur="1250">
         <p15:prstTrans prst="peelOff"/>
       </p:transition>
@@ -3366,7 +3367,7 @@
     <a:masterClrMapping/>
   </p:clrMapOvr>
   <mc:AlternateContent xmlns:mc="http://schemas.openxmlformats.org/markup-compatibility/2006">
-    <mc:Choice xmlns="" xmlns:p15="http://schemas.microsoft.com/office/powerpoint/2012/main" Requires="p15">
+    <mc:Choice xmlns:p15="http://schemas.microsoft.com/office/powerpoint/2012/main" xmlns="" Requires="p15">
       <p:transition xmlns:p14="http://schemas.microsoft.com/office/powerpoint/2010/main" spd="slow" p14:dur="1250">
         <p15:prstTrans prst="peelOff"/>
       </p:transition>
@@ -3548,7 +3549,7 @@
     <a:masterClrMapping/>
   </p:clrMapOvr>
   <mc:AlternateContent xmlns:mc="http://schemas.openxmlformats.org/markup-compatibility/2006">
-    <mc:Choice xmlns="" xmlns:p15="http://schemas.microsoft.com/office/powerpoint/2012/main" Requires="p15">
+    <mc:Choice xmlns:p15="http://schemas.microsoft.com/office/powerpoint/2012/main" xmlns="" Requires="p15">
       <p:transition xmlns:p14="http://schemas.microsoft.com/office/powerpoint/2010/main" spd="slow" p14:dur="1250">
         <p15:prstTrans prst="peelOff"/>
       </p:transition>
@@ -3930,7 +3931,7 @@
     <a:masterClrMapping/>
   </p:clrMapOvr>
   <mc:AlternateContent xmlns:mc="http://schemas.openxmlformats.org/markup-compatibility/2006">
-    <mc:Choice xmlns="" xmlns:p15="http://schemas.microsoft.com/office/powerpoint/2012/main" Requires="p15">
+    <mc:Choice xmlns:p15="http://schemas.microsoft.com/office/powerpoint/2012/main" xmlns="" Requires="p15">
       <p:transition xmlns:p14="http://schemas.microsoft.com/office/powerpoint/2010/main" spd="slow" p14:dur="1250">
         <p15:prstTrans prst="peelOff"/>
       </p:transition>
@@ -4300,7 +4301,7 @@
     <a:masterClrMapping/>
   </p:clrMapOvr>
   <mc:AlternateContent xmlns:mc="http://schemas.openxmlformats.org/markup-compatibility/2006">
-    <mc:Choice xmlns="" xmlns:p15="http://schemas.microsoft.com/office/powerpoint/2012/main" Requires="p15">
+    <mc:Choice xmlns:p15="http://schemas.microsoft.com/office/powerpoint/2012/main" xmlns="" Requires="p15">
       <p:transition xmlns:p14="http://schemas.microsoft.com/office/powerpoint/2010/main" spd="slow" p14:dur="1250">
         <p15:prstTrans prst="peelOff"/>
       </p:transition>
@@ -4805,7 +4806,7 @@
     <a:masterClrMapping/>
   </p:clrMapOvr>
   <mc:AlternateContent xmlns:mc="http://schemas.openxmlformats.org/markup-compatibility/2006">
-    <mc:Choice xmlns="" xmlns:p15="http://schemas.microsoft.com/office/powerpoint/2012/main" Requires="p15">
+    <mc:Choice xmlns:p15="http://schemas.microsoft.com/office/powerpoint/2012/main" xmlns="" Requires="p15">
       <p:transition xmlns:p14="http://schemas.microsoft.com/office/powerpoint/2010/main" spd="slow" p14:dur="1250">
         <p15:prstTrans prst="peelOff"/>
       </p:transition>
@@ -5097,7 +5098,7 @@
     <a:masterClrMapping/>
   </p:clrMapOvr>
   <mc:AlternateContent xmlns:mc="http://schemas.openxmlformats.org/markup-compatibility/2006">
-    <mc:Choice xmlns="" xmlns:p15="http://schemas.microsoft.com/office/powerpoint/2012/main" Requires="p15">
+    <mc:Choice xmlns:p15="http://schemas.microsoft.com/office/powerpoint/2012/main" xmlns="" Requires="p15">
       <p:transition xmlns:p14="http://schemas.microsoft.com/office/powerpoint/2010/main" spd="slow" p14:dur="1250">
         <p15:prstTrans prst="peelOff"/>
       </p:transition>
@@ -5521,7 +5522,7 @@
     <a:masterClrMapping/>
   </p:clrMapOvr>
   <mc:AlternateContent xmlns:mc="http://schemas.openxmlformats.org/markup-compatibility/2006">
-    <mc:Choice xmlns="" xmlns:p15="http://schemas.microsoft.com/office/powerpoint/2012/main" Requires="p15">
+    <mc:Choice xmlns:p15="http://schemas.microsoft.com/office/powerpoint/2012/main" xmlns="" Requires="p15">
       <p:transition xmlns:p14="http://schemas.microsoft.com/office/powerpoint/2010/main" spd="slow" p14:dur="1250">
         <p15:prstTrans prst="peelOff"/>
       </p:transition>
@@ -5873,7 +5874,7 @@
     <a:masterClrMapping/>
   </p:clrMapOvr>
   <mc:AlternateContent xmlns:mc="http://schemas.openxmlformats.org/markup-compatibility/2006">
-    <mc:Choice xmlns="" xmlns:p15="http://schemas.microsoft.com/office/powerpoint/2012/main" Requires="p15">
+    <mc:Choice xmlns:p15="http://schemas.microsoft.com/office/powerpoint/2012/main" xmlns="" Requires="p15">
       <p:transition xmlns:p14="http://schemas.microsoft.com/office/powerpoint/2010/main" spd="slow" p14:dur="1250">
         <p15:prstTrans prst="peelOff"/>
       </p:transition>
@@ -6157,7 +6158,7 @@
     <a:masterClrMapping/>
   </p:clrMapOvr>
   <mc:AlternateContent xmlns:mc="http://schemas.openxmlformats.org/markup-compatibility/2006">
-    <mc:Choice xmlns="" xmlns:p15="http://schemas.microsoft.com/office/powerpoint/2012/main" Requires="p15">
+    <mc:Choice xmlns:p15="http://schemas.microsoft.com/office/powerpoint/2012/main" xmlns="" Requires="p15">
       <p:transition xmlns:p14="http://schemas.microsoft.com/office/powerpoint/2010/main" spd="slow" p14:dur="1250">
         <p15:prstTrans prst="peelOff"/>
       </p:transition>
@@ -6451,7 +6452,7 @@
     <a:masterClrMapping/>
   </p:clrMapOvr>
   <mc:AlternateContent xmlns:mc="http://schemas.openxmlformats.org/markup-compatibility/2006">
-    <mc:Choice xmlns="" xmlns:p15="http://schemas.microsoft.com/office/powerpoint/2012/main" Requires="p15">
+    <mc:Choice xmlns:p15="http://schemas.microsoft.com/office/powerpoint/2012/main" xmlns="" Requires="p15">
       <p:transition xmlns:p14="http://schemas.microsoft.com/office/powerpoint/2010/main" spd="slow" p14:dur="1250">
         <p15:prstTrans prst="peelOff"/>
       </p:transition>
@@ -6709,7 +6710,7 @@
     <a:masterClrMapping/>
   </p:clrMapOvr>
   <mc:AlternateContent xmlns:mc="http://schemas.openxmlformats.org/markup-compatibility/2006">
-    <mc:Choice xmlns="" xmlns:p15="http://schemas.microsoft.com/office/powerpoint/2012/main" Requires="p15">
+    <mc:Choice xmlns:p15="http://schemas.microsoft.com/office/powerpoint/2012/main" xmlns="" Requires="p15">
       <p:transition xmlns:p14="http://schemas.microsoft.com/office/powerpoint/2010/main" spd="slow" p14:dur="1250">
         <p15:prstTrans prst="peelOff"/>
       </p:transition>
@@ -6953,7 +6954,7 @@
     <a:masterClrMapping/>
   </p:clrMapOvr>
   <mc:AlternateContent xmlns:mc="http://schemas.openxmlformats.org/markup-compatibility/2006">
-    <mc:Choice xmlns="" xmlns:p15="http://schemas.microsoft.com/office/powerpoint/2012/main" Requires="p15">
+    <mc:Choice xmlns:p15="http://schemas.microsoft.com/office/powerpoint/2012/main" xmlns="" Requires="p15">
       <p:transition xmlns:p14="http://schemas.microsoft.com/office/powerpoint/2010/main" spd="slow" p14:dur="1250">
         <p15:prstTrans prst="peelOff"/>
       </p:transition>
@@ -7332,7 +7333,7 @@
     <a:masterClrMapping/>
   </p:clrMapOvr>
   <mc:AlternateContent xmlns:mc="http://schemas.openxmlformats.org/markup-compatibility/2006">
-    <mc:Choice xmlns="" xmlns:p15="http://schemas.microsoft.com/office/powerpoint/2012/main" Requires="p15">
+    <mc:Choice xmlns:p15="http://schemas.microsoft.com/office/powerpoint/2012/main" xmlns="" Requires="p15">
       <p:transition xmlns:p14="http://schemas.microsoft.com/office/powerpoint/2010/main" spd="slow" p14:dur="1250">
         <p15:prstTrans prst="peelOff"/>
       </p:transition>
@@ -7462,7 +7463,7 @@
     <a:masterClrMapping/>
   </p:clrMapOvr>
   <mc:AlternateContent xmlns:mc="http://schemas.openxmlformats.org/markup-compatibility/2006">
-    <mc:Choice xmlns="" xmlns:p15="http://schemas.microsoft.com/office/powerpoint/2012/main" Requires="p15">
+    <mc:Choice xmlns:p15="http://schemas.microsoft.com/office/powerpoint/2012/main" xmlns="" Requires="p15">
       <p:transition xmlns:p14="http://schemas.microsoft.com/office/powerpoint/2010/main" spd="slow" p14:dur="1250">
         <p15:prstTrans prst="peelOff"/>
       </p:transition>
@@ -7569,7 +7570,7 @@
     <a:masterClrMapping/>
   </p:clrMapOvr>
   <mc:AlternateContent xmlns:mc="http://schemas.openxmlformats.org/markup-compatibility/2006">
-    <mc:Choice xmlns="" xmlns:p15="http://schemas.microsoft.com/office/powerpoint/2012/main" Requires="p15">
+    <mc:Choice xmlns:p15="http://schemas.microsoft.com/office/powerpoint/2012/main" xmlns="" Requires="p15">
       <p:transition xmlns:p14="http://schemas.microsoft.com/office/powerpoint/2010/main" spd="slow" p14:dur="1250">
         <p15:prstTrans prst="peelOff"/>
       </p:transition>
@@ -7858,7 +7859,7 @@
     <a:masterClrMapping/>
   </p:clrMapOvr>
   <mc:AlternateContent xmlns:mc="http://schemas.openxmlformats.org/markup-compatibility/2006">
-    <mc:Choice xmlns="" xmlns:p15="http://schemas.microsoft.com/office/powerpoint/2012/main" Requires="p15">
+    <mc:Choice xmlns:p15="http://schemas.microsoft.com/office/powerpoint/2012/main" xmlns="" Requires="p15">
       <p:transition xmlns:p14="http://schemas.microsoft.com/office/powerpoint/2010/main" spd="slow" p14:dur="1250">
         <p15:prstTrans prst="peelOff"/>
       </p:transition>
@@ -8123,7 +8124,7 @@
     <a:masterClrMapping/>
   </p:clrMapOvr>
   <mc:AlternateContent xmlns:mc="http://schemas.openxmlformats.org/markup-compatibility/2006">
-    <mc:Choice xmlns="" xmlns:p15="http://schemas.microsoft.com/office/powerpoint/2012/main" Requires="p15">
+    <mc:Choice xmlns:p15="http://schemas.microsoft.com/office/powerpoint/2012/main" xmlns="" Requires="p15">
       <p:transition xmlns:p14="http://schemas.microsoft.com/office/powerpoint/2010/main" spd="slow" p14:dur="1250">
         <p15:prstTrans prst="peelOff"/>
       </p:transition>
@@ -8416,7 +8417,7 @@
     <p:sldLayoutId id="2147483837" r:id="rId11"/>
   </p:sldLayoutIdLst>
   <mc:AlternateContent xmlns:mc="http://schemas.openxmlformats.org/markup-compatibility/2006">
-    <mc:Choice xmlns="" xmlns:p15="http://schemas.microsoft.com/office/powerpoint/2012/main" Requires="p15">
+    <mc:Choice xmlns:p15="http://schemas.microsoft.com/office/powerpoint/2012/main" xmlns="" Requires="p15">
       <p:transition xmlns:p14="http://schemas.microsoft.com/office/powerpoint/2010/main" spd="slow" p14:dur="1250">
         <p15:prstTrans prst="peelOff"/>
       </p:transition>
@@ -10829,7 +10830,7 @@
     <p:sldLayoutId id="2147483854" r:id="rId16"/>
   </p:sldLayoutIdLst>
   <mc:AlternateContent xmlns:mc="http://schemas.openxmlformats.org/markup-compatibility/2006">
-    <mc:Choice xmlns="" xmlns:p15="http://schemas.microsoft.com/office/powerpoint/2012/main" Requires="p15">
+    <mc:Choice xmlns:p15="http://schemas.microsoft.com/office/powerpoint/2012/main" xmlns="" Requires="p15">
       <p:transition xmlns:p14="http://schemas.microsoft.com/office/powerpoint/2010/main" spd="slow" p14:dur="1250">
         <p15:prstTrans prst="peelOff"/>
       </p:transition>
@@ -11652,2314 +11653,6 @@
           <a:chExt cx="0" cy="0"/>
         </a:xfrm>
       </p:grpSpPr>
-      <p:grpSp>
-        <p:nvGrpSpPr>
-          <p:cNvPr id="66" name="Groupe 65"/>
-          <p:cNvGrpSpPr/>
-          <p:nvPr/>
-        </p:nvGrpSpPr>
-        <p:grpSpPr>
-          <a:xfrm>
-            <a:off x="1499205" y="1491350"/>
-            <a:ext cx="8389938" cy="4966792"/>
-            <a:chOff x="1703507" y="219998"/>
-            <a:chExt cx="8792257" cy="6060597"/>
-          </a:xfrm>
-        </p:grpSpPr>
-        <p:sp>
-          <p:nvSpPr>
-            <p:cNvPr id="51" name="Rectangle à coins arrondis 50"/>
-            <p:cNvSpPr/>
-            <p:nvPr/>
-          </p:nvSpPr>
-          <p:spPr>
-            <a:xfrm>
-              <a:off x="8262947" y="4690086"/>
-              <a:ext cx="2232248" cy="1584176"/>
-            </a:xfrm>
-            <a:prstGeom prst="roundRect">
-              <a:avLst/>
-            </a:prstGeom>
-          </p:spPr>
-          <p:style>
-            <a:lnRef idx="1">
-              <a:schemeClr val="accent5"/>
-            </a:lnRef>
-            <a:fillRef idx="2">
-              <a:schemeClr val="accent5"/>
-            </a:fillRef>
-            <a:effectRef idx="1">
-              <a:schemeClr val="accent5"/>
-            </a:effectRef>
-            <a:fontRef idx="minor">
-              <a:schemeClr val="dk1"/>
-            </a:fontRef>
-          </p:style>
-          <p:txBody>
-            <a:bodyPr rtlCol="0" anchor="ctr"/>
-            <a:lstStyle>
-              <a:defPPr>
-                <a:defRPr lang="fr-FR"/>
-              </a:defPPr>
-              <a:lvl1pPr marL="0" algn="l" defTabSz="914400" rtl="0" eaLnBrk="1" latinLnBrk="0" hangingPunct="1">
-                <a:defRPr sz="1800" kern="1200">
-                  <a:solidFill>
-                    <a:schemeClr val="dk1"/>
-                  </a:solidFill>
-                  <a:latin typeface="+mn-lt"/>
-                  <a:ea typeface="+mn-ea"/>
-                  <a:cs typeface="+mn-cs"/>
-                </a:defRPr>
-              </a:lvl1pPr>
-              <a:lvl2pPr marL="457200" algn="l" defTabSz="914400" rtl="0" eaLnBrk="1" latinLnBrk="0" hangingPunct="1">
-                <a:defRPr sz="1800" kern="1200">
-                  <a:solidFill>
-                    <a:schemeClr val="dk1"/>
-                  </a:solidFill>
-                  <a:latin typeface="+mn-lt"/>
-                  <a:ea typeface="+mn-ea"/>
-                  <a:cs typeface="+mn-cs"/>
-                </a:defRPr>
-              </a:lvl2pPr>
-              <a:lvl3pPr marL="914400" algn="l" defTabSz="914400" rtl="0" eaLnBrk="1" latinLnBrk="0" hangingPunct="1">
-                <a:defRPr sz="1800" kern="1200">
-                  <a:solidFill>
-                    <a:schemeClr val="dk1"/>
-                  </a:solidFill>
-                  <a:latin typeface="+mn-lt"/>
-                  <a:ea typeface="+mn-ea"/>
-                  <a:cs typeface="+mn-cs"/>
-                </a:defRPr>
-              </a:lvl3pPr>
-              <a:lvl4pPr marL="1371600" algn="l" defTabSz="914400" rtl="0" eaLnBrk="1" latinLnBrk="0" hangingPunct="1">
-                <a:defRPr sz="1800" kern="1200">
-                  <a:solidFill>
-                    <a:schemeClr val="dk1"/>
-                  </a:solidFill>
-                  <a:latin typeface="+mn-lt"/>
-                  <a:ea typeface="+mn-ea"/>
-                  <a:cs typeface="+mn-cs"/>
-                </a:defRPr>
-              </a:lvl4pPr>
-              <a:lvl5pPr marL="1828800" algn="l" defTabSz="914400" rtl="0" eaLnBrk="1" latinLnBrk="0" hangingPunct="1">
-                <a:defRPr sz="1800" kern="1200">
-                  <a:solidFill>
-                    <a:schemeClr val="dk1"/>
-                  </a:solidFill>
-                  <a:latin typeface="+mn-lt"/>
-                  <a:ea typeface="+mn-ea"/>
-                  <a:cs typeface="+mn-cs"/>
-                </a:defRPr>
-              </a:lvl5pPr>
-              <a:lvl6pPr marL="2286000" algn="l" defTabSz="914400" rtl="0" eaLnBrk="1" latinLnBrk="0" hangingPunct="1">
-                <a:defRPr sz="1800" kern="1200">
-                  <a:solidFill>
-                    <a:schemeClr val="dk1"/>
-                  </a:solidFill>
-                  <a:latin typeface="+mn-lt"/>
-                  <a:ea typeface="+mn-ea"/>
-                  <a:cs typeface="+mn-cs"/>
-                </a:defRPr>
-              </a:lvl6pPr>
-              <a:lvl7pPr marL="2743200" algn="l" defTabSz="914400" rtl="0" eaLnBrk="1" latinLnBrk="0" hangingPunct="1">
-                <a:defRPr sz="1800" kern="1200">
-                  <a:solidFill>
-                    <a:schemeClr val="dk1"/>
-                  </a:solidFill>
-                  <a:latin typeface="+mn-lt"/>
-                  <a:ea typeface="+mn-ea"/>
-                  <a:cs typeface="+mn-cs"/>
-                </a:defRPr>
-              </a:lvl7pPr>
-              <a:lvl8pPr marL="3200400" algn="l" defTabSz="914400" rtl="0" eaLnBrk="1" latinLnBrk="0" hangingPunct="1">
-                <a:defRPr sz="1800" kern="1200">
-                  <a:solidFill>
-                    <a:schemeClr val="dk1"/>
-                  </a:solidFill>
-                  <a:latin typeface="+mn-lt"/>
-                  <a:ea typeface="+mn-ea"/>
-                  <a:cs typeface="+mn-cs"/>
-                </a:defRPr>
-              </a:lvl8pPr>
-              <a:lvl9pPr marL="3657600" algn="l" defTabSz="914400" rtl="0" eaLnBrk="1" latinLnBrk="0" hangingPunct="1">
-                <a:defRPr sz="1800" kern="1200">
-                  <a:solidFill>
-                    <a:schemeClr val="dk1"/>
-                  </a:solidFill>
-                  <a:latin typeface="+mn-lt"/>
-                  <a:ea typeface="+mn-ea"/>
-                  <a:cs typeface="+mn-cs"/>
-                </a:defRPr>
-              </a:lvl9pPr>
-            </a:lstStyle>
-            <a:p>
-              <a:pPr algn="ctr"/>
-              <a:endParaRPr lang="fr-FR" sz="1400"/>
-            </a:p>
-          </p:txBody>
-        </p:sp>
-        <p:sp>
-          <p:nvSpPr>
-            <p:cNvPr id="35" name="Rectangle à coins arrondis 34"/>
-            <p:cNvSpPr/>
-            <p:nvPr/>
-          </p:nvSpPr>
-          <p:spPr>
-            <a:xfrm>
-              <a:off x="1703512" y="219998"/>
-              <a:ext cx="2195736" cy="1584176"/>
-            </a:xfrm>
-            <a:prstGeom prst="roundRect">
-              <a:avLst/>
-            </a:prstGeom>
-          </p:spPr>
-          <p:style>
-            <a:lnRef idx="1">
-              <a:schemeClr val="accent5"/>
-            </a:lnRef>
-            <a:fillRef idx="2">
-              <a:schemeClr val="accent5"/>
-            </a:fillRef>
-            <a:effectRef idx="1">
-              <a:schemeClr val="accent5"/>
-            </a:effectRef>
-            <a:fontRef idx="minor">
-              <a:schemeClr val="dk1"/>
-            </a:fontRef>
-          </p:style>
-          <p:txBody>
-            <a:bodyPr rtlCol="0" anchor="ctr"/>
-            <a:lstStyle>
-              <a:defPPr>
-                <a:defRPr lang="fr-FR"/>
-              </a:defPPr>
-              <a:lvl1pPr marL="0" algn="l" defTabSz="914400" rtl="0" eaLnBrk="1" latinLnBrk="0" hangingPunct="1">
-                <a:defRPr sz="1800" kern="1200">
-                  <a:solidFill>
-                    <a:schemeClr val="dk1"/>
-                  </a:solidFill>
-                  <a:latin typeface="+mn-lt"/>
-                  <a:ea typeface="+mn-ea"/>
-                  <a:cs typeface="+mn-cs"/>
-                </a:defRPr>
-              </a:lvl1pPr>
-              <a:lvl2pPr marL="457200" algn="l" defTabSz="914400" rtl="0" eaLnBrk="1" latinLnBrk="0" hangingPunct="1">
-                <a:defRPr sz="1800" kern="1200">
-                  <a:solidFill>
-                    <a:schemeClr val="dk1"/>
-                  </a:solidFill>
-                  <a:latin typeface="+mn-lt"/>
-                  <a:ea typeface="+mn-ea"/>
-                  <a:cs typeface="+mn-cs"/>
-                </a:defRPr>
-              </a:lvl2pPr>
-              <a:lvl3pPr marL="914400" algn="l" defTabSz="914400" rtl="0" eaLnBrk="1" latinLnBrk="0" hangingPunct="1">
-                <a:defRPr sz="1800" kern="1200">
-                  <a:solidFill>
-                    <a:schemeClr val="dk1"/>
-                  </a:solidFill>
-                  <a:latin typeface="+mn-lt"/>
-                  <a:ea typeface="+mn-ea"/>
-                  <a:cs typeface="+mn-cs"/>
-                </a:defRPr>
-              </a:lvl3pPr>
-              <a:lvl4pPr marL="1371600" algn="l" defTabSz="914400" rtl="0" eaLnBrk="1" latinLnBrk="0" hangingPunct="1">
-                <a:defRPr sz="1800" kern="1200">
-                  <a:solidFill>
-                    <a:schemeClr val="dk1"/>
-                  </a:solidFill>
-                  <a:latin typeface="+mn-lt"/>
-                  <a:ea typeface="+mn-ea"/>
-                  <a:cs typeface="+mn-cs"/>
-                </a:defRPr>
-              </a:lvl4pPr>
-              <a:lvl5pPr marL="1828800" algn="l" defTabSz="914400" rtl="0" eaLnBrk="1" latinLnBrk="0" hangingPunct="1">
-                <a:defRPr sz="1800" kern="1200">
-                  <a:solidFill>
-                    <a:schemeClr val="dk1"/>
-                  </a:solidFill>
-                  <a:latin typeface="+mn-lt"/>
-                  <a:ea typeface="+mn-ea"/>
-                  <a:cs typeface="+mn-cs"/>
-                </a:defRPr>
-              </a:lvl5pPr>
-              <a:lvl6pPr marL="2286000" algn="l" defTabSz="914400" rtl="0" eaLnBrk="1" latinLnBrk="0" hangingPunct="1">
-                <a:defRPr sz="1800" kern="1200">
-                  <a:solidFill>
-                    <a:schemeClr val="dk1"/>
-                  </a:solidFill>
-                  <a:latin typeface="+mn-lt"/>
-                  <a:ea typeface="+mn-ea"/>
-                  <a:cs typeface="+mn-cs"/>
-                </a:defRPr>
-              </a:lvl6pPr>
-              <a:lvl7pPr marL="2743200" algn="l" defTabSz="914400" rtl="0" eaLnBrk="1" latinLnBrk="0" hangingPunct="1">
-                <a:defRPr sz="1800" kern="1200">
-                  <a:solidFill>
-                    <a:schemeClr val="dk1"/>
-                  </a:solidFill>
-                  <a:latin typeface="+mn-lt"/>
-                  <a:ea typeface="+mn-ea"/>
-                  <a:cs typeface="+mn-cs"/>
-                </a:defRPr>
-              </a:lvl7pPr>
-              <a:lvl8pPr marL="3200400" algn="l" defTabSz="914400" rtl="0" eaLnBrk="1" latinLnBrk="0" hangingPunct="1">
-                <a:defRPr sz="1800" kern="1200">
-                  <a:solidFill>
-                    <a:schemeClr val="dk1"/>
-                  </a:solidFill>
-                  <a:latin typeface="+mn-lt"/>
-                  <a:ea typeface="+mn-ea"/>
-                  <a:cs typeface="+mn-cs"/>
-                </a:defRPr>
-              </a:lvl8pPr>
-              <a:lvl9pPr marL="3657600" algn="l" defTabSz="914400" rtl="0" eaLnBrk="1" latinLnBrk="0" hangingPunct="1">
-                <a:defRPr sz="1800" kern="1200">
-                  <a:solidFill>
-                    <a:schemeClr val="dk1"/>
-                  </a:solidFill>
-                  <a:latin typeface="+mn-lt"/>
-                  <a:ea typeface="+mn-ea"/>
-                  <a:cs typeface="+mn-cs"/>
-                </a:defRPr>
-              </a:lvl9pPr>
-            </a:lstStyle>
-            <a:p>
-              <a:pPr algn="ctr"/>
-              <a:endParaRPr lang="fr-FR" sz="1200"/>
-            </a:p>
-          </p:txBody>
-        </p:sp>
-        <p:sp>
-          <p:nvSpPr>
-            <p:cNvPr id="36" name="ZoneTexte 2"/>
-            <p:cNvSpPr txBox="1"/>
-            <p:nvPr/>
-          </p:nvSpPr>
-          <p:spPr>
-            <a:xfrm>
-              <a:off x="1703512" y="241485"/>
-              <a:ext cx="2195736" cy="383813"/>
-            </a:xfrm>
-            <a:prstGeom prst="rect">
-              <a:avLst/>
-            </a:prstGeom>
-            <a:noFill/>
-          </p:spPr>
-          <p:txBody>
-            <a:bodyPr wrap="square" rtlCol="0">
-              <a:spAutoFit/>
-            </a:bodyPr>
-            <a:lstStyle>
-              <a:defPPr>
-                <a:defRPr lang="fr-FR"/>
-              </a:defPPr>
-              <a:lvl1pPr marL="0" algn="l" defTabSz="914400" rtl="0" eaLnBrk="1" latinLnBrk="0" hangingPunct="1">
-                <a:defRPr sz="1800" kern="1200">
-                  <a:solidFill>
-                    <a:schemeClr val="tx1"/>
-                  </a:solidFill>
-                  <a:latin typeface="+mn-lt"/>
-                  <a:ea typeface="+mn-ea"/>
-                  <a:cs typeface="+mn-cs"/>
-                </a:defRPr>
-              </a:lvl1pPr>
-              <a:lvl2pPr marL="457200" algn="l" defTabSz="914400" rtl="0" eaLnBrk="1" latinLnBrk="0" hangingPunct="1">
-                <a:defRPr sz="1800" kern="1200">
-                  <a:solidFill>
-                    <a:schemeClr val="tx1"/>
-                  </a:solidFill>
-                  <a:latin typeface="+mn-lt"/>
-                  <a:ea typeface="+mn-ea"/>
-                  <a:cs typeface="+mn-cs"/>
-                </a:defRPr>
-              </a:lvl2pPr>
-              <a:lvl3pPr marL="914400" algn="l" defTabSz="914400" rtl="0" eaLnBrk="1" latinLnBrk="0" hangingPunct="1">
-                <a:defRPr sz="1800" kern="1200">
-                  <a:solidFill>
-                    <a:schemeClr val="tx1"/>
-                  </a:solidFill>
-                  <a:latin typeface="+mn-lt"/>
-                  <a:ea typeface="+mn-ea"/>
-                  <a:cs typeface="+mn-cs"/>
-                </a:defRPr>
-              </a:lvl3pPr>
-              <a:lvl4pPr marL="1371600" algn="l" defTabSz="914400" rtl="0" eaLnBrk="1" latinLnBrk="0" hangingPunct="1">
-                <a:defRPr sz="1800" kern="1200">
-                  <a:solidFill>
-                    <a:schemeClr val="tx1"/>
-                  </a:solidFill>
-                  <a:latin typeface="+mn-lt"/>
-                  <a:ea typeface="+mn-ea"/>
-                  <a:cs typeface="+mn-cs"/>
-                </a:defRPr>
-              </a:lvl4pPr>
-              <a:lvl5pPr marL="1828800" algn="l" defTabSz="914400" rtl="0" eaLnBrk="1" latinLnBrk="0" hangingPunct="1">
-                <a:defRPr sz="1800" kern="1200">
-                  <a:solidFill>
-                    <a:schemeClr val="tx1"/>
-                  </a:solidFill>
-                  <a:latin typeface="+mn-lt"/>
-                  <a:ea typeface="+mn-ea"/>
-                  <a:cs typeface="+mn-cs"/>
-                </a:defRPr>
-              </a:lvl5pPr>
-              <a:lvl6pPr marL="2286000" algn="l" defTabSz="914400" rtl="0" eaLnBrk="1" latinLnBrk="0" hangingPunct="1">
-                <a:defRPr sz="1800" kern="1200">
-                  <a:solidFill>
-                    <a:schemeClr val="tx1"/>
-                  </a:solidFill>
-                  <a:latin typeface="+mn-lt"/>
-                  <a:ea typeface="+mn-ea"/>
-                  <a:cs typeface="+mn-cs"/>
-                </a:defRPr>
-              </a:lvl6pPr>
-              <a:lvl7pPr marL="2743200" algn="l" defTabSz="914400" rtl="0" eaLnBrk="1" latinLnBrk="0" hangingPunct="1">
-                <a:defRPr sz="1800" kern="1200">
-                  <a:solidFill>
-                    <a:schemeClr val="tx1"/>
-                  </a:solidFill>
-                  <a:latin typeface="+mn-lt"/>
-                  <a:ea typeface="+mn-ea"/>
-                  <a:cs typeface="+mn-cs"/>
-                </a:defRPr>
-              </a:lvl7pPr>
-              <a:lvl8pPr marL="3200400" algn="l" defTabSz="914400" rtl="0" eaLnBrk="1" latinLnBrk="0" hangingPunct="1">
-                <a:defRPr sz="1800" kern="1200">
-                  <a:solidFill>
-                    <a:schemeClr val="tx1"/>
-                  </a:solidFill>
-                  <a:latin typeface="+mn-lt"/>
-                  <a:ea typeface="+mn-ea"/>
-                  <a:cs typeface="+mn-cs"/>
-                </a:defRPr>
-              </a:lvl8pPr>
-              <a:lvl9pPr marL="3657600" algn="l" defTabSz="914400" rtl="0" eaLnBrk="1" latinLnBrk="0" hangingPunct="1">
-                <a:defRPr sz="1800" kern="1200">
-                  <a:solidFill>
-                    <a:schemeClr val="tx1"/>
-                  </a:solidFill>
-                  <a:latin typeface="+mn-lt"/>
-                  <a:ea typeface="+mn-ea"/>
-                  <a:cs typeface="+mn-cs"/>
-                </a:defRPr>
-              </a:lvl9pPr>
-            </a:lstStyle>
-            <a:p>
-              <a:pPr algn="ctr"/>
-              <a:r>
-                <a:rPr lang="fr-FR" sz="1200" dirty="0" smtClean="0"/>
-                <a:t>Image de départ</a:t>
-              </a:r>
-              <a:endParaRPr lang="fr-FR" sz="1200" dirty="0"/>
-            </a:p>
-          </p:txBody>
-        </p:sp>
-        <p:sp>
-          <p:nvSpPr>
-            <p:cNvPr id="37" name="Rectangle à coins arrondis 36"/>
-            <p:cNvSpPr/>
-            <p:nvPr/>
-          </p:nvSpPr>
-          <p:spPr>
-            <a:xfrm>
-              <a:off x="1703512" y="2452246"/>
-              <a:ext cx="2232248" cy="1584176"/>
-            </a:xfrm>
-            <a:prstGeom prst="roundRect">
-              <a:avLst/>
-            </a:prstGeom>
-          </p:spPr>
-          <p:style>
-            <a:lnRef idx="1">
-              <a:schemeClr val="accent5"/>
-            </a:lnRef>
-            <a:fillRef idx="2">
-              <a:schemeClr val="accent5"/>
-            </a:fillRef>
-            <a:effectRef idx="1">
-              <a:schemeClr val="accent5"/>
-            </a:effectRef>
-            <a:fontRef idx="minor">
-              <a:schemeClr val="dk1"/>
-            </a:fontRef>
-          </p:style>
-          <p:txBody>
-            <a:bodyPr rtlCol="0" anchor="ctr"/>
-            <a:lstStyle>
-              <a:defPPr>
-                <a:defRPr lang="fr-FR"/>
-              </a:defPPr>
-              <a:lvl1pPr marL="0" algn="l" defTabSz="914400" rtl="0" eaLnBrk="1" latinLnBrk="0" hangingPunct="1">
-                <a:defRPr sz="1800" kern="1200">
-                  <a:solidFill>
-                    <a:schemeClr val="dk1"/>
-                  </a:solidFill>
-                  <a:latin typeface="+mn-lt"/>
-                  <a:ea typeface="+mn-ea"/>
-                  <a:cs typeface="+mn-cs"/>
-                </a:defRPr>
-              </a:lvl1pPr>
-              <a:lvl2pPr marL="457200" algn="l" defTabSz="914400" rtl="0" eaLnBrk="1" latinLnBrk="0" hangingPunct="1">
-                <a:defRPr sz="1800" kern="1200">
-                  <a:solidFill>
-                    <a:schemeClr val="dk1"/>
-                  </a:solidFill>
-                  <a:latin typeface="+mn-lt"/>
-                  <a:ea typeface="+mn-ea"/>
-                  <a:cs typeface="+mn-cs"/>
-                </a:defRPr>
-              </a:lvl2pPr>
-              <a:lvl3pPr marL="914400" algn="l" defTabSz="914400" rtl="0" eaLnBrk="1" latinLnBrk="0" hangingPunct="1">
-                <a:defRPr sz="1800" kern="1200">
-                  <a:solidFill>
-                    <a:schemeClr val="dk1"/>
-                  </a:solidFill>
-                  <a:latin typeface="+mn-lt"/>
-                  <a:ea typeface="+mn-ea"/>
-                  <a:cs typeface="+mn-cs"/>
-                </a:defRPr>
-              </a:lvl3pPr>
-              <a:lvl4pPr marL="1371600" algn="l" defTabSz="914400" rtl="0" eaLnBrk="1" latinLnBrk="0" hangingPunct="1">
-                <a:defRPr sz="1800" kern="1200">
-                  <a:solidFill>
-                    <a:schemeClr val="dk1"/>
-                  </a:solidFill>
-                  <a:latin typeface="+mn-lt"/>
-                  <a:ea typeface="+mn-ea"/>
-                  <a:cs typeface="+mn-cs"/>
-                </a:defRPr>
-              </a:lvl4pPr>
-              <a:lvl5pPr marL="1828800" algn="l" defTabSz="914400" rtl="0" eaLnBrk="1" latinLnBrk="0" hangingPunct="1">
-                <a:defRPr sz="1800" kern="1200">
-                  <a:solidFill>
-                    <a:schemeClr val="dk1"/>
-                  </a:solidFill>
-                  <a:latin typeface="+mn-lt"/>
-                  <a:ea typeface="+mn-ea"/>
-                  <a:cs typeface="+mn-cs"/>
-                </a:defRPr>
-              </a:lvl5pPr>
-              <a:lvl6pPr marL="2286000" algn="l" defTabSz="914400" rtl="0" eaLnBrk="1" latinLnBrk="0" hangingPunct="1">
-                <a:defRPr sz="1800" kern="1200">
-                  <a:solidFill>
-                    <a:schemeClr val="dk1"/>
-                  </a:solidFill>
-                  <a:latin typeface="+mn-lt"/>
-                  <a:ea typeface="+mn-ea"/>
-                  <a:cs typeface="+mn-cs"/>
-                </a:defRPr>
-              </a:lvl6pPr>
-              <a:lvl7pPr marL="2743200" algn="l" defTabSz="914400" rtl="0" eaLnBrk="1" latinLnBrk="0" hangingPunct="1">
-                <a:defRPr sz="1800" kern="1200">
-                  <a:solidFill>
-                    <a:schemeClr val="dk1"/>
-                  </a:solidFill>
-                  <a:latin typeface="+mn-lt"/>
-                  <a:ea typeface="+mn-ea"/>
-                  <a:cs typeface="+mn-cs"/>
-                </a:defRPr>
-              </a:lvl7pPr>
-              <a:lvl8pPr marL="3200400" algn="l" defTabSz="914400" rtl="0" eaLnBrk="1" latinLnBrk="0" hangingPunct="1">
-                <a:defRPr sz="1800" kern="1200">
-                  <a:solidFill>
-                    <a:schemeClr val="dk1"/>
-                  </a:solidFill>
-                  <a:latin typeface="+mn-lt"/>
-                  <a:ea typeface="+mn-ea"/>
-                  <a:cs typeface="+mn-cs"/>
-                </a:defRPr>
-              </a:lvl8pPr>
-              <a:lvl9pPr marL="3657600" algn="l" defTabSz="914400" rtl="0" eaLnBrk="1" latinLnBrk="0" hangingPunct="1">
-                <a:defRPr sz="1800" kern="1200">
-                  <a:solidFill>
-                    <a:schemeClr val="dk1"/>
-                  </a:solidFill>
-                  <a:latin typeface="+mn-lt"/>
-                  <a:ea typeface="+mn-ea"/>
-                  <a:cs typeface="+mn-cs"/>
-                </a:defRPr>
-              </a:lvl9pPr>
-            </a:lstStyle>
-            <a:p>
-              <a:pPr algn="ctr"/>
-              <a:endParaRPr lang="fr-FR" sz="1400"/>
-            </a:p>
-          </p:txBody>
-        </p:sp>
-        <p:sp>
-          <p:nvSpPr>
-            <p:cNvPr id="38" name="Rectangle à coins arrondis 37"/>
-            <p:cNvSpPr/>
-            <p:nvPr/>
-          </p:nvSpPr>
-          <p:spPr>
-            <a:xfrm>
-              <a:off x="4943872" y="2452246"/>
-              <a:ext cx="2232248" cy="1584176"/>
-            </a:xfrm>
-            <a:prstGeom prst="roundRect">
-              <a:avLst/>
-            </a:prstGeom>
-          </p:spPr>
-          <p:style>
-            <a:lnRef idx="1">
-              <a:schemeClr val="accent5"/>
-            </a:lnRef>
-            <a:fillRef idx="2">
-              <a:schemeClr val="accent5"/>
-            </a:fillRef>
-            <a:effectRef idx="1">
-              <a:schemeClr val="accent5"/>
-            </a:effectRef>
-            <a:fontRef idx="minor">
-              <a:schemeClr val="dk1"/>
-            </a:fontRef>
-          </p:style>
-          <p:txBody>
-            <a:bodyPr rtlCol="0" anchor="ctr"/>
-            <a:lstStyle>
-              <a:defPPr>
-                <a:defRPr lang="fr-FR"/>
-              </a:defPPr>
-              <a:lvl1pPr marL="0" algn="l" defTabSz="914400" rtl="0" eaLnBrk="1" latinLnBrk="0" hangingPunct="1">
-                <a:defRPr sz="1800" kern="1200">
-                  <a:solidFill>
-                    <a:schemeClr val="dk1"/>
-                  </a:solidFill>
-                  <a:latin typeface="+mn-lt"/>
-                  <a:ea typeface="+mn-ea"/>
-                  <a:cs typeface="+mn-cs"/>
-                </a:defRPr>
-              </a:lvl1pPr>
-              <a:lvl2pPr marL="457200" algn="l" defTabSz="914400" rtl="0" eaLnBrk="1" latinLnBrk="0" hangingPunct="1">
-                <a:defRPr sz="1800" kern="1200">
-                  <a:solidFill>
-                    <a:schemeClr val="dk1"/>
-                  </a:solidFill>
-                  <a:latin typeface="+mn-lt"/>
-                  <a:ea typeface="+mn-ea"/>
-                  <a:cs typeface="+mn-cs"/>
-                </a:defRPr>
-              </a:lvl2pPr>
-              <a:lvl3pPr marL="914400" algn="l" defTabSz="914400" rtl="0" eaLnBrk="1" latinLnBrk="0" hangingPunct="1">
-                <a:defRPr sz="1800" kern="1200">
-                  <a:solidFill>
-                    <a:schemeClr val="dk1"/>
-                  </a:solidFill>
-                  <a:latin typeface="+mn-lt"/>
-                  <a:ea typeface="+mn-ea"/>
-                  <a:cs typeface="+mn-cs"/>
-                </a:defRPr>
-              </a:lvl3pPr>
-              <a:lvl4pPr marL="1371600" algn="l" defTabSz="914400" rtl="0" eaLnBrk="1" latinLnBrk="0" hangingPunct="1">
-                <a:defRPr sz="1800" kern="1200">
-                  <a:solidFill>
-                    <a:schemeClr val="dk1"/>
-                  </a:solidFill>
-                  <a:latin typeface="+mn-lt"/>
-                  <a:ea typeface="+mn-ea"/>
-                  <a:cs typeface="+mn-cs"/>
-                </a:defRPr>
-              </a:lvl4pPr>
-              <a:lvl5pPr marL="1828800" algn="l" defTabSz="914400" rtl="0" eaLnBrk="1" latinLnBrk="0" hangingPunct="1">
-                <a:defRPr sz="1800" kern="1200">
-                  <a:solidFill>
-                    <a:schemeClr val="dk1"/>
-                  </a:solidFill>
-                  <a:latin typeface="+mn-lt"/>
-                  <a:ea typeface="+mn-ea"/>
-                  <a:cs typeface="+mn-cs"/>
-                </a:defRPr>
-              </a:lvl5pPr>
-              <a:lvl6pPr marL="2286000" algn="l" defTabSz="914400" rtl="0" eaLnBrk="1" latinLnBrk="0" hangingPunct="1">
-                <a:defRPr sz="1800" kern="1200">
-                  <a:solidFill>
-                    <a:schemeClr val="dk1"/>
-                  </a:solidFill>
-                  <a:latin typeface="+mn-lt"/>
-                  <a:ea typeface="+mn-ea"/>
-                  <a:cs typeface="+mn-cs"/>
-                </a:defRPr>
-              </a:lvl6pPr>
-              <a:lvl7pPr marL="2743200" algn="l" defTabSz="914400" rtl="0" eaLnBrk="1" latinLnBrk="0" hangingPunct="1">
-                <a:defRPr sz="1800" kern="1200">
-                  <a:solidFill>
-                    <a:schemeClr val="dk1"/>
-                  </a:solidFill>
-                  <a:latin typeface="+mn-lt"/>
-                  <a:ea typeface="+mn-ea"/>
-                  <a:cs typeface="+mn-cs"/>
-                </a:defRPr>
-              </a:lvl7pPr>
-              <a:lvl8pPr marL="3200400" algn="l" defTabSz="914400" rtl="0" eaLnBrk="1" latinLnBrk="0" hangingPunct="1">
-                <a:defRPr sz="1800" kern="1200">
-                  <a:solidFill>
-                    <a:schemeClr val="dk1"/>
-                  </a:solidFill>
-                  <a:latin typeface="+mn-lt"/>
-                  <a:ea typeface="+mn-ea"/>
-                  <a:cs typeface="+mn-cs"/>
-                </a:defRPr>
-              </a:lvl8pPr>
-              <a:lvl9pPr marL="3657600" algn="l" defTabSz="914400" rtl="0" eaLnBrk="1" latinLnBrk="0" hangingPunct="1">
-                <a:defRPr sz="1800" kern="1200">
-                  <a:solidFill>
-                    <a:schemeClr val="dk1"/>
-                  </a:solidFill>
-                  <a:latin typeface="+mn-lt"/>
-                  <a:ea typeface="+mn-ea"/>
-                  <a:cs typeface="+mn-cs"/>
-                </a:defRPr>
-              </a:lvl9pPr>
-            </a:lstStyle>
-            <a:p>
-              <a:pPr algn="ctr"/>
-              <a:endParaRPr lang="fr-FR" sz="1400"/>
-            </a:p>
-          </p:txBody>
-        </p:sp>
-        <p:sp>
-          <p:nvSpPr>
-            <p:cNvPr id="39" name="Rectangle à coins arrondis 38"/>
-            <p:cNvSpPr/>
-            <p:nvPr/>
-          </p:nvSpPr>
-          <p:spPr>
-            <a:xfrm>
-              <a:off x="8256240" y="2452246"/>
-              <a:ext cx="2232248" cy="1584176"/>
-            </a:xfrm>
-            <a:prstGeom prst="roundRect">
-              <a:avLst/>
-            </a:prstGeom>
-          </p:spPr>
-          <p:style>
-            <a:lnRef idx="1">
-              <a:schemeClr val="accent5"/>
-            </a:lnRef>
-            <a:fillRef idx="2">
-              <a:schemeClr val="accent5"/>
-            </a:fillRef>
-            <a:effectRef idx="1">
-              <a:schemeClr val="accent5"/>
-            </a:effectRef>
-            <a:fontRef idx="minor">
-              <a:schemeClr val="dk1"/>
-            </a:fontRef>
-          </p:style>
-          <p:txBody>
-            <a:bodyPr rtlCol="0" anchor="ctr"/>
-            <a:lstStyle>
-              <a:defPPr>
-                <a:defRPr lang="fr-FR"/>
-              </a:defPPr>
-              <a:lvl1pPr marL="0" algn="l" defTabSz="914400" rtl="0" eaLnBrk="1" latinLnBrk="0" hangingPunct="1">
-                <a:defRPr sz="1800" kern="1200">
-                  <a:solidFill>
-                    <a:schemeClr val="dk1"/>
-                  </a:solidFill>
-                  <a:latin typeface="+mn-lt"/>
-                  <a:ea typeface="+mn-ea"/>
-                  <a:cs typeface="+mn-cs"/>
-                </a:defRPr>
-              </a:lvl1pPr>
-              <a:lvl2pPr marL="457200" algn="l" defTabSz="914400" rtl="0" eaLnBrk="1" latinLnBrk="0" hangingPunct="1">
-                <a:defRPr sz="1800" kern="1200">
-                  <a:solidFill>
-                    <a:schemeClr val="dk1"/>
-                  </a:solidFill>
-                  <a:latin typeface="+mn-lt"/>
-                  <a:ea typeface="+mn-ea"/>
-                  <a:cs typeface="+mn-cs"/>
-                </a:defRPr>
-              </a:lvl2pPr>
-              <a:lvl3pPr marL="914400" algn="l" defTabSz="914400" rtl="0" eaLnBrk="1" latinLnBrk="0" hangingPunct="1">
-                <a:defRPr sz="1800" kern="1200">
-                  <a:solidFill>
-                    <a:schemeClr val="dk1"/>
-                  </a:solidFill>
-                  <a:latin typeface="+mn-lt"/>
-                  <a:ea typeface="+mn-ea"/>
-                  <a:cs typeface="+mn-cs"/>
-                </a:defRPr>
-              </a:lvl3pPr>
-              <a:lvl4pPr marL="1371600" algn="l" defTabSz="914400" rtl="0" eaLnBrk="1" latinLnBrk="0" hangingPunct="1">
-                <a:defRPr sz="1800" kern="1200">
-                  <a:solidFill>
-                    <a:schemeClr val="dk1"/>
-                  </a:solidFill>
-                  <a:latin typeface="+mn-lt"/>
-                  <a:ea typeface="+mn-ea"/>
-                  <a:cs typeface="+mn-cs"/>
-                </a:defRPr>
-              </a:lvl4pPr>
-              <a:lvl5pPr marL="1828800" algn="l" defTabSz="914400" rtl="0" eaLnBrk="1" latinLnBrk="0" hangingPunct="1">
-                <a:defRPr sz="1800" kern="1200">
-                  <a:solidFill>
-                    <a:schemeClr val="dk1"/>
-                  </a:solidFill>
-                  <a:latin typeface="+mn-lt"/>
-                  <a:ea typeface="+mn-ea"/>
-                  <a:cs typeface="+mn-cs"/>
-                </a:defRPr>
-              </a:lvl5pPr>
-              <a:lvl6pPr marL="2286000" algn="l" defTabSz="914400" rtl="0" eaLnBrk="1" latinLnBrk="0" hangingPunct="1">
-                <a:defRPr sz="1800" kern="1200">
-                  <a:solidFill>
-                    <a:schemeClr val="dk1"/>
-                  </a:solidFill>
-                  <a:latin typeface="+mn-lt"/>
-                  <a:ea typeface="+mn-ea"/>
-                  <a:cs typeface="+mn-cs"/>
-                </a:defRPr>
-              </a:lvl6pPr>
-              <a:lvl7pPr marL="2743200" algn="l" defTabSz="914400" rtl="0" eaLnBrk="1" latinLnBrk="0" hangingPunct="1">
-                <a:defRPr sz="1800" kern="1200">
-                  <a:solidFill>
-                    <a:schemeClr val="dk1"/>
-                  </a:solidFill>
-                  <a:latin typeface="+mn-lt"/>
-                  <a:ea typeface="+mn-ea"/>
-                  <a:cs typeface="+mn-cs"/>
-                </a:defRPr>
-              </a:lvl7pPr>
-              <a:lvl8pPr marL="3200400" algn="l" defTabSz="914400" rtl="0" eaLnBrk="1" latinLnBrk="0" hangingPunct="1">
-                <a:defRPr sz="1800" kern="1200">
-                  <a:solidFill>
-                    <a:schemeClr val="dk1"/>
-                  </a:solidFill>
-                  <a:latin typeface="+mn-lt"/>
-                  <a:ea typeface="+mn-ea"/>
-                  <a:cs typeface="+mn-cs"/>
-                </a:defRPr>
-              </a:lvl8pPr>
-              <a:lvl9pPr marL="3657600" algn="l" defTabSz="914400" rtl="0" eaLnBrk="1" latinLnBrk="0" hangingPunct="1">
-                <a:defRPr sz="1800" kern="1200">
-                  <a:solidFill>
-                    <a:schemeClr val="dk1"/>
-                  </a:solidFill>
-                  <a:latin typeface="+mn-lt"/>
-                  <a:ea typeface="+mn-ea"/>
-                  <a:cs typeface="+mn-cs"/>
-                </a:defRPr>
-              </a:lvl9pPr>
-            </a:lstStyle>
-            <a:p>
-              <a:pPr algn="ctr"/>
-              <a:endParaRPr lang="fr-FR" sz="1400"/>
-            </a:p>
-          </p:txBody>
-        </p:sp>
-        <p:sp>
-          <p:nvSpPr>
-            <p:cNvPr id="40" name="Rectangle à coins arrondis 39"/>
-            <p:cNvSpPr/>
-            <p:nvPr/>
-          </p:nvSpPr>
-          <p:spPr>
-            <a:xfrm>
-              <a:off x="8256240" y="219998"/>
-              <a:ext cx="2232248" cy="1584176"/>
-            </a:xfrm>
-            <a:prstGeom prst="roundRect">
-              <a:avLst/>
-            </a:prstGeom>
-          </p:spPr>
-          <p:style>
-            <a:lnRef idx="1">
-              <a:schemeClr val="accent5"/>
-            </a:lnRef>
-            <a:fillRef idx="2">
-              <a:schemeClr val="accent5"/>
-            </a:fillRef>
-            <a:effectRef idx="1">
-              <a:schemeClr val="accent5"/>
-            </a:effectRef>
-            <a:fontRef idx="minor">
-              <a:schemeClr val="dk1"/>
-            </a:fontRef>
-          </p:style>
-          <p:txBody>
-            <a:bodyPr rtlCol="0" anchor="ctr"/>
-            <a:lstStyle>
-              <a:defPPr>
-                <a:defRPr lang="fr-FR"/>
-              </a:defPPr>
-              <a:lvl1pPr marL="0" algn="l" defTabSz="914400" rtl="0" eaLnBrk="1" latinLnBrk="0" hangingPunct="1">
-                <a:defRPr sz="1800" kern="1200">
-                  <a:solidFill>
-                    <a:schemeClr val="dk1"/>
-                  </a:solidFill>
-                  <a:latin typeface="+mn-lt"/>
-                  <a:ea typeface="+mn-ea"/>
-                  <a:cs typeface="+mn-cs"/>
-                </a:defRPr>
-              </a:lvl1pPr>
-              <a:lvl2pPr marL="457200" algn="l" defTabSz="914400" rtl="0" eaLnBrk="1" latinLnBrk="0" hangingPunct="1">
-                <a:defRPr sz="1800" kern="1200">
-                  <a:solidFill>
-                    <a:schemeClr val="dk1"/>
-                  </a:solidFill>
-                  <a:latin typeface="+mn-lt"/>
-                  <a:ea typeface="+mn-ea"/>
-                  <a:cs typeface="+mn-cs"/>
-                </a:defRPr>
-              </a:lvl2pPr>
-              <a:lvl3pPr marL="914400" algn="l" defTabSz="914400" rtl="0" eaLnBrk="1" latinLnBrk="0" hangingPunct="1">
-                <a:defRPr sz="1800" kern="1200">
-                  <a:solidFill>
-                    <a:schemeClr val="dk1"/>
-                  </a:solidFill>
-                  <a:latin typeface="+mn-lt"/>
-                  <a:ea typeface="+mn-ea"/>
-                  <a:cs typeface="+mn-cs"/>
-                </a:defRPr>
-              </a:lvl3pPr>
-              <a:lvl4pPr marL="1371600" algn="l" defTabSz="914400" rtl="0" eaLnBrk="1" latinLnBrk="0" hangingPunct="1">
-                <a:defRPr sz="1800" kern="1200">
-                  <a:solidFill>
-                    <a:schemeClr val="dk1"/>
-                  </a:solidFill>
-                  <a:latin typeface="+mn-lt"/>
-                  <a:ea typeface="+mn-ea"/>
-                  <a:cs typeface="+mn-cs"/>
-                </a:defRPr>
-              </a:lvl4pPr>
-              <a:lvl5pPr marL="1828800" algn="l" defTabSz="914400" rtl="0" eaLnBrk="1" latinLnBrk="0" hangingPunct="1">
-                <a:defRPr sz="1800" kern="1200">
-                  <a:solidFill>
-                    <a:schemeClr val="dk1"/>
-                  </a:solidFill>
-                  <a:latin typeface="+mn-lt"/>
-                  <a:ea typeface="+mn-ea"/>
-                  <a:cs typeface="+mn-cs"/>
-                </a:defRPr>
-              </a:lvl5pPr>
-              <a:lvl6pPr marL="2286000" algn="l" defTabSz="914400" rtl="0" eaLnBrk="1" latinLnBrk="0" hangingPunct="1">
-                <a:defRPr sz="1800" kern="1200">
-                  <a:solidFill>
-                    <a:schemeClr val="dk1"/>
-                  </a:solidFill>
-                  <a:latin typeface="+mn-lt"/>
-                  <a:ea typeface="+mn-ea"/>
-                  <a:cs typeface="+mn-cs"/>
-                </a:defRPr>
-              </a:lvl6pPr>
-              <a:lvl7pPr marL="2743200" algn="l" defTabSz="914400" rtl="0" eaLnBrk="1" latinLnBrk="0" hangingPunct="1">
-                <a:defRPr sz="1800" kern="1200">
-                  <a:solidFill>
-                    <a:schemeClr val="dk1"/>
-                  </a:solidFill>
-                  <a:latin typeface="+mn-lt"/>
-                  <a:ea typeface="+mn-ea"/>
-                  <a:cs typeface="+mn-cs"/>
-                </a:defRPr>
-              </a:lvl7pPr>
-              <a:lvl8pPr marL="3200400" algn="l" defTabSz="914400" rtl="0" eaLnBrk="1" latinLnBrk="0" hangingPunct="1">
-                <a:defRPr sz="1800" kern="1200">
-                  <a:solidFill>
-                    <a:schemeClr val="dk1"/>
-                  </a:solidFill>
-                  <a:latin typeface="+mn-lt"/>
-                  <a:ea typeface="+mn-ea"/>
-                  <a:cs typeface="+mn-cs"/>
-                </a:defRPr>
-              </a:lvl8pPr>
-              <a:lvl9pPr marL="3657600" algn="l" defTabSz="914400" rtl="0" eaLnBrk="1" latinLnBrk="0" hangingPunct="1">
-                <a:defRPr sz="1800" kern="1200">
-                  <a:solidFill>
-                    <a:schemeClr val="dk1"/>
-                  </a:solidFill>
-                  <a:latin typeface="+mn-lt"/>
-                  <a:ea typeface="+mn-ea"/>
-                  <a:cs typeface="+mn-cs"/>
-                </a:defRPr>
-              </a:lvl9pPr>
-            </a:lstStyle>
-            <a:p>
-              <a:pPr algn="ctr"/>
-              <a:endParaRPr lang="fr-FR" sz="1400"/>
-            </a:p>
-          </p:txBody>
-        </p:sp>
-        <p:sp>
-          <p:nvSpPr>
-            <p:cNvPr id="41" name="Rectangle à coins arrondis 40"/>
-            <p:cNvSpPr/>
-            <p:nvPr/>
-          </p:nvSpPr>
-          <p:spPr>
-            <a:xfrm>
-              <a:off x="4943872" y="219998"/>
-              <a:ext cx="2232248" cy="1584176"/>
-            </a:xfrm>
-            <a:prstGeom prst="roundRect">
-              <a:avLst/>
-            </a:prstGeom>
-          </p:spPr>
-          <p:style>
-            <a:lnRef idx="1">
-              <a:schemeClr val="accent5"/>
-            </a:lnRef>
-            <a:fillRef idx="2">
-              <a:schemeClr val="accent5"/>
-            </a:fillRef>
-            <a:effectRef idx="1">
-              <a:schemeClr val="accent5"/>
-            </a:effectRef>
-            <a:fontRef idx="minor">
-              <a:schemeClr val="dk1"/>
-            </a:fontRef>
-          </p:style>
-          <p:txBody>
-            <a:bodyPr rtlCol="0" anchor="ctr"/>
-            <a:lstStyle>
-              <a:defPPr>
-                <a:defRPr lang="fr-FR"/>
-              </a:defPPr>
-              <a:lvl1pPr marL="0" algn="l" defTabSz="914400" rtl="0" eaLnBrk="1" latinLnBrk="0" hangingPunct="1">
-                <a:defRPr sz="1800" kern="1200">
-                  <a:solidFill>
-                    <a:schemeClr val="dk1"/>
-                  </a:solidFill>
-                  <a:latin typeface="+mn-lt"/>
-                  <a:ea typeface="+mn-ea"/>
-                  <a:cs typeface="+mn-cs"/>
-                </a:defRPr>
-              </a:lvl1pPr>
-              <a:lvl2pPr marL="457200" algn="l" defTabSz="914400" rtl="0" eaLnBrk="1" latinLnBrk="0" hangingPunct="1">
-                <a:defRPr sz="1800" kern="1200">
-                  <a:solidFill>
-                    <a:schemeClr val="dk1"/>
-                  </a:solidFill>
-                  <a:latin typeface="+mn-lt"/>
-                  <a:ea typeface="+mn-ea"/>
-                  <a:cs typeface="+mn-cs"/>
-                </a:defRPr>
-              </a:lvl2pPr>
-              <a:lvl3pPr marL="914400" algn="l" defTabSz="914400" rtl="0" eaLnBrk="1" latinLnBrk="0" hangingPunct="1">
-                <a:defRPr sz="1800" kern="1200">
-                  <a:solidFill>
-                    <a:schemeClr val="dk1"/>
-                  </a:solidFill>
-                  <a:latin typeface="+mn-lt"/>
-                  <a:ea typeface="+mn-ea"/>
-                  <a:cs typeface="+mn-cs"/>
-                </a:defRPr>
-              </a:lvl3pPr>
-              <a:lvl4pPr marL="1371600" algn="l" defTabSz="914400" rtl="0" eaLnBrk="1" latinLnBrk="0" hangingPunct="1">
-                <a:defRPr sz="1800" kern="1200">
-                  <a:solidFill>
-                    <a:schemeClr val="dk1"/>
-                  </a:solidFill>
-                  <a:latin typeface="+mn-lt"/>
-                  <a:ea typeface="+mn-ea"/>
-                  <a:cs typeface="+mn-cs"/>
-                </a:defRPr>
-              </a:lvl4pPr>
-              <a:lvl5pPr marL="1828800" algn="l" defTabSz="914400" rtl="0" eaLnBrk="1" latinLnBrk="0" hangingPunct="1">
-                <a:defRPr sz="1800" kern="1200">
-                  <a:solidFill>
-                    <a:schemeClr val="dk1"/>
-                  </a:solidFill>
-                  <a:latin typeface="+mn-lt"/>
-                  <a:ea typeface="+mn-ea"/>
-                  <a:cs typeface="+mn-cs"/>
-                </a:defRPr>
-              </a:lvl5pPr>
-              <a:lvl6pPr marL="2286000" algn="l" defTabSz="914400" rtl="0" eaLnBrk="1" latinLnBrk="0" hangingPunct="1">
-                <a:defRPr sz="1800" kern="1200">
-                  <a:solidFill>
-                    <a:schemeClr val="dk1"/>
-                  </a:solidFill>
-                  <a:latin typeface="+mn-lt"/>
-                  <a:ea typeface="+mn-ea"/>
-                  <a:cs typeface="+mn-cs"/>
-                </a:defRPr>
-              </a:lvl6pPr>
-              <a:lvl7pPr marL="2743200" algn="l" defTabSz="914400" rtl="0" eaLnBrk="1" latinLnBrk="0" hangingPunct="1">
-                <a:defRPr sz="1800" kern="1200">
-                  <a:solidFill>
-                    <a:schemeClr val="dk1"/>
-                  </a:solidFill>
-                  <a:latin typeface="+mn-lt"/>
-                  <a:ea typeface="+mn-ea"/>
-                  <a:cs typeface="+mn-cs"/>
-                </a:defRPr>
-              </a:lvl7pPr>
-              <a:lvl8pPr marL="3200400" algn="l" defTabSz="914400" rtl="0" eaLnBrk="1" latinLnBrk="0" hangingPunct="1">
-                <a:defRPr sz="1800" kern="1200">
-                  <a:solidFill>
-                    <a:schemeClr val="dk1"/>
-                  </a:solidFill>
-                  <a:latin typeface="+mn-lt"/>
-                  <a:ea typeface="+mn-ea"/>
-                  <a:cs typeface="+mn-cs"/>
-                </a:defRPr>
-              </a:lvl8pPr>
-              <a:lvl9pPr marL="3657600" algn="l" defTabSz="914400" rtl="0" eaLnBrk="1" latinLnBrk="0" hangingPunct="1">
-                <a:defRPr sz="1800" kern="1200">
-                  <a:solidFill>
-                    <a:schemeClr val="dk1"/>
-                  </a:solidFill>
-                  <a:latin typeface="+mn-lt"/>
-                  <a:ea typeface="+mn-ea"/>
-                  <a:cs typeface="+mn-cs"/>
-                </a:defRPr>
-              </a:lvl9pPr>
-            </a:lstStyle>
-            <a:p>
-              <a:pPr algn="ctr"/>
-              <a:endParaRPr lang="fr-FR" sz="1400"/>
-            </a:p>
-          </p:txBody>
-        </p:sp>
-        <p:sp>
-          <p:nvSpPr>
-            <p:cNvPr id="42" name="ZoneTexte 8"/>
-            <p:cNvSpPr txBox="1"/>
-            <p:nvPr/>
-          </p:nvSpPr>
-          <p:spPr>
-            <a:xfrm>
-              <a:off x="4943872" y="508030"/>
-              <a:ext cx="2232248" cy="895563"/>
-            </a:xfrm>
-            <a:prstGeom prst="rect">
-              <a:avLst/>
-            </a:prstGeom>
-            <a:noFill/>
-          </p:spPr>
-          <p:txBody>
-            <a:bodyPr wrap="square" rtlCol="0">
-              <a:spAutoFit/>
-            </a:bodyPr>
-            <a:lstStyle>
-              <a:defPPr>
-                <a:defRPr lang="fr-FR"/>
-              </a:defPPr>
-              <a:lvl1pPr marL="0" algn="l" defTabSz="914400" rtl="0" eaLnBrk="1" latinLnBrk="0" hangingPunct="1">
-                <a:defRPr sz="1800" kern="1200">
-                  <a:solidFill>
-                    <a:schemeClr val="tx1"/>
-                  </a:solidFill>
-                  <a:latin typeface="+mn-lt"/>
-                  <a:ea typeface="+mn-ea"/>
-                  <a:cs typeface="+mn-cs"/>
-                </a:defRPr>
-              </a:lvl1pPr>
-              <a:lvl2pPr marL="457200" algn="l" defTabSz="914400" rtl="0" eaLnBrk="1" latinLnBrk="0" hangingPunct="1">
-                <a:defRPr sz="1800" kern="1200">
-                  <a:solidFill>
-                    <a:schemeClr val="tx1"/>
-                  </a:solidFill>
-                  <a:latin typeface="+mn-lt"/>
-                  <a:ea typeface="+mn-ea"/>
-                  <a:cs typeface="+mn-cs"/>
-                </a:defRPr>
-              </a:lvl2pPr>
-              <a:lvl3pPr marL="914400" algn="l" defTabSz="914400" rtl="0" eaLnBrk="1" latinLnBrk="0" hangingPunct="1">
-                <a:defRPr sz="1800" kern="1200">
-                  <a:solidFill>
-                    <a:schemeClr val="tx1"/>
-                  </a:solidFill>
-                  <a:latin typeface="+mn-lt"/>
-                  <a:ea typeface="+mn-ea"/>
-                  <a:cs typeface="+mn-cs"/>
-                </a:defRPr>
-              </a:lvl3pPr>
-              <a:lvl4pPr marL="1371600" algn="l" defTabSz="914400" rtl="0" eaLnBrk="1" latinLnBrk="0" hangingPunct="1">
-                <a:defRPr sz="1800" kern="1200">
-                  <a:solidFill>
-                    <a:schemeClr val="tx1"/>
-                  </a:solidFill>
-                  <a:latin typeface="+mn-lt"/>
-                  <a:ea typeface="+mn-ea"/>
-                  <a:cs typeface="+mn-cs"/>
-                </a:defRPr>
-              </a:lvl4pPr>
-              <a:lvl5pPr marL="1828800" algn="l" defTabSz="914400" rtl="0" eaLnBrk="1" latinLnBrk="0" hangingPunct="1">
-                <a:defRPr sz="1800" kern="1200">
-                  <a:solidFill>
-                    <a:schemeClr val="tx1"/>
-                  </a:solidFill>
-                  <a:latin typeface="+mn-lt"/>
-                  <a:ea typeface="+mn-ea"/>
-                  <a:cs typeface="+mn-cs"/>
-                </a:defRPr>
-              </a:lvl5pPr>
-              <a:lvl6pPr marL="2286000" algn="l" defTabSz="914400" rtl="0" eaLnBrk="1" latinLnBrk="0" hangingPunct="1">
-                <a:defRPr sz="1800" kern="1200">
-                  <a:solidFill>
-                    <a:schemeClr val="tx1"/>
-                  </a:solidFill>
-                  <a:latin typeface="+mn-lt"/>
-                  <a:ea typeface="+mn-ea"/>
-                  <a:cs typeface="+mn-cs"/>
-                </a:defRPr>
-              </a:lvl6pPr>
-              <a:lvl7pPr marL="2743200" algn="l" defTabSz="914400" rtl="0" eaLnBrk="1" latinLnBrk="0" hangingPunct="1">
-                <a:defRPr sz="1800" kern="1200">
-                  <a:solidFill>
-                    <a:schemeClr val="tx1"/>
-                  </a:solidFill>
-                  <a:latin typeface="+mn-lt"/>
-                  <a:ea typeface="+mn-ea"/>
-                  <a:cs typeface="+mn-cs"/>
-                </a:defRPr>
-              </a:lvl7pPr>
-              <a:lvl8pPr marL="3200400" algn="l" defTabSz="914400" rtl="0" eaLnBrk="1" latinLnBrk="0" hangingPunct="1">
-                <a:defRPr sz="1800" kern="1200">
-                  <a:solidFill>
-                    <a:schemeClr val="tx1"/>
-                  </a:solidFill>
-                  <a:latin typeface="+mn-lt"/>
-                  <a:ea typeface="+mn-ea"/>
-                  <a:cs typeface="+mn-cs"/>
-                </a:defRPr>
-              </a:lvl8pPr>
-              <a:lvl9pPr marL="3657600" algn="l" defTabSz="914400" rtl="0" eaLnBrk="1" latinLnBrk="0" hangingPunct="1">
-                <a:defRPr sz="1800" kern="1200">
-                  <a:solidFill>
-                    <a:schemeClr val="tx1"/>
-                  </a:solidFill>
-                  <a:latin typeface="+mn-lt"/>
-                  <a:ea typeface="+mn-ea"/>
-                  <a:cs typeface="+mn-cs"/>
-                </a:defRPr>
-              </a:lvl9pPr>
-            </a:lstStyle>
-            <a:p>
-              <a:pPr algn="ctr"/>
-              <a:r>
-                <a:rPr lang="fr-FR" sz="1200" dirty="0" smtClean="0"/>
-                <a:t>Image de départ</a:t>
-              </a:r>
-            </a:p>
-            <a:p>
-              <a:pPr algn="ctr"/>
-              <a:r>
-                <a:rPr lang="fr-FR" sz="1200" dirty="0" smtClean="0"/>
-                <a:t>+</a:t>
-              </a:r>
-            </a:p>
-            <a:p>
-              <a:pPr algn="ctr"/>
-              <a:r>
-                <a:rPr lang="fr-FR" sz="1200" dirty="0" smtClean="0"/>
-                <a:t>(x</a:t>
-              </a:r>
-              <a:r>
-                <a:rPr lang="fr-FR" sz="1200" baseline="-25000" dirty="0" smtClean="0"/>
-                <a:t>0</a:t>
-              </a:r>
-              <a:r>
-                <a:rPr lang="fr-FR" sz="1200" dirty="0" smtClean="0"/>
-                <a:t>,y</a:t>
-              </a:r>
-              <a:r>
-                <a:rPr lang="fr-FR" sz="1200" baseline="-25000" dirty="0" smtClean="0"/>
-                <a:t>0</a:t>
-              </a:r>
-              <a:r>
-                <a:rPr lang="fr-FR" sz="1200" dirty="0" smtClean="0"/>
-                <a:t>), variance, offset</a:t>
-              </a:r>
-              <a:endParaRPr lang="fr-FR" sz="1200" dirty="0"/>
-            </a:p>
-          </p:txBody>
-        </p:sp>
-        <p:sp>
-          <p:nvSpPr>
-            <p:cNvPr id="43" name="ZoneTexte 9"/>
-            <p:cNvSpPr txBox="1"/>
-            <p:nvPr/>
-          </p:nvSpPr>
-          <p:spPr>
-            <a:xfrm>
-              <a:off x="8256240" y="219998"/>
-              <a:ext cx="2232248" cy="639688"/>
-            </a:xfrm>
-            <a:prstGeom prst="rect">
-              <a:avLst/>
-            </a:prstGeom>
-            <a:noFill/>
-          </p:spPr>
-          <p:txBody>
-            <a:bodyPr wrap="square" rtlCol="0">
-              <a:spAutoFit/>
-            </a:bodyPr>
-            <a:lstStyle>
-              <a:defPPr>
-                <a:defRPr lang="fr-FR"/>
-              </a:defPPr>
-              <a:lvl1pPr marL="0" algn="l" defTabSz="914400" rtl="0" eaLnBrk="1" latinLnBrk="0" hangingPunct="1">
-                <a:defRPr sz="1800" kern="1200">
-                  <a:solidFill>
-                    <a:schemeClr val="tx1"/>
-                  </a:solidFill>
-                  <a:latin typeface="+mn-lt"/>
-                  <a:ea typeface="+mn-ea"/>
-                  <a:cs typeface="+mn-cs"/>
-                </a:defRPr>
-              </a:lvl1pPr>
-              <a:lvl2pPr marL="457200" algn="l" defTabSz="914400" rtl="0" eaLnBrk="1" latinLnBrk="0" hangingPunct="1">
-                <a:defRPr sz="1800" kern="1200">
-                  <a:solidFill>
-                    <a:schemeClr val="tx1"/>
-                  </a:solidFill>
-                  <a:latin typeface="+mn-lt"/>
-                  <a:ea typeface="+mn-ea"/>
-                  <a:cs typeface="+mn-cs"/>
-                </a:defRPr>
-              </a:lvl2pPr>
-              <a:lvl3pPr marL="914400" algn="l" defTabSz="914400" rtl="0" eaLnBrk="1" latinLnBrk="0" hangingPunct="1">
-                <a:defRPr sz="1800" kern="1200">
-                  <a:solidFill>
-                    <a:schemeClr val="tx1"/>
-                  </a:solidFill>
-                  <a:latin typeface="+mn-lt"/>
-                  <a:ea typeface="+mn-ea"/>
-                  <a:cs typeface="+mn-cs"/>
-                </a:defRPr>
-              </a:lvl3pPr>
-              <a:lvl4pPr marL="1371600" algn="l" defTabSz="914400" rtl="0" eaLnBrk="1" latinLnBrk="0" hangingPunct="1">
-                <a:defRPr sz="1800" kern="1200">
-                  <a:solidFill>
-                    <a:schemeClr val="tx1"/>
-                  </a:solidFill>
-                  <a:latin typeface="+mn-lt"/>
-                  <a:ea typeface="+mn-ea"/>
-                  <a:cs typeface="+mn-cs"/>
-                </a:defRPr>
-              </a:lvl4pPr>
-              <a:lvl5pPr marL="1828800" algn="l" defTabSz="914400" rtl="0" eaLnBrk="1" latinLnBrk="0" hangingPunct="1">
-                <a:defRPr sz="1800" kern="1200">
-                  <a:solidFill>
-                    <a:schemeClr val="tx1"/>
-                  </a:solidFill>
-                  <a:latin typeface="+mn-lt"/>
-                  <a:ea typeface="+mn-ea"/>
-                  <a:cs typeface="+mn-cs"/>
-                </a:defRPr>
-              </a:lvl5pPr>
-              <a:lvl6pPr marL="2286000" algn="l" defTabSz="914400" rtl="0" eaLnBrk="1" latinLnBrk="0" hangingPunct="1">
-                <a:defRPr sz="1800" kern="1200">
-                  <a:solidFill>
-                    <a:schemeClr val="tx1"/>
-                  </a:solidFill>
-                  <a:latin typeface="+mn-lt"/>
-                  <a:ea typeface="+mn-ea"/>
-                  <a:cs typeface="+mn-cs"/>
-                </a:defRPr>
-              </a:lvl6pPr>
-              <a:lvl7pPr marL="2743200" algn="l" defTabSz="914400" rtl="0" eaLnBrk="1" latinLnBrk="0" hangingPunct="1">
-                <a:defRPr sz="1800" kern="1200">
-                  <a:solidFill>
-                    <a:schemeClr val="tx1"/>
-                  </a:solidFill>
-                  <a:latin typeface="+mn-lt"/>
-                  <a:ea typeface="+mn-ea"/>
-                  <a:cs typeface="+mn-cs"/>
-                </a:defRPr>
-              </a:lvl7pPr>
-              <a:lvl8pPr marL="3200400" algn="l" defTabSz="914400" rtl="0" eaLnBrk="1" latinLnBrk="0" hangingPunct="1">
-                <a:defRPr sz="1800" kern="1200">
-                  <a:solidFill>
-                    <a:schemeClr val="tx1"/>
-                  </a:solidFill>
-                  <a:latin typeface="+mn-lt"/>
-                  <a:ea typeface="+mn-ea"/>
-                  <a:cs typeface="+mn-cs"/>
-                </a:defRPr>
-              </a:lvl8pPr>
-              <a:lvl9pPr marL="3657600" algn="l" defTabSz="914400" rtl="0" eaLnBrk="1" latinLnBrk="0" hangingPunct="1">
-                <a:defRPr sz="1800" kern="1200">
-                  <a:solidFill>
-                    <a:schemeClr val="tx1"/>
-                  </a:solidFill>
-                  <a:latin typeface="+mn-lt"/>
-                  <a:ea typeface="+mn-ea"/>
-                  <a:cs typeface="+mn-cs"/>
-                </a:defRPr>
-              </a:lvl9pPr>
-            </a:lstStyle>
-            <a:p>
-              <a:pPr algn="ctr"/>
-              <a:r>
-                <a:rPr lang="fr-FR" sz="1200" dirty="0" smtClean="0"/>
-                <a:t>Image masquée par le masque hyper gaussien</a:t>
-              </a:r>
-              <a:endParaRPr lang="fr-FR" sz="1200" dirty="0"/>
-            </a:p>
-          </p:txBody>
-        </p:sp>
-        <p:sp>
-          <p:nvSpPr>
-            <p:cNvPr id="44" name="ZoneTexte 10"/>
-            <p:cNvSpPr txBox="1"/>
-            <p:nvPr/>
-          </p:nvSpPr>
-          <p:spPr>
-            <a:xfrm>
-              <a:off x="4943302" y="2921024"/>
-              <a:ext cx="2232248" cy="639688"/>
-            </a:xfrm>
-            <a:prstGeom prst="rect">
-              <a:avLst/>
-            </a:prstGeom>
-            <a:noFill/>
-          </p:spPr>
-          <p:txBody>
-            <a:bodyPr wrap="square" rtlCol="0">
-              <a:spAutoFit/>
-            </a:bodyPr>
-            <a:lstStyle>
-              <a:defPPr>
-                <a:defRPr lang="fr-FR"/>
-              </a:defPPr>
-              <a:lvl1pPr marL="0" algn="l" defTabSz="914400" rtl="0" eaLnBrk="1" latinLnBrk="0" hangingPunct="1">
-                <a:defRPr sz="1800" kern="1200">
-                  <a:solidFill>
-                    <a:schemeClr val="tx1"/>
-                  </a:solidFill>
-                  <a:latin typeface="+mn-lt"/>
-                  <a:ea typeface="+mn-ea"/>
-                  <a:cs typeface="+mn-cs"/>
-                </a:defRPr>
-              </a:lvl1pPr>
-              <a:lvl2pPr marL="457200" algn="l" defTabSz="914400" rtl="0" eaLnBrk="1" latinLnBrk="0" hangingPunct="1">
-                <a:defRPr sz="1800" kern="1200">
-                  <a:solidFill>
-                    <a:schemeClr val="tx1"/>
-                  </a:solidFill>
-                  <a:latin typeface="+mn-lt"/>
-                  <a:ea typeface="+mn-ea"/>
-                  <a:cs typeface="+mn-cs"/>
-                </a:defRPr>
-              </a:lvl2pPr>
-              <a:lvl3pPr marL="914400" algn="l" defTabSz="914400" rtl="0" eaLnBrk="1" latinLnBrk="0" hangingPunct="1">
-                <a:defRPr sz="1800" kern="1200">
-                  <a:solidFill>
-                    <a:schemeClr val="tx1"/>
-                  </a:solidFill>
-                  <a:latin typeface="+mn-lt"/>
-                  <a:ea typeface="+mn-ea"/>
-                  <a:cs typeface="+mn-cs"/>
-                </a:defRPr>
-              </a:lvl3pPr>
-              <a:lvl4pPr marL="1371600" algn="l" defTabSz="914400" rtl="0" eaLnBrk="1" latinLnBrk="0" hangingPunct="1">
-                <a:defRPr sz="1800" kern="1200">
-                  <a:solidFill>
-                    <a:schemeClr val="tx1"/>
-                  </a:solidFill>
-                  <a:latin typeface="+mn-lt"/>
-                  <a:ea typeface="+mn-ea"/>
-                  <a:cs typeface="+mn-cs"/>
-                </a:defRPr>
-              </a:lvl4pPr>
-              <a:lvl5pPr marL="1828800" algn="l" defTabSz="914400" rtl="0" eaLnBrk="1" latinLnBrk="0" hangingPunct="1">
-                <a:defRPr sz="1800" kern="1200">
-                  <a:solidFill>
-                    <a:schemeClr val="tx1"/>
-                  </a:solidFill>
-                  <a:latin typeface="+mn-lt"/>
-                  <a:ea typeface="+mn-ea"/>
-                  <a:cs typeface="+mn-cs"/>
-                </a:defRPr>
-              </a:lvl5pPr>
-              <a:lvl6pPr marL="2286000" algn="l" defTabSz="914400" rtl="0" eaLnBrk="1" latinLnBrk="0" hangingPunct="1">
-                <a:defRPr sz="1800" kern="1200">
-                  <a:solidFill>
-                    <a:schemeClr val="tx1"/>
-                  </a:solidFill>
-                  <a:latin typeface="+mn-lt"/>
-                  <a:ea typeface="+mn-ea"/>
-                  <a:cs typeface="+mn-cs"/>
-                </a:defRPr>
-              </a:lvl6pPr>
-              <a:lvl7pPr marL="2743200" algn="l" defTabSz="914400" rtl="0" eaLnBrk="1" latinLnBrk="0" hangingPunct="1">
-                <a:defRPr sz="1800" kern="1200">
-                  <a:solidFill>
-                    <a:schemeClr val="tx1"/>
-                  </a:solidFill>
-                  <a:latin typeface="+mn-lt"/>
-                  <a:ea typeface="+mn-ea"/>
-                  <a:cs typeface="+mn-cs"/>
-                </a:defRPr>
-              </a:lvl7pPr>
-              <a:lvl8pPr marL="3200400" algn="l" defTabSz="914400" rtl="0" eaLnBrk="1" latinLnBrk="0" hangingPunct="1">
-                <a:defRPr sz="1800" kern="1200">
-                  <a:solidFill>
-                    <a:schemeClr val="tx1"/>
-                  </a:solidFill>
-                  <a:latin typeface="+mn-lt"/>
-                  <a:ea typeface="+mn-ea"/>
-                  <a:cs typeface="+mn-cs"/>
-                </a:defRPr>
-              </a:lvl8pPr>
-              <a:lvl9pPr marL="3657600" algn="l" defTabSz="914400" rtl="0" eaLnBrk="1" latinLnBrk="0" hangingPunct="1">
-                <a:defRPr sz="1800" kern="1200">
-                  <a:solidFill>
-                    <a:schemeClr val="tx1"/>
-                  </a:solidFill>
-                  <a:latin typeface="+mn-lt"/>
-                  <a:ea typeface="+mn-ea"/>
-                  <a:cs typeface="+mn-cs"/>
-                </a:defRPr>
-              </a:lvl9pPr>
-            </a:lstStyle>
-            <a:p>
-              <a:pPr algn="ctr"/>
-              <a:r>
-                <a:rPr lang="fr-FR" sz="1200" dirty="0" smtClean="0"/>
-                <a:t>Image approximée avec phase annulée</a:t>
-              </a:r>
-              <a:endParaRPr lang="fr-FR" sz="1200" dirty="0"/>
-            </a:p>
-          </p:txBody>
-        </p:sp>
-        <p:sp>
-          <p:nvSpPr>
-            <p:cNvPr id="45" name="ZoneTexte 11"/>
-            <p:cNvSpPr txBox="1"/>
-            <p:nvPr/>
-          </p:nvSpPr>
-          <p:spPr>
-            <a:xfrm>
-              <a:off x="8263516" y="4697073"/>
-              <a:ext cx="2232248" cy="639688"/>
-            </a:xfrm>
-            <a:prstGeom prst="rect">
-              <a:avLst/>
-            </a:prstGeom>
-            <a:noFill/>
-          </p:spPr>
-          <p:txBody>
-            <a:bodyPr wrap="square" rtlCol="0">
-              <a:spAutoFit/>
-            </a:bodyPr>
-            <a:lstStyle>
-              <a:defPPr>
-                <a:defRPr lang="fr-FR"/>
-              </a:defPPr>
-              <a:lvl1pPr marL="0" algn="l" defTabSz="914400" rtl="0" eaLnBrk="1" latinLnBrk="0" hangingPunct="1">
-                <a:defRPr sz="1800" kern="1200">
-                  <a:solidFill>
-                    <a:schemeClr val="tx1"/>
-                  </a:solidFill>
-                  <a:latin typeface="+mn-lt"/>
-                  <a:ea typeface="+mn-ea"/>
-                  <a:cs typeface="+mn-cs"/>
-                </a:defRPr>
-              </a:lvl1pPr>
-              <a:lvl2pPr marL="457200" algn="l" defTabSz="914400" rtl="0" eaLnBrk="1" latinLnBrk="0" hangingPunct="1">
-                <a:defRPr sz="1800" kern="1200">
-                  <a:solidFill>
-                    <a:schemeClr val="tx1"/>
-                  </a:solidFill>
-                  <a:latin typeface="+mn-lt"/>
-                  <a:ea typeface="+mn-ea"/>
-                  <a:cs typeface="+mn-cs"/>
-                </a:defRPr>
-              </a:lvl2pPr>
-              <a:lvl3pPr marL="914400" algn="l" defTabSz="914400" rtl="0" eaLnBrk="1" latinLnBrk="0" hangingPunct="1">
-                <a:defRPr sz="1800" kern="1200">
-                  <a:solidFill>
-                    <a:schemeClr val="tx1"/>
-                  </a:solidFill>
-                  <a:latin typeface="+mn-lt"/>
-                  <a:ea typeface="+mn-ea"/>
-                  <a:cs typeface="+mn-cs"/>
-                </a:defRPr>
-              </a:lvl3pPr>
-              <a:lvl4pPr marL="1371600" algn="l" defTabSz="914400" rtl="0" eaLnBrk="1" latinLnBrk="0" hangingPunct="1">
-                <a:defRPr sz="1800" kern="1200">
-                  <a:solidFill>
-                    <a:schemeClr val="tx1"/>
-                  </a:solidFill>
-                  <a:latin typeface="+mn-lt"/>
-                  <a:ea typeface="+mn-ea"/>
-                  <a:cs typeface="+mn-cs"/>
-                </a:defRPr>
-              </a:lvl4pPr>
-              <a:lvl5pPr marL="1828800" algn="l" defTabSz="914400" rtl="0" eaLnBrk="1" latinLnBrk="0" hangingPunct="1">
-                <a:defRPr sz="1800" kern="1200">
-                  <a:solidFill>
-                    <a:schemeClr val="tx1"/>
-                  </a:solidFill>
-                  <a:latin typeface="+mn-lt"/>
-                  <a:ea typeface="+mn-ea"/>
-                  <a:cs typeface="+mn-cs"/>
-                </a:defRPr>
-              </a:lvl5pPr>
-              <a:lvl6pPr marL="2286000" algn="l" defTabSz="914400" rtl="0" eaLnBrk="1" latinLnBrk="0" hangingPunct="1">
-                <a:defRPr sz="1800" kern="1200">
-                  <a:solidFill>
-                    <a:schemeClr val="tx1"/>
-                  </a:solidFill>
-                  <a:latin typeface="+mn-lt"/>
-                  <a:ea typeface="+mn-ea"/>
-                  <a:cs typeface="+mn-cs"/>
-                </a:defRPr>
-              </a:lvl6pPr>
-              <a:lvl7pPr marL="2743200" algn="l" defTabSz="914400" rtl="0" eaLnBrk="1" latinLnBrk="0" hangingPunct="1">
-                <a:defRPr sz="1800" kern="1200">
-                  <a:solidFill>
-                    <a:schemeClr val="tx1"/>
-                  </a:solidFill>
-                  <a:latin typeface="+mn-lt"/>
-                  <a:ea typeface="+mn-ea"/>
-                  <a:cs typeface="+mn-cs"/>
-                </a:defRPr>
-              </a:lvl7pPr>
-              <a:lvl8pPr marL="3200400" algn="l" defTabSz="914400" rtl="0" eaLnBrk="1" latinLnBrk="0" hangingPunct="1">
-                <a:defRPr sz="1800" kern="1200">
-                  <a:solidFill>
-                    <a:schemeClr val="tx1"/>
-                  </a:solidFill>
-                  <a:latin typeface="+mn-lt"/>
-                  <a:ea typeface="+mn-ea"/>
-                  <a:cs typeface="+mn-cs"/>
-                </a:defRPr>
-              </a:lvl8pPr>
-              <a:lvl9pPr marL="3657600" algn="l" defTabSz="914400" rtl="0" eaLnBrk="1" latinLnBrk="0" hangingPunct="1">
-                <a:defRPr sz="1800" kern="1200">
-                  <a:solidFill>
-                    <a:schemeClr val="tx1"/>
-                  </a:solidFill>
-                  <a:latin typeface="+mn-lt"/>
-                  <a:ea typeface="+mn-ea"/>
-                  <a:cs typeface="+mn-cs"/>
-                </a:defRPr>
-              </a:lvl9pPr>
-            </a:lstStyle>
-            <a:p>
-              <a:pPr algn="ctr"/>
-              <a:r>
-                <a:rPr lang="fr-FR" sz="1200" dirty="0" smtClean="0"/>
-                <a:t>Image approximée par une gaussienne</a:t>
-              </a:r>
-              <a:endParaRPr lang="fr-FR" sz="1200" dirty="0"/>
-            </a:p>
-          </p:txBody>
-        </p:sp>
-        <p:sp>
-          <p:nvSpPr>
-            <p:cNvPr id="46" name="ZoneTexte 12"/>
-            <p:cNvSpPr txBox="1"/>
-            <p:nvPr/>
-          </p:nvSpPr>
-          <p:spPr>
-            <a:xfrm>
-              <a:off x="8256240" y="2452246"/>
-              <a:ext cx="2232248" cy="639688"/>
-            </a:xfrm>
-            <a:prstGeom prst="rect">
-              <a:avLst/>
-            </a:prstGeom>
-            <a:noFill/>
-          </p:spPr>
-          <p:txBody>
-            <a:bodyPr wrap="square" rtlCol="0">
-              <a:spAutoFit/>
-            </a:bodyPr>
-            <a:lstStyle>
-              <a:defPPr>
-                <a:defRPr lang="fr-FR"/>
-              </a:defPPr>
-              <a:lvl1pPr marL="0" algn="l" defTabSz="914400" rtl="0" eaLnBrk="1" latinLnBrk="0" hangingPunct="1">
-                <a:defRPr sz="1800" kern="1200">
-                  <a:solidFill>
-                    <a:schemeClr val="tx1"/>
-                  </a:solidFill>
-                  <a:latin typeface="+mn-lt"/>
-                  <a:ea typeface="+mn-ea"/>
-                  <a:cs typeface="+mn-cs"/>
-                </a:defRPr>
-              </a:lvl1pPr>
-              <a:lvl2pPr marL="457200" algn="l" defTabSz="914400" rtl="0" eaLnBrk="1" latinLnBrk="0" hangingPunct="1">
-                <a:defRPr sz="1800" kern="1200">
-                  <a:solidFill>
-                    <a:schemeClr val="tx1"/>
-                  </a:solidFill>
-                  <a:latin typeface="+mn-lt"/>
-                  <a:ea typeface="+mn-ea"/>
-                  <a:cs typeface="+mn-cs"/>
-                </a:defRPr>
-              </a:lvl2pPr>
-              <a:lvl3pPr marL="914400" algn="l" defTabSz="914400" rtl="0" eaLnBrk="1" latinLnBrk="0" hangingPunct="1">
-                <a:defRPr sz="1800" kern="1200">
-                  <a:solidFill>
-                    <a:schemeClr val="tx1"/>
-                  </a:solidFill>
-                  <a:latin typeface="+mn-lt"/>
-                  <a:ea typeface="+mn-ea"/>
-                  <a:cs typeface="+mn-cs"/>
-                </a:defRPr>
-              </a:lvl3pPr>
-              <a:lvl4pPr marL="1371600" algn="l" defTabSz="914400" rtl="0" eaLnBrk="1" latinLnBrk="0" hangingPunct="1">
-                <a:defRPr sz="1800" kern="1200">
-                  <a:solidFill>
-                    <a:schemeClr val="tx1"/>
-                  </a:solidFill>
-                  <a:latin typeface="+mn-lt"/>
-                  <a:ea typeface="+mn-ea"/>
-                  <a:cs typeface="+mn-cs"/>
-                </a:defRPr>
-              </a:lvl4pPr>
-              <a:lvl5pPr marL="1828800" algn="l" defTabSz="914400" rtl="0" eaLnBrk="1" latinLnBrk="0" hangingPunct="1">
-                <a:defRPr sz="1800" kern="1200">
-                  <a:solidFill>
-                    <a:schemeClr val="tx1"/>
-                  </a:solidFill>
-                  <a:latin typeface="+mn-lt"/>
-                  <a:ea typeface="+mn-ea"/>
-                  <a:cs typeface="+mn-cs"/>
-                </a:defRPr>
-              </a:lvl5pPr>
-              <a:lvl6pPr marL="2286000" algn="l" defTabSz="914400" rtl="0" eaLnBrk="1" latinLnBrk="0" hangingPunct="1">
-                <a:defRPr sz="1800" kern="1200">
-                  <a:solidFill>
-                    <a:schemeClr val="tx1"/>
-                  </a:solidFill>
-                  <a:latin typeface="+mn-lt"/>
-                  <a:ea typeface="+mn-ea"/>
-                  <a:cs typeface="+mn-cs"/>
-                </a:defRPr>
-              </a:lvl6pPr>
-              <a:lvl7pPr marL="2743200" algn="l" defTabSz="914400" rtl="0" eaLnBrk="1" latinLnBrk="0" hangingPunct="1">
-                <a:defRPr sz="1800" kern="1200">
-                  <a:solidFill>
-                    <a:schemeClr val="tx1"/>
-                  </a:solidFill>
-                  <a:latin typeface="+mn-lt"/>
-                  <a:ea typeface="+mn-ea"/>
-                  <a:cs typeface="+mn-cs"/>
-                </a:defRPr>
-              </a:lvl7pPr>
-              <a:lvl8pPr marL="3200400" algn="l" defTabSz="914400" rtl="0" eaLnBrk="1" latinLnBrk="0" hangingPunct="1">
-                <a:defRPr sz="1800" kern="1200">
-                  <a:solidFill>
-                    <a:schemeClr val="tx1"/>
-                  </a:solidFill>
-                  <a:latin typeface="+mn-lt"/>
-                  <a:ea typeface="+mn-ea"/>
-                  <a:cs typeface="+mn-cs"/>
-                </a:defRPr>
-              </a:lvl8pPr>
-              <a:lvl9pPr marL="3657600" algn="l" defTabSz="914400" rtl="0" eaLnBrk="1" latinLnBrk="0" hangingPunct="1">
-                <a:defRPr sz="1800" kern="1200">
-                  <a:solidFill>
-                    <a:schemeClr val="tx1"/>
-                  </a:solidFill>
-                  <a:latin typeface="+mn-lt"/>
-                  <a:ea typeface="+mn-ea"/>
-                  <a:cs typeface="+mn-cs"/>
-                </a:defRPr>
-              </a:lvl9pPr>
-            </a:lstStyle>
-            <a:p>
-              <a:pPr algn="ctr"/>
-              <a:r>
-                <a:rPr lang="fr-FR" sz="1200" dirty="0" smtClean="0"/>
-                <a:t>Image masquée sans haute fréquence</a:t>
-              </a:r>
-              <a:endParaRPr lang="fr-FR" sz="1200" dirty="0"/>
-            </a:p>
-          </p:txBody>
-        </p:sp>
-        <p:pic>
-          <p:nvPicPr>
-            <p:cNvPr id="47" name="Picture 2"/>
-            <p:cNvPicPr>
-              <a:picLocks noChangeAspect="1" noChangeArrowheads="1"/>
-            </p:cNvPicPr>
-            <p:nvPr/>
-          </p:nvPicPr>
-          <p:blipFill>
-            <a:blip r:embed="rId2" cstate="print"/>
-            <a:srcRect l="20849" t="6950" r="19210" b="13128"/>
-            <a:stretch>
-              <a:fillRect/>
-            </a:stretch>
-          </p:blipFill>
-          <p:spPr bwMode="auto">
-            <a:xfrm>
-              <a:off x="2198529" y="554120"/>
-              <a:ext cx="1259093" cy="1259093"/>
-            </a:xfrm>
-            <a:prstGeom prst="rect">
-              <a:avLst/>
-            </a:prstGeom>
-            <a:noFill/>
-            <a:ln w="9525">
-              <a:noFill/>
-              <a:miter lim="800000"/>
-              <a:headEnd/>
-              <a:tailEnd/>
-            </a:ln>
-          </p:spPr>
-        </p:pic>
-        <p:pic>
-          <p:nvPicPr>
-            <p:cNvPr id="48" name="Picture 3"/>
-            <p:cNvPicPr>
-              <a:picLocks noChangeAspect="1" noChangeArrowheads="1"/>
-            </p:cNvPicPr>
-            <p:nvPr/>
-          </p:nvPicPr>
-          <p:blipFill>
-            <a:blip r:embed="rId3" cstate="print"/>
-            <a:srcRect l="21651" t="8601" r="17600" b="12201"/>
-            <a:stretch>
-              <a:fillRect/>
-            </a:stretch>
-          </p:blipFill>
-          <p:spPr bwMode="auto">
-            <a:xfrm>
-              <a:off x="8861694" y="744858"/>
-              <a:ext cx="1103099" cy="1078584"/>
-            </a:xfrm>
-            <a:prstGeom prst="rect">
-              <a:avLst/>
-            </a:prstGeom>
-            <a:noFill/>
-            <a:ln w="9525">
-              <a:noFill/>
-              <a:miter lim="800000"/>
-              <a:headEnd/>
-              <a:tailEnd/>
-            </a:ln>
-          </p:spPr>
-        </p:pic>
-        <p:pic>
-          <p:nvPicPr>
-            <p:cNvPr id="49" name="Picture 4"/>
-            <p:cNvPicPr>
-              <a:picLocks noChangeAspect="1" noChangeArrowheads="1"/>
-            </p:cNvPicPr>
-            <p:nvPr/>
-          </p:nvPicPr>
-          <p:blipFill>
-            <a:blip r:embed="rId4" cstate="print"/>
-            <a:srcRect l="21651" t="8601" r="17600" b="12201"/>
-            <a:stretch>
-              <a:fillRect/>
-            </a:stretch>
-          </p:blipFill>
-          <p:spPr bwMode="auto">
-            <a:xfrm>
-              <a:off x="8837553" y="2980387"/>
-              <a:ext cx="1074789" cy="1050903"/>
-            </a:xfrm>
-            <a:prstGeom prst="rect">
-              <a:avLst/>
-            </a:prstGeom>
-            <a:noFill/>
-            <a:ln w="9525">
-              <a:noFill/>
-              <a:miter lim="800000"/>
-              <a:headEnd/>
-              <a:tailEnd/>
-            </a:ln>
-          </p:spPr>
-        </p:pic>
-        <p:pic>
-          <p:nvPicPr>
-            <p:cNvPr id="50" name="Picture 5"/>
-            <p:cNvPicPr>
-              <a:picLocks noChangeAspect="1" noChangeArrowheads="1"/>
-            </p:cNvPicPr>
-            <p:nvPr/>
-          </p:nvPicPr>
-          <p:blipFill>
-            <a:blip r:embed="rId5" cstate="print"/>
-            <a:srcRect l="21651" t="8601" r="17600" b="12201"/>
-            <a:stretch>
-              <a:fillRect/>
-            </a:stretch>
-          </p:blipFill>
-          <p:spPr bwMode="auto">
-            <a:xfrm>
-              <a:off x="8827208" y="5225216"/>
-              <a:ext cx="1079364" cy="1055379"/>
-            </a:xfrm>
-            <a:prstGeom prst="rect">
-              <a:avLst/>
-            </a:prstGeom>
-            <a:noFill/>
-            <a:ln w="9525">
-              <a:noFill/>
-              <a:miter lim="800000"/>
-              <a:headEnd/>
-              <a:tailEnd/>
-            </a:ln>
-          </p:spPr>
-        </p:pic>
-        <p:sp>
-          <p:nvSpPr>
-            <p:cNvPr id="52" name="ZoneTexte 18"/>
-            <p:cNvSpPr txBox="1"/>
-            <p:nvPr/>
-          </p:nvSpPr>
-          <p:spPr>
-            <a:xfrm>
-              <a:off x="1703507" y="2932431"/>
-              <a:ext cx="2232248" cy="639688"/>
-            </a:xfrm>
-            <a:prstGeom prst="rect">
-              <a:avLst/>
-            </a:prstGeom>
-            <a:noFill/>
-          </p:spPr>
-          <p:txBody>
-            <a:bodyPr wrap="square" rtlCol="0">
-              <a:spAutoFit/>
-            </a:bodyPr>
-            <a:lstStyle>
-              <a:defPPr>
-                <a:defRPr lang="fr-FR"/>
-              </a:defPPr>
-              <a:lvl1pPr marL="0" algn="l" defTabSz="914400" rtl="0" eaLnBrk="1" latinLnBrk="0" hangingPunct="1">
-                <a:defRPr sz="1800" kern="1200">
-                  <a:solidFill>
-                    <a:schemeClr val="tx1"/>
-                  </a:solidFill>
-                  <a:latin typeface="+mn-lt"/>
-                  <a:ea typeface="+mn-ea"/>
-                  <a:cs typeface="+mn-cs"/>
-                </a:defRPr>
-              </a:lvl1pPr>
-              <a:lvl2pPr marL="457200" algn="l" defTabSz="914400" rtl="0" eaLnBrk="1" latinLnBrk="0" hangingPunct="1">
-                <a:defRPr sz="1800" kern="1200">
-                  <a:solidFill>
-                    <a:schemeClr val="tx1"/>
-                  </a:solidFill>
-                  <a:latin typeface="+mn-lt"/>
-                  <a:ea typeface="+mn-ea"/>
-                  <a:cs typeface="+mn-cs"/>
-                </a:defRPr>
-              </a:lvl2pPr>
-              <a:lvl3pPr marL="914400" algn="l" defTabSz="914400" rtl="0" eaLnBrk="1" latinLnBrk="0" hangingPunct="1">
-                <a:defRPr sz="1800" kern="1200">
-                  <a:solidFill>
-                    <a:schemeClr val="tx1"/>
-                  </a:solidFill>
-                  <a:latin typeface="+mn-lt"/>
-                  <a:ea typeface="+mn-ea"/>
-                  <a:cs typeface="+mn-cs"/>
-                </a:defRPr>
-              </a:lvl3pPr>
-              <a:lvl4pPr marL="1371600" algn="l" defTabSz="914400" rtl="0" eaLnBrk="1" latinLnBrk="0" hangingPunct="1">
-                <a:defRPr sz="1800" kern="1200">
-                  <a:solidFill>
-                    <a:schemeClr val="tx1"/>
-                  </a:solidFill>
-                  <a:latin typeface="+mn-lt"/>
-                  <a:ea typeface="+mn-ea"/>
-                  <a:cs typeface="+mn-cs"/>
-                </a:defRPr>
-              </a:lvl4pPr>
-              <a:lvl5pPr marL="1828800" algn="l" defTabSz="914400" rtl="0" eaLnBrk="1" latinLnBrk="0" hangingPunct="1">
-                <a:defRPr sz="1800" kern="1200">
-                  <a:solidFill>
-                    <a:schemeClr val="tx1"/>
-                  </a:solidFill>
-                  <a:latin typeface="+mn-lt"/>
-                  <a:ea typeface="+mn-ea"/>
-                  <a:cs typeface="+mn-cs"/>
-                </a:defRPr>
-              </a:lvl5pPr>
-              <a:lvl6pPr marL="2286000" algn="l" defTabSz="914400" rtl="0" eaLnBrk="1" latinLnBrk="0" hangingPunct="1">
-                <a:defRPr sz="1800" kern="1200">
-                  <a:solidFill>
-                    <a:schemeClr val="tx1"/>
-                  </a:solidFill>
-                  <a:latin typeface="+mn-lt"/>
-                  <a:ea typeface="+mn-ea"/>
-                  <a:cs typeface="+mn-cs"/>
-                </a:defRPr>
-              </a:lvl6pPr>
-              <a:lvl7pPr marL="2743200" algn="l" defTabSz="914400" rtl="0" eaLnBrk="1" latinLnBrk="0" hangingPunct="1">
-                <a:defRPr sz="1800" kern="1200">
-                  <a:solidFill>
-                    <a:schemeClr val="tx1"/>
-                  </a:solidFill>
-                  <a:latin typeface="+mn-lt"/>
-                  <a:ea typeface="+mn-ea"/>
-                  <a:cs typeface="+mn-cs"/>
-                </a:defRPr>
-              </a:lvl7pPr>
-              <a:lvl8pPr marL="3200400" algn="l" defTabSz="914400" rtl="0" eaLnBrk="1" latinLnBrk="0" hangingPunct="1">
-                <a:defRPr sz="1800" kern="1200">
-                  <a:solidFill>
-                    <a:schemeClr val="tx1"/>
-                  </a:solidFill>
-                  <a:latin typeface="+mn-lt"/>
-                  <a:ea typeface="+mn-ea"/>
-                  <a:cs typeface="+mn-cs"/>
-                </a:defRPr>
-              </a:lvl8pPr>
-              <a:lvl9pPr marL="3657600" algn="l" defTabSz="914400" rtl="0" eaLnBrk="1" latinLnBrk="0" hangingPunct="1">
-                <a:defRPr sz="1800" kern="1200">
-                  <a:solidFill>
-                    <a:schemeClr val="tx1"/>
-                  </a:solidFill>
-                  <a:latin typeface="+mn-lt"/>
-                  <a:ea typeface="+mn-ea"/>
-                  <a:cs typeface="+mn-cs"/>
-                </a:defRPr>
-              </a:lvl9pPr>
-            </a:lstStyle>
-            <a:p>
-              <a:pPr algn="ctr"/>
-              <a:r>
-                <a:rPr lang="fr-FR" sz="1200" dirty="0" smtClean="0"/>
-                <a:t>Image filtrée par filtre de Wiener</a:t>
-              </a:r>
-              <a:endParaRPr lang="fr-FR" sz="1200" dirty="0"/>
-            </a:p>
-          </p:txBody>
-        </p:sp>
-        <p:cxnSp>
-          <p:nvCxnSpPr>
-            <p:cNvPr id="53" name="Connecteur droit avec flèche 52"/>
-            <p:cNvCxnSpPr>
-              <a:stCxn id="35" idx="3"/>
-              <a:endCxn id="41" idx="1"/>
-            </p:cNvCxnSpPr>
-            <p:nvPr/>
-          </p:nvCxnSpPr>
-          <p:spPr>
-            <a:xfrm>
-              <a:off x="3899248" y="1012086"/>
-              <a:ext cx="1044624" cy="0"/>
-            </a:xfrm>
-            <a:prstGeom prst="straightConnector1">
-              <a:avLst/>
-            </a:prstGeom>
-            <a:ln>
-              <a:tailEnd type="arrow"/>
-            </a:ln>
-          </p:spPr>
-          <p:style>
-            <a:lnRef idx="1">
-              <a:schemeClr val="accent1"/>
-            </a:lnRef>
-            <a:fillRef idx="0">
-              <a:schemeClr val="accent1"/>
-            </a:fillRef>
-            <a:effectRef idx="0">
-              <a:schemeClr val="accent1"/>
-            </a:effectRef>
-            <a:fontRef idx="minor">
-              <a:schemeClr val="tx1"/>
-            </a:fontRef>
-          </p:style>
-        </p:cxnSp>
-        <p:cxnSp>
-          <p:nvCxnSpPr>
-            <p:cNvPr id="54" name="Connecteur droit avec flèche 53"/>
-            <p:cNvCxnSpPr>
-              <a:endCxn id="40" idx="1"/>
-            </p:cNvCxnSpPr>
-            <p:nvPr/>
-          </p:nvCxnSpPr>
-          <p:spPr>
-            <a:xfrm>
-              <a:off x="7176120" y="1012086"/>
-              <a:ext cx="1080120" cy="0"/>
-            </a:xfrm>
-            <a:prstGeom prst="straightConnector1">
-              <a:avLst/>
-            </a:prstGeom>
-            <a:ln>
-              <a:tailEnd type="arrow"/>
-            </a:ln>
-          </p:spPr>
-          <p:style>
-            <a:lnRef idx="1">
-              <a:schemeClr val="accent1"/>
-            </a:lnRef>
-            <a:fillRef idx="0">
-              <a:schemeClr val="accent1"/>
-            </a:fillRef>
-            <a:effectRef idx="0">
-              <a:schemeClr val="accent1"/>
-            </a:effectRef>
-            <a:fontRef idx="minor">
-              <a:schemeClr val="tx1"/>
-            </a:fontRef>
-          </p:style>
-        </p:cxnSp>
-        <p:cxnSp>
-          <p:nvCxnSpPr>
-            <p:cNvPr id="55" name="Connecteur droit avec flèche 54"/>
-            <p:cNvCxnSpPr>
-              <a:stCxn id="40" idx="2"/>
-              <a:endCxn id="46" idx="0"/>
-            </p:cNvCxnSpPr>
-            <p:nvPr/>
-          </p:nvCxnSpPr>
-          <p:spPr>
-            <a:xfrm>
-              <a:off x="9372365" y="1804174"/>
-              <a:ext cx="0" cy="648072"/>
-            </a:xfrm>
-            <a:prstGeom prst="straightConnector1">
-              <a:avLst/>
-            </a:prstGeom>
-            <a:ln>
-              <a:tailEnd type="arrow"/>
-            </a:ln>
-          </p:spPr>
-          <p:style>
-            <a:lnRef idx="1">
-              <a:schemeClr val="accent1"/>
-            </a:lnRef>
-            <a:fillRef idx="0">
-              <a:schemeClr val="accent1"/>
-            </a:fillRef>
-            <a:effectRef idx="0">
-              <a:schemeClr val="accent1"/>
-            </a:effectRef>
-            <a:fontRef idx="minor">
-              <a:schemeClr val="tx1"/>
-            </a:fontRef>
-          </p:style>
-        </p:cxnSp>
-        <p:cxnSp>
-          <p:nvCxnSpPr>
-            <p:cNvPr id="56" name="Connecteur droit avec flèche 55"/>
-            <p:cNvCxnSpPr>
-              <a:stCxn id="39" idx="1"/>
-              <a:endCxn id="38" idx="3"/>
-            </p:cNvCxnSpPr>
-            <p:nvPr/>
-          </p:nvCxnSpPr>
-          <p:spPr>
-            <a:xfrm flipH="1">
-              <a:off x="7176120" y="3244334"/>
-              <a:ext cx="1080120" cy="0"/>
-            </a:xfrm>
-            <a:prstGeom prst="straightConnector1">
-              <a:avLst/>
-            </a:prstGeom>
-            <a:ln>
-              <a:tailEnd type="arrow"/>
-            </a:ln>
-          </p:spPr>
-          <p:style>
-            <a:lnRef idx="1">
-              <a:schemeClr val="accent1"/>
-            </a:lnRef>
-            <a:fillRef idx="0">
-              <a:schemeClr val="accent1"/>
-            </a:fillRef>
-            <a:effectRef idx="0">
-              <a:schemeClr val="accent1"/>
-            </a:effectRef>
-            <a:fontRef idx="minor">
-              <a:schemeClr val="tx1"/>
-            </a:fontRef>
-          </p:style>
-        </p:cxnSp>
-        <p:cxnSp>
-          <p:nvCxnSpPr>
-            <p:cNvPr id="57" name="Connecteur droit avec flèche 56"/>
-            <p:cNvCxnSpPr>
-              <a:stCxn id="38" idx="1"/>
-              <a:endCxn id="37" idx="3"/>
-            </p:cNvCxnSpPr>
-            <p:nvPr/>
-          </p:nvCxnSpPr>
-          <p:spPr>
-            <a:xfrm flipH="1">
-              <a:off x="3935760" y="3244334"/>
-              <a:ext cx="1008112" cy="0"/>
-            </a:xfrm>
-            <a:prstGeom prst="straightConnector1">
-              <a:avLst/>
-            </a:prstGeom>
-            <a:ln>
-              <a:tailEnd type="arrow"/>
-            </a:ln>
-          </p:spPr>
-          <p:style>
-            <a:lnRef idx="1">
-              <a:schemeClr val="accent1"/>
-            </a:lnRef>
-            <a:fillRef idx="0">
-              <a:schemeClr val="accent1"/>
-            </a:fillRef>
-            <a:effectRef idx="0">
-              <a:schemeClr val="accent1"/>
-            </a:effectRef>
-            <a:fontRef idx="minor">
-              <a:schemeClr val="tx1"/>
-            </a:fontRef>
-          </p:style>
-        </p:cxnSp>
-        <p:cxnSp>
-          <p:nvCxnSpPr>
-            <p:cNvPr id="58" name="Connecteur droit avec flèche 57"/>
-            <p:cNvCxnSpPr>
-              <a:stCxn id="39" idx="2"/>
-              <a:endCxn id="51" idx="0"/>
-            </p:cNvCxnSpPr>
-            <p:nvPr/>
-          </p:nvCxnSpPr>
-          <p:spPr>
-            <a:xfrm>
-              <a:off x="9372364" y="4036422"/>
-              <a:ext cx="0" cy="650135"/>
-            </a:xfrm>
-            <a:prstGeom prst="straightConnector1">
-              <a:avLst/>
-            </a:prstGeom>
-            <a:ln>
-              <a:tailEnd type="arrow"/>
-            </a:ln>
-          </p:spPr>
-          <p:style>
-            <a:lnRef idx="1">
-              <a:schemeClr val="accent1"/>
-            </a:lnRef>
-            <a:fillRef idx="0">
-              <a:schemeClr val="accent1"/>
-            </a:fillRef>
-            <a:effectRef idx="0">
-              <a:schemeClr val="accent1"/>
-            </a:effectRef>
-            <a:fontRef idx="minor">
-              <a:schemeClr val="tx1"/>
-            </a:fontRef>
-          </p:style>
-        </p:cxnSp>
-        <p:sp>
-          <p:nvSpPr>
-            <p:cNvPr id="59" name="ZoneTexte 34"/>
-            <p:cNvSpPr txBox="1"/>
-            <p:nvPr/>
-          </p:nvSpPr>
-          <p:spPr>
-            <a:xfrm>
-              <a:off x="3935760" y="1156103"/>
-              <a:ext cx="1008112" cy="362490"/>
-            </a:xfrm>
-            <a:prstGeom prst="rect">
-              <a:avLst/>
-            </a:prstGeom>
-            <a:noFill/>
-          </p:spPr>
-          <p:txBody>
-            <a:bodyPr wrap="square" rtlCol="0">
-              <a:spAutoFit/>
-            </a:bodyPr>
-            <a:lstStyle>
-              <a:defPPr>
-                <a:defRPr lang="fr-FR"/>
-              </a:defPPr>
-              <a:lvl1pPr marL="0" algn="l" defTabSz="914400" rtl="0" eaLnBrk="1" latinLnBrk="0" hangingPunct="1">
-                <a:defRPr sz="1800" kern="1200">
-                  <a:solidFill>
-                    <a:schemeClr val="tx1"/>
-                  </a:solidFill>
-                  <a:latin typeface="+mn-lt"/>
-                  <a:ea typeface="+mn-ea"/>
-                  <a:cs typeface="+mn-cs"/>
-                </a:defRPr>
-              </a:lvl1pPr>
-              <a:lvl2pPr marL="457200" algn="l" defTabSz="914400" rtl="0" eaLnBrk="1" latinLnBrk="0" hangingPunct="1">
-                <a:defRPr sz="1800" kern="1200">
-                  <a:solidFill>
-                    <a:schemeClr val="tx1"/>
-                  </a:solidFill>
-                  <a:latin typeface="+mn-lt"/>
-                  <a:ea typeface="+mn-ea"/>
-                  <a:cs typeface="+mn-cs"/>
-                </a:defRPr>
-              </a:lvl2pPr>
-              <a:lvl3pPr marL="914400" algn="l" defTabSz="914400" rtl="0" eaLnBrk="1" latinLnBrk="0" hangingPunct="1">
-                <a:defRPr sz="1800" kern="1200">
-                  <a:solidFill>
-                    <a:schemeClr val="tx1"/>
-                  </a:solidFill>
-                  <a:latin typeface="+mn-lt"/>
-                  <a:ea typeface="+mn-ea"/>
-                  <a:cs typeface="+mn-cs"/>
-                </a:defRPr>
-              </a:lvl3pPr>
-              <a:lvl4pPr marL="1371600" algn="l" defTabSz="914400" rtl="0" eaLnBrk="1" latinLnBrk="0" hangingPunct="1">
-                <a:defRPr sz="1800" kern="1200">
-                  <a:solidFill>
-                    <a:schemeClr val="tx1"/>
-                  </a:solidFill>
-                  <a:latin typeface="+mn-lt"/>
-                  <a:ea typeface="+mn-ea"/>
-                  <a:cs typeface="+mn-cs"/>
-                </a:defRPr>
-              </a:lvl4pPr>
-              <a:lvl5pPr marL="1828800" algn="l" defTabSz="914400" rtl="0" eaLnBrk="1" latinLnBrk="0" hangingPunct="1">
-                <a:defRPr sz="1800" kern="1200">
-                  <a:solidFill>
-                    <a:schemeClr val="tx1"/>
-                  </a:solidFill>
-                  <a:latin typeface="+mn-lt"/>
-                  <a:ea typeface="+mn-ea"/>
-                  <a:cs typeface="+mn-cs"/>
-                </a:defRPr>
-              </a:lvl5pPr>
-              <a:lvl6pPr marL="2286000" algn="l" defTabSz="914400" rtl="0" eaLnBrk="1" latinLnBrk="0" hangingPunct="1">
-                <a:defRPr sz="1800" kern="1200">
-                  <a:solidFill>
-                    <a:schemeClr val="tx1"/>
-                  </a:solidFill>
-                  <a:latin typeface="+mn-lt"/>
-                  <a:ea typeface="+mn-ea"/>
-                  <a:cs typeface="+mn-cs"/>
-                </a:defRPr>
-              </a:lvl6pPr>
-              <a:lvl7pPr marL="2743200" algn="l" defTabSz="914400" rtl="0" eaLnBrk="1" latinLnBrk="0" hangingPunct="1">
-                <a:defRPr sz="1800" kern="1200">
-                  <a:solidFill>
-                    <a:schemeClr val="tx1"/>
-                  </a:solidFill>
-                  <a:latin typeface="+mn-lt"/>
-                  <a:ea typeface="+mn-ea"/>
-                  <a:cs typeface="+mn-cs"/>
-                </a:defRPr>
-              </a:lvl7pPr>
-              <a:lvl8pPr marL="3200400" algn="l" defTabSz="914400" rtl="0" eaLnBrk="1" latinLnBrk="0" hangingPunct="1">
-                <a:defRPr sz="1800" kern="1200">
-                  <a:solidFill>
-                    <a:schemeClr val="tx1"/>
-                  </a:solidFill>
-                  <a:latin typeface="+mn-lt"/>
-                  <a:ea typeface="+mn-ea"/>
-                  <a:cs typeface="+mn-cs"/>
-                </a:defRPr>
-              </a:lvl8pPr>
-              <a:lvl9pPr marL="3657600" algn="l" defTabSz="914400" rtl="0" eaLnBrk="1" latinLnBrk="0" hangingPunct="1">
-                <a:defRPr sz="1800" kern="1200">
-                  <a:solidFill>
-                    <a:schemeClr val="tx1"/>
-                  </a:solidFill>
-                  <a:latin typeface="+mn-lt"/>
-                  <a:ea typeface="+mn-ea"/>
-                  <a:cs typeface="+mn-cs"/>
-                </a:defRPr>
-              </a:lvl9pPr>
-            </a:lstStyle>
-            <a:p>
-              <a:pPr algn="ctr"/>
-              <a:endParaRPr lang="fr-FR" sz="1100" b="1" dirty="0"/>
-            </a:p>
-          </p:txBody>
-        </p:sp>
-      </p:grpSp>
       <p:sp>
         <p:nvSpPr>
           <p:cNvPr id="3" name="Espace réservé du contenu 2"/>
@@ -13987,38 +11680,78 @@
               <a:buChar char="v"/>
             </a:pPr>
             <a:r>
-              <a:rPr lang="fr-FR" sz="2400" u="sng" dirty="0" smtClean="0"/>
-              <a:t>II. Travail réalisé</a:t>
-            </a:r>
-          </a:p>
-          <a:p>
-            <a:pPr marL="719138" indent="-273050">
+              <a:rPr lang="fr-FR" sz="2800" u="sng" dirty="0" smtClean="0"/>
+              <a:t>III. Détermination de la position </a:t>
+            </a:r>
+          </a:p>
+          <a:p>
+            <a:pPr marL="719138" lvl="1" indent="-273050">
+              <a:buFont typeface="Arial" pitchFamily="34" charset="0"/>
+              <a:buChar char="•"/>
+            </a:pPr>
+            <a:r>
+              <a:rPr lang="fr-FR" sz="2600" dirty="0" smtClean="0"/>
+              <a:t>A partir des images filtrées :</a:t>
+            </a:r>
+          </a:p>
+          <a:p>
+            <a:pPr marL="720000" lvl="1" indent="-361950">
+              <a:spcBef>
+                <a:spcPts val="3600"/>
+              </a:spcBef>
+              <a:buFont typeface="Wingdings" pitchFamily="2" charset="2"/>
+              <a:buChar char="Ø"/>
+            </a:pPr>
+            <a:r>
+              <a:rPr lang="fr-FR" sz="2600" dirty="0" smtClean="0"/>
+              <a:t>Recherche de l’image la plus petite et la plus précise </a:t>
+            </a:r>
+          </a:p>
+          <a:p>
+            <a:pPr marL="712788" lvl="1" indent="-350838">
               <a:lnSpc>
-                <a:spcPct val="150000"/>
+                <a:spcPct val="200000"/>
               </a:lnSpc>
               <a:buFont typeface="Arial" pitchFamily="34" charset="0"/>
               <a:buChar char="•"/>
             </a:pPr>
             <a:r>
-              <a:rPr lang="fr-FR" sz="2400" dirty="0" smtClean="0"/>
-              <a:t>Organigramme du travail effectué </a:t>
-            </a:r>
-          </a:p>
-          <a:p>
-            <a:pPr marL="446088" indent="-358775">
+              <a:rPr lang="fr-FR" sz="2800" dirty="0" smtClean="0"/>
+              <a:t>Autres idées :</a:t>
+            </a:r>
+          </a:p>
+          <a:p>
+            <a:pPr marL="712788" lvl="1" indent="-350838">
               <a:lnSpc>
-                <a:spcPct val="150000"/>
+                <a:spcPct val="200000"/>
               </a:lnSpc>
-              <a:buNone/>
+              <a:buFont typeface="Wingdings" pitchFamily="2" charset="2"/>
+              <a:buChar char="Ø"/>
             </a:pPr>
-            <a:endParaRPr lang="fr-FR" sz="2400" dirty="0" smtClean="0"/>
+            <a:r>
+              <a:rPr lang="fr-FR" sz="2800" dirty="0" smtClean="0"/>
+              <a:t>Exploitation des franges</a:t>
+            </a:r>
+          </a:p>
+          <a:p>
+            <a:pPr marL="712788" lvl="1" indent="-350838">
+              <a:lnSpc>
+                <a:spcPct val="200000"/>
+              </a:lnSpc>
+              <a:buFont typeface="Wingdings" pitchFamily="2" charset="2"/>
+              <a:buChar char="Ø"/>
+            </a:pPr>
+            <a:r>
+              <a:rPr lang="fr-FR" sz="2800" dirty="0" smtClean="0"/>
+              <a:t>Amélioration du filtrage</a:t>
+            </a:r>
           </a:p>
         </p:txBody>
       </p:sp>
     </p:spTree>
     <p:extLst>
       <p:ext uri="{BB962C8B-B14F-4D97-AF65-F5344CB8AC3E}">
-        <p14:creationId xmlns:p14="http://schemas.microsoft.com/office/powerpoint/2010/main" val="1949827927"/>
+        <p14:creationId xmlns:p14="http://schemas.microsoft.com/office/powerpoint/2010/main" val="1899768230"/>
       </p:ext>
     </p:extLst>
   </p:cSld>
@@ -14026,7 +11759,7 @@
     <a:masterClrMapping/>
   </p:clrMapOvr>
   <mc:AlternateContent xmlns:mc="http://schemas.openxmlformats.org/markup-compatibility/2006">
-    <mc:Choice xmlns="" xmlns:p15="http://schemas.microsoft.com/office/powerpoint/2012/main" Requires="p15">
+    <mc:Choice xmlns:p15="http://schemas.microsoft.com/office/powerpoint/2012/main" xmlns="" Requires="p15">
       <p:transition xmlns:p14="http://schemas.microsoft.com/office/powerpoint/2010/main" spd="slow" p14:dur="1250">
         <p15:prstTrans prst="peelOff"/>
       </p:transition>
@@ -14076,7 +11809,7 @@
         </p:nvSpPr>
         <p:spPr>
           <a:xfrm>
-            <a:off x="1847532" y="1006432"/>
+            <a:off x="1878012" y="274912"/>
             <a:ext cx="8915400" cy="6212974"/>
           </a:xfrm>
         </p:spPr>
@@ -14091,47 +11824,38 @@
               <a:buChar char="v"/>
             </a:pPr>
             <a:r>
-              <a:rPr lang="fr-FR" sz="2800" u="sng" dirty="0" smtClean="0"/>
-              <a:t>Conclusion:</a:t>
-            </a:r>
-          </a:p>
-          <a:p>
-            <a:pPr>
-              <a:buFont typeface="Wingdings" panose="05000000000000000000" pitchFamily="2" charset="2"/>
-              <a:buChar char="v"/>
+              <a:rPr lang="fr-FR" sz="2400" u="sng" dirty="0" smtClean="0"/>
+              <a:t>II. Travail réalisé</a:t>
+            </a:r>
+          </a:p>
+          <a:p>
+            <a:pPr marL="719138" indent="-273050">
+              <a:lnSpc>
+                <a:spcPct val="150000"/>
+              </a:lnSpc>
+              <a:buFont typeface="Arial" pitchFamily="34" charset="0"/>
+              <a:buChar char="•"/>
             </a:pPr>
-            <a:endParaRPr lang="fr-FR" sz="2800" u="sng" dirty="0" smtClean="0"/>
-          </a:p>
-          <a:p>
-            <a:pPr marL="446088" lvl="1" indent="0">
+            <a:r>
+              <a:rPr lang="fr-FR" sz="2400" dirty="0" smtClean="0"/>
+              <a:t>Organigramme du travail effectué </a:t>
+            </a:r>
+          </a:p>
+          <a:p>
+            <a:pPr marL="446088" indent="-358775">
+              <a:lnSpc>
+                <a:spcPct val="150000"/>
+              </a:lnSpc>
               <a:buNone/>
             </a:pPr>
-            <a:r>
-              <a:rPr lang="fr-FR" sz="2600" dirty="0" smtClean="0"/>
-              <a:t>Traitement du bruit de fond et de caméra presque terminé</a:t>
-            </a:r>
-          </a:p>
-          <a:p>
-            <a:pPr marL="446088" lvl="1" indent="0">
-              <a:buNone/>
-            </a:pPr>
-            <a:endParaRPr lang="fr-FR" sz="2600" dirty="0" smtClean="0"/>
-          </a:p>
-          <a:p>
-            <a:pPr marL="446088" lvl="1" indent="0">
-              <a:buNone/>
-            </a:pPr>
-            <a:r>
-              <a:rPr lang="fr-FR" sz="2600" dirty="0" smtClean="0"/>
-              <a:t>Pour la suite:  établir une méthode de détermination de z</a:t>
-            </a:r>
+            <a:endParaRPr lang="fr-FR" sz="2400" dirty="0" smtClean="0"/>
           </a:p>
         </p:txBody>
       </p:sp>
     </p:spTree>
     <p:extLst>
       <p:ext uri="{BB962C8B-B14F-4D97-AF65-F5344CB8AC3E}">
-        <p14:creationId xmlns:p14="http://schemas.microsoft.com/office/powerpoint/2010/main" val="909599388"/>
+        <p14:creationId xmlns:p14="http://schemas.microsoft.com/office/powerpoint/2010/main" val="1949827927"/>
       </p:ext>
     </p:extLst>
   </p:cSld>
@@ -14139,7 +11863,7 @@
     <a:masterClrMapping/>
   </p:clrMapOvr>
   <mc:AlternateContent xmlns:mc="http://schemas.openxmlformats.org/markup-compatibility/2006">
-    <mc:Choice xmlns="" xmlns:p15="http://schemas.microsoft.com/office/powerpoint/2012/main" Requires="p15">
+    <mc:Choice xmlns:p15="http://schemas.microsoft.com/office/powerpoint/2012/main" xmlns="" Requires="p15">
       <p:transition xmlns:p14="http://schemas.microsoft.com/office/powerpoint/2010/main" spd="slow" p14:dur="1250">
         <p15:prstTrans prst="peelOff"/>
       </p:transition>
@@ -14161,6 +11885,95 @@
 </file>
 
 <file path=ppt/slides/slide12.xml><?xml version="1.0" encoding="utf-8"?>
+<p:sld xmlns:a="http://schemas.openxmlformats.org/drawingml/2006/main" xmlns:r="http://schemas.openxmlformats.org/officeDocument/2006/relationships" xmlns:p="http://schemas.openxmlformats.org/presentationml/2006/main" showMasterSp="0">
+  <p:cSld>
+    <p:spTree>
+      <p:nvGrpSpPr>
+        <p:cNvPr id="1" name=""/>
+        <p:cNvGrpSpPr/>
+        <p:nvPr/>
+      </p:nvGrpSpPr>
+      <p:grpSpPr>
+        <a:xfrm>
+          <a:off x="0" y="0"/>
+          <a:ext cx="0" cy="0"/>
+          <a:chOff x="0" y="0"/>
+          <a:chExt cx="0" cy="0"/>
+        </a:xfrm>
+      </p:grpSpPr>
+      <p:sp>
+        <p:nvSpPr>
+          <p:cNvPr id="3" name="Espace réservé du contenu 2"/>
+          <p:cNvSpPr>
+            <a:spLocks noGrp="1"/>
+          </p:cNvSpPr>
+          <p:nvPr>
+            <p:ph idx="1"/>
+          </p:nvPr>
+        </p:nvSpPr>
+        <p:spPr>
+          <a:xfrm>
+            <a:off x="1847532" y="1006432"/>
+            <a:ext cx="8915400" cy="6212974"/>
+          </a:xfrm>
+        </p:spPr>
+        <p:txBody>
+          <a:bodyPr tIns="72000">
+            <a:noAutofit/>
+          </a:bodyPr>
+          <a:lstStyle/>
+          <a:p>
+            <a:pPr>
+              <a:buFont typeface="Wingdings" panose="05000000000000000000" pitchFamily="2" charset="2"/>
+              <a:buChar char="v"/>
+            </a:pPr>
+            <a:r>
+              <a:rPr lang="fr-FR" sz="2800" u="sng" dirty="0" smtClean="0"/>
+              <a:t>Conclusion:</a:t>
+            </a:r>
+          </a:p>
+          <a:p>
+            <a:pPr>
+              <a:buFont typeface="Wingdings" panose="05000000000000000000" pitchFamily="2" charset="2"/>
+              <a:buChar char="v"/>
+            </a:pPr>
+            <a:endParaRPr lang="fr-FR" sz="2800" u="sng" dirty="0" smtClean="0"/>
+          </a:p>
+        </p:txBody>
+      </p:sp>
+    </p:spTree>
+    <p:extLst>
+      <p:ext uri="{BB962C8B-B14F-4D97-AF65-F5344CB8AC3E}">
+        <p14:creationId xmlns:p14="http://schemas.microsoft.com/office/powerpoint/2010/main" val="909599388"/>
+      </p:ext>
+    </p:extLst>
+  </p:cSld>
+  <p:clrMapOvr>
+    <a:masterClrMapping/>
+  </p:clrMapOvr>
+  <mc:AlternateContent xmlns:mc="http://schemas.openxmlformats.org/markup-compatibility/2006">
+    <mc:Choice xmlns:p15="http://schemas.microsoft.com/office/powerpoint/2012/main" xmlns="" Requires="p15">
+      <p:transition xmlns:p14="http://schemas.microsoft.com/office/powerpoint/2010/main" spd="slow" p14:dur="1250">
+        <p15:prstTrans prst="peelOff"/>
+      </p:transition>
+    </mc:Choice>
+    <mc:Fallback>
+      <p:transition spd="slow">
+        <p:fade/>
+      </p:transition>
+    </mc:Fallback>
+  </mc:AlternateContent>
+  <p:timing>
+    <p:tnLst>
+      <p:par>
+        <p:cTn id="1" dur="indefinite" restart="never" nodeType="tmRoot"/>
+      </p:par>
+    </p:tnLst>
+  </p:timing>
+</p:sld>
+</file>
+
+<file path=ppt/slides/slide13.xml><?xml version="1.0" encoding="utf-8"?>
 <p:sld xmlns:a="http://schemas.openxmlformats.org/drawingml/2006/main" xmlns:r="http://schemas.openxmlformats.org/officeDocument/2006/relationships" xmlns:p="http://schemas.openxmlformats.org/presentationml/2006/main" showMasterSp="0">
   <p:cSld>
     <p:bg>
@@ -14244,7 +12057,7 @@
     <a:masterClrMapping/>
   </p:clrMapOvr>
   <mc:AlternateContent xmlns:mc="http://schemas.openxmlformats.org/markup-compatibility/2006">
-    <mc:Choice xmlns="" xmlns:p15="http://schemas.microsoft.com/office/powerpoint/2012/main" Requires="p15">
+    <mc:Choice xmlns:p15="http://schemas.microsoft.com/office/powerpoint/2012/main" xmlns="" Requires="p15">
       <p:transition xmlns:p14="http://schemas.microsoft.com/office/powerpoint/2010/main" spd="slow" p14:dur="1250">
         <p15:prstTrans prst="peelOff"/>
       </p:transition>
@@ -14358,20 +12171,24 @@
             </a:pPr>
             <a:r>
               <a:rPr lang="fr-FR" sz="2400" dirty="0" smtClean="0"/>
-              <a:t>	- positionnement transversal (image centrée</a:t>
-            </a:r>
+              <a:t>	- positionnement transversal (image centrée)</a:t>
+            </a:r>
+          </a:p>
+          <a:p>
+            <a:pPr marL="0" indent="0">
+              <a:buNone/>
+            </a:pPr>
             <a:r>
               <a:rPr lang="fr-FR" sz="2400" dirty="0" smtClean="0"/>
-              <a:t>)</a:t>
-            </a:r>
-          </a:p>
-          <a:p>
-            <a:pPr marL="0" indent="0">
-              <a:buNone/>
-            </a:pPr>
+              <a:t>	- reconstitution </a:t>
+            </a:r>
             <a:r>
               <a:rPr lang="fr-FR" sz="2400" dirty="0" smtClean="0"/>
-              <a:t>	- reconstitution 3D</a:t>
+              <a:t>3D de l’échantillon</a:t>
+            </a:r>
+            <a:r>
+              <a:rPr lang="fr-FR" sz="2400" dirty="0" smtClean="0"/>
+              <a:t/>
             </a:r>
             <a:br>
               <a:rPr lang="fr-FR" sz="2400" dirty="0" smtClean="0"/>
@@ -14398,11 +12215,7 @@
             </a:pPr>
             <a:r>
               <a:rPr lang="fr-FR" sz="2400" dirty="0" smtClean="0"/>
-              <a:t>- </a:t>
-            </a:r>
-            <a:r>
-              <a:rPr lang="fr-FR" sz="2400" dirty="0" smtClean="0"/>
-              <a:t>images </a:t>
+              <a:t>- images </a:t>
             </a:r>
             <a:r>
               <a:rPr lang="fr-FR" sz="2400" dirty="0"/>
@@ -14532,9 +12345,83 @@
           </a:p>
         </p:txBody>
       </p:sp>
+    </p:spTree>
+    <p:extLst>
+      <p:ext uri="{BB962C8B-B14F-4D97-AF65-F5344CB8AC3E}">
+        <p14:creationId xmlns:p14="http://schemas.microsoft.com/office/powerpoint/2010/main" val="2303545849"/>
+      </p:ext>
+    </p:extLst>
+  </p:cSld>
+  <p:clrMapOvr>
+    <a:masterClrMapping/>
+  </p:clrMapOvr>
+  <mc:AlternateContent xmlns:mc="http://schemas.openxmlformats.org/markup-compatibility/2006">
+    <mc:Choice xmlns:p15="http://schemas.microsoft.com/office/powerpoint/2012/main" xmlns="" Requires="p15">
+      <p:transition xmlns:p14="http://schemas.microsoft.com/office/powerpoint/2010/main" spd="slow" p14:dur="1250">
+        <p15:prstTrans prst="peelOff"/>
+      </p:transition>
+    </mc:Choice>
+    <mc:Fallback>
+      <p:transition spd="slow">
+        <p:fade/>
+      </p:transition>
+    </mc:Fallback>
+  </mc:AlternateContent>
+  <p:timing>
+    <p:tnLst>
+      <p:par>
+        <p:cTn id="1" dur="indefinite" restart="never" nodeType="tmRoot"/>
+      </p:par>
+    </p:tnLst>
+  </p:timing>
+</p:sld>
+</file>
+
+<file path=ppt/slides/slide3.xml><?xml version="1.0" encoding="utf-8"?>
+<p:sld xmlns:a="http://schemas.openxmlformats.org/drawingml/2006/main" xmlns:r="http://schemas.openxmlformats.org/officeDocument/2006/relationships" xmlns:p="http://schemas.openxmlformats.org/presentationml/2006/main" showMasterSp="0">
+  <p:cSld>
+    <p:bg>
+      <p:bgPr>
+        <a:gradFill>
+          <a:gsLst>
+            <a:gs pos="0">
+              <a:schemeClr val="bg2">
+                <a:tint val="90000"/>
+                <a:satMod val="92000"/>
+                <a:lumMod val="120000"/>
+              </a:schemeClr>
+            </a:gs>
+            <a:gs pos="100000">
+              <a:schemeClr val="accent6">
+                <a:lumMod val="60000"/>
+                <a:lumOff val="40000"/>
+              </a:schemeClr>
+            </a:gs>
+          </a:gsLst>
+          <a:path path="circle">
+            <a:fillToRect l="50000" t="50000" r="100000" b="100000"/>
+          </a:path>
+        </a:gradFill>
+        <a:effectLst/>
+      </p:bgPr>
+    </p:bg>
+    <p:spTree>
+      <p:nvGrpSpPr>
+        <p:cNvPr id="1" name=""/>
+        <p:cNvGrpSpPr/>
+        <p:nvPr/>
+      </p:nvGrpSpPr>
+      <p:grpSpPr>
+        <a:xfrm>
+          <a:off x="0" y="0"/>
+          <a:ext cx="0" cy="0"/>
+          <a:chOff x="0" y="0"/>
+          <a:chExt cx="0" cy="0"/>
+        </a:xfrm>
+      </p:grpSpPr>
       <p:pic>
         <p:nvPicPr>
-          <p:cNvPr id="1026" name="Picture 2"/>
+          <p:cNvPr id="4" name="Picture 3"/>
           <p:cNvPicPr>
             <a:picLocks noChangeAspect="1" noChangeArrowheads="1"/>
           </p:cNvPicPr>
@@ -14555,8 +12442,8 @@
         </p:blipFill>
         <p:spPr bwMode="auto">
           <a:xfrm>
-            <a:off x="9515267" y="3380869"/>
-            <a:ext cx="2329564" cy="2396270"/>
+            <a:off x="282633" y="358853"/>
+            <a:ext cx="3632661" cy="3728678"/>
           </a:xfrm>
           <a:prstGeom prst="rect">
             <a:avLst/>
@@ -14588,7 +12475,7 @@
       </p:pic>
       <p:pic>
         <p:nvPicPr>
-          <p:cNvPr id="1027" name="Picture 3"/>
+          <p:cNvPr id="5" name="Picture 2"/>
           <p:cNvPicPr>
             <a:picLocks noChangeAspect="1" noChangeArrowheads="1"/>
           </p:cNvPicPr>
@@ -14609,8 +12496,8 @@
         </p:blipFill>
         <p:spPr bwMode="auto">
           <a:xfrm>
-            <a:off x="9515267" y="120432"/>
-            <a:ext cx="2328266" cy="2389806"/>
+            <a:off x="4098173" y="365097"/>
+            <a:ext cx="3674225" cy="3722434"/>
           </a:xfrm>
           <a:prstGeom prst="rect">
             <a:avLst/>
@@ -14643,7 +12530,7 @@
     </p:spTree>
     <p:extLst>
       <p:ext uri="{BB962C8B-B14F-4D97-AF65-F5344CB8AC3E}">
-        <p14:creationId xmlns:p14="http://schemas.microsoft.com/office/powerpoint/2010/main" val="2303545849"/>
+        <p14:creationId xmlns:p14="http://schemas.microsoft.com/office/powerpoint/2010/main" val="652262754"/>
       </p:ext>
     </p:extLst>
   </p:cSld>
@@ -14651,7 +12538,137 @@
     <a:masterClrMapping/>
   </p:clrMapOvr>
   <mc:AlternateContent xmlns:mc="http://schemas.openxmlformats.org/markup-compatibility/2006">
-    <mc:Choice xmlns="" xmlns:p15="http://schemas.microsoft.com/office/powerpoint/2012/main" Requires="p15">
+    <mc:Choice xmlns:p15="http://schemas.microsoft.com/office/powerpoint/2012/main" xmlns="" Requires="p15">
+      <p:transition xmlns:p14="http://schemas.microsoft.com/office/powerpoint/2010/main" spd="slow" p14:dur="1250">
+        <p15:prstTrans prst="peelOff"/>
+      </p:transition>
+    </mc:Choice>
+    <mc:Fallback>
+      <p:transition spd="slow">
+        <p:fade/>
+      </p:transition>
+    </mc:Fallback>
+  </mc:AlternateContent>
+</p:sld>
+</file>
+
+<file path=ppt/slides/slide4.xml><?xml version="1.0" encoding="utf-8"?>
+<p:sld xmlns:a="http://schemas.openxmlformats.org/drawingml/2006/main" xmlns:r="http://schemas.openxmlformats.org/officeDocument/2006/relationships" xmlns:p="http://schemas.openxmlformats.org/presentationml/2006/main" showMasterSp="0">
+  <p:cSld>
+    <p:spTree>
+      <p:nvGrpSpPr>
+        <p:cNvPr id="1" name=""/>
+        <p:cNvGrpSpPr/>
+        <p:nvPr/>
+      </p:nvGrpSpPr>
+      <p:grpSpPr>
+        <a:xfrm>
+          <a:off x="0" y="0"/>
+          <a:ext cx="0" cy="0"/>
+          <a:chOff x="0" y="0"/>
+          <a:chExt cx="0" cy="0"/>
+        </a:xfrm>
+      </p:grpSpPr>
+      <p:sp>
+        <p:nvSpPr>
+          <p:cNvPr id="2" name="ZoneTexte 1"/>
+          <p:cNvSpPr txBox="1"/>
+          <p:nvPr/>
+        </p:nvSpPr>
+        <p:spPr>
+          <a:xfrm>
+            <a:off x="2265680" y="1666240"/>
+            <a:ext cx="6969760" cy="3046988"/>
+          </a:xfrm>
+          <a:prstGeom prst="rect">
+            <a:avLst/>
+          </a:prstGeom>
+          <a:noFill/>
+        </p:spPr>
+        <p:txBody>
+          <a:bodyPr wrap="square" rtlCol="0">
+            <a:spAutoFit/>
+          </a:bodyPr>
+          <a:lstStyle/>
+          <a:p>
+            <a:r>
+              <a:rPr lang="fr-FR" sz="3200" i="1" u="sng" dirty="0" smtClean="0">
+                <a:effectLst>
+                  <a:outerShdw blurRad="38100" dist="38100" dir="2700000" algn="tl">
+                    <a:srgbClr val="000000">
+                      <a:alpha val="43137"/>
+                    </a:srgbClr>
+                  </a:outerShdw>
+                </a:effectLst>
+              </a:rPr>
+              <a:t>I Etat de l’art</a:t>
+            </a:r>
+          </a:p>
+          <a:p>
+            <a:r>
+              <a:rPr lang="fr-FR" sz="3200" dirty="0" smtClean="0"/>
+              <a:t>	</a:t>
+            </a:r>
+          </a:p>
+          <a:p>
+            <a:r>
+              <a:rPr lang="fr-FR" sz="3200" i="1" u="sng" dirty="0" smtClean="0">
+                <a:effectLst>
+                  <a:outerShdw blurRad="38100" dist="38100" dir="2700000" algn="tl">
+                    <a:srgbClr val="000000">
+                      <a:alpha val="43137"/>
+                    </a:srgbClr>
+                  </a:outerShdw>
+                </a:effectLst>
+              </a:rPr>
+              <a:t>II Travail réalisé</a:t>
+            </a:r>
+          </a:p>
+          <a:p>
+            <a:r>
+              <a:rPr lang="fr-FR" sz="3200" dirty="0" smtClean="0"/>
+              <a:t>	</a:t>
+            </a:r>
+          </a:p>
+          <a:p>
+            <a:r>
+              <a:rPr lang="fr-FR" sz="3200" i="1" u="sng" dirty="0" smtClean="0">
+                <a:effectLst>
+                  <a:outerShdw blurRad="38100" dist="38100" dir="2700000" algn="tl">
+                    <a:srgbClr val="000000">
+                      <a:alpha val="43137"/>
+                    </a:srgbClr>
+                  </a:outerShdw>
+                </a:effectLst>
+              </a:rPr>
+              <a:t>III Détermination de la position</a:t>
+            </a:r>
+          </a:p>
+          <a:p>
+            <a:endParaRPr lang="fr-FR" sz="3200" i="1" u="sng" dirty="0">
+              <a:effectLst>
+                <a:outerShdw blurRad="38100" dist="38100" dir="2700000" algn="tl">
+                  <a:srgbClr val="000000">
+                    <a:alpha val="43137"/>
+                  </a:srgbClr>
+                </a:outerShdw>
+              </a:effectLst>
+            </a:endParaRPr>
+          </a:p>
+        </p:txBody>
+      </p:sp>
+    </p:spTree>
+    <p:extLst>
+      <p:ext uri="{BB962C8B-B14F-4D97-AF65-F5344CB8AC3E}">
+        <p14:creationId xmlns:p14="http://schemas.microsoft.com/office/powerpoint/2010/main" val="1481203336"/>
+      </p:ext>
+    </p:extLst>
+  </p:cSld>
+  <p:clrMapOvr>
+    <a:masterClrMapping/>
+  </p:clrMapOvr>
+  <mc:AlternateContent xmlns:mc="http://schemas.openxmlformats.org/markup-compatibility/2006">
+    <mc:Choice xmlns:p15="http://schemas.microsoft.com/office/powerpoint/2012/main" xmlns="" Requires="p15">
       <p:transition xmlns:p14="http://schemas.microsoft.com/office/powerpoint/2010/main" spd="slow" p14:dur="1250">
         <p15:prstTrans prst="peelOff"/>
       </p:transition>
@@ -14672,144 +12689,7 @@
 </p:sld>
 </file>
 
-<file path=ppt/slides/slide3.xml><?xml version="1.0" encoding="utf-8"?>
-<p:sld xmlns:a="http://schemas.openxmlformats.org/drawingml/2006/main" xmlns:r="http://schemas.openxmlformats.org/officeDocument/2006/relationships" xmlns:p="http://schemas.openxmlformats.org/presentationml/2006/main" showMasterSp="0">
-  <p:cSld>
-    <p:spTree>
-      <p:nvGrpSpPr>
-        <p:cNvPr id="1" name=""/>
-        <p:cNvGrpSpPr/>
-        <p:nvPr/>
-      </p:nvGrpSpPr>
-      <p:grpSpPr>
-        <a:xfrm>
-          <a:off x="0" y="0"/>
-          <a:ext cx="0" cy="0"/>
-          <a:chOff x="0" y="0"/>
-          <a:chExt cx="0" cy="0"/>
-        </a:xfrm>
-      </p:grpSpPr>
-      <p:sp>
-        <p:nvSpPr>
-          <p:cNvPr id="2" name="ZoneTexte 1"/>
-          <p:cNvSpPr txBox="1"/>
-          <p:nvPr/>
-        </p:nvSpPr>
-        <p:spPr>
-          <a:xfrm>
-            <a:off x="2265680" y="1666240"/>
-            <a:ext cx="6969760" cy="3046988"/>
-          </a:xfrm>
-          <a:prstGeom prst="rect">
-            <a:avLst/>
-          </a:prstGeom>
-          <a:noFill/>
-        </p:spPr>
-        <p:txBody>
-          <a:bodyPr wrap="square" rtlCol="0">
-            <a:spAutoFit/>
-          </a:bodyPr>
-          <a:lstStyle/>
-          <a:p>
-            <a:r>
-              <a:rPr lang="fr-FR" sz="3200" i="1" u="sng" dirty="0" smtClean="0">
-                <a:effectLst>
-                  <a:outerShdw blurRad="38100" dist="38100" dir="2700000" algn="tl">
-                    <a:srgbClr val="000000">
-                      <a:alpha val="43137"/>
-                    </a:srgbClr>
-                  </a:outerShdw>
-                </a:effectLst>
-              </a:rPr>
-              <a:t>I Etat de l’art</a:t>
-            </a:r>
-          </a:p>
-          <a:p>
-            <a:r>
-              <a:rPr lang="fr-FR" sz="3200" dirty="0" smtClean="0"/>
-              <a:t>	</a:t>
-            </a:r>
-          </a:p>
-          <a:p>
-            <a:r>
-              <a:rPr lang="fr-FR" sz="3200" i="1" u="sng" dirty="0" smtClean="0">
-                <a:effectLst>
-                  <a:outerShdw blurRad="38100" dist="38100" dir="2700000" algn="tl">
-                    <a:srgbClr val="000000">
-                      <a:alpha val="43137"/>
-                    </a:srgbClr>
-                  </a:outerShdw>
-                </a:effectLst>
-              </a:rPr>
-              <a:t>II Travail réalisé</a:t>
-            </a:r>
-          </a:p>
-          <a:p>
-            <a:r>
-              <a:rPr lang="fr-FR" sz="3200" dirty="0" smtClean="0"/>
-              <a:t>	</a:t>
-            </a:r>
-          </a:p>
-          <a:p>
-            <a:r>
-              <a:rPr lang="fr-FR" sz="3200" i="1" u="sng" dirty="0" smtClean="0">
-                <a:effectLst>
-                  <a:outerShdw blurRad="38100" dist="38100" dir="2700000" algn="tl">
-                    <a:srgbClr val="000000">
-                      <a:alpha val="43137"/>
-                    </a:srgbClr>
-                  </a:outerShdw>
-                </a:effectLst>
-              </a:rPr>
-              <a:t>III Détermination de la position</a:t>
-            </a:r>
-          </a:p>
-          <a:p>
-            <a:endParaRPr lang="fr-FR" sz="3200" i="1" u="sng" dirty="0">
-              <a:effectLst>
-                <a:outerShdw blurRad="38100" dist="38100" dir="2700000" algn="tl">
-                  <a:srgbClr val="000000">
-                    <a:alpha val="43137"/>
-                  </a:srgbClr>
-                </a:outerShdw>
-              </a:effectLst>
-            </a:endParaRPr>
-          </a:p>
-        </p:txBody>
-      </p:sp>
-    </p:spTree>
-    <p:extLst>
-      <p:ext uri="{BB962C8B-B14F-4D97-AF65-F5344CB8AC3E}">
-        <p14:creationId xmlns:p14="http://schemas.microsoft.com/office/powerpoint/2010/main" val="1481203336"/>
-      </p:ext>
-    </p:extLst>
-  </p:cSld>
-  <p:clrMapOvr>
-    <a:masterClrMapping/>
-  </p:clrMapOvr>
-  <mc:AlternateContent xmlns:mc="http://schemas.openxmlformats.org/markup-compatibility/2006">
-    <mc:Choice xmlns="" xmlns:p15="http://schemas.microsoft.com/office/powerpoint/2012/main" Requires="p15">
-      <p:transition xmlns:p14="http://schemas.microsoft.com/office/powerpoint/2010/main" spd="slow" p14:dur="1250">
-        <p15:prstTrans prst="peelOff"/>
-      </p:transition>
-    </mc:Choice>
-    <mc:Fallback>
-      <p:transition spd="slow">
-        <p:fade/>
-      </p:transition>
-    </mc:Fallback>
-  </mc:AlternateContent>
-  <p:timing>
-    <p:tnLst>
-      <p:par>
-        <p:cTn id="1" dur="indefinite" restart="never" nodeType="tmRoot"/>
-      </p:par>
-    </p:tnLst>
-  </p:timing>
-</p:sld>
-</file>
-
-<file path=ppt/slides/slide4.xml><?xml version="1.0" encoding="utf-8"?>
+<file path=ppt/slides/slide5.xml><?xml version="1.0" encoding="utf-8"?>
 <p:sld xmlns:a="http://schemas.openxmlformats.org/drawingml/2006/main" xmlns:r="http://schemas.openxmlformats.org/officeDocument/2006/relationships" xmlns:p="http://schemas.openxmlformats.org/presentationml/2006/main" showMasterSp="0">
   <p:cSld>
     <p:spTree>
@@ -15097,325 +12977,7 @@
     <a:masterClrMapping/>
   </p:clrMapOvr>
   <mc:AlternateContent xmlns:mc="http://schemas.openxmlformats.org/markup-compatibility/2006">
-    <mc:Choice xmlns="" xmlns:p15="http://schemas.microsoft.com/office/powerpoint/2012/main" Requires="p15">
-      <p:transition xmlns:p14="http://schemas.microsoft.com/office/powerpoint/2010/main" spd="slow" p14:dur="1250">
-        <p15:prstTrans prst="peelOff"/>
-      </p:transition>
-    </mc:Choice>
-    <mc:Fallback>
-      <p:transition spd="slow">
-        <p:fade/>
-      </p:transition>
-    </mc:Fallback>
-  </mc:AlternateContent>
-  <p:timing>
-    <p:tnLst>
-      <p:par>
-        <p:cTn id="1" dur="indefinite" restart="never" nodeType="tmRoot"/>
-      </p:par>
-    </p:tnLst>
-  </p:timing>
-</p:sld>
-</file>
-
-<file path=ppt/slides/slide5.xml><?xml version="1.0" encoding="utf-8"?>
-<p:sld xmlns:a="http://schemas.openxmlformats.org/drawingml/2006/main" xmlns:r="http://schemas.openxmlformats.org/officeDocument/2006/relationships" xmlns:p="http://schemas.openxmlformats.org/presentationml/2006/main" showMasterSp="0">
-  <p:cSld>
-    <p:spTree>
-      <p:nvGrpSpPr>
-        <p:cNvPr id="1" name=""/>
-        <p:cNvGrpSpPr/>
-        <p:nvPr/>
-      </p:nvGrpSpPr>
-      <p:grpSpPr>
-        <a:xfrm>
-          <a:off x="0" y="0"/>
-          <a:ext cx="0" cy="0"/>
-          <a:chOff x="0" y="0"/>
-          <a:chExt cx="0" cy="0"/>
-        </a:xfrm>
-      </p:grpSpPr>
-      <p:sp>
-        <p:nvSpPr>
-          <p:cNvPr id="3" name="Espace réservé du contenu 2"/>
-          <p:cNvSpPr>
-            <a:spLocks noGrp="1"/>
-          </p:cNvSpPr>
-          <p:nvPr>
-            <p:ph idx="1"/>
-          </p:nvPr>
-        </p:nvSpPr>
-        <p:spPr>
-          <a:xfrm>
-            <a:off x="1805780" y="318527"/>
-            <a:ext cx="8915400" cy="1259248"/>
-          </a:xfrm>
-        </p:spPr>
-        <p:txBody>
-          <a:bodyPr tIns="72000">
-            <a:noAutofit/>
-          </a:bodyPr>
-          <a:lstStyle/>
-          <a:p>
-            <a:pPr>
-              <a:buFont typeface="Wingdings" panose="05000000000000000000" pitchFamily="2" charset="2"/>
-              <a:buChar char="v"/>
-            </a:pPr>
-            <a:r>
-              <a:rPr lang="fr-FR" sz="2800" u="sng" dirty="0" smtClean="0"/>
-              <a:t>Etat de l’art:</a:t>
-            </a:r>
-          </a:p>
-          <a:p>
-            <a:pPr marL="0" indent="0">
-              <a:buNone/>
-            </a:pPr>
-            <a:r>
-              <a:rPr lang="fr-FR" sz="2400" dirty="0" smtClean="0"/>
-              <a:t>Microscopie de fluorescence: capteur et traitement</a:t>
-            </a:r>
-            <a:endParaRPr lang="fr-FR" sz="2800" dirty="0" smtClean="0"/>
-          </a:p>
-          <a:p>
-            <a:pPr marL="0" indent="0">
-              <a:buNone/>
-            </a:pPr>
-            <a:endParaRPr lang="fr-FR" sz="2800" dirty="0"/>
-          </a:p>
-        </p:txBody>
-      </p:sp>
-      <p:sp>
-        <p:nvSpPr>
-          <p:cNvPr id="9" name="ZoneTexte 8"/>
-          <p:cNvSpPr txBox="1"/>
-          <p:nvPr/>
-        </p:nvSpPr>
-        <p:spPr>
-          <a:xfrm>
-            <a:off x="1805780" y="1421426"/>
-            <a:ext cx="6951216" cy="369332"/>
-          </a:xfrm>
-          <a:prstGeom prst="rect">
-            <a:avLst/>
-          </a:prstGeom>
-          <a:noFill/>
-        </p:spPr>
-        <p:txBody>
-          <a:bodyPr wrap="square" rtlCol="0">
-            <a:spAutoFit/>
-          </a:bodyPr>
-          <a:lstStyle/>
-          <a:p>
-            <a:r>
-              <a:rPr lang="fr-FR" dirty="0" smtClean="0"/>
-              <a:t>Fluorescence =&gt; petite quantité de lumière =&gt; RSB élevé</a:t>
-            </a:r>
-            <a:endParaRPr lang="fr-FR" dirty="0"/>
-          </a:p>
-        </p:txBody>
-      </p:sp>
-      <p:sp>
-        <p:nvSpPr>
-          <p:cNvPr id="10" name="ZoneTexte 9"/>
-          <p:cNvSpPr txBox="1"/>
-          <p:nvPr/>
-        </p:nvSpPr>
-        <p:spPr>
-          <a:xfrm>
-            <a:off x="1681493" y="2003741"/>
-            <a:ext cx="6327373" cy="1938992"/>
-          </a:xfrm>
-          <a:prstGeom prst="rect">
-            <a:avLst/>
-          </a:prstGeom>
-          <a:noFill/>
-        </p:spPr>
-        <p:txBody>
-          <a:bodyPr wrap="none" rtlCol="0">
-            <a:spAutoFit/>
-          </a:bodyPr>
-          <a:lstStyle/>
-          <a:p>
-            <a:r>
-              <a:rPr lang="fr-FR" sz="2000" dirty="0" smtClean="0"/>
-              <a:t>La précision du pointé dépend de plusieurs bruits:</a:t>
-            </a:r>
-          </a:p>
-          <a:p>
-            <a:pPr marL="285750" indent="-19050">
-              <a:buFont typeface="Arial" panose="020B0604020202020204" pitchFamily="34" charset="0"/>
-              <a:buChar char="•"/>
-            </a:pPr>
-            <a:r>
-              <a:rPr lang="fr-FR" sz="2000" dirty="0" smtClean="0"/>
-              <a:t> Impact des photons non uniforme</a:t>
-            </a:r>
-          </a:p>
-          <a:p>
-            <a:pPr marL="285750" indent="-19050">
-              <a:buFont typeface="Arial" panose="020B0604020202020204" pitchFamily="34" charset="0"/>
-              <a:buChar char="•"/>
-            </a:pPr>
-            <a:r>
-              <a:rPr lang="fr-FR" sz="2000" dirty="0" smtClean="0"/>
-              <a:t> lumière parasite </a:t>
-            </a:r>
-          </a:p>
-          <a:p>
-            <a:pPr marL="285750" indent="-19050">
-              <a:buFont typeface="Arial" panose="020B0604020202020204" pitchFamily="34" charset="0"/>
-              <a:buChar char="•"/>
-            </a:pPr>
-            <a:r>
-              <a:rPr lang="fr-FR" sz="2000" dirty="0" smtClean="0"/>
-              <a:t> courant d’obscurité (diodes du capteur)</a:t>
-            </a:r>
-          </a:p>
-          <a:p>
-            <a:r>
-              <a:rPr lang="fr-FR" sz="2000" dirty="0"/>
-              <a:t>	</a:t>
-            </a:r>
-            <a:endParaRPr lang="fr-FR" sz="2000" dirty="0" smtClean="0"/>
-          </a:p>
-          <a:p>
-            <a:r>
-              <a:rPr lang="fr-FR" sz="2000" dirty="0"/>
-              <a:t>	</a:t>
-            </a:r>
-          </a:p>
-        </p:txBody>
-      </p:sp>
-      <p:sp>
-        <p:nvSpPr>
-          <p:cNvPr id="11" name="ZoneTexte 10"/>
-          <p:cNvSpPr txBox="1"/>
-          <p:nvPr/>
-        </p:nvSpPr>
-        <p:spPr>
-          <a:xfrm>
-            <a:off x="1681493" y="3768534"/>
-            <a:ext cx="7279689" cy="1200329"/>
-          </a:xfrm>
-          <a:prstGeom prst="rect">
-            <a:avLst/>
-          </a:prstGeom>
-          <a:noFill/>
-        </p:spPr>
-        <p:txBody>
-          <a:bodyPr wrap="square" rtlCol="0">
-            <a:spAutoFit/>
-          </a:bodyPr>
-          <a:lstStyle/>
-          <a:p>
-            <a:r>
-              <a:rPr lang="fr-FR" dirty="0" smtClean="0"/>
-              <a:t>Méthodes numériques:</a:t>
-            </a:r>
-          </a:p>
-          <a:p>
-            <a:pPr marL="285750" indent="-285750">
-              <a:buFont typeface="Arial" panose="020B0604020202020204" pitchFamily="34" charset="0"/>
-              <a:buChar char="•"/>
-            </a:pPr>
-            <a:r>
-              <a:rPr lang="fr-FR" dirty="0" smtClean="0"/>
-              <a:t>Augmentation de contraste</a:t>
-            </a:r>
-          </a:p>
-          <a:p>
-            <a:pPr marL="285750" indent="-285750">
-              <a:buFont typeface="Arial" panose="020B0604020202020204" pitchFamily="34" charset="0"/>
-              <a:buChar char="•"/>
-            </a:pPr>
-            <a:r>
-              <a:rPr lang="fr-FR" dirty="0" smtClean="0"/>
-              <a:t>Filtrage gaussien ou médian</a:t>
-            </a:r>
-          </a:p>
-          <a:p>
-            <a:pPr marL="285750" indent="-285750">
-              <a:buFont typeface="Arial" panose="020B0604020202020204" pitchFamily="34" charset="0"/>
-              <a:buChar char="•"/>
-            </a:pPr>
-            <a:r>
-              <a:rPr lang="fr-FR" dirty="0" err="1" smtClean="0"/>
-              <a:t>Déconvolution</a:t>
-            </a:r>
-            <a:r>
-              <a:rPr lang="fr-FR" dirty="0" smtClean="0"/>
-              <a:t> de la PSF </a:t>
-            </a:r>
-            <a:endParaRPr lang="fr-FR" dirty="0"/>
-          </a:p>
-        </p:txBody>
-      </p:sp>
-      <p:pic>
-        <p:nvPicPr>
-          <p:cNvPr id="12" name="Image 11"/>
-          <p:cNvPicPr>
-            <a:picLocks noChangeAspect="1"/>
-          </p:cNvPicPr>
-          <p:nvPr/>
-        </p:nvPicPr>
-        <p:blipFill>
-          <a:blip r:embed="rId2"/>
-          <a:stretch>
-            <a:fillRect/>
-          </a:stretch>
-        </p:blipFill>
-        <p:spPr>
-          <a:xfrm>
-            <a:off x="5628440" y="3897467"/>
-            <a:ext cx="4434733" cy="2826624"/>
-          </a:xfrm>
-          <a:prstGeom prst="rect">
-            <a:avLst/>
-          </a:prstGeom>
-        </p:spPr>
-      </p:pic>
-      <p:sp>
-        <p:nvSpPr>
-          <p:cNvPr id="13" name="ZoneTexte 12"/>
-          <p:cNvSpPr txBox="1"/>
-          <p:nvPr/>
-        </p:nvSpPr>
-        <p:spPr>
-          <a:xfrm>
-            <a:off x="2444972" y="4941447"/>
-            <a:ext cx="2876365" cy="369332"/>
-          </a:xfrm>
-          <a:prstGeom prst="rect">
-            <a:avLst/>
-          </a:prstGeom>
-          <a:noFill/>
-        </p:spPr>
-        <p:txBody>
-          <a:bodyPr wrap="square" rtlCol="0">
-            <a:spAutoFit/>
-          </a:bodyPr>
-          <a:lstStyle/>
-          <a:p>
-            <a:r>
-              <a:rPr lang="fr-FR" dirty="0" smtClean="0"/>
-              <a:t>Estimation de l’objet</a:t>
-            </a:r>
-            <a:endParaRPr lang="fr-FR" dirty="0"/>
-          </a:p>
-        </p:txBody>
-      </p:sp>
-    </p:spTree>
-    <p:extLst>
-      <p:ext uri="{BB962C8B-B14F-4D97-AF65-F5344CB8AC3E}">
-        <p14:creationId xmlns:p14="http://schemas.microsoft.com/office/powerpoint/2010/main" val="2649401023"/>
-      </p:ext>
-    </p:extLst>
-  </p:cSld>
-  <p:clrMapOvr>
-    <a:masterClrMapping/>
-  </p:clrMapOvr>
-  <mc:AlternateContent xmlns:mc="http://schemas.openxmlformats.org/markup-compatibility/2006">
-    <mc:Choice xmlns="" xmlns:p15="http://schemas.microsoft.com/office/powerpoint/2012/main" Requires="p15">
+    <mc:Choice xmlns:p15="http://schemas.microsoft.com/office/powerpoint/2012/main" xmlns="" Requires="p15">
       <p:transition xmlns:p14="http://schemas.microsoft.com/office/powerpoint/2010/main" spd="slow" p14:dur="1250">
         <p15:prstTrans prst="peelOff"/>
       </p:transition>
@@ -15465,8 +13027,8 @@
         </p:nvSpPr>
         <p:spPr>
           <a:xfrm>
-            <a:off x="1775300" y="261633"/>
-            <a:ext cx="9827420" cy="1259248"/>
+            <a:off x="1805780" y="318527"/>
+            <a:ext cx="8915400" cy="1259248"/>
           </a:xfrm>
         </p:spPr>
         <p:txBody>
@@ -15490,15 +13052,242 @@
             </a:pPr>
             <a:r>
               <a:rPr lang="fr-FR" sz="2400" dirty="0" smtClean="0"/>
-              <a:t>Microscopie utilisée: microscopie STORM</a:t>
-            </a:r>
+              <a:t>Microscopie de fluorescence: capteur et traitement</a:t>
+            </a:r>
+            <a:endParaRPr lang="fr-FR" sz="2800" dirty="0" smtClean="0"/>
+          </a:p>
+          <a:p>
+            <a:pPr marL="0" indent="0">
+              <a:buNone/>
+            </a:pPr>
+            <a:endParaRPr lang="fr-FR" sz="2800" dirty="0"/>
+          </a:p>
+        </p:txBody>
+      </p:sp>
+      <p:sp>
+        <p:nvSpPr>
+          <p:cNvPr id="9" name="ZoneTexte 8"/>
+          <p:cNvSpPr txBox="1"/>
+          <p:nvPr/>
+        </p:nvSpPr>
+        <p:spPr>
+          <a:xfrm>
+            <a:off x="1805780" y="1421426"/>
+            <a:ext cx="6951216" cy="369332"/>
+          </a:xfrm>
+          <a:prstGeom prst="rect">
+            <a:avLst/>
+          </a:prstGeom>
+          <a:noFill/>
+        </p:spPr>
+        <p:txBody>
+          <a:bodyPr wrap="square" rtlCol="0">
+            <a:spAutoFit/>
+          </a:bodyPr>
+          <a:lstStyle/>
+          <a:p>
+            <a:r>
+              <a:rPr lang="fr-FR" dirty="0" smtClean="0"/>
+              <a:t>Fluorescence =&gt; petite quantité de lumière =&gt; RSB élevé</a:t>
+            </a:r>
+            <a:endParaRPr lang="fr-FR" dirty="0"/>
+          </a:p>
+        </p:txBody>
+      </p:sp>
+      <p:sp>
+        <p:nvSpPr>
+          <p:cNvPr id="10" name="ZoneTexte 9"/>
+          <p:cNvSpPr txBox="1"/>
+          <p:nvPr/>
+        </p:nvSpPr>
+        <p:spPr>
+          <a:xfrm>
+            <a:off x="1681493" y="2003741"/>
+            <a:ext cx="6327373" cy="1938992"/>
+          </a:xfrm>
+          <a:prstGeom prst="rect">
+            <a:avLst/>
+          </a:prstGeom>
+          <a:noFill/>
+        </p:spPr>
+        <p:txBody>
+          <a:bodyPr wrap="none" rtlCol="0">
+            <a:spAutoFit/>
+          </a:bodyPr>
+          <a:lstStyle/>
+          <a:p>
+            <a:r>
+              <a:rPr lang="fr-FR" sz="2000" dirty="0" smtClean="0"/>
+              <a:t>La précision du pointé dépend de plusieurs bruits:</a:t>
+            </a:r>
+          </a:p>
+          <a:p>
+            <a:pPr marL="285750" indent="-19050">
+              <a:buFont typeface="Arial" panose="020B0604020202020204" pitchFamily="34" charset="0"/>
+              <a:buChar char="•"/>
+            </a:pPr>
+            <a:r>
+              <a:rPr lang="fr-FR" sz="2000" dirty="0" smtClean="0"/>
+              <a:t> Impact des photons non uniforme</a:t>
+            </a:r>
+          </a:p>
+          <a:p>
+            <a:pPr marL="285750" indent="-19050">
+              <a:buFont typeface="Arial" panose="020B0604020202020204" pitchFamily="34" charset="0"/>
+              <a:buChar char="•"/>
+            </a:pPr>
+            <a:r>
+              <a:rPr lang="fr-FR" sz="2000" dirty="0" smtClean="0"/>
+              <a:t> lumière parasite </a:t>
+            </a:r>
+          </a:p>
+          <a:p>
+            <a:pPr marL="285750" indent="-19050">
+              <a:buFont typeface="Arial" panose="020B0604020202020204" pitchFamily="34" charset="0"/>
+              <a:buChar char="•"/>
+            </a:pPr>
+            <a:r>
+              <a:rPr lang="fr-FR" sz="2000" dirty="0" smtClean="0"/>
+              <a:t> courant d’obscurité (diodes du capteur)</a:t>
+            </a:r>
+          </a:p>
+          <a:p>
+            <a:r>
+              <a:rPr lang="fr-FR" sz="2000" dirty="0"/>
+              <a:t>	</a:t>
+            </a:r>
+            <a:endParaRPr lang="fr-FR" sz="2000" dirty="0" smtClean="0"/>
+          </a:p>
+          <a:p>
+            <a:r>
+              <a:rPr lang="fr-FR" sz="2000" dirty="0"/>
+              <a:t>	</a:t>
+            </a:r>
+          </a:p>
+        </p:txBody>
+      </p:sp>
+      <p:sp>
+        <p:nvSpPr>
+          <p:cNvPr id="11" name="ZoneTexte 10"/>
+          <p:cNvSpPr txBox="1"/>
+          <p:nvPr/>
+        </p:nvSpPr>
+        <p:spPr>
+          <a:xfrm>
+            <a:off x="1681493" y="3768534"/>
+            <a:ext cx="7279689" cy="1200329"/>
+          </a:xfrm>
+          <a:prstGeom prst="rect">
+            <a:avLst/>
+          </a:prstGeom>
+          <a:noFill/>
+        </p:spPr>
+        <p:txBody>
+          <a:bodyPr wrap="square" rtlCol="0">
+            <a:spAutoFit/>
+          </a:bodyPr>
+          <a:lstStyle/>
+          <a:p>
+            <a:r>
+              <a:rPr lang="fr-FR" dirty="0" smtClean="0"/>
+              <a:t>Méthodes numériques:</a:t>
+            </a:r>
+          </a:p>
+          <a:p>
+            <a:pPr marL="285750" indent="-285750">
+              <a:buFont typeface="Arial" panose="020B0604020202020204" pitchFamily="34" charset="0"/>
+              <a:buChar char="•"/>
+            </a:pPr>
+            <a:r>
+              <a:rPr lang="fr-FR" dirty="0" smtClean="0"/>
+              <a:t>Augmentation de contraste</a:t>
+            </a:r>
+          </a:p>
+          <a:p>
+            <a:pPr marL="285750" indent="-285750">
+              <a:buFont typeface="Arial" panose="020B0604020202020204" pitchFamily="34" charset="0"/>
+              <a:buChar char="•"/>
+            </a:pPr>
+            <a:r>
+              <a:rPr lang="fr-FR" dirty="0" smtClean="0"/>
+              <a:t>Filtrage gaussien ou médian</a:t>
+            </a:r>
+          </a:p>
+          <a:p>
+            <a:pPr marL="285750" indent="-285750">
+              <a:buFont typeface="Arial" panose="020B0604020202020204" pitchFamily="34" charset="0"/>
+              <a:buChar char="•"/>
+            </a:pPr>
+            <a:r>
+              <a:rPr lang="fr-FR" dirty="0" err="1" smtClean="0"/>
+              <a:t>Déconvolution</a:t>
+            </a:r>
+            <a:r>
+              <a:rPr lang="fr-FR" dirty="0" smtClean="0"/>
+              <a:t> de la PSF </a:t>
+            </a:r>
+            <a:endParaRPr lang="fr-FR" dirty="0"/>
+          </a:p>
+        </p:txBody>
+      </p:sp>
+      <p:pic>
+        <p:nvPicPr>
+          <p:cNvPr id="12" name="Image 11"/>
+          <p:cNvPicPr>
+            <a:picLocks noChangeAspect="1"/>
+          </p:cNvPicPr>
+          <p:nvPr/>
+        </p:nvPicPr>
+        <p:blipFill>
+          <a:blip r:embed="rId2"/>
+          <a:stretch>
+            <a:fillRect/>
+          </a:stretch>
+        </p:blipFill>
+        <p:spPr>
+          <a:xfrm>
+            <a:off x="5628440" y="3897467"/>
+            <a:ext cx="4434733" cy="2826624"/>
+          </a:xfrm>
+          <a:prstGeom prst="rect">
+            <a:avLst/>
+          </a:prstGeom>
+        </p:spPr>
+      </p:pic>
+      <p:sp>
+        <p:nvSpPr>
+          <p:cNvPr id="13" name="ZoneTexte 12"/>
+          <p:cNvSpPr txBox="1"/>
+          <p:nvPr/>
+        </p:nvSpPr>
+        <p:spPr>
+          <a:xfrm>
+            <a:off x="2444972" y="4941447"/>
+            <a:ext cx="2876365" cy="369332"/>
+          </a:xfrm>
+          <a:prstGeom prst="rect">
+            <a:avLst/>
+          </a:prstGeom>
+          <a:noFill/>
+        </p:spPr>
+        <p:txBody>
+          <a:bodyPr wrap="square" rtlCol="0">
+            <a:spAutoFit/>
+          </a:bodyPr>
+          <a:lstStyle/>
+          <a:p>
+            <a:r>
+              <a:rPr lang="fr-FR" dirty="0" smtClean="0"/>
+              <a:t>Estimation de l’objet</a:t>
+            </a:r>
+            <a:endParaRPr lang="fr-FR" dirty="0"/>
           </a:p>
         </p:txBody>
       </p:sp>
     </p:spTree>
     <p:extLst>
       <p:ext uri="{BB962C8B-B14F-4D97-AF65-F5344CB8AC3E}">
-        <p14:creationId xmlns:p14="http://schemas.microsoft.com/office/powerpoint/2010/main" val="1487678745"/>
+        <p14:creationId xmlns:p14="http://schemas.microsoft.com/office/powerpoint/2010/main" val="2649401023"/>
       </p:ext>
     </p:extLst>
   </p:cSld>
@@ -15506,7 +13295,7 @@
     <a:masterClrMapping/>
   </p:clrMapOvr>
   <mc:AlternateContent xmlns:mc="http://schemas.openxmlformats.org/markup-compatibility/2006">
-    <mc:Choice xmlns="" xmlns:p15="http://schemas.microsoft.com/office/powerpoint/2012/main" Requires="p15">
+    <mc:Choice xmlns:p15="http://schemas.microsoft.com/office/powerpoint/2012/main" xmlns="" Requires="p15">
       <p:transition xmlns:p14="http://schemas.microsoft.com/office/powerpoint/2010/main" spd="slow" p14:dur="1250">
         <p15:prstTrans prst="peelOff"/>
       </p:transition>
@@ -15528,6 +13317,97 @@
 </file>
 
 <file path=ppt/slides/slide7.xml><?xml version="1.0" encoding="utf-8"?>
+<p:sld xmlns:a="http://schemas.openxmlformats.org/drawingml/2006/main" xmlns:r="http://schemas.openxmlformats.org/officeDocument/2006/relationships" xmlns:p="http://schemas.openxmlformats.org/presentationml/2006/main" showMasterSp="0">
+  <p:cSld>
+    <p:spTree>
+      <p:nvGrpSpPr>
+        <p:cNvPr id="1" name=""/>
+        <p:cNvGrpSpPr/>
+        <p:nvPr/>
+      </p:nvGrpSpPr>
+      <p:grpSpPr>
+        <a:xfrm>
+          <a:off x="0" y="0"/>
+          <a:ext cx="0" cy="0"/>
+          <a:chOff x="0" y="0"/>
+          <a:chExt cx="0" cy="0"/>
+        </a:xfrm>
+      </p:grpSpPr>
+      <p:sp>
+        <p:nvSpPr>
+          <p:cNvPr id="3" name="Espace réservé du contenu 2"/>
+          <p:cNvSpPr>
+            <a:spLocks noGrp="1"/>
+          </p:cNvSpPr>
+          <p:nvPr>
+            <p:ph idx="1"/>
+          </p:nvPr>
+        </p:nvSpPr>
+        <p:spPr>
+          <a:xfrm>
+            <a:off x="1775300" y="261633"/>
+            <a:ext cx="9827420" cy="1259248"/>
+          </a:xfrm>
+        </p:spPr>
+        <p:txBody>
+          <a:bodyPr tIns="72000">
+            <a:noAutofit/>
+          </a:bodyPr>
+          <a:lstStyle/>
+          <a:p>
+            <a:pPr>
+              <a:buFont typeface="Wingdings" panose="05000000000000000000" pitchFamily="2" charset="2"/>
+              <a:buChar char="v"/>
+            </a:pPr>
+            <a:r>
+              <a:rPr lang="fr-FR" sz="2800" u="sng" dirty="0" smtClean="0"/>
+              <a:t>Etat de l’art:</a:t>
+            </a:r>
+          </a:p>
+          <a:p>
+            <a:pPr marL="0" indent="0">
+              <a:buNone/>
+            </a:pPr>
+            <a:r>
+              <a:rPr lang="fr-FR" sz="2400" dirty="0" smtClean="0"/>
+              <a:t>Microscopie utilisée: microscopie STORM</a:t>
+            </a:r>
+          </a:p>
+        </p:txBody>
+      </p:sp>
+    </p:spTree>
+    <p:extLst>
+      <p:ext uri="{BB962C8B-B14F-4D97-AF65-F5344CB8AC3E}">
+        <p14:creationId xmlns:p14="http://schemas.microsoft.com/office/powerpoint/2010/main" val="1487678745"/>
+      </p:ext>
+    </p:extLst>
+  </p:cSld>
+  <p:clrMapOvr>
+    <a:masterClrMapping/>
+  </p:clrMapOvr>
+  <mc:AlternateContent xmlns:mc="http://schemas.openxmlformats.org/markup-compatibility/2006">
+    <mc:Choice xmlns:p15="http://schemas.microsoft.com/office/powerpoint/2012/main" xmlns="" Requires="p15">
+      <p:transition xmlns:p14="http://schemas.microsoft.com/office/powerpoint/2010/main" spd="slow" p14:dur="1250">
+        <p15:prstTrans prst="peelOff"/>
+      </p:transition>
+    </mc:Choice>
+    <mc:Fallback>
+      <p:transition spd="slow">
+        <p:fade/>
+      </p:transition>
+    </mc:Fallback>
+  </mc:AlternateContent>
+  <p:timing>
+    <p:tnLst>
+      <p:par>
+        <p:cTn id="1" dur="indefinite" restart="never" nodeType="tmRoot"/>
+      </p:par>
+    </p:tnLst>
+  </p:timing>
+</p:sld>
+</file>
+
+<file path=ppt/slides/slide8.xml><?xml version="1.0" encoding="utf-8"?>
 <p:sld xmlns:a="http://schemas.openxmlformats.org/drawingml/2006/main" xmlns:r="http://schemas.openxmlformats.org/officeDocument/2006/relationships" xmlns:p="http://schemas.openxmlformats.org/presentationml/2006/main" showMasterSp="0">
   <p:cSld>
     <p:spTree>
@@ -15719,7 +13599,7 @@
     <a:masterClrMapping/>
   </p:clrMapOvr>
   <mc:AlternateContent xmlns:mc="http://schemas.openxmlformats.org/markup-compatibility/2006">
-    <mc:Choice xmlns="" xmlns:p15="http://schemas.microsoft.com/office/powerpoint/2012/main" Requires="p15">
+    <mc:Choice xmlns:p15="http://schemas.microsoft.com/office/powerpoint/2012/main" xmlns="" Requires="p15">
       <p:transition xmlns:p14="http://schemas.microsoft.com/office/powerpoint/2010/main" spd="slow" p14:dur="1250">
         <p15:prstTrans prst="peelOff"/>
       </p:transition>
@@ -15740,7 +13620,7 @@
 </p:sld>
 </file>
 
-<file path=ppt/slides/slide8.xml><?xml version="1.0" encoding="utf-8"?>
+<file path=ppt/slides/slide9.xml><?xml version="1.0" encoding="utf-8"?>
 <p:sld xmlns:a="http://schemas.openxmlformats.org/drawingml/2006/main" xmlns:r="http://schemas.openxmlformats.org/officeDocument/2006/relationships" xmlns:p="http://schemas.openxmlformats.org/presentationml/2006/main" showMasterSp="0">
   <p:cSld>
     <p:spTree>
@@ -15796,10 +13676,7 @@
               <a:buFont typeface="Arial" pitchFamily="34" charset="0"/>
               <a:buChar char="•"/>
             </a:pPr>
-            <a:r>
-              <a:rPr lang="fr-FR" sz="2000" dirty="0" smtClean="0"/>
-              <a:t>Application d’un filtre de Wiener</a:t>
-            </a:r>
+            <a:endParaRPr lang="fr-FR" sz="2000" dirty="0" smtClean="0"/>
           </a:p>
           <a:p>
             <a:pPr marL="87313" indent="358775">
@@ -15901,151 +13778,7 @@
     <a:masterClrMapping/>
   </p:clrMapOvr>
   <mc:AlternateContent xmlns:mc="http://schemas.openxmlformats.org/markup-compatibility/2006">
-    <mc:Choice xmlns="" xmlns:p15="http://schemas.microsoft.com/office/powerpoint/2012/main" Requires="p15">
-      <p:transition xmlns:p14="http://schemas.microsoft.com/office/powerpoint/2010/main" spd="slow" p14:dur="1250">
-        <p15:prstTrans prst="peelOff"/>
-      </p:transition>
-    </mc:Choice>
-    <mc:Fallback>
-      <p:transition spd="slow">
-        <p:fade/>
-      </p:transition>
-    </mc:Fallback>
-  </mc:AlternateContent>
-  <p:timing>
-    <p:tnLst>
-      <p:par>
-        <p:cTn id="1" dur="indefinite" restart="never" nodeType="tmRoot"/>
-      </p:par>
-    </p:tnLst>
-  </p:timing>
-</p:sld>
-</file>
-
-<file path=ppt/slides/slide9.xml><?xml version="1.0" encoding="utf-8"?>
-<p:sld xmlns:a="http://schemas.openxmlformats.org/drawingml/2006/main" xmlns:r="http://schemas.openxmlformats.org/officeDocument/2006/relationships" xmlns:p="http://schemas.openxmlformats.org/presentationml/2006/main" showMasterSp="0">
-  <p:cSld>
-    <p:spTree>
-      <p:nvGrpSpPr>
-        <p:cNvPr id="1" name=""/>
-        <p:cNvGrpSpPr/>
-        <p:nvPr/>
-      </p:nvGrpSpPr>
-      <p:grpSpPr>
-        <a:xfrm>
-          <a:off x="0" y="0"/>
-          <a:ext cx="0" cy="0"/>
-          <a:chOff x="0" y="0"/>
-          <a:chExt cx="0" cy="0"/>
-        </a:xfrm>
-      </p:grpSpPr>
-      <p:sp>
-        <p:nvSpPr>
-          <p:cNvPr id="3" name="Espace réservé du contenu 2"/>
-          <p:cNvSpPr>
-            <a:spLocks noGrp="1"/>
-          </p:cNvSpPr>
-          <p:nvPr>
-            <p:ph idx="1"/>
-          </p:nvPr>
-        </p:nvSpPr>
-        <p:spPr>
-          <a:xfrm>
-            <a:off x="1878012" y="274912"/>
-            <a:ext cx="8915400" cy="6212974"/>
-          </a:xfrm>
-        </p:spPr>
-        <p:txBody>
-          <a:bodyPr tIns="72000">
-            <a:noAutofit/>
-          </a:bodyPr>
-          <a:lstStyle/>
-          <a:p>
-            <a:pPr>
-              <a:buFont typeface="Wingdings" panose="05000000000000000000" pitchFamily="2" charset="2"/>
-              <a:buChar char="v"/>
-            </a:pPr>
-            <a:r>
-              <a:rPr lang="fr-FR" sz="2800" u="sng" dirty="0" smtClean="0"/>
-              <a:t>III. Détermination de la position </a:t>
-            </a:r>
-          </a:p>
-          <a:p>
-            <a:pPr marL="719138" lvl="1" indent="-273050">
-              <a:buFont typeface="Arial" pitchFamily="34" charset="0"/>
-              <a:buChar char="•"/>
-            </a:pPr>
-            <a:r>
-              <a:rPr lang="fr-FR" sz="2600" dirty="0" smtClean="0"/>
-              <a:t>A partir des images filtrées :</a:t>
-            </a:r>
-          </a:p>
-          <a:p>
-            <a:pPr marL="720000" lvl="1" indent="-361950">
-              <a:spcBef>
-                <a:spcPts val="3600"/>
-              </a:spcBef>
-              <a:buFont typeface="Wingdings" pitchFamily="2" charset="2"/>
-              <a:buChar char="Ø"/>
-            </a:pPr>
-            <a:r>
-              <a:rPr lang="fr-FR" sz="2600" dirty="0" smtClean="0"/>
-              <a:t>Recherche de l’image la plus petite et la plus précise </a:t>
-            </a:r>
-          </a:p>
-          <a:p>
-            <a:pPr marL="712788" lvl="1" indent="-350838">
-              <a:lnSpc>
-                <a:spcPct val="200000"/>
-              </a:lnSpc>
-              <a:buFont typeface="Arial" pitchFamily="34" charset="0"/>
-              <a:buChar char="•"/>
-            </a:pPr>
-            <a:r>
-              <a:rPr lang="fr-FR" sz="2800" dirty="0" smtClean="0"/>
-              <a:t>Autres idées :</a:t>
-            </a:r>
-          </a:p>
-          <a:p>
-            <a:pPr marL="712788" lvl="1" indent="-350838">
-              <a:lnSpc>
-                <a:spcPct val="200000"/>
-              </a:lnSpc>
-              <a:buFont typeface="Wingdings" pitchFamily="2" charset="2"/>
-              <a:buChar char="Ø"/>
-            </a:pPr>
-            <a:r>
-              <a:rPr lang="fr-FR" sz="2800" dirty="0" smtClean="0"/>
-              <a:t>Exploitation des franges</a:t>
-            </a:r>
-          </a:p>
-          <a:p>
-            <a:pPr marL="712788" lvl="1" indent="-350838">
-              <a:lnSpc>
-                <a:spcPct val="200000"/>
-              </a:lnSpc>
-              <a:buFont typeface="Wingdings" pitchFamily="2" charset="2"/>
-              <a:buChar char="Ø"/>
-            </a:pPr>
-            <a:r>
-              <a:rPr lang="fr-FR" sz="2800" dirty="0" smtClean="0"/>
-              <a:t>Amélioration du filtrage</a:t>
-            </a:r>
-          </a:p>
-        </p:txBody>
-      </p:sp>
-    </p:spTree>
-    <p:extLst>
-      <p:ext uri="{BB962C8B-B14F-4D97-AF65-F5344CB8AC3E}">
-        <p14:creationId xmlns:p14="http://schemas.microsoft.com/office/powerpoint/2010/main" val="1899768230"/>
-      </p:ext>
-    </p:extLst>
-  </p:cSld>
-  <p:clrMapOvr>
-    <a:masterClrMapping/>
-  </p:clrMapOvr>
-  <mc:AlternateContent xmlns:mc="http://schemas.openxmlformats.org/markup-compatibility/2006">
-    <mc:Choice xmlns="" xmlns:p15="http://schemas.microsoft.com/office/powerpoint/2012/main" Requires="p15">
+    <mc:Choice xmlns:p15="http://schemas.microsoft.com/office/powerpoint/2012/main" xmlns="" Requires="p15">
       <p:transition xmlns:p14="http://schemas.microsoft.com/office/powerpoint/2010/main" spd="slow" p14:dur="1250">
         <p15:prstTrans prst="peelOff"/>
       </p:transition>
@@ -16321,7 +14054,7 @@
   <a:extraClrSchemeLst/>
   <a:extLst>
     <a:ext uri="{05A4C25C-085E-4340-85A3-A5531E510DB2}">
-      <thm15:themeFamily xmlns="" xmlns:thm15="http://schemas.microsoft.com/office/thememl/2012/main" name="Office Theme" id="{62F939B6-93AF-4DB8-9C6B-D6C7DFDC589F}" vid="{4A3C46E8-61CC-4603-A589-7422A47A8E4A}"/>
+      <thm15:themeFamily xmlns:thm15="http://schemas.microsoft.com/office/thememl/2012/main" xmlns="" name="Office Theme" id="{62F939B6-93AF-4DB8-9C6B-D6C7DFDC589F}" vid="{4A3C46E8-61CC-4603-A589-7422A47A8E4A}"/>
     </a:ext>
   </a:extLst>
 </a:theme>
@@ -16564,7 +14297,7 @@
   <a:extraClrSchemeLst/>
   <a:extLst>
     <a:ext uri="{05A4C25C-085E-4340-85A3-A5531E510DB2}">
-      <thm15:themeFamily xmlns="" xmlns:thm15="http://schemas.microsoft.com/office/thememl/2012/main" name="Wisp" id="{7CB32D59-10C0-40DD-B7BD-2E94284A981C}" vid="{24B1A44C-C006-48B2-A4D7-E5549B3D8CD4}"/>
+      <thm15:themeFamily xmlns:thm15="http://schemas.microsoft.com/office/thememl/2012/main" xmlns="" name="Wisp" id="{7CB32D59-10C0-40DD-B7BD-2E94284A981C}" vid="{24B1A44C-C006-48B2-A4D7-E5549B3D8CD4}"/>
     </a:ext>
   </a:extLst>
 </a:theme>

--- a/Pres_Avril/PresentationPIMSAvril.pptx
+++ b/Pres_Avril/PresentationPIMSAvril.pptx
@@ -12,13 +12,12 @@
     <p:sldId id="265" r:id="rId6"/>
     <p:sldId id="267" r:id="rId7"/>
     <p:sldId id="277" r:id="rId8"/>
-    <p:sldId id="268" r:id="rId9"/>
-    <p:sldId id="269" r:id="rId10"/>
-    <p:sldId id="270" r:id="rId11"/>
-    <p:sldId id="272" r:id="rId12"/>
-    <p:sldId id="276" r:id="rId13"/>
-    <p:sldId id="273" r:id="rId14"/>
-    <p:sldId id="274" r:id="rId15"/>
+    <p:sldId id="269" r:id="rId9"/>
+    <p:sldId id="270" r:id="rId10"/>
+    <p:sldId id="272" r:id="rId11"/>
+    <p:sldId id="276" r:id="rId12"/>
+    <p:sldId id="273" r:id="rId13"/>
+    <p:sldId id="274" r:id="rId14"/>
   </p:sldIdLst>
   <p:sldSz cx="12192000" cy="6858000"/>
   <p:notesSz cx="6858000" cy="9144000"/>
@@ -119,7 +118,7 @@
   </p:defaultTextStyle>
   <p:extLst>
     <p:ext uri="{EFAFB233-063F-42B5-8137-9DF3F51BA10A}">
-      <p15:sldGuideLst xmlns:p15="http://schemas.microsoft.com/office/powerpoint/2012/main" xmlns=""/>
+      <p15:sldGuideLst xmlns="" xmlns:p15="http://schemas.microsoft.com/office/powerpoint/2012/main"/>
     </p:ext>
   </p:extLst>
 </p:presentation>
@@ -315,7 +314,7 @@
     <a:masterClrMapping/>
   </p:clrMapOvr>
   <mc:AlternateContent xmlns:mc="http://schemas.openxmlformats.org/markup-compatibility/2006">
-    <mc:Choice xmlns:p15="http://schemas.microsoft.com/office/powerpoint/2012/main" xmlns="" Requires="p15">
+    <mc:Choice xmlns="" xmlns:p15="http://schemas.microsoft.com/office/powerpoint/2012/main" Requires="p15">
       <p:transition xmlns:p14="http://schemas.microsoft.com/office/powerpoint/2010/main" spd="slow" p14:dur="1250">
         <p15:prstTrans prst="peelOff"/>
       </p:transition>
@@ -497,7 +496,7 @@
     <a:masterClrMapping/>
   </p:clrMapOvr>
   <mc:AlternateContent xmlns:mc="http://schemas.openxmlformats.org/markup-compatibility/2006">
-    <mc:Choice xmlns:p15="http://schemas.microsoft.com/office/powerpoint/2012/main" xmlns="" Requires="p15">
+    <mc:Choice xmlns="" xmlns:p15="http://schemas.microsoft.com/office/powerpoint/2012/main" Requires="p15">
       <p:transition xmlns:p14="http://schemas.microsoft.com/office/powerpoint/2010/main" spd="slow" p14:dur="1250">
         <p15:prstTrans prst="peelOff"/>
       </p:transition>
@@ -689,7 +688,7 @@
     <a:masterClrMapping/>
   </p:clrMapOvr>
   <mc:AlternateContent xmlns:mc="http://schemas.openxmlformats.org/markup-compatibility/2006">
-    <mc:Choice xmlns:p15="http://schemas.microsoft.com/office/powerpoint/2012/main" xmlns="" Requires="p15">
+    <mc:Choice xmlns="" xmlns:p15="http://schemas.microsoft.com/office/powerpoint/2012/main" Requires="p15">
       <p:transition xmlns:p14="http://schemas.microsoft.com/office/powerpoint/2010/main" spd="slow" p14:dur="1250">
         <p15:prstTrans prst="peelOff"/>
       </p:transition>
@@ -1057,7 +1056,7 @@
     <a:masterClrMapping/>
   </p:clrMapOvr>
   <mc:AlternateContent xmlns:mc="http://schemas.openxmlformats.org/markup-compatibility/2006">
-    <mc:Choice xmlns:p15="http://schemas.microsoft.com/office/powerpoint/2012/main" xmlns="" Requires="p15">
+    <mc:Choice xmlns="" xmlns:p15="http://schemas.microsoft.com/office/powerpoint/2012/main" Requires="p15">
       <p:transition xmlns:p14="http://schemas.microsoft.com/office/powerpoint/2010/main" spd="slow" p14:dur="1250">
         <p15:prstTrans prst="peelOff"/>
       </p:transition>
@@ -1351,7 +1350,7 @@
     <a:masterClrMapping/>
   </p:clrMapOvr>
   <mc:AlternateContent xmlns:mc="http://schemas.openxmlformats.org/markup-compatibility/2006">
-    <mc:Choice xmlns:p15="http://schemas.microsoft.com/office/powerpoint/2012/main" xmlns="" Requires="p15">
+    <mc:Choice xmlns="" xmlns:p15="http://schemas.microsoft.com/office/powerpoint/2012/main" Requires="p15">
       <p:transition xmlns:p14="http://schemas.microsoft.com/office/powerpoint/2010/main" spd="slow" p14:dur="1250">
         <p15:prstTrans prst="peelOff"/>
       </p:transition>
@@ -1717,7 +1716,7 @@
     <a:masterClrMapping/>
   </p:clrMapOvr>
   <mc:AlternateContent xmlns:mc="http://schemas.openxmlformats.org/markup-compatibility/2006">
-    <mc:Choice xmlns:p15="http://schemas.microsoft.com/office/powerpoint/2012/main" xmlns="" Requires="p15">
+    <mc:Choice xmlns="" xmlns:p15="http://schemas.microsoft.com/office/powerpoint/2012/main" Requires="p15">
       <p:transition xmlns:p14="http://schemas.microsoft.com/office/powerpoint/2010/main" spd="slow" p14:dur="1250">
         <p15:prstTrans prst="peelOff"/>
       </p:transition>
@@ -2072,7 +2071,7 @@
     <a:masterClrMapping/>
   </p:clrMapOvr>
   <mc:AlternateContent xmlns:mc="http://schemas.openxmlformats.org/markup-compatibility/2006">
-    <mc:Choice xmlns:p15="http://schemas.microsoft.com/office/powerpoint/2012/main" xmlns="" Requires="p15">
+    <mc:Choice xmlns="" xmlns:p15="http://schemas.microsoft.com/office/powerpoint/2012/main" Requires="p15">
       <p:transition xmlns:p14="http://schemas.microsoft.com/office/powerpoint/2010/main" spd="slow" p14:dur="1250">
         <p15:prstTrans prst="peelOff"/>
       </p:transition>
@@ -2561,7 +2560,7 @@
     <a:masterClrMapping/>
   </p:clrMapOvr>
   <mc:AlternateContent xmlns:mc="http://schemas.openxmlformats.org/markup-compatibility/2006">
-    <mc:Choice xmlns:p15="http://schemas.microsoft.com/office/powerpoint/2012/main" xmlns="" Requires="p15">
+    <mc:Choice xmlns="" xmlns:p15="http://schemas.microsoft.com/office/powerpoint/2012/main" Requires="p15">
       <p:transition xmlns:p14="http://schemas.microsoft.com/office/powerpoint/2010/main" spd="slow" p14:dur="1250">
         <p15:prstTrans prst="peelOff"/>
       </p:transition>
@@ -2793,7 +2792,7 @@
     <a:masterClrMapping/>
   </p:clrMapOvr>
   <mc:AlternateContent xmlns:mc="http://schemas.openxmlformats.org/markup-compatibility/2006">
-    <mc:Choice xmlns:p15="http://schemas.microsoft.com/office/powerpoint/2012/main" xmlns="" Requires="p15">
+    <mc:Choice xmlns="" xmlns:p15="http://schemas.microsoft.com/office/powerpoint/2012/main" Requires="p15">
       <p:transition xmlns:p14="http://schemas.microsoft.com/office/powerpoint/2010/main" spd="slow" p14:dur="1250">
         <p15:prstTrans prst="peelOff"/>
       </p:transition>
@@ -3002,7 +3001,7 @@
     <a:masterClrMapping/>
   </p:clrMapOvr>
   <mc:AlternateContent xmlns:mc="http://schemas.openxmlformats.org/markup-compatibility/2006">
-    <mc:Choice xmlns:p15="http://schemas.microsoft.com/office/powerpoint/2012/main" xmlns="" Requires="p15">
+    <mc:Choice xmlns="" xmlns:p15="http://schemas.microsoft.com/office/powerpoint/2012/main" Requires="p15">
       <p:transition xmlns:p14="http://schemas.microsoft.com/office/powerpoint/2010/main" spd="slow" p14:dur="1250">
         <p15:prstTrans prst="peelOff"/>
       </p:transition>
@@ -3367,7 +3366,7 @@
     <a:masterClrMapping/>
   </p:clrMapOvr>
   <mc:AlternateContent xmlns:mc="http://schemas.openxmlformats.org/markup-compatibility/2006">
-    <mc:Choice xmlns:p15="http://schemas.microsoft.com/office/powerpoint/2012/main" xmlns="" Requires="p15">
+    <mc:Choice xmlns="" xmlns:p15="http://schemas.microsoft.com/office/powerpoint/2012/main" Requires="p15">
       <p:transition xmlns:p14="http://schemas.microsoft.com/office/powerpoint/2010/main" spd="slow" p14:dur="1250">
         <p15:prstTrans prst="peelOff"/>
       </p:transition>
@@ -3549,7 +3548,7 @@
     <a:masterClrMapping/>
   </p:clrMapOvr>
   <mc:AlternateContent xmlns:mc="http://schemas.openxmlformats.org/markup-compatibility/2006">
-    <mc:Choice xmlns:p15="http://schemas.microsoft.com/office/powerpoint/2012/main" xmlns="" Requires="p15">
+    <mc:Choice xmlns="" xmlns:p15="http://schemas.microsoft.com/office/powerpoint/2012/main" Requires="p15">
       <p:transition xmlns:p14="http://schemas.microsoft.com/office/powerpoint/2010/main" spd="slow" p14:dur="1250">
         <p15:prstTrans prst="peelOff"/>
       </p:transition>
@@ -3931,7 +3930,7 @@
     <a:masterClrMapping/>
   </p:clrMapOvr>
   <mc:AlternateContent xmlns:mc="http://schemas.openxmlformats.org/markup-compatibility/2006">
-    <mc:Choice xmlns:p15="http://schemas.microsoft.com/office/powerpoint/2012/main" xmlns="" Requires="p15">
+    <mc:Choice xmlns="" xmlns:p15="http://schemas.microsoft.com/office/powerpoint/2012/main" Requires="p15">
       <p:transition xmlns:p14="http://schemas.microsoft.com/office/powerpoint/2010/main" spd="slow" p14:dur="1250">
         <p15:prstTrans prst="peelOff"/>
       </p:transition>
@@ -4301,7 +4300,7 @@
     <a:masterClrMapping/>
   </p:clrMapOvr>
   <mc:AlternateContent xmlns:mc="http://schemas.openxmlformats.org/markup-compatibility/2006">
-    <mc:Choice xmlns:p15="http://schemas.microsoft.com/office/powerpoint/2012/main" xmlns="" Requires="p15">
+    <mc:Choice xmlns="" xmlns:p15="http://schemas.microsoft.com/office/powerpoint/2012/main" Requires="p15">
       <p:transition xmlns:p14="http://schemas.microsoft.com/office/powerpoint/2010/main" spd="slow" p14:dur="1250">
         <p15:prstTrans prst="peelOff"/>
       </p:transition>
@@ -4806,7 +4805,7 @@
     <a:masterClrMapping/>
   </p:clrMapOvr>
   <mc:AlternateContent xmlns:mc="http://schemas.openxmlformats.org/markup-compatibility/2006">
-    <mc:Choice xmlns:p15="http://schemas.microsoft.com/office/powerpoint/2012/main" xmlns="" Requires="p15">
+    <mc:Choice xmlns="" xmlns:p15="http://schemas.microsoft.com/office/powerpoint/2012/main" Requires="p15">
       <p:transition xmlns:p14="http://schemas.microsoft.com/office/powerpoint/2010/main" spd="slow" p14:dur="1250">
         <p15:prstTrans prst="peelOff"/>
       </p:transition>
@@ -5098,7 +5097,7 @@
     <a:masterClrMapping/>
   </p:clrMapOvr>
   <mc:AlternateContent xmlns:mc="http://schemas.openxmlformats.org/markup-compatibility/2006">
-    <mc:Choice xmlns:p15="http://schemas.microsoft.com/office/powerpoint/2012/main" xmlns="" Requires="p15">
+    <mc:Choice xmlns="" xmlns:p15="http://schemas.microsoft.com/office/powerpoint/2012/main" Requires="p15">
       <p:transition xmlns:p14="http://schemas.microsoft.com/office/powerpoint/2010/main" spd="slow" p14:dur="1250">
         <p15:prstTrans prst="peelOff"/>
       </p:transition>
@@ -5522,7 +5521,7 @@
     <a:masterClrMapping/>
   </p:clrMapOvr>
   <mc:AlternateContent xmlns:mc="http://schemas.openxmlformats.org/markup-compatibility/2006">
-    <mc:Choice xmlns:p15="http://schemas.microsoft.com/office/powerpoint/2012/main" xmlns="" Requires="p15">
+    <mc:Choice xmlns="" xmlns:p15="http://schemas.microsoft.com/office/powerpoint/2012/main" Requires="p15">
       <p:transition xmlns:p14="http://schemas.microsoft.com/office/powerpoint/2010/main" spd="slow" p14:dur="1250">
         <p15:prstTrans prst="peelOff"/>
       </p:transition>
@@ -5874,7 +5873,7 @@
     <a:masterClrMapping/>
   </p:clrMapOvr>
   <mc:AlternateContent xmlns:mc="http://schemas.openxmlformats.org/markup-compatibility/2006">
-    <mc:Choice xmlns:p15="http://schemas.microsoft.com/office/powerpoint/2012/main" xmlns="" Requires="p15">
+    <mc:Choice xmlns="" xmlns:p15="http://schemas.microsoft.com/office/powerpoint/2012/main" Requires="p15">
       <p:transition xmlns:p14="http://schemas.microsoft.com/office/powerpoint/2010/main" spd="slow" p14:dur="1250">
         <p15:prstTrans prst="peelOff"/>
       </p:transition>
@@ -6158,7 +6157,7 @@
     <a:masterClrMapping/>
   </p:clrMapOvr>
   <mc:AlternateContent xmlns:mc="http://schemas.openxmlformats.org/markup-compatibility/2006">
-    <mc:Choice xmlns:p15="http://schemas.microsoft.com/office/powerpoint/2012/main" xmlns="" Requires="p15">
+    <mc:Choice xmlns="" xmlns:p15="http://schemas.microsoft.com/office/powerpoint/2012/main" Requires="p15">
       <p:transition xmlns:p14="http://schemas.microsoft.com/office/powerpoint/2010/main" spd="slow" p14:dur="1250">
         <p15:prstTrans prst="peelOff"/>
       </p:transition>
@@ -6452,7 +6451,7 @@
     <a:masterClrMapping/>
   </p:clrMapOvr>
   <mc:AlternateContent xmlns:mc="http://schemas.openxmlformats.org/markup-compatibility/2006">
-    <mc:Choice xmlns:p15="http://schemas.microsoft.com/office/powerpoint/2012/main" xmlns="" Requires="p15">
+    <mc:Choice xmlns="" xmlns:p15="http://schemas.microsoft.com/office/powerpoint/2012/main" Requires="p15">
       <p:transition xmlns:p14="http://schemas.microsoft.com/office/powerpoint/2010/main" spd="slow" p14:dur="1250">
         <p15:prstTrans prst="peelOff"/>
       </p:transition>
@@ -6710,7 +6709,7 @@
     <a:masterClrMapping/>
   </p:clrMapOvr>
   <mc:AlternateContent xmlns:mc="http://schemas.openxmlformats.org/markup-compatibility/2006">
-    <mc:Choice xmlns:p15="http://schemas.microsoft.com/office/powerpoint/2012/main" xmlns="" Requires="p15">
+    <mc:Choice xmlns="" xmlns:p15="http://schemas.microsoft.com/office/powerpoint/2012/main" Requires="p15">
       <p:transition xmlns:p14="http://schemas.microsoft.com/office/powerpoint/2010/main" spd="slow" p14:dur="1250">
         <p15:prstTrans prst="peelOff"/>
       </p:transition>
@@ -6954,7 +6953,7 @@
     <a:masterClrMapping/>
   </p:clrMapOvr>
   <mc:AlternateContent xmlns:mc="http://schemas.openxmlformats.org/markup-compatibility/2006">
-    <mc:Choice xmlns:p15="http://schemas.microsoft.com/office/powerpoint/2012/main" xmlns="" Requires="p15">
+    <mc:Choice xmlns="" xmlns:p15="http://schemas.microsoft.com/office/powerpoint/2012/main" Requires="p15">
       <p:transition xmlns:p14="http://schemas.microsoft.com/office/powerpoint/2010/main" spd="slow" p14:dur="1250">
         <p15:prstTrans prst="peelOff"/>
       </p:transition>
@@ -7333,7 +7332,7 @@
     <a:masterClrMapping/>
   </p:clrMapOvr>
   <mc:AlternateContent xmlns:mc="http://schemas.openxmlformats.org/markup-compatibility/2006">
-    <mc:Choice xmlns:p15="http://schemas.microsoft.com/office/powerpoint/2012/main" xmlns="" Requires="p15">
+    <mc:Choice xmlns="" xmlns:p15="http://schemas.microsoft.com/office/powerpoint/2012/main" Requires="p15">
       <p:transition xmlns:p14="http://schemas.microsoft.com/office/powerpoint/2010/main" spd="slow" p14:dur="1250">
         <p15:prstTrans prst="peelOff"/>
       </p:transition>
@@ -7463,7 +7462,7 @@
     <a:masterClrMapping/>
   </p:clrMapOvr>
   <mc:AlternateContent xmlns:mc="http://schemas.openxmlformats.org/markup-compatibility/2006">
-    <mc:Choice xmlns:p15="http://schemas.microsoft.com/office/powerpoint/2012/main" xmlns="" Requires="p15">
+    <mc:Choice xmlns="" xmlns:p15="http://schemas.microsoft.com/office/powerpoint/2012/main" Requires="p15">
       <p:transition xmlns:p14="http://schemas.microsoft.com/office/powerpoint/2010/main" spd="slow" p14:dur="1250">
         <p15:prstTrans prst="peelOff"/>
       </p:transition>
@@ -7570,7 +7569,7 @@
     <a:masterClrMapping/>
   </p:clrMapOvr>
   <mc:AlternateContent xmlns:mc="http://schemas.openxmlformats.org/markup-compatibility/2006">
-    <mc:Choice xmlns:p15="http://schemas.microsoft.com/office/powerpoint/2012/main" xmlns="" Requires="p15">
+    <mc:Choice xmlns="" xmlns:p15="http://schemas.microsoft.com/office/powerpoint/2012/main" Requires="p15">
       <p:transition xmlns:p14="http://schemas.microsoft.com/office/powerpoint/2010/main" spd="slow" p14:dur="1250">
         <p15:prstTrans prst="peelOff"/>
       </p:transition>
@@ -7859,7 +7858,7 @@
     <a:masterClrMapping/>
   </p:clrMapOvr>
   <mc:AlternateContent xmlns:mc="http://schemas.openxmlformats.org/markup-compatibility/2006">
-    <mc:Choice xmlns:p15="http://schemas.microsoft.com/office/powerpoint/2012/main" xmlns="" Requires="p15">
+    <mc:Choice xmlns="" xmlns:p15="http://schemas.microsoft.com/office/powerpoint/2012/main" Requires="p15">
       <p:transition xmlns:p14="http://schemas.microsoft.com/office/powerpoint/2010/main" spd="slow" p14:dur="1250">
         <p15:prstTrans prst="peelOff"/>
       </p:transition>
@@ -8124,7 +8123,7 @@
     <a:masterClrMapping/>
   </p:clrMapOvr>
   <mc:AlternateContent xmlns:mc="http://schemas.openxmlformats.org/markup-compatibility/2006">
-    <mc:Choice xmlns:p15="http://schemas.microsoft.com/office/powerpoint/2012/main" xmlns="" Requires="p15">
+    <mc:Choice xmlns="" xmlns:p15="http://schemas.microsoft.com/office/powerpoint/2012/main" Requires="p15">
       <p:transition xmlns:p14="http://schemas.microsoft.com/office/powerpoint/2010/main" spd="slow" p14:dur="1250">
         <p15:prstTrans prst="peelOff"/>
       </p:transition>
@@ -8417,7 +8416,7 @@
     <p:sldLayoutId id="2147483837" r:id="rId11"/>
   </p:sldLayoutIdLst>
   <mc:AlternateContent xmlns:mc="http://schemas.openxmlformats.org/markup-compatibility/2006">
-    <mc:Choice xmlns:p15="http://schemas.microsoft.com/office/powerpoint/2012/main" xmlns="" Requires="p15">
+    <mc:Choice xmlns="" xmlns:p15="http://schemas.microsoft.com/office/powerpoint/2012/main" Requires="p15">
       <p:transition xmlns:p14="http://schemas.microsoft.com/office/powerpoint/2010/main" spd="slow" p14:dur="1250">
         <p15:prstTrans prst="peelOff"/>
       </p:transition>
@@ -10830,7 +10829,7 @@
     <p:sldLayoutId id="2147483854" r:id="rId16"/>
   </p:sldLayoutIdLst>
   <mc:AlternateContent xmlns:mc="http://schemas.openxmlformats.org/markup-compatibility/2006">
-    <mc:Choice xmlns:p15="http://schemas.microsoft.com/office/powerpoint/2012/main" xmlns="" Requires="p15">
+    <mc:Choice xmlns="" xmlns:p15="http://schemas.microsoft.com/office/powerpoint/2012/main" Requires="p15">
       <p:transition xmlns:p14="http://schemas.microsoft.com/office/powerpoint/2010/main" spd="slow" p14:dur="1250">
         <p15:prstTrans prst="peelOff"/>
       </p:transition>
@@ -11680,78 +11679,38 @@
               <a:buChar char="v"/>
             </a:pPr>
             <a:r>
-              <a:rPr lang="fr-FR" sz="2800" u="sng" dirty="0" smtClean="0"/>
-              <a:t>III. Détermination de la position </a:t>
-            </a:r>
-          </a:p>
-          <a:p>
-            <a:pPr marL="719138" lvl="1" indent="-273050">
-              <a:buFont typeface="Arial" pitchFamily="34" charset="0"/>
-              <a:buChar char="•"/>
-            </a:pPr>
-            <a:r>
-              <a:rPr lang="fr-FR" sz="2600" dirty="0" smtClean="0"/>
-              <a:t>A partir des images filtrées :</a:t>
-            </a:r>
-          </a:p>
-          <a:p>
-            <a:pPr marL="720000" lvl="1" indent="-361950">
-              <a:spcBef>
-                <a:spcPts val="3600"/>
-              </a:spcBef>
-              <a:buFont typeface="Wingdings" pitchFamily="2" charset="2"/>
-              <a:buChar char="Ø"/>
-            </a:pPr>
-            <a:r>
-              <a:rPr lang="fr-FR" sz="2600" dirty="0" smtClean="0"/>
-              <a:t>Recherche de l’image la plus petite et la plus précise </a:t>
-            </a:r>
-          </a:p>
-          <a:p>
-            <a:pPr marL="712788" lvl="1" indent="-350838">
+              <a:rPr lang="fr-FR" sz="2400" u="sng" dirty="0" smtClean="0"/>
+              <a:t>II. Travail réalisé</a:t>
+            </a:r>
+          </a:p>
+          <a:p>
+            <a:pPr marL="719138" indent="-273050">
               <a:lnSpc>
-                <a:spcPct val="200000"/>
+                <a:spcPct val="150000"/>
               </a:lnSpc>
               <a:buFont typeface="Arial" pitchFamily="34" charset="0"/>
               <a:buChar char="•"/>
             </a:pPr>
             <a:r>
-              <a:rPr lang="fr-FR" sz="2800" dirty="0" smtClean="0"/>
-              <a:t>Autres idées :</a:t>
-            </a:r>
-          </a:p>
-          <a:p>
-            <a:pPr marL="712788" lvl="1" indent="-350838">
+              <a:rPr lang="fr-FR" sz="2400" dirty="0" smtClean="0"/>
+              <a:t>Organigramme du travail effectué </a:t>
+            </a:r>
+          </a:p>
+          <a:p>
+            <a:pPr marL="446088" indent="-358775">
               <a:lnSpc>
-                <a:spcPct val="200000"/>
+                <a:spcPct val="150000"/>
               </a:lnSpc>
-              <a:buFont typeface="Wingdings" pitchFamily="2" charset="2"/>
-              <a:buChar char="Ø"/>
+              <a:buNone/>
             </a:pPr>
-            <a:r>
-              <a:rPr lang="fr-FR" sz="2800" dirty="0" smtClean="0"/>
-              <a:t>Exploitation des franges</a:t>
-            </a:r>
-          </a:p>
-          <a:p>
-            <a:pPr marL="712788" lvl="1" indent="-350838">
-              <a:lnSpc>
-                <a:spcPct val="200000"/>
-              </a:lnSpc>
-              <a:buFont typeface="Wingdings" pitchFamily="2" charset="2"/>
-              <a:buChar char="Ø"/>
-            </a:pPr>
-            <a:r>
-              <a:rPr lang="fr-FR" sz="2800" dirty="0" smtClean="0"/>
-              <a:t>Amélioration du filtrage</a:t>
-            </a:r>
+            <a:endParaRPr lang="fr-FR" sz="2400" dirty="0" smtClean="0"/>
           </a:p>
         </p:txBody>
       </p:sp>
     </p:spTree>
     <p:extLst>
       <p:ext uri="{BB962C8B-B14F-4D97-AF65-F5344CB8AC3E}">
-        <p14:creationId xmlns:p14="http://schemas.microsoft.com/office/powerpoint/2010/main" val="1899768230"/>
+        <p14:creationId xmlns:p14="http://schemas.microsoft.com/office/powerpoint/2010/main" val="1949827927"/>
       </p:ext>
     </p:extLst>
   </p:cSld>
@@ -11759,7 +11718,7 @@
     <a:masterClrMapping/>
   </p:clrMapOvr>
   <mc:AlternateContent xmlns:mc="http://schemas.openxmlformats.org/markup-compatibility/2006">
-    <mc:Choice xmlns:p15="http://schemas.microsoft.com/office/powerpoint/2012/main" xmlns="" Requires="p15">
+    <mc:Choice xmlns="" xmlns:p15="http://schemas.microsoft.com/office/powerpoint/2012/main" Requires="p15">
       <p:transition xmlns:p14="http://schemas.microsoft.com/office/powerpoint/2010/main" spd="slow" p14:dur="1250">
         <p15:prstTrans prst="peelOff"/>
       </p:transition>
@@ -11809,7 +11768,7 @@
         </p:nvSpPr>
         <p:spPr>
           <a:xfrm>
-            <a:off x="1878012" y="274912"/>
+            <a:off x="1847532" y="1006432"/>
             <a:ext cx="8915400" cy="6212974"/>
           </a:xfrm>
         </p:spPr>
@@ -11824,38 +11783,23 @@
               <a:buChar char="v"/>
             </a:pPr>
             <a:r>
-              <a:rPr lang="fr-FR" sz="2400" u="sng" dirty="0" smtClean="0"/>
-              <a:t>II. Travail réalisé</a:t>
-            </a:r>
-          </a:p>
-          <a:p>
-            <a:pPr marL="719138" indent="-273050">
-              <a:lnSpc>
-                <a:spcPct val="150000"/>
-              </a:lnSpc>
-              <a:buFont typeface="Arial" pitchFamily="34" charset="0"/>
-              <a:buChar char="•"/>
+              <a:rPr lang="fr-FR" sz="2800" u="sng" dirty="0" smtClean="0"/>
+              <a:t>Conclusion:</a:t>
+            </a:r>
+          </a:p>
+          <a:p>
+            <a:pPr>
+              <a:buFont typeface="Wingdings" panose="05000000000000000000" pitchFamily="2" charset="2"/>
+              <a:buChar char="v"/>
             </a:pPr>
-            <a:r>
-              <a:rPr lang="fr-FR" sz="2400" dirty="0" smtClean="0"/>
-              <a:t>Organigramme du travail effectué </a:t>
-            </a:r>
-          </a:p>
-          <a:p>
-            <a:pPr marL="446088" indent="-358775">
-              <a:lnSpc>
-                <a:spcPct val="150000"/>
-              </a:lnSpc>
-              <a:buNone/>
-            </a:pPr>
-            <a:endParaRPr lang="fr-FR" sz="2400" dirty="0" smtClean="0"/>
+            <a:endParaRPr lang="fr-FR" sz="2800" u="sng" dirty="0" smtClean="0"/>
           </a:p>
         </p:txBody>
       </p:sp>
     </p:spTree>
     <p:extLst>
       <p:ext uri="{BB962C8B-B14F-4D97-AF65-F5344CB8AC3E}">
-        <p14:creationId xmlns:p14="http://schemas.microsoft.com/office/powerpoint/2010/main" val="1949827927"/>
+        <p14:creationId xmlns:p14="http://schemas.microsoft.com/office/powerpoint/2010/main" val="909599388"/>
       </p:ext>
     </p:extLst>
   </p:cSld>
@@ -11863,7 +11807,7 @@
     <a:masterClrMapping/>
   </p:clrMapOvr>
   <mc:AlternateContent xmlns:mc="http://schemas.openxmlformats.org/markup-compatibility/2006">
-    <mc:Choice xmlns:p15="http://schemas.microsoft.com/office/powerpoint/2012/main" xmlns="" Requires="p15">
+    <mc:Choice xmlns="" xmlns:p15="http://schemas.microsoft.com/office/powerpoint/2012/main" Requires="p15">
       <p:transition xmlns:p14="http://schemas.microsoft.com/office/powerpoint/2010/main" spd="slow" p14:dur="1250">
         <p15:prstTrans prst="peelOff"/>
       </p:transition>
@@ -11885,95 +11829,6 @@
 </file>
 
 <file path=ppt/slides/slide12.xml><?xml version="1.0" encoding="utf-8"?>
-<p:sld xmlns:a="http://schemas.openxmlformats.org/drawingml/2006/main" xmlns:r="http://schemas.openxmlformats.org/officeDocument/2006/relationships" xmlns:p="http://schemas.openxmlformats.org/presentationml/2006/main" showMasterSp="0">
-  <p:cSld>
-    <p:spTree>
-      <p:nvGrpSpPr>
-        <p:cNvPr id="1" name=""/>
-        <p:cNvGrpSpPr/>
-        <p:nvPr/>
-      </p:nvGrpSpPr>
-      <p:grpSpPr>
-        <a:xfrm>
-          <a:off x="0" y="0"/>
-          <a:ext cx="0" cy="0"/>
-          <a:chOff x="0" y="0"/>
-          <a:chExt cx="0" cy="0"/>
-        </a:xfrm>
-      </p:grpSpPr>
-      <p:sp>
-        <p:nvSpPr>
-          <p:cNvPr id="3" name="Espace réservé du contenu 2"/>
-          <p:cNvSpPr>
-            <a:spLocks noGrp="1"/>
-          </p:cNvSpPr>
-          <p:nvPr>
-            <p:ph idx="1"/>
-          </p:nvPr>
-        </p:nvSpPr>
-        <p:spPr>
-          <a:xfrm>
-            <a:off x="1847532" y="1006432"/>
-            <a:ext cx="8915400" cy="6212974"/>
-          </a:xfrm>
-        </p:spPr>
-        <p:txBody>
-          <a:bodyPr tIns="72000">
-            <a:noAutofit/>
-          </a:bodyPr>
-          <a:lstStyle/>
-          <a:p>
-            <a:pPr>
-              <a:buFont typeface="Wingdings" panose="05000000000000000000" pitchFamily="2" charset="2"/>
-              <a:buChar char="v"/>
-            </a:pPr>
-            <a:r>
-              <a:rPr lang="fr-FR" sz="2800" u="sng" dirty="0" smtClean="0"/>
-              <a:t>Conclusion:</a:t>
-            </a:r>
-          </a:p>
-          <a:p>
-            <a:pPr>
-              <a:buFont typeface="Wingdings" panose="05000000000000000000" pitchFamily="2" charset="2"/>
-              <a:buChar char="v"/>
-            </a:pPr>
-            <a:endParaRPr lang="fr-FR" sz="2800" u="sng" dirty="0" smtClean="0"/>
-          </a:p>
-        </p:txBody>
-      </p:sp>
-    </p:spTree>
-    <p:extLst>
-      <p:ext uri="{BB962C8B-B14F-4D97-AF65-F5344CB8AC3E}">
-        <p14:creationId xmlns:p14="http://schemas.microsoft.com/office/powerpoint/2010/main" val="909599388"/>
-      </p:ext>
-    </p:extLst>
-  </p:cSld>
-  <p:clrMapOvr>
-    <a:masterClrMapping/>
-  </p:clrMapOvr>
-  <mc:AlternateContent xmlns:mc="http://schemas.openxmlformats.org/markup-compatibility/2006">
-    <mc:Choice xmlns:p15="http://schemas.microsoft.com/office/powerpoint/2012/main" xmlns="" Requires="p15">
-      <p:transition xmlns:p14="http://schemas.microsoft.com/office/powerpoint/2010/main" spd="slow" p14:dur="1250">
-        <p15:prstTrans prst="peelOff"/>
-      </p:transition>
-    </mc:Choice>
-    <mc:Fallback>
-      <p:transition spd="slow">
-        <p:fade/>
-      </p:transition>
-    </mc:Fallback>
-  </mc:AlternateContent>
-  <p:timing>
-    <p:tnLst>
-      <p:par>
-        <p:cTn id="1" dur="indefinite" restart="never" nodeType="tmRoot"/>
-      </p:par>
-    </p:tnLst>
-  </p:timing>
-</p:sld>
-</file>
-
-<file path=ppt/slides/slide13.xml><?xml version="1.0" encoding="utf-8"?>
 <p:sld xmlns:a="http://schemas.openxmlformats.org/drawingml/2006/main" xmlns:r="http://schemas.openxmlformats.org/officeDocument/2006/relationships" xmlns:p="http://schemas.openxmlformats.org/presentationml/2006/main" showMasterSp="0">
   <p:cSld>
     <p:bg>
@@ -12057,7 +11912,7 @@
     <a:masterClrMapping/>
   </p:clrMapOvr>
   <mc:AlternateContent xmlns:mc="http://schemas.openxmlformats.org/markup-compatibility/2006">
-    <mc:Choice xmlns:p15="http://schemas.microsoft.com/office/powerpoint/2012/main" xmlns="" Requires="p15">
+    <mc:Choice xmlns="" xmlns:p15="http://schemas.microsoft.com/office/powerpoint/2012/main" Requires="p15">
       <p:transition xmlns:p14="http://schemas.microsoft.com/office/powerpoint/2010/main" spd="slow" p14:dur="1250">
         <p15:prstTrans prst="peelOff"/>
       </p:transition>
@@ -12148,7 +12003,7 @@
               <a:buChar char="v"/>
             </a:pPr>
             <a:r>
-              <a:rPr lang="fr-FR" sz="2800" u="sng" dirty="0" smtClean="0"/>
+              <a:rPr lang="fr-FR" sz="3200" u="sng" dirty="0" smtClean="0"/>
               <a:t>Objectif:</a:t>
             </a:r>
           </a:p>
@@ -12157,11 +12012,11 @@
               <a:buNone/>
             </a:pPr>
             <a:r>
-              <a:rPr lang="fr-FR" sz="2800" dirty="0"/>
+              <a:rPr lang="fr-FR" sz="3200" dirty="0"/>
               <a:t>	</a:t>
             </a:r>
             <a:r>
-              <a:rPr lang="fr-FR" sz="2400" dirty="0" smtClean="0"/>
+              <a:rPr lang="fr-FR" sz="2800" dirty="0" smtClean="0"/>
               <a:t>- positionnement axial (image nette)</a:t>
             </a:r>
           </a:p>
@@ -12170,7 +12025,7 @@
               <a:buNone/>
             </a:pPr>
             <a:r>
-              <a:rPr lang="fr-FR" sz="2400" dirty="0" smtClean="0"/>
+              <a:rPr lang="fr-FR" sz="2800" dirty="0" smtClean="0"/>
               <a:t>	- positionnement transversal (image centrée)</a:t>
             </a:r>
           </a:p>
@@ -12179,22 +12034,14 @@
               <a:buNone/>
             </a:pPr>
             <a:r>
-              <a:rPr lang="fr-FR" sz="2400" dirty="0" smtClean="0"/>
-              <a:t>	- reconstitution </a:t>
-            </a:r>
-            <a:r>
-              <a:rPr lang="fr-FR" sz="2400" dirty="0" smtClean="0"/>
-              <a:t>3D de l’échantillon</a:t>
-            </a:r>
-            <a:r>
-              <a:rPr lang="fr-FR" sz="2400" dirty="0" smtClean="0"/>
-              <a:t/>
+              <a:rPr lang="fr-FR" sz="2800" dirty="0" smtClean="0"/>
+              <a:t>	- reconstitution 3D de l’échantillon</a:t>
             </a:r>
             <a:br>
-              <a:rPr lang="fr-FR" sz="2400" dirty="0" smtClean="0"/>
+              <a:rPr lang="fr-FR" sz="2800" dirty="0" smtClean="0"/>
             </a:br>
             <a:r>
-              <a:rPr lang="fr-FR" sz="2400" dirty="0" smtClean="0"/>
+              <a:rPr lang="fr-FR" sz="2800" dirty="0" smtClean="0"/>
               <a:t> </a:t>
             </a:r>
           </a:p>
@@ -12204,7 +12051,7 @@
               <a:buChar char="v"/>
             </a:pPr>
             <a:r>
-              <a:rPr lang="fr-FR" sz="2800" u="sng" dirty="0" smtClean="0"/>
+              <a:rPr lang="fr-FR" sz="3200" u="sng" dirty="0" smtClean="0"/>
               <a:t>Données:</a:t>
             </a:r>
           </a:p>
@@ -12214,11 +12061,11 @@
               <a:buNone/>
             </a:pPr>
             <a:r>
-              <a:rPr lang="fr-FR" sz="2400" dirty="0" smtClean="0"/>
+              <a:rPr lang="fr-FR" sz="2800" dirty="0" smtClean="0"/>
               <a:t>- images </a:t>
             </a:r>
             <a:r>
-              <a:rPr lang="fr-FR" sz="2400" dirty="0"/>
+              <a:rPr lang="fr-FR" sz="2800" dirty="0"/>
               <a:t>de calibrations </a:t>
             </a:r>
           </a:p>
@@ -12228,15 +12075,15 @@
               <a:buNone/>
             </a:pPr>
             <a:r>
-              <a:rPr lang="fr-FR" sz="2400" dirty="0" smtClean="0"/>
+              <a:rPr lang="fr-FR" sz="2800" dirty="0" smtClean="0"/>
               <a:t>- images </a:t>
             </a:r>
             <a:r>
-              <a:rPr lang="fr-FR" sz="2400" dirty="0"/>
+              <a:rPr lang="fr-FR" sz="2800" dirty="0"/>
               <a:t>de </a:t>
             </a:r>
             <a:r>
-              <a:rPr lang="fr-FR" sz="2400" dirty="0" smtClean="0"/>
+              <a:rPr lang="fr-FR" sz="2800" dirty="0" smtClean="0"/>
               <a:t>mesure</a:t>
             </a:r>
           </a:p>
@@ -12246,20 +12093,20 @@
               <a:buNone/>
             </a:pPr>
             <a:r>
-              <a:rPr lang="fr-FR" sz="2400" dirty="0" smtClean="0"/>
+              <a:rPr lang="fr-FR" sz="2800" dirty="0" smtClean="0"/>
               <a:t>- images en situation</a:t>
             </a:r>
             <a:br>
-              <a:rPr lang="fr-FR" sz="2400" dirty="0" smtClean="0"/>
+              <a:rPr lang="fr-FR" sz="2800" dirty="0" smtClean="0"/>
             </a:br>
             <a:r>
-              <a:rPr lang="fr-FR" sz="2400" dirty="0" smtClean="0"/>
+              <a:rPr lang="fr-FR" sz="2800" dirty="0" smtClean="0"/>
               <a:t/>
             </a:r>
             <a:br>
-              <a:rPr lang="fr-FR" sz="2400" dirty="0" smtClean="0"/>
+              <a:rPr lang="fr-FR" sz="2800" dirty="0" smtClean="0"/>
             </a:br>
-            <a:endParaRPr lang="fr-FR" sz="2800" dirty="0" smtClean="0"/>
+            <a:endParaRPr lang="fr-FR" sz="3200" dirty="0" smtClean="0"/>
           </a:p>
           <a:p>
             <a:pPr marL="0" indent="0">
@@ -12298,50 +12145,6 @@
               <a:buNone/>
             </a:pPr>
             <a:endParaRPr lang="fr-FR" sz="2800" dirty="0"/>
-          </a:p>
-        </p:txBody>
-      </p:sp>
-      <p:sp>
-        <p:nvSpPr>
-          <p:cNvPr id="7" name="ZoneTexte 6"/>
-          <p:cNvSpPr txBox="1"/>
-          <p:nvPr/>
-        </p:nvSpPr>
-        <p:spPr>
-          <a:xfrm>
-            <a:off x="4054156" y="6550223"/>
-            <a:ext cx="6746240" cy="307777"/>
-          </a:xfrm>
-          <a:prstGeom prst="rect">
-            <a:avLst/>
-          </a:prstGeom>
-          <a:noFill/>
-        </p:spPr>
-        <p:txBody>
-          <a:bodyPr wrap="square" rtlCol="0">
-            <a:spAutoFit/>
-          </a:bodyPr>
-          <a:lstStyle/>
-          <a:p>
-            <a:r>
-              <a:rPr lang="fr-FR" sz="1400" i="1" dirty="0" smtClean="0">
-                <a:solidFill>
-                  <a:schemeClr val="tx1">
-                    <a:lumMod val="50000"/>
-                    <a:lumOff val="50000"/>
-                  </a:schemeClr>
-                </a:solidFill>
-              </a:rPr>
-              <a:t>Images pour z=900</a:t>
-            </a:r>
-            <a:endParaRPr lang="fr-FR" sz="1400" i="1" dirty="0">
-              <a:solidFill>
-                <a:schemeClr val="tx1">
-                  <a:lumMod val="50000"/>
-                  <a:lumOff val="50000"/>
-                </a:schemeClr>
-              </a:solidFill>
-            </a:endParaRPr>
           </a:p>
         </p:txBody>
       </p:sp>
@@ -12356,7 +12159,7 @@
     <a:masterClrMapping/>
   </p:clrMapOvr>
   <mc:AlternateContent xmlns:mc="http://schemas.openxmlformats.org/markup-compatibility/2006">
-    <mc:Choice xmlns:p15="http://schemas.microsoft.com/office/powerpoint/2012/main" xmlns="" Requires="p15">
+    <mc:Choice xmlns="" xmlns:p15="http://schemas.microsoft.com/office/powerpoint/2012/main" Requires="p15">
       <p:transition xmlns:p14="http://schemas.microsoft.com/office/powerpoint/2010/main" spd="slow" p14:dur="1250">
         <p15:prstTrans prst="peelOff"/>
       </p:transition>
@@ -12442,7 +12245,7 @@
         </p:blipFill>
         <p:spPr bwMode="auto">
           <a:xfrm>
-            <a:off x="282633" y="358853"/>
+            <a:off x="282633" y="1464445"/>
             <a:ext cx="3632661" cy="3728678"/>
           </a:xfrm>
           <a:prstGeom prst="rect">
@@ -12496,8 +12299,169 @@
         </p:blipFill>
         <p:spPr bwMode="auto">
           <a:xfrm>
-            <a:off x="4098173" y="365097"/>
+            <a:off x="4098173" y="1464445"/>
             <a:ext cx="3674225" cy="3722434"/>
+          </a:xfrm>
+          <a:prstGeom prst="rect">
+            <a:avLst/>
+          </a:prstGeom>
+          <a:noFill/>
+          <a:ln>
+            <a:noFill/>
+          </a:ln>
+          <a:extLst>
+            <a:ext uri="{909E8E84-426E-40DD-AFC4-6F175D3DCCD1}">
+              <a14:hiddenFill xmlns:a14="http://schemas.microsoft.com/office/drawing/2010/main">
+                <a:solidFill>
+                  <a:schemeClr val="accent1"/>
+                </a:solidFill>
+              </a14:hiddenFill>
+            </a:ext>
+            <a:ext uri="{91240B29-F687-4F45-9708-019B960494DF}">
+              <a14:hiddenLine xmlns:a14="http://schemas.microsoft.com/office/drawing/2010/main" w="9525">
+                <a:solidFill>
+                  <a:schemeClr val="tx1"/>
+                </a:solidFill>
+                <a:miter lim="800000"/>
+                <a:headEnd/>
+                <a:tailEnd/>
+              </a14:hiddenLine>
+            </a:ext>
+          </a:extLst>
+        </p:spPr>
+      </p:pic>
+      <p:sp>
+        <p:nvSpPr>
+          <p:cNvPr id="3" name="Rectangle 2"/>
+          <p:cNvSpPr/>
+          <p:nvPr/>
+        </p:nvSpPr>
+        <p:spPr>
+          <a:xfrm>
+            <a:off x="4023359" y="219840"/>
+            <a:ext cx="2714205" cy="646331"/>
+          </a:xfrm>
+          <a:prstGeom prst="rect">
+            <a:avLst/>
+          </a:prstGeom>
+        </p:spPr>
+        <p:txBody>
+          <a:bodyPr wrap="none">
+            <a:spAutoFit/>
+          </a:bodyPr>
+          <a:lstStyle/>
+          <a:p>
+            <a:pPr marL="342900" lvl="0" indent="-342900" defTabSz="457200">
+              <a:spcBef>
+                <a:spcPts val="1000"/>
+              </a:spcBef>
+              <a:buClr>
+                <a:srgbClr val="A53010"/>
+              </a:buClr>
+              <a:buFont typeface="Wingdings" panose="05000000000000000000" pitchFamily="2" charset="2"/>
+              <a:buChar char="v"/>
+            </a:pPr>
+            <a:r>
+              <a:rPr lang="fr-FR" sz="3600" u="sng" dirty="0" smtClean="0">
+                <a:solidFill>
+                  <a:prstClr val="black">
+                    <a:lumMod val="75000"/>
+                    <a:lumOff val="25000"/>
+                  </a:prstClr>
+                </a:solidFill>
+              </a:rPr>
+              <a:t>Données:</a:t>
+            </a:r>
+            <a:endParaRPr lang="fr-FR" sz="3600" u="sng" dirty="0">
+              <a:solidFill>
+                <a:prstClr val="black">
+                  <a:lumMod val="75000"/>
+                  <a:lumOff val="25000"/>
+                </a:prstClr>
+              </a:solidFill>
+            </a:endParaRPr>
+          </a:p>
+        </p:txBody>
+      </p:sp>
+      <p:pic>
+        <p:nvPicPr>
+          <p:cNvPr id="1026" name="Picture 2"/>
+          <p:cNvPicPr>
+            <a:picLocks noChangeAspect="1" noChangeArrowheads="1"/>
+          </p:cNvPicPr>
+          <p:nvPr/>
+        </p:nvPicPr>
+        <p:blipFill>
+          <a:blip r:embed="rId4">
+            <a:extLst>
+              <a:ext uri="{28A0092B-C50C-407E-A947-70E740481C1C}">
+                <a14:useLocalDpi xmlns:a14="http://schemas.microsoft.com/office/drawing/2010/main" val="0"/>
+              </a:ext>
+            </a:extLst>
+          </a:blip>
+          <a:srcRect/>
+          <a:stretch>
+            <a:fillRect/>
+          </a:stretch>
+        </p:blipFill>
+        <p:spPr bwMode="auto">
+          <a:xfrm>
+            <a:off x="8066534" y="1464445"/>
+            <a:ext cx="3643327" cy="3722434"/>
+          </a:xfrm>
+          <a:prstGeom prst="rect">
+            <a:avLst/>
+          </a:prstGeom>
+          <a:noFill/>
+          <a:ln>
+            <a:noFill/>
+          </a:ln>
+          <a:extLst>
+            <a:ext uri="{909E8E84-426E-40DD-AFC4-6F175D3DCCD1}">
+              <a14:hiddenFill xmlns:a14="http://schemas.microsoft.com/office/drawing/2010/main">
+                <a:solidFill>
+                  <a:schemeClr val="accent1"/>
+                </a:solidFill>
+              </a14:hiddenFill>
+            </a:ext>
+            <a:ext uri="{91240B29-F687-4F45-9708-019B960494DF}">
+              <a14:hiddenLine xmlns:a14="http://schemas.microsoft.com/office/drawing/2010/main" w="9525">
+                <a:solidFill>
+                  <a:schemeClr val="tx1"/>
+                </a:solidFill>
+                <a:miter lim="800000"/>
+                <a:headEnd/>
+                <a:tailEnd/>
+              </a14:hiddenLine>
+            </a:ext>
+          </a:extLst>
+        </p:spPr>
+      </p:pic>
+      <p:pic>
+        <p:nvPicPr>
+          <p:cNvPr id="1028" name="Picture 4"/>
+          <p:cNvPicPr>
+            <a:picLocks noChangeAspect="1" noChangeArrowheads="1"/>
+          </p:cNvPicPr>
+          <p:nvPr/>
+        </p:nvPicPr>
+        <p:blipFill>
+          <a:blip r:embed="rId5">
+            <a:extLst>
+              <a:ext uri="{28A0092B-C50C-407E-A947-70E740481C1C}">
+                <a14:useLocalDpi xmlns:a14="http://schemas.microsoft.com/office/drawing/2010/main" val="0"/>
+              </a:ext>
+            </a:extLst>
+          </a:blip>
+          <a:srcRect/>
+          <a:stretch>
+            <a:fillRect/>
+          </a:stretch>
+        </p:blipFill>
+        <p:spPr bwMode="auto">
+          <a:xfrm>
+            <a:off x="8066534" y="1361075"/>
+            <a:ext cx="3657600" cy="238125"/>
           </a:xfrm>
           <a:prstGeom prst="rect">
             <a:avLst/>
@@ -12538,7 +12502,7 @@
     <a:masterClrMapping/>
   </p:clrMapOvr>
   <mc:AlternateContent xmlns:mc="http://schemas.openxmlformats.org/markup-compatibility/2006">
-    <mc:Choice xmlns:p15="http://schemas.microsoft.com/office/powerpoint/2012/main" xmlns="" Requires="p15">
+    <mc:Choice xmlns="" xmlns:p15="http://schemas.microsoft.com/office/powerpoint/2012/main" Requires="p15">
       <p:transition xmlns:p14="http://schemas.microsoft.com/office/powerpoint/2010/main" spd="slow" p14:dur="1250">
         <p15:prstTrans prst="peelOff"/>
       </p:transition>
@@ -12601,16 +12565,8 @@
                   </a:outerShdw>
                 </a:effectLst>
               </a:rPr>
-              <a:t>I Etat de l’art</a:t>
-            </a:r>
-          </a:p>
-          <a:p>
-            <a:r>
-              <a:rPr lang="fr-FR" sz="3200" dirty="0" smtClean="0"/>
-              <a:t>	</a:t>
-            </a:r>
-          </a:p>
-          <a:p>
+              <a:t>I Etat de </a:t>
+            </a:r>
             <a:r>
               <a:rPr lang="fr-FR" sz="3200" i="1" u="sng" dirty="0" smtClean="0">
                 <a:effectLst>
@@ -12621,8 +12577,58 @@
                   </a:outerShdw>
                 </a:effectLst>
               </a:rPr>
-              <a:t>II Travail réalisé</a:t>
-            </a:r>
+              <a:t>l’art</a:t>
+            </a:r>
+            <a:endParaRPr lang="fr-FR" sz="3200" i="1" u="sng" dirty="0" smtClean="0">
+              <a:effectLst>
+                <a:outerShdw blurRad="38100" dist="38100" dir="2700000" algn="tl">
+                  <a:srgbClr val="000000">
+                    <a:alpha val="43137"/>
+                  </a:srgbClr>
+                </a:outerShdw>
+              </a:effectLst>
+            </a:endParaRPr>
+          </a:p>
+          <a:p>
+            <a:r>
+              <a:rPr lang="fr-FR" sz="3200" dirty="0" smtClean="0"/>
+              <a:t>	</a:t>
+            </a:r>
+          </a:p>
+          <a:p>
+            <a:r>
+              <a:rPr lang="fr-FR" sz="3200" i="1" u="sng" dirty="0" smtClean="0">
+                <a:effectLst>
+                  <a:outerShdw blurRad="38100" dist="38100" dir="2700000" algn="tl">
+                    <a:srgbClr val="000000">
+                      <a:alpha val="43137"/>
+                    </a:srgbClr>
+                  </a:outerShdw>
+                </a:effectLst>
+              </a:rPr>
+              <a:t>II </a:t>
+            </a:r>
+            <a:r>
+              <a:rPr lang="fr-FR" sz="3200" i="1" u="sng" dirty="0" smtClean="0">
+                <a:effectLst>
+                  <a:outerShdw blurRad="38100" dist="38100" dir="2700000" algn="tl">
+                    <a:srgbClr val="000000">
+                      <a:alpha val="43137"/>
+                    </a:srgbClr>
+                  </a:outerShdw>
+                </a:effectLst>
+              </a:rPr>
+              <a:t>Traitement préliminaire</a:t>
+            </a:r>
+            <a:endParaRPr lang="fr-FR" sz="3200" i="1" u="sng" dirty="0" smtClean="0">
+              <a:effectLst>
+                <a:outerShdw blurRad="38100" dist="38100" dir="2700000" algn="tl">
+                  <a:srgbClr val="000000">
+                    <a:alpha val="43137"/>
+                  </a:srgbClr>
+                </a:outerShdw>
+              </a:effectLst>
+            </a:endParaRPr>
           </a:p>
           <a:p>
             <a:r>
@@ -12668,7 +12674,7 @@
     <a:masterClrMapping/>
   </p:clrMapOvr>
   <mc:AlternateContent xmlns:mc="http://schemas.openxmlformats.org/markup-compatibility/2006">
-    <mc:Choice xmlns:p15="http://schemas.microsoft.com/office/powerpoint/2012/main" xmlns="" Requires="p15">
+    <mc:Choice xmlns="" xmlns:p15="http://schemas.microsoft.com/office/powerpoint/2012/main" Requires="p15">
       <p:transition xmlns:p14="http://schemas.microsoft.com/office/powerpoint/2010/main" spd="slow" p14:dur="1250">
         <p15:prstTrans prst="peelOff"/>
       </p:transition>
@@ -12719,7 +12725,7 @@
         <p:spPr>
           <a:xfrm>
             <a:off x="1805780" y="318527"/>
-            <a:ext cx="8915400" cy="1259248"/>
+            <a:ext cx="8915400" cy="687313"/>
           </a:xfrm>
         </p:spPr>
         <p:txBody>
@@ -12734,24 +12740,13 @@
             </a:pPr>
             <a:r>
               <a:rPr lang="fr-FR" sz="2800" u="sng" dirty="0" smtClean="0"/>
-              <a:t>Etat de l’art:</a:t>
-            </a:r>
-          </a:p>
-          <a:p>
-            <a:pPr marL="0" indent="0">
-              <a:buNone/>
-            </a:pPr>
-            <a:r>
-              <a:rPr lang="fr-FR" sz="2400" dirty="0" smtClean="0"/>
-              <a:t>Microscopie de fluorescence: propriétés</a:t>
-            </a:r>
-            <a:endParaRPr lang="fr-FR" sz="2800" dirty="0" smtClean="0"/>
-          </a:p>
-          <a:p>
-            <a:pPr marL="0" indent="0">
-              <a:buNone/>
-            </a:pPr>
-            <a:endParaRPr lang="fr-FR" sz="2800" dirty="0"/>
+              <a:t>Etat de l’art</a:t>
+            </a:r>
+            <a:r>
+              <a:rPr lang="fr-FR" sz="2800" u="sng" dirty="0" smtClean="0"/>
+              <a:t>:</a:t>
+            </a:r>
+            <a:endParaRPr lang="fr-FR" sz="2800" u="sng" dirty="0" smtClean="0"/>
           </a:p>
         </p:txBody>
       </p:sp>
@@ -12763,7 +12758,7 @@
         </p:nvGrpSpPr>
         <p:grpSpPr>
           <a:xfrm>
-            <a:off x="6464346" y="1916818"/>
+            <a:off x="6464346" y="2116330"/>
             <a:ext cx="3819048" cy="3057143"/>
             <a:chOff x="630476" y="1900428"/>
             <a:chExt cx="3819048" cy="3057143"/>
@@ -12842,7 +12837,7 @@
         </p:nvGrpSpPr>
         <p:grpSpPr>
           <a:xfrm>
-            <a:off x="1459228" y="1573750"/>
+            <a:off x="1484167" y="1972774"/>
             <a:ext cx="3543300" cy="3569733"/>
             <a:chOff x="5594348" y="1715762"/>
             <a:chExt cx="3543300" cy="3569733"/>
@@ -12944,7 +12939,7 @@
         </p:nvSpPr>
         <p:spPr>
           <a:xfrm>
-            <a:off x="1365661" y="5313005"/>
+            <a:off x="1365661" y="5645525"/>
             <a:ext cx="4887659" cy="369332"/>
           </a:xfrm>
           <a:prstGeom prst="rect">
@@ -12961,6 +12956,161 @@
             <a:r>
               <a:rPr lang="fr-FR" dirty="0" smtClean="0"/>
               <a:t>Résolution latérale max ~ 200nm</a:t>
+            </a:r>
+            <a:endParaRPr lang="fr-FR" dirty="0"/>
+          </a:p>
+        </p:txBody>
+      </p:sp>
+      <p:sp>
+        <p:nvSpPr>
+          <p:cNvPr id="10" name="ZoneTexte 9"/>
+          <p:cNvSpPr txBox="1"/>
+          <p:nvPr/>
+        </p:nvSpPr>
+        <p:spPr>
+          <a:xfrm>
+            <a:off x="6399078" y="5507025"/>
+            <a:ext cx="4200883" cy="646331"/>
+          </a:xfrm>
+          <a:prstGeom prst="rect">
+            <a:avLst/>
+          </a:prstGeom>
+          <a:noFill/>
+        </p:spPr>
+        <p:txBody>
+          <a:bodyPr wrap="square" rtlCol="0">
+            <a:spAutoFit/>
+          </a:bodyPr>
+          <a:lstStyle/>
+          <a:p>
+            <a:pPr algn="ctr"/>
+            <a:r>
+              <a:rPr lang="fr-FR" dirty="0" smtClean="0"/>
+              <a:t>Résolution </a:t>
+            </a:r>
+            <a:r>
+              <a:rPr lang="fr-FR" dirty="0" smtClean="0"/>
+              <a:t>basée sur la localisation unique : ~ 20nm</a:t>
+            </a:r>
+            <a:endParaRPr lang="fr-FR" dirty="0"/>
+          </a:p>
+        </p:txBody>
+      </p:sp>
+      <p:sp>
+        <p:nvSpPr>
+          <p:cNvPr id="9" name="ZoneTexte 8"/>
+          <p:cNvSpPr txBox="1"/>
+          <p:nvPr/>
+        </p:nvSpPr>
+        <p:spPr>
+          <a:xfrm>
+            <a:off x="1878676" y="963177"/>
+            <a:ext cx="2957861" cy="400110"/>
+          </a:xfrm>
+          <a:prstGeom prst="rect">
+            <a:avLst/>
+          </a:prstGeom>
+          <a:noFill/>
+        </p:spPr>
+        <p:txBody>
+          <a:bodyPr wrap="none" rtlCol="0">
+            <a:spAutoFit/>
+          </a:bodyPr>
+          <a:lstStyle/>
+          <a:p>
+            <a:r>
+              <a:rPr lang="fr-FR" sz="2000" b="1" dirty="0" smtClean="0"/>
+              <a:t>Microscopie classique</a:t>
+            </a:r>
+            <a:endParaRPr lang="fr-FR" sz="2000" b="1" dirty="0"/>
+          </a:p>
+        </p:txBody>
+      </p:sp>
+      <p:sp>
+        <p:nvSpPr>
+          <p:cNvPr id="11" name="ZoneTexte 10"/>
+          <p:cNvSpPr txBox="1"/>
+          <p:nvPr/>
+        </p:nvSpPr>
+        <p:spPr>
+          <a:xfrm>
+            <a:off x="1842302" y="1346194"/>
+            <a:ext cx="3185166" cy="646331"/>
+          </a:xfrm>
+          <a:prstGeom prst="rect">
+            <a:avLst/>
+          </a:prstGeom>
+          <a:noFill/>
+        </p:spPr>
+        <p:txBody>
+          <a:bodyPr wrap="square" rtlCol="0">
+            <a:spAutoFit/>
+          </a:bodyPr>
+          <a:lstStyle/>
+          <a:p>
+            <a:r>
+              <a:rPr lang="fr-FR" dirty="0" smtClean="0"/>
+              <a:t>Eclairage Köhler, diffusion, contraste de phase…</a:t>
+            </a:r>
+            <a:endParaRPr lang="fr-FR" dirty="0"/>
+          </a:p>
+        </p:txBody>
+      </p:sp>
+      <p:sp>
+        <p:nvSpPr>
+          <p:cNvPr id="13" name="ZoneTexte 12"/>
+          <p:cNvSpPr txBox="1"/>
+          <p:nvPr/>
+        </p:nvSpPr>
+        <p:spPr>
+          <a:xfrm>
+            <a:off x="5934772" y="981112"/>
+            <a:ext cx="5269391" cy="400110"/>
+          </a:xfrm>
+          <a:prstGeom prst="rect">
+            <a:avLst/>
+          </a:prstGeom>
+          <a:noFill/>
+        </p:spPr>
+        <p:txBody>
+          <a:bodyPr wrap="none" rtlCol="0">
+            <a:spAutoFit/>
+          </a:bodyPr>
+          <a:lstStyle/>
+          <a:p>
+            <a:r>
+              <a:rPr lang="fr-FR" sz="2000" b="1" dirty="0" smtClean="0"/>
+              <a:t>Microscopie de fluorescence, dont PALM</a:t>
+            </a:r>
+            <a:endParaRPr lang="fr-FR" sz="2000" b="1" dirty="0"/>
+          </a:p>
+        </p:txBody>
+      </p:sp>
+      <p:sp>
+        <p:nvSpPr>
+          <p:cNvPr id="14" name="ZoneTexte 13"/>
+          <p:cNvSpPr txBox="1"/>
+          <p:nvPr/>
+        </p:nvSpPr>
+        <p:spPr>
+          <a:xfrm>
+            <a:off x="6680753" y="1366329"/>
+            <a:ext cx="3637534" cy="369332"/>
+          </a:xfrm>
+          <a:prstGeom prst="rect">
+            <a:avLst/>
+          </a:prstGeom>
+          <a:noFill/>
+        </p:spPr>
+        <p:txBody>
+          <a:bodyPr wrap="none" rtlCol="0">
+            <a:spAutoFit/>
+          </a:bodyPr>
+          <a:lstStyle/>
+          <a:p>
+            <a:r>
+              <a:rPr lang="fr-FR" dirty="0" smtClean="0"/>
+              <a:t>Activation de photoémetteurs </a:t>
             </a:r>
             <a:endParaRPr lang="fr-FR" dirty="0"/>
           </a:p>
@@ -12977,7 +13127,7 @@
     <a:masterClrMapping/>
   </p:clrMapOvr>
   <mc:AlternateContent xmlns:mc="http://schemas.openxmlformats.org/markup-compatibility/2006">
-    <mc:Choice xmlns:p15="http://schemas.microsoft.com/office/powerpoint/2012/main" xmlns="" Requires="p15">
+    <mc:Choice xmlns="" xmlns:p15="http://schemas.microsoft.com/office/powerpoint/2012/main" Requires="p15">
       <p:transition xmlns:p14="http://schemas.microsoft.com/office/powerpoint/2010/main" spd="slow" p14:dur="1250">
         <p15:prstTrans prst="peelOff"/>
       </p:transition>
@@ -13103,7 +13253,7 @@
         <p:spPr>
           <a:xfrm>
             <a:off x="1681493" y="2003741"/>
-            <a:ext cx="6327373" cy="1938992"/>
+            <a:ext cx="6327373" cy="2554545"/>
           </a:xfrm>
           <a:prstGeom prst="rect">
             <a:avLst/>
@@ -13128,7 +13278,15 @@
             </a:pPr>
             <a:r>
               <a:rPr lang="fr-FR" sz="2000" dirty="0" smtClean="0"/>
-              <a:t> Impact des photons non uniforme</a:t>
+              <a:t> </a:t>
+            </a:r>
+            <a:r>
+              <a:rPr lang="fr-FR" sz="2000" dirty="0" smtClean="0"/>
+              <a:t>Impact </a:t>
+            </a:r>
+            <a:r>
+              <a:rPr lang="fr-FR" sz="2000" dirty="0" smtClean="0"/>
+              <a:t>des photons non uniforme</a:t>
             </a:r>
           </a:p>
           <a:p>
@@ -13140,6 +13298,7 @@
               <a:rPr lang="fr-FR" sz="2000" dirty="0" smtClean="0"/>
               <a:t> lumière parasite </a:t>
             </a:r>
+            <a:endParaRPr lang="fr-FR" sz="2000" dirty="0"/>
           </a:p>
           <a:p>
             <a:pPr marL="285750" indent="-19050">
@@ -13148,139 +13307,172 @@
             </a:pPr>
             <a:r>
               <a:rPr lang="fr-FR" sz="2000" dirty="0" smtClean="0"/>
-              <a:t> courant d’obscurité (diodes du capteur)</a:t>
-            </a:r>
-          </a:p>
-          <a:p>
-            <a:r>
-              <a:rPr lang="fr-FR" sz="2000" dirty="0"/>
-              <a:t>	</a:t>
+              <a:t> </a:t>
+            </a:r>
+            <a:r>
+              <a:rPr lang="fr-FR" sz="2000" dirty="0" err="1"/>
+              <a:t>f</a:t>
+            </a:r>
+            <a:r>
+              <a:rPr lang="fr-FR" sz="2000" dirty="0" err="1" smtClean="0"/>
+              <a:t>luorophores</a:t>
+            </a:r>
+            <a:r>
+              <a:rPr lang="fr-FR" sz="2000" dirty="0" smtClean="0"/>
+              <a:t> non homogènes</a:t>
             </a:r>
             <a:endParaRPr lang="fr-FR" sz="2000" dirty="0" smtClean="0"/>
           </a:p>
           <a:p>
-            <a:r>
-              <a:rPr lang="fr-FR" sz="2000" dirty="0"/>
-              <a:t>	</a:t>
-            </a:r>
-          </a:p>
-        </p:txBody>
-      </p:sp>
-      <p:sp>
-        <p:nvSpPr>
-          <p:cNvPr id="11" name="ZoneTexte 10"/>
-          <p:cNvSpPr txBox="1"/>
-          <p:nvPr/>
-        </p:nvSpPr>
-        <p:spPr>
-          <a:xfrm>
-            <a:off x="1681493" y="3768534"/>
-            <a:ext cx="7279689" cy="1200329"/>
-          </a:xfrm>
-          <a:prstGeom prst="rect">
-            <a:avLst/>
-          </a:prstGeom>
-          <a:noFill/>
-        </p:spPr>
-        <p:txBody>
-          <a:bodyPr wrap="square" rtlCol="0">
-            <a:spAutoFit/>
-          </a:bodyPr>
-          <a:lstStyle/>
-          <a:p>
-            <a:r>
-              <a:rPr lang="fr-FR" dirty="0" smtClean="0"/>
-              <a:t>Méthodes numériques:</a:t>
-            </a:r>
-          </a:p>
-          <a:p>
-            <a:pPr marL="285750" indent="-285750">
+            <a:pPr marL="285750" indent="-19050">
               <a:buFont typeface="Arial" panose="020B0604020202020204" pitchFamily="34" charset="0"/>
               <a:buChar char="•"/>
             </a:pPr>
             <a:r>
-              <a:rPr lang="fr-FR" dirty="0" smtClean="0"/>
-              <a:t>Augmentation de contraste</a:t>
-            </a:r>
-          </a:p>
-          <a:p>
-            <a:pPr marL="285750" indent="-285750">
-              <a:buFont typeface="Arial" panose="020B0604020202020204" pitchFamily="34" charset="0"/>
-              <a:buChar char="•"/>
-            </a:pPr>
-            <a:r>
-              <a:rPr lang="fr-FR" dirty="0" smtClean="0"/>
-              <a:t>Filtrage gaussien ou médian</a:t>
-            </a:r>
-          </a:p>
-          <a:p>
-            <a:pPr marL="285750" indent="-285750">
-              <a:buFont typeface="Arial" panose="020B0604020202020204" pitchFamily="34" charset="0"/>
-              <a:buChar char="•"/>
-            </a:pPr>
-            <a:r>
-              <a:rPr lang="fr-FR" dirty="0" err="1" smtClean="0"/>
-              <a:t>Déconvolution</a:t>
-            </a:r>
-            <a:r>
-              <a:rPr lang="fr-FR" dirty="0" smtClean="0"/>
-              <a:t> de la PSF </a:t>
-            </a:r>
-            <a:endParaRPr lang="fr-FR" dirty="0"/>
-          </a:p>
-        </p:txBody>
-      </p:sp>
-      <p:pic>
-        <p:nvPicPr>
-          <p:cNvPr id="12" name="Image 11"/>
-          <p:cNvPicPr>
-            <a:picLocks noChangeAspect="1"/>
-          </p:cNvPicPr>
+              <a:rPr lang="fr-FR" sz="2000" dirty="0" smtClean="0"/>
+              <a:t> courant d’obscurité (diodes du capteur</a:t>
+            </a:r>
+            <a:r>
+              <a:rPr lang="fr-FR" sz="2000" dirty="0" smtClean="0"/>
+              <a:t>)</a:t>
+            </a:r>
+            <a:br>
+              <a:rPr lang="fr-FR" sz="2000" dirty="0" smtClean="0"/>
+            </a:br>
+            <a:endParaRPr lang="fr-FR" sz="2000" dirty="0" smtClean="0"/>
+          </a:p>
+          <a:p>
+            <a:r>
+              <a:rPr lang="fr-FR" sz="2000" dirty="0"/>
+              <a:t>	</a:t>
+            </a:r>
+            <a:endParaRPr lang="fr-FR" sz="2000" dirty="0" smtClean="0"/>
+          </a:p>
+          <a:p>
+            <a:r>
+              <a:rPr lang="fr-FR" sz="2000" dirty="0" smtClean="0"/>
+              <a:t>	</a:t>
+            </a:r>
+            <a:endParaRPr lang="fr-FR" sz="2000" dirty="0"/>
+          </a:p>
+        </p:txBody>
+      </p:sp>
+      <p:sp>
+        <p:nvSpPr>
+          <p:cNvPr id="4" name="Rectangle 3"/>
+          <p:cNvSpPr/>
           <p:nvPr/>
-        </p:nvPicPr>
-        <p:blipFill>
-          <a:blip r:embed="rId2"/>
-          <a:stretch>
-            <a:fillRect/>
-          </a:stretch>
-        </p:blipFill>
+        </p:nvSpPr>
         <p:spPr>
           <a:xfrm>
-            <a:off x="5628440" y="3897467"/>
-            <a:ext cx="4434733" cy="2826624"/>
+            <a:off x="1681493" y="3710672"/>
+            <a:ext cx="6096000" cy="1631216"/>
           </a:xfrm>
           <a:prstGeom prst="rect">
             <a:avLst/>
           </a:prstGeom>
         </p:spPr>
-      </p:pic>
-      <p:sp>
-        <p:nvSpPr>
-          <p:cNvPr id="13" name="ZoneTexte 12"/>
-          <p:cNvSpPr txBox="1"/>
-          <p:nvPr/>
-        </p:nvSpPr>
-        <p:spPr>
-          <a:xfrm>
-            <a:off x="2444972" y="4941447"/>
-            <a:ext cx="2876365" cy="369332"/>
-          </a:xfrm>
-          <a:prstGeom prst="rect">
-            <a:avLst/>
-          </a:prstGeom>
-          <a:noFill/>
-        </p:spPr>
-        <p:txBody>
-          <a:bodyPr wrap="square" rtlCol="0">
+        <p:txBody>
+          <a:bodyPr>
             <a:spAutoFit/>
           </a:bodyPr>
           <a:lstStyle/>
           <a:p>
-            <a:r>
-              <a:rPr lang="fr-FR" dirty="0" smtClean="0"/>
-              <a:t>Estimation de l’objet</a:t>
-            </a:r>
-            <a:endParaRPr lang="fr-FR" dirty="0"/>
+            <a:pPr lvl="0"/>
+            <a:r>
+              <a:rPr lang="fr-FR" sz="2000" dirty="0" smtClean="0">
+                <a:solidFill>
+                  <a:prstClr val="black"/>
+                </a:solidFill>
+              </a:rPr>
+              <a:t>Méthodes numériques:</a:t>
+            </a:r>
+            <a:endParaRPr lang="fr-FR" sz="2000" dirty="0">
+              <a:solidFill>
+                <a:prstClr val="black"/>
+              </a:solidFill>
+            </a:endParaRPr>
+          </a:p>
+          <a:p>
+            <a:pPr marL="285750" lvl="0" indent="-19050">
+              <a:buFont typeface="Arial" panose="020B0604020202020204" pitchFamily="34" charset="0"/>
+              <a:buChar char="•"/>
+            </a:pPr>
+            <a:r>
+              <a:rPr lang="fr-FR" sz="2000" dirty="0" smtClean="0">
+                <a:solidFill>
+                  <a:prstClr val="black"/>
+                </a:solidFill>
+              </a:rPr>
+              <a:t> Augmentation de contraste</a:t>
+            </a:r>
+            <a:endParaRPr lang="fr-FR" sz="2000" dirty="0">
+              <a:solidFill>
+                <a:prstClr val="black"/>
+              </a:solidFill>
+            </a:endParaRPr>
+          </a:p>
+          <a:p>
+            <a:pPr marL="285750" lvl="0" indent="-19050">
+              <a:buFont typeface="Arial" panose="020B0604020202020204" pitchFamily="34" charset="0"/>
+              <a:buChar char="•"/>
+            </a:pPr>
+            <a:r>
+              <a:rPr lang="fr-FR" sz="2000" dirty="0">
+                <a:solidFill>
+                  <a:prstClr val="black"/>
+                </a:solidFill>
+              </a:rPr>
+              <a:t> </a:t>
+            </a:r>
+            <a:r>
+              <a:rPr lang="fr-FR" sz="2000" dirty="0" smtClean="0">
+                <a:solidFill>
+                  <a:prstClr val="black"/>
+                </a:solidFill>
+              </a:rPr>
+              <a:t>Filtrage gaussien ou médian</a:t>
+            </a:r>
+            <a:endParaRPr lang="fr-FR" sz="2000" dirty="0">
+              <a:solidFill>
+                <a:prstClr val="black"/>
+              </a:solidFill>
+            </a:endParaRPr>
+          </a:p>
+          <a:p>
+            <a:pPr marL="285750" lvl="0" indent="-19050">
+              <a:buFont typeface="Arial" panose="020B0604020202020204" pitchFamily="34" charset="0"/>
+              <a:buChar char="•"/>
+            </a:pPr>
+            <a:r>
+              <a:rPr lang="fr-FR" sz="2000" dirty="0">
+                <a:solidFill>
+                  <a:prstClr val="black"/>
+                </a:solidFill>
+              </a:rPr>
+              <a:t> </a:t>
+            </a:r>
+            <a:r>
+              <a:rPr lang="fr-FR" sz="2000" dirty="0" err="1" smtClean="0">
+                <a:solidFill>
+                  <a:prstClr val="black"/>
+                </a:solidFill>
+              </a:rPr>
+              <a:t>Déconvolution</a:t>
+            </a:r>
+            <a:r>
+              <a:rPr lang="fr-FR" sz="2000" dirty="0" smtClean="0">
+                <a:solidFill>
+                  <a:prstClr val="black"/>
+                </a:solidFill>
+              </a:rPr>
+              <a:t> de la PSF, ou/et de l’image du bruit par le réseau.</a:t>
+            </a:r>
+            <a:endParaRPr lang="fr-FR" sz="2000" dirty="0">
+              <a:solidFill>
+                <a:prstClr val="black"/>
+              </a:solidFill>
+            </a:endParaRPr>
           </a:p>
         </p:txBody>
       </p:sp>
@@ -13295,7 +13487,7 @@
     <a:masterClrMapping/>
   </p:clrMapOvr>
   <mc:AlternateContent xmlns:mc="http://schemas.openxmlformats.org/markup-compatibility/2006">
-    <mc:Choice xmlns:p15="http://schemas.microsoft.com/office/powerpoint/2012/main" xmlns="" Requires="p15">
+    <mc:Choice xmlns="" xmlns:p15="http://schemas.microsoft.com/office/powerpoint/2012/main" Requires="p15">
       <p:transition xmlns:p14="http://schemas.microsoft.com/office/powerpoint/2010/main" spd="slow" p14:dur="1250">
         <p15:prstTrans prst="peelOff"/>
       </p:transition>
@@ -13317,97 +13509,6 @@
 </file>
 
 <file path=ppt/slides/slide7.xml><?xml version="1.0" encoding="utf-8"?>
-<p:sld xmlns:a="http://schemas.openxmlformats.org/drawingml/2006/main" xmlns:r="http://schemas.openxmlformats.org/officeDocument/2006/relationships" xmlns:p="http://schemas.openxmlformats.org/presentationml/2006/main" showMasterSp="0">
-  <p:cSld>
-    <p:spTree>
-      <p:nvGrpSpPr>
-        <p:cNvPr id="1" name=""/>
-        <p:cNvGrpSpPr/>
-        <p:nvPr/>
-      </p:nvGrpSpPr>
-      <p:grpSpPr>
-        <a:xfrm>
-          <a:off x="0" y="0"/>
-          <a:ext cx="0" cy="0"/>
-          <a:chOff x="0" y="0"/>
-          <a:chExt cx="0" cy="0"/>
-        </a:xfrm>
-      </p:grpSpPr>
-      <p:sp>
-        <p:nvSpPr>
-          <p:cNvPr id="3" name="Espace réservé du contenu 2"/>
-          <p:cNvSpPr>
-            <a:spLocks noGrp="1"/>
-          </p:cNvSpPr>
-          <p:nvPr>
-            <p:ph idx="1"/>
-          </p:nvPr>
-        </p:nvSpPr>
-        <p:spPr>
-          <a:xfrm>
-            <a:off x="1775300" y="261633"/>
-            <a:ext cx="9827420" cy="1259248"/>
-          </a:xfrm>
-        </p:spPr>
-        <p:txBody>
-          <a:bodyPr tIns="72000">
-            <a:noAutofit/>
-          </a:bodyPr>
-          <a:lstStyle/>
-          <a:p>
-            <a:pPr>
-              <a:buFont typeface="Wingdings" panose="05000000000000000000" pitchFamily="2" charset="2"/>
-              <a:buChar char="v"/>
-            </a:pPr>
-            <a:r>
-              <a:rPr lang="fr-FR" sz="2800" u="sng" dirty="0" smtClean="0"/>
-              <a:t>Etat de l’art:</a:t>
-            </a:r>
-          </a:p>
-          <a:p>
-            <a:pPr marL="0" indent="0">
-              <a:buNone/>
-            </a:pPr>
-            <a:r>
-              <a:rPr lang="fr-FR" sz="2400" dirty="0" smtClean="0"/>
-              <a:t>Microscopie utilisée: microscopie STORM</a:t>
-            </a:r>
-          </a:p>
-        </p:txBody>
-      </p:sp>
-    </p:spTree>
-    <p:extLst>
-      <p:ext uri="{BB962C8B-B14F-4D97-AF65-F5344CB8AC3E}">
-        <p14:creationId xmlns:p14="http://schemas.microsoft.com/office/powerpoint/2010/main" val="1487678745"/>
-      </p:ext>
-    </p:extLst>
-  </p:cSld>
-  <p:clrMapOvr>
-    <a:masterClrMapping/>
-  </p:clrMapOvr>
-  <mc:AlternateContent xmlns:mc="http://schemas.openxmlformats.org/markup-compatibility/2006">
-    <mc:Choice xmlns:p15="http://schemas.microsoft.com/office/powerpoint/2012/main" xmlns="" Requires="p15">
-      <p:transition xmlns:p14="http://schemas.microsoft.com/office/powerpoint/2010/main" spd="slow" p14:dur="1250">
-        <p15:prstTrans prst="peelOff"/>
-      </p:transition>
-    </mc:Choice>
-    <mc:Fallback>
-      <p:transition spd="slow">
-        <p:fade/>
-      </p:transition>
-    </mc:Fallback>
-  </mc:AlternateContent>
-  <p:timing>
-    <p:tnLst>
-      <p:par>
-        <p:cTn id="1" dur="indefinite" restart="never" nodeType="tmRoot"/>
-      </p:par>
-    </p:tnLst>
-  </p:timing>
-</p:sld>
-</file>
-
-<file path=ppt/slides/slide8.xml><?xml version="1.0" encoding="utf-8"?>
 <p:sld xmlns:a="http://schemas.openxmlformats.org/drawingml/2006/main" xmlns:r="http://schemas.openxmlformats.org/officeDocument/2006/relationships" xmlns:p="http://schemas.openxmlformats.org/presentationml/2006/main" showMasterSp="0">
   <p:cSld>
     <p:spTree>
@@ -13599,7 +13700,7 @@
     <a:masterClrMapping/>
   </p:clrMapOvr>
   <mc:AlternateContent xmlns:mc="http://schemas.openxmlformats.org/markup-compatibility/2006">
-    <mc:Choice xmlns:p15="http://schemas.microsoft.com/office/powerpoint/2012/main" xmlns="" Requires="p15">
+    <mc:Choice xmlns="" xmlns:p15="http://schemas.microsoft.com/office/powerpoint/2012/main" Requires="p15">
       <p:transition xmlns:p14="http://schemas.microsoft.com/office/powerpoint/2010/main" spd="slow" p14:dur="1250">
         <p15:prstTrans prst="peelOff"/>
       </p:transition>
@@ -13620,7 +13721,7 @@
 </p:sld>
 </file>
 
-<file path=ppt/slides/slide9.xml><?xml version="1.0" encoding="utf-8"?>
+<file path=ppt/slides/slide8.xml><?xml version="1.0" encoding="utf-8"?>
 <p:sld xmlns:a="http://schemas.openxmlformats.org/drawingml/2006/main" xmlns:r="http://schemas.openxmlformats.org/officeDocument/2006/relationships" xmlns:p="http://schemas.openxmlformats.org/presentationml/2006/main" showMasterSp="0">
   <p:cSld>
     <p:spTree>
@@ -13778,7 +13879,151 @@
     <a:masterClrMapping/>
   </p:clrMapOvr>
   <mc:AlternateContent xmlns:mc="http://schemas.openxmlformats.org/markup-compatibility/2006">
-    <mc:Choice xmlns:p15="http://schemas.microsoft.com/office/powerpoint/2012/main" xmlns="" Requires="p15">
+    <mc:Choice xmlns="" xmlns:p15="http://schemas.microsoft.com/office/powerpoint/2012/main" Requires="p15">
+      <p:transition xmlns:p14="http://schemas.microsoft.com/office/powerpoint/2010/main" spd="slow" p14:dur="1250">
+        <p15:prstTrans prst="peelOff"/>
+      </p:transition>
+    </mc:Choice>
+    <mc:Fallback>
+      <p:transition spd="slow">
+        <p:fade/>
+      </p:transition>
+    </mc:Fallback>
+  </mc:AlternateContent>
+  <p:timing>
+    <p:tnLst>
+      <p:par>
+        <p:cTn id="1" dur="indefinite" restart="never" nodeType="tmRoot"/>
+      </p:par>
+    </p:tnLst>
+  </p:timing>
+</p:sld>
+</file>
+
+<file path=ppt/slides/slide9.xml><?xml version="1.0" encoding="utf-8"?>
+<p:sld xmlns:a="http://schemas.openxmlformats.org/drawingml/2006/main" xmlns:r="http://schemas.openxmlformats.org/officeDocument/2006/relationships" xmlns:p="http://schemas.openxmlformats.org/presentationml/2006/main" showMasterSp="0">
+  <p:cSld>
+    <p:spTree>
+      <p:nvGrpSpPr>
+        <p:cNvPr id="1" name=""/>
+        <p:cNvGrpSpPr/>
+        <p:nvPr/>
+      </p:nvGrpSpPr>
+      <p:grpSpPr>
+        <a:xfrm>
+          <a:off x="0" y="0"/>
+          <a:ext cx="0" cy="0"/>
+          <a:chOff x="0" y="0"/>
+          <a:chExt cx="0" cy="0"/>
+        </a:xfrm>
+      </p:grpSpPr>
+      <p:sp>
+        <p:nvSpPr>
+          <p:cNvPr id="3" name="Espace réservé du contenu 2"/>
+          <p:cNvSpPr>
+            <a:spLocks noGrp="1"/>
+          </p:cNvSpPr>
+          <p:nvPr>
+            <p:ph idx="1"/>
+          </p:nvPr>
+        </p:nvSpPr>
+        <p:spPr>
+          <a:xfrm>
+            <a:off x="1878012" y="274912"/>
+            <a:ext cx="8915400" cy="6212974"/>
+          </a:xfrm>
+        </p:spPr>
+        <p:txBody>
+          <a:bodyPr tIns="72000">
+            <a:noAutofit/>
+          </a:bodyPr>
+          <a:lstStyle/>
+          <a:p>
+            <a:pPr>
+              <a:buFont typeface="Wingdings" panose="05000000000000000000" pitchFamily="2" charset="2"/>
+              <a:buChar char="v"/>
+            </a:pPr>
+            <a:r>
+              <a:rPr lang="fr-FR" sz="2800" u="sng" dirty="0" smtClean="0"/>
+              <a:t>III. Détermination de la position </a:t>
+            </a:r>
+          </a:p>
+          <a:p>
+            <a:pPr marL="719138" lvl="1" indent="-273050">
+              <a:buFont typeface="Arial" pitchFamily="34" charset="0"/>
+              <a:buChar char="•"/>
+            </a:pPr>
+            <a:r>
+              <a:rPr lang="fr-FR" sz="2600" dirty="0" smtClean="0"/>
+              <a:t>A partir des images filtrées :</a:t>
+            </a:r>
+          </a:p>
+          <a:p>
+            <a:pPr marL="720000" lvl="1" indent="-361950">
+              <a:spcBef>
+                <a:spcPts val="3600"/>
+              </a:spcBef>
+              <a:buFont typeface="Wingdings" pitchFamily="2" charset="2"/>
+              <a:buChar char="Ø"/>
+            </a:pPr>
+            <a:r>
+              <a:rPr lang="fr-FR" sz="2600" dirty="0" smtClean="0"/>
+              <a:t>Recherche de l’image la plus petite et la plus précise </a:t>
+            </a:r>
+          </a:p>
+          <a:p>
+            <a:pPr marL="712788" lvl="1" indent="-350838">
+              <a:lnSpc>
+                <a:spcPct val="200000"/>
+              </a:lnSpc>
+              <a:buFont typeface="Arial" pitchFamily="34" charset="0"/>
+              <a:buChar char="•"/>
+            </a:pPr>
+            <a:r>
+              <a:rPr lang="fr-FR" sz="2800" dirty="0" smtClean="0"/>
+              <a:t>Autres idées :</a:t>
+            </a:r>
+          </a:p>
+          <a:p>
+            <a:pPr marL="712788" lvl="1" indent="-350838">
+              <a:lnSpc>
+                <a:spcPct val="200000"/>
+              </a:lnSpc>
+              <a:buFont typeface="Wingdings" pitchFamily="2" charset="2"/>
+              <a:buChar char="Ø"/>
+            </a:pPr>
+            <a:r>
+              <a:rPr lang="fr-FR" sz="2800" dirty="0" smtClean="0"/>
+              <a:t>Exploitation des franges</a:t>
+            </a:r>
+          </a:p>
+          <a:p>
+            <a:pPr marL="712788" lvl="1" indent="-350838">
+              <a:lnSpc>
+                <a:spcPct val="200000"/>
+              </a:lnSpc>
+              <a:buFont typeface="Wingdings" pitchFamily="2" charset="2"/>
+              <a:buChar char="Ø"/>
+            </a:pPr>
+            <a:r>
+              <a:rPr lang="fr-FR" sz="2800" dirty="0" smtClean="0"/>
+              <a:t>Amélioration du filtrage</a:t>
+            </a:r>
+          </a:p>
+        </p:txBody>
+      </p:sp>
+    </p:spTree>
+    <p:extLst>
+      <p:ext uri="{BB962C8B-B14F-4D97-AF65-F5344CB8AC3E}">
+        <p14:creationId xmlns:p14="http://schemas.microsoft.com/office/powerpoint/2010/main" val="1899768230"/>
+      </p:ext>
+    </p:extLst>
+  </p:cSld>
+  <p:clrMapOvr>
+    <a:masterClrMapping/>
+  </p:clrMapOvr>
+  <mc:AlternateContent xmlns:mc="http://schemas.openxmlformats.org/markup-compatibility/2006">
+    <mc:Choice xmlns="" xmlns:p15="http://schemas.microsoft.com/office/powerpoint/2012/main" Requires="p15">
       <p:transition xmlns:p14="http://schemas.microsoft.com/office/powerpoint/2010/main" spd="slow" p14:dur="1250">
         <p15:prstTrans prst="peelOff"/>
       </p:transition>
@@ -14054,7 +14299,7 @@
   <a:extraClrSchemeLst/>
   <a:extLst>
     <a:ext uri="{05A4C25C-085E-4340-85A3-A5531E510DB2}">
-      <thm15:themeFamily xmlns:thm15="http://schemas.microsoft.com/office/thememl/2012/main" xmlns="" name="Office Theme" id="{62F939B6-93AF-4DB8-9C6B-D6C7DFDC589F}" vid="{4A3C46E8-61CC-4603-A589-7422A47A8E4A}"/>
+      <thm15:themeFamily xmlns="" xmlns:thm15="http://schemas.microsoft.com/office/thememl/2012/main" name="Office Theme" id="{62F939B6-93AF-4DB8-9C6B-D6C7DFDC589F}" vid="{4A3C46E8-61CC-4603-A589-7422A47A8E4A}"/>
     </a:ext>
   </a:extLst>
 </a:theme>
@@ -14297,7 +14542,7 @@
   <a:extraClrSchemeLst/>
   <a:extLst>
     <a:ext uri="{05A4C25C-085E-4340-85A3-A5531E510DB2}">
-      <thm15:themeFamily xmlns:thm15="http://schemas.microsoft.com/office/thememl/2012/main" xmlns="" name="Wisp" id="{7CB32D59-10C0-40DD-B7BD-2E94284A981C}" vid="{24B1A44C-C006-48B2-A4D7-E5549B3D8CD4}"/>
+      <thm15:themeFamily xmlns="" xmlns:thm15="http://schemas.microsoft.com/office/thememl/2012/main" name="Wisp" id="{7CB32D59-10C0-40DD-B7BD-2E94284A981C}" vid="{24B1A44C-C006-48B2-A4D7-E5549B3D8CD4}"/>
     </a:ext>
   </a:extLst>
 </a:theme>

--- a/Pres_Avril/PresentationPIMSAvril.pptx
+++ b/Pres_Avril/PresentationPIMSAvril.pptx
@@ -13,11 +13,14 @@
     <p:sldId id="267" r:id="rId7"/>
     <p:sldId id="277" r:id="rId8"/>
     <p:sldId id="269" r:id="rId9"/>
-    <p:sldId id="270" r:id="rId10"/>
-    <p:sldId id="272" r:id="rId11"/>
-    <p:sldId id="276" r:id="rId12"/>
-    <p:sldId id="273" r:id="rId13"/>
-    <p:sldId id="274" r:id="rId14"/>
+    <p:sldId id="279" r:id="rId10"/>
+    <p:sldId id="283" r:id="rId11"/>
+    <p:sldId id="280" r:id="rId12"/>
+    <p:sldId id="281" r:id="rId13"/>
+    <p:sldId id="282" r:id="rId14"/>
+    <p:sldId id="272" r:id="rId15"/>
+    <p:sldId id="273" r:id="rId16"/>
+    <p:sldId id="274" r:id="rId17"/>
   </p:sldIdLst>
   <p:sldSz cx="12192000" cy="6858000"/>
   <p:notesSz cx="6858000" cy="9144000"/>
@@ -118,7 +121,7 @@
   </p:defaultTextStyle>
   <p:extLst>
     <p:ext uri="{EFAFB233-063F-42B5-8137-9DF3F51BA10A}">
-      <p15:sldGuideLst xmlns="" xmlns:p15="http://schemas.microsoft.com/office/powerpoint/2012/main"/>
+      <p15:sldGuideLst xmlns:p15="http://schemas.microsoft.com/office/powerpoint/2012/main" xmlns=""/>
     </p:ext>
   </p:extLst>
 </p:presentation>
@@ -314,7 +317,7 @@
     <a:masterClrMapping/>
   </p:clrMapOvr>
   <mc:AlternateContent xmlns:mc="http://schemas.openxmlformats.org/markup-compatibility/2006">
-    <mc:Choice xmlns="" xmlns:p15="http://schemas.microsoft.com/office/powerpoint/2012/main" Requires="p15">
+    <mc:Choice xmlns:p15="http://schemas.microsoft.com/office/powerpoint/2012/main" xmlns="" Requires="p15">
       <p:transition xmlns:p14="http://schemas.microsoft.com/office/powerpoint/2010/main" spd="slow" p14:dur="1250">
         <p15:prstTrans prst="peelOff"/>
       </p:transition>
@@ -496,7 +499,7 @@
     <a:masterClrMapping/>
   </p:clrMapOvr>
   <mc:AlternateContent xmlns:mc="http://schemas.openxmlformats.org/markup-compatibility/2006">
-    <mc:Choice xmlns="" xmlns:p15="http://schemas.microsoft.com/office/powerpoint/2012/main" Requires="p15">
+    <mc:Choice xmlns:p15="http://schemas.microsoft.com/office/powerpoint/2012/main" xmlns="" Requires="p15">
       <p:transition xmlns:p14="http://schemas.microsoft.com/office/powerpoint/2010/main" spd="slow" p14:dur="1250">
         <p15:prstTrans prst="peelOff"/>
       </p:transition>
@@ -688,7 +691,7 @@
     <a:masterClrMapping/>
   </p:clrMapOvr>
   <mc:AlternateContent xmlns:mc="http://schemas.openxmlformats.org/markup-compatibility/2006">
-    <mc:Choice xmlns="" xmlns:p15="http://schemas.microsoft.com/office/powerpoint/2012/main" Requires="p15">
+    <mc:Choice xmlns:p15="http://schemas.microsoft.com/office/powerpoint/2012/main" xmlns="" Requires="p15">
       <p:transition xmlns:p14="http://schemas.microsoft.com/office/powerpoint/2010/main" spd="slow" p14:dur="1250">
         <p15:prstTrans prst="peelOff"/>
       </p:transition>
@@ -1056,7 +1059,7 @@
     <a:masterClrMapping/>
   </p:clrMapOvr>
   <mc:AlternateContent xmlns:mc="http://schemas.openxmlformats.org/markup-compatibility/2006">
-    <mc:Choice xmlns="" xmlns:p15="http://schemas.microsoft.com/office/powerpoint/2012/main" Requires="p15">
+    <mc:Choice xmlns:p15="http://schemas.microsoft.com/office/powerpoint/2012/main" xmlns="" Requires="p15">
       <p:transition xmlns:p14="http://schemas.microsoft.com/office/powerpoint/2010/main" spd="slow" p14:dur="1250">
         <p15:prstTrans prst="peelOff"/>
       </p:transition>
@@ -1350,7 +1353,7 @@
     <a:masterClrMapping/>
   </p:clrMapOvr>
   <mc:AlternateContent xmlns:mc="http://schemas.openxmlformats.org/markup-compatibility/2006">
-    <mc:Choice xmlns="" xmlns:p15="http://schemas.microsoft.com/office/powerpoint/2012/main" Requires="p15">
+    <mc:Choice xmlns:p15="http://schemas.microsoft.com/office/powerpoint/2012/main" xmlns="" Requires="p15">
       <p:transition xmlns:p14="http://schemas.microsoft.com/office/powerpoint/2010/main" spd="slow" p14:dur="1250">
         <p15:prstTrans prst="peelOff"/>
       </p:transition>
@@ -1716,7 +1719,7 @@
     <a:masterClrMapping/>
   </p:clrMapOvr>
   <mc:AlternateContent xmlns:mc="http://schemas.openxmlformats.org/markup-compatibility/2006">
-    <mc:Choice xmlns="" xmlns:p15="http://schemas.microsoft.com/office/powerpoint/2012/main" Requires="p15">
+    <mc:Choice xmlns:p15="http://schemas.microsoft.com/office/powerpoint/2012/main" xmlns="" Requires="p15">
       <p:transition xmlns:p14="http://schemas.microsoft.com/office/powerpoint/2010/main" spd="slow" p14:dur="1250">
         <p15:prstTrans prst="peelOff"/>
       </p:transition>
@@ -2071,7 +2074,7 @@
     <a:masterClrMapping/>
   </p:clrMapOvr>
   <mc:AlternateContent xmlns:mc="http://schemas.openxmlformats.org/markup-compatibility/2006">
-    <mc:Choice xmlns="" xmlns:p15="http://schemas.microsoft.com/office/powerpoint/2012/main" Requires="p15">
+    <mc:Choice xmlns:p15="http://schemas.microsoft.com/office/powerpoint/2012/main" xmlns="" Requires="p15">
       <p:transition xmlns:p14="http://schemas.microsoft.com/office/powerpoint/2010/main" spd="slow" p14:dur="1250">
         <p15:prstTrans prst="peelOff"/>
       </p:transition>
@@ -2560,7 +2563,7 @@
     <a:masterClrMapping/>
   </p:clrMapOvr>
   <mc:AlternateContent xmlns:mc="http://schemas.openxmlformats.org/markup-compatibility/2006">
-    <mc:Choice xmlns="" xmlns:p15="http://schemas.microsoft.com/office/powerpoint/2012/main" Requires="p15">
+    <mc:Choice xmlns:p15="http://schemas.microsoft.com/office/powerpoint/2012/main" xmlns="" Requires="p15">
       <p:transition xmlns:p14="http://schemas.microsoft.com/office/powerpoint/2010/main" spd="slow" p14:dur="1250">
         <p15:prstTrans prst="peelOff"/>
       </p:transition>
@@ -2792,7 +2795,7 @@
     <a:masterClrMapping/>
   </p:clrMapOvr>
   <mc:AlternateContent xmlns:mc="http://schemas.openxmlformats.org/markup-compatibility/2006">
-    <mc:Choice xmlns="" xmlns:p15="http://schemas.microsoft.com/office/powerpoint/2012/main" Requires="p15">
+    <mc:Choice xmlns:p15="http://schemas.microsoft.com/office/powerpoint/2012/main" xmlns="" Requires="p15">
       <p:transition xmlns:p14="http://schemas.microsoft.com/office/powerpoint/2010/main" spd="slow" p14:dur="1250">
         <p15:prstTrans prst="peelOff"/>
       </p:transition>
@@ -3001,7 +3004,7 @@
     <a:masterClrMapping/>
   </p:clrMapOvr>
   <mc:AlternateContent xmlns:mc="http://schemas.openxmlformats.org/markup-compatibility/2006">
-    <mc:Choice xmlns="" xmlns:p15="http://schemas.microsoft.com/office/powerpoint/2012/main" Requires="p15">
+    <mc:Choice xmlns:p15="http://schemas.microsoft.com/office/powerpoint/2012/main" xmlns="" Requires="p15">
       <p:transition xmlns:p14="http://schemas.microsoft.com/office/powerpoint/2010/main" spd="slow" p14:dur="1250">
         <p15:prstTrans prst="peelOff"/>
       </p:transition>
@@ -3366,7 +3369,7 @@
     <a:masterClrMapping/>
   </p:clrMapOvr>
   <mc:AlternateContent xmlns:mc="http://schemas.openxmlformats.org/markup-compatibility/2006">
-    <mc:Choice xmlns="" xmlns:p15="http://schemas.microsoft.com/office/powerpoint/2012/main" Requires="p15">
+    <mc:Choice xmlns:p15="http://schemas.microsoft.com/office/powerpoint/2012/main" xmlns="" Requires="p15">
       <p:transition xmlns:p14="http://schemas.microsoft.com/office/powerpoint/2010/main" spd="slow" p14:dur="1250">
         <p15:prstTrans prst="peelOff"/>
       </p:transition>
@@ -3548,7 +3551,7 @@
     <a:masterClrMapping/>
   </p:clrMapOvr>
   <mc:AlternateContent xmlns:mc="http://schemas.openxmlformats.org/markup-compatibility/2006">
-    <mc:Choice xmlns="" xmlns:p15="http://schemas.microsoft.com/office/powerpoint/2012/main" Requires="p15">
+    <mc:Choice xmlns:p15="http://schemas.microsoft.com/office/powerpoint/2012/main" xmlns="" Requires="p15">
       <p:transition xmlns:p14="http://schemas.microsoft.com/office/powerpoint/2010/main" spd="slow" p14:dur="1250">
         <p15:prstTrans prst="peelOff"/>
       </p:transition>
@@ -3930,7 +3933,7 @@
     <a:masterClrMapping/>
   </p:clrMapOvr>
   <mc:AlternateContent xmlns:mc="http://schemas.openxmlformats.org/markup-compatibility/2006">
-    <mc:Choice xmlns="" xmlns:p15="http://schemas.microsoft.com/office/powerpoint/2012/main" Requires="p15">
+    <mc:Choice xmlns:p15="http://schemas.microsoft.com/office/powerpoint/2012/main" xmlns="" Requires="p15">
       <p:transition xmlns:p14="http://schemas.microsoft.com/office/powerpoint/2010/main" spd="slow" p14:dur="1250">
         <p15:prstTrans prst="peelOff"/>
       </p:transition>
@@ -4300,7 +4303,7 @@
     <a:masterClrMapping/>
   </p:clrMapOvr>
   <mc:AlternateContent xmlns:mc="http://schemas.openxmlformats.org/markup-compatibility/2006">
-    <mc:Choice xmlns="" xmlns:p15="http://schemas.microsoft.com/office/powerpoint/2012/main" Requires="p15">
+    <mc:Choice xmlns:p15="http://schemas.microsoft.com/office/powerpoint/2012/main" xmlns="" Requires="p15">
       <p:transition xmlns:p14="http://schemas.microsoft.com/office/powerpoint/2010/main" spd="slow" p14:dur="1250">
         <p15:prstTrans prst="peelOff"/>
       </p:transition>
@@ -4805,7 +4808,7 @@
     <a:masterClrMapping/>
   </p:clrMapOvr>
   <mc:AlternateContent xmlns:mc="http://schemas.openxmlformats.org/markup-compatibility/2006">
-    <mc:Choice xmlns="" xmlns:p15="http://schemas.microsoft.com/office/powerpoint/2012/main" Requires="p15">
+    <mc:Choice xmlns:p15="http://schemas.microsoft.com/office/powerpoint/2012/main" xmlns="" Requires="p15">
       <p:transition xmlns:p14="http://schemas.microsoft.com/office/powerpoint/2010/main" spd="slow" p14:dur="1250">
         <p15:prstTrans prst="peelOff"/>
       </p:transition>
@@ -5097,7 +5100,7 @@
     <a:masterClrMapping/>
   </p:clrMapOvr>
   <mc:AlternateContent xmlns:mc="http://schemas.openxmlformats.org/markup-compatibility/2006">
-    <mc:Choice xmlns="" xmlns:p15="http://schemas.microsoft.com/office/powerpoint/2012/main" Requires="p15">
+    <mc:Choice xmlns:p15="http://schemas.microsoft.com/office/powerpoint/2012/main" xmlns="" Requires="p15">
       <p:transition xmlns:p14="http://schemas.microsoft.com/office/powerpoint/2010/main" spd="slow" p14:dur="1250">
         <p15:prstTrans prst="peelOff"/>
       </p:transition>
@@ -5521,7 +5524,7 @@
     <a:masterClrMapping/>
   </p:clrMapOvr>
   <mc:AlternateContent xmlns:mc="http://schemas.openxmlformats.org/markup-compatibility/2006">
-    <mc:Choice xmlns="" xmlns:p15="http://schemas.microsoft.com/office/powerpoint/2012/main" Requires="p15">
+    <mc:Choice xmlns:p15="http://schemas.microsoft.com/office/powerpoint/2012/main" xmlns="" Requires="p15">
       <p:transition xmlns:p14="http://schemas.microsoft.com/office/powerpoint/2010/main" spd="slow" p14:dur="1250">
         <p15:prstTrans prst="peelOff"/>
       </p:transition>
@@ -5873,7 +5876,7 @@
     <a:masterClrMapping/>
   </p:clrMapOvr>
   <mc:AlternateContent xmlns:mc="http://schemas.openxmlformats.org/markup-compatibility/2006">
-    <mc:Choice xmlns="" xmlns:p15="http://schemas.microsoft.com/office/powerpoint/2012/main" Requires="p15">
+    <mc:Choice xmlns:p15="http://schemas.microsoft.com/office/powerpoint/2012/main" xmlns="" Requires="p15">
       <p:transition xmlns:p14="http://schemas.microsoft.com/office/powerpoint/2010/main" spd="slow" p14:dur="1250">
         <p15:prstTrans prst="peelOff"/>
       </p:transition>
@@ -6157,7 +6160,7 @@
     <a:masterClrMapping/>
   </p:clrMapOvr>
   <mc:AlternateContent xmlns:mc="http://schemas.openxmlformats.org/markup-compatibility/2006">
-    <mc:Choice xmlns="" xmlns:p15="http://schemas.microsoft.com/office/powerpoint/2012/main" Requires="p15">
+    <mc:Choice xmlns:p15="http://schemas.microsoft.com/office/powerpoint/2012/main" xmlns="" Requires="p15">
       <p:transition xmlns:p14="http://schemas.microsoft.com/office/powerpoint/2010/main" spd="slow" p14:dur="1250">
         <p15:prstTrans prst="peelOff"/>
       </p:transition>
@@ -6451,7 +6454,7 @@
     <a:masterClrMapping/>
   </p:clrMapOvr>
   <mc:AlternateContent xmlns:mc="http://schemas.openxmlformats.org/markup-compatibility/2006">
-    <mc:Choice xmlns="" xmlns:p15="http://schemas.microsoft.com/office/powerpoint/2012/main" Requires="p15">
+    <mc:Choice xmlns:p15="http://schemas.microsoft.com/office/powerpoint/2012/main" xmlns="" Requires="p15">
       <p:transition xmlns:p14="http://schemas.microsoft.com/office/powerpoint/2010/main" spd="slow" p14:dur="1250">
         <p15:prstTrans prst="peelOff"/>
       </p:transition>
@@ -6709,7 +6712,7 @@
     <a:masterClrMapping/>
   </p:clrMapOvr>
   <mc:AlternateContent xmlns:mc="http://schemas.openxmlformats.org/markup-compatibility/2006">
-    <mc:Choice xmlns="" xmlns:p15="http://schemas.microsoft.com/office/powerpoint/2012/main" Requires="p15">
+    <mc:Choice xmlns:p15="http://schemas.microsoft.com/office/powerpoint/2012/main" xmlns="" Requires="p15">
       <p:transition xmlns:p14="http://schemas.microsoft.com/office/powerpoint/2010/main" spd="slow" p14:dur="1250">
         <p15:prstTrans prst="peelOff"/>
       </p:transition>
@@ -6953,7 +6956,7 @@
     <a:masterClrMapping/>
   </p:clrMapOvr>
   <mc:AlternateContent xmlns:mc="http://schemas.openxmlformats.org/markup-compatibility/2006">
-    <mc:Choice xmlns="" xmlns:p15="http://schemas.microsoft.com/office/powerpoint/2012/main" Requires="p15">
+    <mc:Choice xmlns:p15="http://schemas.microsoft.com/office/powerpoint/2012/main" xmlns="" Requires="p15">
       <p:transition xmlns:p14="http://schemas.microsoft.com/office/powerpoint/2010/main" spd="slow" p14:dur="1250">
         <p15:prstTrans prst="peelOff"/>
       </p:transition>
@@ -7332,7 +7335,7 @@
     <a:masterClrMapping/>
   </p:clrMapOvr>
   <mc:AlternateContent xmlns:mc="http://schemas.openxmlformats.org/markup-compatibility/2006">
-    <mc:Choice xmlns="" xmlns:p15="http://schemas.microsoft.com/office/powerpoint/2012/main" Requires="p15">
+    <mc:Choice xmlns:p15="http://schemas.microsoft.com/office/powerpoint/2012/main" xmlns="" Requires="p15">
       <p:transition xmlns:p14="http://schemas.microsoft.com/office/powerpoint/2010/main" spd="slow" p14:dur="1250">
         <p15:prstTrans prst="peelOff"/>
       </p:transition>
@@ -7462,7 +7465,7 @@
     <a:masterClrMapping/>
   </p:clrMapOvr>
   <mc:AlternateContent xmlns:mc="http://schemas.openxmlformats.org/markup-compatibility/2006">
-    <mc:Choice xmlns="" xmlns:p15="http://schemas.microsoft.com/office/powerpoint/2012/main" Requires="p15">
+    <mc:Choice xmlns:p15="http://schemas.microsoft.com/office/powerpoint/2012/main" xmlns="" Requires="p15">
       <p:transition xmlns:p14="http://schemas.microsoft.com/office/powerpoint/2010/main" spd="slow" p14:dur="1250">
         <p15:prstTrans prst="peelOff"/>
       </p:transition>
@@ -7569,7 +7572,7 @@
     <a:masterClrMapping/>
   </p:clrMapOvr>
   <mc:AlternateContent xmlns:mc="http://schemas.openxmlformats.org/markup-compatibility/2006">
-    <mc:Choice xmlns="" xmlns:p15="http://schemas.microsoft.com/office/powerpoint/2012/main" Requires="p15">
+    <mc:Choice xmlns:p15="http://schemas.microsoft.com/office/powerpoint/2012/main" xmlns="" Requires="p15">
       <p:transition xmlns:p14="http://schemas.microsoft.com/office/powerpoint/2010/main" spd="slow" p14:dur="1250">
         <p15:prstTrans prst="peelOff"/>
       </p:transition>
@@ -7858,7 +7861,7 @@
     <a:masterClrMapping/>
   </p:clrMapOvr>
   <mc:AlternateContent xmlns:mc="http://schemas.openxmlformats.org/markup-compatibility/2006">
-    <mc:Choice xmlns="" xmlns:p15="http://schemas.microsoft.com/office/powerpoint/2012/main" Requires="p15">
+    <mc:Choice xmlns:p15="http://schemas.microsoft.com/office/powerpoint/2012/main" xmlns="" Requires="p15">
       <p:transition xmlns:p14="http://schemas.microsoft.com/office/powerpoint/2010/main" spd="slow" p14:dur="1250">
         <p15:prstTrans prst="peelOff"/>
       </p:transition>
@@ -8123,7 +8126,7 @@
     <a:masterClrMapping/>
   </p:clrMapOvr>
   <mc:AlternateContent xmlns:mc="http://schemas.openxmlformats.org/markup-compatibility/2006">
-    <mc:Choice xmlns="" xmlns:p15="http://schemas.microsoft.com/office/powerpoint/2012/main" Requires="p15">
+    <mc:Choice xmlns:p15="http://schemas.microsoft.com/office/powerpoint/2012/main" xmlns="" Requires="p15">
       <p:transition xmlns:p14="http://schemas.microsoft.com/office/powerpoint/2010/main" spd="slow" p14:dur="1250">
         <p15:prstTrans prst="peelOff"/>
       </p:transition>
@@ -8416,7 +8419,7 @@
     <p:sldLayoutId id="2147483837" r:id="rId11"/>
   </p:sldLayoutIdLst>
   <mc:AlternateContent xmlns:mc="http://schemas.openxmlformats.org/markup-compatibility/2006">
-    <mc:Choice xmlns="" xmlns:p15="http://schemas.microsoft.com/office/powerpoint/2012/main" Requires="p15">
+    <mc:Choice xmlns:p15="http://schemas.microsoft.com/office/powerpoint/2012/main" xmlns="" Requires="p15">
       <p:transition xmlns:p14="http://schemas.microsoft.com/office/powerpoint/2010/main" spd="slow" p14:dur="1250">
         <p15:prstTrans prst="peelOff"/>
       </p:transition>
@@ -10829,7 +10832,7 @@
     <p:sldLayoutId id="2147483854" r:id="rId16"/>
   </p:sldLayoutIdLst>
   <mc:AlternateContent xmlns:mc="http://schemas.openxmlformats.org/markup-compatibility/2006">
-    <mc:Choice xmlns="" xmlns:p15="http://schemas.microsoft.com/office/powerpoint/2012/main" Requires="p15">
+    <mc:Choice xmlns:p15="http://schemas.microsoft.com/office/powerpoint/2012/main" xmlns="" Requires="p15">
       <p:transition xmlns:p14="http://schemas.microsoft.com/office/powerpoint/2010/main" spd="slow" p14:dur="1250">
         <p15:prstTrans prst="peelOff"/>
       </p:transition>
@@ -11240,11 +11243,24 @@
       <p:bgPr>
         <a:blipFill dpi="0" rotWithShape="1">
           <a:blip r:embed="rId2">
-            <a:lum/>
+            <a:extLst>
+              <a:ext uri="{BEBA8EAE-BF5A-486C-A8C5-ECC9F3942E4B}">
+                <a14:imgProps xmlns:a14="http://schemas.microsoft.com/office/drawing/2010/main">
+                  <a14:imgLayer r:embed="rId3">
+                    <a14:imgEffect>
+                      <a14:sharpenSoften amount="-100000"/>
+                    </a14:imgEffect>
+                    <a14:imgEffect>
+                      <a14:brightnessContrast bright="-2000"/>
+                    </a14:imgEffect>
+                  </a14:imgLayer>
+                </a14:imgProps>
+              </a:ext>
+            </a:extLst>
           </a:blip>
           <a:srcRect/>
           <a:stretch>
-            <a:fillRect t="-17000" b="-17000"/>
+            <a:fillRect/>
           </a:stretch>
         </a:blipFill>
         <a:effectLst/>
@@ -11334,6 +11350,9 @@
           <a:ln>
             <a:noFill/>
           </a:ln>
+          <a:effectLst>
+            <a:reflection stA="0" endPos="65000" dist="50800" dir="5400000" sy="-100000" algn="bl" rotWithShape="0"/>
+          </a:effectLst>
         </p:spPr>
         <p:txBody>
           <a:bodyPr wrap="none" lIns="91440" tIns="45720" rIns="91440" bIns="45720">
@@ -11360,7 +11379,7 @@
                       <a:alpha val="43137"/>
                     </a:srgbClr>
                   </a:outerShdw>
-                  <a:reflection blurRad="6350" stA="53000" endA="300" endPos="35500" dir="5400000" sy="-90000" algn="bl" rotWithShape="0"/>
+                  <a:reflection blurRad="6350" stA="0" endPos="35500" dir="5400000" sy="-90000" algn="bl" rotWithShape="0"/>
                 </a:effectLst>
               </a:rPr>
               <a:t>Projet PIMS</a:t>
@@ -11383,7 +11402,7 @@
                       <a:alpha val="43137"/>
                     </a:srgbClr>
                   </a:outerShdw>
-                  <a:reflection blurRad="6350" stA="53000" endA="300" endPos="35500" dir="5400000" sy="-90000" algn="bl" rotWithShape="0"/>
+                  <a:reflection blurRad="6350" stA="0" endPos="35500" dir="5400000" sy="-90000" algn="bl" rotWithShape="0"/>
                 </a:effectLst>
               </a:rPr>
               <a:t>:</a:t>
@@ -11406,7 +11425,7 @@
                       <a:alpha val="43137"/>
                     </a:srgbClr>
                   </a:outerShdw>
-                  <a:reflection blurRad="6350" stA="53000" endA="300" endPos="35500" dir="5400000" sy="-90000" algn="bl" rotWithShape="0"/>
+                  <a:reflection blurRad="6350" stA="0" endPos="35500" dir="5400000" sy="-90000" algn="bl" rotWithShape="0"/>
                 </a:effectLst>
               </a:rPr>
               <a:t/>
@@ -11429,7 +11448,7 @@
                       <a:alpha val="43137"/>
                     </a:srgbClr>
                   </a:outerShdw>
-                  <a:reflection blurRad="6350" stA="53000" endA="300" endPos="35500" dir="5400000" sy="-90000" algn="bl" rotWithShape="0"/>
+                  <a:reflection blurRad="6350" stA="0" endPos="35500" dir="5400000" sy="-90000" algn="bl" rotWithShape="0"/>
                 </a:effectLst>
               </a:rPr>
             </a:br>
@@ -11454,7 +11473,7 @@
                       <a:alpha val="43137"/>
                     </a:srgbClr>
                   </a:outerShdw>
-                  <a:reflection blurRad="6350" stA="53000" endA="300" endPos="35500" dir="5400000" sy="-90000" algn="bl" rotWithShape="0"/>
+                  <a:reflection blurRad="6350" stA="0" endPos="35500" dir="5400000" sy="-90000" algn="bl" rotWithShape="0"/>
                 </a:effectLst>
               </a:rPr>
               <a:t>Traitement d’image </a:t>
@@ -11483,7 +11502,7 @@
                       <a:alpha val="43137"/>
                     </a:srgbClr>
                   </a:outerShdw>
-                  <a:reflection blurRad="6350" stA="53000" endA="300" endPos="35500" dir="5400000" sy="-90000" algn="bl" rotWithShape="0"/>
+                  <a:reflection blurRad="6350" stA="0" endPos="35500" dir="5400000" sy="-90000" algn="bl" rotWithShape="0"/>
                 </a:effectLst>
               </a:rPr>
               <a:t>pour le microscope</a:t>
@@ -11508,7 +11527,7 @@
                     <a:alpha val="43137"/>
                   </a:srgbClr>
                 </a:outerShdw>
-                <a:reflection blurRad="6350" stA="53000" endA="300" endPos="35500" dir="5400000" sy="-90000" algn="bl" rotWithShape="0"/>
+                <a:reflection blurRad="6350" stA="0" endPos="35500" dir="5400000" sy="-90000" algn="bl" rotWithShape="0"/>
               </a:effectLst>
             </a:endParaRPr>
           </a:p>
@@ -11679,30 +11698,315 @@
               <a:buChar char="v"/>
             </a:pPr>
             <a:r>
-              <a:rPr lang="fr-FR" sz="2400" u="sng" dirty="0" smtClean="0"/>
-              <a:t>II. Travail réalisé</a:t>
-            </a:r>
-          </a:p>
-          <a:p>
-            <a:pPr marL="719138" indent="-273050">
-              <a:lnSpc>
-                <a:spcPct val="150000"/>
-              </a:lnSpc>
-              <a:buFont typeface="Arial" pitchFamily="34" charset="0"/>
-              <a:buChar char="•"/>
+              <a:rPr lang="fr-FR" sz="2800" u="sng" dirty="0" smtClean="0"/>
+              <a:t>II. </a:t>
+            </a:r>
+            <a:r>
+              <a:rPr lang="fr-FR" sz="2800" u="sng" dirty="0" smtClean="0"/>
+              <a:t>Traitements préliminaires</a:t>
+            </a:r>
+            <a:endParaRPr lang="fr-FR" sz="2800" u="sng" dirty="0" smtClean="0"/>
+          </a:p>
+          <a:p>
+            <a:pPr marL="0" indent="0">
+              <a:buNone/>
             </a:pPr>
+            <a:endParaRPr lang="fr-FR" sz="2800" dirty="0" smtClean="0"/>
+          </a:p>
+          <a:p>
+            <a:pPr marL="0" indent="0">
+              <a:buNone/>
+            </a:pPr>
+            <a:endParaRPr lang="fr-FR" sz="2800" dirty="0"/>
+          </a:p>
+        </p:txBody>
+      </p:sp>
+      <p:sp>
+        <p:nvSpPr>
+          <p:cNvPr id="6" name="Espace réservé du contenu 2"/>
+          <p:cNvSpPr txBox="1">
+            <a:spLocks/>
+          </p:cNvSpPr>
+          <p:nvPr/>
+        </p:nvSpPr>
+        <p:spPr>
+          <a:xfrm>
+            <a:off x="1215765" y="989214"/>
+            <a:ext cx="8915400" cy="5692635"/>
+          </a:xfrm>
+          <a:prstGeom prst="rect">
+            <a:avLst/>
+          </a:prstGeom>
+        </p:spPr>
+        <p:txBody>
+          <a:bodyPr vert="horz" lIns="91440" tIns="72000" rIns="91440" bIns="45720" rtlCol="0">
+            <a:noAutofit/>
+          </a:bodyPr>
+          <a:lstStyle>
+            <a:lvl1pPr marL="342900" indent="-342900" algn="l" defTabSz="457200" rtl="0" eaLnBrk="1" latinLnBrk="0" hangingPunct="1">
+              <a:spcBef>
+                <a:spcPts val="1000"/>
+              </a:spcBef>
+              <a:spcAft>
+                <a:spcPts val="0"/>
+              </a:spcAft>
+              <a:buClr>
+                <a:schemeClr val="accent1"/>
+              </a:buClr>
+              <a:buFont typeface="Wingdings 3" charset="2"/>
+              <a:buChar char=""/>
+              <a:defRPr sz="1800" kern="1200">
+                <a:solidFill>
+                  <a:schemeClr val="tx1">
+                    <a:lumMod val="75000"/>
+                    <a:lumOff val="25000"/>
+                  </a:schemeClr>
+                </a:solidFill>
+                <a:latin typeface="+mn-lt"/>
+                <a:ea typeface="+mn-ea"/>
+                <a:cs typeface="+mn-cs"/>
+              </a:defRPr>
+            </a:lvl1pPr>
+            <a:lvl2pPr marL="742950" indent="-285750" algn="l" defTabSz="457200" rtl="0" eaLnBrk="1" latinLnBrk="0" hangingPunct="1">
+              <a:spcBef>
+                <a:spcPts val="1000"/>
+              </a:spcBef>
+              <a:spcAft>
+                <a:spcPts val="0"/>
+              </a:spcAft>
+              <a:buClr>
+                <a:schemeClr val="accent1"/>
+              </a:buClr>
+              <a:buFont typeface="Wingdings 3" charset="2"/>
+              <a:buChar char=""/>
+              <a:defRPr sz="1600" kern="1200">
+                <a:solidFill>
+                  <a:schemeClr val="tx1">
+                    <a:lumMod val="75000"/>
+                    <a:lumOff val="25000"/>
+                  </a:schemeClr>
+                </a:solidFill>
+                <a:latin typeface="+mn-lt"/>
+                <a:ea typeface="+mn-ea"/>
+                <a:cs typeface="+mn-cs"/>
+              </a:defRPr>
+            </a:lvl2pPr>
+            <a:lvl3pPr marL="1143000" indent="-228600" algn="l" defTabSz="457200" rtl="0" eaLnBrk="1" latinLnBrk="0" hangingPunct="1">
+              <a:spcBef>
+                <a:spcPts val="1000"/>
+              </a:spcBef>
+              <a:spcAft>
+                <a:spcPts val="0"/>
+              </a:spcAft>
+              <a:buClr>
+                <a:schemeClr val="accent1"/>
+              </a:buClr>
+              <a:buFont typeface="Wingdings 3" charset="2"/>
+              <a:buChar char=""/>
+              <a:defRPr sz="1400" kern="1200">
+                <a:solidFill>
+                  <a:schemeClr val="tx1">
+                    <a:lumMod val="75000"/>
+                    <a:lumOff val="25000"/>
+                  </a:schemeClr>
+                </a:solidFill>
+                <a:latin typeface="+mn-lt"/>
+                <a:ea typeface="+mn-ea"/>
+                <a:cs typeface="+mn-cs"/>
+              </a:defRPr>
+            </a:lvl3pPr>
+            <a:lvl4pPr marL="1600200" indent="-228600" algn="l" defTabSz="457200" rtl="0" eaLnBrk="1" latinLnBrk="0" hangingPunct="1">
+              <a:spcBef>
+                <a:spcPts val="1000"/>
+              </a:spcBef>
+              <a:spcAft>
+                <a:spcPts val="0"/>
+              </a:spcAft>
+              <a:buClr>
+                <a:schemeClr val="accent1"/>
+              </a:buClr>
+              <a:buFont typeface="Wingdings 3" charset="2"/>
+              <a:buChar char=""/>
+              <a:defRPr sz="1200" kern="1200">
+                <a:solidFill>
+                  <a:schemeClr val="tx1">
+                    <a:lumMod val="75000"/>
+                    <a:lumOff val="25000"/>
+                  </a:schemeClr>
+                </a:solidFill>
+                <a:latin typeface="+mn-lt"/>
+                <a:ea typeface="+mn-ea"/>
+                <a:cs typeface="+mn-cs"/>
+              </a:defRPr>
+            </a:lvl4pPr>
+            <a:lvl5pPr marL="2057400" indent="-228600" algn="l" defTabSz="457200" rtl="0" eaLnBrk="1" latinLnBrk="0" hangingPunct="1">
+              <a:spcBef>
+                <a:spcPts val="1000"/>
+              </a:spcBef>
+              <a:spcAft>
+                <a:spcPts val="0"/>
+              </a:spcAft>
+              <a:buClr>
+                <a:schemeClr val="accent1"/>
+              </a:buClr>
+              <a:buFont typeface="Wingdings 3" charset="2"/>
+              <a:buChar char=""/>
+              <a:defRPr sz="1200" kern="1200">
+                <a:solidFill>
+                  <a:schemeClr val="tx1">
+                    <a:lumMod val="75000"/>
+                    <a:lumOff val="25000"/>
+                  </a:schemeClr>
+                </a:solidFill>
+                <a:latin typeface="+mn-lt"/>
+                <a:ea typeface="+mn-ea"/>
+                <a:cs typeface="+mn-cs"/>
+              </a:defRPr>
+            </a:lvl5pPr>
+            <a:lvl6pPr marL="2514600" indent="-228600" algn="l" defTabSz="457200" rtl="0" eaLnBrk="1" latinLnBrk="0" hangingPunct="1">
+              <a:spcBef>
+                <a:spcPts val="1000"/>
+              </a:spcBef>
+              <a:spcAft>
+                <a:spcPts val="0"/>
+              </a:spcAft>
+              <a:buClr>
+                <a:schemeClr val="accent1"/>
+              </a:buClr>
+              <a:buFont typeface="Wingdings 3" charset="2"/>
+              <a:buChar char=""/>
+              <a:defRPr sz="1200" kern="1200">
+                <a:solidFill>
+                  <a:schemeClr val="tx1">
+                    <a:lumMod val="75000"/>
+                    <a:lumOff val="25000"/>
+                  </a:schemeClr>
+                </a:solidFill>
+                <a:latin typeface="+mn-lt"/>
+                <a:ea typeface="+mn-ea"/>
+                <a:cs typeface="+mn-cs"/>
+              </a:defRPr>
+            </a:lvl6pPr>
+            <a:lvl7pPr marL="2971800" indent="-228600" algn="l" defTabSz="457200" rtl="0" eaLnBrk="1" latinLnBrk="0" hangingPunct="1">
+              <a:spcBef>
+                <a:spcPts val="1000"/>
+              </a:spcBef>
+              <a:spcAft>
+                <a:spcPts val="0"/>
+              </a:spcAft>
+              <a:buClr>
+                <a:schemeClr val="accent1"/>
+              </a:buClr>
+              <a:buFont typeface="Wingdings 3" charset="2"/>
+              <a:buChar char=""/>
+              <a:defRPr sz="1200" kern="1200">
+                <a:solidFill>
+                  <a:schemeClr val="tx1">
+                    <a:lumMod val="75000"/>
+                    <a:lumOff val="25000"/>
+                  </a:schemeClr>
+                </a:solidFill>
+                <a:latin typeface="+mn-lt"/>
+                <a:ea typeface="+mn-ea"/>
+                <a:cs typeface="+mn-cs"/>
+              </a:defRPr>
+            </a:lvl7pPr>
+            <a:lvl8pPr marL="3429000" indent="-228600" algn="l" defTabSz="457200" rtl="0" eaLnBrk="1" latinLnBrk="0" hangingPunct="1">
+              <a:spcBef>
+                <a:spcPts val="1000"/>
+              </a:spcBef>
+              <a:spcAft>
+                <a:spcPts val="0"/>
+              </a:spcAft>
+              <a:buClr>
+                <a:schemeClr val="accent1"/>
+              </a:buClr>
+              <a:buFont typeface="Wingdings 3" charset="2"/>
+              <a:buChar char=""/>
+              <a:defRPr sz="1200" kern="1200">
+                <a:solidFill>
+                  <a:schemeClr val="tx1">
+                    <a:lumMod val="75000"/>
+                    <a:lumOff val="25000"/>
+                  </a:schemeClr>
+                </a:solidFill>
+                <a:latin typeface="+mn-lt"/>
+                <a:ea typeface="+mn-ea"/>
+                <a:cs typeface="+mn-cs"/>
+              </a:defRPr>
+            </a:lvl8pPr>
+            <a:lvl9pPr marL="3886200" indent="-228600" algn="l" defTabSz="457200" rtl="0" eaLnBrk="1" latinLnBrk="0" hangingPunct="1">
+              <a:spcBef>
+                <a:spcPts val="1000"/>
+              </a:spcBef>
+              <a:spcAft>
+                <a:spcPts val="0"/>
+              </a:spcAft>
+              <a:buClr>
+                <a:schemeClr val="accent1"/>
+              </a:buClr>
+              <a:buFont typeface="Wingdings 3" charset="2"/>
+              <a:buChar char=""/>
+              <a:defRPr sz="1200" kern="1200">
+                <a:solidFill>
+                  <a:schemeClr val="tx1">
+                    <a:lumMod val="75000"/>
+                    <a:lumOff val="25000"/>
+                  </a:schemeClr>
+                </a:solidFill>
+                <a:latin typeface="+mn-lt"/>
+                <a:ea typeface="+mn-ea"/>
+                <a:cs typeface="+mn-cs"/>
+              </a:defRPr>
+            </a:lvl9pPr>
+          </a:lstStyle>
+          <a:p>
+            <a:pPr marL="446088" indent="-358775">
+              <a:buFont typeface="Wingdings 3" charset="2"/>
+              <a:buNone/>
+            </a:pPr>
+            <a:r>
+              <a:rPr lang="fr-FR" sz="2400" b="1" dirty="0" smtClean="0"/>
+              <a:t>Création de courbes de calibrations:</a:t>
+            </a:r>
+          </a:p>
+          <a:p>
+            <a:pPr marL="446088" indent="-358775">
+              <a:buFont typeface="Wingdings 3" charset="2"/>
+              <a:buNone/>
+            </a:pPr>
             <a:r>
               <a:rPr lang="fr-FR" sz="2400" dirty="0" smtClean="0"/>
-              <a:t>Organigramme du travail effectué </a:t>
-            </a:r>
+              <a:t>Tâche d’Airy: on se concentre sur le centre de l’image (haute fréquence non importantes). </a:t>
+            </a:r>
+            <a:br>
+              <a:rPr lang="fr-FR" sz="2400" dirty="0" smtClean="0"/>
+            </a:br>
+            <a:r>
+              <a:rPr lang="fr-FR" sz="2400" dirty="0" smtClean="0"/>
+              <a:t>Utilisation d’un fit gaussien.</a:t>
+            </a:r>
+            <a:br>
+              <a:rPr lang="fr-FR" sz="2400" dirty="0" smtClean="0"/>
+            </a:br>
+            <a:r>
+              <a:rPr lang="fr-FR" sz="2400" dirty="0" smtClean="0"/>
+              <a:t>Contient des informations sur la localisation dans un plan, et sur l’axe optique</a:t>
+            </a:r>
+            <a:br>
+              <a:rPr lang="fr-FR" sz="2400" dirty="0" smtClean="0"/>
+            </a:br>
+            <a:endParaRPr lang="fr-FR" sz="2400" dirty="0" smtClean="0"/>
           </a:p>
           <a:p>
             <a:pPr marL="446088" indent="-358775">
-              <a:lnSpc>
-                <a:spcPct val="150000"/>
-              </a:lnSpc>
+              <a:buFont typeface="Wingdings 3" charset="2"/>
               <a:buNone/>
             </a:pPr>
+            <a:r>
+              <a:rPr lang="fr-FR" sz="2400" dirty="0" smtClean="0"/>
+              <a:t> </a:t>
+            </a:r>
             <a:endParaRPr lang="fr-FR" sz="2400" dirty="0" smtClean="0"/>
           </a:p>
         </p:txBody>
@@ -11710,7 +12014,7 @@
     </p:spTree>
     <p:extLst>
       <p:ext uri="{BB962C8B-B14F-4D97-AF65-F5344CB8AC3E}">
-        <p14:creationId xmlns:p14="http://schemas.microsoft.com/office/powerpoint/2010/main" val="1949827927"/>
+        <p14:creationId xmlns:p14="http://schemas.microsoft.com/office/powerpoint/2010/main" val="2875798296"/>
       </p:ext>
     </p:extLst>
   </p:cSld>
@@ -11718,7 +12022,7 @@
     <a:masterClrMapping/>
   </p:clrMapOvr>
   <mc:AlternateContent xmlns:mc="http://schemas.openxmlformats.org/markup-compatibility/2006">
-    <mc:Choice xmlns="" xmlns:p15="http://schemas.microsoft.com/office/powerpoint/2012/main" Requires="p15">
+    <mc:Choice xmlns:p15="http://schemas.microsoft.com/office/powerpoint/2012/main" xmlns="" Requires="p15">
       <p:transition xmlns:p14="http://schemas.microsoft.com/office/powerpoint/2010/main" spd="slow" p14:dur="1250">
         <p15:prstTrans prst="peelOff"/>
       </p:transition>
@@ -11768,7 +12072,7 @@
         </p:nvSpPr>
         <p:spPr>
           <a:xfrm>
-            <a:off x="1847532" y="1006432"/>
+            <a:off x="1878012" y="274912"/>
             <a:ext cx="8915400" cy="6212974"/>
           </a:xfrm>
         </p:spPr>
@@ -11784,22 +12088,311 @@
             </a:pPr>
             <a:r>
               <a:rPr lang="fr-FR" sz="2800" u="sng" dirty="0" smtClean="0"/>
-              <a:t>Conclusion:</a:t>
-            </a:r>
-          </a:p>
-          <a:p>
-            <a:pPr>
-              <a:buFont typeface="Wingdings" panose="05000000000000000000" pitchFamily="2" charset="2"/>
-              <a:buChar char="v"/>
+              <a:t>II. </a:t>
+            </a:r>
+            <a:r>
+              <a:rPr lang="fr-FR" sz="2800" u="sng" dirty="0" smtClean="0"/>
+              <a:t>Traitements préliminaires</a:t>
+            </a:r>
+            <a:endParaRPr lang="fr-FR" sz="2800" u="sng" dirty="0" smtClean="0"/>
+          </a:p>
+          <a:p>
+            <a:pPr marL="0" indent="0">
+              <a:buNone/>
             </a:pPr>
-            <a:endParaRPr lang="fr-FR" sz="2800" u="sng" dirty="0" smtClean="0"/>
+            <a:endParaRPr lang="fr-FR" sz="2800" dirty="0" smtClean="0"/>
+          </a:p>
+          <a:p>
+            <a:pPr marL="0" indent="0">
+              <a:buNone/>
+            </a:pPr>
+            <a:endParaRPr lang="fr-FR" sz="2800" dirty="0"/>
+          </a:p>
+        </p:txBody>
+      </p:sp>
+      <p:sp>
+        <p:nvSpPr>
+          <p:cNvPr id="6" name="Espace réservé du contenu 2"/>
+          <p:cNvSpPr txBox="1">
+            <a:spLocks/>
+          </p:cNvSpPr>
+          <p:nvPr/>
+        </p:nvSpPr>
+        <p:spPr>
+          <a:xfrm>
+            <a:off x="1215765" y="989214"/>
+            <a:ext cx="8915400" cy="5692635"/>
+          </a:xfrm>
+          <a:prstGeom prst="rect">
+            <a:avLst/>
+          </a:prstGeom>
+        </p:spPr>
+        <p:txBody>
+          <a:bodyPr vert="horz" lIns="91440" tIns="72000" rIns="91440" bIns="45720" rtlCol="0">
+            <a:noAutofit/>
+          </a:bodyPr>
+          <a:lstStyle>
+            <a:lvl1pPr marL="342900" indent="-342900" algn="l" defTabSz="457200" rtl="0" eaLnBrk="1" latinLnBrk="0" hangingPunct="1">
+              <a:spcBef>
+                <a:spcPts val="1000"/>
+              </a:spcBef>
+              <a:spcAft>
+                <a:spcPts val="0"/>
+              </a:spcAft>
+              <a:buClr>
+                <a:schemeClr val="accent1"/>
+              </a:buClr>
+              <a:buFont typeface="Wingdings 3" charset="2"/>
+              <a:buChar char=""/>
+              <a:defRPr sz="1800" kern="1200">
+                <a:solidFill>
+                  <a:schemeClr val="tx1">
+                    <a:lumMod val="75000"/>
+                    <a:lumOff val="25000"/>
+                  </a:schemeClr>
+                </a:solidFill>
+                <a:latin typeface="+mn-lt"/>
+                <a:ea typeface="+mn-ea"/>
+                <a:cs typeface="+mn-cs"/>
+              </a:defRPr>
+            </a:lvl1pPr>
+            <a:lvl2pPr marL="742950" indent="-285750" algn="l" defTabSz="457200" rtl="0" eaLnBrk="1" latinLnBrk="0" hangingPunct="1">
+              <a:spcBef>
+                <a:spcPts val="1000"/>
+              </a:spcBef>
+              <a:spcAft>
+                <a:spcPts val="0"/>
+              </a:spcAft>
+              <a:buClr>
+                <a:schemeClr val="accent1"/>
+              </a:buClr>
+              <a:buFont typeface="Wingdings 3" charset="2"/>
+              <a:buChar char=""/>
+              <a:defRPr sz="1600" kern="1200">
+                <a:solidFill>
+                  <a:schemeClr val="tx1">
+                    <a:lumMod val="75000"/>
+                    <a:lumOff val="25000"/>
+                  </a:schemeClr>
+                </a:solidFill>
+                <a:latin typeface="+mn-lt"/>
+                <a:ea typeface="+mn-ea"/>
+                <a:cs typeface="+mn-cs"/>
+              </a:defRPr>
+            </a:lvl2pPr>
+            <a:lvl3pPr marL="1143000" indent="-228600" algn="l" defTabSz="457200" rtl="0" eaLnBrk="1" latinLnBrk="0" hangingPunct="1">
+              <a:spcBef>
+                <a:spcPts val="1000"/>
+              </a:spcBef>
+              <a:spcAft>
+                <a:spcPts val="0"/>
+              </a:spcAft>
+              <a:buClr>
+                <a:schemeClr val="accent1"/>
+              </a:buClr>
+              <a:buFont typeface="Wingdings 3" charset="2"/>
+              <a:buChar char=""/>
+              <a:defRPr sz="1400" kern="1200">
+                <a:solidFill>
+                  <a:schemeClr val="tx1">
+                    <a:lumMod val="75000"/>
+                    <a:lumOff val="25000"/>
+                  </a:schemeClr>
+                </a:solidFill>
+                <a:latin typeface="+mn-lt"/>
+                <a:ea typeface="+mn-ea"/>
+                <a:cs typeface="+mn-cs"/>
+              </a:defRPr>
+            </a:lvl3pPr>
+            <a:lvl4pPr marL="1600200" indent="-228600" algn="l" defTabSz="457200" rtl="0" eaLnBrk="1" latinLnBrk="0" hangingPunct="1">
+              <a:spcBef>
+                <a:spcPts val="1000"/>
+              </a:spcBef>
+              <a:spcAft>
+                <a:spcPts val="0"/>
+              </a:spcAft>
+              <a:buClr>
+                <a:schemeClr val="accent1"/>
+              </a:buClr>
+              <a:buFont typeface="Wingdings 3" charset="2"/>
+              <a:buChar char=""/>
+              <a:defRPr sz="1200" kern="1200">
+                <a:solidFill>
+                  <a:schemeClr val="tx1">
+                    <a:lumMod val="75000"/>
+                    <a:lumOff val="25000"/>
+                  </a:schemeClr>
+                </a:solidFill>
+                <a:latin typeface="+mn-lt"/>
+                <a:ea typeface="+mn-ea"/>
+                <a:cs typeface="+mn-cs"/>
+              </a:defRPr>
+            </a:lvl4pPr>
+            <a:lvl5pPr marL="2057400" indent="-228600" algn="l" defTabSz="457200" rtl="0" eaLnBrk="1" latinLnBrk="0" hangingPunct="1">
+              <a:spcBef>
+                <a:spcPts val="1000"/>
+              </a:spcBef>
+              <a:spcAft>
+                <a:spcPts val="0"/>
+              </a:spcAft>
+              <a:buClr>
+                <a:schemeClr val="accent1"/>
+              </a:buClr>
+              <a:buFont typeface="Wingdings 3" charset="2"/>
+              <a:buChar char=""/>
+              <a:defRPr sz="1200" kern="1200">
+                <a:solidFill>
+                  <a:schemeClr val="tx1">
+                    <a:lumMod val="75000"/>
+                    <a:lumOff val="25000"/>
+                  </a:schemeClr>
+                </a:solidFill>
+                <a:latin typeface="+mn-lt"/>
+                <a:ea typeface="+mn-ea"/>
+                <a:cs typeface="+mn-cs"/>
+              </a:defRPr>
+            </a:lvl5pPr>
+            <a:lvl6pPr marL="2514600" indent="-228600" algn="l" defTabSz="457200" rtl="0" eaLnBrk="1" latinLnBrk="0" hangingPunct="1">
+              <a:spcBef>
+                <a:spcPts val="1000"/>
+              </a:spcBef>
+              <a:spcAft>
+                <a:spcPts val="0"/>
+              </a:spcAft>
+              <a:buClr>
+                <a:schemeClr val="accent1"/>
+              </a:buClr>
+              <a:buFont typeface="Wingdings 3" charset="2"/>
+              <a:buChar char=""/>
+              <a:defRPr sz="1200" kern="1200">
+                <a:solidFill>
+                  <a:schemeClr val="tx1">
+                    <a:lumMod val="75000"/>
+                    <a:lumOff val="25000"/>
+                  </a:schemeClr>
+                </a:solidFill>
+                <a:latin typeface="+mn-lt"/>
+                <a:ea typeface="+mn-ea"/>
+                <a:cs typeface="+mn-cs"/>
+              </a:defRPr>
+            </a:lvl6pPr>
+            <a:lvl7pPr marL="2971800" indent="-228600" algn="l" defTabSz="457200" rtl="0" eaLnBrk="1" latinLnBrk="0" hangingPunct="1">
+              <a:spcBef>
+                <a:spcPts val="1000"/>
+              </a:spcBef>
+              <a:spcAft>
+                <a:spcPts val="0"/>
+              </a:spcAft>
+              <a:buClr>
+                <a:schemeClr val="accent1"/>
+              </a:buClr>
+              <a:buFont typeface="Wingdings 3" charset="2"/>
+              <a:buChar char=""/>
+              <a:defRPr sz="1200" kern="1200">
+                <a:solidFill>
+                  <a:schemeClr val="tx1">
+                    <a:lumMod val="75000"/>
+                    <a:lumOff val="25000"/>
+                  </a:schemeClr>
+                </a:solidFill>
+                <a:latin typeface="+mn-lt"/>
+                <a:ea typeface="+mn-ea"/>
+                <a:cs typeface="+mn-cs"/>
+              </a:defRPr>
+            </a:lvl7pPr>
+            <a:lvl8pPr marL="3429000" indent="-228600" algn="l" defTabSz="457200" rtl="0" eaLnBrk="1" latinLnBrk="0" hangingPunct="1">
+              <a:spcBef>
+                <a:spcPts val="1000"/>
+              </a:spcBef>
+              <a:spcAft>
+                <a:spcPts val="0"/>
+              </a:spcAft>
+              <a:buClr>
+                <a:schemeClr val="accent1"/>
+              </a:buClr>
+              <a:buFont typeface="Wingdings 3" charset="2"/>
+              <a:buChar char=""/>
+              <a:defRPr sz="1200" kern="1200">
+                <a:solidFill>
+                  <a:schemeClr val="tx1">
+                    <a:lumMod val="75000"/>
+                    <a:lumOff val="25000"/>
+                  </a:schemeClr>
+                </a:solidFill>
+                <a:latin typeface="+mn-lt"/>
+                <a:ea typeface="+mn-ea"/>
+                <a:cs typeface="+mn-cs"/>
+              </a:defRPr>
+            </a:lvl8pPr>
+            <a:lvl9pPr marL="3886200" indent="-228600" algn="l" defTabSz="457200" rtl="0" eaLnBrk="1" latinLnBrk="0" hangingPunct="1">
+              <a:spcBef>
+                <a:spcPts val="1000"/>
+              </a:spcBef>
+              <a:spcAft>
+                <a:spcPts val="0"/>
+              </a:spcAft>
+              <a:buClr>
+                <a:schemeClr val="accent1"/>
+              </a:buClr>
+              <a:buFont typeface="Wingdings 3" charset="2"/>
+              <a:buChar char=""/>
+              <a:defRPr sz="1200" kern="1200">
+                <a:solidFill>
+                  <a:schemeClr val="tx1">
+                    <a:lumMod val="75000"/>
+                    <a:lumOff val="25000"/>
+                  </a:schemeClr>
+                </a:solidFill>
+                <a:latin typeface="+mn-lt"/>
+                <a:ea typeface="+mn-ea"/>
+                <a:cs typeface="+mn-cs"/>
+              </a:defRPr>
+            </a:lvl9pPr>
+          </a:lstStyle>
+          <a:p>
+            <a:pPr marL="446088" indent="-358775">
+              <a:buFont typeface="Wingdings 3" charset="2"/>
+              <a:buNone/>
+            </a:pPr>
+            <a:r>
+              <a:rPr lang="fr-FR" sz="2400" b="1" dirty="0" smtClean="0"/>
+              <a:t>Création de courbes de calibrations:</a:t>
+            </a:r>
+          </a:p>
+          <a:p>
+            <a:pPr marL="446088" indent="-358775">
+              <a:buFont typeface="Wingdings 3" charset="2"/>
+              <a:buNone/>
+            </a:pPr>
+            <a:r>
+              <a:rPr lang="fr-FR" sz="2400" dirty="0" smtClean="0"/>
+              <a:t>Interfrange de l’image du réseau:</a:t>
+            </a:r>
+            <a:br>
+              <a:rPr lang="fr-FR" sz="2400" dirty="0" smtClean="0"/>
+            </a:br>
+            <a:r>
+              <a:rPr lang="fr-FR" sz="2400" dirty="0" smtClean="0"/>
+              <a:t>Contient des informations sur z.</a:t>
+            </a:r>
+          </a:p>
+          <a:p>
+            <a:pPr marL="446088" indent="-358775">
+              <a:buFont typeface="Wingdings 3" charset="2"/>
+              <a:buNone/>
+            </a:pPr>
+            <a:r>
+              <a:rPr lang="fr-FR" sz="2400" dirty="0" smtClean="0"/>
+              <a:t> </a:t>
+            </a:r>
+            <a:endParaRPr lang="fr-FR" sz="2400" dirty="0" smtClean="0"/>
           </a:p>
         </p:txBody>
       </p:sp>
     </p:spTree>
     <p:extLst>
       <p:ext uri="{BB962C8B-B14F-4D97-AF65-F5344CB8AC3E}">
-        <p14:creationId xmlns:p14="http://schemas.microsoft.com/office/powerpoint/2010/main" val="909599388"/>
+        <p14:creationId xmlns:p14="http://schemas.microsoft.com/office/powerpoint/2010/main" val="2029392575"/>
       </p:ext>
     </p:extLst>
   </p:cSld>
@@ -11807,7 +12400,7 @@
     <a:masterClrMapping/>
   </p:clrMapOvr>
   <mc:AlternateContent xmlns:mc="http://schemas.openxmlformats.org/markup-compatibility/2006">
-    <mc:Choice xmlns="" xmlns:p15="http://schemas.microsoft.com/office/powerpoint/2012/main" Requires="p15">
+    <mc:Choice xmlns:p15="http://schemas.microsoft.com/office/powerpoint/2012/main" xmlns="" Requires="p15">
       <p:transition xmlns:p14="http://schemas.microsoft.com/office/powerpoint/2010/main" spd="slow" p14:dur="1250">
         <p15:prstTrans prst="peelOff"/>
       </p:transition>
@@ -11829,6 +12422,538 @@
 </file>
 
 <file path=ppt/slides/slide12.xml><?xml version="1.0" encoding="utf-8"?>
+<p:sld xmlns:a="http://schemas.openxmlformats.org/drawingml/2006/main" xmlns:r="http://schemas.openxmlformats.org/officeDocument/2006/relationships" xmlns:p="http://schemas.openxmlformats.org/presentationml/2006/main" showMasterSp="0">
+  <p:cSld>
+    <p:spTree>
+      <p:nvGrpSpPr>
+        <p:cNvPr id="1" name=""/>
+        <p:cNvGrpSpPr/>
+        <p:nvPr/>
+      </p:nvGrpSpPr>
+      <p:grpSpPr>
+        <a:xfrm>
+          <a:off x="0" y="0"/>
+          <a:ext cx="0" cy="0"/>
+          <a:chOff x="0" y="0"/>
+          <a:chExt cx="0" cy="0"/>
+        </a:xfrm>
+      </p:grpSpPr>
+      <p:sp>
+        <p:nvSpPr>
+          <p:cNvPr id="3" name="Espace réservé du contenu 2"/>
+          <p:cNvSpPr>
+            <a:spLocks noGrp="1"/>
+          </p:cNvSpPr>
+          <p:nvPr>
+            <p:ph idx="1"/>
+          </p:nvPr>
+        </p:nvSpPr>
+        <p:spPr>
+          <a:xfrm>
+            <a:off x="1878012" y="274912"/>
+            <a:ext cx="8915400" cy="6212974"/>
+          </a:xfrm>
+        </p:spPr>
+        <p:txBody>
+          <a:bodyPr tIns="72000">
+            <a:noAutofit/>
+          </a:bodyPr>
+          <a:lstStyle/>
+          <a:p>
+            <a:pPr>
+              <a:buFont typeface="Wingdings" panose="05000000000000000000" pitchFamily="2" charset="2"/>
+              <a:buChar char="v"/>
+            </a:pPr>
+            <a:r>
+              <a:rPr lang="fr-FR" sz="2800" u="sng" dirty="0" smtClean="0"/>
+              <a:t>II. </a:t>
+            </a:r>
+            <a:r>
+              <a:rPr lang="fr-FR" sz="2800" u="sng" dirty="0" smtClean="0"/>
+              <a:t>Traitements préliminaires</a:t>
+            </a:r>
+            <a:endParaRPr lang="fr-FR" sz="2800" u="sng" dirty="0" smtClean="0"/>
+          </a:p>
+          <a:p>
+            <a:pPr marL="0" indent="0">
+              <a:buNone/>
+            </a:pPr>
+            <a:endParaRPr lang="fr-FR" sz="2800" dirty="0" smtClean="0"/>
+          </a:p>
+          <a:p>
+            <a:pPr marL="0" indent="0">
+              <a:buNone/>
+            </a:pPr>
+            <a:endParaRPr lang="fr-FR" sz="2800" dirty="0"/>
+          </a:p>
+        </p:txBody>
+      </p:sp>
+      <p:sp>
+        <p:nvSpPr>
+          <p:cNvPr id="6" name="Espace réservé du contenu 2"/>
+          <p:cNvSpPr txBox="1">
+            <a:spLocks/>
+          </p:cNvSpPr>
+          <p:nvPr/>
+        </p:nvSpPr>
+        <p:spPr>
+          <a:xfrm>
+            <a:off x="1215765" y="989214"/>
+            <a:ext cx="8915400" cy="5692635"/>
+          </a:xfrm>
+          <a:prstGeom prst="rect">
+            <a:avLst/>
+          </a:prstGeom>
+        </p:spPr>
+        <p:txBody>
+          <a:bodyPr vert="horz" lIns="91440" tIns="72000" rIns="91440" bIns="45720" rtlCol="0">
+            <a:noAutofit/>
+          </a:bodyPr>
+          <a:lstStyle>
+            <a:lvl1pPr marL="342900" indent="-342900" algn="l" defTabSz="457200" rtl="0" eaLnBrk="1" latinLnBrk="0" hangingPunct="1">
+              <a:spcBef>
+                <a:spcPts val="1000"/>
+              </a:spcBef>
+              <a:spcAft>
+                <a:spcPts val="0"/>
+              </a:spcAft>
+              <a:buClr>
+                <a:schemeClr val="accent1"/>
+              </a:buClr>
+              <a:buFont typeface="Wingdings 3" charset="2"/>
+              <a:buChar char=""/>
+              <a:defRPr sz="1800" kern="1200">
+                <a:solidFill>
+                  <a:schemeClr val="tx1">
+                    <a:lumMod val="75000"/>
+                    <a:lumOff val="25000"/>
+                  </a:schemeClr>
+                </a:solidFill>
+                <a:latin typeface="+mn-lt"/>
+                <a:ea typeface="+mn-ea"/>
+                <a:cs typeface="+mn-cs"/>
+              </a:defRPr>
+            </a:lvl1pPr>
+            <a:lvl2pPr marL="742950" indent="-285750" algn="l" defTabSz="457200" rtl="0" eaLnBrk="1" latinLnBrk="0" hangingPunct="1">
+              <a:spcBef>
+                <a:spcPts val="1000"/>
+              </a:spcBef>
+              <a:spcAft>
+                <a:spcPts val="0"/>
+              </a:spcAft>
+              <a:buClr>
+                <a:schemeClr val="accent1"/>
+              </a:buClr>
+              <a:buFont typeface="Wingdings 3" charset="2"/>
+              <a:buChar char=""/>
+              <a:defRPr sz="1600" kern="1200">
+                <a:solidFill>
+                  <a:schemeClr val="tx1">
+                    <a:lumMod val="75000"/>
+                    <a:lumOff val="25000"/>
+                  </a:schemeClr>
+                </a:solidFill>
+                <a:latin typeface="+mn-lt"/>
+                <a:ea typeface="+mn-ea"/>
+                <a:cs typeface="+mn-cs"/>
+              </a:defRPr>
+            </a:lvl2pPr>
+            <a:lvl3pPr marL="1143000" indent="-228600" algn="l" defTabSz="457200" rtl="0" eaLnBrk="1" latinLnBrk="0" hangingPunct="1">
+              <a:spcBef>
+                <a:spcPts val="1000"/>
+              </a:spcBef>
+              <a:spcAft>
+                <a:spcPts val="0"/>
+              </a:spcAft>
+              <a:buClr>
+                <a:schemeClr val="accent1"/>
+              </a:buClr>
+              <a:buFont typeface="Wingdings 3" charset="2"/>
+              <a:buChar char=""/>
+              <a:defRPr sz="1400" kern="1200">
+                <a:solidFill>
+                  <a:schemeClr val="tx1">
+                    <a:lumMod val="75000"/>
+                    <a:lumOff val="25000"/>
+                  </a:schemeClr>
+                </a:solidFill>
+                <a:latin typeface="+mn-lt"/>
+                <a:ea typeface="+mn-ea"/>
+                <a:cs typeface="+mn-cs"/>
+              </a:defRPr>
+            </a:lvl3pPr>
+            <a:lvl4pPr marL="1600200" indent="-228600" algn="l" defTabSz="457200" rtl="0" eaLnBrk="1" latinLnBrk="0" hangingPunct="1">
+              <a:spcBef>
+                <a:spcPts val="1000"/>
+              </a:spcBef>
+              <a:spcAft>
+                <a:spcPts val="0"/>
+              </a:spcAft>
+              <a:buClr>
+                <a:schemeClr val="accent1"/>
+              </a:buClr>
+              <a:buFont typeface="Wingdings 3" charset="2"/>
+              <a:buChar char=""/>
+              <a:defRPr sz="1200" kern="1200">
+                <a:solidFill>
+                  <a:schemeClr val="tx1">
+                    <a:lumMod val="75000"/>
+                    <a:lumOff val="25000"/>
+                  </a:schemeClr>
+                </a:solidFill>
+                <a:latin typeface="+mn-lt"/>
+                <a:ea typeface="+mn-ea"/>
+                <a:cs typeface="+mn-cs"/>
+              </a:defRPr>
+            </a:lvl4pPr>
+            <a:lvl5pPr marL="2057400" indent="-228600" algn="l" defTabSz="457200" rtl="0" eaLnBrk="1" latinLnBrk="0" hangingPunct="1">
+              <a:spcBef>
+                <a:spcPts val="1000"/>
+              </a:spcBef>
+              <a:spcAft>
+                <a:spcPts val="0"/>
+              </a:spcAft>
+              <a:buClr>
+                <a:schemeClr val="accent1"/>
+              </a:buClr>
+              <a:buFont typeface="Wingdings 3" charset="2"/>
+              <a:buChar char=""/>
+              <a:defRPr sz="1200" kern="1200">
+                <a:solidFill>
+                  <a:schemeClr val="tx1">
+                    <a:lumMod val="75000"/>
+                    <a:lumOff val="25000"/>
+                  </a:schemeClr>
+                </a:solidFill>
+                <a:latin typeface="+mn-lt"/>
+                <a:ea typeface="+mn-ea"/>
+                <a:cs typeface="+mn-cs"/>
+              </a:defRPr>
+            </a:lvl5pPr>
+            <a:lvl6pPr marL="2514600" indent="-228600" algn="l" defTabSz="457200" rtl="0" eaLnBrk="1" latinLnBrk="0" hangingPunct="1">
+              <a:spcBef>
+                <a:spcPts val="1000"/>
+              </a:spcBef>
+              <a:spcAft>
+                <a:spcPts val="0"/>
+              </a:spcAft>
+              <a:buClr>
+                <a:schemeClr val="accent1"/>
+              </a:buClr>
+              <a:buFont typeface="Wingdings 3" charset="2"/>
+              <a:buChar char=""/>
+              <a:defRPr sz="1200" kern="1200">
+                <a:solidFill>
+                  <a:schemeClr val="tx1">
+                    <a:lumMod val="75000"/>
+                    <a:lumOff val="25000"/>
+                  </a:schemeClr>
+                </a:solidFill>
+                <a:latin typeface="+mn-lt"/>
+                <a:ea typeface="+mn-ea"/>
+                <a:cs typeface="+mn-cs"/>
+              </a:defRPr>
+            </a:lvl6pPr>
+            <a:lvl7pPr marL="2971800" indent="-228600" algn="l" defTabSz="457200" rtl="0" eaLnBrk="1" latinLnBrk="0" hangingPunct="1">
+              <a:spcBef>
+                <a:spcPts val="1000"/>
+              </a:spcBef>
+              <a:spcAft>
+                <a:spcPts val="0"/>
+              </a:spcAft>
+              <a:buClr>
+                <a:schemeClr val="accent1"/>
+              </a:buClr>
+              <a:buFont typeface="Wingdings 3" charset="2"/>
+              <a:buChar char=""/>
+              <a:defRPr sz="1200" kern="1200">
+                <a:solidFill>
+                  <a:schemeClr val="tx1">
+                    <a:lumMod val="75000"/>
+                    <a:lumOff val="25000"/>
+                  </a:schemeClr>
+                </a:solidFill>
+                <a:latin typeface="+mn-lt"/>
+                <a:ea typeface="+mn-ea"/>
+                <a:cs typeface="+mn-cs"/>
+              </a:defRPr>
+            </a:lvl7pPr>
+            <a:lvl8pPr marL="3429000" indent="-228600" algn="l" defTabSz="457200" rtl="0" eaLnBrk="1" latinLnBrk="0" hangingPunct="1">
+              <a:spcBef>
+                <a:spcPts val="1000"/>
+              </a:spcBef>
+              <a:spcAft>
+                <a:spcPts val="0"/>
+              </a:spcAft>
+              <a:buClr>
+                <a:schemeClr val="accent1"/>
+              </a:buClr>
+              <a:buFont typeface="Wingdings 3" charset="2"/>
+              <a:buChar char=""/>
+              <a:defRPr sz="1200" kern="1200">
+                <a:solidFill>
+                  <a:schemeClr val="tx1">
+                    <a:lumMod val="75000"/>
+                    <a:lumOff val="25000"/>
+                  </a:schemeClr>
+                </a:solidFill>
+                <a:latin typeface="+mn-lt"/>
+                <a:ea typeface="+mn-ea"/>
+                <a:cs typeface="+mn-cs"/>
+              </a:defRPr>
+            </a:lvl8pPr>
+            <a:lvl9pPr marL="3886200" indent="-228600" algn="l" defTabSz="457200" rtl="0" eaLnBrk="1" latinLnBrk="0" hangingPunct="1">
+              <a:spcBef>
+                <a:spcPts val="1000"/>
+              </a:spcBef>
+              <a:spcAft>
+                <a:spcPts val="0"/>
+              </a:spcAft>
+              <a:buClr>
+                <a:schemeClr val="accent1"/>
+              </a:buClr>
+              <a:buFont typeface="Wingdings 3" charset="2"/>
+              <a:buChar char=""/>
+              <a:defRPr sz="1200" kern="1200">
+                <a:solidFill>
+                  <a:schemeClr val="tx1">
+                    <a:lumMod val="75000"/>
+                    <a:lumOff val="25000"/>
+                  </a:schemeClr>
+                </a:solidFill>
+                <a:latin typeface="+mn-lt"/>
+                <a:ea typeface="+mn-ea"/>
+                <a:cs typeface="+mn-cs"/>
+              </a:defRPr>
+            </a:lvl9pPr>
+          </a:lstStyle>
+          <a:p>
+            <a:pPr marL="446088" indent="-358775">
+              <a:buFont typeface="Wingdings 3" charset="2"/>
+              <a:buNone/>
+            </a:pPr>
+            <a:r>
+              <a:rPr lang="fr-FR" sz="2400" b="1" dirty="0" smtClean="0"/>
+              <a:t>Création de courbes de calibrations:</a:t>
+            </a:r>
+          </a:p>
+          <a:p>
+            <a:pPr marL="446088" indent="-358775">
+              <a:buFont typeface="Wingdings 3" charset="2"/>
+              <a:buNone/>
+            </a:pPr>
+            <a:r>
+              <a:rPr lang="fr-FR" sz="2400" dirty="0" smtClean="0"/>
+              <a:t> </a:t>
+            </a:r>
+            <a:endParaRPr lang="fr-FR" sz="2400" dirty="0" smtClean="0"/>
+          </a:p>
+        </p:txBody>
+      </p:sp>
+    </p:spTree>
+    <p:extLst>
+      <p:ext uri="{BB962C8B-B14F-4D97-AF65-F5344CB8AC3E}">
+        <p14:creationId xmlns:p14="http://schemas.microsoft.com/office/powerpoint/2010/main" val="4242718491"/>
+      </p:ext>
+    </p:extLst>
+  </p:cSld>
+  <p:clrMapOvr>
+    <a:masterClrMapping/>
+  </p:clrMapOvr>
+  <mc:AlternateContent xmlns:mc="http://schemas.openxmlformats.org/markup-compatibility/2006">
+    <mc:Choice xmlns:p15="http://schemas.microsoft.com/office/powerpoint/2012/main" xmlns="" Requires="p15">
+      <p:transition xmlns:p14="http://schemas.microsoft.com/office/powerpoint/2010/main" spd="slow" p14:dur="1250">
+        <p15:prstTrans prst="peelOff"/>
+      </p:transition>
+    </mc:Choice>
+    <mc:Fallback>
+      <p:transition spd="slow">
+        <p:fade/>
+      </p:transition>
+    </mc:Fallback>
+  </mc:AlternateContent>
+  <p:timing>
+    <p:tnLst>
+      <p:par>
+        <p:cTn id="1" dur="indefinite" restart="never" nodeType="tmRoot"/>
+      </p:par>
+    </p:tnLst>
+  </p:timing>
+</p:sld>
+</file>
+
+<file path=ppt/slides/slide13.xml><?xml version="1.0" encoding="utf-8"?>
+<p:sld xmlns:a="http://schemas.openxmlformats.org/drawingml/2006/main" xmlns:r="http://schemas.openxmlformats.org/officeDocument/2006/relationships" xmlns:p="http://schemas.openxmlformats.org/presentationml/2006/main" showMasterSp="0">
+  <p:cSld>
+    <p:spTree>
+      <p:nvGrpSpPr>
+        <p:cNvPr id="1" name=""/>
+        <p:cNvGrpSpPr/>
+        <p:nvPr/>
+      </p:nvGrpSpPr>
+      <p:grpSpPr>
+        <a:xfrm>
+          <a:off x="0" y="0"/>
+          <a:ext cx="0" cy="0"/>
+          <a:chOff x="0" y="0"/>
+          <a:chExt cx="0" cy="0"/>
+        </a:xfrm>
+      </p:grpSpPr>
+      <p:sp>
+        <p:nvSpPr>
+          <p:cNvPr id="3" name="Espace réservé du contenu 2"/>
+          <p:cNvSpPr>
+            <a:spLocks noGrp="1"/>
+          </p:cNvSpPr>
+          <p:nvPr>
+            <p:ph idx="1"/>
+          </p:nvPr>
+        </p:nvSpPr>
+        <p:spPr>
+          <a:xfrm>
+            <a:off x="1878012" y="274912"/>
+            <a:ext cx="8915400" cy="6212974"/>
+          </a:xfrm>
+        </p:spPr>
+        <p:txBody>
+          <a:bodyPr tIns="72000">
+            <a:noAutofit/>
+          </a:bodyPr>
+          <a:lstStyle/>
+          <a:p>
+            <a:pPr>
+              <a:buFont typeface="Wingdings" panose="05000000000000000000" pitchFamily="2" charset="2"/>
+              <a:buChar char="v"/>
+            </a:pPr>
+            <a:r>
+              <a:rPr lang="fr-FR" sz="2800" u="sng" dirty="0" smtClean="0"/>
+              <a:t>III. Détermination de la position </a:t>
+            </a:r>
+          </a:p>
+        </p:txBody>
+      </p:sp>
+    </p:spTree>
+    <p:extLst>
+      <p:ext uri="{BB962C8B-B14F-4D97-AF65-F5344CB8AC3E}">
+        <p14:creationId xmlns:p14="http://schemas.microsoft.com/office/powerpoint/2010/main" val="1899768230"/>
+      </p:ext>
+    </p:extLst>
+  </p:cSld>
+  <p:clrMapOvr>
+    <a:masterClrMapping/>
+  </p:clrMapOvr>
+  <mc:AlternateContent xmlns:mc="http://schemas.openxmlformats.org/markup-compatibility/2006">
+    <mc:Choice xmlns:p15="http://schemas.microsoft.com/office/powerpoint/2012/main" xmlns="" Requires="p15">
+      <p:transition xmlns:p14="http://schemas.microsoft.com/office/powerpoint/2010/main" spd="slow" p14:dur="1250">
+        <p15:prstTrans prst="peelOff"/>
+      </p:transition>
+    </mc:Choice>
+    <mc:Fallback>
+      <p:transition spd="slow">
+        <p:fade/>
+      </p:transition>
+    </mc:Fallback>
+  </mc:AlternateContent>
+  <p:timing>
+    <p:tnLst>
+      <p:par>
+        <p:cTn id="1" dur="indefinite" restart="never" nodeType="tmRoot"/>
+      </p:par>
+    </p:tnLst>
+  </p:timing>
+</p:sld>
+</file>
+
+<file path=ppt/slides/slide14.xml><?xml version="1.0" encoding="utf-8"?>
+<p:sld xmlns:a="http://schemas.openxmlformats.org/drawingml/2006/main" xmlns:r="http://schemas.openxmlformats.org/officeDocument/2006/relationships" xmlns:p="http://schemas.openxmlformats.org/presentationml/2006/main" showMasterSp="0">
+  <p:cSld>
+    <p:spTree>
+      <p:nvGrpSpPr>
+        <p:cNvPr id="1" name=""/>
+        <p:cNvGrpSpPr/>
+        <p:nvPr/>
+      </p:nvGrpSpPr>
+      <p:grpSpPr>
+        <a:xfrm>
+          <a:off x="0" y="0"/>
+          <a:ext cx="0" cy="0"/>
+          <a:chOff x="0" y="0"/>
+          <a:chExt cx="0" cy="0"/>
+        </a:xfrm>
+      </p:grpSpPr>
+      <p:sp>
+        <p:nvSpPr>
+          <p:cNvPr id="3" name="Espace réservé du contenu 2"/>
+          <p:cNvSpPr>
+            <a:spLocks noGrp="1"/>
+          </p:cNvSpPr>
+          <p:nvPr>
+            <p:ph idx="1"/>
+          </p:nvPr>
+        </p:nvSpPr>
+        <p:spPr>
+          <a:xfrm>
+            <a:off x="1847532" y="1006432"/>
+            <a:ext cx="8915400" cy="6212974"/>
+          </a:xfrm>
+        </p:spPr>
+        <p:txBody>
+          <a:bodyPr tIns="72000">
+            <a:noAutofit/>
+          </a:bodyPr>
+          <a:lstStyle/>
+          <a:p>
+            <a:pPr>
+              <a:buFont typeface="Wingdings" panose="05000000000000000000" pitchFamily="2" charset="2"/>
+              <a:buChar char="v"/>
+            </a:pPr>
+            <a:r>
+              <a:rPr lang="fr-FR" sz="2800" u="sng" dirty="0" smtClean="0"/>
+              <a:t>Conclusion:</a:t>
+            </a:r>
+          </a:p>
+          <a:p>
+            <a:pPr>
+              <a:buFont typeface="Wingdings" panose="05000000000000000000" pitchFamily="2" charset="2"/>
+              <a:buChar char="v"/>
+            </a:pPr>
+            <a:endParaRPr lang="fr-FR" sz="2800" u="sng" dirty="0" smtClean="0"/>
+          </a:p>
+        </p:txBody>
+      </p:sp>
+    </p:spTree>
+    <p:extLst>
+      <p:ext uri="{BB962C8B-B14F-4D97-AF65-F5344CB8AC3E}">
+        <p14:creationId xmlns:p14="http://schemas.microsoft.com/office/powerpoint/2010/main" val="909599388"/>
+      </p:ext>
+    </p:extLst>
+  </p:cSld>
+  <p:clrMapOvr>
+    <a:masterClrMapping/>
+  </p:clrMapOvr>
+  <mc:AlternateContent xmlns:mc="http://schemas.openxmlformats.org/markup-compatibility/2006">
+    <mc:Choice xmlns:p15="http://schemas.microsoft.com/office/powerpoint/2012/main" xmlns="" Requires="p15">
+      <p:transition xmlns:p14="http://schemas.microsoft.com/office/powerpoint/2010/main" spd="slow" p14:dur="1250">
+        <p15:prstTrans prst="peelOff"/>
+      </p:transition>
+    </mc:Choice>
+    <mc:Fallback>
+      <p:transition spd="slow">
+        <p:fade/>
+      </p:transition>
+    </mc:Fallback>
+  </mc:AlternateContent>
+  <p:timing>
+    <p:tnLst>
+      <p:par>
+        <p:cTn id="1" dur="indefinite" restart="never" nodeType="tmRoot"/>
+      </p:par>
+    </p:tnLst>
+  </p:timing>
+</p:sld>
+</file>
+
+<file path=ppt/slides/slide15.xml><?xml version="1.0" encoding="utf-8"?>
 <p:sld xmlns:a="http://schemas.openxmlformats.org/drawingml/2006/main" xmlns:r="http://schemas.openxmlformats.org/officeDocument/2006/relationships" xmlns:p="http://schemas.openxmlformats.org/presentationml/2006/main" showMasterSp="0">
   <p:cSld>
     <p:bg>
@@ -11912,7 +13037,7 @@
     <a:masterClrMapping/>
   </p:clrMapOvr>
   <mc:AlternateContent xmlns:mc="http://schemas.openxmlformats.org/markup-compatibility/2006">
-    <mc:Choice xmlns="" xmlns:p15="http://schemas.microsoft.com/office/powerpoint/2012/main" Requires="p15">
+    <mc:Choice xmlns:p15="http://schemas.microsoft.com/office/powerpoint/2012/main" xmlns="" Requires="p15">
       <p:transition xmlns:p14="http://schemas.microsoft.com/office/powerpoint/2010/main" spd="slow" p14:dur="1250">
         <p15:prstTrans prst="peelOff"/>
       </p:transition>
@@ -11988,7 +13113,7 @@
         </p:nvSpPr>
         <p:spPr>
           <a:xfrm>
-            <a:off x="406659" y="191785"/>
+            <a:off x="1620317" y="1480258"/>
             <a:ext cx="8915400" cy="3777622"/>
           </a:xfrm>
         </p:spPr>
@@ -12003,7 +13128,7 @@
               <a:buChar char="v"/>
             </a:pPr>
             <a:r>
-              <a:rPr lang="fr-FR" sz="3200" u="sng" dirty="0" smtClean="0"/>
+              <a:rPr lang="fr-FR" sz="2800" u="sng" dirty="0" smtClean="0"/>
               <a:t>Objectif:</a:t>
             </a:r>
           </a:p>
@@ -12012,11 +13137,11 @@
               <a:buNone/>
             </a:pPr>
             <a:r>
-              <a:rPr lang="fr-FR" sz="3200" dirty="0"/>
+              <a:rPr lang="fr-FR" sz="2800" dirty="0" smtClean="0"/>
               <a:t>	</a:t>
             </a:r>
             <a:r>
-              <a:rPr lang="fr-FR" sz="2800" dirty="0" smtClean="0"/>
+              <a:rPr lang="fr-FR" sz="2400" dirty="0" smtClean="0"/>
               <a:t>- positionnement axial (image nette)</a:t>
             </a:r>
           </a:p>
@@ -12025,7 +13150,7 @@
               <a:buNone/>
             </a:pPr>
             <a:r>
-              <a:rPr lang="fr-FR" sz="2800" dirty="0" smtClean="0"/>
+              <a:rPr lang="fr-FR" sz="2400" dirty="0" smtClean="0"/>
               <a:t>	- positionnement transversal (image centrée)</a:t>
             </a:r>
           </a:p>
@@ -12034,14 +13159,14 @@
               <a:buNone/>
             </a:pPr>
             <a:r>
-              <a:rPr lang="fr-FR" sz="2800" dirty="0" smtClean="0"/>
+              <a:rPr lang="fr-FR" sz="2400" dirty="0" smtClean="0"/>
               <a:t>	- reconstitution 3D de l’échantillon</a:t>
             </a:r>
             <a:br>
-              <a:rPr lang="fr-FR" sz="2800" dirty="0" smtClean="0"/>
+              <a:rPr lang="fr-FR" sz="2400" dirty="0" smtClean="0"/>
             </a:br>
             <a:r>
-              <a:rPr lang="fr-FR" sz="2800" dirty="0" smtClean="0"/>
+              <a:rPr lang="fr-FR" sz="2400" dirty="0" smtClean="0"/>
               <a:t> </a:t>
             </a:r>
           </a:p>
@@ -12051,8 +13176,12 @@
               <a:buChar char="v"/>
             </a:pPr>
             <a:r>
-              <a:rPr lang="fr-FR" sz="3200" u="sng" dirty="0" smtClean="0"/>
-              <a:t>Données:</a:t>
+              <a:rPr lang="fr-FR" sz="2800" u="sng" dirty="0" smtClean="0"/>
+              <a:t>Données</a:t>
+            </a:r>
+            <a:r>
+              <a:rPr lang="fr-FR" sz="2800" u="sng" dirty="0" smtClean="0"/>
+              <a:t>:</a:t>
             </a:r>
           </a:p>
           <a:p>
@@ -12061,11 +13190,11 @@
               <a:buNone/>
             </a:pPr>
             <a:r>
-              <a:rPr lang="fr-FR" sz="2800" dirty="0" smtClean="0"/>
+              <a:rPr lang="fr-FR" sz="2400" dirty="0" smtClean="0"/>
               <a:t>- images </a:t>
             </a:r>
             <a:r>
-              <a:rPr lang="fr-FR" sz="2800" dirty="0"/>
+              <a:rPr lang="fr-FR" sz="2400" dirty="0"/>
               <a:t>de calibrations </a:t>
             </a:r>
           </a:p>
@@ -12075,15 +13204,15 @@
               <a:buNone/>
             </a:pPr>
             <a:r>
-              <a:rPr lang="fr-FR" sz="2800" dirty="0" smtClean="0"/>
+              <a:rPr lang="fr-FR" sz="2400" dirty="0" smtClean="0"/>
               <a:t>- images </a:t>
             </a:r>
             <a:r>
-              <a:rPr lang="fr-FR" sz="2800" dirty="0"/>
+              <a:rPr lang="fr-FR" sz="2400" dirty="0"/>
               <a:t>de </a:t>
             </a:r>
             <a:r>
-              <a:rPr lang="fr-FR" sz="2800" dirty="0" smtClean="0"/>
+              <a:rPr lang="fr-FR" sz="2400" dirty="0" smtClean="0"/>
               <a:t>mesure</a:t>
             </a:r>
           </a:p>
@@ -12093,44 +13222,30 @@
               <a:buNone/>
             </a:pPr>
             <a:r>
-              <a:rPr lang="fr-FR" sz="2800" dirty="0" smtClean="0"/>
-              <a:t>- images en situation</a:t>
+              <a:rPr lang="fr-FR" sz="2400" dirty="0" smtClean="0"/>
+              <a:t>- images </a:t>
+            </a:r>
+            <a:r>
+              <a:rPr lang="fr-FR" sz="2400" dirty="0" smtClean="0"/>
+              <a:t>en </a:t>
+            </a:r>
+            <a:r>
+              <a:rPr lang="fr-FR" sz="2400" dirty="0" smtClean="0"/>
+              <a:t>situation</a:t>
+            </a:r>
+            <a:r>
+              <a:rPr lang="fr-FR" sz="2400" dirty="0" smtClean="0"/>
+              <a:t/>
             </a:r>
             <a:br>
-              <a:rPr lang="fr-FR" sz="2800" dirty="0" smtClean="0"/>
+              <a:rPr lang="fr-FR" sz="2400" dirty="0" smtClean="0"/>
             </a:br>
             <a:r>
-              <a:rPr lang="fr-FR" sz="2800" dirty="0" smtClean="0"/>
+              <a:rPr lang="fr-FR" sz="2400" dirty="0" smtClean="0"/>
               <a:t/>
             </a:r>
             <a:br>
-              <a:rPr lang="fr-FR" sz="2800" dirty="0" smtClean="0"/>
-            </a:br>
-            <a:endParaRPr lang="fr-FR" sz="3200" dirty="0" smtClean="0"/>
-          </a:p>
-          <a:p>
-            <a:pPr marL="0" indent="0">
-              <a:buNone/>
-            </a:pPr>
-            <a:endParaRPr lang="fr-FR" sz="2800" dirty="0"/>
-          </a:p>
-          <a:p>
-            <a:pPr marL="0" indent="0">
-              <a:buNone/>
-            </a:pPr>
-            <a:r>
-              <a:rPr lang="fr-FR" sz="2800" dirty="0" smtClean="0"/>
-              <a:t/>
-            </a:r>
-            <a:br>
-              <a:rPr lang="fr-FR" sz="2800" dirty="0" smtClean="0"/>
-            </a:br>
-            <a:r>
-              <a:rPr lang="fr-FR" sz="2800" dirty="0" smtClean="0"/>
-              <a:t/>
-            </a:r>
-            <a:br>
-              <a:rPr lang="fr-FR" sz="2800" dirty="0" smtClean="0"/>
+              <a:rPr lang="fr-FR" sz="2400" dirty="0" smtClean="0"/>
             </a:br>
             <a:endParaRPr lang="fr-FR" sz="2800" dirty="0" smtClean="0"/>
           </a:p>
@@ -12138,13 +13253,76 @@
             <a:pPr marL="0" indent="0">
               <a:buNone/>
             </a:pPr>
-            <a:endParaRPr lang="fr-FR" sz="2800" dirty="0" smtClean="0"/>
+            <a:endParaRPr lang="fr-FR" sz="2400" dirty="0"/>
           </a:p>
           <a:p>
             <a:pPr marL="0" indent="0">
               <a:buNone/>
             </a:pPr>
-            <a:endParaRPr lang="fr-FR" sz="2800" dirty="0"/>
+            <a:r>
+              <a:rPr lang="fr-FR" sz="2400" dirty="0" smtClean="0"/>
+              <a:t/>
+            </a:r>
+            <a:br>
+              <a:rPr lang="fr-FR" sz="2400" dirty="0" smtClean="0"/>
+            </a:br>
+            <a:r>
+              <a:rPr lang="fr-FR" sz="2400" dirty="0" smtClean="0"/>
+              <a:t/>
+            </a:r>
+            <a:br>
+              <a:rPr lang="fr-FR" sz="2400" dirty="0" smtClean="0"/>
+            </a:br>
+            <a:endParaRPr lang="fr-FR" sz="2400" dirty="0" smtClean="0"/>
+          </a:p>
+          <a:p>
+            <a:pPr marL="0" indent="0">
+              <a:buNone/>
+            </a:pPr>
+            <a:endParaRPr lang="fr-FR" sz="2400" dirty="0" smtClean="0"/>
+          </a:p>
+          <a:p>
+            <a:pPr marL="0" indent="0">
+              <a:buNone/>
+            </a:pPr>
+            <a:endParaRPr lang="fr-FR" sz="2400" dirty="0"/>
+          </a:p>
+        </p:txBody>
+      </p:sp>
+      <p:sp>
+        <p:nvSpPr>
+          <p:cNvPr id="2" name="ZoneTexte 1"/>
+          <p:cNvSpPr txBox="1"/>
+          <p:nvPr/>
+        </p:nvSpPr>
+        <p:spPr>
+          <a:xfrm>
+            <a:off x="706582" y="249382"/>
+            <a:ext cx="10631978" cy="1200329"/>
+          </a:xfrm>
+          <a:prstGeom prst="rect">
+            <a:avLst/>
+          </a:prstGeom>
+          <a:noFill/>
+        </p:spPr>
+        <p:txBody>
+          <a:bodyPr wrap="square" rtlCol="0">
+            <a:spAutoFit/>
+          </a:bodyPr>
+          <a:lstStyle/>
+          <a:p>
+            <a:r>
+              <a:rPr lang="fr-FR" sz="2400" i="1" dirty="0" smtClean="0"/>
+              <a:t>Quelles résolutions peut on atteindre à l’aide d’un microscope STORM associé à un réseau?</a:t>
+            </a:r>
+            <a:br>
+              <a:rPr lang="fr-FR" sz="2400" i="1" dirty="0" smtClean="0"/>
+            </a:br>
+            <a:r>
+              <a:rPr lang="fr-FR" sz="2400" i="1" dirty="0" smtClean="0"/>
+              <a:t>Quels traitements et solutions faut-il envisager ?</a:t>
+            </a:r>
+            <a:endParaRPr lang="fr-FR" sz="2400" i="1" dirty="0"/>
           </a:p>
         </p:txBody>
       </p:sp>
@@ -12159,7 +13337,7 @@
     <a:masterClrMapping/>
   </p:clrMapOvr>
   <mc:AlternateContent xmlns:mc="http://schemas.openxmlformats.org/markup-compatibility/2006">
-    <mc:Choice xmlns="" xmlns:p15="http://schemas.microsoft.com/office/powerpoint/2012/main" Requires="p15">
+    <mc:Choice xmlns:p15="http://schemas.microsoft.com/office/powerpoint/2012/main" xmlns="" Requires="p15">
       <p:transition xmlns:p14="http://schemas.microsoft.com/office/powerpoint/2010/main" spd="slow" p14:dur="1250">
         <p15:prstTrans prst="peelOff"/>
       </p:transition>
@@ -12502,7 +13680,7 @@
     <a:masterClrMapping/>
   </p:clrMapOvr>
   <mc:AlternateContent xmlns:mc="http://schemas.openxmlformats.org/markup-compatibility/2006">
-    <mc:Choice xmlns="" xmlns:p15="http://schemas.microsoft.com/office/powerpoint/2012/main" Requires="p15">
+    <mc:Choice xmlns:p15="http://schemas.microsoft.com/office/powerpoint/2012/main" xmlns="" Requires="p15">
       <p:transition xmlns:p14="http://schemas.microsoft.com/office/powerpoint/2010/main" spd="slow" p14:dur="1250">
         <p15:prstTrans prst="peelOff"/>
       </p:transition>
@@ -12565,8 +13743,16 @@
                   </a:outerShdw>
                 </a:effectLst>
               </a:rPr>
-              <a:t>I Etat de </a:t>
-            </a:r>
+              <a:t>I Etat de l’art</a:t>
+            </a:r>
+          </a:p>
+          <a:p>
+            <a:r>
+              <a:rPr lang="fr-FR" sz="3200" dirty="0" smtClean="0"/>
+              <a:t>	</a:t>
+            </a:r>
+          </a:p>
+          <a:p>
             <a:r>
               <a:rPr lang="fr-FR" sz="3200" i="1" u="sng" dirty="0" smtClean="0">
                 <a:effectLst>
@@ -12577,58 +13763,8 @@
                   </a:outerShdw>
                 </a:effectLst>
               </a:rPr>
-              <a:t>l’art</a:t>
-            </a:r>
-            <a:endParaRPr lang="fr-FR" sz="3200" i="1" u="sng" dirty="0" smtClean="0">
-              <a:effectLst>
-                <a:outerShdw blurRad="38100" dist="38100" dir="2700000" algn="tl">
-                  <a:srgbClr val="000000">
-                    <a:alpha val="43137"/>
-                  </a:srgbClr>
-                </a:outerShdw>
-              </a:effectLst>
-            </a:endParaRPr>
-          </a:p>
-          <a:p>
-            <a:r>
-              <a:rPr lang="fr-FR" sz="3200" dirty="0" smtClean="0"/>
-              <a:t>	</a:t>
-            </a:r>
-          </a:p>
-          <a:p>
-            <a:r>
-              <a:rPr lang="fr-FR" sz="3200" i="1" u="sng" dirty="0" smtClean="0">
-                <a:effectLst>
-                  <a:outerShdw blurRad="38100" dist="38100" dir="2700000" algn="tl">
-                    <a:srgbClr val="000000">
-                      <a:alpha val="43137"/>
-                    </a:srgbClr>
-                  </a:outerShdw>
-                </a:effectLst>
-              </a:rPr>
-              <a:t>II </a:t>
-            </a:r>
-            <a:r>
-              <a:rPr lang="fr-FR" sz="3200" i="1" u="sng" dirty="0" smtClean="0">
-                <a:effectLst>
-                  <a:outerShdw blurRad="38100" dist="38100" dir="2700000" algn="tl">
-                    <a:srgbClr val="000000">
-                      <a:alpha val="43137"/>
-                    </a:srgbClr>
-                  </a:outerShdw>
-                </a:effectLst>
-              </a:rPr>
-              <a:t>Traitement préliminaire</a:t>
-            </a:r>
-            <a:endParaRPr lang="fr-FR" sz="3200" i="1" u="sng" dirty="0" smtClean="0">
-              <a:effectLst>
-                <a:outerShdw blurRad="38100" dist="38100" dir="2700000" algn="tl">
-                  <a:srgbClr val="000000">
-                    <a:alpha val="43137"/>
-                  </a:srgbClr>
-                </a:outerShdw>
-              </a:effectLst>
-            </a:endParaRPr>
+              <a:t>II Traitement préliminaire</a:t>
+            </a:r>
           </a:p>
           <a:p>
             <a:r>
@@ -12674,7 +13810,7 @@
     <a:masterClrMapping/>
   </p:clrMapOvr>
   <mc:AlternateContent xmlns:mc="http://schemas.openxmlformats.org/markup-compatibility/2006">
-    <mc:Choice xmlns="" xmlns:p15="http://schemas.microsoft.com/office/powerpoint/2012/main" Requires="p15">
+    <mc:Choice xmlns:p15="http://schemas.microsoft.com/office/powerpoint/2012/main" xmlns="" Requires="p15">
       <p:transition xmlns:p14="http://schemas.microsoft.com/office/powerpoint/2010/main" spd="slow" p14:dur="1250">
         <p15:prstTrans prst="peelOff"/>
       </p:transition>
@@ -12740,13 +13876,8 @@
             </a:pPr>
             <a:r>
               <a:rPr lang="fr-FR" sz="2800" u="sng" dirty="0" smtClean="0"/>
-              <a:t>Etat de l’art</a:t>
-            </a:r>
-            <a:r>
-              <a:rPr lang="fr-FR" sz="2800" u="sng" dirty="0" smtClean="0"/>
-              <a:t>:</a:t>
-            </a:r>
-            <a:endParaRPr lang="fr-FR" sz="2800" u="sng" dirty="0" smtClean="0"/>
+              <a:t>Etat de l’art:</a:t>
+            </a:r>
           </a:p>
         </p:txBody>
       </p:sp>
@@ -12986,11 +14117,7 @@
             <a:pPr algn="ctr"/>
             <a:r>
               <a:rPr lang="fr-FR" dirty="0" smtClean="0"/>
-              <a:t>Résolution </a:t>
-            </a:r>
-            <a:r>
-              <a:rPr lang="fr-FR" dirty="0" smtClean="0"/>
-              <a:t>basée sur la localisation unique : ~ 20nm</a:t>
+              <a:t>Résolution basée sur la localisation unique : ~ 20nm</a:t>
             </a:r>
             <a:endParaRPr lang="fr-FR" dirty="0"/>
           </a:p>
@@ -13127,7 +14254,7 @@
     <a:masterClrMapping/>
   </p:clrMapOvr>
   <mc:AlternateContent xmlns:mc="http://schemas.openxmlformats.org/markup-compatibility/2006">
-    <mc:Choice xmlns="" xmlns:p15="http://schemas.microsoft.com/office/powerpoint/2012/main" Requires="p15">
+    <mc:Choice xmlns:p15="http://schemas.microsoft.com/office/powerpoint/2012/main" xmlns="" Requires="p15">
       <p:transition xmlns:p14="http://schemas.microsoft.com/office/powerpoint/2010/main" spd="slow" p14:dur="1250">
         <p15:prstTrans prst="peelOff"/>
       </p:transition>
@@ -13278,15 +14405,7 @@
             </a:pPr>
             <a:r>
               <a:rPr lang="fr-FR" sz="2000" dirty="0" smtClean="0"/>
-              <a:t> </a:t>
-            </a:r>
-            <a:r>
-              <a:rPr lang="fr-FR" sz="2000" dirty="0" smtClean="0"/>
-              <a:t>Impact </a:t>
-            </a:r>
-            <a:r>
-              <a:rPr lang="fr-FR" sz="2000" dirty="0" smtClean="0"/>
-              <a:t>des photons non uniforme</a:t>
+              <a:t> Impact des photons non uniforme</a:t>
             </a:r>
           </a:p>
           <a:p>
@@ -13321,7 +14440,6 @@
               <a:rPr lang="fr-FR" sz="2000" dirty="0" smtClean="0"/>
               <a:t> non homogènes</a:t>
             </a:r>
-            <a:endParaRPr lang="fr-FR" sz="2000" dirty="0" smtClean="0"/>
           </a:p>
           <a:p>
             <a:pPr marL="285750" indent="-19050">
@@ -13330,11 +14448,7 @@
             </a:pPr>
             <a:r>
               <a:rPr lang="fr-FR" sz="2000" dirty="0" smtClean="0"/>
-              <a:t> courant d’obscurité (diodes du capteur</a:t>
-            </a:r>
-            <a:r>
-              <a:rPr lang="fr-FR" sz="2000" dirty="0" smtClean="0"/>
-              <a:t>)</a:t>
+              <a:t> courant d’obscurité (diodes du capteur)</a:t>
             </a:r>
             <a:br>
               <a:rPr lang="fr-FR" sz="2000" dirty="0" smtClean="0"/>
@@ -13487,7 +14601,7 @@
     <a:masterClrMapping/>
   </p:clrMapOvr>
   <mc:AlternateContent xmlns:mc="http://schemas.openxmlformats.org/markup-compatibility/2006">
-    <mc:Choice xmlns="" xmlns:p15="http://schemas.microsoft.com/office/powerpoint/2012/main" Requires="p15">
+    <mc:Choice xmlns:p15="http://schemas.microsoft.com/office/powerpoint/2012/main" xmlns="" Requires="p15">
       <p:transition xmlns:p14="http://schemas.microsoft.com/office/powerpoint/2010/main" spd="slow" p14:dur="1250">
         <p15:prstTrans prst="peelOff"/>
       </p:transition>
@@ -13553,62 +14667,13 @@
             </a:pPr>
             <a:r>
               <a:rPr lang="fr-FR" sz="2800" u="sng" dirty="0" smtClean="0"/>
-              <a:t>II. Travail réalisé</a:t>
-            </a:r>
-          </a:p>
-          <a:p>
-            <a:pPr marL="719138" lvl="1" indent="-273050">
-              <a:buFont typeface="Arial" pitchFamily="34" charset="0"/>
-              <a:buChar char="•"/>
-            </a:pPr>
-            <a:r>
-              <a:rPr lang="fr-FR" sz="2600" dirty="0" smtClean="0"/>
-              <a:t>Manipulation des images :</a:t>
-            </a:r>
-          </a:p>
-          <a:p>
-            <a:pPr lvl="1">
-              <a:buNone/>
-            </a:pPr>
-            <a:endParaRPr lang="fr-FR" sz="2600" dirty="0" smtClean="0"/>
-          </a:p>
-          <a:p>
-            <a:pPr marL="446088" lvl="1" indent="-358775">
-              <a:buFontTx/>
-              <a:buChar char="-"/>
-            </a:pPr>
-            <a:r>
-              <a:rPr lang="fr-FR" sz="2600" dirty="0" smtClean="0"/>
-              <a:t>Lecture d’images binaires</a:t>
-            </a:r>
-          </a:p>
-          <a:p>
-            <a:pPr marL="446088" lvl="1" indent="-358775">
-              <a:buFontTx/>
-              <a:buChar char="-"/>
-            </a:pPr>
-            <a:r>
-              <a:rPr lang="fr-FR" sz="2600" dirty="0" smtClean="0"/>
-              <a:t>Variation de la profondeur -&gt; </a:t>
-            </a:r>
-            <a:r>
-              <a:rPr lang="fr-FR" sz="2600" dirty="0" err="1" smtClean="0"/>
-              <a:t>slider</a:t>
-            </a:r>
-            <a:endParaRPr lang="fr-FR" sz="2600" dirty="0" smtClean="0"/>
-          </a:p>
-          <a:p>
-            <a:pPr marL="446088" lvl="1" indent="-358775">
-              <a:buFontTx/>
-              <a:buChar char="-"/>
-            </a:pPr>
-            <a:endParaRPr lang="fr-FR" sz="2600" dirty="0"/>
-          </a:p>
-          <a:p>
-            <a:pPr marL="0" indent="0">
-              <a:buNone/>
-            </a:pPr>
-            <a:endParaRPr lang="fr-FR" sz="2800" u="sng" dirty="0"/>
+              <a:t>II. </a:t>
+            </a:r>
+            <a:r>
+              <a:rPr lang="fr-FR" sz="2800" u="sng" dirty="0" smtClean="0"/>
+              <a:t>Traitements préliminaires</a:t>
+            </a:r>
+            <a:endParaRPr lang="fr-FR" sz="2800" u="sng" dirty="0" smtClean="0"/>
           </a:p>
           <a:p>
             <a:pPr marL="0" indent="0">
@@ -13622,73 +14687,176 @@
             </a:pPr>
             <a:endParaRPr lang="fr-FR" sz="2800" dirty="0"/>
           </a:p>
-          <a:p>
-            <a:pPr marL="0" indent="0">
-              <a:buNone/>
-            </a:pPr>
-            <a:r>
-              <a:rPr lang="fr-FR" sz="2800" dirty="0" smtClean="0"/>
-              <a:t/>
-            </a:r>
-            <a:br>
-              <a:rPr lang="fr-FR" sz="2800" dirty="0" smtClean="0"/>
-            </a:br>
-            <a:r>
-              <a:rPr lang="fr-FR" sz="2800" dirty="0" smtClean="0"/>
-              <a:t/>
-            </a:r>
-            <a:br>
-              <a:rPr lang="fr-FR" sz="2800" dirty="0" smtClean="0"/>
-            </a:br>
-            <a:endParaRPr lang="fr-FR" sz="2800" dirty="0" smtClean="0"/>
-          </a:p>
-          <a:p>
-            <a:pPr marL="0" indent="0">
-              <a:buNone/>
-            </a:pPr>
-            <a:endParaRPr lang="fr-FR" sz="2800" dirty="0" smtClean="0"/>
-          </a:p>
-          <a:p>
-            <a:pPr marL="0" indent="0">
-              <a:buNone/>
-            </a:pPr>
-            <a:endParaRPr lang="fr-FR" sz="2800" dirty="0"/>
-          </a:p>
-        </p:txBody>
-      </p:sp>
-      <p:pic>
-        <p:nvPicPr>
-          <p:cNvPr id="2" name="Image 1"/>
-          <p:cNvPicPr>
-            <a:picLocks noChangeAspect="1"/>
-          </p:cNvPicPr>
+        </p:txBody>
+      </p:sp>
+      <p:grpSp>
+        <p:nvGrpSpPr>
+          <p:cNvPr id="5" name="Groupe 4"/>
+          <p:cNvGrpSpPr/>
           <p:nvPr/>
-        </p:nvPicPr>
-        <p:blipFill>
-          <a:blip r:embed="rId2"/>
-          <a:stretch>
-            <a:fillRect/>
-          </a:stretch>
-        </p:blipFill>
-        <p:spPr>
+        </p:nvGrpSpPr>
+        <p:grpSpPr>
           <a:xfrm>
-            <a:off x="3171507" y="3201670"/>
-            <a:ext cx="5686425" cy="2933700"/>
+            <a:off x="756598" y="1564044"/>
+            <a:ext cx="10000070" cy="3830941"/>
+            <a:chOff x="756598" y="1564044"/>
+            <a:chExt cx="10000070" cy="3830941"/>
           </a:xfrm>
-          <a:prstGeom prst="rect">
-            <a:avLst/>
-          </a:prstGeom>
-          <a:effectLst>
-            <a:glow rad="114300">
-              <a:schemeClr val="accent6">
-                <a:lumMod val="40000"/>
-                <a:lumOff val="60000"/>
-                <a:alpha val="40000"/>
+        </p:grpSpPr>
+        <p:pic>
+          <p:nvPicPr>
+            <p:cNvPr id="1028" name="Picture 4"/>
+            <p:cNvPicPr>
+              <a:picLocks noChangeAspect="1" noChangeArrowheads="1"/>
+            </p:cNvPicPr>
+            <p:nvPr/>
+          </p:nvPicPr>
+          <p:blipFill>
+            <a:blip r:embed="rId2">
+              <a:extLst>
+                <a:ext uri="{28A0092B-C50C-407E-A947-70E740481C1C}">
+                  <a14:useLocalDpi xmlns:a14="http://schemas.microsoft.com/office/drawing/2010/main" val="0"/>
+                </a:ext>
+              </a:extLst>
+            </a:blip>
+            <a:srcRect/>
+            <a:stretch>
+              <a:fillRect/>
+            </a:stretch>
+          </p:blipFill>
+          <p:spPr bwMode="auto">
+            <a:xfrm>
+              <a:off x="756598" y="1564044"/>
+              <a:ext cx="3737645" cy="3830941"/>
+            </a:xfrm>
+            <a:prstGeom prst="rect">
+              <a:avLst/>
+            </a:prstGeom>
+            <a:noFill/>
+            <a:ln>
+              <a:noFill/>
+            </a:ln>
+            <a:extLst>
+              <a:ext uri="{909E8E84-426E-40DD-AFC4-6F175D3DCCD1}">
+                <a14:hiddenFill xmlns:a14="http://schemas.microsoft.com/office/drawing/2010/main">
+                  <a:solidFill>
+                    <a:schemeClr val="accent1"/>
+                  </a:solidFill>
+                </a14:hiddenFill>
+              </a:ext>
+              <a:ext uri="{91240B29-F687-4F45-9708-019B960494DF}">
+                <a14:hiddenLine xmlns:a14="http://schemas.microsoft.com/office/drawing/2010/main" w="9525">
+                  <a:solidFill>
+                    <a:schemeClr val="tx1"/>
+                  </a:solidFill>
+                  <a:miter lim="800000"/>
+                  <a:headEnd/>
+                  <a:tailEnd/>
+                </a14:hiddenLine>
+              </a:ext>
+            </a:extLst>
+          </p:spPr>
+        </p:pic>
+        <p:pic>
+          <p:nvPicPr>
+            <p:cNvPr id="1029" name="Picture 5"/>
+            <p:cNvPicPr>
+              <a:picLocks noChangeAspect="1" noChangeArrowheads="1"/>
+            </p:cNvPicPr>
+            <p:nvPr/>
+          </p:nvPicPr>
+          <p:blipFill>
+            <a:blip r:embed="rId3">
+              <a:extLst>
+                <a:ext uri="{28A0092B-C50C-407E-A947-70E740481C1C}">
+                  <a14:useLocalDpi xmlns:a14="http://schemas.microsoft.com/office/drawing/2010/main" val="0"/>
+                </a:ext>
+              </a:extLst>
+            </a:blip>
+            <a:srcRect/>
+            <a:stretch>
+              <a:fillRect/>
+            </a:stretch>
+          </p:blipFill>
+          <p:spPr bwMode="auto">
+            <a:xfrm>
+              <a:off x="7077794" y="1564044"/>
+              <a:ext cx="3678874" cy="3830941"/>
+            </a:xfrm>
+            <a:prstGeom prst="rect">
+              <a:avLst/>
+            </a:prstGeom>
+            <a:noFill/>
+            <a:ln>
+              <a:noFill/>
+            </a:ln>
+            <a:extLst>
+              <a:ext uri="{909E8E84-426E-40DD-AFC4-6F175D3DCCD1}">
+                <a14:hiddenFill xmlns:a14="http://schemas.microsoft.com/office/drawing/2010/main">
+                  <a:solidFill>
+                    <a:schemeClr val="accent1"/>
+                  </a:solidFill>
+                </a14:hiddenFill>
+              </a:ext>
+              <a:ext uri="{91240B29-F687-4F45-9708-019B960494DF}">
+                <a14:hiddenLine xmlns:a14="http://schemas.microsoft.com/office/drawing/2010/main" w="9525">
+                  <a:solidFill>
+                    <a:schemeClr val="tx1"/>
+                  </a:solidFill>
+                  <a:miter lim="800000"/>
+                  <a:headEnd/>
+                  <a:tailEnd/>
+                </a14:hiddenLine>
+              </a:ext>
+            </a:extLst>
+          </p:spPr>
+        </p:pic>
+        <p:sp>
+          <p:nvSpPr>
+            <p:cNvPr id="9" name="Flèche droite 8"/>
+            <p:cNvSpPr/>
+            <p:nvPr/>
+          </p:nvSpPr>
+          <p:spPr>
+            <a:xfrm>
+              <a:off x="4705004" y="3213506"/>
+              <a:ext cx="2177935" cy="532015"/>
+            </a:xfrm>
+            <a:prstGeom prst="rightArrow">
+              <a:avLst/>
+            </a:prstGeom>
+            <a:solidFill>
+              <a:schemeClr val="accent1">
+                <a:alpha val="46000"/>
               </a:schemeClr>
-            </a:glow>
-          </a:effectLst>
-        </p:spPr>
-      </p:pic>
+            </a:solidFill>
+          </p:spPr>
+          <p:style>
+            <a:lnRef idx="2">
+              <a:schemeClr val="accent1">
+                <a:shade val="50000"/>
+              </a:schemeClr>
+            </a:lnRef>
+            <a:fillRef idx="1">
+              <a:schemeClr val="accent1"/>
+            </a:fillRef>
+            <a:effectRef idx="0">
+              <a:schemeClr val="accent1"/>
+            </a:effectRef>
+            <a:fontRef idx="minor">
+              <a:schemeClr val="lt1"/>
+            </a:fontRef>
+          </p:style>
+          <p:txBody>
+            <a:bodyPr rtlCol="0" anchor="ctr"/>
+            <a:lstStyle/>
+            <a:p>
+              <a:pPr algn="ctr"/>
+              <a:endParaRPr lang="fr-FR"/>
+            </a:p>
+          </p:txBody>
+        </p:sp>
+      </p:grpSp>
     </p:spTree>
     <p:extLst>
       <p:ext uri="{BB962C8B-B14F-4D97-AF65-F5344CB8AC3E}">
@@ -13700,7 +14868,7 @@
     <a:masterClrMapping/>
   </p:clrMapOvr>
   <mc:AlternateContent xmlns:mc="http://schemas.openxmlformats.org/markup-compatibility/2006">
-    <mc:Choice xmlns="" xmlns:p15="http://schemas.microsoft.com/office/powerpoint/2012/main" Requires="p15">
+    <mc:Choice xmlns:p15="http://schemas.microsoft.com/office/powerpoint/2012/main" xmlns="" Requires="p15">
       <p:transition xmlns:p14="http://schemas.microsoft.com/office/powerpoint/2010/main" spd="slow" p14:dur="1250">
         <p15:prstTrans prst="peelOff"/>
       </p:transition>
@@ -13765,113 +14933,186 @@
               <a:buChar char="v"/>
             </a:pPr>
             <a:r>
-              <a:rPr lang="fr-FR" sz="2000" u="sng" dirty="0" smtClean="0"/>
-              <a:t>II. Travail réalisé</a:t>
-            </a:r>
-          </a:p>
-          <a:p>
-            <a:pPr marL="719138" indent="-273050">
-              <a:lnSpc>
-                <a:spcPct val="150000"/>
-              </a:lnSpc>
-              <a:buFont typeface="Arial" pitchFamily="34" charset="0"/>
-              <a:buChar char="•"/>
+              <a:rPr lang="fr-FR" sz="2800" u="sng" dirty="0" smtClean="0"/>
+              <a:t>II. </a:t>
+            </a:r>
+            <a:r>
+              <a:rPr lang="fr-FR" sz="2800" u="sng" dirty="0" smtClean="0"/>
+              <a:t>Traitements préliminaires</a:t>
+            </a:r>
+            <a:endParaRPr lang="fr-FR" sz="2800" u="sng" dirty="0" smtClean="0"/>
+          </a:p>
+          <a:p>
+            <a:pPr marL="0" indent="0">
+              <a:buNone/>
             </a:pPr>
-            <a:endParaRPr lang="fr-FR" sz="2000" dirty="0" smtClean="0"/>
-          </a:p>
-          <a:p>
-            <a:pPr marL="87313" indent="358775">
-              <a:lnSpc>
-                <a:spcPct val="200000"/>
-              </a:lnSpc>
-              <a:buFontTx/>
-              <a:buChar char="-"/>
+            <a:endParaRPr lang="fr-FR" sz="2800" dirty="0" smtClean="0"/>
+          </a:p>
+          <a:p>
+            <a:pPr marL="0" indent="0">
+              <a:buNone/>
             </a:pPr>
-            <a:r>
-              <a:rPr lang="fr-FR" sz="2000" dirty="0" smtClean="0"/>
-              <a:t>Nécessité d’un traitement préalable </a:t>
-            </a:r>
-          </a:p>
-          <a:p>
-            <a:pPr marL="1252538" indent="-360363">
-              <a:buFont typeface="Wingdings" pitchFamily="2" charset="2"/>
-              <a:buChar char="Ø"/>
-            </a:pPr>
-            <a:r>
-              <a:rPr lang="fr-FR" sz="2000" dirty="0" smtClean="0"/>
-              <a:t>Centrage</a:t>
-            </a:r>
-          </a:p>
-          <a:p>
-            <a:pPr marL="1252538" indent="-360363">
-              <a:buFont typeface="Wingdings" pitchFamily="2" charset="2"/>
-              <a:buChar char="Ø"/>
-            </a:pPr>
-            <a:r>
-              <a:rPr lang="fr-FR" sz="2000" dirty="0" smtClean="0"/>
-              <a:t>Elimination des basses fréquences</a:t>
-            </a:r>
-          </a:p>
-          <a:p>
-            <a:pPr marL="446088" indent="-358775">
-              <a:lnSpc>
-                <a:spcPct val="200000"/>
-              </a:lnSpc>
-              <a:buFontTx/>
-              <a:buChar char="-"/>
-            </a:pPr>
-            <a:r>
-              <a:rPr lang="fr-FR" sz="2000" dirty="0" smtClean="0"/>
-              <a:t>Filtre de Wiener par rapport aux images de calibration </a:t>
-            </a:r>
-          </a:p>
-          <a:p>
-            <a:pPr marL="446088" indent="-358775">
-              <a:buNone/>
-            </a:pPr>
-            <a:r>
-              <a:rPr lang="fr-FR" sz="2400" dirty="0" smtClean="0"/>
-              <a:t> </a:t>
-            </a:r>
+            <a:endParaRPr lang="fr-FR" sz="2800" dirty="0"/>
           </a:p>
         </p:txBody>
       </p:sp>
       <p:pic>
         <p:nvPicPr>
-          <p:cNvPr id="4098" name="Picture 2"/>
+          <p:cNvPr id="1026" name="Picture 2"/>
           <p:cNvPicPr>
             <a:picLocks noChangeAspect="1" noChangeArrowheads="1"/>
           </p:cNvPicPr>
           <p:nvPr/>
         </p:nvPicPr>
         <p:blipFill>
-          <a:blip r:embed="rId2" cstate="print"/>
-          <a:srcRect l="12519" t="7968" r="9061" b="15127"/>
+          <a:blip r:embed="rId2">
+            <a:extLst>
+              <a:ext uri="{28A0092B-C50C-407E-A947-70E740481C1C}">
+                <a14:useLocalDpi xmlns:a14="http://schemas.microsoft.com/office/drawing/2010/main" val="0"/>
+              </a:ext>
+            </a:extLst>
+          </a:blip>
+          <a:srcRect/>
           <a:stretch>
             <a:fillRect/>
           </a:stretch>
         </p:blipFill>
         <p:spPr bwMode="auto">
           <a:xfrm>
-            <a:off x="3366676" y="3635827"/>
-            <a:ext cx="6125667" cy="2862943"/>
+            <a:off x="798023" y="1574305"/>
+            <a:ext cx="3657597" cy="3806887"/>
           </a:xfrm>
           <a:prstGeom prst="rect">
             <a:avLst/>
           </a:prstGeom>
           <a:noFill/>
-          <a:ln w="9525">
+          <a:ln>
             <a:noFill/>
-            <a:miter lim="800000"/>
-            <a:headEnd/>
-            <a:tailEnd/>
           </a:ln>
+          <a:extLst>
+            <a:ext uri="{909E8E84-426E-40DD-AFC4-6F175D3DCCD1}">
+              <a14:hiddenFill xmlns:a14="http://schemas.microsoft.com/office/drawing/2010/main">
+                <a:solidFill>
+                  <a:schemeClr val="accent1"/>
+                </a:solidFill>
+              </a14:hiddenFill>
+            </a:ext>
+            <a:ext uri="{91240B29-F687-4F45-9708-019B960494DF}">
+              <a14:hiddenLine xmlns:a14="http://schemas.microsoft.com/office/drawing/2010/main" w="9525">
+                <a:solidFill>
+                  <a:schemeClr val="tx1"/>
+                </a:solidFill>
+                <a:miter lim="800000"/>
+                <a:headEnd/>
+                <a:tailEnd/>
+              </a14:hiddenLine>
+            </a:ext>
+          </a:extLst>
+        </p:spPr>
+      </p:pic>
+      <p:sp>
+        <p:nvSpPr>
+          <p:cNvPr id="4" name="Flèche droite 3"/>
+          <p:cNvSpPr/>
+          <p:nvPr/>
+        </p:nvSpPr>
+        <p:spPr>
+          <a:xfrm>
+            <a:off x="4613564" y="3192090"/>
+            <a:ext cx="2177935" cy="532015"/>
+          </a:xfrm>
+          <a:prstGeom prst="rightArrow">
+            <a:avLst/>
+          </a:prstGeom>
+          <a:solidFill>
+            <a:schemeClr val="accent1">
+              <a:alpha val="46000"/>
+            </a:schemeClr>
+          </a:solidFill>
+        </p:spPr>
+        <p:style>
+          <a:lnRef idx="2">
+            <a:schemeClr val="accent1">
+              <a:shade val="50000"/>
+            </a:schemeClr>
+          </a:lnRef>
+          <a:fillRef idx="1">
+            <a:schemeClr val="accent1"/>
+          </a:fillRef>
+          <a:effectRef idx="0">
+            <a:schemeClr val="accent1"/>
+          </a:effectRef>
+          <a:fontRef idx="minor">
+            <a:schemeClr val="lt1"/>
+          </a:fontRef>
+        </p:style>
+        <p:txBody>
+          <a:bodyPr rtlCol="0" anchor="ctr"/>
+          <a:lstStyle/>
+          <a:p>
+            <a:pPr algn="ctr"/>
+            <a:endParaRPr lang="fr-FR"/>
+          </a:p>
+        </p:txBody>
+      </p:sp>
+      <p:pic>
+        <p:nvPicPr>
+          <p:cNvPr id="1027" name="Picture 3"/>
+          <p:cNvPicPr>
+            <a:picLocks noChangeAspect="1" noChangeArrowheads="1"/>
+          </p:cNvPicPr>
+          <p:nvPr/>
+        </p:nvPicPr>
+        <p:blipFill>
+          <a:blip r:embed="rId3">
+            <a:extLst>
+              <a:ext uri="{28A0092B-C50C-407E-A947-70E740481C1C}">
+                <a14:useLocalDpi xmlns:a14="http://schemas.microsoft.com/office/drawing/2010/main" val="0"/>
+              </a:ext>
+            </a:extLst>
+          </a:blip>
+          <a:srcRect/>
+          <a:stretch>
+            <a:fillRect/>
+          </a:stretch>
+        </p:blipFill>
+        <p:spPr bwMode="auto">
+          <a:xfrm>
+            <a:off x="6957728" y="1560604"/>
+            <a:ext cx="3749065" cy="3820589"/>
+          </a:xfrm>
+          <a:prstGeom prst="rect">
+            <a:avLst/>
+          </a:prstGeom>
+          <a:noFill/>
+          <a:ln>
+            <a:noFill/>
+          </a:ln>
+          <a:extLst>
+            <a:ext uri="{909E8E84-426E-40DD-AFC4-6F175D3DCCD1}">
+              <a14:hiddenFill xmlns:a14="http://schemas.microsoft.com/office/drawing/2010/main">
+                <a:solidFill>
+                  <a:schemeClr val="accent1"/>
+                </a:solidFill>
+              </a14:hiddenFill>
+            </a:ext>
+            <a:ext uri="{91240B29-F687-4F45-9708-019B960494DF}">
+              <a14:hiddenLine xmlns:a14="http://schemas.microsoft.com/office/drawing/2010/main" w="9525">
+                <a:solidFill>
+                  <a:schemeClr val="tx1"/>
+                </a:solidFill>
+                <a:miter lim="800000"/>
+                <a:headEnd/>
+                <a:tailEnd/>
+              </a14:hiddenLine>
+            </a:ext>
+          </a:extLst>
         </p:spPr>
       </p:pic>
     </p:spTree>
     <p:extLst>
       <p:ext uri="{BB962C8B-B14F-4D97-AF65-F5344CB8AC3E}">
-        <p14:creationId xmlns:p14="http://schemas.microsoft.com/office/powerpoint/2010/main" val="3995617546"/>
+        <p14:creationId xmlns:p14="http://schemas.microsoft.com/office/powerpoint/2010/main" val="2526054991"/>
       </p:ext>
     </p:extLst>
   </p:cSld>
@@ -13879,7 +15120,7 @@
     <a:masterClrMapping/>
   </p:clrMapOvr>
   <mc:AlternateContent xmlns:mc="http://schemas.openxmlformats.org/markup-compatibility/2006">
-    <mc:Choice xmlns="" xmlns:p15="http://schemas.microsoft.com/office/powerpoint/2012/main" Requires="p15">
+    <mc:Choice xmlns:p15="http://schemas.microsoft.com/office/powerpoint/2012/main" xmlns="" Requires="p15">
       <p:transition xmlns:p14="http://schemas.microsoft.com/office/powerpoint/2010/main" spd="slow" p14:dur="1250">
         <p15:prstTrans prst="peelOff"/>
       </p:transition>
@@ -13945,77 +15186,215 @@
             </a:pPr>
             <a:r>
               <a:rPr lang="fr-FR" sz="2800" u="sng" dirty="0" smtClean="0"/>
-              <a:t>III. Détermination de la position </a:t>
-            </a:r>
-          </a:p>
-          <a:p>
-            <a:pPr marL="719138" lvl="1" indent="-273050">
-              <a:buFont typeface="Arial" pitchFamily="34" charset="0"/>
-              <a:buChar char="•"/>
+              <a:t>II. </a:t>
+            </a:r>
+            <a:r>
+              <a:rPr lang="fr-FR" sz="2800" u="sng" dirty="0" smtClean="0"/>
+              <a:t>Traitements préliminaires</a:t>
+            </a:r>
+            <a:endParaRPr lang="fr-FR" sz="2800" u="sng" dirty="0" smtClean="0"/>
+          </a:p>
+          <a:p>
+            <a:pPr marL="0" indent="0">
+              <a:buNone/>
             </a:pPr>
-            <a:r>
-              <a:rPr lang="fr-FR" sz="2600" dirty="0" smtClean="0"/>
-              <a:t>A partir des images filtrées :</a:t>
-            </a:r>
-          </a:p>
-          <a:p>
-            <a:pPr marL="720000" lvl="1" indent="-361950">
-              <a:spcBef>
-                <a:spcPts val="3600"/>
-              </a:spcBef>
-              <a:buFont typeface="Wingdings" pitchFamily="2" charset="2"/>
-              <a:buChar char="Ø"/>
+            <a:endParaRPr lang="fr-FR" sz="2800" dirty="0" smtClean="0"/>
+          </a:p>
+          <a:p>
+            <a:pPr marL="0" indent="0">
+              <a:buNone/>
             </a:pPr>
-            <a:r>
-              <a:rPr lang="fr-FR" sz="2600" dirty="0" smtClean="0"/>
-              <a:t>Recherche de l’image la plus petite et la plus précise </a:t>
-            </a:r>
-          </a:p>
-          <a:p>
-            <a:pPr marL="712788" lvl="1" indent="-350838">
-              <a:lnSpc>
-                <a:spcPct val="200000"/>
-              </a:lnSpc>
-              <a:buFont typeface="Arial" pitchFamily="34" charset="0"/>
-              <a:buChar char="•"/>
-            </a:pPr>
-            <a:r>
-              <a:rPr lang="fr-FR" sz="2800" dirty="0" smtClean="0"/>
-              <a:t>Autres idées :</a:t>
-            </a:r>
-          </a:p>
-          <a:p>
-            <a:pPr marL="712788" lvl="1" indent="-350838">
-              <a:lnSpc>
-                <a:spcPct val="200000"/>
-              </a:lnSpc>
-              <a:buFont typeface="Wingdings" pitchFamily="2" charset="2"/>
-              <a:buChar char="Ø"/>
-            </a:pPr>
-            <a:r>
-              <a:rPr lang="fr-FR" sz="2800" dirty="0" smtClean="0"/>
-              <a:t>Exploitation des franges</a:t>
-            </a:r>
-          </a:p>
-          <a:p>
-            <a:pPr marL="712788" lvl="1" indent="-350838">
-              <a:lnSpc>
-                <a:spcPct val="200000"/>
-              </a:lnSpc>
-              <a:buFont typeface="Wingdings" pitchFamily="2" charset="2"/>
-              <a:buChar char="Ø"/>
-            </a:pPr>
-            <a:r>
-              <a:rPr lang="fr-FR" sz="2800" dirty="0" smtClean="0"/>
-              <a:t>Amélioration du filtrage</a:t>
-            </a:r>
+            <a:endParaRPr lang="fr-FR" sz="2800" dirty="0"/>
+          </a:p>
+        </p:txBody>
+      </p:sp>
+      <p:pic>
+        <p:nvPicPr>
+          <p:cNvPr id="6" name="Picture 2"/>
+          <p:cNvPicPr>
+            <a:picLocks noChangeAspect="1" noChangeArrowheads="1"/>
+          </p:cNvPicPr>
+          <p:nvPr/>
+        </p:nvPicPr>
+        <p:blipFill>
+          <a:blip r:embed="rId2">
+            <a:extLst>
+              <a:ext uri="{28A0092B-C50C-407E-A947-70E740481C1C}">
+                <a14:useLocalDpi xmlns:a14="http://schemas.microsoft.com/office/drawing/2010/main" val="0"/>
+              </a:ext>
+            </a:extLst>
+          </a:blip>
+          <a:srcRect/>
+          <a:stretch>
+            <a:fillRect/>
+          </a:stretch>
+        </p:blipFill>
+        <p:spPr bwMode="auto">
+          <a:xfrm>
+            <a:off x="519479" y="1320514"/>
+            <a:ext cx="4592848" cy="4807181"/>
+          </a:xfrm>
+          <a:prstGeom prst="rect">
+            <a:avLst/>
+          </a:prstGeom>
+          <a:noFill/>
+          <a:ln>
+            <a:noFill/>
+          </a:ln>
+          <a:extLst>
+            <a:ext uri="{909E8E84-426E-40DD-AFC4-6F175D3DCCD1}">
+              <a14:hiddenFill xmlns:a14="http://schemas.microsoft.com/office/drawing/2010/main">
+                <a:solidFill>
+                  <a:schemeClr val="accent1"/>
+                </a:solidFill>
+              </a14:hiddenFill>
+            </a:ext>
+            <a:ext uri="{91240B29-F687-4F45-9708-019B960494DF}">
+              <a14:hiddenLine xmlns:a14="http://schemas.microsoft.com/office/drawing/2010/main" w="9525">
+                <a:solidFill>
+                  <a:schemeClr val="tx1"/>
+                </a:solidFill>
+                <a:miter lim="800000"/>
+                <a:headEnd/>
+                <a:tailEnd/>
+              </a14:hiddenLine>
+            </a:ext>
+          </a:extLst>
+        </p:spPr>
+      </p:pic>
+      <p:sp>
+        <p:nvSpPr>
+          <p:cNvPr id="2" name="ZoneTexte 1"/>
+          <p:cNvSpPr txBox="1"/>
+          <p:nvPr/>
+        </p:nvSpPr>
+        <p:spPr>
+          <a:xfrm>
+            <a:off x="640079" y="904301"/>
+            <a:ext cx="6652783" cy="369332"/>
+          </a:xfrm>
+          <a:prstGeom prst="rect">
+            <a:avLst/>
+          </a:prstGeom>
+          <a:noFill/>
+        </p:spPr>
+        <p:txBody>
+          <a:bodyPr wrap="none" rtlCol="0">
+            <a:spAutoFit/>
+          </a:bodyPr>
+          <a:lstStyle/>
+          <a:p>
+            <a:r>
+              <a:rPr lang="fr-FR" dirty="0" smtClean="0"/>
+              <a:t>Le fond créé une interférence non désirée avec le réseau</a:t>
+            </a:r>
+            <a:endParaRPr lang="fr-FR" dirty="0"/>
+          </a:p>
+        </p:txBody>
+      </p:sp>
+      <p:pic>
+        <p:nvPicPr>
+          <p:cNvPr id="4099" name="Picture 3"/>
+          <p:cNvPicPr>
+            <a:picLocks noChangeAspect="1" noChangeArrowheads="1"/>
+          </p:cNvPicPr>
+          <p:nvPr/>
+        </p:nvPicPr>
+        <p:blipFill>
+          <a:blip r:embed="rId3">
+            <a:extLst>
+              <a:ext uri="{28A0092B-C50C-407E-A947-70E740481C1C}">
+                <a14:useLocalDpi xmlns:a14="http://schemas.microsoft.com/office/drawing/2010/main" val="0"/>
+              </a:ext>
+            </a:extLst>
+          </a:blip>
+          <a:srcRect/>
+          <a:stretch>
+            <a:fillRect/>
+          </a:stretch>
+        </p:blipFill>
+        <p:spPr bwMode="auto">
+          <a:xfrm>
+            <a:off x="7040877" y="1320514"/>
+            <a:ext cx="4724399" cy="4872036"/>
+          </a:xfrm>
+          <a:prstGeom prst="rect">
+            <a:avLst/>
+          </a:prstGeom>
+          <a:noFill/>
+          <a:ln>
+            <a:noFill/>
+          </a:ln>
+          <a:extLst>
+            <a:ext uri="{909E8E84-426E-40DD-AFC4-6F175D3DCCD1}">
+              <a14:hiddenFill xmlns:a14="http://schemas.microsoft.com/office/drawing/2010/main">
+                <a:solidFill>
+                  <a:schemeClr val="accent1"/>
+                </a:solidFill>
+              </a14:hiddenFill>
+            </a:ext>
+            <a:ext uri="{91240B29-F687-4F45-9708-019B960494DF}">
+              <a14:hiddenLine xmlns:a14="http://schemas.microsoft.com/office/drawing/2010/main" w="9525">
+                <a:solidFill>
+                  <a:schemeClr val="tx1"/>
+                </a:solidFill>
+                <a:miter lim="800000"/>
+                <a:headEnd/>
+                <a:tailEnd/>
+              </a14:hiddenLine>
+            </a:ext>
+          </a:extLst>
+        </p:spPr>
+      </p:pic>
+      <p:sp>
+        <p:nvSpPr>
+          <p:cNvPr id="10" name="Flèche droite 9"/>
+          <p:cNvSpPr/>
+          <p:nvPr/>
+        </p:nvSpPr>
+        <p:spPr>
+          <a:xfrm>
+            <a:off x="5378335" y="3458096"/>
+            <a:ext cx="1438102" cy="532015"/>
+          </a:xfrm>
+          <a:prstGeom prst="rightArrow">
+            <a:avLst/>
+          </a:prstGeom>
+          <a:solidFill>
+            <a:schemeClr val="accent1">
+              <a:alpha val="46000"/>
+            </a:schemeClr>
+          </a:solidFill>
+        </p:spPr>
+        <p:style>
+          <a:lnRef idx="2">
+            <a:schemeClr val="accent1">
+              <a:shade val="50000"/>
+            </a:schemeClr>
+          </a:lnRef>
+          <a:fillRef idx="1">
+            <a:schemeClr val="accent1"/>
+          </a:fillRef>
+          <a:effectRef idx="0">
+            <a:schemeClr val="accent1"/>
+          </a:effectRef>
+          <a:fontRef idx="minor">
+            <a:schemeClr val="lt1"/>
+          </a:fontRef>
+        </p:style>
+        <p:txBody>
+          <a:bodyPr rtlCol="0" anchor="ctr"/>
+          <a:lstStyle/>
+          <a:p>
+            <a:pPr algn="ctr"/>
+            <a:endParaRPr lang="fr-FR"/>
           </a:p>
         </p:txBody>
       </p:sp>
     </p:spTree>
     <p:extLst>
       <p:ext uri="{BB962C8B-B14F-4D97-AF65-F5344CB8AC3E}">
-        <p14:creationId xmlns:p14="http://schemas.microsoft.com/office/powerpoint/2010/main" val="1899768230"/>
+        <p14:creationId xmlns:p14="http://schemas.microsoft.com/office/powerpoint/2010/main" val="4059904508"/>
       </p:ext>
     </p:extLst>
   </p:cSld>
@@ -14023,7 +15402,7 @@
     <a:masterClrMapping/>
   </p:clrMapOvr>
   <mc:AlternateContent xmlns:mc="http://schemas.openxmlformats.org/markup-compatibility/2006">
-    <mc:Choice xmlns="" xmlns:p15="http://schemas.microsoft.com/office/powerpoint/2012/main" Requires="p15">
+    <mc:Choice xmlns:p15="http://schemas.microsoft.com/office/powerpoint/2012/main" xmlns="" Requires="p15">
       <p:transition xmlns:p14="http://schemas.microsoft.com/office/powerpoint/2010/main" spd="slow" p14:dur="1250">
         <p15:prstTrans prst="peelOff"/>
       </p:transition>
@@ -14299,7 +15678,7 @@
   <a:extraClrSchemeLst/>
   <a:extLst>
     <a:ext uri="{05A4C25C-085E-4340-85A3-A5531E510DB2}">
-      <thm15:themeFamily xmlns="" xmlns:thm15="http://schemas.microsoft.com/office/thememl/2012/main" name="Office Theme" id="{62F939B6-93AF-4DB8-9C6B-D6C7DFDC589F}" vid="{4A3C46E8-61CC-4603-A589-7422A47A8E4A}"/>
+      <thm15:themeFamily xmlns:thm15="http://schemas.microsoft.com/office/thememl/2012/main" xmlns="" name="Office Theme" id="{62F939B6-93AF-4DB8-9C6B-D6C7DFDC589F}" vid="{4A3C46E8-61CC-4603-A589-7422A47A8E4A}"/>
     </a:ext>
   </a:extLst>
 </a:theme>
@@ -14542,7 +15921,7 @@
   <a:extraClrSchemeLst/>
   <a:extLst>
     <a:ext uri="{05A4C25C-085E-4340-85A3-A5531E510DB2}">
-      <thm15:themeFamily xmlns="" xmlns:thm15="http://schemas.microsoft.com/office/thememl/2012/main" name="Wisp" id="{7CB32D59-10C0-40DD-B7BD-2E94284A981C}" vid="{24B1A44C-C006-48B2-A4D7-E5549B3D8CD4}"/>
+      <thm15:themeFamily xmlns:thm15="http://schemas.microsoft.com/office/thememl/2012/main" xmlns="" name="Wisp" id="{7CB32D59-10C0-40DD-B7BD-2E94284A981C}" vid="{24B1A44C-C006-48B2-A4D7-E5549B3D8CD4}"/>
     </a:ext>
   </a:extLst>
 </a:theme>

--- a/Pres_Avril/PresentationPIMSAvril.pptx
+++ b/Pres_Avril/PresentationPIMSAvril.pptx
@@ -121,7 +121,7 @@
   </p:defaultTextStyle>
   <p:extLst>
     <p:ext uri="{EFAFB233-063F-42B5-8137-9DF3F51BA10A}">
-      <p15:sldGuideLst xmlns:p15="http://schemas.microsoft.com/office/powerpoint/2012/main" xmlns=""/>
+      <p15:sldGuideLst xmlns="" xmlns:p15="http://schemas.microsoft.com/office/powerpoint/2012/main"/>
     </p:ext>
   </p:extLst>
 </p:presentation>
@@ -258,7 +258,7 @@
           <a:p>
             <a:fld id="{C8031BB3-0EB4-4EC6-BD7E-597E5107F289}" type="datetimeFigureOut">
               <a:rPr lang="fr-FR" smtClean="0"/>
-              <a:t>26/04/2016</a:t>
+              <a:t>27/04/2016</a:t>
             </a:fld>
             <a:endParaRPr lang="fr-FR"/>
           </a:p>
@@ -317,7 +317,7 @@
     <a:masterClrMapping/>
   </p:clrMapOvr>
   <mc:AlternateContent xmlns:mc="http://schemas.openxmlformats.org/markup-compatibility/2006">
-    <mc:Choice xmlns:p15="http://schemas.microsoft.com/office/powerpoint/2012/main" xmlns="" Requires="p15">
+    <mc:Choice xmlns="" xmlns:p15="http://schemas.microsoft.com/office/powerpoint/2012/main" Requires="p15">
       <p:transition xmlns:p14="http://schemas.microsoft.com/office/powerpoint/2010/main" spd="slow" p14:dur="1250">
         <p15:prstTrans prst="peelOff"/>
       </p:transition>
@@ -440,7 +440,7 @@
           <a:p>
             <a:fld id="{C8031BB3-0EB4-4EC6-BD7E-597E5107F289}" type="datetimeFigureOut">
               <a:rPr lang="fr-FR" smtClean="0"/>
-              <a:t>26/04/2016</a:t>
+              <a:t>27/04/2016</a:t>
             </a:fld>
             <a:endParaRPr lang="fr-FR"/>
           </a:p>
@@ -499,7 +499,7 @@
     <a:masterClrMapping/>
   </p:clrMapOvr>
   <mc:AlternateContent xmlns:mc="http://schemas.openxmlformats.org/markup-compatibility/2006">
-    <mc:Choice xmlns:p15="http://schemas.microsoft.com/office/powerpoint/2012/main" xmlns="" Requires="p15">
+    <mc:Choice xmlns="" xmlns:p15="http://schemas.microsoft.com/office/powerpoint/2012/main" Requires="p15">
       <p:transition xmlns:p14="http://schemas.microsoft.com/office/powerpoint/2010/main" spd="slow" p14:dur="1250">
         <p15:prstTrans prst="peelOff"/>
       </p:transition>
@@ -632,7 +632,7 @@
           <a:p>
             <a:fld id="{C8031BB3-0EB4-4EC6-BD7E-597E5107F289}" type="datetimeFigureOut">
               <a:rPr lang="fr-FR" smtClean="0"/>
-              <a:t>26/04/2016</a:t>
+              <a:t>27/04/2016</a:t>
             </a:fld>
             <a:endParaRPr lang="fr-FR"/>
           </a:p>
@@ -691,7 +691,7 @@
     <a:masterClrMapping/>
   </p:clrMapOvr>
   <mc:AlternateContent xmlns:mc="http://schemas.openxmlformats.org/markup-compatibility/2006">
-    <mc:Choice xmlns:p15="http://schemas.microsoft.com/office/powerpoint/2012/main" xmlns="" Requires="p15">
+    <mc:Choice xmlns="" xmlns:p15="http://schemas.microsoft.com/office/powerpoint/2012/main" Requires="p15">
       <p:transition xmlns:p14="http://schemas.microsoft.com/office/powerpoint/2010/main" spd="slow" p14:dur="1250">
         <p15:prstTrans prst="peelOff"/>
       </p:transition>
@@ -900,7 +900,7 @@
                 </a:solidFill>
               </a:rPr>
               <a:pPr/>
-              <a:t>26/04/2016</a:t>
+              <a:t>27/04/2016</a:t>
             </a:fld>
             <a:endParaRPr lang="fr-FR">
               <a:solidFill>
@@ -1059,7 +1059,7 @@
     <a:masterClrMapping/>
   </p:clrMapOvr>
   <mc:AlternateContent xmlns:mc="http://schemas.openxmlformats.org/markup-compatibility/2006">
-    <mc:Choice xmlns:p15="http://schemas.microsoft.com/office/powerpoint/2012/main" xmlns="" Requires="p15">
+    <mc:Choice xmlns="" xmlns:p15="http://schemas.microsoft.com/office/powerpoint/2012/main" Requires="p15">
       <p:transition xmlns:p14="http://schemas.microsoft.com/office/powerpoint/2010/main" spd="slow" p14:dur="1250">
         <p15:prstTrans prst="peelOff"/>
       </p:transition>
@@ -1199,7 +1199,7 @@
                 </a:solidFill>
               </a:rPr>
               <a:pPr/>
-              <a:t>26/04/2016</a:t>
+              <a:t>27/04/2016</a:t>
             </a:fld>
             <a:endParaRPr lang="fr-FR">
               <a:solidFill>
@@ -1353,7 +1353,7 @@
     <a:masterClrMapping/>
   </p:clrMapOvr>
   <mc:AlternateContent xmlns:mc="http://schemas.openxmlformats.org/markup-compatibility/2006">
-    <mc:Choice xmlns:p15="http://schemas.microsoft.com/office/powerpoint/2012/main" xmlns="" Requires="p15">
+    <mc:Choice xmlns="" xmlns:p15="http://schemas.microsoft.com/office/powerpoint/2012/main" Requires="p15">
       <p:transition xmlns:p14="http://schemas.microsoft.com/office/powerpoint/2010/main" spd="slow" p14:dur="1250">
         <p15:prstTrans prst="peelOff"/>
       </p:transition>
@@ -1560,7 +1560,7 @@
                 </a:solidFill>
               </a:rPr>
               <a:pPr/>
-              <a:t>26/04/2016</a:t>
+              <a:t>27/04/2016</a:t>
             </a:fld>
             <a:endParaRPr lang="fr-FR">
               <a:solidFill>
@@ -1719,7 +1719,7 @@
     <a:masterClrMapping/>
   </p:clrMapOvr>
   <mc:AlternateContent xmlns:mc="http://schemas.openxmlformats.org/markup-compatibility/2006">
-    <mc:Choice xmlns:p15="http://schemas.microsoft.com/office/powerpoint/2012/main" xmlns="" Requires="p15">
+    <mc:Choice xmlns="" xmlns:p15="http://schemas.microsoft.com/office/powerpoint/2012/main" Requires="p15">
       <p:transition xmlns:p14="http://schemas.microsoft.com/office/powerpoint/2010/main" spd="slow" p14:dur="1250">
         <p15:prstTrans prst="peelOff"/>
       </p:transition>
@@ -1915,7 +1915,7 @@
                 </a:solidFill>
               </a:rPr>
               <a:pPr/>
-              <a:t>26/04/2016</a:t>
+              <a:t>27/04/2016</a:t>
             </a:fld>
             <a:endParaRPr lang="fr-FR">
               <a:solidFill>
@@ -2074,7 +2074,7 @@
     <a:masterClrMapping/>
   </p:clrMapOvr>
   <mc:AlternateContent xmlns:mc="http://schemas.openxmlformats.org/markup-compatibility/2006">
-    <mc:Choice xmlns:p15="http://schemas.microsoft.com/office/powerpoint/2012/main" xmlns="" Requires="p15">
+    <mc:Choice xmlns="" xmlns:p15="http://schemas.microsoft.com/office/powerpoint/2012/main" Requires="p15">
       <p:transition xmlns:p14="http://schemas.microsoft.com/office/powerpoint/2010/main" spd="slow" p14:dur="1250">
         <p15:prstTrans prst="peelOff"/>
       </p:transition>
@@ -2404,7 +2404,7 @@
                 </a:solidFill>
               </a:rPr>
               <a:pPr/>
-              <a:t>26/04/2016</a:t>
+              <a:t>27/04/2016</a:t>
             </a:fld>
             <a:endParaRPr lang="fr-FR">
               <a:solidFill>
@@ -2563,7 +2563,7 @@
     <a:masterClrMapping/>
   </p:clrMapOvr>
   <mc:AlternateContent xmlns:mc="http://schemas.openxmlformats.org/markup-compatibility/2006">
-    <mc:Choice xmlns:p15="http://schemas.microsoft.com/office/powerpoint/2012/main" xmlns="" Requires="p15">
+    <mc:Choice xmlns="" xmlns:p15="http://schemas.microsoft.com/office/powerpoint/2012/main" Requires="p15">
       <p:transition xmlns:p14="http://schemas.microsoft.com/office/powerpoint/2010/main" spd="slow" p14:dur="1250">
         <p15:prstTrans prst="peelOff"/>
       </p:transition>
@@ -2641,7 +2641,7 @@
                 </a:solidFill>
               </a:rPr>
               <a:pPr/>
-              <a:t>26/04/2016</a:t>
+              <a:t>27/04/2016</a:t>
             </a:fld>
             <a:endParaRPr lang="fr-FR">
               <a:solidFill>
@@ -2795,7 +2795,7 @@
     <a:masterClrMapping/>
   </p:clrMapOvr>
   <mc:AlternateContent xmlns:mc="http://schemas.openxmlformats.org/markup-compatibility/2006">
-    <mc:Choice xmlns:p15="http://schemas.microsoft.com/office/powerpoint/2012/main" xmlns="" Requires="p15">
+    <mc:Choice xmlns="" xmlns:p15="http://schemas.microsoft.com/office/powerpoint/2012/main" Requires="p15">
       <p:transition xmlns:p14="http://schemas.microsoft.com/office/powerpoint/2010/main" spd="slow" p14:dur="1250">
         <p15:prstTrans prst="peelOff"/>
       </p:transition>
@@ -2850,7 +2850,7 @@
                 </a:solidFill>
               </a:rPr>
               <a:pPr/>
-              <a:t>26/04/2016</a:t>
+              <a:t>27/04/2016</a:t>
             </a:fld>
             <a:endParaRPr lang="fr-FR">
               <a:solidFill>
@@ -3004,7 +3004,7 @@
     <a:masterClrMapping/>
   </p:clrMapOvr>
   <mc:AlternateContent xmlns:mc="http://schemas.openxmlformats.org/markup-compatibility/2006">
-    <mc:Choice xmlns:p15="http://schemas.microsoft.com/office/powerpoint/2012/main" xmlns="" Requires="p15">
+    <mc:Choice xmlns="" xmlns:p15="http://schemas.microsoft.com/office/powerpoint/2012/main" Requires="p15">
       <p:transition xmlns:p14="http://schemas.microsoft.com/office/powerpoint/2010/main" spd="slow" p14:dur="1250">
         <p15:prstTrans prst="peelOff"/>
       </p:transition>
@@ -3215,7 +3215,7 @@
                 </a:solidFill>
               </a:rPr>
               <a:pPr/>
-              <a:t>26/04/2016</a:t>
+              <a:t>27/04/2016</a:t>
             </a:fld>
             <a:endParaRPr lang="fr-FR">
               <a:solidFill>
@@ -3369,7 +3369,7 @@
     <a:masterClrMapping/>
   </p:clrMapOvr>
   <mc:AlternateContent xmlns:mc="http://schemas.openxmlformats.org/markup-compatibility/2006">
-    <mc:Choice xmlns:p15="http://schemas.microsoft.com/office/powerpoint/2012/main" xmlns="" Requires="p15">
+    <mc:Choice xmlns="" xmlns:p15="http://schemas.microsoft.com/office/powerpoint/2012/main" Requires="p15">
       <p:transition xmlns:p14="http://schemas.microsoft.com/office/powerpoint/2010/main" spd="slow" p14:dur="1250">
         <p15:prstTrans prst="peelOff"/>
       </p:transition>
@@ -3492,7 +3492,7 @@
           <a:p>
             <a:fld id="{C8031BB3-0EB4-4EC6-BD7E-597E5107F289}" type="datetimeFigureOut">
               <a:rPr lang="fr-FR" smtClean="0"/>
-              <a:t>26/04/2016</a:t>
+              <a:t>27/04/2016</a:t>
             </a:fld>
             <a:endParaRPr lang="fr-FR"/>
           </a:p>
@@ -3551,7 +3551,7 @@
     <a:masterClrMapping/>
   </p:clrMapOvr>
   <mc:AlternateContent xmlns:mc="http://schemas.openxmlformats.org/markup-compatibility/2006">
-    <mc:Choice xmlns:p15="http://schemas.microsoft.com/office/powerpoint/2012/main" xmlns="" Requires="p15">
+    <mc:Choice xmlns="" xmlns:p15="http://schemas.microsoft.com/office/powerpoint/2012/main" Requires="p15">
       <p:transition xmlns:p14="http://schemas.microsoft.com/office/powerpoint/2010/main" spd="slow" p14:dur="1250">
         <p15:prstTrans prst="peelOff"/>
       </p:transition>
@@ -3774,7 +3774,7 @@
                 </a:solidFill>
               </a:rPr>
               <a:pPr/>
-              <a:t>26/04/2016</a:t>
+              <a:t>27/04/2016</a:t>
             </a:fld>
             <a:endParaRPr lang="fr-FR">
               <a:solidFill>
@@ -3933,7 +3933,7 @@
     <a:masterClrMapping/>
   </p:clrMapOvr>
   <mc:AlternateContent xmlns:mc="http://schemas.openxmlformats.org/markup-compatibility/2006">
-    <mc:Choice xmlns:p15="http://schemas.microsoft.com/office/powerpoint/2012/main" xmlns="" Requires="p15">
+    <mc:Choice xmlns="" xmlns:p15="http://schemas.microsoft.com/office/powerpoint/2012/main" Requires="p15">
       <p:transition xmlns:p14="http://schemas.microsoft.com/office/powerpoint/2010/main" spd="slow" p14:dur="1250">
         <p15:prstTrans prst="peelOff"/>
       </p:transition>
@@ -4144,7 +4144,7 @@
                 </a:solidFill>
               </a:rPr>
               <a:pPr/>
-              <a:t>26/04/2016</a:t>
+              <a:t>27/04/2016</a:t>
             </a:fld>
             <a:endParaRPr lang="fr-FR">
               <a:solidFill>
@@ -4303,7 +4303,7 @@
     <a:masterClrMapping/>
   </p:clrMapOvr>
   <mc:AlternateContent xmlns:mc="http://schemas.openxmlformats.org/markup-compatibility/2006">
-    <mc:Choice xmlns:p15="http://schemas.microsoft.com/office/powerpoint/2012/main" xmlns="" Requires="p15">
+    <mc:Choice xmlns="" xmlns:p15="http://schemas.microsoft.com/office/powerpoint/2012/main" Requires="p15">
       <p:transition xmlns:p14="http://schemas.microsoft.com/office/powerpoint/2010/main" spd="slow" p14:dur="1250">
         <p15:prstTrans prst="peelOff"/>
       </p:transition>
@@ -4577,7 +4577,7 @@
                 </a:solidFill>
               </a:rPr>
               <a:pPr/>
-              <a:t>26/04/2016</a:t>
+              <a:t>27/04/2016</a:t>
             </a:fld>
             <a:endParaRPr lang="fr-FR">
               <a:solidFill>
@@ -4808,7 +4808,7 @@
     <a:masterClrMapping/>
   </p:clrMapOvr>
   <mc:AlternateContent xmlns:mc="http://schemas.openxmlformats.org/markup-compatibility/2006">
-    <mc:Choice xmlns:p15="http://schemas.microsoft.com/office/powerpoint/2012/main" xmlns="" Requires="p15">
+    <mc:Choice xmlns="" xmlns:p15="http://schemas.microsoft.com/office/powerpoint/2012/main" Requires="p15">
       <p:transition xmlns:p14="http://schemas.microsoft.com/office/powerpoint/2010/main" spd="slow" p14:dur="1250">
         <p15:prstTrans prst="peelOff"/>
       </p:transition>
@@ -4941,7 +4941,7 @@
                 </a:solidFill>
               </a:rPr>
               <a:pPr/>
-              <a:t>26/04/2016</a:t>
+              <a:t>27/04/2016</a:t>
             </a:fld>
             <a:endParaRPr lang="fr-FR">
               <a:solidFill>
@@ -5100,7 +5100,7 @@
     <a:masterClrMapping/>
   </p:clrMapOvr>
   <mc:AlternateContent xmlns:mc="http://schemas.openxmlformats.org/markup-compatibility/2006">
-    <mc:Choice xmlns:p15="http://schemas.microsoft.com/office/powerpoint/2012/main" xmlns="" Requires="p15">
+    <mc:Choice xmlns="" xmlns:p15="http://schemas.microsoft.com/office/powerpoint/2012/main" Requires="p15">
       <p:transition xmlns:p14="http://schemas.microsoft.com/office/powerpoint/2010/main" spd="slow" p14:dur="1250">
         <p15:prstTrans prst="peelOff"/>
       </p:transition>
@@ -5293,7 +5293,7 @@
                 </a:solidFill>
               </a:rPr>
               <a:pPr/>
-              <a:t>26/04/2016</a:t>
+              <a:t>27/04/2016</a:t>
             </a:fld>
             <a:endParaRPr lang="fr-FR">
               <a:solidFill>
@@ -5524,7 +5524,7 @@
     <a:masterClrMapping/>
   </p:clrMapOvr>
   <mc:AlternateContent xmlns:mc="http://schemas.openxmlformats.org/markup-compatibility/2006">
-    <mc:Choice xmlns:p15="http://schemas.microsoft.com/office/powerpoint/2012/main" xmlns="" Requires="p15">
+    <mc:Choice xmlns="" xmlns:p15="http://schemas.microsoft.com/office/powerpoint/2012/main" Requires="p15">
       <p:transition xmlns:p14="http://schemas.microsoft.com/office/powerpoint/2010/main" spd="slow" p14:dur="1250">
         <p15:prstTrans prst="peelOff"/>
       </p:transition>
@@ -5717,7 +5717,7 @@
                 </a:solidFill>
               </a:rPr>
               <a:pPr/>
-              <a:t>26/04/2016</a:t>
+              <a:t>27/04/2016</a:t>
             </a:fld>
             <a:endParaRPr lang="fr-FR">
               <a:solidFill>
@@ -5876,7 +5876,7 @@
     <a:masterClrMapping/>
   </p:clrMapOvr>
   <mc:AlternateContent xmlns:mc="http://schemas.openxmlformats.org/markup-compatibility/2006">
-    <mc:Choice xmlns:p15="http://schemas.microsoft.com/office/powerpoint/2012/main" xmlns="" Requires="p15">
+    <mc:Choice xmlns="" xmlns:p15="http://schemas.microsoft.com/office/powerpoint/2012/main" Requires="p15">
       <p:transition xmlns:p14="http://schemas.microsoft.com/office/powerpoint/2010/main" spd="slow" p14:dur="1250">
         <p15:prstTrans prst="peelOff"/>
       </p:transition>
@@ -6006,7 +6006,7 @@
                 </a:solidFill>
               </a:rPr>
               <a:pPr/>
-              <a:t>26/04/2016</a:t>
+              <a:t>27/04/2016</a:t>
             </a:fld>
             <a:endParaRPr lang="fr-FR">
               <a:solidFill>
@@ -6160,7 +6160,7 @@
     <a:masterClrMapping/>
   </p:clrMapOvr>
   <mc:AlternateContent xmlns:mc="http://schemas.openxmlformats.org/markup-compatibility/2006">
-    <mc:Choice xmlns:p15="http://schemas.microsoft.com/office/powerpoint/2012/main" xmlns="" Requires="p15">
+    <mc:Choice xmlns="" xmlns:p15="http://schemas.microsoft.com/office/powerpoint/2012/main" Requires="p15">
       <p:transition xmlns:p14="http://schemas.microsoft.com/office/powerpoint/2010/main" spd="slow" p14:dur="1250">
         <p15:prstTrans prst="peelOff"/>
       </p:transition>
@@ -6300,7 +6300,7 @@
                 </a:solidFill>
               </a:rPr>
               <a:pPr/>
-              <a:t>26/04/2016</a:t>
+              <a:t>27/04/2016</a:t>
             </a:fld>
             <a:endParaRPr lang="fr-FR">
               <a:solidFill>
@@ -6454,7 +6454,7 @@
     <a:masterClrMapping/>
   </p:clrMapOvr>
   <mc:AlternateContent xmlns:mc="http://schemas.openxmlformats.org/markup-compatibility/2006">
-    <mc:Choice xmlns:p15="http://schemas.microsoft.com/office/powerpoint/2012/main" xmlns="" Requires="p15">
+    <mc:Choice xmlns="" xmlns:p15="http://schemas.microsoft.com/office/powerpoint/2012/main" Requires="p15">
       <p:transition xmlns:p14="http://schemas.microsoft.com/office/powerpoint/2010/main" spd="slow" p14:dur="1250">
         <p15:prstTrans prst="peelOff"/>
       </p:transition>
@@ -6653,7 +6653,7 @@
           <a:p>
             <a:fld id="{C8031BB3-0EB4-4EC6-BD7E-597E5107F289}" type="datetimeFigureOut">
               <a:rPr lang="fr-FR" smtClean="0"/>
-              <a:t>26/04/2016</a:t>
+              <a:t>27/04/2016</a:t>
             </a:fld>
             <a:endParaRPr lang="fr-FR"/>
           </a:p>
@@ -6712,7 +6712,7 @@
     <a:masterClrMapping/>
   </p:clrMapOvr>
   <mc:AlternateContent xmlns:mc="http://schemas.openxmlformats.org/markup-compatibility/2006">
-    <mc:Choice xmlns:p15="http://schemas.microsoft.com/office/powerpoint/2012/main" xmlns="" Requires="p15">
+    <mc:Choice xmlns="" xmlns:p15="http://schemas.microsoft.com/office/powerpoint/2012/main" Requires="p15">
       <p:transition xmlns:p14="http://schemas.microsoft.com/office/powerpoint/2010/main" spd="slow" p14:dur="1250">
         <p15:prstTrans prst="peelOff"/>
       </p:transition>
@@ -6897,7 +6897,7 @@
           <a:p>
             <a:fld id="{C8031BB3-0EB4-4EC6-BD7E-597E5107F289}" type="datetimeFigureOut">
               <a:rPr lang="fr-FR" smtClean="0"/>
-              <a:t>26/04/2016</a:t>
+              <a:t>27/04/2016</a:t>
             </a:fld>
             <a:endParaRPr lang="fr-FR"/>
           </a:p>
@@ -6956,7 +6956,7 @@
     <a:masterClrMapping/>
   </p:clrMapOvr>
   <mc:AlternateContent xmlns:mc="http://schemas.openxmlformats.org/markup-compatibility/2006">
-    <mc:Choice xmlns:p15="http://schemas.microsoft.com/office/powerpoint/2012/main" xmlns="" Requires="p15">
+    <mc:Choice xmlns="" xmlns:p15="http://schemas.microsoft.com/office/powerpoint/2012/main" Requires="p15">
       <p:transition xmlns:p14="http://schemas.microsoft.com/office/powerpoint/2010/main" spd="slow" p14:dur="1250">
         <p15:prstTrans prst="peelOff"/>
       </p:transition>
@@ -7276,7 +7276,7 @@
           <a:p>
             <a:fld id="{C8031BB3-0EB4-4EC6-BD7E-597E5107F289}" type="datetimeFigureOut">
               <a:rPr lang="fr-FR" smtClean="0"/>
-              <a:t>26/04/2016</a:t>
+              <a:t>27/04/2016</a:t>
             </a:fld>
             <a:endParaRPr lang="fr-FR"/>
           </a:p>
@@ -7335,7 +7335,7 @@
     <a:masterClrMapping/>
   </p:clrMapOvr>
   <mc:AlternateContent xmlns:mc="http://schemas.openxmlformats.org/markup-compatibility/2006">
-    <mc:Choice xmlns:p15="http://schemas.microsoft.com/office/powerpoint/2012/main" xmlns="" Requires="p15">
+    <mc:Choice xmlns="" xmlns:p15="http://schemas.microsoft.com/office/powerpoint/2012/main" Requires="p15">
       <p:transition xmlns:p14="http://schemas.microsoft.com/office/powerpoint/2010/main" spd="slow" p14:dur="1250">
         <p15:prstTrans prst="peelOff"/>
       </p:transition>
@@ -7406,7 +7406,7 @@
           <a:p>
             <a:fld id="{C8031BB3-0EB4-4EC6-BD7E-597E5107F289}" type="datetimeFigureOut">
               <a:rPr lang="fr-FR" smtClean="0"/>
-              <a:t>26/04/2016</a:t>
+              <a:t>27/04/2016</a:t>
             </a:fld>
             <a:endParaRPr lang="fr-FR"/>
           </a:p>
@@ -7465,7 +7465,7 @@
     <a:masterClrMapping/>
   </p:clrMapOvr>
   <mc:AlternateContent xmlns:mc="http://schemas.openxmlformats.org/markup-compatibility/2006">
-    <mc:Choice xmlns:p15="http://schemas.microsoft.com/office/powerpoint/2012/main" xmlns="" Requires="p15">
+    <mc:Choice xmlns="" xmlns:p15="http://schemas.microsoft.com/office/powerpoint/2012/main" Requires="p15">
       <p:transition xmlns:p14="http://schemas.microsoft.com/office/powerpoint/2010/main" spd="slow" p14:dur="1250">
         <p15:prstTrans prst="peelOff"/>
       </p:transition>
@@ -7513,7 +7513,7 @@
           <a:p>
             <a:fld id="{C8031BB3-0EB4-4EC6-BD7E-597E5107F289}" type="datetimeFigureOut">
               <a:rPr lang="fr-FR" smtClean="0"/>
-              <a:t>26/04/2016</a:t>
+              <a:t>27/04/2016</a:t>
             </a:fld>
             <a:endParaRPr lang="fr-FR"/>
           </a:p>
@@ -7572,7 +7572,7 @@
     <a:masterClrMapping/>
   </p:clrMapOvr>
   <mc:AlternateContent xmlns:mc="http://schemas.openxmlformats.org/markup-compatibility/2006">
-    <mc:Choice xmlns:p15="http://schemas.microsoft.com/office/powerpoint/2012/main" xmlns="" Requires="p15">
+    <mc:Choice xmlns="" xmlns:p15="http://schemas.microsoft.com/office/powerpoint/2012/main" Requires="p15">
       <p:transition xmlns:p14="http://schemas.microsoft.com/office/powerpoint/2010/main" spd="slow" p14:dur="1250">
         <p15:prstTrans prst="peelOff"/>
       </p:transition>
@@ -7802,7 +7802,7 @@
           <a:p>
             <a:fld id="{C8031BB3-0EB4-4EC6-BD7E-597E5107F289}" type="datetimeFigureOut">
               <a:rPr lang="fr-FR" smtClean="0"/>
-              <a:t>26/04/2016</a:t>
+              <a:t>27/04/2016</a:t>
             </a:fld>
             <a:endParaRPr lang="fr-FR"/>
           </a:p>
@@ -7861,7 +7861,7 @@
     <a:masterClrMapping/>
   </p:clrMapOvr>
   <mc:AlternateContent xmlns:mc="http://schemas.openxmlformats.org/markup-compatibility/2006">
-    <mc:Choice xmlns:p15="http://schemas.microsoft.com/office/powerpoint/2012/main" xmlns="" Requires="p15">
+    <mc:Choice xmlns="" xmlns:p15="http://schemas.microsoft.com/office/powerpoint/2012/main" Requires="p15">
       <p:transition xmlns:p14="http://schemas.microsoft.com/office/powerpoint/2010/main" spd="slow" p14:dur="1250">
         <p15:prstTrans prst="peelOff"/>
       </p:transition>
@@ -8067,7 +8067,7 @@
           <a:p>
             <a:fld id="{C8031BB3-0EB4-4EC6-BD7E-597E5107F289}" type="datetimeFigureOut">
               <a:rPr lang="fr-FR" smtClean="0"/>
-              <a:t>26/04/2016</a:t>
+              <a:t>27/04/2016</a:t>
             </a:fld>
             <a:endParaRPr lang="fr-FR"/>
           </a:p>
@@ -8126,7 +8126,7 @@
     <a:masterClrMapping/>
   </p:clrMapOvr>
   <mc:AlternateContent xmlns:mc="http://schemas.openxmlformats.org/markup-compatibility/2006">
-    <mc:Choice xmlns:p15="http://schemas.microsoft.com/office/powerpoint/2012/main" xmlns="" Requires="p15">
+    <mc:Choice xmlns="" xmlns:p15="http://schemas.microsoft.com/office/powerpoint/2012/main" Requires="p15">
       <p:transition xmlns:p14="http://schemas.microsoft.com/office/powerpoint/2010/main" spd="slow" p14:dur="1250">
         <p15:prstTrans prst="peelOff"/>
       </p:transition>
@@ -8313,7 +8313,7 @@
           <a:p>
             <a:fld id="{C8031BB3-0EB4-4EC6-BD7E-597E5107F289}" type="datetimeFigureOut">
               <a:rPr lang="fr-FR" smtClean="0"/>
-              <a:t>26/04/2016</a:t>
+              <a:t>27/04/2016</a:t>
             </a:fld>
             <a:endParaRPr lang="fr-FR"/>
           </a:p>
@@ -8419,7 +8419,7 @@
     <p:sldLayoutId id="2147483837" r:id="rId11"/>
   </p:sldLayoutIdLst>
   <mc:AlternateContent xmlns:mc="http://schemas.openxmlformats.org/markup-compatibility/2006">
-    <mc:Choice xmlns:p15="http://schemas.microsoft.com/office/powerpoint/2012/main" xmlns="" Requires="p15">
+    <mc:Choice xmlns="" xmlns:p15="http://schemas.microsoft.com/office/powerpoint/2012/main" Requires="p15">
       <p:transition xmlns:p14="http://schemas.microsoft.com/office/powerpoint/2010/main" spd="slow" p14:dur="1250">
         <p15:prstTrans prst="peelOff"/>
       </p:transition>
@@ -10710,7 +10710,7 @@
                 </a:solidFill>
               </a:rPr>
               <a:pPr/>
-              <a:t>26/04/2016</a:t>
+              <a:t>27/04/2016</a:t>
             </a:fld>
             <a:endParaRPr lang="fr-FR">
               <a:solidFill>
@@ -10832,7 +10832,7 @@
     <p:sldLayoutId id="2147483854" r:id="rId16"/>
   </p:sldLayoutIdLst>
   <mc:AlternateContent xmlns:mc="http://schemas.openxmlformats.org/markup-compatibility/2006">
-    <mc:Choice xmlns:p15="http://schemas.microsoft.com/office/powerpoint/2012/main" xmlns="" Requires="p15">
+    <mc:Choice xmlns="" xmlns:p15="http://schemas.microsoft.com/office/powerpoint/2012/main" Requires="p15">
       <p:transition xmlns:p14="http://schemas.microsoft.com/office/powerpoint/2010/main" spd="slow" p14:dur="1250">
         <p15:prstTrans prst="peelOff"/>
       </p:transition>
@@ -11699,13 +11699,8 @@
             </a:pPr>
             <a:r>
               <a:rPr lang="fr-FR" sz="2800" u="sng" dirty="0" smtClean="0"/>
-              <a:t>II. </a:t>
-            </a:r>
-            <a:r>
-              <a:rPr lang="fr-FR" sz="2800" u="sng" dirty="0" smtClean="0"/>
-              <a:t>Traitements préliminaires</a:t>
-            </a:r>
-            <a:endParaRPr lang="fr-FR" sz="2800" u="sng" dirty="0" smtClean="0"/>
+              <a:t>II. Traitements préliminaires</a:t>
+            </a:r>
           </a:p>
           <a:p>
             <a:pPr marL="0" indent="0">
@@ -12007,7 +12002,6 @@
               <a:rPr lang="fr-FR" sz="2400" dirty="0" smtClean="0"/>
               <a:t> </a:t>
             </a:r>
-            <a:endParaRPr lang="fr-FR" sz="2400" dirty="0" smtClean="0"/>
           </a:p>
         </p:txBody>
       </p:sp>
@@ -12022,7 +12016,7 @@
     <a:masterClrMapping/>
   </p:clrMapOvr>
   <mc:AlternateContent xmlns:mc="http://schemas.openxmlformats.org/markup-compatibility/2006">
-    <mc:Choice xmlns:p15="http://schemas.microsoft.com/office/powerpoint/2012/main" xmlns="" Requires="p15">
+    <mc:Choice xmlns="" xmlns:p15="http://schemas.microsoft.com/office/powerpoint/2012/main" Requires="p15">
       <p:transition xmlns:p14="http://schemas.microsoft.com/office/powerpoint/2010/main" spd="slow" p14:dur="1250">
         <p15:prstTrans prst="peelOff"/>
       </p:transition>
@@ -12088,13 +12082,8 @@
             </a:pPr>
             <a:r>
               <a:rPr lang="fr-FR" sz="2800" u="sng" dirty="0" smtClean="0"/>
-              <a:t>II. </a:t>
-            </a:r>
-            <a:r>
-              <a:rPr lang="fr-FR" sz="2800" u="sng" dirty="0" smtClean="0"/>
-              <a:t>Traitements préliminaires</a:t>
-            </a:r>
-            <a:endParaRPr lang="fr-FR" sz="2800" u="sng" dirty="0" smtClean="0"/>
+              <a:t>II. Traitements préliminaires</a:t>
+            </a:r>
           </a:p>
           <a:p>
             <a:pPr marL="0" indent="0">
@@ -12385,7 +12374,6 @@
               <a:rPr lang="fr-FR" sz="2400" dirty="0" smtClean="0"/>
               <a:t> </a:t>
             </a:r>
-            <a:endParaRPr lang="fr-FR" sz="2400" dirty="0" smtClean="0"/>
           </a:p>
         </p:txBody>
       </p:sp>
@@ -12400,7 +12388,7 @@
     <a:masterClrMapping/>
   </p:clrMapOvr>
   <mc:AlternateContent xmlns:mc="http://schemas.openxmlformats.org/markup-compatibility/2006">
-    <mc:Choice xmlns:p15="http://schemas.microsoft.com/office/powerpoint/2012/main" xmlns="" Requires="p15">
+    <mc:Choice xmlns="" xmlns:p15="http://schemas.microsoft.com/office/powerpoint/2012/main" Requires="p15">
       <p:transition xmlns:p14="http://schemas.microsoft.com/office/powerpoint/2010/main" spd="slow" p14:dur="1250">
         <p15:prstTrans prst="peelOff"/>
       </p:transition>
@@ -12466,13 +12454,8 @@
             </a:pPr>
             <a:r>
               <a:rPr lang="fr-FR" sz="2800" u="sng" dirty="0" smtClean="0"/>
-              <a:t>II. </a:t>
-            </a:r>
-            <a:r>
-              <a:rPr lang="fr-FR" sz="2800" u="sng" dirty="0" smtClean="0"/>
-              <a:t>Traitements préliminaires</a:t>
-            </a:r>
-            <a:endParaRPr lang="fr-FR" sz="2800" u="sng" dirty="0" smtClean="0"/>
+              <a:t>II. Traitements préliminaires</a:t>
+            </a:r>
           </a:p>
           <a:p>
             <a:pPr marL="0" indent="0">
@@ -12746,7 +12729,6 @@
               <a:rPr lang="fr-FR" sz="2400" dirty="0" smtClean="0"/>
               <a:t> </a:t>
             </a:r>
-            <a:endParaRPr lang="fr-FR" sz="2400" dirty="0" smtClean="0"/>
           </a:p>
         </p:txBody>
       </p:sp>
@@ -12761,7 +12743,7 @@
     <a:masterClrMapping/>
   </p:clrMapOvr>
   <mc:AlternateContent xmlns:mc="http://schemas.openxmlformats.org/markup-compatibility/2006">
-    <mc:Choice xmlns:p15="http://schemas.microsoft.com/office/powerpoint/2012/main" xmlns="" Requires="p15">
+    <mc:Choice xmlns="" xmlns:p15="http://schemas.microsoft.com/office/powerpoint/2012/main" Requires="p15">
       <p:transition xmlns:p14="http://schemas.microsoft.com/office/powerpoint/2010/main" spd="slow" p14:dur="1250">
         <p15:prstTrans prst="peelOff"/>
       </p:transition>
@@ -12843,7 +12825,7 @@
     <a:masterClrMapping/>
   </p:clrMapOvr>
   <mc:AlternateContent xmlns:mc="http://schemas.openxmlformats.org/markup-compatibility/2006">
-    <mc:Choice xmlns:p15="http://schemas.microsoft.com/office/powerpoint/2012/main" xmlns="" Requires="p15">
+    <mc:Choice xmlns="" xmlns:p15="http://schemas.microsoft.com/office/powerpoint/2012/main" Requires="p15">
       <p:transition xmlns:p14="http://schemas.microsoft.com/office/powerpoint/2010/main" spd="slow" p14:dur="1250">
         <p15:prstTrans prst="peelOff"/>
       </p:transition>
@@ -12932,7 +12914,7 @@
     <a:masterClrMapping/>
   </p:clrMapOvr>
   <mc:AlternateContent xmlns:mc="http://schemas.openxmlformats.org/markup-compatibility/2006">
-    <mc:Choice xmlns:p15="http://schemas.microsoft.com/office/powerpoint/2012/main" xmlns="" Requires="p15">
+    <mc:Choice xmlns="" xmlns:p15="http://schemas.microsoft.com/office/powerpoint/2012/main" Requires="p15">
       <p:transition xmlns:p14="http://schemas.microsoft.com/office/powerpoint/2010/main" spd="slow" p14:dur="1250">
         <p15:prstTrans prst="peelOff"/>
       </p:transition>
@@ -13037,7 +13019,7 @@
     <a:masterClrMapping/>
   </p:clrMapOvr>
   <mc:AlternateContent xmlns:mc="http://schemas.openxmlformats.org/markup-compatibility/2006">
-    <mc:Choice xmlns:p15="http://schemas.microsoft.com/office/powerpoint/2012/main" xmlns="" Requires="p15">
+    <mc:Choice xmlns="" xmlns:p15="http://schemas.microsoft.com/office/powerpoint/2012/main" Requires="p15">
       <p:transition xmlns:p14="http://schemas.microsoft.com/office/powerpoint/2010/main" spd="slow" p14:dur="1250">
         <p15:prstTrans prst="peelOff"/>
       </p:transition>
@@ -13177,11 +13159,7 @@
             </a:pPr>
             <a:r>
               <a:rPr lang="fr-FR" sz="2800" u="sng" dirty="0" smtClean="0"/>
-              <a:t>Données</a:t>
-            </a:r>
-            <a:r>
-              <a:rPr lang="fr-FR" sz="2800" u="sng" dirty="0" smtClean="0"/>
-              <a:t>:</a:t>
+              <a:t>Données:</a:t>
             </a:r>
           </a:p>
           <a:p>
@@ -13223,19 +13201,7 @@
             </a:pPr>
             <a:r>
               <a:rPr lang="fr-FR" sz="2400" dirty="0" smtClean="0"/>
-              <a:t>- images </a:t>
-            </a:r>
-            <a:r>
-              <a:rPr lang="fr-FR" sz="2400" dirty="0" smtClean="0"/>
-              <a:t>en </a:t>
-            </a:r>
-            <a:r>
-              <a:rPr lang="fr-FR" sz="2400" dirty="0" smtClean="0"/>
-              <a:t>situation</a:t>
-            </a:r>
-            <a:r>
-              <a:rPr lang="fr-FR" sz="2400" dirty="0" smtClean="0"/>
-              <a:t/>
+              <a:t>- images en situation</a:t>
             </a:r>
             <a:br>
               <a:rPr lang="fr-FR" sz="2400" dirty="0" smtClean="0"/>
@@ -13298,7 +13264,7 @@
         <p:spPr>
           <a:xfrm>
             <a:off x="706582" y="249382"/>
-            <a:ext cx="10631978" cy="1200329"/>
+            <a:ext cx="10631978" cy="830997"/>
           </a:xfrm>
           <a:prstGeom prst="rect">
             <a:avLst/>
@@ -13312,8 +13278,16 @@
           <a:lstStyle/>
           <a:p>
             <a:r>
+              <a:rPr lang="fr-FR" sz="2400" i="1" dirty="0"/>
+              <a:t>A</a:t>
+            </a:r>
+            <a:r>
               <a:rPr lang="fr-FR" sz="2400" i="1" dirty="0" smtClean="0"/>
-              <a:t>Quelles résolutions peut on atteindre à l’aide d’un microscope STORM associé à un réseau?</a:t>
+              <a:t>vec quelle précision peut on localiser un émetteur fluorescent ?</a:t>
+            </a:r>
+            <a:r>
+              <a:rPr lang="fr-FR" sz="2400" i="1" dirty="0" smtClean="0"/>
+              <a:t/>
             </a:r>
             <a:br>
               <a:rPr lang="fr-FR" sz="2400" i="1" dirty="0" smtClean="0"/>
@@ -13337,7 +13311,7 @@
     <a:masterClrMapping/>
   </p:clrMapOvr>
   <mc:AlternateContent xmlns:mc="http://schemas.openxmlformats.org/markup-compatibility/2006">
-    <mc:Choice xmlns:p15="http://schemas.microsoft.com/office/powerpoint/2012/main" xmlns="" Requires="p15">
+    <mc:Choice xmlns="" xmlns:p15="http://schemas.microsoft.com/office/powerpoint/2012/main" Requires="p15">
       <p:transition xmlns:p14="http://schemas.microsoft.com/office/powerpoint/2010/main" spd="slow" p14:dur="1250">
         <p15:prstTrans prst="peelOff"/>
       </p:transition>
@@ -13680,7 +13654,7 @@
     <a:masterClrMapping/>
   </p:clrMapOvr>
   <mc:AlternateContent xmlns:mc="http://schemas.openxmlformats.org/markup-compatibility/2006">
-    <mc:Choice xmlns:p15="http://schemas.microsoft.com/office/powerpoint/2012/main" xmlns="" Requires="p15">
+    <mc:Choice xmlns="" xmlns:p15="http://schemas.microsoft.com/office/powerpoint/2012/main" Requires="p15">
       <p:transition xmlns:p14="http://schemas.microsoft.com/office/powerpoint/2010/main" spd="slow" p14:dur="1250">
         <p15:prstTrans prst="peelOff"/>
       </p:transition>
@@ -13810,7 +13784,7 @@
     <a:masterClrMapping/>
   </p:clrMapOvr>
   <mc:AlternateContent xmlns:mc="http://schemas.openxmlformats.org/markup-compatibility/2006">
-    <mc:Choice xmlns:p15="http://schemas.microsoft.com/office/powerpoint/2012/main" xmlns="" Requires="p15">
+    <mc:Choice xmlns="" xmlns:p15="http://schemas.microsoft.com/office/powerpoint/2012/main" Requires="p15">
       <p:transition xmlns:p14="http://schemas.microsoft.com/office/powerpoint/2010/main" spd="slow" p14:dur="1250">
         <p15:prstTrans prst="peelOff"/>
       </p:transition>
@@ -14254,7 +14228,7 @@
     <a:masterClrMapping/>
   </p:clrMapOvr>
   <mc:AlternateContent xmlns:mc="http://schemas.openxmlformats.org/markup-compatibility/2006">
-    <mc:Choice xmlns:p15="http://schemas.microsoft.com/office/powerpoint/2012/main" xmlns="" Requires="p15">
+    <mc:Choice xmlns="" xmlns:p15="http://schemas.microsoft.com/office/powerpoint/2012/main" Requires="p15">
       <p:transition xmlns:p14="http://schemas.microsoft.com/office/powerpoint/2010/main" spd="slow" p14:dur="1250">
         <p15:prstTrans prst="peelOff"/>
       </p:transition>
@@ -14601,7 +14575,7 @@
     <a:masterClrMapping/>
   </p:clrMapOvr>
   <mc:AlternateContent xmlns:mc="http://schemas.openxmlformats.org/markup-compatibility/2006">
-    <mc:Choice xmlns:p15="http://schemas.microsoft.com/office/powerpoint/2012/main" xmlns="" Requires="p15">
+    <mc:Choice xmlns="" xmlns:p15="http://schemas.microsoft.com/office/powerpoint/2012/main" Requires="p15">
       <p:transition xmlns:p14="http://schemas.microsoft.com/office/powerpoint/2010/main" spd="slow" p14:dur="1250">
         <p15:prstTrans prst="peelOff"/>
       </p:transition>
@@ -14667,13 +14641,8 @@
             </a:pPr>
             <a:r>
               <a:rPr lang="fr-FR" sz="2800" u="sng" dirty="0" smtClean="0"/>
-              <a:t>II. </a:t>
-            </a:r>
-            <a:r>
-              <a:rPr lang="fr-FR" sz="2800" u="sng" dirty="0" smtClean="0"/>
-              <a:t>Traitements préliminaires</a:t>
-            </a:r>
-            <a:endParaRPr lang="fr-FR" sz="2800" u="sng" dirty="0" smtClean="0"/>
+              <a:t>II. Traitements préliminaires</a:t>
+            </a:r>
           </a:p>
           <a:p>
             <a:pPr marL="0" indent="0">
@@ -14857,6 +14826,36 @@
           </p:txBody>
         </p:sp>
       </p:grpSp>
+      <p:sp>
+        <p:nvSpPr>
+          <p:cNvPr id="2" name="ZoneTexte 1"/>
+          <p:cNvSpPr txBox="1"/>
+          <p:nvPr/>
+        </p:nvSpPr>
+        <p:spPr>
+          <a:xfrm>
+            <a:off x="7165571" y="5394985"/>
+            <a:ext cx="3773979" cy="646331"/>
+          </a:xfrm>
+          <a:prstGeom prst="rect">
+            <a:avLst/>
+          </a:prstGeom>
+          <a:noFill/>
+        </p:spPr>
+        <p:txBody>
+          <a:bodyPr wrap="square" rtlCol="0">
+            <a:spAutoFit/>
+          </a:bodyPr>
+          <a:lstStyle/>
+          <a:p>
+            <a:r>
+              <a:rPr lang="fr-FR" dirty="0" smtClean="0"/>
+              <a:t>Conservation des fréquences mais pas de la phase.</a:t>
+            </a:r>
+            <a:endParaRPr lang="fr-FR" dirty="0"/>
+          </a:p>
+        </p:txBody>
+      </p:sp>
     </p:spTree>
     <p:extLst>
       <p:ext uri="{BB962C8B-B14F-4D97-AF65-F5344CB8AC3E}">
@@ -14868,7 +14867,7 @@
     <a:masterClrMapping/>
   </p:clrMapOvr>
   <mc:AlternateContent xmlns:mc="http://schemas.openxmlformats.org/markup-compatibility/2006">
-    <mc:Choice xmlns:p15="http://schemas.microsoft.com/office/powerpoint/2012/main" xmlns="" Requires="p15">
+    <mc:Choice xmlns="" xmlns:p15="http://schemas.microsoft.com/office/powerpoint/2012/main" Requires="p15">
       <p:transition xmlns:p14="http://schemas.microsoft.com/office/powerpoint/2010/main" spd="slow" p14:dur="1250">
         <p15:prstTrans prst="peelOff"/>
       </p:transition>
@@ -14934,13 +14933,8 @@
             </a:pPr>
             <a:r>
               <a:rPr lang="fr-FR" sz="2800" u="sng" dirty="0" smtClean="0"/>
-              <a:t>II. </a:t>
-            </a:r>
-            <a:r>
-              <a:rPr lang="fr-FR" sz="2800" u="sng" dirty="0" smtClean="0"/>
-              <a:t>Traitements préliminaires</a:t>
-            </a:r>
-            <a:endParaRPr lang="fr-FR" sz="2800" u="sng" dirty="0" smtClean="0"/>
+              <a:t>II. Traitements préliminaires</a:t>
+            </a:r>
           </a:p>
           <a:p>
             <a:pPr marL="0" indent="0">
@@ -14956,60 +14950,6 @@
           </a:p>
         </p:txBody>
       </p:sp>
-      <p:pic>
-        <p:nvPicPr>
-          <p:cNvPr id="1026" name="Picture 2"/>
-          <p:cNvPicPr>
-            <a:picLocks noChangeAspect="1" noChangeArrowheads="1"/>
-          </p:cNvPicPr>
-          <p:nvPr/>
-        </p:nvPicPr>
-        <p:blipFill>
-          <a:blip r:embed="rId2">
-            <a:extLst>
-              <a:ext uri="{28A0092B-C50C-407E-A947-70E740481C1C}">
-                <a14:useLocalDpi xmlns:a14="http://schemas.microsoft.com/office/drawing/2010/main" val="0"/>
-              </a:ext>
-            </a:extLst>
-          </a:blip>
-          <a:srcRect/>
-          <a:stretch>
-            <a:fillRect/>
-          </a:stretch>
-        </p:blipFill>
-        <p:spPr bwMode="auto">
-          <a:xfrm>
-            <a:off x="798023" y="1574305"/>
-            <a:ext cx="3657597" cy="3806887"/>
-          </a:xfrm>
-          <a:prstGeom prst="rect">
-            <a:avLst/>
-          </a:prstGeom>
-          <a:noFill/>
-          <a:ln>
-            <a:noFill/>
-          </a:ln>
-          <a:extLst>
-            <a:ext uri="{909E8E84-426E-40DD-AFC4-6F175D3DCCD1}">
-              <a14:hiddenFill xmlns:a14="http://schemas.microsoft.com/office/drawing/2010/main">
-                <a:solidFill>
-                  <a:schemeClr val="accent1"/>
-                </a:solidFill>
-              </a14:hiddenFill>
-            </a:ext>
-            <a:ext uri="{91240B29-F687-4F45-9708-019B960494DF}">
-              <a14:hiddenLine xmlns:a14="http://schemas.microsoft.com/office/drawing/2010/main" w="9525">
-                <a:solidFill>
-                  <a:schemeClr val="tx1"/>
-                </a:solidFill>
-                <a:miter lim="800000"/>
-                <a:headEnd/>
-                <a:tailEnd/>
-              </a14:hiddenLine>
-            </a:ext>
-          </a:extLst>
-        </p:spPr>
-      </p:pic>
       <p:sp>
         <p:nvSpPr>
           <p:cNvPr id="4" name="Flèche droite 3"/>
@@ -15057,7 +14997,61 @@
       </p:sp>
       <p:pic>
         <p:nvPicPr>
-          <p:cNvPr id="1027" name="Picture 3"/>
+          <p:cNvPr id="2" name="Picture 2"/>
+          <p:cNvPicPr>
+            <a:picLocks noChangeAspect="1" noChangeArrowheads="1"/>
+          </p:cNvPicPr>
+          <p:nvPr/>
+        </p:nvPicPr>
+        <p:blipFill>
+          <a:blip r:embed="rId2">
+            <a:extLst>
+              <a:ext uri="{28A0092B-C50C-407E-A947-70E740481C1C}">
+                <a14:useLocalDpi xmlns:a14="http://schemas.microsoft.com/office/drawing/2010/main" val="0"/>
+              </a:ext>
+            </a:extLst>
+          </a:blip>
+          <a:srcRect/>
+          <a:stretch>
+            <a:fillRect/>
+          </a:stretch>
+        </p:blipFill>
+        <p:spPr bwMode="auto">
+          <a:xfrm>
+            <a:off x="6975591" y="1574305"/>
+            <a:ext cx="3922395" cy="4036725"/>
+          </a:xfrm>
+          <a:prstGeom prst="rect">
+            <a:avLst/>
+          </a:prstGeom>
+          <a:noFill/>
+          <a:ln>
+            <a:noFill/>
+          </a:ln>
+          <a:extLst>
+            <a:ext uri="{909E8E84-426E-40DD-AFC4-6F175D3DCCD1}">
+              <a14:hiddenFill xmlns:a14="http://schemas.microsoft.com/office/drawing/2010/main">
+                <a:solidFill>
+                  <a:schemeClr val="accent1"/>
+                </a:solidFill>
+              </a14:hiddenFill>
+            </a:ext>
+            <a:ext uri="{91240B29-F687-4F45-9708-019B960494DF}">
+              <a14:hiddenLine xmlns:a14="http://schemas.microsoft.com/office/drawing/2010/main" w="9525">
+                <a:solidFill>
+                  <a:schemeClr val="tx1"/>
+                </a:solidFill>
+                <a:miter lim="800000"/>
+                <a:headEnd/>
+                <a:tailEnd/>
+              </a14:hiddenLine>
+            </a:ext>
+          </a:extLst>
+        </p:spPr>
+      </p:pic>
+      <p:pic>
+        <p:nvPicPr>
+          <p:cNvPr id="5" name="Picture 3"/>
           <p:cNvPicPr>
             <a:picLocks noChangeAspect="1" noChangeArrowheads="1"/>
           </p:cNvPicPr>
@@ -15078,8 +15072,8 @@
         </p:blipFill>
         <p:spPr bwMode="auto">
           <a:xfrm>
-            <a:off x="6957728" y="1560604"/>
-            <a:ext cx="3749065" cy="3820589"/>
+            <a:off x="422564" y="1574305"/>
+            <a:ext cx="3875116" cy="4051258"/>
           </a:xfrm>
           <a:prstGeom prst="rect">
             <a:avLst/>
@@ -15120,7 +15114,7 @@
     <a:masterClrMapping/>
   </p:clrMapOvr>
   <mc:AlternateContent xmlns:mc="http://schemas.openxmlformats.org/markup-compatibility/2006">
-    <mc:Choice xmlns:p15="http://schemas.microsoft.com/office/powerpoint/2012/main" xmlns="" Requires="p15">
+    <mc:Choice xmlns="" xmlns:p15="http://schemas.microsoft.com/office/powerpoint/2012/main" Requires="p15">
       <p:transition xmlns:p14="http://schemas.microsoft.com/office/powerpoint/2010/main" spd="slow" p14:dur="1250">
         <p15:prstTrans prst="peelOff"/>
       </p:transition>
@@ -15186,13 +15180,8 @@
             </a:pPr>
             <a:r>
               <a:rPr lang="fr-FR" sz="2800" u="sng" dirty="0" smtClean="0"/>
-              <a:t>II. </a:t>
-            </a:r>
-            <a:r>
-              <a:rPr lang="fr-FR" sz="2800" u="sng" dirty="0" smtClean="0"/>
-              <a:t>Traitements préliminaires</a:t>
-            </a:r>
-            <a:endParaRPr lang="fr-FR" sz="2800" u="sng" dirty="0" smtClean="0"/>
+              <a:t>II. Traitements préliminaires</a:t>
+            </a:r>
           </a:p>
           <a:p>
             <a:pPr marL="0" indent="0">
@@ -15391,6 +15380,44 @@
           </a:p>
         </p:txBody>
       </p:sp>
+      <p:sp>
+        <p:nvSpPr>
+          <p:cNvPr id="4" name="ZoneTexte 3"/>
+          <p:cNvSpPr txBox="1"/>
+          <p:nvPr/>
+        </p:nvSpPr>
+        <p:spPr>
+          <a:xfrm>
+            <a:off x="7517784" y="6192550"/>
+            <a:ext cx="3770584" cy="646331"/>
+          </a:xfrm>
+          <a:prstGeom prst="rect">
+            <a:avLst/>
+          </a:prstGeom>
+          <a:noFill/>
+        </p:spPr>
+        <p:txBody>
+          <a:bodyPr wrap="none" rtlCol="0">
+            <a:spAutoFit/>
+          </a:bodyPr>
+          <a:lstStyle/>
+          <a:p>
+            <a:pPr algn="ctr"/>
+            <a:r>
+              <a:rPr lang="fr-FR" dirty="0" smtClean="0"/>
+              <a:t>Elimination des pics fréquentiels </a:t>
+            </a:r>
+            <a:br>
+              <a:rPr lang="fr-FR" dirty="0" smtClean="0"/>
+            </a:br>
+            <a:r>
+              <a:rPr lang="fr-FR" dirty="0" smtClean="0"/>
+              <a:t>dans l’espace de Fourier</a:t>
+            </a:r>
+            <a:endParaRPr lang="fr-FR" dirty="0"/>
+          </a:p>
+        </p:txBody>
+      </p:sp>
     </p:spTree>
     <p:extLst>
       <p:ext uri="{BB962C8B-B14F-4D97-AF65-F5344CB8AC3E}">
@@ -15402,7 +15429,7 @@
     <a:masterClrMapping/>
   </p:clrMapOvr>
   <mc:AlternateContent xmlns:mc="http://schemas.openxmlformats.org/markup-compatibility/2006">
-    <mc:Choice xmlns:p15="http://schemas.microsoft.com/office/powerpoint/2012/main" xmlns="" Requires="p15">
+    <mc:Choice xmlns="" xmlns:p15="http://schemas.microsoft.com/office/powerpoint/2012/main" Requires="p15">
       <p:transition xmlns:p14="http://schemas.microsoft.com/office/powerpoint/2010/main" spd="slow" p14:dur="1250">
         <p15:prstTrans prst="peelOff"/>
       </p:transition>
@@ -15678,7 +15705,7 @@
   <a:extraClrSchemeLst/>
   <a:extLst>
     <a:ext uri="{05A4C25C-085E-4340-85A3-A5531E510DB2}">
-      <thm15:themeFamily xmlns:thm15="http://schemas.microsoft.com/office/thememl/2012/main" xmlns="" name="Office Theme" id="{62F939B6-93AF-4DB8-9C6B-D6C7DFDC589F}" vid="{4A3C46E8-61CC-4603-A589-7422A47A8E4A}"/>
+      <thm15:themeFamily xmlns="" xmlns:thm15="http://schemas.microsoft.com/office/thememl/2012/main" name="Office Theme" id="{62F939B6-93AF-4DB8-9C6B-D6C7DFDC589F}" vid="{4A3C46E8-61CC-4603-A589-7422A47A8E4A}"/>
     </a:ext>
   </a:extLst>
 </a:theme>
@@ -15921,7 +15948,7 @@
   <a:extraClrSchemeLst/>
   <a:extLst>
     <a:ext uri="{05A4C25C-085E-4340-85A3-A5531E510DB2}">
-      <thm15:themeFamily xmlns:thm15="http://schemas.microsoft.com/office/thememl/2012/main" xmlns="" name="Wisp" id="{7CB32D59-10C0-40DD-B7BD-2E94284A981C}" vid="{24B1A44C-C006-48B2-A4D7-E5549B3D8CD4}"/>
+      <thm15:themeFamily xmlns="" xmlns:thm15="http://schemas.microsoft.com/office/thememl/2012/main" name="Wisp" id="{7CB32D59-10C0-40DD-B7BD-2E94284A981C}" vid="{24B1A44C-C006-48B2-A4D7-E5549B3D8CD4}"/>
     </a:ext>
   </a:extLst>
 </a:theme>

--- a/Pres_Avril/PresentationPIMSAvril.pptx
+++ b/Pres_Avril/PresentationPIMSAvril.pptx
@@ -7,20 +7,21 @@
   </p:sldMasterIdLst>
   <p:sldIdLst>
     <p:sldId id="260" r:id="rId3"/>
-    <p:sldId id="261" r:id="rId4"/>
-    <p:sldId id="278" r:id="rId5"/>
-    <p:sldId id="265" r:id="rId6"/>
-    <p:sldId id="267" r:id="rId7"/>
-    <p:sldId id="277" r:id="rId8"/>
+    <p:sldId id="284" r:id="rId4"/>
+    <p:sldId id="285" r:id="rId5"/>
+    <p:sldId id="261" r:id="rId6"/>
+    <p:sldId id="278" r:id="rId7"/>
+    <p:sldId id="265" r:id="rId8"/>
     <p:sldId id="269" r:id="rId9"/>
     <p:sldId id="279" r:id="rId10"/>
     <p:sldId id="283" r:id="rId11"/>
     <p:sldId id="280" r:id="rId12"/>
-    <p:sldId id="281" r:id="rId13"/>
-    <p:sldId id="282" r:id="rId14"/>
-    <p:sldId id="272" r:id="rId15"/>
-    <p:sldId id="273" r:id="rId16"/>
-    <p:sldId id="274" r:id="rId17"/>
+    <p:sldId id="286" r:id="rId13"/>
+    <p:sldId id="281" r:id="rId14"/>
+    <p:sldId id="282" r:id="rId15"/>
+    <p:sldId id="272" r:id="rId16"/>
+    <p:sldId id="273" r:id="rId17"/>
+    <p:sldId id="274" r:id="rId18"/>
   </p:sldIdLst>
   <p:sldSz cx="12192000" cy="6858000"/>
   <p:notesSz cx="6858000" cy="9144000"/>
@@ -121,10 +122,26 @@
   </p:defaultTextStyle>
   <p:extLst>
     <p:ext uri="{EFAFB233-063F-42B5-8137-9DF3F51BA10A}">
-      <p15:sldGuideLst xmlns="" xmlns:p15="http://schemas.microsoft.com/office/powerpoint/2012/main"/>
+      <p15:sldGuideLst xmlns:p15="http://schemas.microsoft.com/office/powerpoint/2012/main" xmlns=""/>
     </p:ext>
   </p:extLst>
 </p:presentation>
+</file>
+
+<file path=ppt/commentAuthors.xml><?xml version="1.0" encoding="utf-8"?>
+<p:cmAuthorLst xmlns:a="http://schemas.openxmlformats.org/drawingml/2006/main" xmlns:r="http://schemas.openxmlformats.org/officeDocument/2006/relationships" xmlns:p="http://schemas.openxmlformats.org/presentationml/2006/main">
+  <p:cmAuthor id="0" name="MAU Adrien" initials="AM" lastIdx="1" clrIdx="0"/>
+</p:cmAuthorLst>
+</file>
+
+<file path=ppt/comments/comment1.xml><?xml version="1.0" encoding="utf-8"?>
+<p:cmLst xmlns:a="http://schemas.openxmlformats.org/drawingml/2006/main" xmlns:r="http://schemas.openxmlformats.org/officeDocument/2006/relationships" xmlns:p="http://schemas.openxmlformats.org/presentationml/2006/main">
+  <p:cm authorId="0" dt="2016-04-27T10:39:19.008" idx="1">
+    <p:pos x="10" y="10"/>
+    <p:text>A supprimer ?
+A concir?</p:text>
+  </p:cm>
+</p:cmLst>
 </file>
 
 <file path=ppt/slideLayouts/slideLayout1.xml><?xml version="1.0" encoding="utf-8"?>
@@ -317,7 +334,7 @@
     <a:masterClrMapping/>
   </p:clrMapOvr>
   <mc:AlternateContent xmlns:mc="http://schemas.openxmlformats.org/markup-compatibility/2006">
-    <mc:Choice xmlns="" xmlns:p15="http://schemas.microsoft.com/office/powerpoint/2012/main" Requires="p15">
+    <mc:Choice xmlns:p15="http://schemas.microsoft.com/office/powerpoint/2012/main" xmlns="" Requires="p15">
       <p:transition xmlns:p14="http://schemas.microsoft.com/office/powerpoint/2010/main" spd="slow" p14:dur="1250">
         <p15:prstTrans prst="peelOff"/>
       </p:transition>
@@ -499,7 +516,7 @@
     <a:masterClrMapping/>
   </p:clrMapOvr>
   <mc:AlternateContent xmlns:mc="http://schemas.openxmlformats.org/markup-compatibility/2006">
-    <mc:Choice xmlns="" xmlns:p15="http://schemas.microsoft.com/office/powerpoint/2012/main" Requires="p15">
+    <mc:Choice xmlns:p15="http://schemas.microsoft.com/office/powerpoint/2012/main" xmlns="" Requires="p15">
       <p:transition xmlns:p14="http://schemas.microsoft.com/office/powerpoint/2010/main" spd="slow" p14:dur="1250">
         <p15:prstTrans prst="peelOff"/>
       </p:transition>
@@ -691,7 +708,7 @@
     <a:masterClrMapping/>
   </p:clrMapOvr>
   <mc:AlternateContent xmlns:mc="http://schemas.openxmlformats.org/markup-compatibility/2006">
-    <mc:Choice xmlns="" xmlns:p15="http://schemas.microsoft.com/office/powerpoint/2012/main" Requires="p15">
+    <mc:Choice xmlns:p15="http://schemas.microsoft.com/office/powerpoint/2012/main" xmlns="" Requires="p15">
       <p:transition xmlns:p14="http://schemas.microsoft.com/office/powerpoint/2010/main" spd="slow" p14:dur="1250">
         <p15:prstTrans prst="peelOff"/>
       </p:transition>
@@ -1059,7 +1076,7 @@
     <a:masterClrMapping/>
   </p:clrMapOvr>
   <mc:AlternateContent xmlns:mc="http://schemas.openxmlformats.org/markup-compatibility/2006">
-    <mc:Choice xmlns="" xmlns:p15="http://schemas.microsoft.com/office/powerpoint/2012/main" Requires="p15">
+    <mc:Choice xmlns:p15="http://schemas.microsoft.com/office/powerpoint/2012/main" xmlns="" Requires="p15">
       <p:transition xmlns:p14="http://schemas.microsoft.com/office/powerpoint/2010/main" spd="slow" p14:dur="1250">
         <p15:prstTrans prst="peelOff"/>
       </p:transition>
@@ -1353,7 +1370,7 @@
     <a:masterClrMapping/>
   </p:clrMapOvr>
   <mc:AlternateContent xmlns:mc="http://schemas.openxmlformats.org/markup-compatibility/2006">
-    <mc:Choice xmlns="" xmlns:p15="http://schemas.microsoft.com/office/powerpoint/2012/main" Requires="p15">
+    <mc:Choice xmlns:p15="http://schemas.microsoft.com/office/powerpoint/2012/main" xmlns="" Requires="p15">
       <p:transition xmlns:p14="http://schemas.microsoft.com/office/powerpoint/2010/main" spd="slow" p14:dur="1250">
         <p15:prstTrans prst="peelOff"/>
       </p:transition>
@@ -1719,7 +1736,7 @@
     <a:masterClrMapping/>
   </p:clrMapOvr>
   <mc:AlternateContent xmlns:mc="http://schemas.openxmlformats.org/markup-compatibility/2006">
-    <mc:Choice xmlns="" xmlns:p15="http://schemas.microsoft.com/office/powerpoint/2012/main" Requires="p15">
+    <mc:Choice xmlns:p15="http://schemas.microsoft.com/office/powerpoint/2012/main" xmlns="" Requires="p15">
       <p:transition xmlns:p14="http://schemas.microsoft.com/office/powerpoint/2010/main" spd="slow" p14:dur="1250">
         <p15:prstTrans prst="peelOff"/>
       </p:transition>
@@ -2074,7 +2091,7 @@
     <a:masterClrMapping/>
   </p:clrMapOvr>
   <mc:AlternateContent xmlns:mc="http://schemas.openxmlformats.org/markup-compatibility/2006">
-    <mc:Choice xmlns="" xmlns:p15="http://schemas.microsoft.com/office/powerpoint/2012/main" Requires="p15">
+    <mc:Choice xmlns:p15="http://schemas.microsoft.com/office/powerpoint/2012/main" xmlns="" Requires="p15">
       <p:transition xmlns:p14="http://schemas.microsoft.com/office/powerpoint/2010/main" spd="slow" p14:dur="1250">
         <p15:prstTrans prst="peelOff"/>
       </p:transition>
@@ -2563,7 +2580,7 @@
     <a:masterClrMapping/>
   </p:clrMapOvr>
   <mc:AlternateContent xmlns:mc="http://schemas.openxmlformats.org/markup-compatibility/2006">
-    <mc:Choice xmlns="" xmlns:p15="http://schemas.microsoft.com/office/powerpoint/2012/main" Requires="p15">
+    <mc:Choice xmlns:p15="http://schemas.microsoft.com/office/powerpoint/2012/main" xmlns="" Requires="p15">
       <p:transition xmlns:p14="http://schemas.microsoft.com/office/powerpoint/2010/main" spd="slow" p14:dur="1250">
         <p15:prstTrans prst="peelOff"/>
       </p:transition>
@@ -2795,7 +2812,7 @@
     <a:masterClrMapping/>
   </p:clrMapOvr>
   <mc:AlternateContent xmlns:mc="http://schemas.openxmlformats.org/markup-compatibility/2006">
-    <mc:Choice xmlns="" xmlns:p15="http://schemas.microsoft.com/office/powerpoint/2012/main" Requires="p15">
+    <mc:Choice xmlns:p15="http://schemas.microsoft.com/office/powerpoint/2012/main" xmlns="" Requires="p15">
       <p:transition xmlns:p14="http://schemas.microsoft.com/office/powerpoint/2010/main" spd="slow" p14:dur="1250">
         <p15:prstTrans prst="peelOff"/>
       </p:transition>
@@ -3004,7 +3021,7 @@
     <a:masterClrMapping/>
   </p:clrMapOvr>
   <mc:AlternateContent xmlns:mc="http://schemas.openxmlformats.org/markup-compatibility/2006">
-    <mc:Choice xmlns="" xmlns:p15="http://schemas.microsoft.com/office/powerpoint/2012/main" Requires="p15">
+    <mc:Choice xmlns:p15="http://schemas.microsoft.com/office/powerpoint/2012/main" xmlns="" Requires="p15">
       <p:transition xmlns:p14="http://schemas.microsoft.com/office/powerpoint/2010/main" spd="slow" p14:dur="1250">
         <p15:prstTrans prst="peelOff"/>
       </p:transition>
@@ -3369,7 +3386,7 @@
     <a:masterClrMapping/>
   </p:clrMapOvr>
   <mc:AlternateContent xmlns:mc="http://schemas.openxmlformats.org/markup-compatibility/2006">
-    <mc:Choice xmlns="" xmlns:p15="http://schemas.microsoft.com/office/powerpoint/2012/main" Requires="p15">
+    <mc:Choice xmlns:p15="http://schemas.microsoft.com/office/powerpoint/2012/main" xmlns="" Requires="p15">
       <p:transition xmlns:p14="http://schemas.microsoft.com/office/powerpoint/2010/main" spd="slow" p14:dur="1250">
         <p15:prstTrans prst="peelOff"/>
       </p:transition>
@@ -3551,7 +3568,7 @@
     <a:masterClrMapping/>
   </p:clrMapOvr>
   <mc:AlternateContent xmlns:mc="http://schemas.openxmlformats.org/markup-compatibility/2006">
-    <mc:Choice xmlns="" xmlns:p15="http://schemas.microsoft.com/office/powerpoint/2012/main" Requires="p15">
+    <mc:Choice xmlns:p15="http://schemas.microsoft.com/office/powerpoint/2012/main" xmlns="" Requires="p15">
       <p:transition xmlns:p14="http://schemas.microsoft.com/office/powerpoint/2010/main" spd="slow" p14:dur="1250">
         <p15:prstTrans prst="peelOff"/>
       </p:transition>
@@ -3933,7 +3950,7 @@
     <a:masterClrMapping/>
   </p:clrMapOvr>
   <mc:AlternateContent xmlns:mc="http://schemas.openxmlformats.org/markup-compatibility/2006">
-    <mc:Choice xmlns="" xmlns:p15="http://schemas.microsoft.com/office/powerpoint/2012/main" Requires="p15">
+    <mc:Choice xmlns:p15="http://schemas.microsoft.com/office/powerpoint/2012/main" xmlns="" Requires="p15">
       <p:transition xmlns:p14="http://schemas.microsoft.com/office/powerpoint/2010/main" spd="slow" p14:dur="1250">
         <p15:prstTrans prst="peelOff"/>
       </p:transition>
@@ -4303,7 +4320,7 @@
     <a:masterClrMapping/>
   </p:clrMapOvr>
   <mc:AlternateContent xmlns:mc="http://schemas.openxmlformats.org/markup-compatibility/2006">
-    <mc:Choice xmlns="" xmlns:p15="http://schemas.microsoft.com/office/powerpoint/2012/main" Requires="p15">
+    <mc:Choice xmlns:p15="http://schemas.microsoft.com/office/powerpoint/2012/main" xmlns="" Requires="p15">
       <p:transition xmlns:p14="http://schemas.microsoft.com/office/powerpoint/2010/main" spd="slow" p14:dur="1250">
         <p15:prstTrans prst="peelOff"/>
       </p:transition>
@@ -4808,7 +4825,7 @@
     <a:masterClrMapping/>
   </p:clrMapOvr>
   <mc:AlternateContent xmlns:mc="http://schemas.openxmlformats.org/markup-compatibility/2006">
-    <mc:Choice xmlns="" xmlns:p15="http://schemas.microsoft.com/office/powerpoint/2012/main" Requires="p15">
+    <mc:Choice xmlns:p15="http://schemas.microsoft.com/office/powerpoint/2012/main" xmlns="" Requires="p15">
       <p:transition xmlns:p14="http://schemas.microsoft.com/office/powerpoint/2010/main" spd="slow" p14:dur="1250">
         <p15:prstTrans prst="peelOff"/>
       </p:transition>
@@ -5100,7 +5117,7 @@
     <a:masterClrMapping/>
   </p:clrMapOvr>
   <mc:AlternateContent xmlns:mc="http://schemas.openxmlformats.org/markup-compatibility/2006">
-    <mc:Choice xmlns="" xmlns:p15="http://schemas.microsoft.com/office/powerpoint/2012/main" Requires="p15">
+    <mc:Choice xmlns:p15="http://schemas.microsoft.com/office/powerpoint/2012/main" xmlns="" Requires="p15">
       <p:transition xmlns:p14="http://schemas.microsoft.com/office/powerpoint/2010/main" spd="slow" p14:dur="1250">
         <p15:prstTrans prst="peelOff"/>
       </p:transition>
@@ -5524,7 +5541,7 @@
     <a:masterClrMapping/>
   </p:clrMapOvr>
   <mc:AlternateContent xmlns:mc="http://schemas.openxmlformats.org/markup-compatibility/2006">
-    <mc:Choice xmlns="" xmlns:p15="http://schemas.microsoft.com/office/powerpoint/2012/main" Requires="p15">
+    <mc:Choice xmlns:p15="http://schemas.microsoft.com/office/powerpoint/2012/main" xmlns="" Requires="p15">
       <p:transition xmlns:p14="http://schemas.microsoft.com/office/powerpoint/2010/main" spd="slow" p14:dur="1250">
         <p15:prstTrans prst="peelOff"/>
       </p:transition>
@@ -5876,7 +5893,7 @@
     <a:masterClrMapping/>
   </p:clrMapOvr>
   <mc:AlternateContent xmlns:mc="http://schemas.openxmlformats.org/markup-compatibility/2006">
-    <mc:Choice xmlns="" xmlns:p15="http://schemas.microsoft.com/office/powerpoint/2012/main" Requires="p15">
+    <mc:Choice xmlns:p15="http://schemas.microsoft.com/office/powerpoint/2012/main" xmlns="" Requires="p15">
       <p:transition xmlns:p14="http://schemas.microsoft.com/office/powerpoint/2010/main" spd="slow" p14:dur="1250">
         <p15:prstTrans prst="peelOff"/>
       </p:transition>
@@ -6160,7 +6177,7 @@
     <a:masterClrMapping/>
   </p:clrMapOvr>
   <mc:AlternateContent xmlns:mc="http://schemas.openxmlformats.org/markup-compatibility/2006">
-    <mc:Choice xmlns="" xmlns:p15="http://schemas.microsoft.com/office/powerpoint/2012/main" Requires="p15">
+    <mc:Choice xmlns:p15="http://schemas.microsoft.com/office/powerpoint/2012/main" xmlns="" Requires="p15">
       <p:transition xmlns:p14="http://schemas.microsoft.com/office/powerpoint/2010/main" spd="slow" p14:dur="1250">
         <p15:prstTrans prst="peelOff"/>
       </p:transition>
@@ -6454,7 +6471,7 @@
     <a:masterClrMapping/>
   </p:clrMapOvr>
   <mc:AlternateContent xmlns:mc="http://schemas.openxmlformats.org/markup-compatibility/2006">
-    <mc:Choice xmlns="" xmlns:p15="http://schemas.microsoft.com/office/powerpoint/2012/main" Requires="p15">
+    <mc:Choice xmlns:p15="http://schemas.microsoft.com/office/powerpoint/2012/main" xmlns="" Requires="p15">
       <p:transition xmlns:p14="http://schemas.microsoft.com/office/powerpoint/2010/main" spd="slow" p14:dur="1250">
         <p15:prstTrans prst="peelOff"/>
       </p:transition>
@@ -6712,7 +6729,7 @@
     <a:masterClrMapping/>
   </p:clrMapOvr>
   <mc:AlternateContent xmlns:mc="http://schemas.openxmlformats.org/markup-compatibility/2006">
-    <mc:Choice xmlns="" xmlns:p15="http://schemas.microsoft.com/office/powerpoint/2012/main" Requires="p15">
+    <mc:Choice xmlns:p15="http://schemas.microsoft.com/office/powerpoint/2012/main" xmlns="" Requires="p15">
       <p:transition xmlns:p14="http://schemas.microsoft.com/office/powerpoint/2010/main" spd="slow" p14:dur="1250">
         <p15:prstTrans prst="peelOff"/>
       </p:transition>
@@ -6956,7 +6973,7 @@
     <a:masterClrMapping/>
   </p:clrMapOvr>
   <mc:AlternateContent xmlns:mc="http://schemas.openxmlformats.org/markup-compatibility/2006">
-    <mc:Choice xmlns="" xmlns:p15="http://schemas.microsoft.com/office/powerpoint/2012/main" Requires="p15">
+    <mc:Choice xmlns:p15="http://schemas.microsoft.com/office/powerpoint/2012/main" xmlns="" Requires="p15">
       <p:transition xmlns:p14="http://schemas.microsoft.com/office/powerpoint/2010/main" spd="slow" p14:dur="1250">
         <p15:prstTrans prst="peelOff"/>
       </p:transition>
@@ -7335,7 +7352,7 @@
     <a:masterClrMapping/>
   </p:clrMapOvr>
   <mc:AlternateContent xmlns:mc="http://schemas.openxmlformats.org/markup-compatibility/2006">
-    <mc:Choice xmlns="" xmlns:p15="http://schemas.microsoft.com/office/powerpoint/2012/main" Requires="p15">
+    <mc:Choice xmlns:p15="http://schemas.microsoft.com/office/powerpoint/2012/main" xmlns="" Requires="p15">
       <p:transition xmlns:p14="http://schemas.microsoft.com/office/powerpoint/2010/main" spd="slow" p14:dur="1250">
         <p15:prstTrans prst="peelOff"/>
       </p:transition>
@@ -7465,7 +7482,7 @@
     <a:masterClrMapping/>
   </p:clrMapOvr>
   <mc:AlternateContent xmlns:mc="http://schemas.openxmlformats.org/markup-compatibility/2006">
-    <mc:Choice xmlns="" xmlns:p15="http://schemas.microsoft.com/office/powerpoint/2012/main" Requires="p15">
+    <mc:Choice xmlns:p15="http://schemas.microsoft.com/office/powerpoint/2012/main" xmlns="" Requires="p15">
       <p:transition xmlns:p14="http://schemas.microsoft.com/office/powerpoint/2010/main" spd="slow" p14:dur="1250">
         <p15:prstTrans prst="peelOff"/>
       </p:transition>
@@ -7572,7 +7589,7 @@
     <a:masterClrMapping/>
   </p:clrMapOvr>
   <mc:AlternateContent xmlns:mc="http://schemas.openxmlformats.org/markup-compatibility/2006">
-    <mc:Choice xmlns="" xmlns:p15="http://schemas.microsoft.com/office/powerpoint/2012/main" Requires="p15">
+    <mc:Choice xmlns:p15="http://schemas.microsoft.com/office/powerpoint/2012/main" xmlns="" Requires="p15">
       <p:transition xmlns:p14="http://schemas.microsoft.com/office/powerpoint/2010/main" spd="slow" p14:dur="1250">
         <p15:prstTrans prst="peelOff"/>
       </p:transition>
@@ -7861,7 +7878,7 @@
     <a:masterClrMapping/>
   </p:clrMapOvr>
   <mc:AlternateContent xmlns:mc="http://schemas.openxmlformats.org/markup-compatibility/2006">
-    <mc:Choice xmlns="" xmlns:p15="http://schemas.microsoft.com/office/powerpoint/2012/main" Requires="p15">
+    <mc:Choice xmlns:p15="http://schemas.microsoft.com/office/powerpoint/2012/main" xmlns="" Requires="p15">
       <p:transition xmlns:p14="http://schemas.microsoft.com/office/powerpoint/2010/main" spd="slow" p14:dur="1250">
         <p15:prstTrans prst="peelOff"/>
       </p:transition>
@@ -8126,7 +8143,7 @@
     <a:masterClrMapping/>
   </p:clrMapOvr>
   <mc:AlternateContent xmlns:mc="http://schemas.openxmlformats.org/markup-compatibility/2006">
-    <mc:Choice xmlns="" xmlns:p15="http://schemas.microsoft.com/office/powerpoint/2012/main" Requires="p15">
+    <mc:Choice xmlns:p15="http://schemas.microsoft.com/office/powerpoint/2012/main" xmlns="" Requires="p15">
       <p:transition xmlns:p14="http://schemas.microsoft.com/office/powerpoint/2010/main" spd="slow" p14:dur="1250">
         <p15:prstTrans prst="peelOff"/>
       </p:transition>
@@ -8419,7 +8436,7 @@
     <p:sldLayoutId id="2147483837" r:id="rId11"/>
   </p:sldLayoutIdLst>
   <mc:AlternateContent xmlns:mc="http://schemas.openxmlformats.org/markup-compatibility/2006">
-    <mc:Choice xmlns="" xmlns:p15="http://schemas.microsoft.com/office/powerpoint/2012/main" Requires="p15">
+    <mc:Choice xmlns:p15="http://schemas.microsoft.com/office/powerpoint/2012/main" xmlns="" Requires="p15">
       <p:transition xmlns:p14="http://schemas.microsoft.com/office/powerpoint/2010/main" spd="slow" p14:dur="1250">
         <p15:prstTrans prst="peelOff"/>
       </p:transition>
@@ -10832,7 +10849,7 @@
     <p:sldLayoutId id="2147483854" r:id="rId16"/>
   </p:sldLayoutIdLst>
   <mc:AlternateContent xmlns:mc="http://schemas.openxmlformats.org/markup-compatibility/2006">
-    <mc:Choice xmlns="" xmlns:p15="http://schemas.microsoft.com/office/powerpoint/2012/main" Requires="p15">
+    <mc:Choice xmlns:p15="http://schemas.microsoft.com/office/powerpoint/2012/main" xmlns="" Requires="p15">
       <p:transition xmlns:p14="http://schemas.microsoft.com/office/powerpoint/2010/main" spd="slow" p14:dur="1250">
         <p15:prstTrans prst="peelOff"/>
       </p:transition>
@@ -11699,8 +11716,9 @@
             </a:pPr>
             <a:r>
               <a:rPr lang="fr-FR" sz="2800" u="sng" dirty="0" smtClean="0"/>
-              <a:t>II. Traitements préliminaires</a:t>
-            </a:r>
+              <a:t>II. </a:t>
+            </a:r>
+            <a:endParaRPr lang="fr-FR" sz="2800" u="sng" dirty="0" smtClean="0"/>
           </a:p>
           <a:p>
             <a:pPr marL="0" indent="0">
@@ -11986,7 +12004,15 @@
             </a:br>
             <a:r>
               <a:rPr lang="fr-FR" sz="2400" dirty="0" smtClean="0"/>
-              <a:t>Contient des informations sur la localisation dans un plan, et sur l’axe optique</a:t>
+              <a:t>Contient des informations sur la localisation dans un plan, </a:t>
+            </a:r>
+            <a:r>
+              <a:rPr lang="fr-FR" sz="2400" dirty="0" smtClean="0"/>
+              <a:t>mais aussi sur le positionnement axial.</a:t>
+            </a:r>
+            <a:r>
+              <a:rPr lang="fr-FR" sz="2400" dirty="0" smtClean="0"/>
+              <a:t/>
             </a:r>
             <a:br>
               <a:rPr lang="fr-FR" sz="2400" dirty="0" smtClean="0"/>
@@ -12016,7 +12042,7 @@
     <a:masterClrMapping/>
   </p:clrMapOvr>
   <mc:AlternateContent xmlns:mc="http://schemas.openxmlformats.org/markup-compatibility/2006">
-    <mc:Choice xmlns="" xmlns:p15="http://schemas.microsoft.com/office/powerpoint/2012/main" Requires="p15">
+    <mc:Choice xmlns:p15="http://schemas.microsoft.com/office/powerpoint/2012/main" xmlns="" Requires="p15">
       <p:transition xmlns:p14="http://schemas.microsoft.com/office/powerpoint/2010/main" spd="slow" p14:dur="1250">
         <p15:prstTrans prst="peelOff"/>
       </p:transition>
@@ -12082,8 +12108,9 @@
             </a:pPr>
             <a:r>
               <a:rPr lang="fr-FR" sz="2800" u="sng" dirty="0" smtClean="0"/>
-              <a:t>II. Traitements préliminaires</a:t>
-            </a:r>
+              <a:t>II. </a:t>
+            </a:r>
+            <a:endParaRPr lang="fr-FR" sz="2800" u="sng" dirty="0" smtClean="0"/>
           </a:p>
           <a:p>
             <a:pPr marL="0" indent="0">
@@ -12355,32 +12382,70 @@
             </a:pPr>
             <a:r>
               <a:rPr lang="fr-FR" sz="2400" dirty="0" smtClean="0"/>
-              <a:t>Interfrange de l’image du réseau:</a:t>
-            </a:r>
-            <a:br>
-              <a:rPr lang="fr-FR" sz="2400" dirty="0" smtClean="0"/>
-            </a:br>
-            <a:r>
-              <a:rPr lang="fr-FR" sz="2400" dirty="0" smtClean="0"/>
-              <a:t>Contient des informations sur z.</a:t>
-            </a:r>
-          </a:p>
-          <a:p>
-            <a:pPr marL="446088" indent="-358775">
-              <a:buFont typeface="Wingdings 3" charset="2"/>
-              <a:buNone/>
-            </a:pPr>
-            <a:r>
-              <a:rPr lang="fr-FR" sz="2400" dirty="0" smtClean="0"/>
               <a:t> </a:t>
             </a:r>
-          </a:p>
-        </p:txBody>
-      </p:sp>
+            <a:endParaRPr lang="fr-FR" sz="2400" dirty="0" smtClean="0"/>
+          </a:p>
+        </p:txBody>
+      </p:sp>
+      <p:pic>
+        <p:nvPicPr>
+          <p:cNvPr id="1026" name="Picture 2"/>
+          <p:cNvPicPr>
+            <a:picLocks noChangeAspect="1" noChangeArrowheads="1"/>
+          </p:cNvPicPr>
+          <p:nvPr/>
+        </p:nvPicPr>
+        <p:blipFill>
+          <a:blip r:embed="rId2">
+            <a:extLst>
+              <a:ext uri="{28A0092B-C50C-407E-A947-70E740481C1C}">
+                <a14:useLocalDpi xmlns:a14="http://schemas.microsoft.com/office/drawing/2010/main" val="0"/>
+              </a:ext>
+            </a:extLst>
+          </a:blip>
+          <a:srcRect/>
+          <a:stretch>
+            <a:fillRect/>
+          </a:stretch>
+        </p:blipFill>
+        <p:spPr bwMode="auto">
+          <a:xfrm>
+            <a:off x="2820093" y="1635443"/>
+            <a:ext cx="6019800" cy="4867275"/>
+          </a:xfrm>
+          <a:prstGeom prst="rect">
+            <a:avLst/>
+          </a:prstGeom>
+          <a:noFill/>
+          <a:ln>
+            <a:noFill/>
+          </a:ln>
+          <a:extLst>
+            <a:ext uri="{909E8E84-426E-40DD-AFC4-6F175D3DCCD1}">
+              <a14:hiddenFill xmlns:a14="http://schemas.microsoft.com/office/drawing/2010/main">
+                <a:solidFill>
+                  <a:schemeClr val="accent1"/>
+                </a:solidFill>
+              </a14:hiddenFill>
+            </a:ext>
+            <a:ext uri="{91240B29-F687-4F45-9708-019B960494DF}">
+              <a14:hiddenLine xmlns:a14="http://schemas.microsoft.com/office/drawing/2010/main" w="9525">
+                <a:solidFill>
+                  <a:schemeClr val="tx1"/>
+                </a:solidFill>
+                <a:miter lim="800000"/>
+                <a:headEnd/>
+                <a:tailEnd/>
+              </a14:hiddenLine>
+            </a:ext>
+          </a:extLst>
+        </p:spPr>
+      </p:pic>
     </p:spTree>
     <p:extLst>
       <p:ext uri="{BB962C8B-B14F-4D97-AF65-F5344CB8AC3E}">
-        <p14:creationId xmlns:p14="http://schemas.microsoft.com/office/powerpoint/2010/main" val="2029392575"/>
+        <p14:creationId xmlns:p14="http://schemas.microsoft.com/office/powerpoint/2010/main" val="3140973277"/>
       </p:ext>
     </p:extLst>
   </p:cSld>
@@ -12388,7 +12453,7 @@
     <a:masterClrMapping/>
   </p:clrMapOvr>
   <mc:AlternateContent xmlns:mc="http://schemas.openxmlformats.org/markup-compatibility/2006">
-    <mc:Choice xmlns="" xmlns:p15="http://schemas.microsoft.com/office/powerpoint/2012/main" Requires="p15">
+    <mc:Choice xmlns:p15="http://schemas.microsoft.com/office/powerpoint/2012/main" xmlns="" Requires="p15">
       <p:transition xmlns:p14="http://schemas.microsoft.com/office/powerpoint/2010/main" spd="slow" p14:dur="1250">
         <p15:prstTrans prst="peelOff"/>
       </p:transition>
@@ -12454,13 +12519,8 @@
             </a:pPr>
             <a:r>
               <a:rPr lang="fr-FR" sz="2800" u="sng" dirty="0" smtClean="0"/>
-              <a:t>II. Traitements préliminaires</a:t>
-            </a:r>
-          </a:p>
-          <a:p>
-            <a:pPr marL="0" indent="0">
-              <a:buNone/>
-            </a:pPr>
+              <a:t>II. </a:t>
+            </a:r>
             <a:endParaRPr lang="fr-FR" sz="2800" dirty="0" smtClean="0"/>
           </a:p>
           <a:p>
@@ -12727,6 +12787,60 @@
             </a:pPr>
             <a:r>
               <a:rPr lang="fr-FR" sz="2400" dirty="0" smtClean="0"/>
+              <a:t>Interfrange </a:t>
+            </a:r>
+            <a:r>
+              <a:rPr lang="fr-FR" sz="2400" dirty="0" smtClean="0"/>
+              <a:t>de l’image du réseau:</a:t>
+            </a:r>
+            <a:br>
+              <a:rPr lang="fr-FR" sz="2400" dirty="0" smtClean="0"/>
+            </a:br>
+            <a:r>
+              <a:rPr lang="fr-FR" sz="2400" dirty="0" smtClean="0"/>
+              <a:t>Contient des informations sur </a:t>
+            </a:r>
+            <a:r>
+              <a:rPr lang="fr-FR" sz="2400" dirty="0" smtClean="0"/>
+              <a:t>le positionnement axial.</a:t>
+            </a:r>
+            <a:br>
+              <a:rPr lang="fr-FR" sz="2400" dirty="0" smtClean="0"/>
+            </a:br>
+            <a:r>
+              <a:rPr lang="fr-FR" sz="2400" dirty="0" smtClean="0"/>
+              <a:t>On peut se passer de la phase de l’image.</a:t>
+            </a:r>
+            <a:br>
+              <a:rPr lang="fr-FR" sz="2400" dirty="0" smtClean="0"/>
+            </a:br>
+            <a:r>
+              <a:rPr lang="fr-FR" sz="2400" dirty="0"/>
+              <a:t/>
+            </a:r>
+            <a:br>
+              <a:rPr lang="fr-FR" sz="2400" dirty="0"/>
+            </a:br>
+            <a:r>
+              <a:rPr lang="fr-FR" sz="2400" dirty="0" smtClean="0"/>
+              <a:t>Les fréquences correspondant au réseau sont plus élevées que la fréquence de coupure du microscope ?</a:t>
+            </a:r>
+            <a:r>
+              <a:rPr lang="fr-FR" sz="2400" dirty="0" smtClean="0"/>
+              <a:t/>
+            </a:r>
+            <a:br>
+              <a:rPr lang="fr-FR" sz="2400" dirty="0" smtClean="0"/>
+            </a:br>
+            <a:endParaRPr lang="fr-FR" sz="2400" dirty="0" smtClean="0"/>
+          </a:p>
+          <a:p>
+            <a:pPr marL="446088" indent="-358775">
+              <a:buFont typeface="Wingdings 3" charset="2"/>
+              <a:buNone/>
+            </a:pPr>
+            <a:r>
+              <a:rPr lang="fr-FR" sz="2400" dirty="0" smtClean="0"/>
               <a:t> </a:t>
             </a:r>
           </a:p>
@@ -12735,7 +12849,7 @@
     </p:spTree>
     <p:extLst>
       <p:ext uri="{BB962C8B-B14F-4D97-AF65-F5344CB8AC3E}">
-        <p14:creationId xmlns:p14="http://schemas.microsoft.com/office/powerpoint/2010/main" val="4242718491"/>
+        <p14:creationId xmlns:p14="http://schemas.microsoft.com/office/powerpoint/2010/main" val="2029392575"/>
       </p:ext>
     </p:extLst>
   </p:cSld>
@@ -12743,7 +12857,7 @@
     <a:masterClrMapping/>
   </p:clrMapOvr>
   <mc:AlternateContent xmlns:mc="http://schemas.openxmlformats.org/markup-compatibility/2006">
-    <mc:Choice xmlns="" xmlns:p15="http://schemas.microsoft.com/office/powerpoint/2012/main" Requires="p15">
+    <mc:Choice xmlns:p15="http://schemas.microsoft.com/office/powerpoint/2012/main" xmlns="" Requires="p15">
       <p:transition xmlns:p14="http://schemas.microsoft.com/office/powerpoint/2010/main" spd="slow" p14:dur="1250">
         <p15:prstTrans prst="peelOff"/>
       </p:transition>
@@ -12809,7 +12923,280 @@
             </a:pPr>
             <a:r>
               <a:rPr lang="fr-FR" sz="2800" u="sng" dirty="0" smtClean="0"/>
-              <a:t>III. Détermination de la position </a:t>
+              <a:t>II. Traitements préliminaires</a:t>
+            </a:r>
+          </a:p>
+          <a:p>
+            <a:pPr marL="0" indent="0">
+              <a:buNone/>
+            </a:pPr>
+            <a:endParaRPr lang="fr-FR" sz="2800" dirty="0" smtClean="0"/>
+          </a:p>
+          <a:p>
+            <a:pPr marL="0" indent="0">
+              <a:buNone/>
+            </a:pPr>
+            <a:endParaRPr lang="fr-FR" sz="2800" dirty="0"/>
+          </a:p>
+        </p:txBody>
+      </p:sp>
+      <p:sp>
+        <p:nvSpPr>
+          <p:cNvPr id="6" name="Espace réservé du contenu 2"/>
+          <p:cNvSpPr txBox="1">
+            <a:spLocks/>
+          </p:cNvSpPr>
+          <p:nvPr/>
+        </p:nvSpPr>
+        <p:spPr>
+          <a:xfrm>
+            <a:off x="1215765" y="989214"/>
+            <a:ext cx="8915400" cy="5692635"/>
+          </a:xfrm>
+          <a:prstGeom prst="rect">
+            <a:avLst/>
+          </a:prstGeom>
+        </p:spPr>
+        <p:txBody>
+          <a:bodyPr vert="horz" lIns="91440" tIns="72000" rIns="91440" bIns="45720" rtlCol="0">
+            <a:noAutofit/>
+          </a:bodyPr>
+          <a:lstStyle>
+            <a:lvl1pPr marL="342900" indent="-342900" algn="l" defTabSz="457200" rtl="0" eaLnBrk="1" latinLnBrk="0" hangingPunct="1">
+              <a:spcBef>
+                <a:spcPts val="1000"/>
+              </a:spcBef>
+              <a:spcAft>
+                <a:spcPts val="0"/>
+              </a:spcAft>
+              <a:buClr>
+                <a:schemeClr val="accent1"/>
+              </a:buClr>
+              <a:buFont typeface="Wingdings 3" charset="2"/>
+              <a:buChar char=""/>
+              <a:defRPr sz="1800" kern="1200">
+                <a:solidFill>
+                  <a:schemeClr val="tx1">
+                    <a:lumMod val="75000"/>
+                    <a:lumOff val="25000"/>
+                  </a:schemeClr>
+                </a:solidFill>
+                <a:latin typeface="+mn-lt"/>
+                <a:ea typeface="+mn-ea"/>
+                <a:cs typeface="+mn-cs"/>
+              </a:defRPr>
+            </a:lvl1pPr>
+            <a:lvl2pPr marL="742950" indent="-285750" algn="l" defTabSz="457200" rtl="0" eaLnBrk="1" latinLnBrk="0" hangingPunct="1">
+              <a:spcBef>
+                <a:spcPts val="1000"/>
+              </a:spcBef>
+              <a:spcAft>
+                <a:spcPts val="0"/>
+              </a:spcAft>
+              <a:buClr>
+                <a:schemeClr val="accent1"/>
+              </a:buClr>
+              <a:buFont typeface="Wingdings 3" charset="2"/>
+              <a:buChar char=""/>
+              <a:defRPr sz="1600" kern="1200">
+                <a:solidFill>
+                  <a:schemeClr val="tx1">
+                    <a:lumMod val="75000"/>
+                    <a:lumOff val="25000"/>
+                  </a:schemeClr>
+                </a:solidFill>
+                <a:latin typeface="+mn-lt"/>
+                <a:ea typeface="+mn-ea"/>
+                <a:cs typeface="+mn-cs"/>
+              </a:defRPr>
+            </a:lvl2pPr>
+            <a:lvl3pPr marL="1143000" indent="-228600" algn="l" defTabSz="457200" rtl="0" eaLnBrk="1" latinLnBrk="0" hangingPunct="1">
+              <a:spcBef>
+                <a:spcPts val="1000"/>
+              </a:spcBef>
+              <a:spcAft>
+                <a:spcPts val="0"/>
+              </a:spcAft>
+              <a:buClr>
+                <a:schemeClr val="accent1"/>
+              </a:buClr>
+              <a:buFont typeface="Wingdings 3" charset="2"/>
+              <a:buChar char=""/>
+              <a:defRPr sz="1400" kern="1200">
+                <a:solidFill>
+                  <a:schemeClr val="tx1">
+                    <a:lumMod val="75000"/>
+                    <a:lumOff val="25000"/>
+                  </a:schemeClr>
+                </a:solidFill>
+                <a:latin typeface="+mn-lt"/>
+                <a:ea typeface="+mn-ea"/>
+                <a:cs typeface="+mn-cs"/>
+              </a:defRPr>
+            </a:lvl3pPr>
+            <a:lvl4pPr marL="1600200" indent="-228600" algn="l" defTabSz="457200" rtl="0" eaLnBrk="1" latinLnBrk="0" hangingPunct="1">
+              <a:spcBef>
+                <a:spcPts val="1000"/>
+              </a:spcBef>
+              <a:spcAft>
+                <a:spcPts val="0"/>
+              </a:spcAft>
+              <a:buClr>
+                <a:schemeClr val="accent1"/>
+              </a:buClr>
+              <a:buFont typeface="Wingdings 3" charset="2"/>
+              <a:buChar char=""/>
+              <a:defRPr sz="1200" kern="1200">
+                <a:solidFill>
+                  <a:schemeClr val="tx1">
+                    <a:lumMod val="75000"/>
+                    <a:lumOff val="25000"/>
+                  </a:schemeClr>
+                </a:solidFill>
+                <a:latin typeface="+mn-lt"/>
+                <a:ea typeface="+mn-ea"/>
+                <a:cs typeface="+mn-cs"/>
+              </a:defRPr>
+            </a:lvl4pPr>
+            <a:lvl5pPr marL="2057400" indent="-228600" algn="l" defTabSz="457200" rtl="0" eaLnBrk="1" latinLnBrk="0" hangingPunct="1">
+              <a:spcBef>
+                <a:spcPts val="1000"/>
+              </a:spcBef>
+              <a:spcAft>
+                <a:spcPts val="0"/>
+              </a:spcAft>
+              <a:buClr>
+                <a:schemeClr val="accent1"/>
+              </a:buClr>
+              <a:buFont typeface="Wingdings 3" charset="2"/>
+              <a:buChar char=""/>
+              <a:defRPr sz="1200" kern="1200">
+                <a:solidFill>
+                  <a:schemeClr val="tx1">
+                    <a:lumMod val="75000"/>
+                    <a:lumOff val="25000"/>
+                  </a:schemeClr>
+                </a:solidFill>
+                <a:latin typeface="+mn-lt"/>
+                <a:ea typeface="+mn-ea"/>
+                <a:cs typeface="+mn-cs"/>
+              </a:defRPr>
+            </a:lvl5pPr>
+            <a:lvl6pPr marL="2514600" indent="-228600" algn="l" defTabSz="457200" rtl="0" eaLnBrk="1" latinLnBrk="0" hangingPunct="1">
+              <a:spcBef>
+                <a:spcPts val="1000"/>
+              </a:spcBef>
+              <a:spcAft>
+                <a:spcPts val="0"/>
+              </a:spcAft>
+              <a:buClr>
+                <a:schemeClr val="accent1"/>
+              </a:buClr>
+              <a:buFont typeface="Wingdings 3" charset="2"/>
+              <a:buChar char=""/>
+              <a:defRPr sz="1200" kern="1200">
+                <a:solidFill>
+                  <a:schemeClr val="tx1">
+                    <a:lumMod val="75000"/>
+                    <a:lumOff val="25000"/>
+                  </a:schemeClr>
+                </a:solidFill>
+                <a:latin typeface="+mn-lt"/>
+                <a:ea typeface="+mn-ea"/>
+                <a:cs typeface="+mn-cs"/>
+              </a:defRPr>
+            </a:lvl6pPr>
+            <a:lvl7pPr marL="2971800" indent="-228600" algn="l" defTabSz="457200" rtl="0" eaLnBrk="1" latinLnBrk="0" hangingPunct="1">
+              <a:spcBef>
+                <a:spcPts val="1000"/>
+              </a:spcBef>
+              <a:spcAft>
+                <a:spcPts val="0"/>
+              </a:spcAft>
+              <a:buClr>
+                <a:schemeClr val="accent1"/>
+              </a:buClr>
+              <a:buFont typeface="Wingdings 3" charset="2"/>
+              <a:buChar char=""/>
+              <a:defRPr sz="1200" kern="1200">
+                <a:solidFill>
+                  <a:schemeClr val="tx1">
+                    <a:lumMod val="75000"/>
+                    <a:lumOff val="25000"/>
+                  </a:schemeClr>
+                </a:solidFill>
+                <a:latin typeface="+mn-lt"/>
+                <a:ea typeface="+mn-ea"/>
+                <a:cs typeface="+mn-cs"/>
+              </a:defRPr>
+            </a:lvl7pPr>
+            <a:lvl8pPr marL="3429000" indent="-228600" algn="l" defTabSz="457200" rtl="0" eaLnBrk="1" latinLnBrk="0" hangingPunct="1">
+              <a:spcBef>
+                <a:spcPts val="1000"/>
+              </a:spcBef>
+              <a:spcAft>
+                <a:spcPts val="0"/>
+              </a:spcAft>
+              <a:buClr>
+                <a:schemeClr val="accent1"/>
+              </a:buClr>
+              <a:buFont typeface="Wingdings 3" charset="2"/>
+              <a:buChar char=""/>
+              <a:defRPr sz="1200" kern="1200">
+                <a:solidFill>
+                  <a:schemeClr val="tx1">
+                    <a:lumMod val="75000"/>
+                    <a:lumOff val="25000"/>
+                  </a:schemeClr>
+                </a:solidFill>
+                <a:latin typeface="+mn-lt"/>
+                <a:ea typeface="+mn-ea"/>
+                <a:cs typeface="+mn-cs"/>
+              </a:defRPr>
+            </a:lvl8pPr>
+            <a:lvl9pPr marL="3886200" indent="-228600" algn="l" defTabSz="457200" rtl="0" eaLnBrk="1" latinLnBrk="0" hangingPunct="1">
+              <a:spcBef>
+                <a:spcPts val="1000"/>
+              </a:spcBef>
+              <a:spcAft>
+                <a:spcPts val="0"/>
+              </a:spcAft>
+              <a:buClr>
+                <a:schemeClr val="accent1"/>
+              </a:buClr>
+              <a:buFont typeface="Wingdings 3" charset="2"/>
+              <a:buChar char=""/>
+              <a:defRPr sz="1200" kern="1200">
+                <a:solidFill>
+                  <a:schemeClr val="tx1">
+                    <a:lumMod val="75000"/>
+                    <a:lumOff val="25000"/>
+                  </a:schemeClr>
+                </a:solidFill>
+                <a:latin typeface="+mn-lt"/>
+                <a:ea typeface="+mn-ea"/>
+                <a:cs typeface="+mn-cs"/>
+              </a:defRPr>
+            </a:lvl9pPr>
+          </a:lstStyle>
+          <a:p>
+            <a:pPr marL="446088" indent="-358775">
+              <a:buFont typeface="Wingdings 3" charset="2"/>
+              <a:buNone/>
+            </a:pPr>
+            <a:r>
+              <a:rPr lang="fr-FR" sz="2400" b="1" dirty="0" smtClean="0"/>
+              <a:t>Création de courbes de calibrations:</a:t>
+            </a:r>
+          </a:p>
+          <a:p>
+            <a:pPr marL="446088" indent="-358775">
+              <a:buFont typeface="Wingdings 3" charset="2"/>
+              <a:buNone/>
+            </a:pPr>
+            <a:r>
+              <a:rPr lang="fr-FR" sz="2400" dirty="0" smtClean="0"/>
+              <a:t> </a:t>
             </a:r>
           </a:p>
         </p:txBody>
@@ -12817,7 +13204,7 @@
     </p:spTree>
     <p:extLst>
       <p:ext uri="{BB962C8B-B14F-4D97-AF65-F5344CB8AC3E}">
-        <p14:creationId xmlns:p14="http://schemas.microsoft.com/office/powerpoint/2010/main" val="1899768230"/>
+        <p14:creationId xmlns:p14="http://schemas.microsoft.com/office/powerpoint/2010/main" val="4242718491"/>
       </p:ext>
     </p:extLst>
   </p:cSld>
@@ -12825,7 +13212,7 @@
     <a:masterClrMapping/>
   </p:clrMapOvr>
   <mc:AlternateContent xmlns:mc="http://schemas.openxmlformats.org/markup-compatibility/2006">
-    <mc:Choice xmlns="" xmlns:p15="http://schemas.microsoft.com/office/powerpoint/2012/main" Requires="p15">
+    <mc:Choice xmlns:p15="http://schemas.microsoft.com/office/powerpoint/2012/main" xmlns="" Requires="p15">
       <p:transition xmlns:p14="http://schemas.microsoft.com/office/powerpoint/2010/main" spd="slow" p14:dur="1250">
         <p15:prstTrans prst="peelOff"/>
       </p:transition>
@@ -12875,7 +13262,7 @@
         </p:nvSpPr>
         <p:spPr>
           <a:xfrm>
-            <a:off x="1847532" y="1006432"/>
+            <a:off x="1878012" y="274912"/>
             <a:ext cx="8915400" cy="6212974"/>
           </a:xfrm>
         </p:spPr>
@@ -12891,14 +13278,12 @@
             </a:pPr>
             <a:r>
               <a:rPr lang="fr-FR" sz="2800" u="sng" dirty="0" smtClean="0"/>
-              <a:t>Conclusion:</a:t>
-            </a:r>
-          </a:p>
-          <a:p>
-            <a:pPr>
-              <a:buFont typeface="Wingdings" panose="05000000000000000000" pitchFamily="2" charset="2"/>
-              <a:buChar char="v"/>
-            </a:pPr>
+              <a:t>III. Détermination de la </a:t>
+            </a:r>
+            <a:r>
+              <a:rPr lang="fr-FR" sz="2800" u="sng" dirty="0" smtClean="0"/>
+              <a:t>position axiale </a:t>
+            </a:r>
             <a:endParaRPr lang="fr-FR" sz="2800" u="sng" dirty="0" smtClean="0"/>
           </a:p>
         </p:txBody>
@@ -12906,7 +13291,7 @@
     </p:spTree>
     <p:extLst>
       <p:ext uri="{BB962C8B-B14F-4D97-AF65-F5344CB8AC3E}">
-        <p14:creationId xmlns:p14="http://schemas.microsoft.com/office/powerpoint/2010/main" val="909599388"/>
+        <p14:creationId xmlns:p14="http://schemas.microsoft.com/office/powerpoint/2010/main" val="1899768230"/>
       </p:ext>
     </p:extLst>
   </p:cSld>
@@ -12914,7 +13299,7 @@
     <a:masterClrMapping/>
   </p:clrMapOvr>
   <mc:AlternateContent xmlns:mc="http://schemas.openxmlformats.org/markup-compatibility/2006">
-    <mc:Choice xmlns="" xmlns:p15="http://schemas.microsoft.com/office/powerpoint/2012/main" Requires="p15">
+    <mc:Choice xmlns:p15="http://schemas.microsoft.com/office/powerpoint/2012/main" xmlns="" Requires="p15">
       <p:transition xmlns:p14="http://schemas.microsoft.com/office/powerpoint/2010/main" spd="slow" p14:dur="1250">
         <p15:prstTrans prst="peelOff"/>
       </p:transition>
@@ -12936,6 +13321,186 @@
 </file>
 
 <file path=ppt/slides/slide15.xml><?xml version="1.0" encoding="utf-8"?>
+<p:sld xmlns:a="http://schemas.openxmlformats.org/drawingml/2006/main" xmlns:r="http://schemas.openxmlformats.org/officeDocument/2006/relationships" xmlns:p="http://schemas.openxmlformats.org/presentationml/2006/main" showMasterSp="0">
+  <p:cSld>
+    <p:spTree>
+      <p:nvGrpSpPr>
+        <p:cNvPr id="1" name=""/>
+        <p:cNvGrpSpPr/>
+        <p:nvPr/>
+      </p:nvGrpSpPr>
+      <p:grpSpPr>
+        <a:xfrm>
+          <a:off x="0" y="0"/>
+          <a:ext cx="0" cy="0"/>
+          <a:chOff x="0" y="0"/>
+          <a:chExt cx="0" cy="0"/>
+        </a:xfrm>
+      </p:grpSpPr>
+      <p:sp>
+        <p:nvSpPr>
+          <p:cNvPr id="3" name="Espace réservé du contenu 2"/>
+          <p:cNvSpPr>
+            <a:spLocks noGrp="1"/>
+          </p:cNvSpPr>
+          <p:nvPr>
+            <p:ph idx="1"/>
+          </p:nvPr>
+        </p:nvSpPr>
+        <p:spPr>
+          <a:xfrm>
+            <a:off x="1847532" y="1006432"/>
+            <a:ext cx="8915400" cy="6212974"/>
+          </a:xfrm>
+        </p:spPr>
+        <p:txBody>
+          <a:bodyPr tIns="72000">
+            <a:noAutofit/>
+          </a:bodyPr>
+          <a:lstStyle/>
+          <a:p>
+            <a:pPr>
+              <a:buFont typeface="Wingdings" panose="05000000000000000000" pitchFamily="2" charset="2"/>
+              <a:buChar char="v"/>
+            </a:pPr>
+            <a:r>
+              <a:rPr lang="fr-FR" sz="2800" u="sng" dirty="0" smtClean="0"/>
+              <a:t>Conclusion:</a:t>
+            </a:r>
+          </a:p>
+          <a:p>
+            <a:pPr>
+              <a:buFont typeface="Wingdings" panose="05000000000000000000" pitchFamily="2" charset="2"/>
+              <a:buChar char="v"/>
+            </a:pPr>
+            <a:endParaRPr lang="fr-FR" sz="2800" u="sng" dirty="0" smtClean="0"/>
+          </a:p>
+        </p:txBody>
+      </p:sp>
+      <p:sp>
+        <p:nvSpPr>
+          <p:cNvPr id="2" name="ZoneTexte 1"/>
+          <p:cNvSpPr txBox="1"/>
+          <p:nvPr/>
+        </p:nvSpPr>
+        <p:spPr>
+          <a:xfrm>
+            <a:off x="2202873" y="1862051"/>
+            <a:ext cx="7722523" cy="3139321"/>
+          </a:xfrm>
+          <a:prstGeom prst="rect">
+            <a:avLst/>
+          </a:prstGeom>
+          <a:noFill/>
+        </p:spPr>
+        <p:txBody>
+          <a:bodyPr wrap="square" rtlCol="0">
+            <a:spAutoFit/>
+          </a:bodyPr>
+          <a:lstStyle/>
+          <a:p>
+            <a:r>
+              <a:rPr lang="fr-FR" dirty="0" smtClean="0"/>
+              <a:t>Blablabla</a:t>
+            </a:r>
+            <a:br>
+              <a:rPr lang="fr-FR" dirty="0" smtClean="0"/>
+            </a:br>
+            <a:r>
+              <a:rPr lang="fr-FR" dirty="0" smtClean="0"/>
+              <a:t>on a rencontré tel </a:t>
+            </a:r>
+            <a:r>
+              <a:rPr lang="fr-FR" dirty="0" err="1" smtClean="0"/>
+              <a:t>pb</a:t>
+            </a:r>
+            <a:r>
+              <a:rPr lang="fr-FR" dirty="0" smtClean="0"/>
+              <a:t/>
+            </a:r>
+            <a:br>
+              <a:rPr lang="fr-FR" dirty="0" smtClean="0"/>
+            </a:br>
+            <a:r>
+              <a:rPr lang="fr-FR" dirty="0" smtClean="0"/>
+              <a:t>Qu’on a résolu avec ça</a:t>
+            </a:r>
+          </a:p>
+          <a:p>
+            <a:r>
+              <a:rPr lang="fr-FR" dirty="0" smtClean="0"/>
+              <a:t>Mais du coup autre </a:t>
+            </a:r>
+            <a:r>
+              <a:rPr lang="fr-FR" dirty="0" err="1" smtClean="0"/>
+              <a:t>pb</a:t>
+            </a:r>
+            <a:r>
+              <a:rPr lang="fr-FR" dirty="0" smtClean="0"/>
+              <a:t/>
+            </a:r>
+            <a:br>
+              <a:rPr lang="fr-FR" dirty="0" smtClean="0"/>
+            </a:br>
+            <a:r>
+              <a:rPr lang="fr-FR" dirty="0" smtClean="0"/>
+              <a:t>et ca va un peu</a:t>
+            </a:r>
+          </a:p>
+          <a:p>
+            <a:endParaRPr lang="fr-FR" dirty="0"/>
+          </a:p>
+          <a:p>
+            <a:r>
+              <a:rPr lang="fr-FR" dirty="0" smtClean="0"/>
+              <a:t>Faudrait encore… ?</a:t>
+            </a:r>
+          </a:p>
+          <a:p>
+            <a:endParaRPr lang="fr-FR" dirty="0"/>
+          </a:p>
+          <a:p>
+            <a:r>
+              <a:rPr lang="fr-FR" dirty="0" smtClean="0"/>
+              <a:t>Notre travail pourra ouvrir la voie à de nouvelles méthodes de super-résolution en microscopie, et à la reconstitution 3D d’échantillons.</a:t>
+            </a:r>
+            <a:endParaRPr lang="fr-FR" dirty="0"/>
+          </a:p>
+        </p:txBody>
+      </p:sp>
+    </p:spTree>
+    <p:extLst>
+      <p:ext uri="{BB962C8B-B14F-4D97-AF65-F5344CB8AC3E}">
+        <p14:creationId xmlns:p14="http://schemas.microsoft.com/office/powerpoint/2010/main" val="909599388"/>
+      </p:ext>
+    </p:extLst>
+  </p:cSld>
+  <p:clrMapOvr>
+    <a:masterClrMapping/>
+  </p:clrMapOvr>
+  <mc:AlternateContent xmlns:mc="http://schemas.openxmlformats.org/markup-compatibility/2006">
+    <mc:Choice xmlns:p15="http://schemas.microsoft.com/office/powerpoint/2012/main" xmlns="" Requires="p15">
+      <p:transition xmlns:p14="http://schemas.microsoft.com/office/powerpoint/2010/main" spd="slow" p14:dur="1250">
+        <p15:prstTrans prst="peelOff"/>
+      </p:transition>
+    </mc:Choice>
+    <mc:Fallback>
+      <p:transition spd="slow">
+        <p:fade/>
+      </p:transition>
+    </mc:Fallback>
+  </mc:AlternateContent>
+  <p:timing>
+    <p:tnLst>
+      <p:par>
+        <p:cTn id="1" dur="indefinite" restart="never" nodeType="tmRoot"/>
+      </p:par>
+    </p:tnLst>
+  </p:timing>
+</p:sld>
+</file>
+
+<file path=ppt/slides/slide16.xml><?xml version="1.0" encoding="utf-8"?>
 <p:sld xmlns:a="http://schemas.openxmlformats.org/drawingml/2006/main" xmlns:r="http://schemas.openxmlformats.org/officeDocument/2006/relationships" xmlns:p="http://schemas.openxmlformats.org/presentationml/2006/main" showMasterSp="0">
   <p:cSld>
     <p:bg>
@@ -13019,7 +13584,7 @@
     <a:masterClrMapping/>
   </p:clrMapOvr>
   <mc:AlternateContent xmlns:mc="http://schemas.openxmlformats.org/markup-compatibility/2006">
-    <mc:Choice xmlns="" xmlns:p15="http://schemas.microsoft.com/office/powerpoint/2012/main" Requires="p15">
+    <mc:Choice xmlns:p15="http://schemas.microsoft.com/office/powerpoint/2012/main" xmlns="" Requires="p15">
       <p:transition xmlns:p14="http://schemas.microsoft.com/office/powerpoint/2010/main" spd="slow" p14:dur="1250">
         <p15:prstTrans prst="peelOff"/>
       </p:transition>
@@ -13041,7 +13606,7 @@
 </file>
 
 <file path=ppt/slides/slide2.xml><?xml version="1.0" encoding="utf-8"?>
-<p:sld xmlns:a="http://schemas.openxmlformats.org/drawingml/2006/main" xmlns:r="http://schemas.openxmlformats.org/officeDocument/2006/relationships" xmlns:p="http://schemas.openxmlformats.org/presentationml/2006/main" showMasterSp="0">
+<p:sld xmlns:a="http://schemas.openxmlformats.org/drawingml/2006/main" xmlns:r="http://schemas.openxmlformats.org/officeDocument/2006/relationships" xmlns:p="http://schemas.openxmlformats.org/presentationml/2006/main">
   <p:cSld>
     <p:bg>
       <p:bgPr>
@@ -13055,9 +13620,9 @@
               </a:schemeClr>
             </a:gs>
             <a:gs pos="100000">
-              <a:schemeClr val="accent6">
-                <a:lumMod val="60000"/>
-                <a:lumOff val="40000"/>
+              <a:schemeClr val="accent1">
+                <a:lumMod val="40000"/>
+                <a:lumOff val="60000"/>
               </a:schemeClr>
             </a:gs>
           </a:gsLst>
@@ -13095,8 +13660,8 @@
         </p:nvSpPr>
         <p:spPr>
           <a:xfrm>
-            <a:off x="1620317" y="1480258"/>
-            <a:ext cx="8915400" cy="3777622"/>
+            <a:off x="1805780" y="318527"/>
+            <a:ext cx="8915400" cy="687313"/>
           </a:xfrm>
         </p:spPr>
         <p:txBody>
@@ -13111,747 +13676,9 @@
             </a:pPr>
             <a:r>
               <a:rPr lang="fr-FR" sz="2800" u="sng" dirty="0" smtClean="0"/>
-              <a:t>Objectif:</a:t>
-            </a:r>
-          </a:p>
-          <a:p>
-            <a:pPr marL="0" indent="0">
-              <a:buNone/>
-            </a:pPr>
-            <a:r>
-              <a:rPr lang="fr-FR" sz="2800" dirty="0" smtClean="0"/>
-              <a:t>	</a:t>
-            </a:r>
-            <a:r>
-              <a:rPr lang="fr-FR" sz="2400" dirty="0" smtClean="0"/>
-              <a:t>- positionnement axial (image nette)</a:t>
-            </a:r>
-          </a:p>
-          <a:p>
-            <a:pPr marL="0" indent="0">
-              <a:buNone/>
-            </a:pPr>
-            <a:r>
-              <a:rPr lang="fr-FR" sz="2400" dirty="0" smtClean="0"/>
-              <a:t>	- positionnement transversal (image centrée)</a:t>
-            </a:r>
-          </a:p>
-          <a:p>
-            <a:pPr marL="0" indent="0">
-              <a:buNone/>
-            </a:pPr>
-            <a:r>
-              <a:rPr lang="fr-FR" sz="2400" dirty="0" smtClean="0"/>
-              <a:t>	- reconstitution 3D de l’échantillon</a:t>
-            </a:r>
-            <a:br>
-              <a:rPr lang="fr-FR" sz="2400" dirty="0" smtClean="0"/>
-            </a:br>
-            <a:r>
-              <a:rPr lang="fr-FR" sz="2400" dirty="0" smtClean="0"/>
-              <a:t> </a:t>
-            </a:r>
-          </a:p>
-          <a:p>
-            <a:pPr>
-              <a:buFont typeface="Wingdings" panose="05000000000000000000" pitchFamily="2" charset="2"/>
-              <a:buChar char="v"/>
-            </a:pPr>
-            <a:r>
-              <a:rPr lang="fr-FR" sz="2800" u="sng" dirty="0" smtClean="0"/>
-              <a:t>Données:</a:t>
-            </a:r>
-          </a:p>
-          <a:p>
-            <a:pPr marL="457200" lvl="1" indent="0">
-              <a:buClrTx/>
-              <a:buNone/>
-            </a:pPr>
-            <a:r>
-              <a:rPr lang="fr-FR" sz="2400" dirty="0" smtClean="0"/>
-              <a:t>- images </a:t>
-            </a:r>
-            <a:r>
-              <a:rPr lang="fr-FR" sz="2400" dirty="0"/>
-              <a:t>de calibrations </a:t>
-            </a:r>
-          </a:p>
-          <a:p>
-            <a:pPr marL="457200" lvl="1" indent="0">
-              <a:buClrTx/>
-              <a:buNone/>
-            </a:pPr>
-            <a:r>
-              <a:rPr lang="fr-FR" sz="2400" dirty="0" smtClean="0"/>
-              <a:t>- images </a:t>
-            </a:r>
-            <a:r>
-              <a:rPr lang="fr-FR" sz="2400" dirty="0"/>
-              <a:t>de </a:t>
-            </a:r>
-            <a:r>
-              <a:rPr lang="fr-FR" sz="2400" dirty="0" smtClean="0"/>
-              <a:t>mesure</a:t>
-            </a:r>
-          </a:p>
-          <a:p>
-            <a:pPr marL="457200" lvl="1" indent="0">
-              <a:buClrTx/>
-              <a:buNone/>
-            </a:pPr>
-            <a:r>
-              <a:rPr lang="fr-FR" sz="2400" dirty="0" smtClean="0"/>
-              <a:t>- images en situation</a:t>
-            </a:r>
-            <a:br>
-              <a:rPr lang="fr-FR" sz="2400" dirty="0" smtClean="0"/>
-            </a:br>
-            <a:r>
-              <a:rPr lang="fr-FR" sz="2400" dirty="0" smtClean="0"/>
-              <a:t/>
-            </a:r>
-            <a:br>
-              <a:rPr lang="fr-FR" sz="2400" dirty="0" smtClean="0"/>
-            </a:br>
-            <a:endParaRPr lang="fr-FR" sz="2800" dirty="0" smtClean="0"/>
-          </a:p>
-          <a:p>
-            <a:pPr marL="0" indent="0">
-              <a:buNone/>
-            </a:pPr>
-            <a:endParaRPr lang="fr-FR" sz="2400" dirty="0"/>
-          </a:p>
-          <a:p>
-            <a:pPr marL="0" indent="0">
-              <a:buNone/>
-            </a:pPr>
-            <a:r>
-              <a:rPr lang="fr-FR" sz="2400" dirty="0" smtClean="0"/>
-              <a:t/>
-            </a:r>
-            <a:br>
-              <a:rPr lang="fr-FR" sz="2400" dirty="0" smtClean="0"/>
-            </a:br>
-            <a:r>
-              <a:rPr lang="fr-FR" sz="2400" dirty="0" smtClean="0"/>
-              <a:t/>
-            </a:r>
-            <a:br>
-              <a:rPr lang="fr-FR" sz="2400" dirty="0" smtClean="0"/>
-            </a:br>
-            <a:endParaRPr lang="fr-FR" sz="2400" dirty="0" smtClean="0"/>
-          </a:p>
-          <a:p>
-            <a:pPr marL="0" indent="0">
-              <a:buNone/>
-            </a:pPr>
-            <a:endParaRPr lang="fr-FR" sz="2400" dirty="0" smtClean="0"/>
-          </a:p>
-          <a:p>
-            <a:pPr marL="0" indent="0">
-              <a:buNone/>
-            </a:pPr>
-            <a:endParaRPr lang="fr-FR" sz="2400" dirty="0"/>
-          </a:p>
-        </p:txBody>
-      </p:sp>
-      <p:sp>
-        <p:nvSpPr>
-          <p:cNvPr id="2" name="ZoneTexte 1"/>
-          <p:cNvSpPr txBox="1"/>
-          <p:nvPr/>
-        </p:nvSpPr>
-        <p:spPr>
-          <a:xfrm>
-            <a:off x="706582" y="249382"/>
-            <a:ext cx="10631978" cy="830997"/>
-          </a:xfrm>
-          <a:prstGeom prst="rect">
-            <a:avLst/>
-          </a:prstGeom>
-          <a:noFill/>
-        </p:spPr>
-        <p:txBody>
-          <a:bodyPr wrap="square" rtlCol="0">
-            <a:spAutoFit/>
-          </a:bodyPr>
-          <a:lstStyle/>
-          <a:p>
-            <a:r>
-              <a:rPr lang="fr-FR" sz="2400" i="1" dirty="0"/>
-              <a:t>A</a:t>
-            </a:r>
-            <a:r>
-              <a:rPr lang="fr-FR" sz="2400" i="1" dirty="0" smtClean="0"/>
-              <a:t>vec quelle précision peut on localiser un émetteur fluorescent ?</a:t>
-            </a:r>
-            <a:r>
-              <a:rPr lang="fr-FR" sz="2400" i="1" dirty="0" smtClean="0"/>
-              <a:t/>
-            </a:r>
-            <a:br>
-              <a:rPr lang="fr-FR" sz="2400" i="1" dirty="0" smtClean="0"/>
-            </a:br>
-            <a:r>
-              <a:rPr lang="fr-FR" sz="2400" i="1" dirty="0" smtClean="0"/>
-              <a:t>Quels traitements et solutions faut-il envisager ?</a:t>
-            </a:r>
-            <a:endParaRPr lang="fr-FR" sz="2400" i="1" dirty="0"/>
-          </a:p>
-        </p:txBody>
-      </p:sp>
-    </p:spTree>
-    <p:extLst>
-      <p:ext uri="{BB962C8B-B14F-4D97-AF65-F5344CB8AC3E}">
-        <p14:creationId xmlns:p14="http://schemas.microsoft.com/office/powerpoint/2010/main" val="2303545849"/>
-      </p:ext>
-    </p:extLst>
-  </p:cSld>
-  <p:clrMapOvr>
-    <a:masterClrMapping/>
-  </p:clrMapOvr>
-  <mc:AlternateContent xmlns:mc="http://schemas.openxmlformats.org/markup-compatibility/2006">
-    <mc:Choice xmlns="" xmlns:p15="http://schemas.microsoft.com/office/powerpoint/2012/main" Requires="p15">
-      <p:transition xmlns:p14="http://schemas.microsoft.com/office/powerpoint/2010/main" spd="slow" p14:dur="1250">
-        <p15:prstTrans prst="peelOff"/>
-      </p:transition>
-    </mc:Choice>
-    <mc:Fallback>
-      <p:transition spd="slow">
-        <p:fade/>
-      </p:transition>
-    </mc:Fallback>
-  </mc:AlternateContent>
-  <p:timing>
-    <p:tnLst>
-      <p:par>
-        <p:cTn id="1" dur="indefinite" restart="never" nodeType="tmRoot"/>
-      </p:par>
-    </p:tnLst>
-  </p:timing>
-</p:sld>
-</file>
-
-<file path=ppt/slides/slide3.xml><?xml version="1.0" encoding="utf-8"?>
-<p:sld xmlns:a="http://schemas.openxmlformats.org/drawingml/2006/main" xmlns:r="http://schemas.openxmlformats.org/officeDocument/2006/relationships" xmlns:p="http://schemas.openxmlformats.org/presentationml/2006/main" showMasterSp="0">
-  <p:cSld>
-    <p:bg>
-      <p:bgPr>
-        <a:gradFill>
-          <a:gsLst>
-            <a:gs pos="0">
-              <a:schemeClr val="bg2">
-                <a:tint val="90000"/>
-                <a:satMod val="92000"/>
-                <a:lumMod val="120000"/>
-              </a:schemeClr>
-            </a:gs>
-            <a:gs pos="100000">
-              <a:schemeClr val="accent6">
-                <a:lumMod val="60000"/>
-                <a:lumOff val="40000"/>
-              </a:schemeClr>
-            </a:gs>
-          </a:gsLst>
-          <a:path path="circle">
-            <a:fillToRect l="50000" t="50000" r="100000" b="100000"/>
-          </a:path>
-        </a:gradFill>
-        <a:effectLst/>
-      </p:bgPr>
-    </p:bg>
-    <p:spTree>
-      <p:nvGrpSpPr>
-        <p:cNvPr id="1" name=""/>
-        <p:cNvGrpSpPr/>
-        <p:nvPr/>
-      </p:nvGrpSpPr>
-      <p:grpSpPr>
-        <a:xfrm>
-          <a:off x="0" y="0"/>
-          <a:ext cx="0" cy="0"/>
-          <a:chOff x="0" y="0"/>
-          <a:chExt cx="0" cy="0"/>
-        </a:xfrm>
-      </p:grpSpPr>
-      <p:pic>
-        <p:nvPicPr>
-          <p:cNvPr id="4" name="Picture 3"/>
-          <p:cNvPicPr>
-            <a:picLocks noChangeAspect="1" noChangeArrowheads="1"/>
-          </p:cNvPicPr>
-          <p:nvPr/>
-        </p:nvPicPr>
-        <p:blipFill>
-          <a:blip r:embed="rId2">
-            <a:extLst>
-              <a:ext uri="{28A0092B-C50C-407E-A947-70E740481C1C}">
-                <a14:useLocalDpi xmlns:a14="http://schemas.microsoft.com/office/drawing/2010/main" val="0"/>
-              </a:ext>
-            </a:extLst>
-          </a:blip>
-          <a:srcRect/>
-          <a:stretch>
-            <a:fillRect/>
-          </a:stretch>
-        </p:blipFill>
-        <p:spPr bwMode="auto">
-          <a:xfrm>
-            <a:off x="282633" y="1464445"/>
-            <a:ext cx="3632661" cy="3728678"/>
-          </a:xfrm>
-          <a:prstGeom prst="rect">
-            <a:avLst/>
-          </a:prstGeom>
-          <a:noFill/>
-          <a:ln>
-            <a:noFill/>
-          </a:ln>
-          <a:extLst>
-            <a:ext uri="{909E8E84-426E-40DD-AFC4-6F175D3DCCD1}">
-              <a14:hiddenFill xmlns:a14="http://schemas.microsoft.com/office/drawing/2010/main">
-                <a:solidFill>
-                  <a:schemeClr val="accent1"/>
-                </a:solidFill>
-              </a14:hiddenFill>
-            </a:ext>
-            <a:ext uri="{91240B29-F687-4F45-9708-019B960494DF}">
-              <a14:hiddenLine xmlns:a14="http://schemas.microsoft.com/office/drawing/2010/main" w="9525">
-                <a:solidFill>
-                  <a:schemeClr val="tx1"/>
-                </a:solidFill>
-                <a:miter lim="800000"/>
-                <a:headEnd/>
-                <a:tailEnd/>
-              </a14:hiddenLine>
-            </a:ext>
-          </a:extLst>
-        </p:spPr>
-      </p:pic>
-      <p:pic>
-        <p:nvPicPr>
-          <p:cNvPr id="5" name="Picture 2"/>
-          <p:cNvPicPr>
-            <a:picLocks noChangeAspect="1" noChangeArrowheads="1"/>
-          </p:cNvPicPr>
-          <p:nvPr/>
-        </p:nvPicPr>
-        <p:blipFill>
-          <a:blip r:embed="rId3">
-            <a:extLst>
-              <a:ext uri="{28A0092B-C50C-407E-A947-70E740481C1C}">
-                <a14:useLocalDpi xmlns:a14="http://schemas.microsoft.com/office/drawing/2010/main" val="0"/>
-              </a:ext>
-            </a:extLst>
-          </a:blip>
-          <a:srcRect/>
-          <a:stretch>
-            <a:fillRect/>
-          </a:stretch>
-        </p:blipFill>
-        <p:spPr bwMode="auto">
-          <a:xfrm>
-            <a:off x="4098173" y="1464445"/>
-            <a:ext cx="3674225" cy="3722434"/>
-          </a:xfrm>
-          <a:prstGeom prst="rect">
-            <a:avLst/>
-          </a:prstGeom>
-          <a:noFill/>
-          <a:ln>
-            <a:noFill/>
-          </a:ln>
-          <a:extLst>
-            <a:ext uri="{909E8E84-426E-40DD-AFC4-6F175D3DCCD1}">
-              <a14:hiddenFill xmlns:a14="http://schemas.microsoft.com/office/drawing/2010/main">
-                <a:solidFill>
-                  <a:schemeClr val="accent1"/>
-                </a:solidFill>
-              </a14:hiddenFill>
-            </a:ext>
-            <a:ext uri="{91240B29-F687-4F45-9708-019B960494DF}">
-              <a14:hiddenLine xmlns:a14="http://schemas.microsoft.com/office/drawing/2010/main" w="9525">
-                <a:solidFill>
-                  <a:schemeClr val="tx1"/>
-                </a:solidFill>
-                <a:miter lim="800000"/>
-                <a:headEnd/>
-                <a:tailEnd/>
-              </a14:hiddenLine>
-            </a:ext>
-          </a:extLst>
-        </p:spPr>
-      </p:pic>
-      <p:sp>
-        <p:nvSpPr>
-          <p:cNvPr id="3" name="Rectangle 2"/>
-          <p:cNvSpPr/>
-          <p:nvPr/>
-        </p:nvSpPr>
-        <p:spPr>
-          <a:xfrm>
-            <a:off x="4023359" y="219840"/>
-            <a:ext cx="2714205" cy="646331"/>
-          </a:xfrm>
-          <a:prstGeom prst="rect">
-            <a:avLst/>
-          </a:prstGeom>
-        </p:spPr>
-        <p:txBody>
-          <a:bodyPr wrap="none">
-            <a:spAutoFit/>
-          </a:bodyPr>
-          <a:lstStyle/>
-          <a:p>
-            <a:pPr marL="342900" lvl="0" indent="-342900" defTabSz="457200">
-              <a:spcBef>
-                <a:spcPts val="1000"/>
-              </a:spcBef>
-              <a:buClr>
-                <a:srgbClr val="A53010"/>
-              </a:buClr>
-              <a:buFont typeface="Wingdings" panose="05000000000000000000" pitchFamily="2" charset="2"/>
-              <a:buChar char="v"/>
-            </a:pPr>
-            <a:r>
-              <a:rPr lang="fr-FR" sz="3600" u="sng" dirty="0" smtClean="0">
-                <a:solidFill>
-                  <a:prstClr val="black">
-                    <a:lumMod val="75000"/>
-                    <a:lumOff val="25000"/>
-                  </a:prstClr>
-                </a:solidFill>
-              </a:rPr>
-              <a:t>Données:</a:t>
-            </a:r>
-            <a:endParaRPr lang="fr-FR" sz="3600" u="sng" dirty="0">
-              <a:solidFill>
-                <a:prstClr val="black">
-                  <a:lumMod val="75000"/>
-                  <a:lumOff val="25000"/>
-                </a:prstClr>
-              </a:solidFill>
-            </a:endParaRPr>
-          </a:p>
-        </p:txBody>
-      </p:sp>
-      <p:pic>
-        <p:nvPicPr>
-          <p:cNvPr id="1026" name="Picture 2"/>
-          <p:cNvPicPr>
-            <a:picLocks noChangeAspect="1" noChangeArrowheads="1"/>
-          </p:cNvPicPr>
-          <p:nvPr/>
-        </p:nvPicPr>
-        <p:blipFill>
-          <a:blip r:embed="rId4">
-            <a:extLst>
-              <a:ext uri="{28A0092B-C50C-407E-A947-70E740481C1C}">
-                <a14:useLocalDpi xmlns:a14="http://schemas.microsoft.com/office/drawing/2010/main" val="0"/>
-              </a:ext>
-            </a:extLst>
-          </a:blip>
-          <a:srcRect/>
-          <a:stretch>
-            <a:fillRect/>
-          </a:stretch>
-        </p:blipFill>
-        <p:spPr bwMode="auto">
-          <a:xfrm>
-            <a:off x="8066534" y="1464445"/>
-            <a:ext cx="3643327" cy="3722434"/>
-          </a:xfrm>
-          <a:prstGeom prst="rect">
-            <a:avLst/>
-          </a:prstGeom>
-          <a:noFill/>
-          <a:ln>
-            <a:noFill/>
-          </a:ln>
-          <a:extLst>
-            <a:ext uri="{909E8E84-426E-40DD-AFC4-6F175D3DCCD1}">
-              <a14:hiddenFill xmlns:a14="http://schemas.microsoft.com/office/drawing/2010/main">
-                <a:solidFill>
-                  <a:schemeClr val="accent1"/>
-                </a:solidFill>
-              </a14:hiddenFill>
-            </a:ext>
-            <a:ext uri="{91240B29-F687-4F45-9708-019B960494DF}">
-              <a14:hiddenLine xmlns:a14="http://schemas.microsoft.com/office/drawing/2010/main" w="9525">
-                <a:solidFill>
-                  <a:schemeClr val="tx1"/>
-                </a:solidFill>
-                <a:miter lim="800000"/>
-                <a:headEnd/>
-                <a:tailEnd/>
-              </a14:hiddenLine>
-            </a:ext>
-          </a:extLst>
-        </p:spPr>
-      </p:pic>
-      <p:pic>
-        <p:nvPicPr>
-          <p:cNvPr id="1028" name="Picture 4"/>
-          <p:cNvPicPr>
-            <a:picLocks noChangeAspect="1" noChangeArrowheads="1"/>
-          </p:cNvPicPr>
-          <p:nvPr/>
-        </p:nvPicPr>
-        <p:blipFill>
-          <a:blip r:embed="rId5">
-            <a:extLst>
-              <a:ext uri="{28A0092B-C50C-407E-A947-70E740481C1C}">
-                <a14:useLocalDpi xmlns:a14="http://schemas.microsoft.com/office/drawing/2010/main" val="0"/>
-              </a:ext>
-            </a:extLst>
-          </a:blip>
-          <a:srcRect/>
-          <a:stretch>
-            <a:fillRect/>
-          </a:stretch>
-        </p:blipFill>
-        <p:spPr bwMode="auto">
-          <a:xfrm>
-            <a:off x="8066534" y="1361075"/>
-            <a:ext cx="3657600" cy="238125"/>
-          </a:xfrm>
-          <a:prstGeom prst="rect">
-            <a:avLst/>
-          </a:prstGeom>
-          <a:noFill/>
-          <a:ln>
-            <a:noFill/>
-          </a:ln>
-          <a:extLst>
-            <a:ext uri="{909E8E84-426E-40DD-AFC4-6F175D3DCCD1}">
-              <a14:hiddenFill xmlns:a14="http://schemas.microsoft.com/office/drawing/2010/main">
-                <a:solidFill>
-                  <a:schemeClr val="accent1"/>
-                </a:solidFill>
-              </a14:hiddenFill>
-            </a:ext>
-            <a:ext uri="{91240B29-F687-4F45-9708-019B960494DF}">
-              <a14:hiddenLine xmlns:a14="http://schemas.microsoft.com/office/drawing/2010/main" w="9525">
-                <a:solidFill>
-                  <a:schemeClr val="tx1"/>
-                </a:solidFill>
-                <a:miter lim="800000"/>
-                <a:headEnd/>
-                <a:tailEnd/>
-              </a14:hiddenLine>
-            </a:ext>
-          </a:extLst>
-        </p:spPr>
-      </p:pic>
-    </p:spTree>
-    <p:extLst>
-      <p:ext uri="{BB962C8B-B14F-4D97-AF65-F5344CB8AC3E}">
-        <p14:creationId xmlns:p14="http://schemas.microsoft.com/office/powerpoint/2010/main" val="652262754"/>
-      </p:ext>
-    </p:extLst>
-  </p:cSld>
-  <p:clrMapOvr>
-    <a:masterClrMapping/>
-  </p:clrMapOvr>
-  <mc:AlternateContent xmlns:mc="http://schemas.openxmlformats.org/markup-compatibility/2006">
-    <mc:Choice xmlns="" xmlns:p15="http://schemas.microsoft.com/office/powerpoint/2012/main" Requires="p15">
-      <p:transition xmlns:p14="http://schemas.microsoft.com/office/powerpoint/2010/main" spd="slow" p14:dur="1250">
-        <p15:prstTrans prst="peelOff"/>
-      </p:transition>
-    </mc:Choice>
-    <mc:Fallback>
-      <p:transition spd="slow">
-        <p:fade/>
-      </p:transition>
-    </mc:Fallback>
-  </mc:AlternateContent>
-</p:sld>
-</file>
-
-<file path=ppt/slides/slide4.xml><?xml version="1.0" encoding="utf-8"?>
-<p:sld xmlns:a="http://schemas.openxmlformats.org/drawingml/2006/main" xmlns:r="http://schemas.openxmlformats.org/officeDocument/2006/relationships" xmlns:p="http://schemas.openxmlformats.org/presentationml/2006/main" showMasterSp="0">
-  <p:cSld>
-    <p:spTree>
-      <p:nvGrpSpPr>
-        <p:cNvPr id="1" name=""/>
-        <p:cNvGrpSpPr/>
-        <p:nvPr/>
-      </p:nvGrpSpPr>
-      <p:grpSpPr>
-        <a:xfrm>
-          <a:off x="0" y="0"/>
-          <a:ext cx="0" cy="0"/>
-          <a:chOff x="0" y="0"/>
-          <a:chExt cx="0" cy="0"/>
-        </a:xfrm>
-      </p:grpSpPr>
-      <p:sp>
-        <p:nvSpPr>
-          <p:cNvPr id="2" name="ZoneTexte 1"/>
-          <p:cNvSpPr txBox="1"/>
-          <p:nvPr/>
-        </p:nvSpPr>
-        <p:spPr>
-          <a:xfrm>
-            <a:off x="2265680" y="1666240"/>
-            <a:ext cx="6969760" cy="3046988"/>
-          </a:xfrm>
-          <a:prstGeom prst="rect">
-            <a:avLst/>
-          </a:prstGeom>
-          <a:noFill/>
-        </p:spPr>
-        <p:txBody>
-          <a:bodyPr wrap="square" rtlCol="0">
-            <a:spAutoFit/>
-          </a:bodyPr>
-          <a:lstStyle/>
-          <a:p>
-            <a:r>
-              <a:rPr lang="fr-FR" sz="3200" i="1" u="sng" dirty="0" smtClean="0">
-                <a:effectLst>
-                  <a:outerShdw blurRad="38100" dist="38100" dir="2700000" algn="tl">
-                    <a:srgbClr val="000000">
-                      <a:alpha val="43137"/>
-                    </a:srgbClr>
-                  </a:outerShdw>
-                </a:effectLst>
-              </a:rPr>
-              <a:t>I Etat de l’art</a:t>
-            </a:r>
-          </a:p>
-          <a:p>
-            <a:r>
-              <a:rPr lang="fr-FR" sz="3200" dirty="0" smtClean="0"/>
-              <a:t>	</a:t>
-            </a:r>
-          </a:p>
-          <a:p>
-            <a:r>
-              <a:rPr lang="fr-FR" sz="3200" i="1" u="sng" dirty="0" smtClean="0">
-                <a:effectLst>
-                  <a:outerShdw blurRad="38100" dist="38100" dir="2700000" algn="tl">
-                    <a:srgbClr val="000000">
-                      <a:alpha val="43137"/>
-                    </a:srgbClr>
-                  </a:outerShdw>
-                </a:effectLst>
-              </a:rPr>
-              <a:t>II Traitement préliminaire</a:t>
-            </a:r>
-          </a:p>
-          <a:p>
-            <a:r>
-              <a:rPr lang="fr-FR" sz="3200" dirty="0" smtClean="0"/>
-              <a:t>	</a:t>
-            </a:r>
-          </a:p>
-          <a:p>
-            <a:r>
-              <a:rPr lang="fr-FR" sz="3200" i="1" u="sng" dirty="0" smtClean="0">
-                <a:effectLst>
-                  <a:outerShdw blurRad="38100" dist="38100" dir="2700000" algn="tl">
-                    <a:srgbClr val="000000">
-                      <a:alpha val="43137"/>
-                    </a:srgbClr>
-                  </a:outerShdw>
-                </a:effectLst>
-              </a:rPr>
-              <a:t>III Détermination de la position</a:t>
-            </a:r>
-          </a:p>
-          <a:p>
-            <a:endParaRPr lang="fr-FR" sz="3200" i="1" u="sng" dirty="0">
-              <a:effectLst>
-                <a:outerShdw blurRad="38100" dist="38100" dir="2700000" algn="tl">
-                  <a:srgbClr val="000000">
-                    <a:alpha val="43137"/>
-                  </a:srgbClr>
-                </a:outerShdw>
-              </a:effectLst>
-            </a:endParaRPr>
-          </a:p>
-        </p:txBody>
-      </p:sp>
-    </p:spTree>
-    <p:extLst>
-      <p:ext uri="{BB962C8B-B14F-4D97-AF65-F5344CB8AC3E}">
-        <p14:creationId xmlns:p14="http://schemas.microsoft.com/office/powerpoint/2010/main" val="1481203336"/>
-      </p:ext>
-    </p:extLst>
-  </p:cSld>
-  <p:clrMapOvr>
-    <a:masterClrMapping/>
-  </p:clrMapOvr>
-  <mc:AlternateContent xmlns:mc="http://schemas.openxmlformats.org/markup-compatibility/2006">
-    <mc:Choice xmlns="" xmlns:p15="http://schemas.microsoft.com/office/powerpoint/2012/main" Requires="p15">
-      <p:transition xmlns:p14="http://schemas.microsoft.com/office/powerpoint/2010/main" spd="slow" p14:dur="1250">
-        <p15:prstTrans prst="peelOff"/>
-      </p:transition>
-    </mc:Choice>
-    <mc:Fallback>
-      <p:transition spd="slow">
-        <p:fade/>
-      </p:transition>
-    </mc:Fallback>
-  </mc:AlternateContent>
-  <p:timing>
-    <p:tnLst>
-      <p:par>
-        <p:cTn id="1" dur="indefinite" restart="never" nodeType="tmRoot"/>
-      </p:par>
-    </p:tnLst>
-  </p:timing>
-</p:sld>
-</file>
-
-<file path=ppt/slides/slide5.xml><?xml version="1.0" encoding="utf-8"?>
-<p:sld xmlns:a="http://schemas.openxmlformats.org/drawingml/2006/main" xmlns:r="http://schemas.openxmlformats.org/officeDocument/2006/relationships" xmlns:p="http://schemas.openxmlformats.org/presentationml/2006/main" showMasterSp="0">
-  <p:cSld>
-    <p:spTree>
-      <p:nvGrpSpPr>
-        <p:cNvPr id="1" name=""/>
-        <p:cNvGrpSpPr/>
-        <p:nvPr/>
-      </p:nvGrpSpPr>
-      <p:grpSpPr>
-        <a:xfrm>
-          <a:off x="0" y="0"/>
-          <a:ext cx="0" cy="0"/>
-          <a:chOff x="0" y="0"/>
-          <a:chExt cx="0" cy="0"/>
-        </a:xfrm>
-      </p:grpSpPr>
-      <p:sp>
-        <p:nvSpPr>
-          <p:cNvPr id="3" name="Espace réservé du contenu 2"/>
-          <p:cNvSpPr>
-            <a:spLocks noGrp="1"/>
-          </p:cNvSpPr>
-          <p:nvPr>
-            <p:ph idx="1"/>
-          </p:nvPr>
-        </p:nvSpPr>
-        <p:spPr>
-          <a:xfrm>
-            <a:off x="1805780" y="318527"/>
-            <a:ext cx="8915400" cy="687313"/>
-          </a:xfrm>
-        </p:spPr>
-        <p:txBody>
-          <a:bodyPr tIns="72000">
-            <a:noAutofit/>
-          </a:bodyPr>
-          <a:lstStyle/>
-          <a:p>
-            <a:pPr>
-              <a:buFont typeface="Wingdings" panose="05000000000000000000" pitchFamily="2" charset="2"/>
-              <a:buChar char="v"/>
-            </a:pPr>
-            <a:r>
-              <a:rPr lang="fr-FR" sz="2800" u="sng" dirty="0" smtClean="0"/>
-              <a:t>Etat de l’art:</a:t>
-            </a:r>
+              <a:t>Introduction</a:t>
+            </a:r>
+            <a:endParaRPr lang="fr-FR" sz="2800" u="sng" dirty="0" smtClean="0"/>
           </a:p>
         </p:txBody>
       </p:sp>
@@ -14013,8 +13840,8 @@
           </p:nvSpPr>
           <p:spPr>
             <a:xfrm>
-              <a:off x="6161181" y="1715762"/>
-              <a:ext cx="2409634" cy="369332"/>
+              <a:off x="6061425" y="1715762"/>
+              <a:ext cx="2730235" cy="369332"/>
             </a:xfrm>
             <a:prstGeom prst="rect">
               <a:avLst/>
@@ -14029,7 +13856,11 @@
             <a:p>
               <a:r>
                 <a:rPr lang="fr-FR" b="1" dirty="0" smtClean="0"/>
-                <a:t>Limite de diffraction</a:t>
+                <a:t>Limité par la </a:t>
+              </a:r>
+              <a:r>
+                <a:rPr lang="fr-FR" b="1" dirty="0" smtClean="0"/>
+                <a:t>diffraction</a:t>
               </a:r>
               <a:endParaRPr lang="fr-FR" b="1" dirty="0"/>
             </a:p>
@@ -14220,7 +14051,7 @@
     </p:spTree>
     <p:extLst>
       <p:ext uri="{BB962C8B-B14F-4D97-AF65-F5344CB8AC3E}">
-        <p14:creationId xmlns:p14="http://schemas.microsoft.com/office/powerpoint/2010/main" val="2500319779"/>
+        <p14:creationId xmlns:p14="http://schemas.microsoft.com/office/powerpoint/2010/main" val="1128158107"/>
       </p:ext>
     </p:extLst>
   </p:cSld>
@@ -14228,7 +14059,1012 @@
     <a:masterClrMapping/>
   </p:clrMapOvr>
   <mc:AlternateContent xmlns:mc="http://schemas.openxmlformats.org/markup-compatibility/2006">
-    <mc:Choice xmlns="" xmlns:p15="http://schemas.microsoft.com/office/powerpoint/2012/main" Requires="p15">
+    <mc:Choice xmlns:p15="http://schemas.microsoft.com/office/powerpoint/2012/main" xmlns="" Requires="p15">
+      <p:transition xmlns:p14="http://schemas.microsoft.com/office/powerpoint/2010/main" spd="slow" p14:dur="1250">
+        <p15:prstTrans prst="peelOff"/>
+      </p:transition>
+    </mc:Choice>
+    <mc:Fallback>
+      <p:transition spd="slow">
+        <p:fade/>
+      </p:transition>
+    </mc:Fallback>
+  </mc:AlternateContent>
+  <p:timing>
+    <p:tnLst>
+      <p:par>
+        <p:cTn id="1" dur="indefinite" restart="never" nodeType="tmRoot"/>
+      </p:par>
+    </p:tnLst>
+  </p:timing>
+</p:sld>
+</file>
+
+<file path=ppt/slides/slide3.xml><?xml version="1.0" encoding="utf-8"?>
+<p:sld xmlns:a="http://schemas.openxmlformats.org/drawingml/2006/main" xmlns:r="http://schemas.openxmlformats.org/officeDocument/2006/relationships" xmlns:p="http://schemas.openxmlformats.org/presentationml/2006/main">
+  <p:cSld>
+    <p:bg>
+      <p:bgPr>
+        <a:gradFill flip="none" rotWithShape="1">
+          <a:gsLst>
+            <a:gs pos="0">
+              <a:schemeClr val="bg2">
+                <a:tint val="90000"/>
+                <a:satMod val="92000"/>
+                <a:lumMod val="120000"/>
+              </a:schemeClr>
+            </a:gs>
+            <a:gs pos="100000">
+              <a:schemeClr val="accent1">
+                <a:lumMod val="40000"/>
+                <a:lumOff val="60000"/>
+              </a:schemeClr>
+            </a:gs>
+          </a:gsLst>
+          <a:path path="circle">
+            <a:fillToRect l="50000" t="50000" r="100000" b="100000"/>
+          </a:path>
+          <a:tileRect/>
+        </a:gradFill>
+        <a:effectLst/>
+      </p:bgPr>
+    </p:bg>
+    <p:spTree>
+      <p:nvGrpSpPr>
+        <p:cNvPr id="1" name=""/>
+        <p:cNvGrpSpPr/>
+        <p:nvPr/>
+      </p:nvGrpSpPr>
+      <p:grpSpPr>
+        <a:xfrm>
+          <a:off x="0" y="0"/>
+          <a:ext cx="0" cy="0"/>
+          <a:chOff x="0" y="0"/>
+          <a:chExt cx="0" cy="0"/>
+        </a:xfrm>
+      </p:grpSpPr>
+      <p:sp>
+        <p:nvSpPr>
+          <p:cNvPr id="3" name="Espace réservé du contenu 2"/>
+          <p:cNvSpPr>
+            <a:spLocks noGrp="1"/>
+          </p:cNvSpPr>
+          <p:nvPr>
+            <p:ph idx="1"/>
+          </p:nvPr>
+        </p:nvSpPr>
+        <p:spPr>
+          <a:xfrm>
+            <a:off x="1805780" y="318527"/>
+            <a:ext cx="8915400" cy="1259248"/>
+          </a:xfrm>
+        </p:spPr>
+        <p:txBody>
+          <a:bodyPr tIns="72000">
+            <a:noAutofit/>
+          </a:bodyPr>
+          <a:lstStyle/>
+          <a:p>
+            <a:pPr>
+              <a:buFont typeface="Wingdings" panose="05000000000000000000" pitchFamily="2" charset="2"/>
+              <a:buChar char="v"/>
+            </a:pPr>
+            <a:r>
+              <a:rPr lang="fr-FR" sz="2800" u="sng" dirty="0" smtClean="0"/>
+              <a:t>Introduction:</a:t>
+            </a:r>
+            <a:endParaRPr lang="fr-FR" sz="2800" u="sng" dirty="0" smtClean="0"/>
+          </a:p>
+          <a:p>
+            <a:pPr marL="0" indent="0">
+              <a:buNone/>
+            </a:pPr>
+            <a:r>
+              <a:rPr lang="fr-FR" sz="2400" dirty="0" smtClean="0"/>
+              <a:t>Microscopie de fluorescence: capteur et traitement</a:t>
+            </a:r>
+            <a:endParaRPr lang="fr-FR" sz="2800" dirty="0" smtClean="0"/>
+          </a:p>
+          <a:p>
+            <a:pPr marL="0" indent="0">
+              <a:buNone/>
+            </a:pPr>
+            <a:endParaRPr lang="fr-FR" sz="2800" dirty="0"/>
+          </a:p>
+        </p:txBody>
+      </p:sp>
+      <p:sp>
+        <p:nvSpPr>
+          <p:cNvPr id="9" name="ZoneTexte 8"/>
+          <p:cNvSpPr txBox="1"/>
+          <p:nvPr/>
+        </p:nvSpPr>
+        <p:spPr>
+          <a:xfrm>
+            <a:off x="1805780" y="1421426"/>
+            <a:ext cx="6951216" cy="369332"/>
+          </a:xfrm>
+          <a:prstGeom prst="rect">
+            <a:avLst/>
+          </a:prstGeom>
+          <a:noFill/>
+        </p:spPr>
+        <p:txBody>
+          <a:bodyPr wrap="square" rtlCol="0">
+            <a:spAutoFit/>
+          </a:bodyPr>
+          <a:lstStyle/>
+          <a:p>
+            <a:r>
+              <a:rPr lang="fr-FR" dirty="0" smtClean="0"/>
+              <a:t>Fluorescence =&gt; petite quantité de lumière =&gt; RSB élevé</a:t>
+            </a:r>
+            <a:endParaRPr lang="fr-FR" dirty="0"/>
+          </a:p>
+        </p:txBody>
+      </p:sp>
+      <p:sp>
+        <p:nvSpPr>
+          <p:cNvPr id="10" name="ZoneTexte 9"/>
+          <p:cNvSpPr txBox="1"/>
+          <p:nvPr/>
+        </p:nvSpPr>
+        <p:spPr>
+          <a:xfrm>
+            <a:off x="1681493" y="2003741"/>
+            <a:ext cx="6327373" cy="2554545"/>
+          </a:xfrm>
+          <a:prstGeom prst="rect">
+            <a:avLst/>
+          </a:prstGeom>
+          <a:noFill/>
+        </p:spPr>
+        <p:txBody>
+          <a:bodyPr wrap="none" rtlCol="0">
+            <a:spAutoFit/>
+          </a:bodyPr>
+          <a:lstStyle/>
+          <a:p>
+            <a:r>
+              <a:rPr lang="fr-FR" sz="2000" dirty="0" smtClean="0"/>
+              <a:t>La précision du pointé dépend de plusieurs bruits:</a:t>
+            </a:r>
+          </a:p>
+          <a:p>
+            <a:pPr marL="285750" indent="-19050">
+              <a:buFont typeface="Arial" panose="020B0604020202020204" pitchFamily="34" charset="0"/>
+              <a:buChar char="•"/>
+            </a:pPr>
+            <a:r>
+              <a:rPr lang="fr-FR" sz="2000" dirty="0" smtClean="0"/>
+              <a:t> Impact des photons non uniforme</a:t>
+            </a:r>
+          </a:p>
+          <a:p>
+            <a:pPr marL="285750" indent="-19050">
+              <a:buFont typeface="Arial" panose="020B0604020202020204" pitchFamily="34" charset="0"/>
+              <a:buChar char="•"/>
+            </a:pPr>
+            <a:r>
+              <a:rPr lang="fr-FR" sz="2000" dirty="0" smtClean="0"/>
+              <a:t> lumière parasite </a:t>
+            </a:r>
+            <a:endParaRPr lang="fr-FR" sz="2000" dirty="0"/>
+          </a:p>
+          <a:p>
+            <a:pPr marL="285750" indent="-19050">
+              <a:buFont typeface="Arial" panose="020B0604020202020204" pitchFamily="34" charset="0"/>
+              <a:buChar char="•"/>
+            </a:pPr>
+            <a:r>
+              <a:rPr lang="fr-FR" sz="2000" dirty="0" smtClean="0"/>
+              <a:t> </a:t>
+            </a:r>
+            <a:r>
+              <a:rPr lang="fr-FR" sz="2000" dirty="0" err="1"/>
+              <a:t>f</a:t>
+            </a:r>
+            <a:r>
+              <a:rPr lang="fr-FR" sz="2000" dirty="0" err="1" smtClean="0"/>
+              <a:t>luorophores</a:t>
+            </a:r>
+            <a:r>
+              <a:rPr lang="fr-FR" sz="2000" dirty="0" smtClean="0"/>
+              <a:t> non homogènes</a:t>
+            </a:r>
+          </a:p>
+          <a:p>
+            <a:pPr marL="285750" indent="-19050">
+              <a:buFont typeface="Arial" panose="020B0604020202020204" pitchFamily="34" charset="0"/>
+              <a:buChar char="•"/>
+            </a:pPr>
+            <a:r>
+              <a:rPr lang="fr-FR" sz="2000" dirty="0" smtClean="0"/>
+              <a:t> courant d’obscurité (diodes du capteur)</a:t>
+            </a:r>
+            <a:br>
+              <a:rPr lang="fr-FR" sz="2000" dirty="0" smtClean="0"/>
+            </a:br>
+            <a:endParaRPr lang="fr-FR" sz="2000" dirty="0" smtClean="0"/>
+          </a:p>
+          <a:p>
+            <a:r>
+              <a:rPr lang="fr-FR" sz="2000" dirty="0"/>
+              <a:t>	</a:t>
+            </a:r>
+            <a:endParaRPr lang="fr-FR" sz="2000" dirty="0" smtClean="0"/>
+          </a:p>
+          <a:p>
+            <a:r>
+              <a:rPr lang="fr-FR" sz="2000" dirty="0" smtClean="0"/>
+              <a:t>	</a:t>
+            </a:r>
+            <a:endParaRPr lang="fr-FR" sz="2000" dirty="0"/>
+          </a:p>
+        </p:txBody>
+      </p:sp>
+      <p:sp>
+        <p:nvSpPr>
+          <p:cNvPr id="4" name="Rectangle 3"/>
+          <p:cNvSpPr/>
+          <p:nvPr/>
+        </p:nvSpPr>
+        <p:spPr>
+          <a:xfrm>
+            <a:off x="1681493" y="3710672"/>
+            <a:ext cx="6096000" cy="1631216"/>
+          </a:xfrm>
+          <a:prstGeom prst="rect">
+            <a:avLst/>
+          </a:prstGeom>
+        </p:spPr>
+        <p:txBody>
+          <a:bodyPr>
+            <a:spAutoFit/>
+          </a:bodyPr>
+          <a:lstStyle/>
+          <a:p>
+            <a:pPr lvl="0"/>
+            <a:r>
+              <a:rPr lang="fr-FR" sz="2000" dirty="0" smtClean="0">
+                <a:solidFill>
+                  <a:prstClr val="black"/>
+                </a:solidFill>
+              </a:rPr>
+              <a:t>Méthodes numériques:</a:t>
+            </a:r>
+            <a:endParaRPr lang="fr-FR" sz="2000" dirty="0">
+              <a:solidFill>
+                <a:prstClr val="black"/>
+              </a:solidFill>
+            </a:endParaRPr>
+          </a:p>
+          <a:p>
+            <a:pPr marL="285750" lvl="0" indent="-19050">
+              <a:buFont typeface="Arial" panose="020B0604020202020204" pitchFamily="34" charset="0"/>
+              <a:buChar char="•"/>
+            </a:pPr>
+            <a:r>
+              <a:rPr lang="fr-FR" sz="2000" dirty="0" smtClean="0">
+                <a:solidFill>
+                  <a:prstClr val="black"/>
+                </a:solidFill>
+              </a:rPr>
+              <a:t> Augmentation de contraste</a:t>
+            </a:r>
+            <a:endParaRPr lang="fr-FR" sz="2000" dirty="0">
+              <a:solidFill>
+                <a:prstClr val="black"/>
+              </a:solidFill>
+            </a:endParaRPr>
+          </a:p>
+          <a:p>
+            <a:pPr marL="285750" lvl="0" indent="-19050">
+              <a:buFont typeface="Arial" panose="020B0604020202020204" pitchFamily="34" charset="0"/>
+              <a:buChar char="•"/>
+            </a:pPr>
+            <a:r>
+              <a:rPr lang="fr-FR" sz="2000" dirty="0">
+                <a:solidFill>
+                  <a:prstClr val="black"/>
+                </a:solidFill>
+              </a:rPr>
+              <a:t> </a:t>
+            </a:r>
+            <a:r>
+              <a:rPr lang="fr-FR" sz="2000" dirty="0" smtClean="0">
+                <a:solidFill>
+                  <a:prstClr val="black"/>
+                </a:solidFill>
+              </a:rPr>
+              <a:t>Filtrage gaussien ou médian</a:t>
+            </a:r>
+            <a:endParaRPr lang="fr-FR" sz="2000" dirty="0">
+              <a:solidFill>
+                <a:prstClr val="black"/>
+              </a:solidFill>
+            </a:endParaRPr>
+          </a:p>
+          <a:p>
+            <a:pPr marL="285750" lvl="0" indent="-19050">
+              <a:buFont typeface="Arial" panose="020B0604020202020204" pitchFamily="34" charset="0"/>
+              <a:buChar char="•"/>
+            </a:pPr>
+            <a:r>
+              <a:rPr lang="fr-FR" sz="2000" dirty="0">
+                <a:solidFill>
+                  <a:prstClr val="black"/>
+                </a:solidFill>
+              </a:rPr>
+              <a:t> </a:t>
+            </a:r>
+            <a:r>
+              <a:rPr lang="fr-FR" sz="2000" dirty="0" err="1" smtClean="0">
+                <a:solidFill>
+                  <a:prstClr val="black"/>
+                </a:solidFill>
+              </a:rPr>
+              <a:t>Déconvolution</a:t>
+            </a:r>
+            <a:r>
+              <a:rPr lang="fr-FR" sz="2000" dirty="0" smtClean="0">
+                <a:solidFill>
+                  <a:prstClr val="black"/>
+                </a:solidFill>
+              </a:rPr>
+              <a:t> de la PSF, ou/et de l’image du bruit par le réseau.</a:t>
+            </a:r>
+            <a:endParaRPr lang="fr-FR" sz="2000" dirty="0">
+              <a:solidFill>
+                <a:prstClr val="black"/>
+              </a:solidFill>
+            </a:endParaRPr>
+          </a:p>
+        </p:txBody>
+      </p:sp>
+    </p:spTree>
+    <p:extLst>
+      <p:ext uri="{BB962C8B-B14F-4D97-AF65-F5344CB8AC3E}">
+        <p14:creationId xmlns:p14="http://schemas.microsoft.com/office/powerpoint/2010/main" val="3578288646"/>
+      </p:ext>
+    </p:extLst>
+  </p:cSld>
+  <p:clrMapOvr>
+    <a:masterClrMapping/>
+  </p:clrMapOvr>
+  <mc:AlternateContent xmlns:mc="http://schemas.openxmlformats.org/markup-compatibility/2006">
+    <mc:Choice xmlns:p15="http://schemas.microsoft.com/office/powerpoint/2012/main" xmlns="" Requires="p15">
+      <p:transition xmlns:p14="http://schemas.microsoft.com/office/powerpoint/2010/main" spd="slow" p14:dur="1250">
+        <p15:prstTrans prst="peelOff"/>
+      </p:transition>
+    </mc:Choice>
+    <mc:Fallback>
+      <p:transition spd="slow">
+        <p:fade/>
+      </p:transition>
+    </mc:Fallback>
+  </mc:AlternateContent>
+  <p:timing>
+    <p:tnLst>
+      <p:par>
+        <p:cTn id="1" dur="indefinite" restart="never" nodeType="tmRoot"/>
+      </p:par>
+    </p:tnLst>
+  </p:timing>
+</p:sld>
+</file>
+
+<file path=ppt/slides/slide4.xml><?xml version="1.0" encoding="utf-8"?>
+<p:sld xmlns:a="http://schemas.openxmlformats.org/drawingml/2006/main" xmlns:r="http://schemas.openxmlformats.org/officeDocument/2006/relationships" xmlns:p="http://schemas.openxmlformats.org/presentationml/2006/main" showMasterSp="0">
+  <p:cSld>
+    <p:bg>
+      <p:bgPr>
+        <a:gradFill flip="none" rotWithShape="1">
+          <a:gsLst>
+            <a:gs pos="0">
+              <a:schemeClr val="bg2">
+                <a:tint val="90000"/>
+                <a:satMod val="92000"/>
+                <a:lumMod val="120000"/>
+              </a:schemeClr>
+            </a:gs>
+            <a:gs pos="100000">
+              <a:schemeClr val="accent6">
+                <a:lumMod val="60000"/>
+                <a:lumOff val="40000"/>
+              </a:schemeClr>
+            </a:gs>
+          </a:gsLst>
+          <a:path path="circle">
+            <a:fillToRect l="50000" t="50000" r="100000" b="100000"/>
+          </a:path>
+          <a:tileRect/>
+        </a:gradFill>
+        <a:effectLst/>
+      </p:bgPr>
+    </p:bg>
+    <p:spTree>
+      <p:nvGrpSpPr>
+        <p:cNvPr id="1" name=""/>
+        <p:cNvGrpSpPr/>
+        <p:nvPr/>
+      </p:nvGrpSpPr>
+      <p:grpSpPr>
+        <a:xfrm>
+          <a:off x="0" y="0"/>
+          <a:ext cx="0" cy="0"/>
+          <a:chOff x="0" y="0"/>
+          <a:chExt cx="0" cy="0"/>
+        </a:xfrm>
+      </p:grpSpPr>
+      <p:sp>
+        <p:nvSpPr>
+          <p:cNvPr id="3" name="Espace réservé du contenu 2"/>
+          <p:cNvSpPr>
+            <a:spLocks noGrp="1"/>
+          </p:cNvSpPr>
+          <p:nvPr>
+            <p:ph idx="1"/>
+          </p:nvPr>
+        </p:nvSpPr>
+        <p:spPr>
+          <a:xfrm>
+            <a:off x="1620317" y="1480258"/>
+            <a:ext cx="8915400" cy="3777622"/>
+          </a:xfrm>
+        </p:spPr>
+        <p:txBody>
+          <a:bodyPr tIns="72000">
+            <a:noAutofit/>
+          </a:bodyPr>
+          <a:lstStyle/>
+          <a:p>
+            <a:pPr>
+              <a:buFont typeface="Wingdings" panose="05000000000000000000" pitchFamily="2" charset="2"/>
+              <a:buChar char="v"/>
+            </a:pPr>
+            <a:r>
+              <a:rPr lang="fr-FR" sz="2800" u="sng" dirty="0" smtClean="0"/>
+              <a:t>Objectif:</a:t>
+            </a:r>
+          </a:p>
+          <a:p>
+            <a:pPr marL="0" indent="0">
+              <a:buNone/>
+            </a:pPr>
+            <a:r>
+              <a:rPr lang="fr-FR" sz="2800" dirty="0" smtClean="0"/>
+              <a:t>	</a:t>
+            </a:r>
+            <a:r>
+              <a:rPr lang="fr-FR" sz="2400" dirty="0" smtClean="0"/>
+              <a:t>- positionnement axial (image nette)</a:t>
+            </a:r>
+          </a:p>
+          <a:p>
+            <a:pPr marL="0" indent="0">
+              <a:buNone/>
+            </a:pPr>
+            <a:r>
+              <a:rPr lang="fr-FR" sz="2400" dirty="0" smtClean="0"/>
+              <a:t>	- positionnement transversal (image centrée)</a:t>
+            </a:r>
+          </a:p>
+          <a:p>
+            <a:pPr marL="0" indent="0">
+              <a:buNone/>
+            </a:pPr>
+            <a:r>
+              <a:rPr lang="fr-FR" sz="2400" dirty="0" smtClean="0"/>
+              <a:t>	- reconstitution 3D de l’échantillon</a:t>
+            </a:r>
+            <a:br>
+              <a:rPr lang="fr-FR" sz="2400" dirty="0" smtClean="0"/>
+            </a:br>
+            <a:r>
+              <a:rPr lang="fr-FR" sz="2400" dirty="0" smtClean="0"/>
+              <a:t> </a:t>
+            </a:r>
+          </a:p>
+          <a:p>
+            <a:pPr>
+              <a:buFont typeface="Wingdings" panose="05000000000000000000" pitchFamily="2" charset="2"/>
+              <a:buChar char="v"/>
+            </a:pPr>
+            <a:r>
+              <a:rPr lang="fr-FR" sz="2800" u="sng" dirty="0" smtClean="0"/>
+              <a:t>Données:</a:t>
+            </a:r>
+          </a:p>
+          <a:p>
+            <a:pPr marL="457200" lvl="1" indent="0">
+              <a:buClrTx/>
+              <a:buNone/>
+            </a:pPr>
+            <a:r>
+              <a:rPr lang="fr-FR" sz="2400" dirty="0" smtClean="0"/>
+              <a:t>- images </a:t>
+            </a:r>
+            <a:r>
+              <a:rPr lang="fr-FR" sz="2400" dirty="0"/>
+              <a:t>de calibrations </a:t>
+            </a:r>
+          </a:p>
+          <a:p>
+            <a:pPr marL="457200" lvl="1" indent="0">
+              <a:buClrTx/>
+              <a:buNone/>
+            </a:pPr>
+            <a:r>
+              <a:rPr lang="fr-FR" sz="2400" dirty="0" smtClean="0"/>
+              <a:t>- images </a:t>
+            </a:r>
+            <a:r>
+              <a:rPr lang="fr-FR" sz="2400" dirty="0"/>
+              <a:t>de </a:t>
+            </a:r>
+            <a:r>
+              <a:rPr lang="fr-FR" sz="2400" dirty="0" smtClean="0"/>
+              <a:t>mesure</a:t>
+            </a:r>
+          </a:p>
+          <a:p>
+            <a:pPr marL="457200" lvl="1" indent="0">
+              <a:buClrTx/>
+              <a:buNone/>
+            </a:pPr>
+            <a:r>
+              <a:rPr lang="fr-FR" sz="2400" dirty="0" smtClean="0"/>
+              <a:t>- images en situation</a:t>
+            </a:r>
+            <a:br>
+              <a:rPr lang="fr-FR" sz="2400" dirty="0" smtClean="0"/>
+            </a:br>
+            <a:r>
+              <a:rPr lang="fr-FR" sz="2400" dirty="0" smtClean="0"/>
+              <a:t/>
+            </a:r>
+            <a:br>
+              <a:rPr lang="fr-FR" sz="2400" dirty="0" smtClean="0"/>
+            </a:br>
+            <a:endParaRPr lang="fr-FR" sz="2800" dirty="0" smtClean="0"/>
+          </a:p>
+          <a:p>
+            <a:pPr marL="0" indent="0">
+              <a:buNone/>
+            </a:pPr>
+            <a:endParaRPr lang="fr-FR" sz="2400" dirty="0"/>
+          </a:p>
+          <a:p>
+            <a:pPr marL="0" indent="0">
+              <a:buNone/>
+            </a:pPr>
+            <a:r>
+              <a:rPr lang="fr-FR" sz="2400" dirty="0" smtClean="0"/>
+              <a:t/>
+            </a:r>
+            <a:br>
+              <a:rPr lang="fr-FR" sz="2400" dirty="0" smtClean="0"/>
+            </a:br>
+            <a:r>
+              <a:rPr lang="fr-FR" sz="2400" dirty="0" smtClean="0"/>
+              <a:t/>
+            </a:r>
+            <a:br>
+              <a:rPr lang="fr-FR" sz="2400" dirty="0" smtClean="0"/>
+            </a:br>
+            <a:endParaRPr lang="fr-FR" sz="2400" dirty="0" smtClean="0"/>
+          </a:p>
+          <a:p>
+            <a:pPr marL="0" indent="0">
+              <a:buNone/>
+            </a:pPr>
+            <a:endParaRPr lang="fr-FR" sz="2400" dirty="0" smtClean="0"/>
+          </a:p>
+          <a:p>
+            <a:pPr marL="0" indent="0">
+              <a:buNone/>
+            </a:pPr>
+            <a:endParaRPr lang="fr-FR" sz="2400" dirty="0"/>
+          </a:p>
+        </p:txBody>
+      </p:sp>
+      <p:sp>
+        <p:nvSpPr>
+          <p:cNvPr id="2" name="ZoneTexte 1"/>
+          <p:cNvSpPr txBox="1"/>
+          <p:nvPr/>
+        </p:nvSpPr>
+        <p:spPr>
+          <a:xfrm>
+            <a:off x="706582" y="249382"/>
+            <a:ext cx="10631978" cy="830997"/>
+          </a:xfrm>
+          <a:prstGeom prst="rect">
+            <a:avLst/>
+          </a:prstGeom>
+          <a:noFill/>
+        </p:spPr>
+        <p:txBody>
+          <a:bodyPr wrap="square" rtlCol="0">
+            <a:spAutoFit/>
+          </a:bodyPr>
+          <a:lstStyle/>
+          <a:p>
+            <a:r>
+              <a:rPr lang="fr-FR" sz="2400" i="1" dirty="0"/>
+              <a:t>A</a:t>
+            </a:r>
+            <a:r>
+              <a:rPr lang="fr-FR" sz="2400" i="1" dirty="0" smtClean="0"/>
+              <a:t>vec quelle précision peut on localiser un émetteur fluorescent ?</a:t>
+            </a:r>
+            <a:br>
+              <a:rPr lang="fr-FR" sz="2400" i="1" dirty="0" smtClean="0"/>
+            </a:br>
+            <a:r>
+              <a:rPr lang="fr-FR" sz="2400" i="1" dirty="0" smtClean="0"/>
+              <a:t>Quels traitements et solutions faut-il envisager ?</a:t>
+            </a:r>
+            <a:endParaRPr lang="fr-FR" sz="2400" i="1" dirty="0"/>
+          </a:p>
+        </p:txBody>
+      </p:sp>
+    </p:spTree>
+    <p:extLst>
+      <p:ext uri="{BB962C8B-B14F-4D97-AF65-F5344CB8AC3E}">
+        <p14:creationId xmlns:p14="http://schemas.microsoft.com/office/powerpoint/2010/main" val="2303545849"/>
+      </p:ext>
+    </p:extLst>
+  </p:cSld>
+  <p:clrMapOvr>
+    <a:masterClrMapping/>
+  </p:clrMapOvr>
+  <mc:AlternateContent xmlns:mc="http://schemas.openxmlformats.org/markup-compatibility/2006">
+    <mc:Choice xmlns:p15="http://schemas.microsoft.com/office/powerpoint/2012/main" xmlns="" Requires="p15">
+      <p:transition xmlns:p14="http://schemas.microsoft.com/office/powerpoint/2010/main" spd="slow" p14:dur="1250">
+        <p15:prstTrans prst="peelOff"/>
+      </p:transition>
+    </mc:Choice>
+    <mc:Fallback>
+      <p:transition spd="slow">
+        <p:fade/>
+      </p:transition>
+    </mc:Fallback>
+  </mc:AlternateContent>
+  <p:timing>
+    <p:tnLst>
+      <p:par>
+        <p:cTn id="1" dur="indefinite" restart="never" nodeType="tmRoot"/>
+      </p:par>
+    </p:tnLst>
+  </p:timing>
+</p:sld>
+</file>
+
+<file path=ppt/slides/slide5.xml><?xml version="1.0" encoding="utf-8"?>
+<p:sld xmlns:a="http://schemas.openxmlformats.org/drawingml/2006/main" xmlns:r="http://schemas.openxmlformats.org/officeDocument/2006/relationships" xmlns:p="http://schemas.openxmlformats.org/presentationml/2006/main" showMasterSp="0">
+  <p:cSld>
+    <p:bg>
+      <p:bgPr>
+        <a:gradFill>
+          <a:gsLst>
+            <a:gs pos="0">
+              <a:schemeClr val="bg2">
+                <a:tint val="90000"/>
+                <a:satMod val="92000"/>
+                <a:lumMod val="120000"/>
+              </a:schemeClr>
+            </a:gs>
+            <a:gs pos="100000">
+              <a:schemeClr val="accent6">
+                <a:lumMod val="60000"/>
+                <a:lumOff val="40000"/>
+              </a:schemeClr>
+            </a:gs>
+          </a:gsLst>
+          <a:path path="circle">
+            <a:fillToRect l="50000" t="50000" r="100000" b="100000"/>
+          </a:path>
+        </a:gradFill>
+        <a:effectLst/>
+      </p:bgPr>
+    </p:bg>
+    <p:spTree>
+      <p:nvGrpSpPr>
+        <p:cNvPr id="1" name=""/>
+        <p:cNvGrpSpPr/>
+        <p:nvPr/>
+      </p:nvGrpSpPr>
+      <p:grpSpPr>
+        <a:xfrm>
+          <a:off x="0" y="0"/>
+          <a:ext cx="0" cy="0"/>
+          <a:chOff x="0" y="0"/>
+          <a:chExt cx="0" cy="0"/>
+        </a:xfrm>
+      </p:grpSpPr>
+      <p:pic>
+        <p:nvPicPr>
+          <p:cNvPr id="4" name="Picture 3"/>
+          <p:cNvPicPr>
+            <a:picLocks noChangeAspect="1" noChangeArrowheads="1"/>
+          </p:cNvPicPr>
+          <p:nvPr/>
+        </p:nvPicPr>
+        <p:blipFill>
+          <a:blip r:embed="rId2">
+            <a:extLst>
+              <a:ext uri="{28A0092B-C50C-407E-A947-70E740481C1C}">
+                <a14:useLocalDpi xmlns:a14="http://schemas.microsoft.com/office/drawing/2010/main" val="0"/>
+              </a:ext>
+            </a:extLst>
+          </a:blip>
+          <a:srcRect/>
+          <a:stretch>
+            <a:fillRect/>
+          </a:stretch>
+        </p:blipFill>
+        <p:spPr bwMode="auto">
+          <a:xfrm>
+            <a:off x="282633" y="1464445"/>
+            <a:ext cx="3632661" cy="3728678"/>
+          </a:xfrm>
+          <a:prstGeom prst="rect">
+            <a:avLst/>
+          </a:prstGeom>
+          <a:noFill/>
+          <a:ln>
+            <a:noFill/>
+          </a:ln>
+          <a:extLst>
+            <a:ext uri="{909E8E84-426E-40DD-AFC4-6F175D3DCCD1}">
+              <a14:hiddenFill xmlns:a14="http://schemas.microsoft.com/office/drawing/2010/main">
+                <a:solidFill>
+                  <a:schemeClr val="accent1"/>
+                </a:solidFill>
+              </a14:hiddenFill>
+            </a:ext>
+            <a:ext uri="{91240B29-F687-4F45-9708-019B960494DF}">
+              <a14:hiddenLine xmlns:a14="http://schemas.microsoft.com/office/drawing/2010/main" w="9525">
+                <a:solidFill>
+                  <a:schemeClr val="tx1"/>
+                </a:solidFill>
+                <a:miter lim="800000"/>
+                <a:headEnd/>
+                <a:tailEnd/>
+              </a14:hiddenLine>
+            </a:ext>
+          </a:extLst>
+        </p:spPr>
+      </p:pic>
+      <p:pic>
+        <p:nvPicPr>
+          <p:cNvPr id="5" name="Picture 2"/>
+          <p:cNvPicPr>
+            <a:picLocks noChangeAspect="1" noChangeArrowheads="1"/>
+          </p:cNvPicPr>
+          <p:nvPr/>
+        </p:nvPicPr>
+        <p:blipFill>
+          <a:blip r:embed="rId3">
+            <a:extLst>
+              <a:ext uri="{28A0092B-C50C-407E-A947-70E740481C1C}">
+                <a14:useLocalDpi xmlns:a14="http://schemas.microsoft.com/office/drawing/2010/main" val="0"/>
+              </a:ext>
+            </a:extLst>
+          </a:blip>
+          <a:srcRect/>
+          <a:stretch>
+            <a:fillRect/>
+          </a:stretch>
+        </p:blipFill>
+        <p:spPr bwMode="auto">
+          <a:xfrm>
+            <a:off x="4098173" y="1464445"/>
+            <a:ext cx="3674225" cy="3722434"/>
+          </a:xfrm>
+          <a:prstGeom prst="rect">
+            <a:avLst/>
+          </a:prstGeom>
+          <a:noFill/>
+          <a:ln>
+            <a:noFill/>
+          </a:ln>
+          <a:extLst>
+            <a:ext uri="{909E8E84-426E-40DD-AFC4-6F175D3DCCD1}">
+              <a14:hiddenFill xmlns:a14="http://schemas.microsoft.com/office/drawing/2010/main">
+                <a:solidFill>
+                  <a:schemeClr val="accent1"/>
+                </a:solidFill>
+              </a14:hiddenFill>
+            </a:ext>
+            <a:ext uri="{91240B29-F687-4F45-9708-019B960494DF}">
+              <a14:hiddenLine xmlns:a14="http://schemas.microsoft.com/office/drawing/2010/main" w="9525">
+                <a:solidFill>
+                  <a:schemeClr val="tx1"/>
+                </a:solidFill>
+                <a:miter lim="800000"/>
+                <a:headEnd/>
+                <a:tailEnd/>
+              </a14:hiddenLine>
+            </a:ext>
+          </a:extLst>
+        </p:spPr>
+      </p:pic>
+      <p:sp>
+        <p:nvSpPr>
+          <p:cNvPr id="3" name="Rectangle 2"/>
+          <p:cNvSpPr/>
+          <p:nvPr/>
+        </p:nvSpPr>
+        <p:spPr>
+          <a:xfrm>
+            <a:off x="4023359" y="219840"/>
+            <a:ext cx="2714205" cy="646331"/>
+          </a:xfrm>
+          <a:prstGeom prst="rect">
+            <a:avLst/>
+          </a:prstGeom>
+        </p:spPr>
+        <p:txBody>
+          <a:bodyPr wrap="none">
+            <a:spAutoFit/>
+          </a:bodyPr>
+          <a:lstStyle/>
+          <a:p>
+            <a:pPr marL="342900" lvl="0" indent="-342900" defTabSz="457200">
+              <a:spcBef>
+                <a:spcPts val="1000"/>
+              </a:spcBef>
+              <a:buClr>
+                <a:srgbClr val="A53010"/>
+              </a:buClr>
+              <a:buFont typeface="Wingdings" panose="05000000000000000000" pitchFamily="2" charset="2"/>
+              <a:buChar char="v"/>
+            </a:pPr>
+            <a:r>
+              <a:rPr lang="fr-FR" sz="3600" u="sng" dirty="0" smtClean="0">
+                <a:solidFill>
+                  <a:prstClr val="black">
+                    <a:lumMod val="75000"/>
+                    <a:lumOff val="25000"/>
+                  </a:prstClr>
+                </a:solidFill>
+              </a:rPr>
+              <a:t>Données:</a:t>
+            </a:r>
+            <a:endParaRPr lang="fr-FR" sz="3600" u="sng" dirty="0">
+              <a:solidFill>
+                <a:prstClr val="black">
+                  <a:lumMod val="75000"/>
+                  <a:lumOff val="25000"/>
+                </a:prstClr>
+              </a:solidFill>
+            </a:endParaRPr>
+          </a:p>
+        </p:txBody>
+      </p:sp>
+      <p:pic>
+        <p:nvPicPr>
+          <p:cNvPr id="1026" name="Picture 2"/>
+          <p:cNvPicPr>
+            <a:picLocks noChangeAspect="1" noChangeArrowheads="1"/>
+          </p:cNvPicPr>
+          <p:nvPr/>
+        </p:nvPicPr>
+        <p:blipFill>
+          <a:blip r:embed="rId4">
+            <a:extLst>
+              <a:ext uri="{28A0092B-C50C-407E-A947-70E740481C1C}">
+                <a14:useLocalDpi xmlns:a14="http://schemas.microsoft.com/office/drawing/2010/main" val="0"/>
+              </a:ext>
+            </a:extLst>
+          </a:blip>
+          <a:srcRect/>
+          <a:stretch>
+            <a:fillRect/>
+          </a:stretch>
+        </p:blipFill>
+        <p:spPr bwMode="auto">
+          <a:xfrm>
+            <a:off x="8066534" y="1464445"/>
+            <a:ext cx="3643327" cy="3722434"/>
+          </a:xfrm>
+          <a:prstGeom prst="rect">
+            <a:avLst/>
+          </a:prstGeom>
+          <a:noFill/>
+          <a:ln>
+            <a:noFill/>
+          </a:ln>
+          <a:extLst>
+            <a:ext uri="{909E8E84-426E-40DD-AFC4-6F175D3DCCD1}">
+              <a14:hiddenFill xmlns:a14="http://schemas.microsoft.com/office/drawing/2010/main">
+                <a:solidFill>
+                  <a:schemeClr val="accent1"/>
+                </a:solidFill>
+              </a14:hiddenFill>
+            </a:ext>
+            <a:ext uri="{91240B29-F687-4F45-9708-019B960494DF}">
+              <a14:hiddenLine xmlns:a14="http://schemas.microsoft.com/office/drawing/2010/main" w="9525">
+                <a:solidFill>
+                  <a:schemeClr val="tx1"/>
+                </a:solidFill>
+                <a:miter lim="800000"/>
+                <a:headEnd/>
+                <a:tailEnd/>
+              </a14:hiddenLine>
+            </a:ext>
+          </a:extLst>
+        </p:spPr>
+      </p:pic>
+      <p:pic>
+        <p:nvPicPr>
+          <p:cNvPr id="1028" name="Picture 4"/>
+          <p:cNvPicPr>
+            <a:picLocks noChangeAspect="1" noChangeArrowheads="1"/>
+          </p:cNvPicPr>
+          <p:nvPr/>
+        </p:nvPicPr>
+        <p:blipFill>
+          <a:blip r:embed="rId5">
+            <a:extLst>
+              <a:ext uri="{28A0092B-C50C-407E-A947-70E740481C1C}">
+                <a14:useLocalDpi xmlns:a14="http://schemas.microsoft.com/office/drawing/2010/main" val="0"/>
+              </a:ext>
+            </a:extLst>
+          </a:blip>
+          <a:srcRect/>
+          <a:stretch>
+            <a:fillRect/>
+          </a:stretch>
+        </p:blipFill>
+        <p:spPr bwMode="auto">
+          <a:xfrm>
+            <a:off x="8066534" y="1361075"/>
+            <a:ext cx="3657600" cy="238125"/>
+          </a:xfrm>
+          <a:prstGeom prst="rect">
+            <a:avLst/>
+          </a:prstGeom>
+          <a:noFill/>
+          <a:ln>
+            <a:noFill/>
+          </a:ln>
+          <a:extLst>
+            <a:ext uri="{909E8E84-426E-40DD-AFC4-6F175D3DCCD1}">
+              <a14:hiddenFill xmlns:a14="http://schemas.microsoft.com/office/drawing/2010/main">
+                <a:solidFill>
+                  <a:schemeClr val="accent1"/>
+                </a:solidFill>
+              </a14:hiddenFill>
+            </a:ext>
+            <a:ext uri="{91240B29-F687-4F45-9708-019B960494DF}">
+              <a14:hiddenLine xmlns:a14="http://schemas.microsoft.com/office/drawing/2010/main" w="9525">
+                <a:solidFill>
+                  <a:schemeClr val="tx1"/>
+                </a:solidFill>
+                <a:miter lim="800000"/>
+                <a:headEnd/>
+                <a:tailEnd/>
+              </a14:hiddenLine>
+            </a:ext>
+          </a:extLst>
+        </p:spPr>
+      </p:pic>
+    </p:spTree>
+    <p:extLst>
+      <p:ext uri="{BB962C8B-B14F-4D97-AF65-F5344CB8AC3E}">
+        <p14:creationId xmlns:p14="http://schemas.microsoft.com/office/powerpoint/2010/main" val="652262754"/>
+      </p:ext>
+    </p:extLst>
+  </p:cSld>
+  <p:clrMapOvr>
+    <a:masterClrMapping/>
+  </p:clrMapOvr>
+  <mc:AlternateContent xmlns:mc="http://schemas.openxmlformats.org/markup-compatibility/2006">
+    <mc:Choice xmlns:p15="http://schemas.microsoft.com/office/powerpoint/2012/main" xmlns="" Requires="p15">
       <p:transition xmlns:p14="http://schemas.microsoft.com/office/powerpoint/2010/main" spd="slow" p14:dur="1250">
         <p15:prstTrans prst="peelOff"/>
       </p:transition>
@@ -14268,63 +15104,14 @@
       </p:grpSpPr>
       <p:sp>
         <p:nvSpPr>
-          <p:cNvPr id="3" name="Espace réservé du contenu 2"/>
-          <p:cNvSpPr>
-            <a:spLocks noGrp="1"/>
-          </p:cNvSpPr>
-          <p:nvPr>
-            <p:ph idx="1"/>
-          </p:nvPr>
+          <p:cNvPr id="2" name="ZoneTexte 1"/>
+          <p:cNvSpPr txBox="1"/>
+          <p:nvPr/>
         </p:nvSpPr>
         <p:spPr>
           <a:xfrm>
-            <a:off x="1805780" y="318527"/>
-            <a:ext cx="8915400" cy="1259248"/>
-          </a:xfrm>
-        </p:spPr>
-        <p:txBody>
-          <a:bodyPr tIns="72000">
-            <a:noAutofit/>
-          </a:bodyPr>
-          <a:lstStyle/>
-          <a:p>
-            <a:pPr>
-              <a:buFont typeface="Wingdings" panose="05000000000000000000" pitchFamily="2" charset="2"/>
-              <a:buChar char="v"/>
-            </a:pPr>
-            <a:r>
-              <a:rPr lang="fr-FR" sz="2800" u="sng" dirty="0" smtClean="0"/>
-              <a:t>Etat de l’art:</a:t>
-            </a:r>
-          </a:p>
-          <a:p>
-            <a:pPr marL="0" indent="0">
-              <a:buNone/>
-            </a:pPr>
-            <a:r>
-              <a:rPr lang="fr-FR" sz="2400" dirty="0" smtClean="0"/>
-              <a:t>Microscopie de fluorescence: capteur et traitement</a:t>
-            </a:r>
-            <a:endParaRPr lang="fr-FR" sz="2800" dirty="0" smtClean="0"/>
-          </a:p>
-          <a:p>
-            <a:pPr marL="0" indent="0">
-              <a:buNone/>
-            </a:pPr>
-            <a:endParaRPr lang="fr-FR" sz="2800" dirty="0"/>
-          </a:p>
-        </p:txBody>
-      </p:sp>
-      <p:sp>
-        <p:nvSpPr>
-          <p:cNvPr id="9" name="ZoneTexte 8"/>
-          <p:cNvSpPr txBox="1"/>
-          <p:nvPr/>
-        </p:nvSpPr>
-        <p:spPr>
-          <a:xfrm>
-            <a:off x="1805780" y="1421426"/>
-            <a:ext cx="6951216" cy="369332"/>
+            <a:off x="2265679" y="1666240"/>
+            <a:ext cx="7992225" cy="3046988"/>
           </a:xfrm>
           <a:prstGeom prst="rect">
             <a:avLst/>
@@ -14338,228 +15125,109 @@
           <a:lstStyle/>
           <a:p>
             <a:r>
-              <a:rPr lang="fr-FR" dirty="0" smtClean="0"/>
-              <a:t>Fluorescence =&gt; petite quantité de lumière =&gt; RSB élevé</a:t>
-            </a:r>
-            <a:endParaRPr lang="fr-FR" dirty="0"/>
-          </a:p>
-        </p:txBody>
-      </p:sp>
-      <p:sp>
-        <p:nvSpPr>
-          <p:cNvPr id="10" name="ZoneTexte 9"/>
-          <p:cNvSpPr txBox="1"/>
-          <p:nvPr/>
-        </p:nvSpPr>
-        <p:spPr>
-          <a:xfrm>
-            <a:off x="1681493" y="2003741"/>
-            <a:ext cx="6327373" cy="2554545"/>
-          </a:xfrm>
-          <a:prstGeom prst="rect">
-            <a:avLst/>
-          </a:prstGeom>
-          <a:noFill/>
-        </p:spPr>
-        <p:txBody>
-          <a:bodyPr wrap="none" rtlCol="0">
-            <a:spAutoFit/>
-          </a:bodyPr>
-          <a:lstStyle/>
-          <a:p>
-            <a:r>
-              <a:rPr lang="fr-FR" sz="2000" dirty="0" smtClean="0"/>
-              <a:t>La précision du pointé dépend de plusieurs bruits:</a:t>
-            </a:r>
-          </a:p>
-          <a:p>
-            <a:pPr marL="285750" indent="-19050">
-              <a:buFont typeface="Arial" panose="020B0604020202020204" pitchFamily="34" charset="0"/>
-              <a:buChar char="•"/>
-            </a:pPr>
-            <a:r>
-              <a:rPr lang="fr-FR" sz="2000" dirty="0" smtClean="0"/>
-              <a:t> Impact des photons non uniforme</a:t>
-            </a:r>
-          </a:p>
-          <a:p>
-            <a:pPr marL="285750" indent="-19050">
-              <a:buFont typeface="Arial" panose="020B0604020202020204" pitchFamily="34" charset="0"/>
-              <a:buChar char="•"/>
-            </a:pPr>
-            <a:r>
-              <a:rPr lang="fr-FR" sz="2000" dirty="0" smtClean="0"/>
-              <a:t> lumière parasite </a:t>
-            </a:r>
-            <a:endParaRPr lang="fr-FR" sz="2000" dirty="0"/>
-          </a:p>
-          <a:p>
-            <a:pPr marL="285750" indent="-19050">
-              <a:buFont typeface="Arial" panose="020B0604020202020204" pitchFamily="34" charset="0"/>
-              <a:buChar char="•"/>
-            </a:pPr>
-            <a:r>
-              <a:rPr lang="fr-FR" sz="2000" dirty="0" smtClean="0"/>
-              <a:t> </a:t>
-            </a:r>
-            <a:r>
-              <a:rPr lang="fr-FR" sz="2000" dirty="0" err="1"/>
-              <a:t>f</a:t>
-            </a:r>
-            <a:r>
-              <a:rPr lang="fr-FR" sz="2000" dirty="0" err="1" smtClean="0"/>
-              <a:t>luorophores</a:t>
-            </a:r>
-            <a:r>
-              <a:rPr lang="fr-FR" sz="2000" dirty="0" smtClean="0"/>
-              <a:t> non homogènes</a:t>
-            </a:r>
-          </a:p>
-          <a:p>
-            <a:pPr marL="285750" indent="-19050">
-              <a:buFont typeface="Arial" panose="020B0604020202020204" pitchFamily="34" charset="0"/>
-              <a:buChar char="•"/>
-            </a:pPr>
-            <a:r>
-              <a:rPr lang="fr-FR" sz="2000" dirty="0" smtClean="0"/>
-              <a:t> courant d’obscurité (diodes du capteur)</a:t>
-            </a:r>
-            <a:br>
-              <a:rPr lang="fr-FR" sz="2000" dirty="0" smtClean="0"/>
-            </a:br>
-            <a:endParaRPr lang="fr-FR" sz="2000" dirty="0" smtClean="0"/>
-          </a:p>
-          <a:p>
-            <a:r>
-              <a:rPr lang="fr-FR" sz="2000" dirty="0"/>
+              <a:rPr lang="fr-FR" sz="3200" i="1" u="sng" dirty="0">
+                <a:effectLst>
+                  <a:outerShdw blurRad="38100" dist="38100" dir="2700000" algn="tl">
+                    <a:srgbClr val="000000">
+                      <a:alpha val="43137"/>
+                    </a:srgbClr>
+                  </a:outerShdw>
+                </a:effectLst>
+              </a:rPr>
+              <a:t>I Traitement préliminaire</a:t>
+            </a:r>
+          </a:p>
+          <a:p>
+            <a:r>
+              <a:rPr lang="fr-FR" sz="3200" dirty="0" smtClean="0"/>
               <a:t>	</a:t>
             </a:r>
-            <a:endParaRPr lang="fr-FR" sz="2000" dirty="0" smtClean="0"/>
-          </a:p>
-          <a:p>
-            <a:r>
-              <a:rPr lang="fr-FR" sz="2000" dirty="0" smtClean="0"/>
+          </a:p>
+          <a:p>
+            <a:r>
+              <a:rPr lang="fr-FR" sz="3200" i="1" u="sng" dirty="0" smtClean="0">
+                <a:effectLst>
+                  <a:outerShdw blurRad="38100" dist="38100" dir="2700000" algn="tl">
+                    <a:srgbClr val="000000">
+                      <a:alpha val="43137"/>
+                    </a:srgbClr>
+                  </a:outerShdw>
+                </a:effectLst>
+              </a:rPr>
+              <a:t>II </a:t>
+            </a:r>
+            <a:r>
+              <a:rPr lang="fr-FR" sz="3200" i="1" u="sng" dirty="0" err="1" smtClean="0">
+                <a:effectLst>
+                  <a:outerShdw blurRad="38100" dist="38100" dir="2700000" algn="tl">
+                    <a:srgbClr val="000000">
+                      <a:alpha val="43137"/>
+                    </a:srgbClr>
+                  </a:outerShdw>
+                </a:effectLst>
+              </a:rPr>
+              <a:t>Châble</a:t>
+            </a:r>
+            <a:endParaRPr lang="fr-FR" sz="3200" i="1" u="sng" dirty="0" smtClean="0">
+              <a:effectLst>
+                <a:outerShdw blurRad="38100" dist="38100" dir="2700000" algn="tl">
+                  <a:srgbClr val="000000">
+                    <a:alpha val="43137"/>
+                  </a:srgbClr>
+                </a:outerShdw>
+              </a:effectLst>
+            </a:endParaRPr>
+          </a:p>
+          <a:p>
+            <a:r>
+              <a:rPr lang="fr-FR" sz="3200" dirty="0" smtClean="0"/>
               <a:t>	</a:t>
             </a:r>
-            <a:endParaRPr lang="fr-FR" sz="2000" dirty="0"/>
-          </a:p>
-        </p:txBody>
-      </p:sp>
-      <p:sp>
-        <p:nvSpPr>
-          <p:cNvPr id="4" name="Rectangle 3"/>
-          <p:cNvSpPr/>
-          <p:nvPr/>
-        </p:nvSpPr>
-        <p:spPr>
-          <a:xfrm>
-            <a:off x="1681493" y="3710672"/>
-            <a:ext cx="6096000" cy="1631216"/>
-          </a:xfrm>
-          <a:prstGeom prst="rect">
-            <a:avLst/>
-          </a:prstGeom>
-        </p:spPr>
-        <p:txBody>
-          <a:bodyPr>
-            <a:spAutoFit/>
-          </a:bodyPr>
-          <a:lstStyle/>
-          <a:p>
-            <a:pPr lvl="0"/>
-            <a:r>
-              <a:rPr lang="fr-FR" sz="2000" dirty="0" smtClean="0">
-                <a:solidFill>
-                  <a:prstClr val="black"/>
-                </a:solidFill>
+          </a:p>
+          <a:p>
+            <a:r>
+              <a:rPr lang="fr-FR" sz="3200" i="1" u="sng" dirty="0" smtClean="0">
+                <a:effectLst>
+                  <a:outerShdw blurRad="38100" dist="38100" dir="2700000" algn="tl">
+                    <a:srgbClr val="000000">
+                      <a:alpha val="43137"/>
+                    </a:srgbClr>
+                  </a:outerShdw>
+                </a:effectLst>
               </a:rPr>
-              <a:t>Méthodes numériques:</a:t>
-            </a:r>
-            <a:endParaRPr lang="fr-FR" sz="2000" dirty="0">
-              <a:solidFill>
-                <a:prstClr val="black"/>
-              </a:solidFill>
+              <a:t>III Détermination de la </a:t>
+            </a:r>
+            <a:r>
+              <a:rPr lang="fr-FR" sz="3200" i="1" u="sng" dirty="0" smtClean="0">
+                <a:effectLst>
+                  <a:outerShdw blurRad="38100" dist="38100" dir="2700000" algn="tl">
+                    <a:srgbClr val="000000">
+                      <a:alpha val="43137"/>
+                    </a:srgbClr>
+                  </a:outerShdw>
+                </a:effectLst>
+              </a:rPr>
+              <a:t>position axiale</a:t>
+            </a:r>
+            <a:endParaRPr lang="fr-FR" sz="3200" i="1" u="sng" dirty="0" smtClean="0">
+              <a:effectLst>
+                <a:outerShdw blurRad="38100" dist="38100" dir="2700000" algn="tl">
+                  <a:srgbClr val="000000">
+                    <a:alpha val="43137"/>
+                  </a:srgbClr>
+                </a:outerShdw>
+              </a:effectLst>
             </a:endParaRPr>
           </a:p>
           <a:p>
-            <a:pPr marL="285750" lvl="0" indent="-19050">
-              <a:buFont typeface="Arial" panose="020B0604020202020204" pitchFamily="34" charset="0"/>
-              <a:buChar char="•"/>
-            </a:pPr>
-            <a:r>
-              <a:rPr lang="fr-FR" sz="2000" dirty="0" smtClean="0">
-                <a:solidFill>
-                  <a:prstClr val="black"/>
-                </a:solidFill>
-              </a:rPr>
-              <a:t> Augmentation de contraste</a:t>
-            </a:r>
-            <a:endParaRPr lang="fr-FR" sz="2000" dirty="0">
-              <a:solidFill>
-                <a:prstClr val="black"/>
-              </a:solidFill>
-            </a:endParaRPr>
-          </a:p>
-          <a:p>
-            <a:pPr marL="285750" lvl="0" indent="-19050">
-              <a:buFont typeface="Arial" panose="020B0604020202020204" pitchFamily="34" charset="0"/>
-              <a:buChar char="•"/>
-            </a:pPr>
-            <a:r>
-              <a:rPr lang="fr-FR" sz="2000" dirty="0">
-                <a:solidFill>
-                  <a:prstClr val="black"/>
-                </a:solidFill>
-              </a:rPr>
-              <a:t> </a:t>
-            </a:r>
-            <a:r>
-              <a:rPr lang="fr-FR" sz="2000" dirty="0" smtClean="0">
-                <a:solidFill>
-                  <a:prstClr val="black"/>
-                </a:solidFill>
-              </a:rPr>
-              <a:t>Filtrage gaussien ou médian</a:t>
-            </a:r>
-            <a:endParaRPr lang="fr-FR" sz="2000" dirty="0">
-              <a:solidFill>
-                <a:prstClr val="black"/>
-              </a:solidFill>
-            </a:endParaRPr>
-          </a:p>
-          <a:p>
-            <a:pPr marL="285750" lvl="0" indent="-19050">
-              <a:buFont typeface="Arial" panose="020B0604020202020204" pitchFamily="34" charset="0"/>
-              <a:buChar char="•"/>
-            </a:pPr>
-            <a:r>
-              <a:rPr lang="fr-FR" sz="2000" dirty="0">
-                <a:solidFill>
-                  <a:prstClr val="black"/>
-                </a:solidFill>
-              </a:rPr>
-              <a:t> </a:t>
-            </a:r>
-            <a:r>
-              <a:rPr lang="fr-FR" sz="2000" dirty="0" err="1" smtClean="0">
-                <a:solidFill>
-                  <a:prstClr val="black"/>
-                </a:solidFill>
-              </a:rPr>
-              <a:t>Déconvolution</a:t>
-            </a:r>
-            <a:r>
-              <a:rPr lang="fr-FR" sz="2000" dirty="0" smtClean="0">
-                <a:solidFill>
-                  <a:prstClr val="black"/>
-                </a:solidFill>
-              </a:rPr>
-              <a:t> de la PSF, ou/et de l’image du bruit par le réseau.</a:t>
-            </a:r>
-            <a:endParaRPr lang="fr-FR" sz="2000" dirty="0">
-              <a:solidFill>
-                <a:prstClr val="black"/>
-              </a:solidFill>
+            <a:endParaRPr lang="fr-FR" sz="3200" i="1" u="sng" dirty="0">
+              <a:effectLst>
+                <a:outerShdw blurRad="38100" dist="38100" dir="2700000" algn="tl">
+                  <a:srgbClr val="000000">
+                    <a:alpha val="43137"/>
+                  </a:srgbClr>
+                </a:outerShdw>
+              </a:effectLst>
             </a:endParaRPr>
           </a:p>
         </p:txBody>
@@ -14567,7 +15235,7 @@
     </p:spTree>
     <p:extLst>
       <p:ext uri="{BB962C8B-B14F-4D97-AF65-F5344CB8AC3E}">
-        <p14:creationId xmlns:p14="http://schemas.microsoft.com/office/powerpoint/2010/main" val="2649401023"/>
+        <p14:creationId xmlns:p14="http://schemas.microsoft.com/office/powerpoint/2010/main" val="1481203336"/>
       </p:ext>
     </p:extLst>
   </p:cSld>
@@ -14575,7 +15243,7 @@
     <a:masterClrMapping/>
   </p:clrMapOvr>
   <mc:AlternateContent xmlns:mc="http://schemas.openxmlformats.org/markup-compatibility/2006">
-    <mc:Choice xmlns="" xmlns:p15="http://schemas.microsoft.com/office/powerpoint/2012/main" Requires="p15">
+    <mc:Choice xmlns:p15="http://schemas.microsoft.com/office/powerpoint/2012/main" xmlns="" Requires="p15">
       <p:transition xmlns:p14="http://schemas.microsoft.com/office/powerpoint/2010/main" spd="slow" p14:dur="1250">
         <p15:prstTrans prst="peelOff"/>
       </p:transition>
@@ -14641,7 +15309,11 @@
             </a:pPr>
             <a:r>
               <a:rPr lang="fr-FR" sz="2800" u="sng" dirty="0" smtClean="0"/>
-              <a:t>II. Traitements préliminaires</a:t>
+              <a:t>I. </a:t>
+            </a:r>
+            <a:r>
+              <a:rPr lang="fr-FR" sz="2800" u="sng" dirty="0" smtClean="0"/>
+              <a:t>Traitements préliminaires</a:t>
             </a:r>
           </a:p>
           <a:p>
@@ -14867,7 +15539,7 @@
     <a:masterClrMapping/>
   </p:clrMapOvr>
   <mc:AlternateContent xmlns:mc="http://schemas.openxmlformats.org/markup-compatibility/2006">
-    <mc:Choice xmlns="" xmlns:p15="http://schemas.microsoft.com/office/powerpoint/2012/main" Requires="p15">
+    <mc:Choice xmlns:p15="http://schemas.microsoft.com/office/powerpoint/2012/main" xmlns="" Requires="p15">
       <p:transition xmlns:p14="http://schemas.microsoft.com/office/powerpoint/2010/main" spd="slow" p14:dur="1250">
         <p15:prstTrans prst="peelOff"/>
       </p:transition>
@@ -14933,7 +15605,11 @@
             </a:pPr>
             <a:r>
               <a:rPr lang="fr-FR" sz="2800" u="sng" dirty="0" smtClean="0"/>
-              <a:t>II. Traitements préliminaires</a:t>
+              <a:t>I</a:t>
+            </a:r>
+            <a:r>
+              <a:rPr lang="fr-FR" sz="2800" u="sng" dirty="0" smtClean="0"/>
+              <a:t>. Traitements préliminaires</a:t>
             </a:r>
           </a:p>
           <a:p>
@@ -15114,7 +15790,7 @@
     <a:masterClrMapping/>
   </p:clrMapOvr>
   <mc:AlternateContent xmlns:mc="http://schemas.openxmlformats.org/markup-compatibility/2006">
-    <mc:Choice xmlns="" xmlns:p15="http://schemas.microsoft.com/office/powerpoint/2012/main" Requires="p15">
+    <mc:Choice xmlns:p15="http://schemas.microsoft.com/office/powerpoint/2012/main" xmlns="" Requires="p15">
       <p:transition xmlns:p14="http://schemas.microsoft.com/office/powerpoint/2010/main" spd="slow" p14:dur="1250">
         <p15:prstTrans prst="peelOff"/>
       </p:transition>
@@ -15180,7 +15856,11 @@
             </a:pPr>
             <a:r>
               <a:rPr lang="fr-FR" sz="2800" u="sng" dirty="0" smtClean="0"/>
-              <a:t>II. Traitements préliminaires</a:t>
+              <a:t>I</a:t>
+            </a:r>
+            <a:r>
+              <a:rPr lang="fr-FR" sz="2800" u="sng" dirty="0" smtClean="0"/>
+              <a:t>. Traitements préliminaires</a:t>
             </a:r>
           </a:p>
           <a:p>
@@ -15429,7 +16109,7 @@
     <a:masterClrMapping/>
   </p:clrMapOvr>
   <mc:AlternateContent xmlns:mc="http://schemas.openxmlformats.org/markup-compatibility/2006">
-    <mc:Choice xmlns="" xmlns:p15="http://schemas.microsoft.com/office/powerpoint/2012/main" Requires="p15">
+    <mc:Choice xmlns:p15="http://schemas.microsoft.com/office/powerpoint/2012/main" xmlns="" Requires="p15">
       <p:transition xmlns:p14="http://schemas.microsoft.com/office/powerpoint/2010/main" spd="slow" p14:dur="1250">
         <p15:prstTrans prst="peelOff"/>
       </p:transition>
@@ -15705,7 +16385,7 @@
   <a:extraClrSchemeLst/>
   <a:extLst>
     <a:ext uri="{05A4C25C-085E-4340-85A3-A5531E510DB2}">
-      <thm15:themeFamily xmlns="" xmlns:thm15="http://schemas.microsoft.com/office/thememl/2012/main" name="Office Theme" id="{62F939B6-93AF-4DB8-9C6B-D6C7DFDC589F}" vid="{4A3C46E8-61CC-4603-A589-7422A47A8E4A}"/>
+      <thm15:themeFamily xmlns:thm15="http://schemas.microsoft.com/office/thememl/2012/main" xmlns="" name="Office Theme" id="{62F939B6-93AF-4DB8-9C6B-D6C7DFDC589F}" vid="{4A3C46E8-61CC-4603-A589-7422A47A8E4A}"/>
     </a:ext>
   </a:extLst>
 </a:theme>
@@ -15948,7 +16628,7 @@
   <a:extraClrSchemeLst/>
   <a:extLst>
     <a:ext uri="{05A4C25C-085E-4340-85A3-A5531E510DB2}">
-      <thm15:themeFamily xmlns="" xmlns:thm15="http://schemas.microsoft.com/office/thememl/2012/main" name="Wisp" id="{7CB32D59-10C0-40DD-B7BD-2E94284A981C}" vid="{24B1A44C-C006-48B2-A4D7-E5549B3D8CD4}"/>
+      <thm15:themeFamily xmlns:thm15="http://schemas.microsoft.com/office/thememl/2012/main" xmlns="" name="Wisp" id="{7CB32D59-10C0-40DD-B7BD-2E94284A981C}" vid="{24B1A44C-C006-48B2-A4D7-E5549B3D8CD4}"/>
     </a:ext>
   </a:extLst>
 </a:theme>

--- a/Pres_Avril/PresentationPIMSAvril.pptx
+++ b/Pres_Avril/PresentationPIMSAvril.pptx
@@ -19,9 +19,10 @@
     <p:sldId id="286" r:id="rId13"/>
     <p:sldId id="281" r:id="rId14"/>
     <p:sldId id="282" r:id="rId15"/>
-    <p:sldId id="272" r:id="rId16"/>
-    <p:sldId id="273" r:id="rId17"/>
-    <p:sldId id="274" r:id="rId18"/>
+    <p:sldId id="287" r:id="rId16"/>
+    <p:sldId id="272" r:id="rId17"/>
+    <p:sldId id="273" r:id="rId18"/>
+    <p:sldId id="274" r:id="rId19"/>
   </p:sldIdLst>
   <p:sldSz cx="12192000" cy="6858000"/>
   <p:notesSz cx="6858000" cy="9144000"/>
@@ -122,7 +123,7 @@
   </p:defaultTextStyle>
   <p:extLst>
     <p:ext uri="{EFAFB233-063F-42B5-8137-9DF3F51BA10A}">
-      <p15:sldGuideLst xmlns:p15="http://schemas.microsoft.com/office/powerpoint/2012/main" xmlns=""/>
+      <p15:sldGuideLst xmlns="" xmlns:p15="http://schemas.microsoft.com/office/powerpoint/2012/main"/>
     </p:ext>
   </p:extLst>
 </p:presentation>
@@ -334,7 +335,7 @@
     <a:masterClrMapping/>
   </p:clrMapOvr>
   <mc:AlternateContent xmlns:mc="http://schemas.openxmlformats.org/markup-compatibility/2006">
-    <mc:Choice xmlns:p15="http://schemas.microsoft.com/office/powerpoint/2012/main" xmlns="" Requires="p15">
+    <mc:Choice xmlns="" xmlns:p15="http://schemas.microsoft.com/office/powerpoint/2012/main" Requires="p15">
       <p:transition xmlns:p14="http://schemas.microsoft.com/office/powerpoint/2010/main" spd="slow" p14:dur="1250">
         <p15:prstTrans prst="peelOff"/>
       </p:transition>
@@ -516,7 +517,7 @@
     <a:masterClrMapping/>
   </p:clrMapOvr>
   <mc:AlternateContent xmlns:mc="http://schemas.openxmlformats.org/markup-compatibility/2006">
-    <mc:Choice xmlns:p15="http://schemas.microsoft.com/office/powerpoint/2012/main" xmlns="" Requires="p15">
+    <mc:Choice xmlns="" xmlns:p15="http://schemas.microsoft.com/office/powerpoint/2012/main" Requires="p15">
       <p:transition xmlns:p14="http://schemas.microsoft.com/office/powerpoint/2010/main" spd="slow" p14:dur="1250">
         <p15:prstTrans prst="peelOff"/>
       </p:transition>
@@ -708,7 +709,7 @@
     <a:masterClrMapping/>
   </p:clrMapOvr>
   <mc:AlternateContent xmlns:mc="http://schemas.openxmlformats.org/markup-compatibility/2006">
-    <mc:Choice xmlns:p15="http://schemas.microsoft.com/office/powerpoint/2012/main" xmlns="" Requires="p15">
+    <mc:Choice xmlns="" xmlns:p15="http://schemas.microsoft.com/office/powerpoint/2012/main" Requires="p15">
       <p:transition xmlns:p14="http://schemas.microsoft.com/office/powerpoint/2010/main" spd="slow" p14:dur="1250">
         <p15:prstTrans prst="peelOff"/>
       </p:transition>
@@ -1076,7 +1077,7 @@
     <a:masterClrMapping/>
   </p:clrMapOvr>
   <mc:AlternateContent xmlns:mc="http://schemas.openxmlformats.org/markup-compatibility/2006">
-    <mc:Choice xmlns:p15="http://schemas.microsoft.com/office/powerpoint/2012/main" xmlns="" Requires="p15">
+    <mc:Choice xmlns="" xmlns:p15="http://schemas.microsoft.com/office/powerpoint/2012/main" Requires="p15">
       <p:transition xmlns:p14="http://schemas.microsoft.com/office/powerpoint/2010/main" spd="slow" p14:dur="1250">
         <p15:prstTrans prst="peelOff"/>
       </p:transition>
@@ -1370,7 +1371,7 @@
     <a:masterClrMapping/>
   </p:clrMapOvr>
   <mc:AlternateContent xmlns:mc="http://schemas.openxmlformats.org/markup-compatibility/2006">
-    <mc:Choice xmlns:p15="http://schemas.microsoft.com/office/powerpoint/2012/main" xmlns="" Requires="p15">
+    <mc:Choice xmlns="" xmlns:p15="http://schemas.microsoft.com/office/powerpoint/2012/main" Requires="p15">
       <p:transition xmlns:p14="http://schemas.microsoft.com/office/powerpoint/2010/main" spd="slow" p14:dur="1250">
         <p15:prstTrans prst="peelOff"/>
       </p:transition>
@@ -1736,7 +1737,7 @@
     <a:masterClrMapping/>
   </p:clrMapOvr>
   <mc:AlternateContent xmlns:mc="http://schemas.openxmlformats.org/markup-compatibility/2006">
-    <mc:Choice xmlns:p15="http://schemas.microsoft.com/office/powerpoint/2012/main" xmlns="" Requires="p15">
+    <mc:Choice xmlns="" xmlns:p15="http://schemas.microsoft.com/office/powerpoint/2012/main" Requires="p15">
       <p:transition xmlns:p14="http://schemas.microsoft.com/office/powerpoint/2010/main" spd="slow" p14:dur="1250">
         <p15:prstTrans prst="peelOff"/>
       </p:transition>
@@ -2091,7 +2092,7 @@
     <a:masterClrMapping/>
   </p:clrMapOvr>
   <mc:AlternateContent xmlns:mc="http://schemas.openxmlformats.org/markup-compatibility/2006">
-    <mc:Choice xmlns:p15="http://schemas.microsoft.com/office/powerpoint/2012/main" xmlns="" Requires="p15">
+    <mc:Choice xmlns="" xmlns:p15="http://schemas.microsoft.com/office/powerpoint/2012/main" Requires="p15">
       <p:transition xmlns:p14="http://schemas.microsoft.com/office/powerpoint/2010/main" spd="slow" p14:dur="1250">
         <p15:prstTrans prst="peelOff"/>
       </p:transition>
@@ -2580,7 +2581,7 @@
     <a:masterClrMapping/>
   </p:clrMapOvr>
   <mc:AlternateContent xmlns:mc="http://schemas.openxmlformats.org/markup-compatibility/2006">
-    <mc:Choice xmlns:p15="http://schemas.microsoft.com/office/powerpoint/2012/main" xmlns="" Requires="p15">
+    <mc:Choice xmlns="" xmlns:p15="http://schemas.microsoft.com/office/powerpoint/2012/main" Requires="p15">
       <p:transition xmlns:p14="http://schemas.microsoft.com/office/powerpoint/2010/main" spd="slow" p14:dur="1250">
         <p15:prstTrans prst="peelOff"/>
       </p:transition>
@@ -2812,7 +2813,7 @@
     <a:masterClrMapping/>
   </p:clrMapOvr>
   <mc:AlternateContent xmlns:mc="http://schemas.openxmlformats.org/markup-compatibility/2006">
-    <mc:Choice xmlns:p15="http://schemas.microsoft.com/office/powerpoint/2012/main" xmlns="" Requires="p15">
+    <mc:Choice xmlns="" xmlns:p15="http://schemas.microsoft.com/office/powerpoint/2012/main" Requires="p15">
       <p:transition xmlns:p14="http://schemas.microsoft.com/office/powerpoint/2010/main" spd="slow" p14:dur="1250">
         <p15:prstTrans prst="peelOff"/>
       </p:transition>
@@ -3021,7 +3022,7 @@
     <a:masterClrMapping/>
   </p:clrMapOvr>
   <mc:AlternateContent xmlns:mc="http://schemas.openxmlformats.org/markup-compatibility/2006">
-    <mc:Choice xmlns:p15="http://schemas.microsoft.com/office/powerpoint/2012/main" xmlns="" Requires="p15">
+    <mc:Choice xmlns="" xmlns:p15="http://schemas.microsoft.com/office/powerpoint/2012/main" Requires="p15">
       <p:transition xmlns:p14="http://schemas.microsoft.com/office/powerpoint/2010/main" spd="slow" p14:dur="1250">
         <p15:prstTrans prst="peelOff"/>
       </p:transition>
@@ -3386,7 +3387,7 @@
     <a:masterClrMapping/>
   </p:clrMapOvr>
   <mc:AlternateContent xmlns:mc="http://schemas.openxmlformats.org/markup-compatibility/2006">
-    <mc:Choice xmlns:p15="http://schemas.microsoft.com/office/powerpoint/2012/main" xmlns="" Requires="p15">
+    <mc:Choice xmlns="" xmlns:p15="http://schemas.microsoft.com/office/powerpoint/2012/main" Requires="p15">
       <p:transition xmlns:p14="http://schemas.microsoft.com/office/powerpoint/2010/main" spd="slow" p14:dur="1250">
         <p15:prstTrans prst="peelOff"/>
       </p:transition>
@@ -3568,7 +3569,7 @@
     <a:masterClrMapping/>
   </p:clrMapOvr>
   <mc:AlternateContent xmlns:mc="http://schemas.openxmlformats.org/markup-compatibility/2006">
-    <mc:Choice xmlns:p15="http://schemas.microsoft.com/office/powerpoint/2012/main" xmlns="" Requires="p15">
+    <mc:Choice xmlns="" xmlns:p15="http://schemas.microsoft.com/office/powerpoint/2012/main" Requires="p15">
       <p:transition xmlns:p14="http://schemas.microsoft.com/office/powerpoint/2010/main" spd="slow" p14:dur="1250">
         <p15:prstTrans prst="peelOff"/>
       </p:transition>
@@ -3950,7 +3951,7 @@
     <a:masterClrMapping/>
   </p:clrMapOvr>
   <mc:AlternateContent xmlns:mc="http://schemas.openxmlformats.org/markup-compatibility/2006">
-    <mc:Choice xmlns:p15="http://schemas.microsoft.com/office/powerpoint/2012/main" xmlns="" Requires="p15">
+    <mc:Choice xmlns="" xmlns:p15="http://schemas.microsoft.com/office/powerpoint/2012/main" Requires="p15">
       <p:transition xmlns:p14="http://schemas.microsoft.com/office/powerpoint/2010/main" spd="slow" p14:dur="1250">
         <p15:prstTrans prst="peelOff"/>
       </p:transition>
@@ -4320,7 +4321,7 @@
     <a:masterClrMapping/>
   </p:clrMapOvr>
   <mc:AlternateContent xmlns:mc="http://schemas.openxmlformats.org/markup-compatibility/2006">
-    <mc:Choice xmlns:p15="http://schemas.microsoft.com/office/powerpoint/2012/main" xmlns="" Requires="p15">
+    <mc:Choice xmlns="" xmlns:p15="http://schemas.microsoft.com/office/powerpoint/2012/main" Requires="p15">
       <p:transition xmlns:p14="http://schemas.microsoft.com/office/powerpoint/2010/main" spd="slow" p14:dur="1250">
         <p15:prstTrans prst="peelOff"/>
       </p:transition>
@@ -4825,7 +4826,7 @@
     <a:masterClrMapping/>
   </p:clrMapOvr>
   <mc:AlternateContent xmlns:mc="http://schemas.openxmlformats.org/markup-compatibility/2006">
-    <mc:Choice xmlns:p15="http://schemas.microsoft.com/office/powerpoint/2012/main" xmlns="" Requires="p15">
+    <mc:Choice xmlns="" xmlns:p15="http://schemas.microsoft.com/office/powerpoint/2012/main" Requires="p15">
       <p:transition xmlns:p14="http://schemas.microsoft.com/office/powerpoint/2010/main" spd="slow" p14:dur="1250">
         <p15:prstTrans prst="peelOff"/>
       </p:transition>
@@ -5117,7 +5118,7 @@
     <a:masterClrMapping/>
   </p:clrMapOvr>
   <mc:AlternateContent xmlns:mc="http://schemas.openxmlformats.org/markup-compatibility/2006">
-    <mc:Choice xmlns:p15="http://schemas.microsoft.com/office/powerpoint/2012/main" xmlns="" Requires="p15">
+    <mc:Choice xmlns="" xmlns:p15="http://schemas.microsoft.com/office/powerpoint/2012/main" Requires="p15">
       <p:transition xmlns:p14="http://schemas.microsoft.com/office/powerpoint/2010/main" spd="slow" p14:dur="1250">
         <p15:prstTrans prst="peelOff"/>
       </p:transition>
@@ -5541,7 +5542,7 @@
     <a:masterClrMapping/>
   </p:clrMapOvr>
   <mc:AlternateContent xmlns:mc="http://schemas.openxmlformats.org/markup-compatibility/2006">
-    <mc:Choice xmlns:p15="http://schemas.microsoft.com/office/powerpoint/2012/main" xmlns="" Requires="p15">
+    <mc:Choice xmlns="" xmlns:p15="http://schemas.microsoft.com/office/powerpoint/2012/main" Requires="p15">
       <p:transition xmlns:p14="http://schemas.microsoft.com/office/powerpoint/2010/main" spd="slow" p14:dur="1250">
         <p15:prstTrans prst="peelOff"/>
       </p:transition>
@@ -5893,7 +5894,7 @@
     <a:masterClrMapping/>
   </p:clrMapOvr>
   <mc:AlternateContent xmlns:mc="http://schemas.openxmlformats.org/markup-compatibility/2006">
-    <mc:Choice xmlns:p15="http://schemas.microsoft.com/office/powerpoint/2012/main" xmlns="" Requires="p15">
+    <mc:Choice xmlns="" xmlns:p15="http://schemas.microsoft.com/office/powerpoint/2012/main" Requires="p15">
       <p:transition xmlns:p14="http://schemas.microsoft.com/office/powerpoint/2010/main" spd="slow" p14:dur="1250">
         <p15:prstTrans prst="peelOff"/>
       </p:transition>
@@ -6177,7 +6178,7 @@
     <a:masterClrMapping/>
   </p:clrMapOvr>
   <mc:AlternateContent xmlns:mc="http://schemas.openxmlformats.org/markup-compatibility/2006">
-    <mc:Choice xmlns:p15="http://schemas.microsoft.com/office/powerpoint/2012/main" xmlns="" Requires="p15">
+    <mc:Choice xmlns="" xmlns:p15="http://schemas.microsoft.com/office/powerpoint/2012/main" Requires="p15">
       <p:transition xmlns:p14="http://schemas.microsoft.com/office/powerpoint/2010/main" spd="slow" p14:dur="1250">
         <p15:prstTrans prst="peelOff"/>
       </p:transition>
@@ -6471,7 +6472,7 @@
     <a:masterClrMapping/>
   </p:clrMapOvr>
   <mc:AlternateContent xmlns:mc="http://schemas.openxmlformats.org/markup-compatibility/2006">
-    <mc:Choice xmlns:p15="http://schemas.microsoft.com/office/powerpoint/2012/main" xmlns="" Requires="p15">
+    <mc:Choice xmlns="" xmlns:p15="http://schemas.microsoft.com/office/powerpoint/2012/main" Requires="p15">
       <p:transition xmlns:p14="http://schemas.microsoft.com/office/powerpoint/2010/main" spd="slow" p14:dur="1250">
         <p15:prstTrans prst="peelOff"/>
       </p:transition>
@@ -6729,7 +6730,7 @@
     <a:masterClrMapping/>
   </p:clrMapOvr>
   <mc:AlternateContent xmlns:mc="http://schemas.openxmlformats.org/markup-compatibility/2006">
-    <mc:Choice xmlns:p15="http://schemas.microsoft.com/office/powerpoint/2012/main" xmlns="" Requires="p15">
+    <mc:Choice xmlns="" xmlns:p15="http://schemas.microsoft.com/office/powerpoint/2012/main" Requires="p15">
       <p:transition xmlns:p14="http://schemas.microsoft.com/office/powerpoint/2010/main" spd="slow" p14:dur="1250">
         <p15:prstTrans prst="peelOff"/>
       </p:transition>
@@ -6973,7 +6974,7 @@
     <a:masterClrMapping/>
   </p:clrMapOvr>
   <mc:AlternateContent xmlns:mc="http://schemas.openxmlformats.org/markup-compatibility/2006">
-    <mc:Choice xmlns:p15="http://schemas.microsoft.com/office/powerpoint/2012/main" xmlns="" Requires="p15">
+    <mc:Choice xmlns="" xmlns:p15="http://schemas.microsoft.com/office/powerpoint/2012/main" Requires="p15">
       <p:transition xmlns:p14="http://schemas.microsoft.com/office/powerpoint/2010/main" spd="slow" p14:dur="1250">
         <p15:prstTrans prst="peelOff"/>
       </p:transition>
@@ -7352,7 +7353,7 @@
     <a:masterClrMapping/>
   </p:clrMapOvr>
   <mc:AlternateContent xmlns:mc="http://schemas.openxmlformats.org/markup-compatibility/2006">
-    <mc:Choice xmlns:p15="http://schemas.microsoft.com/office/powerpoint/2012/main" xmlns="" Requires="p15">
+    <mc:Choice xmlns="" xmlns:p15="http://schemas.microsoft.com/office/powerpoint/2012/main" Requires="p15">
       <p:transition xmlns:p14="http://schemas.microsoft.com/office/powerpoint/2010/main" spd="slow" p14:dur="1250">
         <p15:prstTrans prst="peelOff"/>
       </p:transition>
@@ -7482,7 +7483,7 @@
     <a:masterClrMapping/>
   </p:clrMapOvr>
   <mc:AlternateContent xmlns:mc="http://schemas.openxmlformats.org/markup-compatibility/2006">
-    <mc:Choice xmlns:p15="http://schemas.microsoft.com/office/powerpoint/2012/main" xmlns="" Requires="p15">
+    <mc:Choice xmlns="" xmlns:p15="http://schemas.microsoft.com/office/powerpoint/2012/main" Requires="p15">
       <p:transition xmlns:p14="http://schemas.microsoft.com/office/powerpoint/2010/main" spd="slow" p14:dur="1250">
         <p15:prstTrans prst="peelOff"/>
       </p:transition>
@@ -7589,7 +7590,7 @@
     <a:masterClrMapping/>
   </p:clrMapOvr>
   <mc:AlternateContent xmlns:mc="http://schemas.openxmlformats.org/markup-compatibility/2006">
-    <mc:Choice xmlns:p15="http://schemas.microsoft.com/office/powerpoint/2012/main" xmlns="" Requires="p15">
+    <mc:Choice xmlns="" xmlns:p15="http://schemas.microsoft.com/office/powerpoint/2012/main" Requires="p15">
       <p:transition xmlns:p14="http://schemas.microsoft.com/office/powerpoint/2010/main" spd="slow" p14:dur="1250">
         <p15:prstTrans prst="peelOff"/>
       </p:transition>
@@ -7878,7 +7879,7 @@
     <a:masterClrMapping/>
   </p:clrMapOvr>
   <mc:AlternateContent xmlns:mc="http://schemas.openxmlformats.org/markup-compatibility/2006">
-    <mc:Choice xmlns:p15="http://schemas.microsoft.com/office/powerpoint/2012/main" xmlns="" Requires="p15">
+    <mc:Choice xmlns="" xmlns:p15="http://schemas.microsoft.com/office/powerpoint/2012/main" Requires="p15">
       <p:transition xmlns:p14="http://schemas.microsoft.com/office/powerpoint/2010/main" spd="slow" p14:dur="1250">
         <p15:prstTrans prst="peelOff"/>
       </p:transition>
@@ -8143,7 +8144,7 @@
     <a:masterClrMapping/>
   </p:clrMapOvr>
   <mc:AlternateContent xmlns:mc="http://schemas.openxmlformats.org/markup-compatibility/2006">
-    <mc:Choice xmlns:p15="http://schemas.microsoft.com/office/powerpoint/2012/main" xmlns="" Requires="p15">
+    <mc:Choice xmlns="" xmlns:p15="http://schemas.microsoft.com/office/powerpoint/2012/main" Requires="p15">
       <p:transition xmlns:p14="http://schemas.microsoft.com/office/powerpoint/2010/main" spd="slow" p14:dur="1250">
         <p15:prstTrans prst="peelOff"/>
       </p:transition>
@@ -8436,7 +8437,7 @@
     <p:sldLayoutId id="2147483837" r:id="rId11"/>
   </p:sldLayoutIdLst>
   <mc:AlternateContent xmlns:mc="http://schemas.openxmlformats.org/markup-compatibility/2006">
-    <mc:Choice xmlns:p15="http://schemas.microsoft.com/office/powerpoint/2012/main" xmlns="" Requires="p15">
+    <mc:Choice xmlns="" xmlns:p15="http://schemas.microsoft.com/office/powerpoint/2012/main" Requires="p15">
       <p:transition xmlns:p14="http://schemas.microsoft.com/office/powerpoint/2010/main" spd="slow" p14:dur="1250">
         <p15:prstTrans prst="peelOff"/>
       </p:transition>
@@ -10849,7 +10850,7 @@
     <p:sldLayoutId id="2147483854" r:id="rId16"/>
   </p:sldLayoutIdLst>
   <mc:AlternateContent xmlns:mc="http://schemas.openxmlformats.org/markup-compatibility/2006">
-    <mc:Choice xmlns:p15="http://schemas.microsoft.com/office/powerpoint/2012/main" xmlns="" Requires="p15">
+    <mc:Choice xmlns="" xmlns:p15="http://schemas.microsoft.com/office/powerpoint/2012/main" Requires="p15">
       <p:transition xmlns:p14="http://schemas.microsoft.com/office/powerpoint/2010/main" spd="slow" p14:dur="1250">
         <p15:prstTrans prst="peelOff"/>
       </p:transition>
@@ -11718,7 +11719,6 @@
               <a:rPr lang="fr-FR" sz="2800" u="sng" dirty="0" smtClean="0"/>
               <a:t>II. </a:t>
             </a:r>
-            <a:endParaRPr lang="fr-FR" sz="2800" u="sng" dirty="0" smtClean="0"/>
           </a:p>
           <a:p>
             <a:pPr marL="0" indent="0">
@@ -12004,15 +12004,7 @@
             </a:br>
             <a:r>
               <a:rPr lang="fr-FR" sz="2400" dirty="0" smtClean="0"/>
-              <a:t>Contient des informations sur la localisation dans un plan, </a:t>
-            </a:r>
-            <a:r>
-              <a:rPr lang="fr-FR" sz="2400" dirty="0" smtClean="0"/>
-              <a:t>mais aussi sur le positionnement axial.</a:t>
-            </a:r>
-            <a:r>
-              <a:rPr lang="fr-FR" sz="2400" dirty="0" smtClean="0"/>
-              <a:t/>
+              <a:t>Contient des informations sur la localisation dans un plan, mais aussi sur le positionnement axial.</a:t>
             </a:r>
             <a:br>
               <a:rPr lang="fr-FR" sz="2400" dirty="0" smtClean="0"/>
@@ -12042,7 +12034,7 @@
     <a:masterClrMapping/>
   </p:clrMapOvr>
   <mc:AlternateContent xmlns:mc="http://schemas.openxmlformats.org/markup-compatibility/2006">
-    <mc:Choice xmlns:p15="http://schemas.microsoft.com/office/powerpoint/2012/main" xmlns="" Requires="p15">
+    <mc:Choice xmlns="" xmlns:p15="http://schemas.microsoft.com/office/powerpoint/2012/main" Requires="p15">
       <p:transition xmlns:p14="http://schemas.microsoft.com/office/powerpoint/2010/main" spd="slow" p14:dur="1250">
         <p15:prstTrans prst="peelOff"/>
       </p:transition>
@@ -12110,7 +12102,6 @@
               <a:rPr lang="fr-FR" sz="2800" u="sng" dirty="0" smtClean="0"/>
               <a:t>II. </a:t>
             </a:r>
-            <a:endParaRPr lang="fr-FR" sz="2800" u="sng" dirty="0" smtClean="0"/>
           </a:p>
           <a:p>
             <a:pPr marL="0" indent="0">
@@ -12384,7 +12375,6 @@
               <a:rPr lang="fr-FR" sz="2400" dirty="0" smtClean="0"/>
               <a:t> </a:t>
             </a:r>
-            <a:endParaRPr lang="fr-FR" sz="2400" dirty="0" smtClean="0"/>
           </a:p>
         </p:txBody>
       </p:sp>
@@ -12453,7 +12443,7 @@
     <a:masterClrMapping/>
   </p:clrMapOvr>
   <mc:AlternateContent xmlns:mc="http://schemas.openxmlformats.org/markup-compatibility/2006">
-    <mc:Choice xmlns:p15="http://schemas.microsoft.com/office/powerpoint/2012/main" xmlns="" Requires="p15">
+    <mc:Choice xmlns="" xmlns:p15="http://schemas.microsoft.com/office/powerpoint/2012/main" Requires="p15">
       <p:transition xmlns:p14="http://schemas.microsoft.com/office/powerpoint/2010/main" spd="slow" p14:dur="1250">
         <p15:prstTrans prst="peelOff"/>
       </p:transition>
@@ -12787,22 +12777,14 @@
             </a:pPr>
             <a:r>
               <a:rPr lang="fr-FR" sz="2400" dirty="0" smtClean="0"/>
-              <a:t>Interfrange </a:t>
-            </a:r>
-            <a:r>
-              <a:rPr lang="fr-FR" sz="2400" dirty="0" smtClean="0"/>
-              <a:t>de l’image du réseau:</a:t>
+              <a:t>Interfrange de l’image du réseau:</a:t>
             </a:r>
             <a:br>
               <a:rPr lang="fr-FR" sz="2400" dirty="0" smtClean="0"/>
             </a:br>
             <a:r>
               <a:rPr lang="fr-FR" sz="2400" dirty="0" smtClean="0"/>
-              <a:t>Contient des informations sur </a:t>
-            </a:r>
-            <a:r>
-              <a:rPr lang="fr-FR" sz="2400" dirty="0" smtClean="0"/>
-              <a:t>le positionnement axial.</a:t>
+              <a:t>Contient des informations sur le positionnement axial.</a:t>
             </a:r>
             <a:br>
               <a:rPr lang="fr-FR" sz="2400" dirty="0" smtClean="0"/>
@@ -12825,13 +12807,13 @@
               <a:rPr lang="fr-FR" sz="2400" dirty="0" smtClean="0"/>
               <a:t>Les fréquences correspondant au réseau sont plus élevées que la fréquence de coupure du microscope ?</a:t>
             </a:r>
-            <a:r>
-              <a:rPr lang="fr-FR" sz="2400" dirty="0" smtClean="0"/>
-              <a:t/>
-            </a:r>
             <a:br>
               <a:rPr lang="fr-FR" sz="2400" dirty="0" smtClean="0"/>
             </a:br>
+            <a:r>
+              <a:rPr lang="fr-FR" sz="2400" dirty="0" smtClean="0"/>
+              <a:t>On coupe le centre de l’image?</a:t>
+            </a:r>
             <a:endParaRPr lang="fr-FR" sz="2400" dirty="0" smtClean="0"/>
           </a:p>
           <a:p>
@@ -12857,7 +12839,7 @@
     <a:masterClrMapping/>
   </p:clrMapOvr>
   <mc:AlternateContent xmlns:mc="http://schemas.openxmlformats.org/markup-compatibility/2006">
-    <mc:Choice xmlns:p15="http://schemas.microsoft.com/office/powerpoint/2012/main" xmlns="" Requires="p15">
+    <mc:Choice xmlns="" xmlns:p15="http://schemas.microsoft.com/office/powerpoint/2012/main" Requires="p15">
       <p:transition xmlns:p14="http://schemas.microsoft.com/office/powerpoint/2010/main" spd="slow" p14:dur="1250">
         <p15:prstTrans prst="peelOff"/>
       </p:transition>
@@ -13212,7 +13194,7 @@
     <a:masterClrMapping/>
   </p:clrMapOvr>
   <mc:AlternateContent xmlns:mc="http://schemas.openxmlformats.org/markup-compatibility/2006">
-    <mc:Choice xmlns:p15="http://schemas.microsoft.com/office/powerpoint/2012/main" xmlns="" Requires="p15">
+    <mc:Choice xmlns="" xmlns:p15="http://schemas.microsoft.com/office/powerpoint/2012/main" Requires="p15">
       <p:transition xmlns:p14="http://schemas.microsoft.com/office/powerpoint/2010/main" spd="slow" p14:dur="1250">
         <p15:prstTrans prst="peelOff"/>
       </p:transition>
@@ -13278,20 +13260,330 @@
             </a:pPr>
             <a:r>
               <a:rPr lang="fr-FR" sz="2800" u="sng" dirty="0" smtClean="0"/>
-              <a:t>III. Détermination de la </a:t>
-            </a:r>
-            <a:r>
-              <a:rPr lang="fr-FR" sz="2800" u="sng" dirty="0" smtClean="0"/>
-              <a:t>position axiale </a:t>
-            </a:r>
-            <a:endParaRPr lang="fr-FR" sz="2800" u="sng" dirty="0" smtClean="0"/>
-          </a:p>
-        </p:txBody>
-      </p:sp>
+              <a:t>II. Traitements préliminaires</a:t>
+            </a:r>
+          </a:p>
+          <a:p>
+            <a:pPr marL="0" indent="0">
+              <a:buNone/>
+            </a:pPr>
+            <a:endParaRPr lang="fr-FR" sz="2800" dirty="0" smtClean="0"/>
+          </a:p>
+          <a:p>
+            <a:pPr marL="0" indent="0">
+              <a:buNone/>
+            </a:pPr>
+            <a:endParaRPr lang="fr-FR" sz="2800" dirty="0"/>
+          </a:p>
+        </p:txBody>
+      </p:sp>
+      <p:sp>
+        <p:nvSpPr>
+          <p:cNvPr id="6" name="Espace réservé du contenu 2"/>
+          <p:cNvSpPr txBox="1">
+            <a:spLocks/>
+          </p:cNvSpPr>
+          <p:nvPr/>
+        </p:nvSpPr>
+        <p:spPr>
+          <a:xfrm>
+            <a:off x="1215765" y="989214"/>
+            <a:ext cx="8915400" cy="5692635"/>
+          </a:xfrm>
+          <a:prstGeom prst="rect">
+            <a:avLst/>
+          </a:prstGeom>
+        </p:spPr>
+        <p:txBody>
+          <a:bodyPr vert="horz" lIns="91440" tIns="72000" rIns="91440" bIns="45720" rtlCol="0">
+            <a:noAutofit/>
+          </a:bodyPr>
+          <a:lstStyle>
+            <a:lvl1pPr marL="342900" indent="-342900" algn="l" defTabSz="457200" rtl="0" eaLnBrk="1" latinLnBrk="0" hangingPunct="1">
+              <a:spcBef>
+                <a:spcPts val="1000"/>
+              </a:spcBef>
+              <a:spcAft>
+                <a:spcPts val="0"/>
+              </a:spcAft>
+              <a:buClr>
+                <a:schemeClr val="accent1"/>
+              </a:buClr>
+              <a:buFont typeface="Wingdings 3" charset="2"/>
+              <a:buChar char=""/>
+              <a:defRPr sz="1800" kern="1200">
+                <a:solidFill>
+                  <a:schemeClr val="tx1">
+                    <a:lumMod val="75000"/>
+                    <a:lumOff val="25000"/>
+                  </a:schemeClr>
+                </a:solidFill>
+                <a:latin typeface="+mn-lt"/>
+                <a:ea typeface="+mn-ea"/>
+                <a:cs typeface="+mn-cs"/>
+              </a:defRPr>
+            </a:lvl1pPr>
+            <a:lvl2pPr marL="742950" indent="-285750" algn="l" defTabSz="457200" rtl="0" eaLnBrk="1" latinLnBrk="0" hangingPunct="1">
+              <a:spcBef>
+                <a:spcPts val="1000"/>
+              </a:spcBef>
+              <a:spcAft>
+                <a:spcPts val="0"/>
+              </a:spcAft>
+              <a:buClr>
+                <a:schemeClr val="accent1"/>
+              </a:buClr>
+              <a:buFont typeface="Wingdings 3" charset="2"/>
+              <a:buChar char=""/>
+              <a:defRPr sz="1600" kern="1200">
+                <a:solidFill>
+                  <a:schemeClr val="tx1">
+                    <a:lumMod val="75000"/>
+                    <a:lumOff val="25000"/>
+                  </a:schemeClr>
+                </a:solidFill>
+                <a:latin typeface="+mn-lt"/>
+                <a:ea typeface="+mn-ea"/>
+                <a:cs typeface="+mn-cs"/>
+              </a:defRPr>
+            </a:lvl2pPr>
+            <a:lvl3pPr marL="1143000" indent="-228600" algn="l" defTabSz="457200" rtl="0" eaLnBrk="1" latinLnBrk="0" hangingPunct="1">
+              <a:spcBef>
+                <a:spcPts val="1000"/>
+              </a:spcBef>
+              <a:spcAft>
+                <a:spcPts val="0"/>
+              </a:spcAft>
+              <a:buClr>
+                <a:schemeClr val="accent1"/>
+              </a:buClr>
+              <a:buFont typeface="Wingdings 3" charset="2"/>
+              <a:buChar char=""/>
+              <a:defRPr sz="1400" kern="1200">
+                <a:solidFill>
+                  <a:schemeClr val="tx1">
+                    <a:lumMod val="75000"/>
+                    <a:lumOff val="25000"/>
+                  </a:schemeClr>
+                </a:solidFill>
+                <a:latin typeface="+mn-lt"/>
+                <a:ea typeface="+mn-ea"/>
+                <a:cs typeface="+mn-cs"/>
+              </a:defRPr>
+            </a:lvl3pPr>
+            <a:lvl4pPr marL="1600200" indent="-228600" algn="l" defTabSz="457200" rtl="0" eaLnBrk="1" latinLnBrk="0" hangingPunct="1">
+              <a:spcBef>
+                <a:spcPts val="1000"/>
+              </a:spcBef>
+              <a:spcAft>
+                <a:spcPts val="0"/>
+              </a:spcAft>
+              <a:buClr>
+                <a:schemeClr val="accent1"/>
+              </a:buClr>
+              <a:buFont typeface="Wingdings 3" charset="2"/>
+              <a:buChar char=""/>
+              <a:defRPr sz="1200" kern="1200">
+                <a:solidFill>
+                  <a:schemeClr val="tx1">
+                    <a:lumMod val="75000"/>
+                    <a:lumOff val="25000"/>
+                  </a:schemeClr>
+                </a:solidFill>
+                <a:latin typeface="+mn-lt"/>
+                <a:ea typeface="+mn-ea"/>
+                <a:cs typeface="+mn-cs"/>
+              </a:defRPr>
+            </a:lvl4pPr>
+            <a:lvl5pPr marL="2057400" indent="-228600" algn="l" defTabSz="457200" rtl="0" eaLnBrk="1" latinLnBrk="0" hangingPunct="1">
+              <a:spcBef>
+                <a:spcPts val="1000"/>
+              </a:spcBef>
+              <a:spcAft>
+                <a:spcPts val="0"/>
+              </a:spcAft>
+              <a:buClr>
+                <a:schemeClr val="accent1"/>
+              </a:buClr>
+              <a:buFont typeface="Wingdings 3" charset="2"/>
+              <a:buChar char=""/>
+              <a:defRPr sz="1200" kern="1200">
+                <a:solidFill>
+                  <a:schemeClr val="tx1">
+                    <a:lumMod val="75000"/>
+                    <a:lumOff val="25000"/>
+                  </a:schemeClr>
+                </a:solidFill>
+                <a:latin typeface="+mn-lt"/>
+                <a:ea typeface="+mn-ea"/>
+                <a:cs typeface="+mn-cs"/>
+              </a:defRPr>
+            </a:lvl5pPr>
+            <a:lvl6pPr marL="2514600" indent="-228600" algn="l" defTabSz="457200" rtl="0" eaLnBrk="1" latinLnBrk="0" hangingPunct="1">
+              <a:spcBef>
+                <a:spcPts val="1000"/>
+              </a:spcBef>
+              <a:spcAft>
+                <a:spcPts val="0"/>
+              </a:spcAft>
+              <a:buClr>
+                <a:schemeClr val="accent1"/>
+              </a:buClr>
+              <a:buFont typeface="Wingdings 3" charset="2"/>
+              <a:buChar char=""/>
+              <a:defRPr sz="1200" kern="1200">
+                <a:solidFill>
+                  <a:schemeClr val="tx1">
+                    <a:lumMod val="75000"/>
+                    <a:lumOff val="25000"/>
+                  </a:schemeClr>
+                </a:solidFill>
+                <a:latin typeface="+mn-lt"/>
+                <a:ea typeface="+mn-ea"/>
+                <a:cs typeface="+mn-cs"/>
+              </a:defRPr>
+            </a:lvl6pPr>
+            <a:lvl7pPr marL="2971800" indent="-228600" algn="l" defTabSz="457200" rtl="0" eaLnBrk="1" latinLnBrk="0" hangingPunct="1">
+              <a:spcBef>
+                <a:spcPts val="1000"/>
+              </a:spcBef>
+              <a:spcAft>
+                <a:spcPts val="0"/>
+              </a:spcAft>
+              <a:buClr>
+                <a:schemeClr val="accent1"/>
+              </a:buClr>
+              <a:buFont typeface="Wingdings 3" charset="2"/>
+              <a:buChar char=""/>
+              <a:defRPr sz="1200" kern="1200">
+                <a:solidFill>
+                  <a:schemeClr val="tx1">
+                    <a:lumMod val="75000"/>
+                    <a:lumOff val="25000"/>
+                  </a:schemeClr>
+                </a:solidFill>
+                <a:latin typeface="+mn-lt"/>
+                <a:ea typeface="+mn-ea"/>
+                <a:cs typeface="+mn-cs"/>
+              </a:defRPr>
+            </a:lvl7pPr>
+            <a:lvl8pPr marL="3429000" indent="-228600" algn="l" defTabSz="457200" rtl="0" eaLnBrk="1" latinLnBrk="0" hangingPunct="1">
+              <a:spcBef>
+                <a:spcPts val="1000"/>
+              </a:spcBef>
+              <a:spcAft>
+                <a:spcPts val="0"/>
+              </a:spcAft>
+              <a:buClr>
+                <a:schemeClr val="accent1"/>
+              </a:buClr>
+              <a:buFont typeface="Wingdings 3" charset="2"/>
+              <a:buChar char=""/>
+              <a:defRPr sz="1200" kern="1200">
+                <a:solidFill>
+                  <a:schemeClr val="tx1">
+                    <a:lumMod val="75000"/>
+                    <a:lumOff val="25000"/>
+                  </a:schemeClr>
+                </a:solidFill>
+                <a:latin typeface="+mn-lt"/>
+                <a:ea typeface="+mn-ea"/>
+                <a:cs typeface="+mn-cs"/>
+              </a:defRPr>
+            </a:lvl8pPr>
+            <a:lvl9pPr marL="3886200" indent="-228600" algn="l" defTabSz="457200" rtl="0" eaLnBrk="1" latinLnBrk="0" hangingPunct="1">
+              <a:spcBef>
+                <a:spcPts val="1000"/>
+              </a:spcBef>
+              <a:spcAft>
+                <a:spcPts val="0"/>
+              </a:spcAft>
+              <a:buClr>
+                <a:schemeClr val="accent1"/>
+              </a:buClr>
+              <a:buFont typeface="Wingdings 3" charset="2"/>
+              <a:buChar char=""/>
+              <a:defRPr sz="1200" kern="1200">
+                <a:solidFill>
+                  <a:schemeClr val="tx1">
+                    <a:lumMod val="75000"/>
+                    <a:lumOff val="25000"/>
+                  </a:schemeClr>
+                </a:solidFill>
+                <a:latin typeface="+mn-lt"/>
+                <a:ea typeface="+mn-ea"/>
+                <a:cs typeface="+mn-cs"/>
+              </a:defRPr>
+            </a:lvl9pPr>
+          </a:lstStyle>
+          <a:p>
+            <a:pPr marL="446088" indent="-358775">
+              <a:buFont typeface="Wingdings 3" charset="2"/>
+              <a:buNone/>
+            </a:pPr>
+            <a:r>
+              <a:rPr lang="fr-FR" sz="2400" dirty="0" smtClean="0"/>
+              <a:t>Projection des points sur la courbe de calibration:</a:t>
+            </a:r>
+            <a:endParaRPr lang="fr-FR" sz="2400" b="1" dirty="0" smtClean="0"/>
+          </a:p>
+          <a:p>
+            <a:pPr marL="446088" indent="-358775">
+              <a:buFont typeface="Wingdings 3" charset="2"/>
+              <a:buNone/>
+            </a:pPr>
+            <a:r>
+              <a:rPr lang="fr-FR" sz="2400" dirty="0" smtClean="0"/>
+              <a:t> </a:t>
+            </a:r>
+          </a:p>
+        </p:txBody>
+      </p:sp>
+      <p:pic>
+        <p:nvPicPr>
+          <p:cNvPr id="4" name="Picture 2" descr="D:\FarView\PIMS\CR\images\courbes de tolérance\courbe avec plein de ronds2.tif"/>
+          <p:cNvPicPr>
+            <a:picLocks noChangeAspect="1" noChangeArrowheads="1"/>
+          </p:cNvPicPr>
+          <p:nvPr/>
+        </p:nvPicPr>
+        <p:blipFill>
+          <a:blip r:embed="rId2">
+            <a:extLst>
+              <a:ext uri="{28A0092B-C50C-407E-A947-70E740481C1C}">
+                <a14:useLocalDpi xmlns:a14="http://schemas.microsoft.com/office/drawing/2010/main" val="0"/>
+              </a:ext>
+            </a:extLst>
+          </a:blip>
+          <a:srcRect/>
+          <a:stretch>
+            <a:fillRect/>
+          </a:stretch>
+        </p:blipFill>
+        <p:spPr bwMode="auto">
+          <a:xfrm>
+            <a:off x="2129299" y="1521228"/>
+            <a:ext cx="8001866" cy="5065164"/>
+          </a:xfrm>
+          <a:prstGeom prst="rect">
+            <a:avLst/>
+          </a:prstGeom>
+          <a:noFill/>
+          <a:extLst>
+            <a:ext uri="{909E8E84-426E-40DD-AFC4-6F175D3DCCD1}">
+              <a14:hiddenFill xmlns:a14="http://schemas.microsoft.com/office/drawing/2010/main">
+                <a:solidFill>
+                  <a:srgbClr val="FFFFFF"/>
+                </a:solidFill>
+              </a14:hiddenFill>
+            </a:ext>
+          </a:extLst>
+        </p:spPr>
+      </p:pic>
     </p:spTree>
     <p:extLst>
       <p:ext uri="{BB962C8B-B14F-4D97-AF65-F5344CB8AC3E}">
-        <p14:creationId xmlns:p14="http://schemas.microsoft.com/office/powerpoint/2010/main" val="1899768230"/>
+        <p14:creationId xmlns:p14="http://schemas.microsoft.com/office/powerpoint/2010/main" val="2378100738"/>
       </p:ext>
     </p:extLst>
   </p:cSld>
@@ -13299,7 +13591,7 @@
     <a:masterClrMapping/>
   </p:clrMapOvr>
   <mc:AlternateContent xmlns:mc="http://schemas.openxmlformats.org/markup-compatibility/2006">
-    <mc:Choice xmlns:p15="http://schemas.microsoft.com/office/powerpoint/2012/main" xmlns="" Requires="p15">
+    <mc:Choice xmlns="" xmlns:p15="http://schemas.microsoft.com/office/powerpoint/2012/main" Requires="p15">
       <p:transition xmlns:p14="http://schemas.microsoft.com/office/powerpoint/2010/main" spd="slow" p14:dur="1250">
         <p15:prstTrans prst="peelOff"/>
       </p:transition>
@@ -13349,7 +13641,7 @@
         </p:nvSpPr>
         <p:spPr>
           <a:xfrm>
-            <a:off x="1847532" y="1006432"/>
+            <a:off x="1878012" y="274912"/>
             <a:ext cx="8915400" cy="6212974"/>
           </a:xfrm>
         </p:spPr>
@@ -13365,113 +13657,15 @@
             </a:pPr>
             <a:r>
               <a:rPr lang="fr-FR" sz="2800" u="sng" dirty="0" smtClean="0"/>
-              <a:t>Conclusion:</a:t>
-            </a:r>
-          </a:p>
-          <a:p>
-            <a:pPr>
-              <a:buFont typeface="Wingdings" panose="05000000000000000000" pitchFamily="2" charset="2"/>
-              <a:buChar char="v"/>
-            </a:pPr>
-            <a:endParaRPr lang="fr-FR" sz="2800" u="sng" dirty="0" smtClean="0"/>
-          </a:p>
-        </p:txBody>
-      </p:sp>
-      <p:sp>
-        <p:nvSpPr>
-          <p:cNvPr id="2" name="ZoneTexte 1"/>
-          <p:cNvSpPr txBox="1"/>
-          <p:nvPr/>
-        </p:nvSpPr>
-        <p:spPr>
-          <a:xfrm>
-            <a:off x="2202873" y="1862051"/>
-            <a:ext cx="7722523" cy="3139321"/>
-          </a:xfrm>
-          <a:prstGeom prst="rect">
-            <a:avLst/>
-          </a:prstGeom>
-          <a:noFill/>
-        </p:spPr>
-        <p:txBody>
-          <a:bodyPr wrap="square" rtlCol="0">
-            <a:spAutoFit/>
-          </a:bodyPr>
-          <a:lstStyle/>
-          <a:p>
-            <a:r>
-              <a:rPr lang="fr-FR" dirty="0" smtClean="0"/>
-              <a:t>Blablabla</a:t>
-            </a:r>
-            <a:br>
-              <a:rPr lang="fr-FR" dirty="0" smtClean="0"/>
-            </a:br>
-            <a:r>
-              <a:rPr lang="fr-FR" dirty="0" smtClean="0"/>
-              <a:t>on a rencontré tel </a:t>
-            </a:r>
-            <a:r>
-              <a:rPr lang="fr-FR" dirty="0" err="1" smtClean="0"/>
-              <a:t>pb</a:t>
-            </a:r>
-            <a:r>
-              <a:rPr lang="fr-FR" dirty="0" smtClean="0"/>
-              <a:t/>
-            </a:r>
-            <a:br>
-              <a:rPr lang="fr-FR" dirty="0" smtClean="0"/>
-            </a:br>
-            <a:r>
-              <a:rPr lang="fr-FR" dirty="0" smtClean="0"/>
-              <a:t>Qu’on a résolu avec ça</a:t>
-            </a:r>
-          </a:p>
-          <a:p>
-            <a:r>
-              <a:rPr lang="fr-FR" dirty="0" smtClean="0"/>
-              <a:t>Mais du coup autre </a:t>
-            </a:r>
-            <a:r>
-              <a:rPr lang="fr-FR" dirty="0" err="1" smtClean="0"/>
-              <a:t>pb</a:t>
-            </a:r>
-            <a:r>
-              <a:rPr lang="fr-FR" dirty="0" smtClean="0"/>
-              <a:t/>
-            </a:r>
-            <a:br>
-              <a:rPr lang="fr-FR" dirty="0" smtClean="0"/>
-            </a:br>
-            <a:r>
-              <a:rPr lang="fr-FR" dirty="0" smtClean="0"/>
-              <a:t>et ca va un peu</a:t>
-            </a:r>
-          </a:p>
-          <a:p>
-            <a:endParaRPr lang="fr-FR" dirty="0"/>
-          </a:p>
-          <a:p>
-            <a:r>
-              <a:rPr lang="fr-FR" dirty="0" smtClean="0"/>
-              <a:t>Faudrait encore… ?</a:t>
-            </a:r>
-          </a:p>
-          <a:p>
-            <a:endParaRPr lang="fr-FR" dirty="0"/>
-          </a:p>
-          <a:p>
-            <a:r>
-              <a:rPr lang="fr-FR" dirty="0" smtClean="0"/>
-              <a:t>Notre travail pourra ouvrir la voie à de nouvelles méthodes de super-résolution en microscopie, et à la reconstitution 3D d’échantillons.</a:t>
-            </a:r>
-            <a:endParaRPr lang="fr-FR" dirty="0"/>
+              <a:t>III. Détermination de la position axiale </a:t>
+            </a:r>
           </a:p>
         </p:txBody>
       </p:sp>
     </p:spTree>
     <p:extLst>
       <p:ext uri="{BB962C8B-B14F-4D97-AF65-F5344CB8AC3E}">
-        <p14:creationId xmlns:p14="http://schemas.microsoft.com/office/powerpoint/2010/main" val="909599388"/>
+        <p14:creationId xmlns:p14="http://schemas.microsoft.com/office/powerpoint/2010/main" val="1899768230"/>
       </p:ext>
     </p:extLst>
   </p:cSld>
@@ -13479,7 +13673,7 @@
     <a:masterClrMapping/>
   </p:clrMapOvr>
   <mc:AlternateContent xmlns:mc="http://schemas.openxmlformats.org/markup-compatibility/2006">
-    <mc:Choice xmlns:p15="http://schemas.microsoft.com/office/powerpoint/2012/main" xmlns="" Requires="p15">
+    <mc:Choice xmlns="" xmlns:p15="http://schemas.microsoft.com/office/powerpoint/2012/main" Requires="p15">
       <p:transition xmlns:p14="http://schemas.microsoft.com/office/powerpoint/2010/main" spd="slow" p14:dur="1250">
         <p15:prstTrans prst="peelOff"/>
       </p:transition>
@@ -13501,6 +13695,186 @@
 </file>
 
 <file path=ppt/slides/slide16.xml><?xml version="1.0" encoding="utf-8"?>
+<p:sld xmlns:a="http://schemas.openxmlformats.org/drawingml/2006/main" xmlns:r="http://schemas.openxmlformats.org/officeDocument/2006/relationships" xmlns:p="http://schemas.openxmlformats.org/presentationml/2006/main" showMasterSp="0">
+  <p:cSld>
+    <p:spTree>
+      <p:nvGrpSpPr>
+        <p:cNvPr id="1" name=""/>
+        <p:cNvGrpSpPr/>
+        <p:nvPr/>
+      </p:nvGrpSpPr>
+      <p:grpSpPr>
+        <a:xfrm>
+          <a:off x="0" y="0"/>
+          <a:ext cx="0" cy="0"/>
+          <a:chOff x="0" y="0"/>
+          <a:chExt cx="0" cy="0"/>
+        </a:xfrm>
+      </p:grpSpPr>
+      <p:sp>
+        <p:nvSpPr>
+          <p:cNvPr id="3" name="Espace réservé du contenu 2"/>
+          <p:cNvSpPr>
+            <a:spLocks noGrp="1"/>
+          </p:cNvSpPr>
+          <p:nvPr>
+            <p:ph idx="1"/>
+          </p:nvPr>
+        </p:nvSpPr>
+        <p:spPr>
+          <a:xfrm>
+            <a:off x="1847532" y="1006432"/>
+            <a:ext cx="8915400" cy="6212974"/>
+          </a:xfrm>
+        </p:spPr>
+        <p:txBody>
+          <a:bodyPr tIns="72000">
+            <a:noAutofit/>
+          </a:bodyPr>
+          <a:lstStyle/>
+          <a:p>
+            <a:pPr>
+              <a:buFont typeface="Wingdings" panose="05000000000000000000" pitchFamily="2" charset="2"/>
+              <a:buChar char="v"/>
+            </a:pPr>
+            <a:r>
+              <a:rPr lang="fr-FR" sz="2800" u="sng" dirty="0" smtClean="0"/>
+              <a:t>Conclusion:</a:t>
+            </a:r>
+          </a:p>
+          <a:p>
+            <a:pPr>
+              <a:buFont typeface="Wingdings" panose="05000000000000000000" pitchFamily="2" charset="2"/>
+              <a:buChar char="v"/>
+            </a:pPr>
+            <a:endParaRPr lang="fr-FR" sz="2800" u="sng" dirty="0" smtClean="0"/>
+          </a:p>
+        </p:txBody>
+      </p:sp>
+      <p:sp>
+        <p:nvSpPr>
+          <p:cNvPr id="2" name="ZoneTexte 1"/>
+          <p:cNvSpPr txBox="1"/>
+          <p:nvPr/>
+        </p:nvSpPr>
+        <p:spPr>
+          <a:xfrm>
+            <a:off x="2202873" y="1862051"/>
+            <a:ext cx="7722523" cy="3139321"/>
+          </a:xfrm>
+          <a:prstGeom prst="rect">
+            <a:avLst/>
+          </a:prstGeom>
+          <a:noFill/>
+        </p:spPr>
+        <p:txBody>
+          <a:bodyPr wrap="square" rtlCol="0">
+            <a:spAutoFit/>
+          </a:bodyPr>
+          <a:lstStyle/>
+          <a:p>
+            <a:r>
+              <a:rPr lang="fr-FR" dirty="0" smtClean="0"/>
+              <a:t>Blablabla</a:t>
+            </a:r>
+            <a:br>
+              <a:rPr lang="fr-FR" dirty="0" smtClean="0"/>
+            </a:br>
+            <a:r>
+              <a:rPr lang="fr-FR" dirty="0" smtClean="0"/>
+              <a:t>on a rencontré tel </a:t>
+            </a:r>
+            <a:r>
+              <a:rPr lang="fr-FR" dirty="0" err="1" smtClean="0"/>
+              <a:t>pb</a:t>
+            </a:r>
+            <a:r>
+              <a:rPr lang="fr-FR" dirty="0" smtClean="0"/>
+              <a:t/>
+            </a:r>
+            <a:br>
+              <a:rPr lang="fr-FR" dirty="0" smtClean="0"/>
+            </a:br>
+            <a:r>
+              <a:rPr lang="fr-FR" dirty="0" smtClean="0"/>
+              <a:t>Qu’on a résolu avec ça</a:t>
+            </a:r>
+          </a:p>
+          <a:p>
+            <a:r>
+              <a:rPr lang="fr-FR" dirty="0" smtClean="0"/>
+              <a:t>Mais du coup autre </a:t>
+            </a:r>
+            <a:r>
+              <a:rPr lang="fr-FR" dirty="0" err="1" smtClean="0"/>
+              <a:t>pb</a:t>
+            </a:r>
+            <a:r>
+              <a:rPr lang="fr-FR" dirty="0" smtClean="0"/>
+              <a:t/>
+            </a:r>
+            <a:br>
+              <a:rPr lang="fr-FR" dirty="0" smtClean="0"/>
+            </a:br>
+            <a:r>
+              <a:rPr lang="fr-FR" dirty="0" smtClean="0"/>
+              <a:t>et ca va un peu</a:t>
+            </a:r>
+          </a:p>
+          <a:p>
+            <a:endParaRPr lang="fr-FR" dirty="0"/>
+          </a:p>
+          <a:p>
+            <a:r>
+              <a:rPr lang="fr-FR" dirty="0" smtClean="0"/>
+              <a:t>Faudrait encore… ?</a:t>
+            </a:r>
+          </a:p>
+          <a:p>
+            <a:endParaRPr lang="fr-FR" dirty="0"/>
+          </a:p>
+          <a:p>
+            <a:r>
+              <a:rPr lang="fr-FR" dirty="0" smtClean="0"/>
+              <a:t>Notre travail pourra ouvrir la voie à de nouvelles méthodes de super-résolution en microscopie, et à la reconstitution 3D d’échantillons.</a:t>
+            </a:r>
+            <a:endParaRPr lang="fr-FR" dirty="0"/>
+          </a:p>
+        </p:txBody>
+      </p:sp>
+    </p:spTree>
+    <p:extLst>
+      <p:ext uri="{BB962C8B-B14F-4D97-AF65-F5344CB8AC3E}">
+        <p14:creationId xmlns:p14="http://schemas.microsoft.com/office/powerpoint/2010/main" val="909599388"/>
+      </p:ext>
+    </p:extLst>
+  </p:cSld>
+  <p:clrMapOvr>
+    <a:masterClrMapping/>
+  </p:clrMapOvr>
+  <mc:AlternateContent xmlns:mc="http://schemas.openxmlformats.org/markup-compatibility/2006">
+    <mc:Choice xmlns="" xmlns:p15="http://schemas.microsoft.com/office/powerpoint/2012/main" Requires="p15">
+      <p:transition xmlns:p14="http://schemas.microsoft.com/office/powerpoint/2010/main" spd="slow" p14:dur="1250">
+        <p15:prstTrans prst="peelOff"/>
+      </p:transition>
+    </mc:Choice>
+    <mc:Fallback>
+      <p:transition spd="slow">
+        <p:fade/>
+      </p:transition>
+    </mc:Fallback>
+  </mc:AlternateContent>
+  <p:timing>
+    <p:tnLst>
+      <p:par>
+        <p:cTn id="1" dur="indefinite" restart="never" nodeType="tmRoot"/>
+      </p:par>
+    </p:tnLst>
+  </p:timing>
+</p:sld>
+</file>
+
+<file path=ppt/slides/slide17.xml><?xml version="1.0" encoding="utf-8"?>
 <p:sld xmlns:a="http://schemas.openxmlformats.org/drawingml/2006/main" xmlns:r="http://schemas.openxmlformats.org/officeDocument/2006/relationships" xmlns:p="http://schemas.openxmlformats.org/presentationml/2006/main" showMasterSp="0">
   <p:cSld>
     <p:bg>
@@ -13584,7 +13958,7 @@
     <a:masterClrMapping/>
   </p:clrMapOvr>
   <mc:AlternateContent xmlns:mc="http://schemas.openxmlformats.org/markup-compatibility/2006">
-    <mc:Choice xmlns:p15="http://schemas.microsoft.com/office/powerpoint/2012/main" xmlns="" Requires="p15">
+    <mc:Choice xmlns="" xmlns:p15="http://schemas.microsoft.com/office/powerpoint/2012/main" Requires="p15">
       <p:transition xmlns:p14="http://schemas.microsoft.com/office/powerpoint/2010/main" spd="slow" p14:dur="1250">
         <p15:prstTrans prst="peelOff"/>
       </p:transition>
@@ -13678,7 +14052,6 @@
               <a:rPr lang="fr-FR" sz="2800" u="sng" dirty="0" smtClean="0"/>
               <a:t>Introduction</a:t>
             </a:r>
-            <a:endParaRPr lang="fr-FR" sz="2800" u="sng" dirty="0" smtClean="0"/>
           </a:p>
         </p:txBody>
       </p:sp>
@@ -13856,11 +14229,7 @@
             <a:p>
               <a:r>
                 <a:rPr lang="fr-FR" b="1" dirty="0" smtClean="0"/>
-                <a:t>Limité par la </a:t>
-              </a:r>
-              <a:r>
-                <a:rPr lang="fr-FR" b="1" dirty="0" smtClean="0"/>
-                <a:t>diffraction</a:t>
+                <a:t>Limité par la diffraction</a:t>
               </a:r>
               <a:endParaRPr lang="fr-FR" b="1" dirty="0"/>
             </a:p>
@@ -14059,7 +14428,7 @@
     <a:masterClrMapping/>
   </p:clrMapOvr>
   <mc:AlternateContent xmlns:mc="http://schemas.openxmlformats.org/markup-compatibility/2006">
-    <mc:Choice xmlns:p15="http://schemas.microsoft.com/office/powerpoint/2012/main" xmlns="" Requires="p15">
+    <mc:Choice xmlns="" xmlns:p15="http://schemas.microsoft.com/office/powerpoint/2012/main" Requires="p15">
       <p:transition xmlns:p14="http://schemas.microsoft.com/office/powerpoint/2010/main" spd="slow" p14:dur="1250">
         <p15:prstTrans prst="peelOff"/>
       </p:transition>
@@ -14153,7 +14522,6 @@
               <a:rPr lang="fr-FR" sz="2800" u="sng" dirty="0" smtClean="0"/>
               <a:t>Introduction:</a:t>
             </a:r>
-            <a:endParaRPr lang="fr-FR" sz="2800" u="sng" dirty="0" smtClean="0"/>
           </a:p>
           <a:p>
             <a:pPr marL="0" indent="0">
@@ -14433,7 +14801,7 @@
     <a:masterClrMapping/>
   </p:clrMapOvr>
   <mc:AlternateContent xmlns:mc="http://schemas.openxmlformats.org/markup-compatibility/2006">
-    <mc:Choice xmlns:p15="http://schemas.microsoft.com/office/powerpoint/2012/main" xmlns="" Requires="p15">
+    <mc:Choice xmlns="" xmlns:p15="http://schemas.microsoft.com/office/powerpoint/2012/main" Requires="p15">
       <p:transition xmlns:p14="http://schemas.microsoft.com/office/powerpoint/2010/main" spd="slow" p14:dur="1250">
         <p15:prstTrans prst="peelOff"/>
       </p:transition>
@@ -14721,7 +15089,7 @@
     <a:masterClrMapping/>
   </p:clrMapOvr>
   <mc:AlternateContent xmlns:mc="http://schemas.openxmlformats.org/markup-compatibility/2006">
-    <mc:Choice xmlns:p15="http://schemas.microsoft.com/office/powerpoint/2012/main" xmlns="" Requires="p15">
+    <mc:Choice xmlns="" xmlns:p15="http://schemas.microsoft.com/office/powerpoint/2012/main" Requires="p15">
       <p:transition xmlns:p14="http://schemas.microsoft.com/office/powerpoint/2010/main" spd="slow" p14:dur="1250">
         <p15:prstTrans prst="peelOff"/>
       </p:transition>
@@ -15064,7 +15432,7 @@
     <a:masterClrMapping/>
   </p:clrMapOvr>
   <mc:AlternateContent xmlns:mc="http://schemas.openxmlformats.org/markup-compatibility/2006">
-    <mc:Choice xmlns:p15="http://schemas.microsoft.com/office/powerpoint/2012/main" xmlns="" Requires="p15">
+    <mc:Choice xmlns="" xmlns:p15="http://schemas.microsoft.com/office/powerpoint/2012/main" Requires="p15">
       <p:transition xmlns:p14="http://schemas.microsoft.com/office/powerpoint/2010/main" spd="slow" p14:dur="1250">
         <p15:prstTrans prst="peelOff"/>
       </p:transition>
@@ -15195,29 +15563,8 @@
                   </a:outerShdw>
                 </a:effectLst>
               </a:rPr>
-              <a:t>III Détermination de la </a:t>
-            </a:r>
-            <a:r>
-              <a:rPr lang="fr-FR" sz="3200" i="1" u="sng" dirty="0" smtClean="0">
-                <a:effectLst>
-                  <a:outerShdw blurRad="38100" dist="38100" dir="2700000" algn="tl">
-                    <a:srgbClr val="000000">
-                      <a:alpha val="43137"/>
-                    </a:srgbClr>
-                  </a:outerShdw>
-                </a:effectLst>
-              </a:rPr>
-              <a:t>position axiale</a:t>
-            </a:r>
-            <a:endParaRPr lang="fr-FR" sz="3200" i="1" u="sng" dirty="0" smtClean="0">
-              <a:effectLst>
-                <a:outerShdw blurRad="38100" dist="38100" dir="2700000" algn="tl">
-                  <a:srgbClr val="000000">
-                    <a:alpha val="43137"/>
-                  </a:srgbClr>
-                </a:outerShdw>
-              </a:effectLst>
-            </a:endParaRPr>
+              <a:t>III Détermination de la position axiale</a:t>
+            </a:r>
           </a:p>
           <a:p>
             <a:endParaRPr lang="fr-FR" sz="3200" i="1" u="sng" dirty="0">
@@ -15243,7 +15590,7 @@
     <a:masterClrMapping/>
   </p:clrMapOvr>
   <mc:AlternateContent xmlns:mc="http://schemas.openxmlformats.org/markup-compatibility/2006">
-    <mc:Choice xmlns:p15="http://schemas.microsoft.com/office/powerpoint/2012/main" xmlns="" Requires="p15">
+    <mc:Choice xmlns="" xmlns:p15="http://schemas.microsoft.com/office/powerpoint/2012/main" Requires="p15">
       <p:transition xmlns:p14="http://schemas.microsoft.com/office/powerpoint/2010/main" spd="slow" p14:dur="1250">
         <p15:prstTrans prst="peelOff"/>
       </p:transition>
@@ -15309,11 +15656,7 @@
             </a:pPr>
             <a:r>
               <a:rPr lang="fr-FR" sz="2800" u="sng" dirty="0" smtClean="0"/>
-              <a:t>I. </a:t>
-            </a:r>
-            <a:r>
-              <a:rPr lang="fr-FR" sz="2800" u="sng" dirty="0" smtClean="0"/>
-              <a:t>Traitements préliminaires</a:t>
+              <a:t>I. Traitements préliminaires</a:t>
             </a:r>
           </a:p>
           <a:p>
@@ -15539,7 +15882,7 @@
     <a:masterClrMapping/>
   </p:clrMapOvr>
   <mc:AlternateContent xmlns:mc="http://schemas.openxmlformats.org/markup-compatibility/2006">
-    <mc:Choice xmlns:p15="http://schemas.microsoft.com/office/powerpoint/2012/main" xmlns="" Requires="p15">
+    <mc:Choice xmlns="" xmlns:p15="http://schemas.microsoft.com/office/powerpoint/2012/main" Requires="p15">
       <p:transition xmlns:p14="http://schemas.microsoft.com/office/powerpoint/2010/main" spd="slow" p14:dur="1250">
         <p15:prstTrans prst="peelOff"/>
       </p:transition>
@@ -15605,11 +15948,7 @@
             </a:pPr>
             <a:r>
               <a:rPr lang="fr-FR" sz="2800" u="sng" dirty="0" smtClean="0"/>
-              <a:t>I</a:t>
-            </a:r>
-            <a:r>
-              <a:rPr lang="fr-FR" sz="2800" u="sng" dirty="0" smtClean="0"/>
-              <a:t>. Traitements préliminaires</a:t>
+              <a:t>I. Traitements préliminaires</a:t>
             </a:r>
           </a:p>
           <a:p>
@@ -15790,7 +16129,7 @@
     <a:masterClrMapping/>
   </p:clrMapOvr>
   <mc:AlternateContent xmlns:mc="http://schemas.openxmlformats.org/markup-compatibility/2006">
-    <mc:Choice xmlns:p15="http://schemas.microsoft.com/office/powerpoint/2012/main" xmlns="" Requires="p15">
+    <mc:Choice xmlns="" xmlns:p15="http://schemas.microsoft.com/office/powerpoint/2012/main" Requires="p15">
       <p:transition xmlns:p14="http://schemas.microsoft.com/office/powerpoint/2010/main" spd="slow" p14:dur="1250">
         <p15:prstTrans prst="peelOff"/>
       </p:transition>
@@ -15856,11 +16195,7 @@
             </a:pPr>
             <a:r>
               <a:rPr lang="fr-FR" sz="2800" u="sng" dirty="0" smtClean="0"/>
-              <a:t>I</a:t>
-            </a:r>
-            <a:r>
-              <a:rPr lang="fr-FR" sz="2800" u="sng" dirty="0" smtClean="0"/>
-              <a:t>. Traitements préliminaires</a:t>
+              <a:t>I. Traitements préliminaires</a:t>
             </a:r>
           </a:p>
           <a:p>
@@ -16109,7 +16444,7 @@
     <a:masterClrMapping/>
   </p:clrMapOvr>
   <mc:AlternateContent xmlns:mc="http://schemas.openxmlformats.org/markup-compatibility/2006">
-    <mc:Choice xmlns:p15="http://schemas.microsoft.com/office/powerpoint/2012/main" xmlns="" Requires="p15">
+    <mc:Choice xmlns="" xmlns:p15="http://schemas.microsoft.com/office/powerpoint/2012/main" Requires="p15">
       <p:transition xmlns:p14="http://schemas.microsoft.com/office/powerpoint/2010/main" spd="slow" p14:dur="1250">
         <p15:prstTrans prst="peelOff"/>
       </p:transition>
@@ -16385,7 +16720,7 @@
   <a:extraClrSchemeLst/>
   <a:extLst>
     <a:ext uri="{05A4C25C-085E-4340-85A3-A5531E510DB2}">
-      <thm15:themeFamily xmlns:thm15="http://schemas.microsoft.com/office/thememl/2012/main" xmlns="" name="Office Theme" id="{62F939B6-93AF-4DB8-9C6B-D6C7DFDC589F}" vid="{4A3C46E8-61CC-4603-A589-7422A47A8E4A}"/>
+      <thm15:themeFamily xmlns="" xmlns:thm15="http://schemas.microsoft.com/office/thememl/2012/main" name="Office Theme" id="{62F939B6-93AF-4DB8-9C6B-D6C7DFDC589F}" vid="{4A3C46E8-61CC-4603-A589-7422A47A8E4A}"/>
     </a:ext>
   </a:extLst>
 </a:theme>
@@ -16628,7 +16963,7 @@
   <a:extraClrSchemeLst/>
   <a:extLst>
     <a:ext uri="{05A4C25C-085E-4340-85A3-A5531E510DB2}">
-      <thm15:themeFamily xmlns:thm15="http://schemas.microsoft.com/office/thememl/2012/main" xmlns="" name="Wisp" id="{7CB32D59-10C0-40DD-B7BD-2E94284A981C}" vid="{24B1A44C-C006-48B2-A4D7-E5549B3D8CD4}"/>
+      <thm15:themeFamily xmlns="" xmlns:thm15="http://schemas.microsoft.com/office/thememl/2012/main" name="Wisp" id="{7CB32D59-10C0-40DD-B7BD-2E94284A981C}" vid="{24B1A44C-C006-48B2-A4D7-E5549B3D8CD4}"/>
     </a:ext>
   </a:extLst>
 </a:theme>

--- a/Pres_Avril/PresentationPIMSAvril.pptx
+++ b/Pres_Avril/PresentationPIMSAvril.pptx
@@ -10,20 +10,23 @@
   <p:sldIdLst>
     <p:sldId id="303" r:id="rId5"/>
     <p:sldId id="301" r:id="rId6"/>
-    <p:sldId id="302" r:id="rId7"/>
-    <p:sldId id="299" r:id="rId8"/>
-    <p:sldId id="278" r:id="rId9"/>
-    <p:sldId id="289" r:id="rId10"/>
-    <p:sldId id="290" r:id="rId11"/>
-    <p:sldId id="291" r:id="rId12"/>
-    <p:sldId id="292" r:id="rId13"/>
-    <p:sldId id="293" r:id="rId14"/>
-    <p:sldId id="294" r:id="rId15"/>
-    <p:sldId id="295" r:id="rId16"/>
-    <p:sldId id="296" r:id="rId17"/>
-    <p:sldId id="304" r:id="rId18"/>
-    <p:sldId id="297" r:id="rId19"/>
-    <p:sldId id="298" r:id="rId20"/>
+    <p:sldId id="299" r:id="rId7"/>
+    <p:sldId id="278" r:id="rId8"/>
+    <p:sldId id="289" r:id="rId9"/>
+    <p:sldId id="290" r:id="rId10"/>
+    <p:sldId id="291" r:id="rId11"/>
+    <p:sldId id="292" r:id="rId12"/>
+    <p:sldId id="293" r:id="rId13"/>
+    <p:sldId id="294" r:id="rId14"/>
+    <p:sldId id="296" r:id="rId15"/>
+    <p:sldId id="305" r:id="rId16"/>
+    <p:sldId id="306" r:id="rId17"/>
+    <p:sldId id="307" r:id="rId18"/>
+    <p:sldId id="308" r:id="rId19"/>
+    <p:sldId id="304" r:id="rId20"/>
+    <p:sldId id="309" r:id="rId21"/>
+    <p:sldId id="297" r:id="rId22"/>
+    <p:sldId id="298" r:id="rId23"/>
   </p:sldIdLst>
   <p:sldSz cx="12192000" cy="6858000"/>
   <p:notesSz cx="6858000" cy="9144000"/>
@@ -124,7 +127,18 @@
   </p:defaultTextStyle>
   <p:extLst>
     <p:ext uri="{EFAFB233-063F-42B5-8137-9DF3F51BA10A}">
-      <p15:sldGuideLst xmlns:p15="http://schemas.microsoft.com/office/powerpoint/2012/main" xmlns=""/>
+      <p15:sldGuideLst xmlns:p15="http://schemas.microsoft.com/office/powerpoint/2012/main">
+        <p15:guide id="1" orient="horz" pos="2160">
+          <p15:clr>
+            <a:srgbClr val="A4A3A4"/>
+          </p15:clr>
+        </p15:guide>
+        <p15:guide id="2" pos="3840">
+          <p15:clr>
+            <a:srgbClr val="A4A3A4"/>
+          </p15:clr>
+        </p15:guide>
+      </p15:sldGuideLst>
     </p:ext>
   </p:extLst>
 </p:presentation>
@@ -180,7 +194,7 @@
           </a:lstStyle>
           <a:p>
             <a:r>
-              <a:rPr lang="fr-FR" smtClean="0"/>
+              <a:rPr lang="fr-FR"/>
               <a:t>Modifiez le style du titre</a:t>
             </a:r>
             <a:endParaRPr lang="en-US" dirty="0"/>
@@ -300,7 +314,7 @@
           </a:lstStyle>
           <a:p>
             <a:r>
-              <a:rPr lang="fr-FR" smtClean="0"/>
+              <a:rPr lang="fr-FR"/>
               <a:t>Modifiez le style des sous-titres du masque</a:t>
             </a:r>
             <a:endParaRPr lang="en-US" dirty="0"/>
@@ -489,13 +503,13 @@
   <p:clrMapOvr>
     <a:masterClrMapping/>
   </p:clrMapOvr>
-  <mc:AlternateContent xmlns:mc="http://schemas.openxmlformats.org/markup-compatibility/2006">
-    <mc:Choice xmlns:p15="http://schemas.microsoft.com/office/powerpoint/2012/main" xmlns="" Requires="p15">
+  <mc:AlternateContent xmlns:mc="http://schemas.openxmlformats.org/markup-compatibility/2006" xmlns:p15="http://schemas.microsoft.com/office/powerpoint/2012/main">
+    <mc:Choice Requires="p15">
       <p:transition xmlns:p14="http://schemas.microsoft.com/office/powerpoint/2010/main" spd="slow" p14:dur="1250">
         <p15:prstTrans prst="peelOff"/>
       </p:transition>
     </mc:Choice>
-    <mc:Fallback>
+    <mc:Fallback xmlns="">
       <p:transition spd="slow">
         <p:fade/>
       </p:transition>
@@ -548,7 +562,7 @@
           </a:lstStyle>
           <a:p>
             <a:r>
-              <a:rPr lang="fr-FR" smtClean="0"/>
+              <a:rPr lang="fr-FR"/>
               <a:t>Modifiez le style du titre</a:t>
             </a:r>
             <a:endParaRPr lang="en-US" dirty="0"/>
@@ -671,7 +685,7 @@
           <a:p>
             <a:pPr lvl="0"/>
             <a:r>
-              <a:rPr lang="fr-FR" smtClean="0"/>
+              <a:rPr lang="fr-FR"/>
               <a:t>Modifiez les styles du texte du masque</a:t>
             </a:r>
           </a:p>
@@ -859,13 +873,13 @@
   <p:clrMapOvr>
     <a:masterClrMapping/>
   </p:clrMapOvr>
-  <mc:AlternateContent xmlns:mc="http://schemas.openxmlformats.org/markup-compatibility/2006">
-    <mc:Choice xmlns:p15="http://schemas.microsoft.com/office/powerpoint/2012/main" xmlns="" Requires="p15">
+  <mc:AlternateContent xmlns:mc="http://schemas.openxmlformats.org/markup-compatibility/2006" xmlns:p15="http://schemas.microsoft.com/office/powerpoint/2012/main">
+    <mc:Choice Requires="p15">
       <p:transition xmlns:p14="http://schemas.microsoft.com/office/powerpoint/2010/main" spd="slow" p14:dur="1250">
         <p15:prstTrans prst="peelOff"/>
       </p:transition>
     </mc:Choice>
-    <mc:Fallback>
+    <mc:Fallback xmlns="">
       <p:transition spd="slow">
         <p:fade/>
       </p:transition>
@@ -918,7 +932,7 @@
           </a:lstStyle>
           <a:p>
             <a:r>
-              <a:rPr lang="fr-FR" smtClean="0"/>
+              <a:rPr lang="fr-FR"/>
               <a:t>Modifiez le style du titre</a:t>
             </a:r>
             <a:endParaRPr lang="en-US" dirty="0"/>
@@ -982,7 +996,7 @@
           <a:p>
             <a:pPr lvl="0"/>
             <a:r>
-              <a:rPr lang="fr-FR" smtClean="0"/>
+              <a:rPr lang="fr-FR"/>
               <a:t>Modifiez les styles du texte du masque</a:t>
             </a:r>
           </a:p>
@@ -1104,7 +1118,7 @@
           <a:p>
             <a:pPr lvl="0"/>
             <a:r>
-              <a:rPr lang="fr-FR" smtClean="0"/>
+              <a:rPr lang="fr-FR"/>
               <a:t>Modifiez les styles du texte du masque</a:t>
             </a:r>
           </a:p>
@@ -1364,13 +1378,13 @@
   <p:clrMapOvr>
     <a:masterClrMapping/>
   </p:clrMapOvr>
-  <mc:AlternateContent xmlns:mc="http://schemas.openxmlformats.org/markup-compatibility/2006">
-    <mc:Choice xmlns:p15="http://schemas.microsoft.com/office/powerpoint/2012/main" xmlns="" Requires="p15">
+  <mc:AlternateContent xmlns:mc="http://schemas.openxmlformats.org/markup-compatibility/2006" xmlns:p15="http://schemas.microsoft.com/office/powerpoint/2012/main">
+    <mc:Choice Requires="p15">
       <p:transition xmlns:p14="http://schemas.microsoft.com/office/powerpoint/2010/main" spd="slow" p14:dur="1250">
         <p15:prstTrans prst="peelOff"/>
       </p:transition>
     </mc:Choice>
-    <mc:Fallback>
+    <mc:Fallback xmlns="">
       <p:transition spd="slow">
         <p:fade/>
       </p:transition>
@@ -1423,7 +1437,7 @@
           </a:lstStyle>
           <a:p>
             <a:r>
-              <a:rPr lang="fr-FR" smtClean="0"/>
+              <a:rPr lang="fr-FR"/>
               <a:t>Modifiez le style du titre</a:t>
             </a:r>
             <a:endParaRPr lang="en-US" dirty="0"/>
@@ -1468,7 +1482,7 @@
               <a:buNone/>
             </a:pPr>
             <a:r>
-              <a:rPr lang="fr-FR" smtClean="0"/>
+              <a:rPr lang="fr-FR"/>
               <a:t>Modifiez les styles du texte du masque</a:t>
             </a:r>
           </a:p>
@@ -1656,13 +1670,13 @@
   <p:clrMapOvr>
     <a:masterClrMapping/>
   </p:clrMapOvr>
-  <mc:AlternateContent xmlns:mc="http://schemas.openxmlformats.org/markup-compatibility/2006">
-    <mc:Choice xmlns:p15="http://schemas.microsoft.com/office/powerpoint/2012/main" xmlns="" Requires="p15">
+  <mc:AlternateContent xmlns:mc="http://schemas.openxmlformats.org/markup-compatibility/2006" xmlns:p15="http://schemas.microsoft.com/office/powerpoint/2012/main">
+    <mc:Choice Requires="p15">
       <p:transition xmlns:p14="http://schemas.microsoft.com/office/powerpoint/2010/main" spd="slow" p14:dur="1250">
         <p15:prstTrans prst="peelOff"/>
       </p:transition>
     </mc:Choice>
-    <mc:Fallback>
+    <mc:Fallback xmlns="">
       <p:transition spd="slow">
         <p:fade/>
       </p:transition>
@@ -1715,7 +1729,7 @@
           </a:lstStyle>
           <a:p>
             <a:r>
-              <a:rPr lang="fr-FR" smtClean="0"/>
+              <a:rPr lang="fr-FR"/>
               <a:t>Modifiez le style du titre</a:t>
             </a:r>
             <a:endParaRPr lang="en-US" dirty="0"/>
@@ -1776,7 +1790,7 @@
           <a:p>
             <a:pPr lvl="0"/>
             <a:r>
-              <a:rPr lang="fr-FR" smtClean="0"/>
+              <a:rPr lang="fr-FR"/>
               <a:t>Modifiez les styles du texte du masque</a:t>
             </a:r>
           </a:p>
@@ -1820,7 +1834,7 @@
               <a:buNone/>
             </a:pPr>
             <a:r>
-              <a:rPr lang="fr-FR" smtClean="0"/>
+              <a:rPr lang="fr-FR"/>
               <a:t>Modifiez les styles du texte du masque</a:t>
             </a:r>
           </a:p>
@@ -2080,13 +2094,13 @@
   <p:clrMapOvr>
     <a:masterClrMapping/>
   </p:clrMapOvr>
-  <mc:AlternateContent xmlns:mc="http://schemas.openxmlformats.org/markup-compatibility/2006">
-    <mc:Choice xmlns:p15="http://schemas.microsoft.com/office/powerpoint/2012/main" xmlns="" Requires="p15">
+  <mc:AlternateContent xmlns:mc="http://schemas.openxmlformats.org/markup-compatibility/2006" xmlns:p15="http://schemas.microsoft.com/office/powerpoint/2012/main">
+    <mc:Choice Requires="p15">
       <p:transition xmlns:p14="http://schemas.microsoft.com/office/powerpoint/2010/main" spd="slow" p14:dur="1250">
         <p15:prstTrans prst="peelOff"/>
       </p:transition>
     </mc:Choice>
-    <mc:Fallback>
+    <mc:Fallback xmlns="">
       <p:transition spd="slow">
         <p:fade/>
       </p:transition>
@@ -2139,7 +2153,7 @@
           </a:lstStyle>
           <a:p>
             <a:r>
-              <a:rPr lang="fr-FR" smtClean="0"/>
+              <a:rPr lang="fr-FR"/>
               <a:t>Modifiez le style du titre</a:t>
             </a:r>
             <a:endParaRPr lang="en-US" dirty="0"/>
@@ -2200,7 +2214,7 @@
           <a:p>
             <a:pPr lvl="0"/>
             <a:r>
-              <a:rPr lang="fr-FR" smtClean="0"/>
+              <a:rPr lang="fr-FR"/>
               <a:t>Modifiez les styles du texte du masque</a:t>
             </a:r>
           </a:p>
@@ -2244,7 +2258,7 @@
               <a:buNone/>
             </a:pPr>
             <a:r>
-              <a:rPr lang="fr-FR" smtClean="0"/>
+              <a:rPr lang="fr-FR"/>
               <a:t>Modifiez les styles du texte du masque</a:t>
             </a:r>
           </a:p>
@@ -2432,13 +2446,13 @@
   <p:clrMapOvr>
     <a:masterClrMapping/>
   </p:clrMapOvr>
-  <mc:AlternateContent xmlns:mc="http://schemas.openxmlformats.org/markup-compatibility/2006">
-    <mc:Choice xmlns:p15="http://schemas.microsoft.com/office/powerpoint/2012/main" xmlns="" Requires="p15">
+  <mc:AlternateContent xmlns:mc="http://schemas.openxmlformats.org/markup-compatibility/2006" xmlns:p15="http://schemas.microsoft.com/office/powerpoint/2012/main">
+    <mc:Choice Requires="p15">
       <p:transition xmlns:p14="http://schemas.microsoft.com/office/powerpoint/2010/main" spd="slow" p14:dur="1250">
         <p15:prstTrans prst="peelOff"/>
       </p:transition>
     </mc:Choice>
-    <mc:Fallback>
+    <mc:Fallback xmlns="">
       <p:transition spd="slow">
         <p:fade/>
       </p:transition>
@@ -2480,7 +2494,7 @@
           <a:lstStyle/>
           <a:p>
             <a:r>
-              <a:rPr lang="fr-FR" smtClean="0"/>
+              <a:rPr lang="fr-FR"/>
               <a:t>Modifiez le style du titre</a:t>
             </a:r>
             <a:endParaRPr lang="en-US" dirty="0"/>
@@ -2504,35 +2518,35 @@
           <a:p>
             <a:pPr lvl="0"/>
             <a:r>
-              <a:rPr lang="fr-FR" smtClean="0"/>
+              <a:rPr lang="fr-FR"/>
               <a:t>Modifiez les styles du texte du masque</a:t>
             </a:r>
           </a:p>
           <a:p>
             <a:pPr lvl="1"/>
             <a:r>
-              <a:rPr lang="fr-FR" smtClean="0"/>
+              <a:rPr lang="fr-FR"/>
               <a:t>Deuxième niveau</a:t>
             </a:r>
           </a:p>
           <a:p>
             <a:pPr lvl="2"/>
             <a:r>
-              <a:rPr lang="fr-FR" smtClean="0"/>
+              <a:rPr lang="fr-FR"/>
               <a:t>Troisième niveau</a:t>
             </a:r>
           </a:p>
           <a:p>
             <a:pPr lvl="3"/>
             <a:r>
-              <a:rPr lang="fr-FR" smtClean="0"/>
+              <a:rPr lang="fr-FR"/>
               <a:t>Quatrième niveau</a:t>
             </a:r>
           </a:p>
           <a:p>
             <a:pPr lvl="4"/>
             <a:r>
-              <a:rPr lang="fr-FR" smtClean="0"/>
+              <a:rPr lang="fr-FR"/>
               <a:t>Cinquième niveau</a:t>
             </a:r>
             <a:endParaRPr lang="en-US" dirty="0"/>
@@ -2716,13 +2730,13 @@
   <p:clrMapOvr>
     <a:masterClrMapping/>
   </p:clrMapOvr>
-  <mc:AlternateContent xmlns:mc="http://schemas.openxmlformats.org/markup-compatibility/2006">
-    <mc:Choice xmlns:p15="http://schemas.microsoft.com/office/powerpoint/2012/main" xmlns="" Requires="p15">
+  <mc:AlternateContent xmlns:mc="http://schemas.openxmlformats.org/markup-compatibility/2006" xmlns:p15="http://schemas.microsoft.com/office/powerpoint/2012/main">
+    <mc:Choice Requires="p15">
       <p:transition xmlns:p14="http://schemas.microsoft.com/office/powerpoint/2010/main" spd="slow" p14:dur="1250">
         <p15:prstTrans prst="peelOff"/>
       </p:transition>
     </mc:Choice>
-    <mc:Fallback>
+    <mc:Fallback xmlns="">
       <p:transition spd="slow">
         <p:fade/>
       </p:transition>
@@ -2769,7 +2783,7 @@
           <a:lstStyle/>
           <a:p>
             <a:r>
-              <a:rPr lang="fr-FR" smtClean="0"/>
+              <a:rPr lang="fr-FR"/>
               <a:t>Modifiez le style du titre</a:t>
             </a:r>
             <a:endParaRPr lang="en-US" dirty="0"/>
@@ -2798,35 +2812,35 @@
           <a:p>
             <a:pPr lvl="0"/>
             <a:r>
-              <a:rPr lang="fr-FR" smtClean="0"/>
+              <a:rPr lang="fr-FR"/>
               <a:t>Modifiez les styles du texte du masque</a:t>
             </a:r>
           </a:p>
           <a:p>
             <a:pPr lvl="1"/>
             <a:r>
-              <a:rPr lang="fr-FR" smtClean="0"/>
+              <a:rPr lang="fr-FR"/>
               <a:t>Deuxième niveau</a:t>
             </a:r>
           </a:p>
           <a:p>
             <a:pPr lvl="2"/>
             <a:r>
-              <a:rPr lang="fr-FR" smtClean="0"/>
+              <a:rPr lang="fr-FR"/>
               <a:t>Troisième niveau</a:t>
             </a:r>
           </a:p>
           <a:p>
             <a:pPr lvl="3"/>
             <a:r>
-              <a:rPr lang="fr-FR" smtClean="0"/>
+              <a:rPr lang="fr-FR"/>
               <a:t>Quatrième niveau</a:t>
             </a:r>
           </a:p>
           <a:p>
             <a:pPr lvl="4"/>
             <a:r>
-              <a:rPr lang="fr-FR" smtClean="0"/>
+              <a:rPr lang="fr-FR"/>
               <a:t>Cinquième niveau</a:t>
             </a:r>
             <a:endParaRPr lang="en-US" dirty="0"/>
@@ -3010,13 +3024,13 @@
   <p:clrMapOvr>
     <a:masterClrMapping/>
   </p:clrMapOvr>
-  <mc:AlternateContent xmlns:mc="http://schemas.openxmlformats.org/markup-compatibility/2006">
-    <mc:Choice xmlns:p15="http://schemas.microsoft.com/office/powerpoint/2012/main" xmlns="" Requires="p15">
+  <mc:AlternateContent xmlns:mc="http://schemas.openxmlformats.org/markup-compatibility/2006" xmlns:p15="http://schemas.microsoft.com/office/powerpoint/2012/main">
+    <mc:Choice Requires="p15">
       <p:transition xmlns:p14="http://schemas.microsoft.com/office/powerpoint/2010/main" spd="slow" p14:dur="1250">
         <p15:prstTrans prst="peelOff"/>
       </p:transition>
     </mc:Choice>
-    <mc:Fallback>
+    <mc:Fallback xmlns="">
       <p:transition spd="slow">
         <p:fade/>
       </p:transition>
@@ -3069,7 +3083,7 @@
           </a:lstStyle>
           <a:p>
             <a:r>
-              <a:rPr lang="fr-FR" smtClean="0"/>
+              <a:rPr lang="fr-FR"/>
               <a:t>Modifiez le style du titre</a:t>
             </a:r>
             <a:endParaRPr lang="en-US" dirty="0"/>
@@ -3189,7 +3203,7 @@
           </a:lstStyle>
           <a:p>
             <a:r>
-              <a:rPr lang="fr-FR" smtClean="0"/>
+              <a:rPr lang="fr-FR"/>
               <a:t>Modifiez le style des sous-titres du masque</a:t>
             </a:r>
             <a:endParaRPr lang="en-US" dirty="0"/>
@@ -3378,13 +3392,13 @@
   <p:clrMapOvr>
     <a:masterClrMapping/>
   </p:clrMapOvr>
-  <mc:AlternateContent xmlns:mc="http://schemas.openxmlformats.org/markup-compatibility/2006">
-    <mc:Choice xmlns:p15="http://schemas.microsoft.com/office/powerpoint/2012/main" xmlns="" Requires="p15">
+  <mc:AlternateContent xmlns:mc="http://schemas.openxmlformats.org/markup-compatibility/2006" xmlns:p15="http://schemas.microsoft.com/office/powerpoint/2012/main">
+    <mc:Choice Requires="p15">
       <p:transition xmlns:p14="http://schemas.microsoft.com/office/powerpoint/2010/main" spd="slow" p14:dur="1250">
         <p15:prstTrans prst="peelOff"/>
       </p:transition>
     </mc:Choice>
-    <mc:Fallback>
+    <mc:Fallback xmlns="">
       <p:transition spd="slow">
         <p:fade/>
       </p:transition>
@@ -3431,7 +3445,7 @@
           <a:lstStyle/>
           <a:p>
             <a:r>
-              <a:rPr lang="fr-FR" smtClean="0"/>
+              <a:rPr lang="fr-FR"/>
               <a:t>Modifiez le style du titre</a:t>
             </a:r>
             <a:endParaRPr lang="en-US" dirty="0"/>
@@ -3460,35 +3474,35 @@
           <a:p>
             <a:pPr lvl="0"/>
             <a:r>
-              <a:rPr lang="fr-FR" smtClean="0"/>
+              <a:rPr lang="fr-FR"/>
               <a:t>Modifiez les styles du texte du masque</a:t>
             </a:r>
           </a:p>
           <a:p>
             <a:pPr lvl="1"/>
             <a:r>
-              <a:rPr lang="fr-FR" smtClean="0"/>
+              <a:rPr lang="fr-FR"/>
               <a:t>Deuxième niveau</a:t>
             </a:r>
           </a:p>
           <a:p>
             <a:pPr lvl="2"/>
             <a:r>
-              <a:rPr lang="fr-FR" smtClean="0"/>
+              <a:rPr lang="fr-FR"/>
               <a:t>Troisième niveau</a:t>
             </a:r>
           </a:p>
           <a:p>
             <a:pPr lvl="3"/>
             <a:r>
-              <a:rPr lang="fr-FR" smtClean="0"/>
+              <a:rPr lang="fr-FR"/>
               <a:t>Quatrième niveau</a:t>
             </a:r>
           </a:p>
           <a:p>
             <a:pPr lvl="4"/>
             <a:r>
-              <a:rPr lang="fr-FR" smtClean="0"/>
+              <a:rPr lang="fr-FR"/>
               <a:t>Cinquième niveau</a:t>
             </a:r>
             <a:endParaRPr lang="en-US" dirty="0"/>
@@ -3672,13 +3686,13 @@
   <p:clrMapOvr>
     <a:masterClrMapping/>
   </p:clrMapOvr>
-  <mc:AlternateContent xmlns:mc="http://schemas.openxmlformats.org/markup-compatibility/2006">
-    <mc:Choice xmlns:p15="http://schemas.microsoft.com/office/powerpoint/2012/main" xmlns="" Requires="p15">
+  <mc:AlternateContent xmlns:mc="http://schemas.openxmlformats.org/markup-compatibility/2006" xmlns:p15="http://schemas.microsoft.com/office/powerpoint/2012/main">
+    <mc:Choice Requires="p15">
       <p:transition xmlns:p14="http://schemas.microsoft.com/office/powerpoint/2010/main" spd="slow" p14:dur="1250">
         <p15:prstTrans prst="peelOff"/>
       </p:transition>
     </mc:Choice>
-    <mc:Fallback>
+    <mc:Fallback xmlns="">
       <p:transition spd="slow">
         <p:fade/>
       </p:transition>
@@ -3729,7 +3743,7 @@
           </a:lstStyle>
           <a:p>
             <a:r>
-              <a:rPr lang="fr-FR" smtClean="0"/>
+              <a:rPr lang="fr-FR"/>
               <a:t>Modifiez le style du titre</a:t>
             </a:r>
             <a:endParaRPr lang="en-US" dirty="0"/>
@@ -3850,7 +3864,7 @@
           <a:p>
             <a:pPr lvl="0"/>
             <a:r>
-              <a:rPr lang="fr-FR" smtClean="0"/>
+              <a:rPr lang="fr-FR"/>
               <a:t>Modifiez les styles du texte du masque</a:t>
             </a:r>
           </a:p>
@@ -4038,13 +4052,13 @@
   <p:clrMapOvr>
     <a:masterClrMapping/>
   </p:clrMapOvr>
-  <mc:AlternateContent xmlns:mc="http://schemas.openxmlformats.org/markup-compatibility/2006">
-    <mc:Choice xmlns:p15="http://schemas.microsoft.com/office/powerpoint/2012/main" xmlns="" Requires="p15">
+  <mc:AlternateContent xmlns:mc="http://schemas.openxmlformats.org/markup-compatibility/2006" xmlns:p15="http://schemas.microsoft.com/office/powerpoint/2012/main">
+    <mc:Choice Requires="p15">
       <p:transition xmlns:p14="http://schemas.microsoft.com/office/powerpoint/2010/main" spd="slow" p14:dur="1250">
         <p15:prstTrans prst="peelOff"/>
       </p:transition>
     </mc:Choice>
-    <mc:Fallback>
+    <mc:Fallback xmlns="">
       <p:transition spd="slow">
         <p:fade/>
       </p:transition>
@@ -4091,7 +4105,7 @@
           <a:lstStyle/>
           <a:p>
             <a:r>
-              <a:rPr lang="fr-FR" smtClean="0"/>
+              <a:rPr lang="fr-FR"/>
               <a:t>Modifiez le style du titre</a:t>
             </a:r>
             <a:endParaRPr lang="en-US" dirty="0"/>
@@ -4120,35 +4134,35 @@
           <a:p>
             <a:pPr lvl="0"/>
             <a:r>
-              <a:rPr lang="fr-FR" smtClean="0"/>
+              <a:rPr lang="fr-FR"/>
               <a:t>Modifiez les styles du texte du masque</a:t>
             </a:r>
           </a:p>
           <a:p>
             <a:pPr lvl="1"/>
             <a:r>
-              <a:rPr lang="fr-FR" smtClean="0"/>
+              <a:rPr lang="fr-FR"/>
               <a:t>Deuxième niveau</a:t>
             </a:r>
           </a:p>
           <a:p>
             <a:pPr lvl="2"/>
             <a:r>
-              <a:rPr lang="fr-FR" smtClean="0"/>
+              <a:rPr lang="fr-FR"/>
               <a:t>Troisième niveau</a:t>
             </a:r>
           </a:p>
           <a:p>
             <a:pPr lvl="3"/>
             <a:r>
-              <a:rPr lang="fr-FR" smtClean="0"/>
+              <a:rPr lang="fr-FR"/>
               <a:t>Quatrième niveau</a:t>
             </a:r>
           </a:p>
           <a:p>
             <a:pPr lvl="4"/>
             <a:r>
-              <a:rPr lang="fr-FR" smtClean="0"/>
+              <a:rPr lang="fr-FR"/>
               <a:t>Cinquième niveau</a:t>
             </a:r>
             <a:endParaRPr lang="en-US" dirty="0"/>
@@ -4332,13 +4346,13 @@
   <p:clrMapOvr>
     <a:masterClrMapping/>
   </p:clrMapOvr>
-  <mc:AlternateContent xmlns:mc="http://schemas.openxmlformats.org/markup-compatibility/2006">
-    <mc:Choice xmlns:p15="http://schemas.microsoft.com/office/powerpoint/2012/main" xmlns="" Requires="p15">
+  <mc:AlternateContent xmlns:mc="http://schemas.openxmlformats.org/markup-compatibility/2006" xmlns:p15="http://schemas.microsoft.com/office/powerpoint/2012/main">
+    <mc:Choice Requires="p15">
       <p:transition xmlns:p14="http://schemas.microsoft.com/office/powerpoint/2010/main" spd="slow" p14:dur="1250">
         <p15:prstTrans prst="peelOff"/>
       </p:transition>
     </mc:Choice>
-    <mc:Fallback>
+    <mc:Fallback xmlns="">
       <p:transition spd="slow">
         <p:fade/>
       </p:transition>
@@ -4380,7 +4394,7 @@
           <a:lstStyle/>
           <a:p>
             <a:r>
-              <a:rPr lang="fr-FR" smtClean="0"/>
+              <a:rPr lang="fr-FR"/>
               <a:t>Modifiez le style du titre</a:t>
             </a:r>
             <a:endParaRPr lang="en-US" dirty="0"/>
@@ -4411,35 +4425,35 @@
           <a:p>
             <a:pPr lvl="0"/>
             <a:r>
-              <a:rPr lang="fr-FR" smtClean="0"/>
+              <a:rPr lang="fr-FR"/>
               <a:t>Modifiez les styles du texte du masque</a:t>
             </a:r>
           </a:p>
           <a:p>
             <a:pPr lvl="1"/>
             <a:r>
-              <a:rPr lang="fr-FR" smtClean="0"/>
+              <a:rPr lang="fr-FR"/>
               <a:t>Deuxième niveau</a:t>
             </a:r>
           </a:p>
           <a:p>
             <a:pPr lvl="2"/>
             <a:r>
-              <a:rPr lang="fr-FR" smtClean="0"/>
+              <a:rPr lang="fr-FR"/>
               <a:t>Troisième niveau</a:t>
             </a:r>
           </a:p>
           <a:p>
             <a:pPr lvl="3"/>
             <a:r>
-              <a:rPr lang="fr-FR" smtClean="0"/>
+              <a:rPr lang="fr-FR"/>
               <a:t>Quatrième niveau</a:t>
             </a:r>
           </a:p>
           <a:p>
             <a:pPr lvl="4"/>
             <a:r>
-              <a:rPr lang="fr-FR" smtClean="0"/>
+              <a:rPr lang="fr-FR"/>
               <a:t>Cinquième niveau</a:t>
             </a:r>
             <a:endParaRPr lang="en-US" dirty="0"/>
@@ -4470,35 +4484,35 @@
           <a:p>
             <a:pPr lvl="0"/>
             <a:r>
-              <a:rPr lang="fr-FR" smtClean="0"/>
+              <a:rPr lang="fr-FR"/>
               <a:t>Modifiez les styles du texte du masque</a:t>
             </a:r>
           </a:p>
           <a:p>
             <a:pPr lvl="1"/>
             <a:r>
-              <a:rPr lang="fr-FR" smtClean="0"/>
+              <a:rPr lang="fr-FR"/>
               <a:t>Deuxième niveau</a:t>
             </a:r>
           </a:p>
           <a:p>
             <a:pPr lvl="2"/>
             <a:r>
-              <a:rPr lang="fr-FR" smtClean="0"/>
+              <a:rPr lang="fr-FR"/>
               <a:t>Troisième niveau</a:t>
             </a:r>
           </a:p>
           <a:p>
             <a:pPr lvl="3"/>
             <a:r>
-              <a:rPr lang="fr-FR" smtClean="0"/>
+              <a:rPr lang="fr-FR"/>
               <a:t>Quatrième niveau</a:t>
             </a:r>
           </a:p>
           <a:p>
             <a:pPr lvl="4"/>
             <a:r>
-              <a:rPr lang="fr-FR" smtClean="0"/>
+              <a:rPr lang="fr-FR"/>
               <a:t>Cinquième niveau</a:t>
             </a:r>
             <a:endParaRPr lang="en-US" dirty="0"/>
@@ -4687,13 +4701,13 @@
   <p:clrMapOvr>
     <a:masterClrMapping/>
   </p:clrMapOvr>
-  <mc:AlternateContent xmlns:mc="http://schemas.openxmlformats.org/markup-compatibility/2006">
-    <mc:Choice xmlns:p15="http://schemas.microsoft.com/office/powerpoint/2012/main" xmlns="" Requires="p15">
+  <mc:AlternateContent xmlns:mc="http://schemas.openxmlformats.org/markup-compatibility/2006" xmlns:p15="http://schemas.microsoft.com/office/powerpoint/2012/main">
+    <mc:Choice Requires="p15">
       <p:transition xmlns:p14="http://schemas.microsoft.com/office/powerpoint/2010/main" spd="slow" p14:dur="1250">
         <p15:prstTrans prst="peelOff"/>
       </p:transition>
     </mc:Choice>
-    <mc:Fallback>
+    <mc:Fallback xmlns="">
       <p:transition spd="slow">
         <p:fade/>
       </p:transition>
@@ -4735,7 +4749,7 @@
           <a:lstStyle/>
           <a:p>
             <a:r>
-              <a:rPr lang="fr-FR" smtClean="0"/>
+              <a:rPr lang="fr-FR"/>
               <a:t>Modifiez le style du titre</a:t>
             </a:r>
             <a:endParaRPr lang="en-US" dirty="0"/>
@@ -4803,7 +4817,7 @@
           <a:p>
             <a:pPr lvl="0"/>
             <a:r>
-              <a:rPr lang="fr-FR" smtClean="0"/>
+              <a:rPr lang="fr-FR"/>
               <a:t>Modifiez les styles du texte du masque</a:t>
             </a:r>
           </a:p>
@@ -4833,35 +4847,35 @@
           <a:p>
             <a:pPr lvl="0"/>
             <a:r>
-              <a:rPr lang="fr-FR" smtClean="0"/>
+              <a:rPr lang="fr-FR"/>
               <a:t>Modifiez les styles du texte du masque</a:t>
             </a:r>
           </a:p>
           <a:p>
             <a:pPr lvl="1"/>
             <a:r>
-              <a:rPr lang="fr-FR" smtClean="0"/>
+              <a:rPr lang="fr-FR"/>
               <a:t>Deuxième niveau</a:t>
             </a:r>
           </a:p>
           <a:p>
             <a:pPr lvl="2"/>
             <a:r>
-              <a:rPr lang="fr-FR" smtClean="0"/>
+              <a:rPr lang="fr-FR"/>
               <a:t>Troisième niveau</a:t>
             </a:r>
           </a:p>
           <a:p>
             <a:pPr lvl="3"/>
             <a:r>
-              <a:rPr lang="fr-FR" smtClean="0"/>
+              <a:rPr lang="fr-FR"/>
               <a:t>Quatrième niveau</a:t>
             </a:r>
           </a:p>
           <a:p>
             <a:pPr lvl="4"/>
             <a:r>
-              <a:rPr lang="fr-FR" smtClean="0"/>
+              <a:rPr lang="fr-FR"/>
               <a:t>Cinquième niveau</a:t>
             </a:r>
             <a:endParaRPr lang="en-US" dirty="0"/>
@@ -4929,7 +4943,7 @@
           <a:p>
             <a:pPr lvl="0"/>
             <a:r>
-              <a:rPr lang="fr-FR" smtClean="0"/>
+              <a:rPr lang="fr-FR"/>
               <a:t>Modifiez les styles du texte du masque</a:t>
             </a:r>
           </a:p>
@@ -4959,35 +4973,35 @@
           <a:p>
             <a:pPr lvl="0"/>
             <a:r>
-              <a:rPr lang="fr-FR" smtClean="0"/>
+              <a:rPr lang="fr-FR"/>
               <a:t>Modifiez les styles du texte du masque</a:t>
             </a:r>
           </a:p>
           <a:p>
             <a:pPr lvl="1"/>
             <a:r>
-              <a:rPr lang="fr-FR" smtClean="0"/>
+              <a:rPr lang="fr-FR"/>
               <a:t>Deuxième niveau</a:t>
             </a:r>
           </a:p>
           <a:p>
             <a:pPr lvl="2"/>
             <a:r>
-              <a:rPr lang="fr-FR" smtClean="0"/>
+              <a:rPr lang="fr-FR"/>
               <a:t>Troisième niveau</a:t>
             </a:r>
           </a:p>
           <a:p>
             <a:pPr lvl="3"/>
             <a:r>
-              <a:rPr lang="fr-FR" smtClean="0"/>
+              <a:rPr lang="fr-FR"/>
               <a:t>Quatrième niveau</a:t>
             </a:r>
           </a:p>
           <a:p>
             <a:pPr lvl="4"/>
             <a:r>
-              <a:rPr lang="fr-FR" smtClean="0"/>
+              <a:rPr lang="fr-FR"/>
               <a:t>Cinquième niveau</a:t>
             </a:r>
             <a:endParaRPr lang="en-US" dirty="0"/>
@@ -5176,13 +5190,13 @@
   <p:clrMapOvr>
     <a:masterClrMapping/>
   </p:clrMapOvr>
-  <mc:AlternateContent xmlns:mc="http://schemas.openxmlformats.org/markup-compatibility/2006">
-    <mc:Choice xmlns:p15="http://schemas.microsoft.com/office/powerpoint/2012/main" xmlns="" Requires="p15">
+  <mc:AlternateContent xmlns:mc="http://schemas.openxmlformats.org/markup-compatibility/2006" xmlns:p15="http://schemas.microsoft.com/office/powerpoint/2012/main">
+    <mc:Choice Requires="p15">
       <p:transition xmlns:p14="http://schemas.microsoft.com/office/powerpoint/2010/main" spd="slow" p14:dur="1250">
         <p15:prstTrans prst="peelOff"/>
       </p:transition>
     </mc:Choice>
-    <mc:Fallback>
+    <mc:Fallback xmlns="">
       <p:transition spd="slow">
         <p:fade/>
       </p:transition>
@@ -5224,7 +5238,7 @@
           <a:lstStyle/>
           <a:p>
             <a:r>
-              <a:rPr lang="fr-FR" smtClean="0"/>
+              <a:rPr lang="fr-FR"/>
               <a:t>Modifiez le style du titre</a:t>
             </a:r>
             <a:endParaRPr lang="en-US" dirty="0"/>
@@ -5408,13 +5422,13 @@
   <p:clrMapOvr>
     <a:masterClrMapping/>
   </p:clrMapOvr>
-  <mc:AlternateContent xmlns:mc="http://schemas.openxmlformats.org/markup-compatibility/2006">
-    <mc:Choice xmlns:p15="http://schemas.microsoft.com/office/powerpoint/2012/main" xmlns="" Requires="p15">
+  <mc:AlternateContent xmlns:mc="http://schemas.openxmlformats.org/markup-compatibility/2006" xmlns:p15="http://schemas.microsoft.com/office/powerpoint/2012/main">
+    <mc:Choice Requires="p15">
       <p:transition xmlns:p14="http://schemas.microsoft.com/office/powerpoint/2010/main" spd="slow" p14:dur="1250">
         <p15:prstTrans prst="peelOff"/>
       </p:transition>
     </mc:Choice>
-    <mc:Fallback>
+    <mc:Fallback xmlns="">
       <p:transition spd="slow">
         <p:fade/>
       </p:transition>
@@ -5617,13 +5631,13 @@
   <p:clrMapOvr>
     <a:masterClrMapping/>
   </p:clrMapOvr>
-  <mc:AlternateContent xmlns:mc="http://schemas.openxmlformats.org/markup-compatibility/2006">
-    <mc:Choice xmlns:p15="http://schemas.microsoft.com/office/powerpoint/2012/main" xmlns="" Requires="p15">
+  <mc:AlternateContent xmlns:mc="http://schemas.openxmlformats.org/markup-compatibility/2006" xmlns:p15="http://schemas.microsoft.com/office/powerpoint/2012/main">
+    <mc:Choice Requires="p15">
       <p:transition xmlns:p14="http://schemas.microsoft.com/office/powerpoint/2010/main" spd="slow" p14:dur="1250">
         <p15:prstTrans prst="peelOff"/>
       </p:transition>
     </mc:Choice>
-    <mc:Fallback>
+    <mc:Fallback xmlns="">
       <p:transition spd="slow">
         <p:fade/>
       </p:transition>
@@ -5674,7 +5688,7 @@
           </a:lstStyle>
           <a:p>
             <a:r>
-              <a:rPr lang="fr-FR" smtClean="0"/>
+              <a:rPr lang="fr-FR"/>
               <a:t>Modifiez le style du titre</a:t>
             </a:r>
             <a:endParaRPr lang="en-US" dirty="0"/>
@@ -5705,35 +5719,35 @@
           <a:p>
             <a:pPr lvl="0"/>
             <a:r>
-              <a:rPr lang="fr-FR" smtClean="0"/>
+              <a:rPr lang="fr-FR"/>
               <a:t>Modifiez les styles du texte du masque</a:t>
             </a:r>
           </a:p>
           <a:p>
             <a:pPr lvl="1"/>
             <a:r>
-              <a:rPr lang="fr-FR" smtClean="0"/>
+              <a:rPr lang="fr-FR"/>
               <a:t>Deuxième niveau</a:t>
             </a:r>
           </a:p>
           <a:p>
             <a:pPr lvl="2"/>
             <a:r>
-              <a:rPr lang="fr-FR" smtClean="0"/>
+              <a:rPr lang="fr-FR"/>
               <a:t>Troisième niveau</a:t>
             </a:r>
           </a:p>
           <a:p>
             <a:pPr lvl="3"/>
             <a:r>
-              <a:rPr lang="fr-FR" smtClean="0"/>
+              <a:rPr lang="fr-FR"/>
               <a:t>Quatrième niveau</a:t>
             </a:r>
           </a:p>
           <a:p>
             <a:pPr lvl="4"/>
             <a:r>
-              <a:rPr lang="fr-FR" smtClean="0"/>
+              <a:rPr lang="fr-FR"/>
               <a:t>Cinquième niveau</a:t>
             </a:r>
             <a:endParaRPr lang="en-US" dirty="0"/>
@@ -5799,7 +5813,7 @@
           <a:p>
             <a:pPr lvl="0"/>
             <a:r>
-              <a:rPr lang="fr-FR" smtClean="0"/>
+              <a:rPr lang="fr-FR"/>
               <a:t>Modifiez les styles du texte du masque</a:t>
             </a:r>
           </a:p>
@@ -5982,13 +5996,13 @@
   <p:clrMapOvr>
     <a:masterClrMapping/>
   </p:clrMapOvr>
-  <mc:AlternateContent xmlns:mc="http://schemas.openxmlformats.org/markup-compatibility/2006">
-    <mc:Choice xmlns:p15="http://schemas.microsoft.com/office/powerpoint/2012/main" xmlns="" Requires="p15">
+  <mc:AlternateContent xmlns:mc="http://schemas.openxmlformats.org/markup-compatibility/2006" xmlns:p15="http://schemas.microsoft.com/office/powerpoint/2012/main">
+    <mc:Choice Requires="p15">
       <p:transition xmlns:p14="http://schemas.microsoft.com/office/powerpoint/2010/main" spd="slow" p14:dur="1250">
         <p15:prstTrans prst="peelOff"/>
       </p:transition>
     </mc:Choice>
-    <mc:Fallback>
+    <mc:Fallback xmlns="">
       <p:transition spd="slow">
         <p:fade/>
       </p:transition>
@@ -6041,7 +6055,7 @@
           </a:lstStyle>
           <a:p>
             <a:r>
-              <a:rPr lang="fr-FR" smtClean="0"/>
+              <a:rPr lang="fr-FR"/>
               <a:t>Modifiez le style du titre</a:t>
             </a:r>
             <a:endParaRPr lang="en-US" dirty="0"/>
@@ -6108,7 +6122,7 @@
           </a:lstStyle>
           <a:p>
             <a:r>
-              <a:rPr lang="fr-FR" smtClean="0"/>
+              <a:rPr lang="fr-FR"/>
               <a:t>Cliquez sur l'icône pour ajouter une image</a:t>
             </a:r>
             <a:endParaRPr lang="en-US" dirty="0"/>
@@ -6176,7 +6190,7 @@
           <a:p>
             <a:pPr lvl="0"/>
             <a:r>
-              <a:rPr lang="fr-FR" smtClean="0"/>
+              <a:rPr lang="fr-FR"/>
               <a:t>Modifiez les styles du texte du masque</a:t>
             </a:r>
           </a:p>
@@ -6364,13 +6378,13 @@
   <p:clrMapOvr>
     <a:masterClrMapping/>
   </p:clrMapOvr>
-  <mc:AlternateContent xmlns:mc="http://schemas.openxmlformats.org/markup-compatibility/2006">
-    <mc:Choice xmlns:p15="http://schemas.microsoft.com/office/powerpoint/2012/main" xmlns="" Requires="p15">
+  <mc:AlternateContent xmlns:mc="http://schemas.openxmlformats.org/markup-compatibility/2006" xmlns:p15="http://schemas.microsoft.com/office/powerpoint/2012/main">
+    <mc:Choice Requires="p15">
       <p:transition xmlns:p14="http://schemas.microsoft.com/office/powerpoint/2010/main" spd="slow" p14:dur="1250">
         <p15:prstTrans prst="peelOff"/>
       </p:transition>
     </mc:Choice>
-    <mc:Fallback>
+    <mc:Fallback xmlns="">
       <p:transition spd="slow">
         <p:fade/>
       </p:transition>
@@ -6423,7 +6437,7 @@
           </a:lstStyle>
           <a:p>
             <a:r>
-              <a:rPr lang="fr-FR" smtClean="0"/>
+              <a:rPr lang="fr-FR"/>
               <a:t>Modifiez le style du titre</a:t>
             </a:r>
             <a:endParaRPr lang="en-US" dirty="0"/>
@@ -6546,7 +6560,7 @@
           <a:p>
             <a:pPr lvl="0"/>
             <a:r>
-              <a:rPr lang="fr-FR" smtClean="0"/>
+              <a:rPr lang="fr-FR"/>
               <a:t>Modifiez les styles du texte du masque</a:t>
             </a:r>
           </a:p>
@@ -6734,13 +6748,13 @@
   <p:clrMapOvr>
     <a:masterClrMapping/>
   </p:clrMapOvr>
-  <mc:AlternateContent xmlns:mc="http://schemas.openxmlformats.org/markup-compatibility/2006">
-    <mc:Choice xmlns:p15="http://schemas.microsoft.com/office/powerpoint/2012/main" xmlns="" Requires="p15">
+  <mc:AlternateContent xmlns:mc="http://schemas.openxmlformats.org/markup-compatibility/2006" xmlns:p15="http://schemas.microsoft.com/office/powerpoint/2012/main">
+    <mc:Choice Requires="p15">
       <p:transition xmlns:p14="http://schemas.microsoft.com/office/powerpoint/2010/main" spd="slow" p14:dur="1250">
         <p15:prstTrans prst="peelOff"/>
       </p:transition>
     </mc:Choice>
-    <mc:Fallback>
+    <mc:Fallback xmlns="">
       <p:transition spd="slow">
         <p:fade/>
       </p:transition>
@@ -6793,7 +6807,7 @@
           </a:lstStyle>
           <a:p>
             <a:r>
-              <a:rPr lang="fr-FR" smtClean="0"/>
+              <a:rPr lang="fr-FR"/>
               <a:t>Modifiez le style du titre</a:t>
             </a:r>
             <a:endParaRPr lang="en-US" dirty="0"/>
@@ -6857,7 +6871,7 @@
           <a:p>
             <a:pPr lvl="0"/>
             <a:r>
-              <a:rPr lang="fr-FR" smtClean="0"/>
+              <a:rPr lang="fr-FR"/>
               <a:t>Modifiez les styles du texte du masque</a:t>
             </a:r>
           </a:p>
@@ -6979,7 +6993,7 @@
           <a:p>
             <a:pPr lvl="0"/>
             <a:r>
-              <a:rPr lang="fr-FR" smtClean="0"/>
+              <a:rPr lang="fr-FR"/>
               <a:t>Modifiez les styles du texte du masque</a:t>
             </a:r>
           </a:p>
@@ -7239,13 +7253,13 @@
   <p:clrMapOvr>
     <a:masterClrMapping/>
   </p:clrMapOvr>
-  <mc:AlternateContent xmlns:mc="http://schemas.openxmlformats.org/markup-compatibility/2006">
-    <mc:Choice xmlns:p15="http://schemas.microsoft.com/office/powerpoint/2012/main" xmlns="" Requires="p15">
+  <mc:AlternateContent xmlns:mc="http://schemas.openxmlformats.org/markup-compatibility/2006" xmlns:p15="http://schemas.microsoft.com/office/powerpoint/2012/main">
+    <mc:Choice Requires="p15">
       <p:transition xmlns:p14="http://schemas.microsoft.com/office/powerpoint/2010/main" spd="slow" p14:dur="1250">
         <p15:prstTrans prst="peelOff"/>
       </p:transition>
     </mc:Choice>
-    <mc:Fallback>
+    <mc:Fallback xmlns="">
       <p:transition spd="slow">
         <p:fade/>
       </p:transition>
@@ -7298,7 +7312,7 @@
           </a:lstStyle>
           <a:p>
             <a:r>
-              <a:rPr lang="fr-FR" smtClean="0"/>
+              <a:rPr lang="fr-FR"/>
               <a:t>Modifiez le style du titre</a:t>
             </a:r>
             <a:endParaRPr lang="en-US" dirty="0"/>
@@ -7343,7 +7357,7 @@
               <a:buNone/>
             </a:pPr>
             <a:r>
-              <a:rPr lang="fr-FR" smtClean="0"/>
+              <a:rPr lang="fr-FR"/>
               <a:t>Modifiez les styles du texte du masque</a:t>
             </a:r>
           </a:p>
@@ -7531,13 +7545,13 @@
   <p:clrMapOvr>
     <a:masterClrMapping/>
   </p:clrMapOvr>
-  <mc:AlternateContent xmlns:mc="http://schemas.openxmlformats.org/markup-compatibility/2006">
-    <mc:Choice xmlns:p15="http://schemas.microsoft.com/office/powerpoint/2012/main" xmlns="" Requires="p15">
+  <mc:AlternateContent xmlns:mc="http://schemas.openxmlformats.org/markup-compatibility/2006" xmlns:p15="http://schemas.microsoft.com/office/powerpoint/2012/main">
+    <mc:Choice Requires="p15">
       <p:transition xmlns:p14="http://schemas.microsoft.com/office/powerpoint/2010/main" spd="slow" p14:dur="1250">
         <p15:prstTrans prst="peelOff"/>
       </p:transition>
     </mc:Choice>
-    <mc:Fallback>
+    <mc:Fallback xmlns="">
       <p:transition spd="slow">
         <p:fade/>
       </p:transition>
@@ -7590,7 +7604,7 @@
           </a:lstStyle>
           <a:p>
             <a:r>
-              <a:rPr lang="fr-FR" smtClean="0"/>
+              <a:rPr lang="fr-FR"/>
               <a:t>Modifiez le style du titre</a:t>
             </a:r>
             <a:endParaRPr lang="en-US" dirty="0"/>
@@ -7651,7 +7665,7 @@
           <a:p>
             <a:pPr lvl="0"/>
             <a:r>
-              <a:rPr lang="fr-FR" smtClean="0"/>
+              <a:rPr lang="fr-FR"/>
               <a:t>Modifiez les styles du texte du masque</a:t>
             </a:r>
           </a:p>
@@ -7695,7 +7709,7 @@
               <a:buNone/>
             </a:pPr>
             <a:r>
-              <a:rPr lang="fr-FR" smtClean="0"/>
+              <a:rPr lang="fr-FR"/>
               <a:t>Modifiez les styles du texte du masque</a:t>
             </a:r>
           </a:p>
@@ -7955,13 +7969,13 @@
   <p:clrMapOvr>
     <a:masterClrMapping/>
   </p:clrMapOvr>
-  <mc:AlternateContent xmlns:mc="http://schemas.openxmlformats.org/markup-compatibility/2006">
-    <mc:Choice xmlns:p15="http://schemas.microsoft.com/office/powerpoint/2012/main" xmlns="" Requires="p15">
+  <mc:AlternateContent xmlns:mc="http://schemas.openxmlformats.org/markup-compatibility/2006" xmlns:p15="http://schemas.microsoft.com/office/powerpoint/2012/main">
+    <mc:Choice Requires="p15">
       <p:transition xmlns:p14="http://schemas.microsoft.com/office/powerpoint/2010/main" spd="slow" p14:dur="1250">
         <p15:prstTrans prst="peelOff"/>
       </p:transition>
     </mc:Choice>
-    <mc:Fallback>
+    <mc:Fallback xmlns="">
       <p:transition spd="slow">
         <p:fade/>
       </p:transition>
@@ -8012,7 +8026,7 @@
           </a:lstStyle>
           <a:p>
             <a:r>
-              <a:rPr lang="fr-FR" smtClean="0"/>
+              <a:rPr lang="fr-FR"/>
               <a:t>Modifiez le style du titre</a:t>
             </a:r>
             <a:endParaRPr lang="en-US" dirty="0"/>
@@ -8133,7 +8147,7 @@
           <a:p>
             <a:pPr lvl="0"/>
             <a:r>
-              <a:rPr lang="fr-FR" smtClean="0"/>
+              <a:rPr lang="fr-FR"/>
               <a:t>Modifiez les styles du texte du masque</a:t>
             </a:r>
           </a:p>
@@ -8321,13 +8335,13 @@
   <p:clrMapOvr>
     <a:masterClrMapping/>
   </p:clrMapOvr>
-  <mc:AlternateContent xmlns:mc="http://schemas.openxmlformats.org/markup-compatibility/2006">
-    <mc:Choice xmlns:p15="http://schemas.microsoft.com/office/powerpoint/2012/main" xmlns="" Requires="p15">
+  <mc:AlternateContent xmlns:mc="http://schemas.openxmlformats.org/markup-compatibility/2006" xmlns:p15="http://schemas.microsoft.com/office/powerpoint/2012/main">
+    <mc:Choice Requires="p15">
       <p:transition xmlns:p14="http://schemas.microsoft.com/office/powerpoint/2010/main" spd="slow" p14:dur="1250">
         <p15:prstTrans prst="peelOff"/>
       </p:transition>
     </mc:Choice>
-    <mc:Fallback>
+    <mc:Fallback xmlns="">
       <p:transition spd="slow">
         <p:fade/>
       </p:transition>
@@ -8380,7 +8394,7 @@
           </a:lstStyle>
           <a:p>
             <a:r>
-              <a:rPr lang="fr-FR" smtClean="0"/>
+              <a:rPr lang="fr-FR"/>
               <a:t>Modifiez le style du titre</a:t>
             </a:r>
             <a:endParaRPr lang="en-US" dirty="0"/>
@@ -8441,7 +8455,7 @@
           <a:p>
             <a:pPr lvl="0"/>
             <a:r>
-              <a:rPr lang="fr-FR" smtClean="0"/>
+              <a:rPr lang="fr-FR"/>
               <a:t>Modifiez les styles du texte du masque</a:t>
             </a:r>
           </a:p>
@@ -8485,7 +8499,7 @@
               <a:buNone/>
             </a:pPr>
             <a:r>
-              <a:rPr lang="fr-FR" smtClean="0"/>
+              <a:rPr lang="fr-FR"/>
               <a:t>Modifiez les styles du texte du masque</a:t>
             </a:r>
           </a:p>
@@ -8673,13 +8687,13 @@
   <p:clrMapOvr>
     <a:masterClrMapping/>
   </p:clrMapOvr>
-  <mc:AlternateContent xmlns:mc="http://schemas.openxmlformats.org/markup-compatibility/2006">
-    <mc:Choice xmlns:p15="http://schemas.microsoft.com/office/powerpoint/2012/main" xmlns="" Requires="p15">
+  <mc:AlternateContent xmlns:mc="http://schemas.openxmlformats.org/markup-compatibility/2006" xmlns:p15="http://schemas.microsoft.com/office/powerpoint/2012/main">
+    <mc:Choice Requires="p15">
       <p:transition xmlns:p14="http://schemas.microsoft.com/office/powerpoint/2010/main" spd="slow" p14:dur="1250">
         <p15:prstTrans prst="peelOff"/>
       </p:transition>
     </mc:Choice>
-    <mc:Fallback>
+    <mc:Fallback xmlns="">
       <p:transition spd="slow">
         <p:fade/>
       </p:transition>
@@ -8721,7 +8735,7 @@
           <a:lstStyle/>
           <a:p>
             <a:r>
-              <a:rPr lang="fr-FR" smtClean="0"/>
+              <a:rPr lang="fr-FR"/>
               <a:t>Modifiez le style du titre</a:t>
             </a:r>
             <a:endParaRPr lang="en-US" dirty="0"/>
@@ -8745,35 +8759,35 @@
           <a:p>
             <a:pPr lvl="0"/>
             <a:r>
-              <a:rPr lang="fr-FR" smtClean="0"/>
+              <a:rPr lang="fr-FR"/>
               <a:t>Modifiez les styles du texte du masque</a:t>
             </a:r>
           </a:p>
           <a:p>
             <a:pPr lvl="1"/>
             <a:r>
-              <a:rPr lang="fr-FR" smtClean="0"/>
+              <a:rPr lang="fr-FR"/>
               <a:t>Deuxième niveau</a:t>
             </a:r>
           </a:p>
           <a:p>
             <a:pPr lvl="2"/>
             <a:r>
-              <a:rPr lang="fr-FR" smtClean="0"/>
+              <a:rPr lang="fr-FR"/>
               <a:t>Troisième niveau</a:t>
             </a:r>
           </a:p>
           <a:p>
             <a:pPr lvl="3"/>
             <a:r>
-              <a:rPr lang="fr-FR" smtClean="0"/>
+              <a:rPr lang="fr-FR"/>
               <a:t>Quatrième niveau</a:t>
             </a:r>
           </a:p>
           <a:p>
             <a:pPr lvl="4"/>
             <a:r>
-              <a:rPr lang="fr-FR" smtClean="0"/>
+              <a:rPr lang="fr-FR"/>
               <a:t>Cinquième niveau</a:t>
             </a:r>
             <a:endParaRPr lang="en-US" dirty="0"/>
@@ -8957,13 +8971,13 @@
   <p:clrMapOvr>
     <a:masterClrMapping/>
   </p:clrMapOvr>
-  <mc:AlternateContent xmlns:mc="http://schemas.openxmlformats.org/markup-compatibility/2006">
-    <mc:Choice xmlns:p15="http://schemas.microsoft.com/office/powerpoint/2012/main" xmlns="" Requires="p15">
+  <mc:AlternateContent xmlns:mc="http://schemas.openxmlformats.org/markup-compatibility/2006" xmlns:p15="http://schemas.microsoft.com/office/powerpoint/2012/main">
+    <mc:Choice Requires="p15">
       <p:transition xmlns:p14="http://schemas.microsoft.com/office/powerpoint/2010/main" spd="slow" p14:dur="1250">
         <p15:prstTrans prst="peelOff"/>
       </p:transition>
     </mc:Choice>
-    <mc:Fallback>
+    <mc:Fallback xmlns="">
       <p:transition spd="slow">
         <p:fade/>
       </p:transition>
@@ -9010,7 +9024,7 @@
           <a:lstStyle/>
           <a:p>
             <a:r>
-              <a:rPr lang="fr-FR" smtClean="0"/>
+              <a:rPr lang="fr-FR"/>
               <a:t>Modifiez le style du titre</a:t>
             </a:r>
             <a:endParaRPr lang="en-US" dirty="0"/>
@@ -9039,35 +9053,35 @@
           <a:p>
             <a:pPr lvl="0"/>
             <a:r>
-              <a:rPr lang="fr-FR" smtClean="0"/>
+              <a:rPr lang="fr-FR"/>
               <a:t>Modifiez les styles du texte du masque</a:t>
             </a:r>
           </a:p>
           <a:p>
             <a:pPr lvl="1"/>
             <a:r>
-              <a:rPr lang="fr-FR" smtClean="0"/>
+              <a:rPr lang="fr-FR"/>
               <a:t>Deuxième niveau</a:t>
             </a:r>
           </a:p>
           <a:p>
             <a:pPr lvl="2"/>
             <a:r>
-              <a:rPr lang="fr-FR" smtClean="0"/>
+              <a:rPr lang="fr-FR"/>
               <a:t>Troisième niveau</a:t>
             </a:r>
           </a:p>
           <a:p>
             <a:pPr lvl="3"/>
             <a:r>
-              <a:rPr lang="fr-FR" smtClean="0"/>
+              <a:rPr lang="fr-FR"/>
               <a:t>Quatrième niveau</a:t>
             </a:r>
           </a:p>
           <a:p>
             <a:pPr lvl="4"/>
             <a:r>
-              <a:rPr lang="fr-FR" smtClean="0"/>
+              <a:rPr lang="fr-FR"/>
               <a:t>Cinquième niveau</a:t>
             </a:r>
             <a:endParaRPr lang="en-US" dirty="0"/>
@@ -9251,13 +9265,13 @@
   <p:clrMapOvr>
     <a:masterClrMapping/>
   </p:clrMapOvr>
-  <mc:AlternateContent xmlns:mc="http://schemas.openxmlformats.org/markup-compatibility/2006">
-    <mc:Choice xmlns:p15="http://schemas.microsoft.com/office/powerpoint/2012/main" xmlns="" Requires="p15">
+  <mc:AlternateContent xmlns:mc="http://schemas.openxmlformats.org/markup-compatibility/2006" xmlns:p15="http://schemas.microsoft.com/office/powerpoint/2012/main">
+    <mc:Choice Requires="p15">
       <p:transition xmlns:p14="http://schemas.microsoft.com/office/powerpoint/2010/main" spd="slow" p14:dur="1250">
         <p15:prstTrans prst="peelOff"/>
       </p:transition>
     </mc:Choice>
-    <mc:Fallback>
+    <mc:Fallback xmlns="">
       <p:transition spd="slow">
         <p:fade/>
       </p:transition>
@@ -9308,10 +9322,9 @@
           </a:lstStyle>
           <a:p>
             <a:r>
-              <a:rPr lang="fr-FR" smtClean="0"/>
+              <a:rPr lang="fr-FR"/>
               <a:t>Modifiez le style du titre</a:t>
             </a:r>
-            <a:endParaRPr lang="fr-FR"/>
           </a:p>
         </p:txBody>
       </p:sp>
@@ -9373,10 +9386,9 @@
           </a:lstStyle>
           <a:p>
             <a:r>
-              <a:rPr lang="fr-FR" smtClean="0"/>
+              <a:rPr lang="fr-FR"/>
               <a:t>Modifiez le style des sous-titres du masque</a:t>
             </a:r>
-            <a:endParaRPr lang="fr-FR"/>
           </a:p>
         </p:txBody>
       </p:sp>
@@ -9487,13 +9499,13 @@
   <p:clrMapOvr>
     <a:masterClrMapping/>
   </p:clrMapOvr>
-  <mc:AlternateContent xmlns:mc="http://schemas.openxmlformats.org/markup-compatibility/2006">
-    <mc:Choice xmlns:p15="http://schemas.microsoft.com/office/powerpoint/2012/main" xmlns="" Requires="p15">
+  <mc:AlternateContent xmlns:mc="http://schemas.openxmlformats.org/markup-compatibility/2006" xmlns:p15="http://schemas.microsoft.com/office/powerpoint/2012/main">
+    <mc:Choice Requires="p15">
       <p:transition xmlns:p14="http://schemas.microsoft.com/office/powerpoint/2010/main" spd="slow" p14:dur="1250">
         <p15:prstTrans prst="peelOff"/>
       </p:transition>
     </mc:Choice>
-    <mc:Fallback>
+    <mc:Fallback xmlns="">
       <p:transition spd="slow">
         <p:fade/>
       </p:transition>
@@ -9535,10 +9547,9 @@
           <a:lstStyle/>
           <a:p>
             <a:r>
-              <a:rPr lang="fr-FR" smtClean="0"/>
+              <a:rPr lang="fr-FR"/>
               <a:t>Modifiez le style du titre</a:t>
             </a:r>
-            <a:endParaRPr lang="fr-FR"/>
           </a:p>
         </p:txBody>
       </p:sp>
@@ -9559,38 +9570,37 @@
           <a:p>
             <a:pPr lvl="0"/>
             <a:r>
-              <a:rPr lang="fr-FR" smtClean="0"/>
+              <a:rPr lang="fr-FR"/>
               <a:t>Modifiez les styles du texte du masque</a:t>
             </a:r>
           </a:p>
           <a:p>
             <a:pPr lvl="1"/>
             <a:r>
-              <a:rPr lang="fr-FR" smtClean="0"/>
+              <a:rPr lang="fr-FR"/>
               <a:t>Deuxième niveau</a:t>
             </a:r>
           </a:p>
           <a:p>
             <a:pPr lvl="2"/>
             <a:r>
-              <a:rPr lang="fr-FR" smtClean="0"/>
+              <a:rPr lang="fr-FR"/>
               <a:t>Troisième niveau</a:t>
             </a:r>
           </a:p>
           <a:p>
             <a:pPr lvl="3"/>
             <a:r>
-              <a:rPr lang="fr-FR" smtClean="0"/>
+              <a:rPr lang="fr-FR"/>
               <a:t>Quatrième niveau</a:t>
             </a:r>
           </a:p>
           <a:p>
             <a:pPr lvl="4"/>
             <a:r>
-              <a:rPr lang="fr-FR" smtClean="0"/>
+              <a:rPr lang="fr-FR"/>
               <a:t>Cinquième niveau</a:t>
             </a:r>
-            <a:endParaRPr lang="fr-FR"/>
           </a:p>
         </p:txBody>
       </p:sp>
@@ -9701,13 +9711,13 @@
   <p:clrMapOvr>
     <a:masterClrMapping/>
   </p:clrMapOvr>
-  <mc:AlternateContent xmlns:mc="http://schemas.openxmlformats.org/markup-compatibility/2006">
-    <mc:Choice xmlns:p15="http://schemas.microsoft.com/office/powerpoint/2012/main" xmlns="" Requires="p15">
+  <mc:AlternateContent xmlns:mc="http://schemas.openxmlformats.org/markup-compatibility/2006" xmlns:p15="http://schemas.microsoft.com/office/powerpoint/2012/main">
+    <mc:Choice Requires="p15">
       <p:transition xmlns:p14="http://schemas.microsoft.com/office/powerpoint/2010/main" spd="slow" p14:dur="1250">
         <p15:prstTrans prst="peelOff"/>
       </p:transition>
     </mc:Choice>
-    <mc:Fallback>
+    <mc:Fallback xmlns="">
       <p:transition spd="slow">
         <p:fade/>
       </p:transition>
@@ -9758,10 +9768,9 @@
           </a:lstStyle>
           <a:p>
             <a:r>
-              <a:rPr lang="fr-FR" smtClean="0"/>
+              <a:rPr lang="fr-FR"/>
               <a:t>Modifiez le style du titre</a:t>
             </a:r>
-            <a:endParaRPr lang="fr-FR"/>
           </a:p>
         </p:txBody>
       </p:sp>
@@ -9878,7 +9887,7 @@
           <a:p>
             <a:pPr lvl="0"/>
             <a:r>
-              <a:rPr lang="fr-FR" smtClean="0"/>
+              <a:rPr lang="fr-FR"/>
               <a:t>Modifiez les styles du texte du masque</a:t>
             </a:r>
           </a:p>
@@ -9991,13 +10000,13 @@
   <p:clrMapOvr>
     <a:masterClrMapping/>
   </p:clrMapOvr>
-  <mc:AlternateContent xmlns:mc="http://schemas.openxmlformats.org/markup-compatibility/2006">
-    <mc:Choice xmlns:p15="http://schemas.microsoft.com/office/powerpoint/2012/main" xmlns="" Requires="p15">
+  <mc:AlternateContent xmlns:mc="http://schemas.openxmlformats.org/markup-compatibility/2006" xmlns:p15="http://schemas.microsoft.com/office/powerpoint/2012/main">
+    <mc:Choice Requires="p15">
       <p:transition xmlns:p14="http://schemas.microsoft.com/office/powerpoint/2010/main" spd="slow" p14:dur="1250">
         <p15:prstTrans prst="peelOff"/>
       </p:transition>
     </mc:Choice>
-    <mc:Fallback>
+    <mc:Fallback xmlns="">
       <p:transition spd="slow">
         <p:fade/>
       </p:transition>
@@ -10039,10 +10048,9 @@
           <a:lstStyle/>
           <a:p>
             <a:r>
-              <a:rPr lang="fr-FR" smtClean="0"/>
+              <a:rPr lang="fr-FR"/>
               <a:t>Modifiez le style du titre</a:t>
             </a:r>
-            <a:endParaRPr lang="fr-FR"/>
           </a:p>
         </p:txBody>
       </p:sp>
@@ -10068,38 +10076,37 @@
           <a:p>
             <a:pPr lvl="0"/>
             <a:r>
-              <a:rPr lang="fr-FR" smtClean="0"/>
+              <a:rPr lang="fr-FR"/>
               <a:t>Modifiez les styles du texte du masque</a:t>
             </a:r>
           </a:p>
           <a:p>
             <a:pPr lvl="1"/>
             <a:r>
-              <a:rPr lang="fr-FR" smtClean="0"/>
+              <a:rPr lang="fr-FR"/>
               <a:t>Deuxième niveau</a:t>
             </a:r>
           </a:p>
           <a:p>
             <a:pPr lvl="2"/>
             <a:r>
-              <a:rPr lang="fr-FR" smtClean="0"/>
+              <a:rPr lang="fr-FR"/>
               <a:t>Troisième niveau</a:t>
             </a:r>
           </a:p>
           <a:p>
             <a:pPr lvl="3"/>
             <a:r>
-              <a:rPr lang="fr-FR" smtClean="0"/>
+              <a:rPr lang="fr-FR"/>
               <a:t>Quatrième niveau</a:t>
             </a:r>
           </a:p>
           <a:p>
             <a:pPr lvl="4"/>
             <a:r>
-              <a:rPr lang="fr-FR" smtClean="0"/>
+              <a:rPr lang="fr-FR"/>
               <a:t>Cinquième niveau</a:t>
             </a:r>
-            <a:endParaRPr lang="fr-FR"/>
           </a:p>
         </p:txBody>
       </p:sp>
@@ -10125,38 +10132,37 @@
           <a:p>
             <a:pPr lvl="0"/>
             <a:r>
-              <a:rPr lang="fr-FR" smtClean="0"/>
+              <a:rPr lang="fr-FR"/>
               <a:t>Modifiez les styles du texte du masque</a:t>
             </a:r>
           </a:p>
           <a:p>
             <a:pPr lvl="1"/>
             <a:r>
-              <a:rPr lang="fr-FR" smtClean="0"/>
+              <a:rPr lang="fr-FR"/>
               <a:t>Deuxième niveau</a:t>
             </a:r>
           </a:p>
           <a:p>
             <a:pPr lvl="2"/>
             <a:r>
-              <a:rPr lang="fr-FR" smtClean="0"/>
+              <a:rPr lang="fr-FR"/>
               <a:t>Troisième niveau</a:t>
             </a:r>
           </a:p>
           <a:p>
             <a:pPr lvl="3"/>
             <a:r>
-              <a:rPr lang="fr-FR" smtClean="0"/>
+              <a:rPr lang="fr-FR"/>
               <a:t>Quatrième niveau</a:t>
             </a:r>
           </a:p>
           <a:p>
             <a:pPr lvl="4"/>
             <a:r>
-              <a:rPr lang="fr-FR" smtClean="0"/>
+              <a:rPr lang="fr-FR"/>
               <a:t>Cinquième niveau</a:t>
             </a:r>
-            <a:endParaRPr lang="fr-FR"/>
           </a:p>
         </p:txBody>
       </p:sp>
@@ -10267,13 +10273,13 @@
   <p:clrMapOvr>
     <a:masterClrMapping/>
   </p:clrMapOvr>
-  <mc:AlternateContent xmlns:mc="http://schemas.openxmlformats.org/markup-compatibility/2006">
-    <mc:Choice xmlns:p15="http://schemas.microsoft.com/office/powerpoint/2012/main" xmlns="" Requires="p15">
+  <mc:AlternateContent xmlns:mc="http://schemas.openxmlformats.org/markup-compatibility/2006" xmlns:p15="http://schemas.microsoft.com/office/powerpoint/2012/main">
+    <mc:Choice Requires="p15">
       <p:transition xmlns:p14="http://schemas.microsoft.com/office/powerpoint/2010/main" spd="slow" p14:dur="1250">
         <p15:prstTrans prst="peelOff"/>
       </p:transition>
     </mc:Choice>
-    <mc:Fallback>
+    <mc:Fallback xmlns="">
       <p:transition spd="slow">
         <p:fade/>
       </p:transition>
@@ -10320,10 +10326,9 @@
           <a:lstStyle/>
           <a:p>
             <a:r>
-              <a:rPr lang="fr-FR" smtClean="0"/>
+              <a:rPr lang="fr-FR"/>
               <a:t>Modifiez le style du titre</a:t>
             </a:r>
-            <a:endParaRPr lang="fr-FR"/>
           </a:p>
         </p:txBody>
       </p:sp>
@@ -10386,7 +10391,7 @@
           <a:p>
             <a:pPr lvl="0"/>
             <a:r>
-              <a:rPr lang="fr-FR" smtClean="0"/>
+              <a:rPr lang="fr-FR"/>
               <a:t>Modifiez les styles du texte du masque</a:t>
             </a:r>
           </a:p>
@@ -10414,38 +10419,37 @@
           <a:p>
             <a:pPr lvl="0"/>
             <a:r>
-              <a:rPr lang="fr-FR" smtClean="0"/>
+              <a:rPr lang="fr-FR"/>
               <a:t>Modifiez les styles du texte du masque</a:t>
             </a:r>
           </a:p>
           <a:p>
             <a:pPr lvl="1"/>
             <a:r>
-              <a:rPr lang="fr-FR" smtClean="0"/>
+              <a:rPr lang="fr-FR"/>
               <a:t>Deuxième niveau</a:t>
             </a:r>
           </a:p>
           <a:p>
             <a:pPr lvl="2"/>
             <a:r>
-              <a:rPr lang="fr-FR" smtClean="0"/>
+              <a:rPr lang="fr-FR"/>
               <a:t>Troisième niveau</a:t>
             </a:r>
           </a:p>
           <a:p>
             <a:pPr lvl="3"/>
             <a:r>
-              <a:rPr lang="fr-FR" smtClean="0"/>
+              <a:rPr lang="fr-FR"/>
               <a:t>Quatrième niveau</a:t>
             </a:r>
           </a:p>
           <a:p>
             <a:pPr lvl="4"/>
             <a:r>
-              <a:rPr lang="fr-FR" smtClean="0"/>
+              <a:rPr lang="fr-FR"/>
               <a:t>Cinquième niveau</a:t>
             </a:r>
-            <a:endParaRPr lang="fr-FR"/>
           </a:p>
         </p:txBody>
       </p:sp>
@@ -10508,7 +10512,7 @@
           <a:p>
             <a:pPr lvl="0"/>
             <a:r>
-              <a:rPr lang="fr-FR" smtClean="0"/>
+              <a:rPr lang="fr-FR"/>
               <a:t>Modifiez les styles du texte du masque</a:t>
             </a:r>
           </a:p>
@@ -10536,38 +10540,37 @@
           <a:p>
             <a:pPr lvl="0"/>
             <a:r>
-              <a:rPr lang="fr-FR" smtClean="0"/>
+              <a:rPr lang="fr-FR"/>
               <a:t>Modifiez les styles du texte du masque</a:t>
             </a:r>
           </a:p>
           <a:p>
             <a:pPr lvl="1"/>
             <a:r>
-              <a:rPr lang="fr-FR" smtClean="0"/>
+              <a:rPr lang="fr-FR"/>
               <a:t>Deuxième niveau</a:t>
             </a:r>
           </a:p>
           <a:p>
             <a:pPr lvl="2"/>
             <a:r>
-              <a:rPr lang="fr-FR" smtClean="0"/>
+              <a:rPr lang="fr-FR"/>
               <a:t>Troisième niveau</a:t>
             </a:r>
           </a:p>
           <a:p>
             <a:pPr lvl="3"/>
             <a:r>
-              <a:rPr lang="fr-FR" smtClean="0"/>
+              <a:rPr lang="fr-FR"/>
               <a:t>Quatrième niveau</a:t>
             </a:r>
           </a:p>
           <a:p>
             <a:pPr lvl="4"/>
             <a:r>
-              <a:rPr lang="fr-FR" smtClean="0"/>
+              <a:rPr lang="fr-FR"/>
               <a:t>Cinquième niveau</a:t>
             </a:r>
-            <a:endParaRPr lang="fr-FR"/>
           </a:p>
         </p:txBody>
       </p:sp>
@@ -10678,13 +10681,13 @@
   <p:clrMapOvr>
     <a:masterClrMapping/>
   </p:clrMapOvr>
-  <mc:AlternateContent xmlns:mc="http://schemas.openxmlformats.org/markup-compatibility/2006">
-    <mc:Choice xmlns:p15="http://schemas.microsoft.com/office/powerpoint/2012/main" xmlns="" Requires="p15">
+  <mc:AlternateContent xmlns:mc="http://schemas.openxmlformats.org/markup-compatibility/2006" xmlns:p15="http://schemas.microsoft.com/office/powerpoint/2012/main">
+    <mc:Choice Requires="p15">
       <p:transition xmlns:p14="http://schemas.microsoft.com/office/powerpoint/2010/main" spd="slow" p14:dur="1250">
         <p15:prstTrans prst="peelOff"/>
       </p:transition>
     </mc:Choice>
-    <mc:Fallback>
+    <mc:Fallback xmlns="">
       <p:transition spd="slow">
         <p:fade/>
       </p:transition>
@@ -10726,10 +10729,9 @@
           <a:lstStyle/>
           <a:p>
             <a:r>
-              <a:rPr lang="fr-FR" smtClean="0"/>
+              <a:rPr lang="fr-FR"/>
               <a:t>Modifiez le style du titre</a:t>
             </a:r>
-            <a:endParaRPr lang="fr-FR"/>
           </a:p>
         </p:txBody>
       </p:sp>
@@ -10840,13 +10842,13 @@
   <p:clrMapOvr>
     <a:masterClrMapping/>
   </p:clrMapOvr>
-  <mc:AlternateContent xmlns:mc="http://schemas.openxmlformats.org/markup-compatibility/2006">
-    <mc:Choice xmlns:p15="http://schemas.microsoft.com/office/powerpoint/2012/main" xmlns="" Requires="p15">
+  <mc:AlternateContent xmlns:mc="http://schemas.openxmlformats.org/markup-compatibility/2006" xmlns:p15="http://schemas.microsoft.com/office/powerpoint/2012/main">
+    <mc:Choice Requires="p15">
       <p:transition xmlns:p14="http://schemas.microsoft.com/office/powerpoint/2010/main" spd="slow" p14:dur="1250">
         <p15:prstTrans prst="peelOff"/>
       </p:transition>
     </mc:Choice>
-    <mc:Fallback>
+    <mc:Fallback xmlns="">
       <p:transition spd="slow">
         <p:fade/>
       </p:transition>
@@ -10979,13 +10981,13 @@
   <p:clrMapOvr>
     <a:masterClrMapping/>
   </p:clrMapOvr>
-  <mc:AlternateContent xmlns:mc="http://schemas.openxmlformats.org/markup-compatibility/2006">
-    <mc:Choice xmlns:p15="http://schemas.microsoft.com/office/powerpoint/2012/main" xmlns="" Requires="p15">
+  <mc:AlternateContent xmlns:mc="http://schemas.openxmlformats.org/markup-compatibility/2006" xmlns:p15="http://schemas.microsoft.com/office/powerpoint/2012/main">
+    <mc:Choice Requires="p15">
       <p:transition xmlns:p14="http://schemas.microsoft.com/office/powerpoint/2010/main" spd="slow" p14:dur="1250">
         <p15:prstTrans prst="peelOff"/>
       </p:transition>
     </mc:Choice>
-    <mc:Fallback>
+    <mc:Fallback xmlns="">
       <p:transition spd="slow">
         <p:fade/>
       </p:transition>
@@ -11027,7 +11029,7 @@
           <a:lstStyle/>
           <a:p>
             <a:r>
-              <a:rPr lang="fr-FR" smtClean="0"/>
+              <a:rPr lang="fr-FR"/>
               <a:t>Modifiez le style du titre</a:t>
             </a:r>
             <a:endParaRPr lang="en-US" dirty="0"/>
@@ -11058,35 +11060,35 @@
           <a:p>
             <a:pPr lvl="0"/>
             <a:r>
-              <a:rPr lang="fr-FR" smtClean="0"/>
+              <a:rPr lang="fr-FR"/>
               <a:t>Modifiez les styles du texte du masque</a:t>
             </a:r>
           </a:p>
           <a:p>
             <a:pPr lvl="1"/>
             <a:r>
-              <a:rPr lang="fr-FR" smtClean="0"/>
+              <a:rPr lang="fr-FR"/>
               <a:t>Deuxième niveau</a:t>
             </a:r>
           </a:p>
           <a:p>
             <a:pPr lvl="2"/>
             <a:r>
-              <a:rPr lang="fr-FR" smtClean="0"/>
+              <a:rPr lang="fr-FR"/>
               <a:t>Troisième niveau</a:t>
             </a:r>
           </a:p>
           <a:p>
             <a:pPr lvl="3"/>
             <a:r>
-              <a:rPr lang="fr-FR" smtClean="0"/>
+              <a:rPr lang="fr-FR"/>
               <a:t>Quatrième niveau</a:t>
             </a:r>
           </a:p>
           <a:p>
             <a:pPr lvl="4"/>
             <a:r>
-              <a:rPr lang="fr-FR" smtClean="0"/>
+              <a:rPr lang="fr-FR"/>
               <a:t>Cinquième niveau</a:t>
             </a:r>
             <a:endParaRPr lang="en-US" dirty="0"/>
@@ -11117,35 +11119,35 @@
           <a:p>
             <a:pPr lvl="0"/>
             <a:r>
-              <a:rPr lang="fr-FR" smtClean="0"/>
+              <a:rPr lang="fr-FR"/>
               <a:t>Modifiez les styles du texte du masque</a:t>
             </a:r>
           </a:p>
           <a:p>
             <a:pPr lvl="1"/>
             <a:r>
-              <a:rPr lang="fr-FR" smtClean="0"/>
+              <a:rPr lang="fr-FR"/>
               <a:t>Deuxième niveau</a:t>
             </a:r>
           </a:p>
           <a:p>
             <a:pPr lvl="2"/>
             <a:r>
-              <a:rPr lang="fr-FR" smtClean="0"/>
+              <a:rPr lang="fr-FR"/>
               <a:t>Troisième niveau</a:t>
             </a:r>
           </a:p>
           <a:p>
             <a:pPr lvl="3"/>
             <a:r>
-              <a:rPr lang="fr-FR" smtClean="0"/>
+              <a:rPr lang="fr-FR"/>
               <a:t>Quatrième niveau</a:t>
             </a:r>
           </a:p>
           <a:p>
             <a:pPr lvl="4"/>
             <a:r>
-              <a:rPr lang="fr-FR" smtClean="0"/>
+              <a:rPr lang="fr-FR"/>
               <a:t>Cinquième niveau</a:t>
             </a:r>
             <a:endParaRPr lang="en-US" dirty="0"/>
@@ -11334,13 +11336,13 @@
   <p:clrMapOvr>
     <a:masterClrMapping/>
   </p:clrMapOvr>
-  <mc:AlternateContent xmlns:mc="http://schemas.openxmlformats.org/markup-compatibility/2006">
-    <mc:Choice xmlns:p15="http://schemas.microsoft.com/office/powerpoint/2012/main" xmlns="" Requires="p15">
+  <mc:AlternateContent xmlns:mc="http://schemas.openxmlformats.org/markup-compatibility/2006" xmlns:p15="http://schemas.microsoft.com/office/powerpoint/2012/main">
+    <mc:Choice Requires="p15">
       <p:transition xmlns:p14="http://schemas.microsoft.com/office/powerpoint/2010/main" spd="slow" p14:dur="1250">
         <p15:prstTrans prst="peelOff"/>
       </p:transition>
     </mc:Choice>
-    <mc:Fallback>
+    <mc:Fallback xmlns="">
       <p:transition spd="slow">
         <p:fade/>
       </p:transition>
@@ -11391,10 +11393,9 @@
           </a:lstStyle>
           <a:p>
             <a:r>
-              <a:rPr lang="fr-FR" smtClean="0"/>
+              <a:rPr lang="fr-FR"/>
               <a:t>Modifiez le style du titre</a:t>
             </a:r>
-            <a:endParaRPr lang="fr-FR"/>
           </a:p>
         </p:txBody>
       </p:sp>
@@ -11448,38 +11449,37 @@
           <a:p>
             <a:pPr lvl="0"/>
             <a:r>
-              <a:rPr lang="fr-FR" smtClean="0"/>
+              <a:rPr lang="fr-FR"/>
               <a:t>Modifiez les styles du texte du masque</a:t>
             </a:r>
           </a:p>
           <a:p>
             <a:pPr lvl="1"/>
             <a:r>
-              <a:rPr lang="fr-FR" smtClean="0"/>
+              <a:rPr lang="fr-FR"/>
               <a:t>Deuxième niveau</a:t>
             </a:r>
           </a:p>
           <a:p>
             <a:pPr lvl="2"/>
             <a:r>
-              <a:rPr lang="fr-FR" smtClean="0"/>
+              <a:rPr lang="fr-FR"/>
               <a:t>Troisième niveau</a:t>
             </a:r>
           </a:p>
           <a:p>
             <a:pPr lvl="3"/>
             <a:r>
-              <a:rPr lang="fr-FR" smtClean="0"/>
+              <a:rPr lang="fr-FR"/>
               <a:t>Quatrième niveau</a:t>
             </a:r>
           </a:p>
           <a:p>
             <a:pPr lvl="4"/>
             <a:r>
-              <a:rPr lang="fr-FR" smtClean="0"/>
+              <a:rPr lang="fr-FR"/>
               <a:t>Cinquième niveau</a:t>
             </a:r>
-            <a:endParaRPr lang="fr-FR"/>
           </a:p>
         </p:txBody>
       </p:sp>
@@ -11542,7 +11542,7 @@
           <a:p>
             <a:pPr lvl="0"/>
             <a:r>
-              <a:rPr lang="fr-FR" smtClean="0"/>
+              <a:rPr lang="fr-FR"/>
               <a:t>Modifiez les styles du texte du masque</a:t>
             </a:r>
           </a:p>
@@ -11655,13 +11655,13 @@
   <p:clrMapOvr>
     <a:masterClrMapping/>
   </p:clrMapOvr>
-  <mc:AlternateContent xmlns:mc="http://schemas.openxmlformats.org/markup-compatibility/2006">
-    <mc:Choice xmlns:p15="http://schemas.microsoft.com/office/powerpoint/2012/main" xmlns="" Requires="p15">
+  <mc:AlternateContent xmlns:mc="http://schemas.openxmlformats.org/markup-compatibility/2006" xmlns:p15="http://schemas.microsoft.com/office/powerpoint/2012/main">
+    <mc:Choice Requires="p15">
       <p:transition xmlns:p14="http://schemas.microsoft.com/office/powerpoint/2010/main" spd="slow" p14:dur="1250">
         <p15:prstTrans prst="peelOff"/>
       </p:transition>
     </mc:Choice>
-    <mc:Fallback>
+    <mc:Fallback xmlns="">
       <p:transition spd="slow">
         <p:fade/>
       </p:transition>
@@ -11712,10 +11712,9 @@
           </a:lstStyle>
           <a:p>
             <a:r>
-              <a:rPr lang="fr-FR" smtClean="0"/>
+              <a:rPr lang="fr-FR"/>
               <a:t>Modifiez le style du titre</a:t>
             </a:r>
-            <a:endParaRPr lang="fr-FR"/>
           </a:p>
         </p:txBody>
       </p:sp>
@@ -11839,7 +11838,7 @@
           <a:p>
             <a:pPr lvl="0"/>
             <a:r>
-              <a:rPr lang="fr-FR" smtClean="0"/>
+              <a:rPr lang="fr-FR"/>
               <a:t>Modifiez les styles du texte du masque</a:t>
             </a:r>
           </a:p>
@@ -11952,13 +11951,13 @@
   <p:clrMapOvr>
     <a:masterClrMapping/>
   </p:clrMapOvr>
-  <mc:AlternateContent xmlns:mc="http://schemas.openxmlformats.org/markup-compatibility/2006">
-    <mc:Choice xmlns:p15="http://schemas.microsoft.com/office/powerpoint/2012/main" xmlns="" Requires="p15">
+  <mc:AlternateContent xmlns:mc="http://schemas.openxmlformats.org/markup-compatibility/2006" xmlns:p15="http://schemas.microsoft.com/office/powerpoint/2012/main">
+    <mc:Choice Requires="p15">
       <p:transition xmlns:p14="http://schemas.microsoft.com/office/powerpoint/2010/main" spd="slow" p14:dur="1250">
         <p15:prstTrans prst="peelOff"/>
       </p:transition>
     </mc:Choice>
-    <mc:Fallback>
+    <mc:Fallback xmlns="">
       <p:transition spd="slow">
         <p:fade/>
       </p:transition>
@@ -12000,10 +11999,9 @@
           <a:lstStyle/>
           <a:p>
             <a:r>
-              <a:rPr lang="fr-FR" smtClean="0"/>
+              <a:rPr lang="fr-FR"/>
               <a:t>Modifiez le style du titre</a:t>
             </a:r>
-            <a:endParaRPr lang="fr-FR"/>
           </a:p>
         </p:txBody>
       </p:sp>
@@ -12024,38 +12022,37 @@
           <a:p>
             <a:pPr lvl="0"/>
             <a:r>
-              <a:rPr lang="fr-FR" smtClean="0"/>
+              <a:rPr lang="fr-FR"/>
               <a:t>Modifiez les styles du texte du masque</a:t>
             </a:r>
           </a:p>
           <a:p>
             <a:pPr lvl="1"/>
             <a:r>
-              <a:rPr lang="fr-FR" smtClean="0"/>
+              <a:rPr lang="fr-FR"/>
               <a:t>Deuxième niveau</a:t>
             </a:r>
           </a:p>
           <a:p>
             <a:pPr lvl="2"/>
             <a:r>
-              <a:rPr lang="fr-FR" smtClean="0"/>
+              <a:rPr lang="fr-FR"/>
               <a:t>Troisième niveau</a:t>
             </a:r>
           </a:p>
           <a:p>
             <a:pPr lvl="3"/>
             <a:r>
-              <a:rPr lang="fr-FR" smtClean="0"/>
+              <a:rPr lang="fr-FR"/>
               <a:t>Quatrième niveau</a:t>
             </a:r>
           </a:p>
           <a:p>
             <a:pPr lvl="4"/>
             <a:r>
-              <a:rPr lang="fr-FR" smtClean="0"/>
+              <a:rPr lang="fr-FR"/>
               <a:t>Cinquième niveau</a:t>
             </a:r>
-            <a:endParaRPr lang="fr-FR"/>
           </a:p>
         </p:txBody>
       </p:sp>
@@ -12166,13 +12163,13 @@
   <p:clrMapOvr>
     <a:masterClrMapping/>
   </p:clrMapOvr>
-  <mc:AlternateContent xmlns:mc="http://schemas.openxmlformats.org/markup-compatibility/2006">
-    <mc:Choice xmlns:p15="http://schemas.microsoft.com/office/powerpoint/2012/main" xmlns="" Requires="p15">
+  <mc:AlternateContent xmlns:mc="http://schemas.openxmlformats.org/markup-compatibility/2006" xmlns:p15="http://schemas.microsoft.com/office/powerpoint/2012/main">
+    <mc:Choice Requires="p15">
       <p:transition xmlns:p14="http://schemas.microsoft.com/office/powerpoint/2010/main" spd="slow" p14:dur="1250">
         <p15:prstTrans prst="peelOff"/>
       </p:transition>
     </mc:Choice>
-    <mc:Fallback>
+    <mc:Fallback xmlns="">
       <p:transition spd="slow">
         <p:fade/>
       </p:transition>
@@ -12219,10 +12216,9 @@
           <a:lstStyle/>
           <a:p>
             <a:r>
-              <a:rPr lang="fr-FR" smtClean="0"/>
+              <a:rPr lang="fr-FR"/>
               <a:t>Modifiez le style du titre</a:t>
             </a:r>
-            <a:endParaRPr lang="fr-FR"/>
           </a:p>
         </p:txBody>
       </p:sp>
@@ -12248,38 +12244,37 @@
           <a:p>
             <a:pPr lvl="0"/>
             <a:r>
-              <a:rPr lang="fr-FR" smtClean="0"/>
+              <a:rPr lang="fr-FR"/>
               <a:t>Modifiez les styles du texte du masque</a:t>
             </a:r>
           </a:p>
           <a:p>
             <a:pPr lvl="1"/>
             <a:r>
-              <a:rPr lang="fr-FR" smtClean="0"/>
+              <a:rPr lang="fr-FR"/>
               <a:t>Deuxième niveau</a:t>
             </a:r>
           </a:p>
           <a:p>
             <a:pPr lvl="2"/>
             <a:r>
-              <a:rPr lang="fr-FR" smtClean="0"/>
+              <a:rPr lang="fr-FR"/>
               <a:t>Troisième niveau</a:t>
             </a:r>
           </a:p>
           <a:p>
             <a:pPr lvl="3"/>
             <a:r>
-              <a:rPr lang="fr-FR" smtClean="0"/>
+              <a:rPr lang="fr-FR"/>
               <a:t>Quatrième niveau</a:t>
             </a:r>
           </a:p>
           <a:p>
             <a:pPr lvl="4"/>
             <a:r>
-              <a:rPr lang="fr-FR" smtClean="0"/>
+              <a:rPr lang="fr-FR"/>
               <a:t>Cinquième niveau</a:t>
             </a:r>
-            <a:endParaRPr lang="fr-FR"/>
           </a:p>
         </p:txBody>
       </p:sp>
@@ -12390,13 +12385,13 @@
   <p:clrMapOvr>
     <a:masterClrMapping/>
   </p:clrMapOvr>
-  <mc:AlternateContent xmlns:mc="http://schemas.openxmlformats.org/markup-compatibility/2006">
-    <mc:Choice xmlns:p15="http://schemas.microsoft.com/office/powerpoint/2012/main" xmlns="" Requires="p15">
+  <mc:AlternateContent xmlns:mc="http://schemas.openxmlformats.org/markup-compatibility/2006" xmlns:p15="http://schemas.microsoft.com/office/powerpoint/2012/main">
+    <mc:Choice Requires="p15">
       <p:transition xmlns:p14="http://schemas.microsoft.com/office/powerpoint/2010/main" spd="slow" p14:dur="1250">
         <p15:prstTrans prst="peelOff"/>
       </p:transition>
     </mc:Choice>
-    <mc:Fallback>
+    <mc:Fallback xmlns="">
       <p:transition spd="slow">
         <p:fade/>
       </p:transition>
@@ -12449,7 +12444,7 @@
           </a:lstStyle>
           <a:p>
             <a:r>
-              <a:rPr lang="fr-FR" smtClean="0"/>
+              <a:rPr lang="fr-FR"/>
               <a:t>Modifiez le style du titre</a:t>
             </a:r>
             <a:endParaRPr lang="en-US" dirty="0"/>
@@ -12569,7 +12564,7 @@
           </a:lstStyle>
           <a:p>
             <a:r>
-              <a:rPr lang="fr-FR" smtClean="0"/>
+              <a:rPr lang="fr-FR"/>
               <a:t>Modifiez le style des sous-titres du masque</a:t>
             </a:r>
             <a:endParaRPr lang="en-US" dirty="0"/>
@@ -12758,13 +12753,13 @@
   <p:clrMapOvr>
     <a:masterClrMapping/>
   </p:clrMapOvr>
-  <mc:AlternateContent xmlns:mc="http://schemas.openxmlformats.org/markup-compatibility/2006">
-    <mc:Choice xmlns:p15="http://schemas.microsoft.com/office/powerpoint/2012/main" xmlns="" Requires="p15">
+  <mc:AlternateContent xmlns:mc="http://schemas.openxmlformats.org/markup-compatibility/2006" xmlns:p15="http://schemas.microsoft.com/office/powerpoint/2012/main">
+    <mc:Choice Requires="p15">
       <p:transition xmlns:p14="http://schemas.microsoft.com/office/powerpoint/2010/main" spd="slow" p14:dur="1250">
         <p15:prstTrans prst="peelOff"/>
       </p:transition>
     </mc:Choice>
-    <mc:Fallback>
+    <mc:Fallback xmlns="">
       <p:transition spd="slow">
         <p:fade/>
       </p:transition>
@@ -12811,7 +12806,7 @@
           <a:lstStyle/>
           <a:p>
             <a:r>
-              <a:rPr lang="fr-FR" smtClean="0"/>
+              <a:rPr lang="fr-FR"/>
               <a:t>Modifiez le style du titre</a:t>
             </a:r>
             <a:endParaRPr lang="en-US" dirty="0"/>
@@ -12840,35 +12835,35 @@
           <a:p>
             <a:pPr lvl="0"/>
             <a:r>
-              <a:rPr lang="fr-FR" smtClean="0"/>
+              <a:rPr lang="fr-FR"/>
               <a:t>Modifiez les styles du texte du masque</a:t>
             </a:r>
           </a:p>
           <a:p>
             <a:pPr lvl="1"/>
             <a:r>
-              <a:rPr lang="fr-FR" smtClean="0"/>
+              <a:rPr lang="fr-FR"/>
               <a:t>Deuxième niveau</a:t>
             </a:r>
           </a:p>
           <a:p>
             <a:pPr lvl="2"/>
             <a:r>
-              <a:rPr lang="fr-FR" smtClean="0"/>
+              <a:rPr lang="fr-FR"/>
               <a:t>Troisième niveau</a:t>
             </a:r>
           </a:p>
           <a:p>
             <a:pPr lvl="3"/>
             <a:r>
-              <a:rPr lang="fr-FR" smtClean="0"/>
+              <a:rPr lang="fr-FR"/>
               <a:t>Quatrième niveau</a:t>
             </a:r>
           </a:p>
           <a:p>
             <a:pPr lvl="4"/>
             <a:r>
-              <a:rPr lang="fr-FR" smtClean="0"/>
+              <a:rPr lang="fr-FR"/>
               <a:t>Cinquième niveau</a:t>
             </a:r>
             <a:endParaRPr lang="en-US" dirty="0"/>
@@ -13052,13 +13047,13 @@
   <p:clrMapOvr>
     <a:masterClrMapping/>
   </p:clrMapOvr>
-  <mc:AlternateContent xmlns:mc="http://schemas.openxmlformats.org/markup-compatibility/2006">
-    <mc:Choice xmlns:p15="http://schemas.microsoft.com/office/powerpoint/2012/main" xmlns="" Requires="p15">
+  <mc:AlternateContent xmlns:mc="http://schemas.openxmlformats.org/markup-compatibility/2006" xmlns:p15="http://schemas.microsoft.com/office/powerpoint/2012/main">
+    <mc:Choice Requires="p15">
       <p:transition xmlns:p14="http://schemas.microsoft.com/office/powerpoint/2010/main" spd="slow" p14:dur="1250">
         <p15:prstTrans prst="peelOff"/>
       </p:transition>
     </mc:Choice>
-    <mc:Fallback>
+    <mc:Fallback xmlns="">
       <p:transition spd="slow">
         <p:fade/>
       </p:transition>
@@ -13109,7 +13104,7 @@
           </a:lstStyle>
           <a:p>
             <a:r>
-              <a:rPr lang="fr-FR" smtClean="0"/>
+              <a:rPr lang="fr-FR"/>
               <a:t>Modifiez le style du titre</a:t>
             </a:r>
             <a:endParaRPr lang="en-US" dirty="0"/>
@@ -13230,7 +13225,7 @@
           <a:p>
             <a:pPr lvl="0"/>
             <a:r>
-              <a:rPr lang="fr-FR" smtClean="0"/>
+              <a:rPr lang="fr-FR"/>
               <a:t>Modifiez les styles du texte du masque</a:t>
             </a:r>
           </a:p>
@@ -13418,13 +13413,13 @@
   <p:clrMapOvr>
     <a:masterClrMapping/>
   </p:clrMapOvr>
-  <mc:AlternateContent xmlns:mc="http://schemas.openxmlformats.org/markup-compatibility/2006">
-    <mc:Choice xmlns:p15="http://schemas.microsoft.com/office/powerpoint/2012/main" xmlns="" Requires="p15">
+  <mc:AlternateContent xmlns:mc="http://schemas.openxmlformats.org/markup-compatibility/2006" xmlns:p15="http://schemas.microsoft.com/office/powerpoint/2012/main">
+    <mc:Choice Requires="p15">
       <p:transition xmlns:p14="http://schemas.microsoft.com/office/powerpoint/2010/main" spd="slow" p14:dur="1250">
         <p15:prstTrans prst="peelOff"/>
       </p:transition>
     </mc:Choice>
-    <mc:Fallback>
+    <mc:Fallback xmlns="">
       <p:transition spd="slow">
         <p:fade/>
       </p:transition>
@@ -13466,7 +13461,7 @@
           <a:lstStyle/>
           <a:p>
             <a:r>
-              <a:rPr lang="fr-FR" smtClean="0"/>
+              <a:rPr lang="fr-FR"/>
               <a:t>Modifiez le style du titre</a:t>
             </a:r>
             <a:endParaRPr lang="en-US" dirty="0"/>
@@ -13497,35 +13492,35 @@
           <a:p>
             <a:pPr lvl="0"/>
             <a:r>
-              <a:rPr lang="fr-FR" smtClean="0"/>
+              <a:rPr lang="fr-FR"/>
               <a:t>Modifiez les styles du texte du masque</a:t>
             </a:r>
           </a:p>
           <a:p>
             <a:pPr lvl="1"/>
             <a:r>
-              <a:rPr lang="fr-FR" smtClean="0"/>
+              <a:rPr lang="fr-FR"/>
               <a:t>Deuxième niveau</a:t>
             </a:r>
           </a:p>
           <a:p>
             <a:pPr lvl="2"/>
             <a:r>
-              <a:rPr lang="fr-FR" smtClean="0"/>
+              <a:rPr lang="fr-FR"/>
               <a:t>Troisième niveau</a:t>
             </a:r>
           </a:p>
           <a:p>
             <a:pPr lvl="3"/>
             <a:r>
-              <a:rPr lang="fr-FR" smtClean="0"/>
+              <a:rPr lang="fr-FR"/>
               <a:t>Quatrième niveau</a:t>
             </a:r>
           </a:p>
           <a:p>
             <a:pPr lvl="4"/>
             <a:r>
-              <a:rPr lang="fr-FR" smtClean="0"/>
+              <a:rPr lang="fr-FR"/>
               <a:t>Cinquième niveau</a:t>
             </a:r>
             <a:endParaRPr lang="en-US" dirty="0"/>
@@ -13556,35 +13551,35 @@
           <a:p>
             <a:pPr lvl="0"/>
             <a:r>
-              <a:rPr lang="fr-FR" smtClean="0"/>
+              <a:rPr lang="fr-FR"/>
               <a:t>Modifiez les styles du texte du masque</a:t>
             </a:r>
           </a:p>
           <a:p>
             <a:pPr lvl="1"/>
             <a:r>
-              <a:rPr lang="fr-FR" smtClean="0"/>
+              <a:rPr lang="fr-FR"/>
               <a:t>Deuxième niveau</a:t>
             </a:r>
           </a:p>
           <a:p>
             <a:pPr lvl="2"/>
             <a:r>
-              <a:rPr lang="fr-FR" smtClean="0"/>
+              <a:rPr lang="fr-FR"/>
               <a:t>Troisième niveau</a:t>
             </a:r>
           </a:p>
           <a:p>
             <a:pPr lvl="3"/>
             <a:r>
-              <a:rPr lang="fr-FR" smtClean="0"/>
+              <a:rPr lang="fr-FR"/>
               <a:t>Quatrième niveau</a:t>
             </a:r>
           </a:p>
           <a:p>
             <a:pPr lvl="4"/>
             <a:r>
-              <a:rPr lang="fr-FR" smtClean="0"/>
+              <a:rPr lang="fr-FR"/>
               <a:t>Cinquième niveau</a:t>
             </a:r>
             <a:endParaRPr lang="en-US" dirty="0"/>
@@ -13773,13 +13768,13 @@
   <p:clrMapOvr>
     <a:masterClrMapping/>
   </p:clrMapOvr>
-  <mc:AlternateContent xmlns:mc="http://schemas.openxmlformats.org/markup-compatibility/2006">
-    <mc:Choice xmlns:p15="http://schemas.microsoft.com/office/powerpoint/2012/main" xmlns="" Requires="p15">
+  <mc:AlternateContent xmlns:mc="http://schemas.openxmlformats.org/markup-compatibility/2006" xmlns:p15="http://schemas.microsoft.com/office/powerpoint/2012/main">
+    <mc:Choice Requires="p15">
       <p:transition xmlns:p14="http://schemas.microsoft.com/office/powerpoint/2010/main" spd="slow" p14:dur="1250">
         <p15:prstTrans prst="peelOff"/>
       </p:transition>
     </mc:Choice>
-    <mc:Fallback>
+    <mc:Fallback xmlns="">
       <p:transition spd="slow">
         <p:fade/>
       </p:transition>
@@ -13821,7 +13816,7 @@
           <a:lstStyle/>
           <a:p>
             <a:r>
-              <a:rPr lang="fr-FR" smtClean="0"/>
+              <a:rPr lang="fr-FR"/>
               <a:t>Modifiez le style du titre</a:t>
             </a:r>
             <a:endParaRPr lang="en-US" dirty="0"/>
@@ -13889,7 +13884,7 @@
           <a:p>
             <a:pPr lvl="0"/>
             <a:r>
-              <a:rPr lang="fr-FR" smtClean="0"/>
+              <a:rPr lang="fr-FR"/>
               <a:t>Modifiez les styles du texte du masque</a:t>
             </a:r>
           </a:p>
@@ -13919,35 +13914,35 @@
           <a:p>
             <a:pPr lvl="0"/>
             <a:r>
-              <a:rPr lang="fr-FR" smtClean="0"/>
+              <a:rPr lang="fr-FR"/>
               <a:t>Modifiez les styles du texte du masque</a:t>
             </a:r>
           </a:p>
           <a:p>
             <a:pPr lvl="1"/>
             <a:r>
-              <a:rPr lang="fr-FR" smtClean="0"/>
+              <a:rPr lang="fr-FR"/>
               <a:t>Deuxième niveau</a:t>
             </a:r>
           </a:p>
           <a:p>
             <a:pPr lvl="2"/>
             <a:r>
-              <a:rPr lang="fr-FR" smtClean="0"/>
+              <a:rPr lang="fr-FR"/>
               <a:t>Troisième niveau</a:t>
             </a:r>
           </a:p>
           <a:p>
             <a:pPr lvl="3"/>
             <a:r>
-              <a:rPr lang="fr-FR" smtClean="0"/>
+              <a:rPr lang="fr-FR"/>
               <a:t>Quatrième niveau</a:t>
             </a:r>
           </a:p>
           <a:p>
             <a:pPr lvl="4"/>
             <a:r>
-              <a:rPr lang="fr-FR" smtClean="0"/>
+              <a:rPr lang="fr-FR"/>
               <a:t>Cinquième niveau</a:t>
             </a:r>
             <a:endParaRPr lang="en-US" dirty="0"/>
@@ -14015,7 +14010,7 @@
           <a:p>
             <a:pPr lvl="0"/>
             <a:r>
-              <a:rPr lang="fr-FR" smtClean="0"/>
+              <a:rPr lang="fr-FR"/>
               <a:t>Modifiez les styles du texte du masque</a:t>
             </a:r>
           </a:p>
@@ -14045,35 +14040,35 @@
           <a:p>
             <a:pPr lvl="0"/>
             <a:r>
-              <a:rPr lang="fr-FR" smtClean="0"/>
+              <a:rPr lang="fr-FR"/>
               <a:t>Modifiez les styles du texte du masque</a:t>
             </a:r>
           </a:p>
           <a:p>
             <a:pPr lvl="1"/>
             <a:r>
-              <a:rPr lang="fr-FR" smtClean="0"/>
+              <a:rPr lang="fr-FR"/>
               <a:t>Deuxième niveau</a:t>
             </a:r>
           </a:p>
           <a:p>
             <a:pPr lvl="2"/>
             <a:r>
-              <a:rPr lang="fr-FR" smtClean="0"/>
+              <a:rPr lang="fr-FR"/>
               <a:t>Troisième niveau</a:t>
             </a:r>
           </a:p>
           <a:p>
             <a:pPr lvl="3"/>
             <a:r>
-              <a:rPr lang="fr-FR" smtClean="0"/>
+              <a:rPr lang="fr-FR"/>
               <a:t>Quatrième niveau</a:t>
             </a:r>
           </a:p>
           <a:p>
             <a:pPr lvl="4"/>
             <a:r>
-              <a:rPr lang="fr-FR" smtClean="0"/>
+              <a:rPr lang="fr-FR"/>
               <a:t>Cinquième niveau</a:t>
             </a:r>
             <a:endParaRPr lang="en-US" dirty="0"/>
@@ -14262,13 +14257,13 @@
   <p:clrMapOvr>
     <a:masterClrMapping/>
   </p:clrMapOvr>
-  <mc:AlternateContent xmlns:mc="http://schemas.openxmlformats.org/markup-compatibility/2006">
-    <mc:Choice xmlns:p15="http://schemas.microsoft.com/office/powerpoint/2012/main" xmlns="" Requires="p15">
+  <mc:AlternateContent xmlns:mc="http://schemas.openxmlformats.org/markup-compatibility/2006" xmlns:p15="http://schemas.microsoft.com/office/powerpoint/2012/main">
+    <mc:Choice Requires="p15">
       <p:transition xmlns:p14="http://schemas.microsoft.com/office/powerpoint/2010/main" spd="slow" p14:dur="1250">
         <p15:prstTrans prst="peelOff"/>
       </p:transition>
     </mc:Choice>
-    <mc:Fallback>
+    <mc:Fallback xmlns="">
       <p:transition spd="slow">
         <p:fade/>
       </p:transition>
@@ -14310,7 +14305,7 @@
           <a:lstStyle/>
           <a:p>
             <a:r>
-              <a:rPr lang="fr-FR" smtClean="0"/>
+              <a:rPr lang="fr-FR"/>
               <a:t>Modifiez le style du titre</a:t>
             </a:r>
             <a:endParaRPr lang="en-US" dirty="0"/>
@@ -14494,13 +14489,13 @@
   <p:clrMapOvr>
     <a:masterClrMapping/>
   </p:clrMapOvr>
-  <mc:AlternateContent xmlns:mc="http://schemas.openxmlformats.org/markup-compatibility/2006">
-    <mc:Choice xmlns:p15="http://schemas.microsoft.com/office/powerpoint/2012/main" xmlns="" Requires="p15">
+  <mc:AlternateContent xmlns:mc="http://schemas.openxmlformats.org/markup-compatibility/2006" xmlns:p15="http://schemas.microsoft.com/office/powerpoint/2012/main">
+    <mc:Choice Requires="p15">
       <p:transition xmlns:p14="http://schemas.microsoft.com/office/powerpoint/2010/main" spd="slow" p14:dur="1250">
         <p15:prstTrans prst="peelOff"/>
       </p:transition>
     </mc:Choice>
-    <mc:Fallback>
+    <mc:Fallback xmlns="">
       <p:transition spd="slow">
         <p:fade/>
       </p:transition>
@@ -14542,7 +14537,7 @@
           <a:lstStyle/>
           <a:p>
             <a:r>
-              <a:rPr lang="fr-FR" smtClean="0"/>
+              <a:rPr lang="fr-FR"/>
               <a:t>Modifiez le style du titre</a:t>
             </a:r>
             <a:endParaRPr lang="en-US" dirty="0"/>
@@ -14610,7 +14605,7 @@
           <a:p>
             <a:pPr lvl="0"/>
             <a:r>
-              <a:rPr lang="fr-FR" smtClean="0"/>
+              <a:rPr lang="fr-FR"/>
               <a:t>Modifiez les styles du texte du masque</a:t>
             </a:r>
           </a:p>
@@ -14640,35 +14635,35 @@
           <a:p>
             <a:pPr lvl="0"/>
             <a:r>
-              <a:rPr lang="fr-FR" smtClean="0"/>
+              <a:rPr lang="fr-FR"/>
               <a:t>Modifiez les styles du texte du masque</a:t>
             </a:r>
           </a:p>
           <a:p>
             <a:pPr lvl="1"/>
             <a:r>
-              <a:rPr lang="fr-FR" smtClean="0"/>
+              <a:rPr lang="fr-FR"/>
               <a:t>Deuxième niveau</a:t>
             </a:r>
           </a:p>
           <a:p>
             <a:pPr lvl="2"/>
             <a:r>
-              <a:rPr lang="fr-FR" smtClean="0"/>
+              <a:rPr lang="fr-FR"/>
               <a:t>Troisième niveau</a:t>
             </a:r>
           </a:p>
           <a:p>
             <a:pPr lvl="3"/>
             <a:r>
-              <a:rPr lang="fr-FR" smtClean="0"/>
+              <a:rPr lang="fr-FR"/>
               <a:t>Quatrième niveau</a:t>
             </a:r>
           </a:p>
           <a:p>
             <a:pPr lvl="4"/>
             <a:r>
-              <a:rPr lang="fr-FR" smtClean="0"/>
+              <a:rPr lang="fr-FR"/>
               <a:t>Cinquième niveau</a:t>
             </a:r>
             <a:endParaRPr lang="en-US" dirty="0"/>
@@ -14736,7 +14731,7 @@
           <a:p>
             <a:pPr lvl="0"/>
             <a:r>
-              <a:rPr lang="fr-FR" smtClean="0"/>
+              <a:rPr lang="fr-FR"/>
               <a:t>Modifiez les styles du texte du masque</a:t>
             </a:r>
           </a:p>
@@ -14766,35 +14761,35 @@
           <a:p>
             <a:pPr lvl="0"/>
             <a:r>
-              <a:rPr lang="fr-FR" smtClean="0"/>
+              <a:rPr lang="fr-FR"/>
               <a:t>Modifiez les styles du texte du masque</a:t>
             </a:r>
           </a:p>
           <a:p>
             <a:pPr lvl="1"/>
             <a:r>
-              <a:rPr lang="fr-FR" smtClean="0"/>
+              <a:rPr lang="fr-FR"/>
               <a:t>Deuxième niveau</a:t>
             </a:r>
           </a:p>
           <a:p>
             <a:pPr lvl="2"/>
             <a:r>
-              <a:rPr lang="fr-FR" smtClean="0"/>
+              <a:rPr lang="fr-FR"/>
               <a:t>Troisième niveau</a:t>
             </a:r>
           </a:p>
           <a:p>
             <a:pPr lvl="3"/>
             <a:r>
-              <a:rPr lang="fr-FR" smtClean="0"/>
+              <a:rPr lang="fr-FR"/>
               <a:t>Quatrième niveau</a:t>
             </a:r>
           </a:p>
           <a:p>
             <a:pPr lvl="4"/>
             <a:r>
-              <a:rPr lang="fr-FR" smtClean="0"/>
+              <a:rPr lang="fr-FR"/>
               <a:t>Cinquième niveau</a:t>
             </a:r>
             <a:endParaRPr lang="en-US" dirty="0"/>
@@ -14983,13 +14978,13 @@
   <p:clrMapOvr>
     <a:masterClrMapping/>
   </p:clrMapOvr>
-  <mc:AlternateContent xmlns:mc="http://schemas.openxmlformats.org/markup-compatibility/2006">
-    <mc:Choice xmlns:p15="http://schemas.microsoft.com/office/powerpoint/2012/main" xmlns="" Requires="p15">
+  <mc:AlternateContent xmlns:mc="http://schemas.openxmlformats.org/markup-compatibility/2006" xmlns:p15="http://schemas.microsoft.com/office/powerpoint/2012/main">
+    <mc:Choice Requires="p15">
       <p:transition xmlns:p14="http://schemas.microsoft.com/office/powerpoint/2010/main" spd="slow" p14:dur="1250">
         <p15:prstTrans prst="peelOff"/>
       </p:transition>
     </mc:Choice>
-    <mc:Fallback>
+    <mc:Fallback xmlns="">
       <p:transition spd="slow">
         <p:fade/>
       </p:transition>
@@ -15192,13 +15187,13 @@
   <p:clrMapOvr>
     <a:masterClrMapping/>
   </p:clrMapOvr>
-  <mc:AlternateContent xmlns:mc="http://schemas.openxmlformats.org/markup-compatibility/2006">
-    <mc:Choice xmlns:p15="http://schemas.microsoft.com/office/powerpoint/2012/main" xmlns="" Requires="p15">
+  <mc:AlternateContent xmlns:mc="http://schemas.openxmlformats.org/markup-compatibility/2006" xmlns:p15="http://schemas.microsoft.com/office/powerpoint/2012/main">
+    <mc:Choice Requires="p15">
       <p:transition xmlns:p14="http://schemas.microsoft.com/office/powerpoint/2010/main" spd="slow" p14:dur="1250">
         <p15:prstTrans prst="peelOff"/>
       </p:transition>
     </mc:Choice>
-    <mc:Fallback>
+    <mc:Fallback xmlns="">
       <p:transition spd="slow">
         <p:fade/>
       </p:transition>
@@ -15249,7 +15244,7 @@
           </a:lstStyle>
           <a:p>
             <a:r>
-              <a:rPr lang="fr-FR" smtClean="0"/>
+              <a:rPr lang="fr-FR"/>
               <a:t>Modifiez le style du titre</a:t>
             </a:r>
             <a:endParaRPr lang="en-US" dirty="0"/>
@@ -15280,35 +15275,35 @@
           <a:p>
             <a:pPr lvl="0"/>
             <a:r>
-              <a:rPr lang="fr-FR" smtClean="0"/>
+              <a:rPr lang="fr-FR"/>
               <a:t>Modifiez les styles du texte du masque</a:t>
             </a:r>
           </a:p>
           <a:p>
             <a:pPr lvl="1"/>
             <a:r>
-              <a:rPr lang="fr-FR" smtClean="0"/>
+              <a:rPr lang="fr-FR"/>
               <a:t>Deuxième niveau</a:t>
             </a:r>
           </a:p>
           <a:p>
             <a:pPr lvl="2"/>
             <a:r>
-              <a:rPr lang="fr-FR" smtClean="0"/>
+              <a:rPr lang="fr-FR"/>
               <a:t>Troisième niveau</a:t>
             </a:r>
           </a:p>
           <a:p>
             <a:pPr lvl="3"/>
             <a:r>
-              <a:rPr lang="fr-FR" smtClean="0"/>
+              <a:rPr lang="fr-FR"/>
               <a:t>Quatrième niveau</a:t>
             </a:r>
           </a:p>
           <a:p>
             <a:pPr lvl="4"/>
             <a:r>
-              <a:rPr lang="fr-FR" smtClean="0"/>
+              <a:rPr lang="fr-FR"/>
               <a:t>Cinquième niveau</a:t>
             </a:r>
             <a:endParaRPr lang="en-US" dirty="0"/>
@@ -15374,7 +15369,7 @@
           <a:p>
             <a:pPr lvl="0"/>
             <a:r>
-              <a:rPr lang="fr-FR" smtClean="0"/>
+              <a:rPr lang="fr-FR"/>
               <a:t>Modifiez les styles du texte du masque</a:t>
             </a:r>
           </a:p>
@@ -15557,13 +15552,13 @@
   <p:clrMapOvr>
     <a:masterClrMapping/>
   </p:clrMapOvr>
-  <mc:AlternateContent xmlns:mc="http://schemas.openxmlformats.org/markup-compatibility/2006">
-    <mc:Choice xmlns:p15="http://schemas.microsoft.com/office/powerpoint/2012/main" xmlns="" Requires="p15">
+  <mc:AlternateContent xmlns:mc="http://schemas.openxmlformats.org/markup-compatibility/2006" xmlns:p15="http://schemas.microsoft.com/office/powerpoint/2012/main">
+    <mc:Choice Requires="p15">
       <p:transition xmlns:p14="http://schemas.microsoft.com/office/powerpoint/2010/main" spd="slow" p14:dur="1250">
         <p15:prstTrans prst="peelOff"/>
       </p:transition>
     </mc:Choice>
-    <mc:Fallback>
+    <mc:Fallback xmlns="">
       <p:transition spd="slow">
         <p:fade/>
       </p:transition>
@@ -15616,7 +15611,7 @@
           </a:lstStyle>
           <a:p>
             <a:r>
-              <a:rPr lang="fr-FR" smtClean="0"/>
+              <a:rPr lang="fr-FR"/>
               <a:t>Modifiez le style du titre</a:t>
             </a:r>
             <a:endParaRPr lang="en-US" dirty="0"/>
@@ -15683,7 +15678,7 @@
           </a:lstStyle>
           <a:p>
             <a:r>
-              <a:rPr lang="fr-FR" smtClean="0"/>
+              <a:rPr lang="fr-FR"/>
               <a:t>Cliquez sur l'icône pour ajouter une image</a:t>
             </a:r>
             <a:endParaRPr lang="en-US" dirty="0"/>
@@ -15751,7 +15746,7 @@
           <a:p>
             <a:pPr lvl="0"/>
             <a:r>
-              <a:rPr lang="fr-FR" smtClean="0"/>
+              <a:rPr lang="fr-FR"/>
               <a:t>Modifiez les styles du texte du masque</a:t>
             </a:r>
           </a:p>
@@ -15939,13 +15934,13 @@
   <p:clrMapOvr>
     <a:masterClrMapping/>
   </p:clrMapOvr>
-  <mc:AlternateContent xmlns:mc="http://schemas.openxmlformats.org/markup-compatibility/2006">
-    <mc:Choice xmlns:p15="http://schemas.microsoft.com/office/powerpoint/2012/main" xmlns="" Requires="p15">
+  <mc:AlternateContent xmlns:mc="http://schemas.openxmlformats.org/markup-compatibility/2006" xmlns:p15="http://schemas.microsoft.com/office/powerpoint/2012/main">
+    <mc:Choice Requires="p15">
       <p:transition xmlns:p14="http://schemas.microsoft.com/office/powerpoint/2010/main" spd="slow" p14:dur="1250">
         <p15:prstTrans prst="peelOff"/>
       </p:transition>
     </mc:Choice>
-    <mc:Fallback>
+    <mc:Fallback xmlns="">
       <p:transition spd="slow">
         <p:fade/>
       </p:transition>
@@ -15998,7 +15993,7 @@
           </a:lstStyle>
           <a:p>
             <a:r>
-              <a:rPr lang="fr-FR" smtClean="0"/>
+              <a:rPr lang="fr-FR"/>
               <a:t>Modifiez le style du titre</a:t>
             </a:r>
             <a:endParaRPr lang="en-US" dirty="0"/>
@@ -16121,7 +16116,7 @@
           <a:p>
             <a:pPr lvl="0"/>
             <a:r>
-              <a:rPr lang="fr-FR" smtClean="0"/>
+              <a:rPr lang="fr-FR"/>
               <a:t>Modifiez les styles du texte du masque</a:t>
             </a:r>
           </a:p>
@@ -16309,13 +16304,13 @@
   <p:clrMapOvr>
     <a:masterClrMapping/>
   </p:clrMapOvr>
-  <mc:AlternateContent xmlns:mc="http://schemas.openxmlformats.org/markup-compatibility/2006">
-    <mc:Choice xmlns:p15="http://schemas.microsoft.com/office/powerpoint/2012/main" xmlns="" Requires="p15">
+  <mc:AlternateContent xmlns:mc="http://schemas.openxmlformats.org/markup-compatibility/2006" xmlns:p15="http://schemas.microsoft.com/office/powerpoint/2012/main">
+    <mc:Choice Requires="p15">
       <p:transition xmlns:p14="http://schemas.microsoft.com/office/powerpoint/2010/main" spd="slow" p14:dur="1250">
         <p15:prstTrans prst="peelOff"/>
       </p:transition>
     </mc:Choice>
-    <mc:Fallback>
+    <mc:Fallback xmlns="">
       <p:transition spd="slow">
         <p:fade/>
       </p:transition>
@@ -16368,7 +16363,7 @@
           </a:lstStyle>
           <a:p>
             <a:r>
-              <a:rPr lang="fr-FR" smtClean="0"/>
+              <a:rPr lang="fr-FR"/>
               <a:t>Modifiez le style du titre</a:t>
             </a:r>
             <a:endParaRPr lang="en-US" dirty="0"/>
@@ -16432,7 +16427,7 @@
           <a:p>
             <a:pPr lvl="0"/>
             <a:r>
-              <a:rPr lang="fr-FR" smtClean="0"/>
+              <a:rPr lang="fr-FR"/>
               <a:t>Modifiez les styles du texte du masque</a:t>
             </a:r>
           </a:p>
@@ -16554,7 +16549,7 @@
           <a:p>
             <a:pPr lvl="0"/>
             <a:r>
-              <a:rPr lang="fr-FR" smtClean="0"/>
+              <a:rPr lang="fr-FR"/>
               <a:t>Modifiez les styles du texte du masque</a:t>
             </a:r>
           </a:p>
@@ -16814,13 +16809,13 @@
   <p:clrMapOvr>
     <a:masterClrMapping/>
   </p:clrMapOvr>
-  <mc:AlternateContent xmlns:mc="http://schemas.openxmlformats.org/markup-compatibility/2006">
-    <mc:Choice xmlns:p15="http://schemas.microsoft.com/office/powerpoint/2012/main" xmlns="" Requires="p15">
+  <mc:AlternateContent xmlns:mc="http://schemas.openxmlformats.org/markup-compatibility/2006" xmlns:p15="http://schemas.microsoft.com/office/powerpoint/2012/main">
+    <mc:Choice Requires="p15">
       <p:transition xmlns:p14="http://schemas.microsoft.com/office/powerpoint/2010/main" spd="slow" p14:dur="1250">
         <p15:prstTrans prst="peelOff"/>
       </p:transition>
     </mc:Choice>
-    <mc:Fallback>
+    <mc:Fallback xmlns="">
       <p:transition spd="slow">
         <p:fade/>
       </p:transition>
@@ -16873,7 +16868,7 @@
           </a:lstStyle>
           <a:p>
             <a:r>
-              <a:rPr lang="fr-FR" smtClean="0"/>
+              <a:rPr lang="fr-FR"/>
               <a:t>Modifiez le style du titre</a:t>
             </a:r>
             <a:endParaRPr lang="en-US" dirty="0"/>
@@ -16918,7 +16913,7 @@
               <a:buNone/>
             </a:pPr>
             <a:r>
-              <a:rPr lang="fr-FR" smtClean="0"/>
+              <a:rPr lang="fr-FR"/>
               <a:t>Modifiez les styles du texte du masque</a:t>
             </a:r>
           </a:p>
@@ -17106,13 +17101,13 @@
   <p:clrMapOvr>
     <a:masterClrMapping/>
   </p:clrMapOvr>
-  <mc:AlternateContent xmlns:mc="http://schemas.openxmlformats.org/markup-compatibility/2006">
-    <mc:Choice xmlns:p15="http://schemas.microsoft.com/office/powerpoint/2012/main" xmlns="" Requires="p15">
+  <mc:AlternateContent xmlns:mc="http://schemas.openxmlformats.org/markup-compatibility/2006" xmlns:p15="http://schemas.microsoft.com/office/powerpoint/2012/main">
+    <mc:Choice Requires="p15">
       <p:transition xmlns:p14="http://schemas.microsoft.com/office/powerpoint/2010/main" spd="slow" p14:dur="1250">
         <p15:prstTrans prst="peelOff"/>
       </p:transition>
     </mc:Choice>
-    <mc:Fallback>
+    <mc:Fallback xmlns="">
       <p:transition spd="slow">
         <p:fade/>
       </p:transition>
@@ -17165,7 +17160,7 @@
           </a:lstStyle>
           <a:p>
             <a:r>
-              <a:rPr lang="fr-FR" smtClean="0"/>
+              <a:rPr lang="fr-FR"/>
               <a:t>Modifiez le style du titre</a:t>
             </a:r>
             <a:endParaRPr lang="en-US" dirty="0"/>
@@ -17226,7 +17221,7 @@
           <a:p>
             <a:pPr lvl="0"/>
             <a:r>
-              <a:rPr lang="fr-FR" smtClean="0"/>
+              <a:rPr lang="fr-FR"/>
               <a:t>Modifiez les styles du texte du masque</a:t>
             </a:r>
           </a:p>
@@ -17270,7 +17265,7 @@
               <a:buNone/>
             </a:pPr>
             <a:r>
-              <a:rPr lang="fr-FR" smtClean="0"/>
+              <a:rPr lang="fr-FR"/>
               <a:t>Modifiez les styles du texte du masque</a:t>
             </a:r>
           </a:p>
@@ -17530,13 +17525,13 @@
   <p:clrMapOvr>
     <a:masterClrMapping/>
   </p:clrMapOvr>
-  <mc:AlternateContent xmlns:mc="http://schemas.openxmlformats.org/markup-compatibility/2006">
-    <mc:Choice xmlns:p15="http://schemas.microsoft.com/office/powerpoint/2012/main" xmlns="" Requires="p15">
+  <mc:AlternateContent xmlns:mc="http://schemas.openxmlformats.org/markup-compatibility/2006" xmlns:p15="http://schemas.microsoft.com/office/powerpoint/2012/main">
+    <mc:Choice Requires="p15">
       <p:transition xmlns:p14="http://schemas.microsoft.com/office/powerpoint/2010/main" spd="slow" p14:dur="1250">
         <p15:prstTrans prst="peelOff"/>
       </p:transition>
     </mc:Choice>
-    <mc:Fallback>
+    <mc:Fallback xmlns="">
       <p:transition spd="slow">
         <p:fade/>
       </p:transition>
@@ -17589,7 +17584,7 @@
           </a:lstStyle>
           <a:p>
             <a:r>
-              <a:rPr lang="fr-FR" smtClean="0"/>
+              <a:rPr lang="fr-FR"/>
               <a:t>Modifiez le style du titre</a:t>
             </a:r>
             <a:endParaRPr lang="en-US" dirty="0"/>
@@ -17650,7 +17645,7 @@
           <a:p>
             <a:pPr lvl="0"/>
             <a:r>
-              <a:rPr lang="fr-FR" smtClean="0"/>
+              <a:rPr lang="fr-FR"/>
               <a:t>Modifiez les styles du texte du masque</a:t>
             </a:r>
           </a:p>
@@ -17694,7 +17689,7 @@
               <a:buNone/>
             </a:pPr>
             <a:r>
-              <a:rPr lang="fr-FR" smtClean="0"/>
+              <a:rPr lang="fr-FR"/>
               <a:t>Modifiez les styles du texte du masque</a:t>
             </a:r>
           </a:p>
@@ -17882,13 +17877,13 @@
   <p:clrMapOvr>
     <a:masterClrMapping/>
   </p:clrMapOvr>
-  <mc:AlternateContent xmlns:mc="http://schemas.openxmlformats.org/markup-compatibility/2006">
-    <mc:Choice xmlns:p15="http://schemas.microsoft.com/office/powerpoint/2012/main" xmlns="" Requires="p15">
+  <mc:AlternateContent xmlns:mc="http://schemas.openxmlformats.org/markup-compatibility/2006" xmlns:p15="http://schemas.microsoft.com/office/powerpoint/2012/main">
+    <mc:Choice Requires="p15">
       <p:transition xmlns:p14="http://schemas.microsoft.com/office/powerpoint/2010/main" spd="slow" p14:dur="1250">
         <p15:prstTrans prst="peelOff"/>
       </p:transition>
     </mc:Choice>
-    <mc:Fallback>
+    <mc:Fallback xmlns="">
       <p:transition spd="slow">
         <p:fade/>
       </p:transition>
@@ -17930,7 +17925,7 @@
           <a:lstStyle/>
           <a:p>
             <a:r>
-              <a:rPr lang="fr-FR" smtClean="0"/>
+              <a:rPr lang="fr-FR"/>
               <a:t>Modifiez le style du titre</a:t>
             </a:r>
             <a:endParaRPr lang="en-US" dirty="0"/>
@@ -17954,35 +17949,35 @@
           <a:p>
             <a:pPr lvl="0"/>
             <a:r>
-              <a:rPr lang="fr-FR" smtClean="0"/>
+              <a:rPr lang="fr-FR"/>
               <a:t>Modifiez les styles du texte du masque</a:t>
             </a:r>
           </a:p>
           <a:p>
             <a:pPr lvl="1"/>
             <a:r>
-              <a:rPr lang="fr-FR" smtClean="0"/>
+              <a:rPr lang="fr-FR"/>
               <a:t>Deuxième niveau</a:t>
             </a:r>
           </a:p>
           <a:p>
             <a:pPr lvl="2"/>
             <a:r>
-              <a:rPr lang="fr-FR" smtClean="0"/>
+              <a:rPr lang="fr-FR"/>
               <a:t>Troisième niveau</a:t>
             </a:r>
           </a:p>
           <a:p>
             <a:pPr lvl="3"/>
             <a:r>
-              <a:rPr lang="fr-FR" smtClean="0"/>
+              <a:rPr lang="fr-FR"/>
               <a:t>Quatrième niveau</a:t>
             </a:r>
           </a:p>
           <a:p>
             <a:pPr lvl="4"/>
             <a:r>
-              <a:rPr lang="fr-FR" smtClean="0"/>
+              <a:rPr lang="fr-FR"/>
               <a:t>Cinquième niveau</a:t>
             </a:r>
             <a:endParaRPr lang="en-US" dirty="0"/>
@@ -18166,13 +18161,13 @@
   <p:clrMapOvr>
     <a:masterClrMapping/>
   </p:clrMapOvr>
-  <mc:AlternateContent xmlns:mc="http://schemas.openxmlformats.org/markup-compatibility/2006">
-    <mc:Choice xmlns:p15="http://schemas.microsoft.com/office/powerpoint/2012/main" xmlns="" Requires="p15">
+  <mc:AlternateContent xmlns:mc="http://schemas.openxmlformats.org/markup-compatibility/2006" xmlns:p15="http://schemas.microsoft.com/office/powerpoint/2012/main">
+    <mc:Choice Requires="p15">
       <p:transition xmlns:p14="http://schemas.microsoft.com/office/powerpoint/2010/main" spd="slow" p14:dur="1250">
         <p15:prstTrans prst="peelOff"/>
       </p:transition>
     </mc:Choice>
-    <mc:Fallback>
+    <mc:Fallback xmlns="">
       <p:transition spd="slow">
         <p:fade/>
       </p:transition>
@@ -18219,7 +18214,7 @@
           <a:lstStyle/>
           <a:p>
             <a:r>
-              <a:rPr lang="fr-FR" smtClean="0"/>
+              <a:rPr lang="fr-FR"/>
               <a:t>Modifiez le style du titre</a:t>
             </a:r>
             <a:endParaRPr lang="en-US" dirty="0"/>
@@ -18248,35 +18243,35 @@
           <a:p>
             <a:pPr lvl="0"/>
             <a:r>
-              <a:rPr lang="fr-FR" smtClean="0"/>
+              <a:rPr lang="fr-FR"/>
               <a:t>Modifiez les styles du texte du masque</a:t>
             </a:r>
           </a:p>
           <a:p>
             <a:pPr lvl="1"/>
             <a:r>
-              <a:rPr lang="fr-FR" smtClean="0"/>
+              <a:rPr lang="fr-FR"/>
               <a:t>Deuxième niveau</a:t>
             </a:r>
           </a:p>
           <a:p>
             <a:pPr lvl="2"/>
             <a:r>
-              <a:rPr lang="fr-FR" smtClean="0"/>
+              <a:rPr lang="fr-FR"/>
               <a:t>Troisième niveau</a:t>
             </a:r>
           </a:p>
           <a:p>
             <a:pPr lvl="3"/>
             <a:r>
-              <a:rPr lang="fr-FR" smtClean="0"/>
+              <a:rPr lang="fr-FR"/>
               <a:t>Quatrième niveau</a:t>
             </a:r>
           </a:p>
           <a:p>
             <a:pPr lvl="4"/>
             <a:r>
-              <a:rPr lang="fr-FR" smtClean="0"/>
+              <a:rPr lang="fr-FR"/>
               <a:t>Cinquième niveau</a:t>
             </a:r>
             <a:endParaRPr lang="en-US" dirty="0"/>
@@ -18460,13 +18455,13 @@
   <p:clrMapOvr>
     <a:masterClrMapping/>
   </p:clrMapOvr>
-  <mc:AlternateContent xmlns:mc="http://schemas.openxmlformats.org/markup-compatibility/2006">
-    <mc:Choice xmlns:p15="http://schemas.microsoft.com/office/powerpoint/2012/main" xmlns="" Requires="p15">
+  <mc:AlternateContent xmlns:mc="http://schemas.openxmlformats.org/markup-compatibility/2006" xmlns:p15="http://schemas.microsoft.com/office/powerpoint/2012/main">
+    <mc:Choice Requires="p15">
       <p:transition xmlns:p14="http://schemas.microsoft.com/office/powerpoint/2010/main" spd="slow" p14:dur="1250">
         <p15:prstTrans prst="peelOff"/>
       </p:transition>
     </mc:Choice>
-    <mc:Fallback>
+    <mc:Fallback xmlns="">
       <p:transition spd="slow">
         <p:fade/>
       </p:transition>
@@ -18508,7 +18503,7 @@
           <a:lstStyle/>
           <a:p>
             <a:r>
-              <a:rPr lang="fr-FR" smtClean="0"/>
+              <a:rPr lang="fr-FR"/>
               <a:t>Modifiez le style du titre</a:t>
             </a:r>
             <a:endParaRPr lang="en-US" dirty="0"/>
@@ -18692,13 +18687,13 @@
   <p:clrMapOvr>
     <a:masterClrMapping/>
   </p:clrMapOvr>
-  <mc:AlternateContent xmlns:mc="http://schemas.openxmlformats.org/markup-compatibility/2006">
-    <mc:Choice xmlns:p15="http://schemas.microsoft.com/office/powerpoint/2012/main" xmlns="" Requires="p15">
+  <mc:AlternateContent xmlns:mc="http://schemas.openxmlformats.org/markup-compatibility/2006" xmlns:p15="http://schemas.microsoft.com/office/powerpoint/2012/main">
+    <mc:Choice Requires="p15">
       <p:transition xmlns:p14="http://schemas.microsoft.com/office/powerpoint/2010/main" spd="slow" p14:dur="1250">
         <p15:prstTrans prst="peelOff"/>
       </p:transition>
     </mc:Choice>
-    <mc:Fallback>
+    <mc:Fallback xmlns="">
       <p:transition spd="slow">
         <p:fade/>
       </p:transition>
@@ -18901,13 +18896,13 @@
   <p:clrMapOvr>
     <a:masterClrMapping/>
   </p:clrMapOvr>
-  <mc:AlternateContent xmlns:mc="http://schemas.openxmlformats.org/markup-compatibility/2006">
-    <mc:Choice xmlns:p15="http://schemas.microsoft.com/office/powerpoint/2012/main" xmlns="" Requires="p15">
+  <mc:AlternateContent xmlns:mc="http://schemas.openxmlformats.org/markup-compatibility/2006" xmlns:p15="http://schemas.microsoft.com/office/powerpoint/2012/main">
+    <mc:Choice Requires="p15">
       <p:transition xmlns:p14="http://schemas.microsoft.com/office/powerpoint/2010/main" spd="slow" p14:dur="1250">
         <p15:prstTrans prst="peelOff"/>
       </p:transition>
     </mc:Choice>
-    <mc:Fallback>
+    <mc:Fallback xmlns="">
       <p:transition spd="slow">
         <p:fade/>
       </p:transition>
@@ -18958,7 +18953,7 @@
           </a:lstStyle>
           <a:p>
             <a:r>
-              <a:rPr lang="fr-FR" smtClean="0"/>
+              <a:rPr lang="fr-FR"/>
               <a:t>Modifiez le style du titre</a:t>
             </a:r>
             <a:endParaRPr lang="en-US" dirty="0"/>
@@ -18989,35 +18984,35 @@
           <a:p>
             <a:pPr lvl="0"/>
             <a:r>
-              <a:rPr lang="fr-FR" smtClean="0"/>
+              <a:rPr lang="fr-FR"/>
               <a:t>Modifiez les styles du texte du masque</a:t>
             </a:r>
           </a:p>
           <a:p>
             <a:pPr lvl="1"/>
             <a:r>
-              <a:rPr lang="fr-FR" smtClean="0"/>
+              <a:rPr lang="fr-FR"/>
               <a:t>Deuxième niveau</a:t>
             </a:r>
           </a:p>
           <a:p>
             <a:pPr lvl="2"/>
             <a:r>
-              <a:rPr lang="fr-FR" smtClean="0"/>
+              <a:rPr lang="fr-FR"/>
               <a:t>Troisième niveau</a:t>
             </a:r>
           </a:p>
           <a:p>
             <a:pPr lvl="3"/>
             <a:r>
-              <a:rPr lang="fr-FR" smtClean="0"/>
+              <a:rPr lang="fr-FR"/>
               <a:t>Quatrième niveau</a:t>
             </a:r>
           </a:p>
           <a:p>
             <a:pPr lvl="4"/>
             <a:r>
-              <a:rPr lang="fr-FR" smtClean="0"/>
+              <a:rPr lang="fr-FR"/>
               <a:t>Cinquième niveau</a:t>
             </a:r>
             <a:endParaRPr lang="en-US" dirty="0"/>
@@ -19083,7 +19078,7 @@
           <a:p>
             <a:pPr lvl="0"/>
             <a:r>
-              <a:rPr lang="fr-FR" smtClean="0"/>
+              <a:rPr lang="fr-FR"/>
               <a:t>Modifiez les styles du texte du masque</a:t>
             </a:r>
           </a:p>
@@ -19266,13 +19261,13 @@
   <p:clrMapOvr>
     <a:masterClrMapping/>
   </p:clrMapOvr>
-  <mc:AlternateContent xmlns:mc="http://schemas.openxmlformats.org/markup-compatibility/2006">
-    <mc:Choice xmlns:p15="http://schemas.microsoft.com/office/powerpoint/2012/main" xmlns="" Requires="p15">
+  <mc:AlternateContent xmlns:mc="http://schemas.openxmlformats.org/markup-compatibility/2006" xmlns:p15="http://schemas.microsoft.com/office/powerpoint/2012/main">
+    <mc:Choice Requires="p15">
       <p:transition xmlns:p14="http://schemas.microsoft.com/office/powerpoint/2010/main" spd="slow" p14:dur="1250">
         <p15:prstTrans prst="peelOff"/>
       </p:transition>
     </mc:Choice>
-    <mc:Fallback>
+    <mc:Fallback xmlns="">
       <p:transition spd="slow">
         <p:fade/>
       </p:transition>
@@ -19325,7 +19320,7 @@
           </a:lstStyle>
           <a:p>
             <a:r>
-              <a:rPr lang="fr-FR" smtClean="0"/>
+              <a:rPr lang="fr-FR"/>
               <a:t>Modifiez le style du titre</a:t>
             </a:r>
             <a:endParaRPr lang="en-US" dirty="0"/>
@@ -19392,7 +19387,7 @@
           </a:lstStyle>
           <a:p>
             <a:r>
-              <a:rPr lang="fr-FR" smtClean="0"/>
+              <a:rPr lang="fr-FR"/>
               <a:t>Cliquez sur l'icône pour ajouter une image</a:t>
             </a:r>
             <a:endParaRPr lang="en-US" dirty="0"/>
@@ -19460,7 +19455,7 @@
           <a:p>
             <a:pPr lvl="0"/>
             <a:r>
-              <a:rPr lang="fr-FR" smtClean="0"/>
+              <a:rPr lang="fr-FR"/>
               <a:t>Modifiez les styles du texte du masque</a:t>
             </a:r>
           </a:p>
@@ -19648,13 +19643,13 @@
   <p:clrMapOvr>
     <a:masterClrMapping/>
   </p:clrMapOvr>
-  <mc:AlternateContent xmlns:mc="http://schemas.openxmlformats.org/markup-compatibility/2006">
-    <mc:Choice xmlns:p15="http://schemas.microsoft.com/office/powerpoint/2012/main" xmlns="" Requires="p15">
+  <mc:AlternateContent xmlns:mc="http://schemas.openxmlformats.org/markup-compatibility/2006" xmlns:p15="http://schemas.microsoft.com/office/powerpoint/2012/main">
+    <mc:Choice Requires="p15">
       <p:transition xmlns:p14="http://schemas.microsoft.com/office/powerpoint/2010/main" spd="slow" p14:dur="1250">
         <p15:prstTrans prst="peelOff"/>
       </p:transition>
     </mc:Choice>
-    <mc:Fallback>
+    <mc:Fallback xmlns="">
       <p:transition spd="slow">
         <p:fade/>
       </p:transition>
@@ -21548,7 +21543,7 @@
           <a:lstStyle/>
           <a:p>
             <a:r>
-              <a:rPr lang="fr-FR" smtClean="0"/>
+              <a:rPr lang="fr-FR"/>
               <a:t>Modifiez le style du titre</a:t>
             </a:r>
             <a:endParaRPr lang="en-US" dirty="0"/>
@@ -21582,35 +21577,35 @@
           <a:p>
             <a:pPr lvl="0"/>
             <a:r>
-              <a:rPr lang="fr-FR" smtClean="0"/>
+              <a:rPr lang="fr-FR"/>
               <a:t>Modifiez les styles du texte du masque</a:t>
             </a:r>
           </a:p>
           <a:p>
             <a:pPr lvl="1"/>
             <a:r>
-              <a:rPr lang="fr-FR" smtClean="0"/>
+              <a:rPr lang="fr-FR"/>
               <a:t>Deuxième niveau</a:t>
             </a:r>
           </a:p>
           <a:p>
             <a:pPr lvl="2"/>
             <a:r>
-              <a:rPr lang="fr-FR" smtClean="0"/>
+              <a:rPr lang="fr-FR"/>
               <a:t>Troisième niveau</a:t>
             </a:r>
           </a:p>
           <a:p>
             <a:pPr lvl="3"/>
             <a:r>
-              <a:rPr lang="fr-FR" smtClean="0"/>
+              <a:rPr lang="fr-FR"/>
               <a:t>Quatrième niveau</a:t>
             </a:r>
           </a:p>
           <a:p>
             <a:pPr lvl="4"/>
             <a:r>
-              <a:rPr lang="fr-FR" smtClean="0"/>
+              <a:rPr lang="fr-FR"/>
               <a:t>Cinquième niveau</a:t>
             </a:r>
             <a:endParaRPr lang="en-US" dirty="0"/>
@@ -21780,13 +21775,13 @@
     <p:sldLayoutId id="2147483853" r:id="rId15"/>
     <p:sldLayoutId id="2147483854" r:id="rId16"/>
   </p:sldLayoutIdLst>
-  <mc:AlternateContent xmlns:mc="http://schemas.openxmlformats.org/markup-compatibility/2006">
-    <mc:Choice xmlns:p15="http://schemas.microsoft.com/office/powerpoint/2012/main" xmlns="" Requires="p15">
+  <mc:AlternateContent xmlns:mc="http://schemas.openxmlformats.org/markup-compatibility/2006" xmlns:p15="http://schemas.microsoft.com/office/powerpoint/2012/main">
+    <mc:Choice Requires="p15">
       <p:transition xmlns:p14="http://schemas.microsoft.com/office/powerpoint/2010/main" spd="slow" p14:dur="1250">
         <p15:prstTrans prst="peelOff"/>
       </p:transition>
     </mc:Choice>
-    <mc:Fallback>
+    <mc:Fallback xmlns="">
       <p:transition spd="slow">
         <p:fade/>
       </p:transition>
@@ -24070,7 +24065,7 @@
           <a:lstStyle/>
           <a:p>
             <a:r>
-              <a:rPr lang="fr-FR" smtClean="0"/>
+              <a:rPr lang="fr-FR"/>
               <a:t>Modifiez le style du titre</a:t>
             </a:r>
             <a:endParaRPr lang="en-US" dirty="0"/>
@@ -24104,35 +24099,35 @@
           <a:p>
             <a:pPr lvl="0"/>
             <a:r>
-              <a:rPr lang="fr-FR" smtClean="0"/>
+              <a:rPr lang="fr-FR"/>
               <a:t>Modifiez les styles du texte du masque</a:t>
             </a:r>
           </a:p>
           <a:p>
             <a:pPr lvl="1"/>
             <a:r>
-              <a:rPr lang="fr-FR" smtClean="0"/>
+              <a:rPr lang="fr-FR"/>
               <a:t>Deuxième niveau</a:t>
             </a:r>
           </a:p>
           <a:p>
             <a:pPr lvl="2"/>
             <a:r>
-              <a:rPr lang="fr-FR" smtClean="0"/>
+              <a:rPr lang="fr-FR"/>
               <a:t>Troisième niveau</a:t>
             </a:r>
           </a:p>
           <a:p>
             <a:pPr lvl="3"/>
             <a:r>
-              <a:rPr lang="fr-FR" smtClean="0"/>
+              <a:rPr lang="fr-FR"/>
               <a:t>Quatrième niveau</a:t>
             </a:r>
           </a:p>
           <a:p>
             <a:pPr lvl="4"/>
             <a:r>
-              <a:rPr lang="fr-FR" smtClean="0"/>
+              <a:rPr lang="fr-FR"/>
               <a:t>Cinquième niveau</a:t>
             </a:r>
             <a:endParaRPr lang="en-US" dirty="0"/>
@@ -24302,13 +24297,13 @@
     <p:sldLayoutId id="2147483870" r:id="rId15"/>
     <p:sldLayoutId id="2147483871" r:id="rId16"/>
   </p:sldLayoutIdLst>
-  <mc:AlternateContent xmlns:mc="http://schemas.openxmlformats.org/markup-compatibility/2006">
-    <mc:Choice xmlns:p15="http://schemas.microsoft.com/office/powerpoint/2012/main" xmlns="" Requires="p15">
+  <mc:AlternateContent xmlns:mc="http://schemas.openxmlformats.org/markup-compatibility/2006" xmlns:p15="http://schemas.microsoft.com/office/powerpoint/2012/main">
+    <mc:Choice Requires="p15">
       <p:transition xmlns:p14="http://schemas.microsoft.com/office/powerpoint/2010/main" spd="slow" p14:dur="1250">
         <p15:prstTrans prst="peelOff"/>
       </p:transition>
     </mc:Choice>
-    <mc:Fallback>
+    <mc:Fallback xmlns="">
       <p:transition spd="slow">
         <p:fade/>
       </p:transition>
@@ -24776,10 +24771,9 @@
           <a:lstStyle/>
           <a:p>
             <a:r>
-              <a:rPr lang="fr-FR" smtClean="0"/>
+              <a:rPr lang="fr-FR"/>
               <a:t>Modifiez le style du titre</a:t>
             </a:r>
-            <a:endParaRPr lang="fr-FR"/>
           </a:p>
         </p:txBody>
       </p:sp>
@@ -24810,38 +24804,37 @@
           <a:p>
             <a:pPr lvl="0"/>
             <a:r>
-              <a:rPr lang="fr-FR" smtClean="0"/>
+              <a:rPr lang="fr-FR"/>
               <a:t>Modifiez les styles du texte du masque</a:t>
             </a:r>
           </a:p>
           <a:p>
             <a:pPr lvl="1"/>
             <a:r>
-              <a:rPr lang="fr-FR" smtClean="0"/>
+              <a:rPr lang="fr-FR"/>
               <a:t>Deuxième niveau</a:t>
             </a:r>
           </a:p>
           <a:p>
             <a:pPr lvl="2"/>
             <a:r>
-              <a:rPr lang="fr-FR" smtClean="0"/>
+              <a:rPr lang="fr-FR"/>
               <a:t>Troisième niveau</a:t>
             </a:r>
           </a:p>
           <a:p>
             <a:pPr lvl="3"/>
             <a:r>
-              <a:rPr lang="fr-FR" smtClean="0"/>
+              <a:rPr lang="fr-FR"/>
               <a:t>Quatrième niveau</a:t>
             </a:r>
           </a:p>
           <a:p>
             <a:pPr lvl="4"/>
             <a:r>
-              <a:rPr lang="fr-FR" smtClean="0"/>
+              <a:rPr lang="fr-FR"/>
               <a:t>Cinquième niveau</a:t>
             </a:r>
-            <a:endParaRPr lang="fr-FR"/>
           </a:p>
         </p:txBody>
       </p:sp>
@@ -25017,13 +25010,13 @@
     <p:sldLayoutId id="2147483882" r:id="rId10"/>
     <p:sldLayoutId id="2147483883" r:id="rId11"/>
   </p:sldLayoutIdLst>
-  <mc:AlternateContent xmlns:mc="http://schemas.openxmlformats.org/markup-compatibility/2006">
-    <mc:Choice xmlns:p15="http://schemas.microsoft.com/office/powerpoint/2012/main" xmlns="" Requires="p15">
+  <mc:AlternateContent xmlns:mc="http://schemas.openxmlformats.org/markup-compatibility/2006" xmlns:p15="http://schemas.microsoft.com/office/powerpoint/2012/main">
+    <mc:Choice Requires="p15">
       <p:transition xmlns:p14="http://schemas.microsoft.com/office/powerpoint/2010/main" spd="slow" p14:dur="1250">
         <p15:prstTrans prst="peelOff"/>
       </p:transition>
     </mc:Choice>
-    <mc:Fallback>
+    <mc:Fallback xmlns="">
       <p:transition spd="slow">
         <p:fade/>
       </p:transition>
@@ -27198,7 +27191,7 @@
           <a:lstStyle/>
           <a:p>
             <a:r>
-              <a:rPr lang="fr-FR" smtClean="0"/>
+              <a:rPr lang="fr-FR"/>
               <a:t>Modifiez le style du titre</a:t>
             </a:r>
             <a:endParaRPr lang="en-US" dirty="0"/>
@@ -27232,35 +27225,35 @@
           <a:p>
             <a:pPr lvl="0"/>
             <a:r>
-              <a:rPr lang="fr-FR" smtClean="0"/>
+              <a:rPr lang="fr-FR"/>
               <a:t>Modifiez les styles du texte du masque</a:t>
             </a:r>
           </a:p>
           <a:p>
             <a:pPr lvl="1"/>
             <a:r>
-              <a:rPr lang="fr-FR" smtClean="0"/>
+              <a:rPr lang="fr-FR"/>
               <a:t>Deuxième niveau</a:t>
             </a:r>
           </a:p>
           <a:p>
             <a:pPr lvl="2"/>
             <a:r>
-              <a:rPr lang="fr-FR" smtClean="0"/>
+              <a:rPr lang="fr-FR"/>
               <a:t>Troisième niveau</a:t>
             </a:r>
           </a:p>
           <a:p>
             <a:pPr lvl="3"/>
             <a:r>
-              <a:rPr lang="fr-FR" smtClean="0"/>
+              <a:rPr lang="fr-FR"/>
               <a:t>Quatrième niveau</a:t>
             </a:r>
           </a:p>
           <a:p>
             <a:pPr lvl="4"/>
             <a:r>
-              <a:rPr lang="fr-FR" smtClean="0"/>
+              <a:rPr lang="fr-FR"/>
               <a:t>Cinquième niveau</a:t>
             </a:r>
             <a:endParaRPr lang="en-US" dirty="0"/>
@@ -27430,13 +27423,13 @@
     <p:sldLayoutId id="2147483899" r:id="rId15"/>
     <p:sldLayoutId id="2147483900" r:id="rId16"/>
   </p:sldLayoutIdLst>
-  <mc:AlternateContent xmlns:mc="http://schemas.openxmlformats.org/markup-compatibility/2006">
-    <mc:Choice xmlns:p15="http://schemas.microsoft.com/office/powerpoint/2012/main" xmlns="" Requires="p15">
+  <mc:AlternateContent xmlns:mc="http://schemas.openxmlformats.org/markup-compatibility/2006" xmlns:p15="http://schemas.microsoft.com/office/powerpoint/2012/main">
+    <mc:Choice Requires="p15">
       <p:transition xmlns:p14="http://schemas.microsoft.com/office/powerpoint/2010/main" spd="slow" p14:dur="1250">
         <p15:prstTrans prst="peelOff"/>
       </p:transition>
     </mc:Choice>
-    <mc:Fallback>
+    <mc:Fallback xmlns="">
       <p:transition spd="slow">
         <p:fade/>
       </p:transition>
@@ -27902,7 +27895,7 @@
           <a:lstStyle/>
           <a:p>
             <a:r>
-              <a:rPr lang="fr-FR" sz="3200" i="1" dirty="0" smtClean="0">
+              <a:rPr lang="fr-FR" sz="3200" i="1" dirty="0">
                 <a:solidFill>
                   <a:schemeClr val="accent2"/>
                 </a:solidFill>
@@ -27916,18 +27909,6 @@
               </a:rPr>
               <a:t>Sous la supervision de M. Pierre BON</a:t>
             </a:r>
-            <a:endParaRPr lang="fr-FR" sz="3200" i="1" dirty="0">
-              <a:solidFill>
-                <a:schemeClr val="accent2"/>
-              </a:solidFill>
-              <a:effectLst>
-                <a:outerShdw blurRad="38100" dist="38100" dir="2700000" algn="tl">
-                  <a:srgbClr val="000000">
-                    <a:alpha val="43137"/>
-                  </a:srgbClr>
-                </a:outerShdw>
-              </a:effectLst>
-            </a:endParaRPr>
           </a:p>
         </p:txBody>
       </p:sp>
@@ -27961,7 +27942,7 @@
           <a:p>
             <a:pPr algn="ctr"/>
             <a:r>
-              <a:rPr lang="fr-FR" sz="4800" b="1" dirty="0" smtClean="0">
+              <a:rPr lang="fr-FR" sz="4800" b="1" dirty="0">
                 <a:ln w="15875">
                   <a:solidFill>
                     <a:prstClr val="black">
@@ -27984,7 +27965,7 @@
               <a:t>Projet PIMS</a:t>
             </a:r>
             <a:r>
-              <a:rPr lang="fr-FR" sz="4800" dirty="0" smtClean="0">
+              <a:rPr lang="fr-FR" sz="4800" dirty="0">
                 <a:ln w="15875">
                   <a:solidFill>
                     <a:prstClr val="black">
@@ -28006,31 +27987,8 @@
               </a:rPr>
               <a:t>:</a:t>
             </a:r>
-            <a:r>
-              <a:rPr lang="fr-FR" sz="5400" dirty="0" smtClean="0">
-                <a:ln w="15875">
-                  <a:solidFill>
-                    <a:prstClr val="black">
-                      <a:alpha val="63000"/>
-                    </a:prstClr>
-                  </a:solidFill>
-                </a:ln>
-                <a:solidFill>
-                  <a:srgbClr val="FFFF00"/>
-                </a:solidFill>
-                <a:effectLst>
-                  <a:outerShdw blurRad="38100" dist="38100" dir="2700000" algn="tl">
-                    <a:srgbClr val="000000">
-                      <a:alpha val="43137"/>
-                    </a:srgbClr>
-                  </a:outerShdw>
-                  <a:reflection blurRad="6350" stA="0" endPos="35500" dir="5400000" sy="-90000" algn="bl" rotWithShape="0"/>
-                </a:effectLst>
-              </a:rPr>
-              <a:t/>
-            </a:r>
             <a:br>
-              <a:rPr lang="fr-FR" sz="5400" dirty="0" smtClean="0">
+              <a:rPr lang="fr-FR" sz="5400" dirty="0">
                 <a:ln w="15875">
                   <a:solidFill>
                     <a:prstClr val="black">
@@ -28052,7 +28010,7 @@
               </a:rPr>
             </a:br>
             <a:r>
-              <a:rPr lang="fr-FR" sz="6600" dirty="0" smtClean="0">
+              <a:rPr lang="fr-FR" sz="6600" dirty="0">
                 <a:ln w="14605">
                   <a:solidFill>
                     <a:srgbClr val="70AD47">
@@ -28081,7 +28039,7 @@
           <a:p>
             <a:pPr algn="ctr"/>
             <a:r>
-              <a:rPr lang="fr-FR" sz="6600" dirty="0" smtClean="0">
+              <a:rPr lang="fr-FR" sz="6600" dirty="0">
                 <a:ln w="14605">
                   <a:solidFill>
                     <a:srgbClr val="70AD47">
@@ -28106,29 +28064,6 @@
               </a:rPr>
               <a:t>pour le microscope</a:t>
             </a:r>
-            <a:endParaRPr lang="fr-FR" sz="6600" dirty="0">
-              <a:ln w="14605">
-                <a:solidFill>
-                  <a:srgbClr val="70AD47">
-                    <a:shade val="50000"/>
-                  </a:srgbClr>
-                </a:solidFill>
-              </a:ln>
-              <a:solidFill>
-                <a:srgbClr val="70AD47">
-                  <a:lumMod val="40000"/>
-                  <a:lumOff val="60000"/>
-                </a:srgbClr>
-              </a:solidFill>
-              <a:effectLst>
-                <a:outerShdw blurRad="38100" dist="38100" dir="2700000" algn="tl">
-                  <a:srgbClr val="000000">
-                    <a:alpha val="43137"/>
-                  </a:srgbClr>
-                </a:outerShdw>
-                <a:reflection blurRad="6350" stA="0" endPos="35500" dir="5400000" sy="-90000" algn="bl" rotWithShape="0"/>
-              </a:effectLst>
-            </a:endParaRPr>
           </a:p>
         </p:txBody>
       </p:sp>
@@ -28155,7 +28090,7 @@
           <a:lstStyle/>
           <a:p>
             <a:r>
-              <a:rPr lang="fr-FR" sz="2000" dirty="0" smtClean="0">
+              <a:rPr lang="fr-FR" sz="2000" dirty="0">
                 <a:solidFill>
                   <a:srgbClr val="4472C4">
                     <a:lumMod val="20000"/>
@@ -28166,7 +28101,7 @@
               <a:t>HERVEAU Killian</a:t>
             </a:r>
             <a:br>
-              <a:rPr lang="fr-FR" sz="2000" dirty="0" smtClean="0">
+              <a:rPr lang="fr-FR" sz="2000" dirty="0">
                 <a:solidFill>
                   <a:srgbClr val="4472C4">
                     <a:lumMod val="20000"/>
@@ -28176,7 +28111,7 @@
               </a:rPr>
             </a:br>
             <a:r>
-              <a:rPr lang="fr-FR" sz="2000" dirty="0" smtClean="0">
+              <a:rPr lang="fr-FR" sz="2000" dirty="0">
                 <a:solidFill>
                   <a:srgbClr val="4472C4">
                     <a:lumMod val="20000"/>
@@ -28189,7 +28124,7 @@
           </a:p>
           <a:p>
             <a:r>
-              <a:rPr lang="fr-FR" sz="2000" dirty="0" smtClean="0">
+              <a:rPr lang="fr-FR" sz="2000" dirty="0">
                 <a:solidFill>
                   <a:srgbClr val="4472C4">
                     <a:lumMod val="20000"/>
@@ -28200,7 +28135,7 @@
               <a:t>VARIN </a:t>
             </a:r>
             <a:r>
-              <a:rPr lang="fr-FR" sz="2000" dirty="0" err="1" smtClean="0">
+              <a:rPr lang="fr-FR" sz="2000" dirty="0" err="1">
                 <a:solidFill>
                   <a:srgbClr val="4472C4">
                     <a:lumMod val="20000"/>
@@ -28243,13 +28178,6 @@
       </p:transition>
     </mc:Fallback>
   </mc:AlternateContent>
-  <p:timing>
-    <p:tnLst>
-      <p:par>
-        <p:cTn id="1" dur="indefinite" restart="never" nodeType="tmRoot"/>
-      </p:par>
-    </p:tnLst>
-  </p:timing>
 </p:sld>
 </file>
 
@@ -28270,159 +28198,6 @@
           <a:chExt cx="0" cy="0"/>
         </a:xfrm>
       </p:grpSpPr>
-      <p:pic>
-        <p:nvPicPr>
-          <p:cNvPr id="1030" name="Picture 6" descr="D:\FarView\PIMS\Pres_Avril\fitgauss3.png"/>
-          <p:cNvPicPr>
-            <a:picLocks noChangeAspect="1" noChangeArrowheads="1"/>
-          </p:cNvPicPr>
-          <p:nvPr/>
-        </p:nvPicPr>
-        <p:blipFill>
-          <a:blip r:embed="rId2">
-            <a:extLst>
-              <a:ext uri="{28A0092B-C50C-407E-A947-70E740481C1C}">
-                <a14:useLocalDpi xmlns:a14="http://schemas.microsoft.com/office/drawing/2010/main" val="0"/>
-              </a:ext>
-            </a:extLst>
-          </a:blip>
-          <a:srcRect/>
-          <a:stretch>
-            <a:fillRect/>
-          </a:stretch>
-        </p:blipFill>
-        <p:spPr bwMode="auto">
-          <a:xfrm>
-            <a:off x="7147775" y="2010917"/>
-            <a:ext cx="4121828" cy="3554644"/>
-          </a:xfrm>
-          <a:prstGeom prst="rect">
-            <a:avLst/>
-          </a:prstGeom>
-          <a:noFill/>
-          <a:extLst>
-            <a:ext uri="{909E8E84-426E-40DD-AFC4-6F175D3DCCD1}">
-              <a14:hiddenFill xmlns:a14="http://schemas.microsoft.com/office/drawing/2010/main">
-                <a:solidFill>
-                  <a:srgbClr val="FFFFFF"/>
-                </a:solidFill>
-              </a14:hiddenFill>
-            </a:ext>
-          </a:extLst>
-        </p:spPr>
-      </p:pic>
-      <p:pic>
-        <p:nvPicPr>
-          <p:cNvPr id="1029" name="Picture 5"/>
-          <p:cNvPicPr>
-            <a:picLocks noChangeAspect="1" noChangeArrowheads="1"/>
-          </p:cNvPicPr>
-          <p:nvPr/>
-        </p:nvPicPr>
-        <p:blipFill>
-          <a:blip r:embed="rId3">
-            <a:extLst>
-              <a:ext uri="{28A0092B-C50C-407E-A947-70E740481C1C}">
-                <a14:useLocalDpi xmlns:a14="http://schemas.microsoft.com/office/drawing/2010/main" val="0"/>
-              </a:ext>
-            </a:extLst>
-          </a:blip>
-          <a:srcRect/>
-          <a:stretch>
-            <a:fillRect/>
-          </a:stretch>
-        </p:blipFill>
-        <p:spPr bwMode="auto">
-          <a:xfrm>
-            <a:off x="386367" y="1685573"/>
-            <a:ext cx="5737216" cy="4876349"/>
-          </a:xfrm>
-          <a:prstGeom prst="rect">
-            <a:avLst/>
-          </a:prstGeom>
-          <a:noFill/>
-          <a:ln>
-            <a:noFill/>
-          </a:ln>
-          <a:extLst>
-            <a:ext uri="{909E8E84-426E-40DD-AFC4-6F175D3DCCD1}">
-              <a14:hiddenFill xmlns:a14="http://schemas.microsoft.com/office/drawing/2010/main">
-                <a:solidFill>
-                  <a:schemeClr val="accent1"/>
-                </a:solidFill>
-              </a14:hiddenFill>
-            </a:ext>
-            <a:ext uri="{91240B29-F687-4F45-9708-019B960494DF}">
-              <a14:hiddenLine xmlns:a14="http://schemas.microsoft.com/office/drawing/2010/main" w="9525">
-                <a:solidFill>
-                  <a:schemeClr val="tx1"/>
-                </a:solidFill>
-                <a:miter lim="800000"/>
-                <a:headEnd/>
-                <a:tailEnd/>
-              </a14:hiddenLine>
-            </a:ext>
-          </a:extLst>
-        </p:spPr>
-      </p:pic>
-      <p:sp>
-        <p:nvSpPr>
-          <p:cNvPr id="3" name="Espace réservé du contenu 2"/>
-          <p:cNvSpPr>
-            <a:spLocks noGrp="1"/>
-          </p:cNvSpPr>
-          <p:nvPr>
-            <p:ph idx="1"/>
-          </p:nvPr>
-        </p:nvSpPr>
-        <p:spPr>
-          <a:xfrm>
-            <a:off x="1878012" y="274912"/>
-            <a:ext cx="8915400" cy="772492"/>
-          </a:xfrm>
-        </p:spPr>
-        <p:txBody>
-          <a:bodyPr tIns="72000">
-            <a:noAutofit/>
-          </a:bodyPr>
-          <a:lstStyle/>
-          <a:p>
-            <a:pPr>
-              <a:buFont typeface="Wingdings" panose="05000000000000000000" pitchFamily="2" charset="2"/>
-              <a:buChar char="v"/>
-            </a:pPr>
-            <a:r>
-              <a:rPr lang="fr-FR" sz="2800" u="sng" dirty="0" smtClean="0"/>
-              <a:t>II</a:t>
-            </a:r>
-            <a:r>
-              <a:rPr lang="fr-FR" sz="2800" u="sng" dirty="0"/>
-              <a:t>. Utilisation de la tâche d’Airy</a:t>
-            </a:r>
-          </a:p>
-          <a:p>
-            <a:pPr marL="0" indent="0">
-              <a:buNone/>
-            </a:pPr>
-            <a:r>
-              <a:rPr lang="fr-FR" sz="2800" u="sng" dirty="0" smtClean="0"/>
-              <a:t> </a:t>
-            </a:r>
-          </a:p>
-          <a:p>
-            <a:pPr marL="0" indent="0">
-              <a:buNone/>
-            </a:pPr>
-            <a:endParaRPr lang="fr-FR" sz="2800" dirty="0" smtClean="0"/>
-          </a:p>
-          <a:p>
-            <a:pPr marL="0" indent="0">
-              <a:buNone/>
-            </a:pPr>
-            <a:endParaRPr lang="fr-FR" sz="2800" dirty="0"/>
-          </a:p>
-        </p:txBody>
-      </p:sp>
       <p:sp>
         <p:nvSpPr>
           <p:cNvPr id="6" name="Espace réservé du contenu 2"/>
@@ -28433,8 +28208,8 @@
         </p:nvSpPr>
         <p:spPr>
           <a:xfrm>
-            <a:off x="1215765" y="989215"/>
-            <a:ext cx="8915400" cy="681644"/>
+            <a:off x="770470" y="723208"/>
+            <a:ext cx="8915400" cy="745982"/>
           </a:xfrm>
           <a:prstGeom prst="rect">
             <a:avLst/>
@@ -28668,8 +28443,8 @@
               <a:buNone/>
             </a:pPr>
             <a:r>
-              <a:rPr lang="fr-FR" sz="2400" b="1" dirty="0" smtClean="0"/>
-              <a:t>Détermination de la position transversale</a:t>
+              <a:rPr lang="fr-FR" sz="2400" b="1" dirty="0"/>
+              <a:t>Création de courbes de calibrations:</a:t>
             </a:r>
           </a:p>
           <a:p>
@@ -28678,434 +28453,7 @@
               <a:buNone/>
             </a:pPr>
             <a:r>
-              <a:rPr lang="fr-FR" sz="2400" dirty="0" smtClean="0"/>
-              <a:t> </a:t>
-            </a:r>
-          </a:p>
-        </p:txBody>
-      </p:sp>
-      <p:sp>
-        <p:nvSpPr>
-          <p:cNvPr id="4" name="ZoneTexte 3"/>
-          <p:cNvSpPr txBox="1"/>
-          <p:nvPr/>
-        </p:nvSpPr>
-        <p:spPr>
-          <a:xfrm>
-            <a:off x="7390015" y="1500907"/>
-            <a:ext cx="3879588" cy="369332"/>
-          </a:xfrm>
-          <a:prstGeom prst="rect">
-            <a:avLst/>
-          </a:prstGeom>
-          <a:noFill/>
-        </p:spPr>
-        <p:txBody>
-          <a:bodyPr wrap="none" rtlCol="0">
-            <a:spAutoFit/>
-          </a:bodyPr>
-          <a:lstStyle/>
-          <a:p>
-            <a:r>
-              <a:rPr lang="fr-FR" dirty="0" smtClean="0"/>
-              <a:t>Détermination de la position en x</a:t>
-            </a:r>
-            <a:endParaRPr lang="fr-FR" dirty="0"/>
-          </a:p>
-        </p:txBody>
-      </p:sp>
-      <p:sp>
-        <p:nvSpPr>
-          <p:cNvPr id="5" name="ZoneTexte 4"/>
-          <p:cNvSpPr txBox="1"/>
-          <p:nvPr/>
-        </p:nvSpPr>
-        <p:spPr>
-          <a:xfrm>
-            <a:off x="2152305" y="3762958"/>
-            <a:ext cx="2533066" cy="307777"/>
-          </a:xfrm>
-          <a:prstGeom prst="rect">
-            <a:avLst/>
-          </a:prstGeom>
-          <a:noFill/>
-        </p:spPr>
-        <p:txBody>
-          <a:bodyPr wrap="none" rtlCol="0">
-            <a:spAutoFit/>
-          </a:bodyPr>
-          <a:lstStyle/>
-          <a:p>
-            <a:r>
-              <a:rPr lang="fr-FR" sz="1400" i="1" dirty="0" smtClean="0"/>
-              <a:t>Image calibration à 700nm</a:t>
-            </a:r>
-            <a:endParaRPr lang="fr-FR" sz="1400" i="1" dirty="0"/>
-          </a:p>
-        </p:txBody>
-      </p:sp>
-      <p:sp>
-        <p:nvSpPr>
-          <p:cNvPr id="7" name="Rectangle 6"/>
-          <p:cNvSpPr/>
-          <p:nvPr/>
-        </p:nvSpPr>
-        <p:spPr>
-          <a:xfrm>
-            <a:off x="6732943" y="5776576"/>
-            <a:ext cx="4995949" cy="923330"/>
-          </a:xfrm>
-          <a:prstGeom prst="rect">
-            <a:avLst/>
-          </a:prstGeom>
-        </p:spPr>
-        <p:txBody>
-          <a:bodyPr wrap="square">
-            <a:spAutoFit/>
-          </a:bodyPr>
-          <a:lstStyle/>
-          <a:p>
-            <a:r>
-              <a:rPr lang="fr-FR" dirty="0"/>
-              <a:t>La tâche d’Airy contient des informations sur la localisation dans un plan, mais aussi sur le positionnement axial.</a:t>
-            </a:r>
-          </a:p>
-        </p:txBody>
-      </p:sp>
-      <p:cxnSp>
-        <p:nvCxnSpPr>
-          <p:cNvPr id="9" name="Connecteur droit 8"/>
-          <p:cNvCxnSpPr/>
-          <p:nvPr/>
-        </p:nvCxnSpPr>
-        <p:spPr>
-          <a:xfrm>
-            <a:off x="9377078" y="2335184"/>
-            <a:ext cx="0" cy="2942705"/>
-          </a:xfrm>
-          <a:prstGeom prst="line">
-            <a:avLst/>
-          </a:prstGeom>
-          <a:ln>
-            <a:prstDash val="sysDot"/>
-          </a:ln>
-        </p:spPr>
-        <p:style>
-          <a:lnRef idx="1">
-            <a:schemeClr val="accent1"/>
-          </a:lnRef>
-          <a:fillRef idx="0">
-            <a:schemeClr val="accent1"/>
-          </a:fillRef>
-          <a:effectRef idx="0">
-            <a:schemeClr val="accent1"/>
-          </a:effectRef>
-          <a:fontRef idx="minor">
-            <a:schemeClr val="tx1"/>
-          </a:fontRef>
-        </p:style>
-      </p:cxnSp>
-    </p:spTree>
-    <p:extLst>
-      <p:ext uri="{BB962C8B-B14F-4D97-AF65-F5344CB8AC3E}">
-        <p14:creationId xmlns:p14="http://schemas.microsoft.com/office/powerpoint/2010/main" val="2485028402"/>
-      </p:ext>
-    </p:extLst>
-  </p:cSld>
-  <p:clrMapOvr>
-    <a:masterClrMapping/>
-  </p:clrMapOvr>
-  <mc:AlternateContent xmlns:mc="http://schemas.openxmlformats.org/markup-compatibility/2006" xmlns:p14="http://schemas.microsoft.com/office/powerpoint/2010/main">
-    <mc:Choice Requires="p14">
-      <p:transition p14:dur="0"/>
-    </mc:Choice>
-    <mc:Fallback xmlns="">
-      <p:transition/>
-    </mc:Fallback>
-  </mc:AlternateContent>
-  <p:timing>
-    <p:tnLst>
-      <p:par>
-        <p:cTn id="1" dur="indefinite" restart="never" nodeType="tmRoot"/>
-      </p:par>
-    </p:tnLst>
-  </p:timing>
-</p:sld>
-</file>
-
-<file path=ppt/slides/slide11.xml><?xml version="1.0" encoding="utf-8"?>
-<p:sld xmlns:a="http://schemas.openxmlformats.org/drawingml/2006/main" xmlns:r="http://schemas.openxmlformats.org/officeDocument/2006/relationships" xmlns:p="http://schemas.openxmlformats.org/presentationml/2006/main" showMasterSp="0">
-  <p:cSld>
-    <p:spTree>
-      <p:nvGrpSpPr>
-        <p:cNvPr id="1" name=""/>
-        <p:cNvGrpSpPr/>
-        <p:nvPr/>
-      </p:nvGrpSpPr>
-      <p:grpSpPr>
-        <a:xfrm>
-          <a:off x="0" y="0"/>
-          <a:ext cx="0" cy="0"/>
-          <a:chOff x="0" y="0"/>
-          <a:chExt cx="0" cy="0"/>
-        </a:xfrm>
-      </p:grpSpPr>
-      <p:sp>
-        <p:nvSpPr>
-          <p:cNvPr id="6" name="Espace réservé du contenu 2"/>
-          <p:cNvSpPr txBox="1">
-            <a:spLocks/>
-          </p:cNvSpPr>
-          <p:nvPr/>
-        </p:nvSpPr>
-        <p:spPr>
-          <a:xfrm>
-            <a:off x="770470" y="723208"/>
-            <a:ext cx="8915400" cy="745982"/>
-          </a:xfrm>
-          <a:prstGeom prst="rect">
-            <a:avLst/>
-          </a:prstGeom>
-        </p:spPr>
-        <p:txBody>
-          <a:bodyPr vert="horz" lIns="91440" tIns="72000" rIns="91440" bIns="45720" rtlCol="0">
-            <a:noAutofit/>
-          </a:bodyPr>
-          <a:lstStyle>
-            <a:lvl1pPr marL="342900" indent="-342900" algn="l" defTabSz="457200" rtl="0" eaLnBrk="1" latinLnBrk="0" hangingPunct="1">
-              <a:spcBef>
-                <a:spcPts val="1000"/>
-              </a:spcBef>
-              <a:spcAft>
-                <a:spcPts val="0"/>
-              </a:spcAft>
-              <a:buClr>
-                <a:schemeClr val="accent1"/>
-              </a:buClr>
-              <a:buFont typeface="Wingdings 3" charset="2"/>
-              <a:buChar char=""/>
-              <a:defRPr sz="1800" kern="1200">
-                <a:solidFill>
-                  <a:schemeClr val="tx1">
-                    <a:lumMod val="75000"/>
-                    <a:lumOff val="25000"/>
-                  </a:schemeClr>
-                </a:solidFill>
-                <a:latin typeface="+mn-lt"/>
-                <a:ea typeface="+mn-ea"/>
-                <a:cs typeface="+mn-cs"/>
-              </a:defRPr>
-            </a:lvl1pPr>
-            <a:lvl2pPr marL="742950" indent="-285750" algn="l" defTabSz="457200" rtl="0" eaLnBrk="1" latinLnBrk="0" hangingPunct="1">
-              <a:spcBef>
-                <a:spcPts val="1000"/>
-              </a:spcBef>
-              <a:spcAft>
-                <a:spcPts val="0"/>
-              </a:spcAft>
-              <a:buClr>
-                <a:schemeClr val="accent1"/>
-              </a:buClr>
-              <a:buFont typeface="Wingdings 3" charset="2"/>
-              <a:buChar char=""/>
-              <a:defRPr sz="1600" kern="1200">
-                <a:solidFill>
-                  <a:schemeClr val="tx1">
-                    <a:lumMod val="75000"/>
-                    <a:lumOff val="25000"/>
-                  </a:schemeClr>
-                </a:solidFill>
-                <a:latin typeface="+mn-lt"/>
-                <a:ea typeface="+mn-ea"/>
-                <a:cs typeface="+mn-cs"/>
-              </a:defRPr>
-            </a:lvl2pPr>
-            <a:lvl3pPr marL="1143000" indent="-228600" algn="l" defTabSz="457200" rtl="0" eaLnBrk="1" latinLnBrk="0" hangingPunct="1">
-              <a:spcBef>
-                <a:spcPts val="1000"/>
-              </a:spcBef>
-              <a:spcAft>
-                <a:spcPts val="0"/>
-              </a:spcAft>
-              <a:buClr>
-                <a:schemeClr val="accent1"/>
-              </a:buClr>
-              <a:buFont typeface="Wingdings 3" charset="2"/>
-              <a:buChar char=""/>
-              <a:defRPr sz="1400" kern="1200">
-                <a:solidFill>
-                  <a:schemeClr val="tx1">
-                    <a:lumMod val="75000"/>
-                    <a:lumOff val="25000"/>
-                  </a:schemeClr>
-                </a:solidFill>
-                <a:latin typeface="+mn-lt"/>
-                <a:ea typeface="+mn-ea"/>
-                <a:cs typeface="+mn-cs"/>
-              </a:defRPr>
-            </a:lvl3pPr>
-            <a:lvl4pPr marL="1600200" indent="-228600" algn="l" defTabSz="457200" rtl="0" eaLnBrk="1" latinLnBrk="0" hangingPunct="1">
-              <a:spcBef>
-                <a:spcPts val="1000"/>
-              </a:spcBef>
-              <a:spcAft>
-                <a:spcPts val="0"/>
-              </a:spcAft>
-              <a:buClr>
-                <a:schemeClr val="accent1"/>
-              </a:buClr>
-              <a:buFont typeface="Wingdings 3" charset="2"/>
-              <a:buChar char=""/>
-              <a:defRPr sz="1200" kern="1200">
-                <a:solidFill>
-                  <a:schemeClr val="tx1">
-                    <a:lumMod val="75000"/>
-                    <a:lumOff val="25000"/>
-                  </a:schemeClr>
-                </a:solidFill>
-                <a:latin typeface="+mn-lt"/>
-                <a:ea typeface="+mn-ea"/>
-                <a:cs typeface="+mn-cs"/>
-              </a:defRPr>
-            </a:lvl4pPr>
-            <a:lvl5pPr marL="2057400" indent="-228600" algn="l" defTabSz="457200" rtl="0" eaLnBrk="1" latinLnBrk="0" hangingPunct="1">
-              <a:spcBef>
-                <a:spcPts val="1000"/>
-              </a:spcBef>
-              <a:spcAft>
-                <a:spcPts val="0"/>
-              </a:spcAft>
-              <a:buClr>
-                <a:schemeClr val="accent1"/>
-              </a:buClr>
-              <a:buFont typeface="Wingdings 3" charset="2"/>
-              <a:buChar char=""/>
-              <a:defRPr sz="1200" kern="1200">
-                <a:solidFill>
-                  <a:schemeClr val="tx1">
-                    <a:lumMod val="75000"/>
-                    <a:lumOff val="25000"/>
-                  </a:schemeClr>
-                </a:solidFill>
-                <a:latin typeface="+mn-lt"/>
-                <a:ea typeface="+mn-ea"/>
-                <a:cs typeface="+mn-cs"/>
-              </a:defRPr>
-            </a:lvl5pPr>
-            <a:lvl6pPr marL="2514600" indent="-228600" algn="l" defTabSz="457200" rtl="0" eaLnBrk="1" latinLnBrk="0" hangingPunct="1">
-              <a:spcBef>
-                <a:spcPts val="1000"/>
-              </a:spcBef>
-              <a:spcAft>
-                <a:spcPts val="0"/>
-              </a:spcAft>
-              <a:buClr>
-                <a:schemeClr val="accent1"/>
-              </a:buClr>
-              <a:buFont typeface="Wingdings 3" charset="2"/>
-              <a:buChar char=""/>
-              <a:defRPr sz="1200" kern="1200">
-                <a:solidFill>
-                  <a:schemeClr val="tx1">
-                    <a:lumMod val="75000"/>
-                    <a:lumOff val="25000"/>
-                  </a:schemeClr>
-                </a:solidFill>
-                <a:latin typeface="+mn-lt"/>
-                <a:ea typeface="+mn-ea"/>
-                <a:cs typeface="+mn-cs"/>
-              </a:defRPr>
-            </a:lvl6pPr>
-            <a:lvl7pPr marL="2971800" indent="-228600" algn="l" defTabSz="457200" rtl="0" eaLnBrk="1" latinLnBrk="0" hangingPunct="1">
-              <a:spcBef>
-                <a:spcPts val="1000"/>
-              </a:spcBef>
-              <a:spcAft>
-                <a:spcPts val="0"/>
-              </a:spcAft>
-              <a:buClr>
-                <a:schemeClr val="accent1"/>
-              </a:buClr>
-              <a:buFont typeface="Wingdings 3" charset="2"/>
-              <a:buChar char=""/>
-              <a:defRPr sz="1200" kern="1200">
-                <a:solidFill>
-                  <a:schemeClr val="tx1">
-                    <a:lumMod val="75000"/>
-                    <a:lumOff val="25000"/>
-                  </a:schemeClr>
-                </a:solidFill>
-                <a:latin typeface="+mn-lt"/>
-                <a:ea typeface="+mn-ea"/>
-                <a:cs typeface="+mn-cs"/>
-              </a:defRPr>
-            </a:lvl7pPr>
-            <a:lvl8pPr marL="3429000" indent="-228600" algn="l" defTabSz="457200" rtl="0" eaLnBrk="1" latinLnBrk="0" hangingPunct="1">
-              <a:spcBef>
-                <a:spcPts val="1000"/>
-              </a:spcBef>
-              <a:spcAft>
-                <a:spcPts val="0"/>
-              </a:spcAft>
-              <a:buClr>
-                <a:schemeClr val="accent1"/>
-              </a:buClr>
-              <a:buFont typeface="Wingdings 3" charset="2"/>
-              <a:buChar char=""/>
-              <a:defRPr sz="1200" kern="1200">
-                <a:solidFill>
-                  <a:schemeClr val="tx1">
-                    <a:lumMod val="75000"/>
-                    <a:lumOff val="25000"/>
-                  </a:schemeClr>
-                </a:solidFill>
-                <a:latin typeface="+mn-lt"/>
-                <a:ea typeface="+mn-ea"/>
-                <a:cs typeface="+mn-cs"/>
-              </a:defRPr>
-            </a:lvl8pPr>
-            <a:lvl9pPr marL="3886200" indent="-228600" algn="l" defTabSz="457200" rtl="0" eaLnBrk="1" latinLnBrk="0" hangingPunct="1">
-              <a:spcBef>
-                <a:spcPts val="1000"/>
-              </a:spcBef>
-              <a:spcAft>
-                <a:spcPts val="0"/>
-              </a:spcAft>
-              <a:buClr>
-                <a:schemeClr val="accent1"/>
-              </a:buClr>
-              <a:buFont typeface="Wingdings 3" charset="2"/>
-              <a:buChar char=""/>
-              <a:defRPr sz="1200" kern="1200">
-                <a:solidFill>
-                  <a:schemeClr val="tx1">
-                    <a:lumMod val="75000"/>
-                    <a:lumOff val="25000"/>
-                  </a:schemeClr>
-                </a:solidFill>
-                <a:latin typeface="+mn-lt"/>
-                <a:ea typeface="+mn-ea"/>
-                <a:cs typeface="+mn-cs"/>
-              </a:defRPr>
-            </a:lvl9pPr>
-          </a:lstStyle>
-          <a:p>
-            <a:pPr marL="446088" indent="-358775">
-              <a:buFont typeface="Wingdings 3" charset="2"/>
-              <a:buNone/>
-            </a:pPr>
-            <a:r>
-              <a:rPr lang="fr-FR" sz="2400" b="1" dirty="0" smtClean="0"/>
-              <a:t>Création de courbes de calibrations:</a:t>
-            </a:r>
-          </a:p>
-          <a:p>
-            <a:pPr marL="446088" indent="-358775">
-              <a:buFont typeface="Wingdings 3" charset="2"/>
-              <a:buNone/>
-            </a:pPr>
-            <a:r>
-              <a:rPr lang="fr-FR" sz="2400" dirty="0" smtClean="0"/>
+              <a:rPr lang="fr-FR" sz="2400" dirty="0"/>
               <a:t> </a:t>
             </a:r>
           </a:p>
@@ -29188,21 +28536,21 @@
           <a:lstStyle/>
           <a:p>
             <a:r>
-              <a:rPr lang="fr-FR" dirty="0" smtClean="0"/>
+              <a:rPr lang="fr-FR" dirty="0"/>
               <a:t>Pour cette courbe la position transverse </a:t>
             </a:r>
             <a:br>
-              <a:rPr lang="fr-FR" dirty="0" smtClean="0"/>
+              <a:rPr lang="fr-FR" dirty="0"/>
             </a:br>
             <a:r>
-              <a:rPr lang="fr-FR" dirty="0" smtClean="0"/>
+              <a:rPr lang="fr-FR" dirty="0"/>
               <a:t>importe peu et les fréquences du réseau</a:t>
             </a:r>
             <a:br>
-              <a:rPr lang="fr-FR" dirty="0" smtClean="0"/>
+              <a:rPr lang="fr-FR" dirty="0"/>
             </a:br>
             <a:r>
-              <a:rPr lang="fr-FR" dirty="0" smtClean="0"/>
+              <a:rPr lang="fr-FR" dirty="0"/>
               <a:t>peuvent gêner:</a:t>
             </a:r>
           </a:p>
@@ -29210,74 +28558,74 @@
             <a:endParaRPr lang="fr-FR" dirty="0"/>
           </a:p>
           <a:p>
-            <a:endParaRPr lang="fr-FR" dirty="0" smtClean="0"/>
-          </a:p>
-          <a:p>
             <a:endParaRPr lang="fr-FR" dirty="0"/>
           </a:p>
           <a:p>
-            <a:endParaRPr lang="fr-FR" dirty="0" smtClean="0"/>
-          </a:p>
-          <a:p>
             <a:endParaRPr lang="fr-FR" dirty="0"/>
           </a:p>
           <a:p>
-            <a:endParaRPr lang="fr-FR" dirty="0" smtClean="0"/>
-          </a:p>
-          <a:p>
             <a:endParaRPr lang="fr-FR" dirty="0"/>
           </a:p>
           <a:p>
-            <a:endParaRPr lang="fr-FR" dirty="0" smtClean="0"/>
-          </a:p>
-          <a:p>
-            <a:endParaRPr lang="fr-FR" dirty="0" smtClean="0"/>
-          </a:p>
-          <a:p>
             <a:endParaRPr lang="fr-FR" dirty="0"/>
           </a:p>
           <a:p>
-            <a:endParaRPr lang="fr-FR" dirty="0" smtClean="0"/>
-          </a:p>
-          <a:p>
             <a:endParaRPr lang="fr-FR" dirty="0"/>
           </a:p>
           <a:p>
-            <a:r>
-              <a:rPr lang="fr-FR" dirty="0" smtClean="0"/>
+            <a:endParaRPr lang="fr-FR" dirty="0"/>
+          </a:p>
+          <a:p>
+            <a:endParaRPr lang="fr-FR" dirty="0"/>
+          </a:p>
+          <a:p>
+            <a:endParaRPr lang="fr-FR" dirty="0"/>
+          </a:p>
+          <a:p>
+            <a:endParaRPr lang="fr-FR" dirty="0"/>
+          </a:p>
+          <a:p>
+            <a:endParaRPr lang="fr-FR" dirty="0"/>
+          </a:p>
+          <a:p>
+            <a:endParaRPr lang="fr-FR" dirty="0"/>
+          </a:p>
+          <a:p>
+            <a:r>
+              <a:rPr lang="fr-FR" dirty="0"/>
               <a:t>On supprimera la phase de l’image </a:t>
             </a:r>
             <a:br>
-              <a:rPr lang="fr-FR" dirty="0" smtClean="0"/>
+              <a:rPr lang="fr-FR" dirty="0"/>
             </a:br>
             <a:r>
-              <a:rPr lang="fr-FR" dirty="0" smtClean="0"/>
+              <a:rPr lang="fr-FR" dirty="0"/>
               <a:t>afin de distinguer clairement le pic Airy </a:t>
             </a:r>
             <a:br>
-              <a:rPr lang="fr-FR" dirty="0" smtClean="0"/>
+              <a:rPr lang="fr-FR" dirty="0"/>
             </a:br>
             <a:r>
-              <a:rPr lang="fr-FR" dirty="0" smtClean="0"/>
+              <a:rPr lang="fr-FR" dirty="0"/>
               <a:t>central de l’image d’interférence, celle-ci</a:t>
             </a:r>
             <a:br>
-              <a:rPr lang="fr-FR" dirty="0" smtClean="0"/>
+              <a:rPr lang="fr-FR" dirty="0"/>
             </a:br>
             <a:r>
-              <a:rPr lang="fr-FR" dirty="0" smtClean="0"/>
+              <a:rPr lang="fr-FR" dirty="0"/>
               <a:t>sera enlevée avec un masque </a:t>
             </a:r>
             <a:r>
-              <a:rPr lang="fr-FR" dirty="0" err="1" smtClean="0"/>
+              <a:rPr lang="fr-FR" dirty="0" err="1"/>
               <a:t>hypergaussien</a:t>
             </a:r>
             <a:r>
-              <a:rPr lang="fr-FR" dirty="0" smtClean="0"/>
+              <a:rPr lang="fr-FR" dirty="0"/>
               <a:t>.</a:t>
             </a:r>
             <a:br>
-              <a:rPr lang="fr-FR" dirty="0" smtClean="0"/>
+              <a:rPr lang="fr-FR" dirty="0"/>
             </a:br>
             <a:endParaRPr lang="fr-FR" dirty="0"/>
           </a:p>
@@ -29580,22 +28928,22 @@
             </a:lvl9pPr>
           </a:lstStyle>
           <a:p>
+            <a:pPr>
+              <a:buFont typeface="Wingdings" panose="05000000000000000000" pitchFamily="2" charset="2"/>
+              <a:buChar char="v"/>
+            </a:pPr>
+            <a:r>
+              <a:rPr lang="fr-FR" sz="2400" u="sng" dirty="0"/>
+              <a:t>Utilisation de la tâche d’Airy</a:t>
+            </a:r>
+          </a:p>
+          <a:p>
             <a:pPr marL="446088" indent="-358775">
               <a:buFont typeface="Wingdings 3" charset="2"/>
               <a:buNone/>
             </a:pPr>
             <a:r>
-              <a:rPr lang="fr-FR" sz="2400" b="1" dirty="0" smtClean="0"/>
-              <a:t>Détermination de la position axiale:</a:t>
-            </a:r>
-          </a:p>
-          <a:p>
-            <a:pPr marL="446088" indent="-358775">
-              <a:buFont typeface="Wingdings 3" charset="2"/>
-              <a:buNone/>
-            </a:pPr>
-            <a:r>
-              <a:rPr lang="fr-FR" sz="2400" dirty="0" smtClean="0"/>
+              <a:rPr lang="fr-FR" sz="2400" dirty="0"/>
               <a:t> </a:t>
             </a:r>
           </a:p>
@@ -29619,13 +28967,386 @@
       <p:transition/>
     </mc:Fallback>
   </mc:AlternateContent>
-  <p:timing>
-    <p:tnLst>
-      <p:par>
-        <p:cTn id="1" dur="indefinite" restart="never" nodeType="tmRoot"/>
-      </p:par>
-    </p:tnLst>
-  </p:timing>
+</p:sld>
+</file>
+
+<file path=ppt/slides/slide11.xml><?xml version="1.0" encoding="utf-8"?>
+<p:sld xmlns:a="http://schemas.openxmlformats.org/drawingml/2006/main" xmlns:r="http://schemas.openxmlformats.org/officeDocument/2006/relationships" xmlns:p="http://schemas.openxmlformats.org/presentationml/2006/main" showMasterSp="0">
+  <p:cSld>
+    <p:spTree>
+      <p:nvGrpSpPr>
+        <p:cNvPr id="1" name=""/>
+        <p:cNvGrpSpPr/>
+        <p:nvPr/>
+      </p:nvGrpSpPr>
+      <p:grpSpPr>
+        <a:xfrm>
+          <a:off x="0" y="0"/>
+          <a:ext cx="0" cy="0"/>
+          <a:chOff x="0" y="0"/>
+          <a:chExt cx="0" cy="0"/>
+        </a:xfrm>
+      </p:grpSpPr>
+      <p:sp>
+        <p:nvSpPr>
+          <p:cNvPr id="3" name="Espace réservé du contenu 2"/>
+          <p:cNvSpPr>
+            <a:spLocks noGrp="1"/>
+          </p:cNvSpPr>
+          <p:nvPr>
+            <p:ph idx="1"/>
+          </p:nvPr>
+        </p:nvSpPr>
+        <p:spPr>
+          <a:xfrm>
+            <a:off x="1878012" y="274912"/>
+            <a:ext cx="8915400" cy="6212974"/>
+          </a:xfrm>
+        </p:spPr>
+        <p:txBody>
+          <a:bodyPr tIns="72000">
+            <a:noAutofit/>
+          </a:bodyPr>
+          <a:lstStyle/>
+          <a:p>
+            <a:pPr>
+              <a:buFont typeface="Wingdings" panose="05000000000000000000" pitchFamily="2" charset="2"/>
+              <a:buChar char="v"/>
+            </a:pPr>
+            <a:r>
+              <a:rPr lang="fr-FR" sz="2800" u="sng" dirty="0"/>
+              <a:t>Détermination de la position axiale </a:t>
+            </a:r>
+          </a:p>
+          <a:p>
+            <a:pPr>
+              <a:buFont typeface="Wingdings" panose="05000000000000000000" pitchFamily="2" charset="2"/>
+              <a:buChar char="v"/>
+            </a:pPr>
+            <a:endParaRPr lang="fr-FR" sz="2800" dirty="0"/>
+          </a:p>
+          <a:p>
+            <a:pPr marL="0" indent="0">
+              <a:buNone/>
+            </a:pPr>
+            <a:endParaRPr lang="fr-FR" sz="2800" dirty="0"/>
+          </a:p>
+        </p:txBody>
+      </p:sp>
+      <p:sp>
+        <p:nvSpPr>
+          <p:cNvPr id="6" name="Espace réservé du contenu 2"/>
+          <p:cNvSpPr txBox="1">
+            <a:spLocks/>
+          </p:cNvSpPr>
+          <p:nvPr/>
+        </p:nvSpPr>
+        <p:spPr>
+          <a:xfrm>
+            <a:off x="1215765" y="989214"/>
+            <a:ext cx="8915400" cy="5692635"/>
+          </a:xfrm>
+          <a:prstGeom prst="rect">
+            <a:avLst/>
+          </a:prstGeom>
+        </p:spPr>
+        <p:txBody>
+          <a:bodyPr vert="horz" lIns="91440" tIns="72000" rIns="91440" bIns="45720" rtlCol="0">
+            <a:noAutofit/>
+          </a:bodyPr>
+          <a:lstStyle>
+            <a:lvl1pPr marL="342900" indent="-342900" algn="l" defTabSz="457200" rtl="0" eaLnBrk="1" latinLnBrk="0" hangingPunct="1">
+              <a:spcBef>
+                <a:spcPts val="1000"/>
+              </a:spcBef>
+              <a:spcAft>
+                <a:spcPts val="0"/>
+              </a:spcAft>
+              <a:buClr>
+                <a:schemeClr val="accent1"/>
+              </a:buClr>
+              <a:buFont typeface="Wingdings 3" charset="2"/>
+              <a:buChar char=""/>
+              <a:defRPr sz="1800" kern="1200">
+                <a:solidFill>
+                  <a:schemeClr val="tx1">
+                    <a:lumMod val="75000"/>
+                    <a:lumOff val="25000"/>
+                  </a:schemeClr>
+                </a:solidFill>
+                <a:latin typeface="+mn-lt"/>
+                <a:ea typeface="+mn-ea"/>
+                <a:cs typeface="+mn-cs"/>
+              </a:defRPr>
+            </a:lvl1pPr>
+            <a:lvl2pPr marL="742950" indent="-285750" algn="l" defTabSz="457200" rtl="0" eaLnBrk="1" latinLnBrk="0" hangingPunct="1">
+              <a:spcBef>
+                <a:spcPts val="1000"/>
+              </a:spcBef>
+              <a:spcAft>
+                <a:spcPts val="0"/>
+              </a:spcAft>
+              <a:buClr>
+                <a:schemeClr val="accent1"/>
+              </a:buClr>
+              <a:buFont typeface="Wingdings 3" charset="2"/>
+              <a:buChar char=""/>
+              <a:defRPr sz="1600" kern="1200">
+                <a:solidFill>
+                  <a:schemeClr val="tx1">
+                    <a:lumMod val="75000"/>
+                    <a:lumOff val="25000"/>
+                  </a:schemeClr>
+                </a:solidFill>
+                <a:latin typeface="+mn-lt"/>
+                <a:ea typeface="+mn-ea"/>
+                <a:cs typeface="+mn-cs"/>
+              </a:defRPr>
+            </a:lvl2pPr>
+            <a:lvl3pPr marL="1143000" indent="-228600" algn="l" defTabSz="457200" rtl="0" eaLnBrk="1" latinLnBrk="0" hangingPunct="1">
+              <a:spcBef>
+                <a:spcPts val="1000"/>
+              </a:spcBef>
+              <a:spcAft>
+                <a:spcPts val="0"/>
+              </a:spcAft>
+              <a:buClr>
+                <a:schemeClr val="accent1"/>
+              </a:buClr>
+              <a:buFont typeface="Wingdings 3" charset="2"/>
+              <a:buChar char=""/>
+              <a:defRPr sz="1400" kern="1200">
+                <a:solidFill>
+                  <a:schemeClr val="tx1">
+                    <a:lumMod val="75000"/>
+                    <a:lumOff val="25000"/>
+                  </a:schemeClr>
+                </a:solidFill>
+                <a:latin typeface="+mn-lt"/>
+                <a:ea typeface="+mn-ea"/>
+                <a:cs typeface="+mn-cs"/>
+              </a:defRPr>
+            </a:lvl3pPr>
+            <a:lvl4pPr marL="1600200" indent="-228600" algn="l" defTabSz="457200" rtl="0" eaLnBrk="1" latinLnBrk="0" hangingPunct="1">
+              <a:spcBef>
+                <a:spcPts val="1000"/>
+              </a:spcBef>
+              <a:spcAft>
+                <a:spcPts val="0"/>
+              </a:spcAft>
+              <a:buClr>
+                <a:schemeClr val="accent1"/>
+              </a:buClr>
+              <a:buFont typeface="Wingdings 3" charset="2"/>
+              <a:buChar char=""/>
+              <a:defRPr sz="1200" kern="1200">
+                <a:solidFill>
+                  <a:schemeClr val="tx1">
+                    <a:lumMod val="75000"/>
+                    <a:lumOff val="25000"/>
+                  </a:schemeClr>
+                </a:solidFill>
+                <a:latin typeface="+mn-lt"/>
+                <a:ea typeface="+mn-ea"/>
+                <a:cs typeface="+mn-cs"/>
+              </a:defRPr>
+            </a:lvl4pPr>
+            <a:lvl5pPr marL="2057400" indent="-228600" algn="l" defTabSz="457200" rtl="0" eaLnBrk="1" latinLnBrk="0" hangingPunct="1">
+              <a:spcBef>
+                <a:spcPts val="1000"/>
+              </a:spcBef>
+              <a:spcAft>
+                <a:spcPts val="0"/>
+              </a:spcAft>
+              <a:buClr>
+                <a:schemeClr val="accent1"/>
+              </a:buClr>
+              <a:buFont typeface="Wingdings 3" charset="2"/>
+              <a:buChar char=""/>
+              <a:defRPr sz="1200" kern="1200">
+                <a:solidFill>
+                  <a:schemeClr val="tx1">
+                    <a:lumMod val="75000"/>
+                    <a:lumOff val="25000"/>
+                  </a:schemeClr>
+                </a:solidFill>
+                <a:latin typeface="+mn-lt"/>
+                <a:ea typeface="+mn-ea"/>
+                <a:cs typeface="+mn-cs"/>
+              </a:defRPr>
+            </a:lvl5pPr>
+            <a:lvl6pPr marL="2514600" indent="-228600" algn="l" defTabSz="457200" rtl="0" eaLnBrk="1" latinLnBrk="0" hangingPunct="1">
+              <a:spcBef>
+                <a:spcPts val="1000"/>
+              </a:spcBef>
+              <a:spcAft>
+                <a:spcPts val="0"/>
+              </a:spcAft>
+              <a:buClr>
+                <a:schemeClr val="accent1"/>
+              </a:buClr>
+              <a:buFont typeface="Wingdings 3" charset="2"/>
+              <a:buChar char=""/>
+              <a:defRPr sz="1200" kern="1200">
+                <a:solidFill>
+                  <a:schemeClr val="tx1">
+                    <a:lumMod val="75000"/>
+                    <a:lumOff val="25000"/>
+                  </a:schemeClr>
+                </a:solidFill>
+                <a:latin typeface="+mn-lt"/>
+                <a:ea typeface="+mn-ea"/>
+                <a:cs typeface="+mn-cs"/>
+              </a:defRPr>
+            </a:lvl6pPr>
+            <a:lvl7pPr marL="2971800" indent="-228600" algn="l" defTabSz="457200" rtl="0" eaLnBrk="1" latinLnBrk="0" hangingPunct="1">
+              <a:spcBef>
+                <a:spcPts val="1000"/>
+              </a:spcBef>
+              <a:spcAft>
+                <a:spcPts val="0"/>
+              </a:spcAft>
+              <a:buClr>
+                <a:schemeClr val="accent1"/>
+              </a:buClr>
+              <a:buFont typeface="Wingdings 3" charset="2"/>
+              <a:buChar char=""/>
+              <a:defRPr sz="1200" kern="1200">
+                <a:solidFill>
+                  <a:schemeClr val="tx1">
+                    <a:lumMod val="75000"/>
+                    <a:lumOff val="25000"/>
+                  </a:schemeClr>
+                </a:solidFill>
+                <a:latin typeface="+mn-lt"/>
+                <a:ea typeface="+mn-ea"/>
+                <a:cs typeface="+mn-cs"/>
+              </a:defRPr>
+            </a:lvl7pPr>
+            <a:lvl8pPr marL="3429000" indent="-228600" algn="l" defTabSz="457200" rtl="0" eaLnBrk="1" latinLnBrk="0" hangingPunct="1">
+              <a:spcBef>
+                <a:spcPts val="1000"/>
+              </a:spcBef>
+              <a:spcAft>
+                <a:spcPts val="0"/>
+              </a:spcAft>
+              <a:buClr>
+                <a:schemeClr val="accent1"/>
+              </a:buClr>
+              <a:buFont typeface="Wingdings 3" charset="2"/>
+              <a:buChar char=""/>
+              <a:defRPr sz="1200" kern="1200">
+                <a:solidFill>
+                  <a:schemeClr val="tx1">
+                    <a:lumMod val="75000"/>
+                    <a:lumOff val="25000"/>
+                  </a:schemeClr>
+                </a:solidFill>
+                <a:latin typeface="+mn-lt"/>
+                <a:ea typeface="+mn-ea"/>
+                <a:cs typeface="+mn-cs"/>
+              </a:defRPr>
+            </a:lvl8pPr>
+            <a:lvl9pPr marL="3886200" indent="-228600" algn="l" defTabSz="457200" rtl="0" eaLnBrk="1" latinLnBrk="0" hangingPunct="1">
+              <a:spcBef>
+                <a:spcPts val="1000"/>
+              </a:spcBef>
+              <a:spcAft>
+                <a:spcPts val="0"/>
+              </a:spcAft>
+              <a:buClr>
+                <a:schemeClr val="accent1"/>
+              </a:buClr>
+              <a:buFont typeface="Wingdings 3" charset="2"/>
+              <a:buChar char=""/>
+              <a:defRPr sz="1200" kern="1200">
+                <a:solidFill>
+                  <a:schemeClr val="tx1">
+                    <a:lumMod val="75000"/>
+                    <a:lumOff val="25000"/>
+                  </a:schemeClr>
+                </a:solidFill>
+                <a:latin typeface="+mn-lt"/>
+                <a:ea typeface="+mn-ea"/>
+                <a:cs typeface="+mn-cs"/>
+              </a:defRPr>
+            </a:lvl9pPr>
+          </a:lstStyle>
+          <a:p>
+            <a:pPr marL="446088" indent="-358775">
+              <a:buFont typeface="Wingdings 3" charset="2"/>
+              <a:buNone/>
+            </a:pPr>
+            <a:endParaRPr lang="fr-FR" sz="2400" dirty="0"/>
+          </a:p>
+        </p:txBody>
+      </p:sp>
+      <p:pic>
+        <p:nvPicPr>
+          <p:cNvPr id="4" name="Image 3"/>
+          <p:cNvPicPr>
+            <a:picLocks noChangeAspect="1"/>
+          </p:cNvPicPr>
+          <p:nvPr/>
+        </p:nvPicPr>
+        <p:blipFill>
+          <a:blip r:embed="rId2"/>
+          <a:stretch>
+            <a:fillRect/>
+          </a:stretch>
+        </p:blipFill>
+        <p:spPr>
+          <a:xfrm>
+            <a:off x="6378762" y="1925842"/>
+            <a:ext cx="5076897" cy="3819375"/>
+          </a:xfrm>
+          <a:prstGeom prst="rect">
+            <a:avLst/>
+          </a:prstGeom>
+        </p:spPr>
+      </p:pic>
+      <p:pic>
+        <p:nvPicPr>
+          <p:cNvPr id="5" name="Image 4"/>
+          <p:cNvPicPr>
+            <a:picLocks noChangeAspect="1"/>
+          </p:cNvPicPr>
+          <p:nvPr/>
+        </p:nvPicPr>
+        <p:blipFill>
+          <a:blip r:embed="rId3"/>
+          <a:stretch>
+            <a:fillRect/>
+          </a:stretch>
+        </p:blipFill>
+        <p:spPr>
+          <a:xfrm>
+            <a:off x="639618" y="1925841"/>
+            <a:ext cx="5076897" cy="3819375"/>
+          </a:xfrm>
+          <a:prstGeom prst="rect">
+            <a:avLst/>
+          </a:prstGeom>
+        </p:spPr>
+      </p:pic>
+    </p:spTree>
+    <p:extLst>
+      <p:ext uri="{BB962C8B-B14F-4D97-AF65-F5344CB8AC3E}">
+        <p14:creationId xmlns:p14="http://schemas.microsoft.com/office/powerpoint/2010/main" val="628538157"/>
+      </p:ext>
+    </p:extLst>
+  </p:cSld>
+  <p:clrMapOvr>
+    <a:masterClrMapping/>
+  </p:clrMapOvr>
+  <mc:AlternateContent xmlns:mc="http://schemas.openxmlformats.org/markup-compatibility/2006" xmlns:p14="http://schemas.microsoft.com/office/powerpoint/2010/main">
+    <mc:Choice Requires="p14">
+      <p:transition p14:dur="10"/>
+    </mc:Choice>
+    <mc:Fallback xmlns="">
+      <p:transition/>
+    </mc:Fallback>
+  </mc:AlternateContent>
 </p:sld>
 </file>
 
@@ -29658,7 +29379,7 @@
         </p:nvSpPr>
         <p:spPr>
           <a:xfrm>
-            <a:off x="1878012" y="274912"/>
+            <a:off x="756598" y="261660"/>
             <a:ext cx="8915400" cy="6212974"/>
           </a:xfrm>
         </p:spPr>
@@ -29668,16 +29389,14 @@
           </a:bodyPr>
           <a:lstStyle/>
           <a:p>
-            <a:pPr marL="0" indent="0">
-              <a:buNone/>
+            <a:pPr>
+              <a:buFont typeface="Wingdings" panose="05000000000000000000" pitchFamily="2" charset="2"/>
+              <a:buChar char="v"/>
             </a:pPr>
-            <a:endParaRPr lang="fr-FR" sz="2800" dirty="0" smtClean="0"/>
-          </a:p>
-          <a:p>
-            <a:pPr marL="0" indent="0">
-              <a:buNone/>
-            </a:pPr>
-            <a:endParaRPr lang="fr-FR" sz="2800" dirty="0"/>
+            <a:r>
+              <a:rPr lang="fr-FR" sz="2800" u="sng" dirty="0"/>
+              <a:t>Traitement fréquentiel préliminaire</a:t>
+            </a:r>
           </a:p>
         </p:txBody>
       </p:sp>
@@ -29843,8 +29562,34 @@
             <a:bodyPr rtlCol="0" anchor="ctr"/>
             <a:lstStyle/>
             <a:p>
-              <a:pPr algn="ctr"/>
-              <a:endParaRPr lang="fr-FR"/>
+              <a:pPr marL="0" marR="0" lvl="0" indent="0" algn="ctr" defTabSz="914400" eaLnBrk="1" fontAlgn="auto" latinLnBrk="0" hangingPunct="1">
+                <a:lnSpc>
+                  <a:spcPct val="100000"/>
+                </a:lnSpc>
+                <a:spcBef>
+                  <a:spcPts val="0"/>
+                </a:spcBef>
+                <a:spcAft>
+                  <a:spcPts val="0"/>
+                </a:spcAft>
+                <a:buClrTx/>
+                <a:buSzTx/>
+                <a:buFontTx/>
+                <a:buNone/>
+                <a:tabLst/>
+                <a:defRPr/>
+              </a:pPr>
+              <a:endParaRPr kumimoji="0" lang="fr-FR" sz="1800" b="0" i="0" u="none" strike="noStrike" kern="0" cap="none" spc="0" normalizeH="0" baseline="0" noProof="0">
+                <a:ln>
+                  <a:noFill/>
+                </a:ln>
+                <a:solidFill>
+                  <a:sysClr val="windowText" lastClr="000000"/>
+                </a:solidFill>
+                <a:effectLst/>
+                <a:uLnTx/>
+                <a:uFillTx/>
+              </a:endParaRPr>
             </a:p>
           </p:txBody>
         </p:sp>
@@ -29871,11 +29616,37 @@
           </a:bodyPr>
           <a:lstStyle/>
           <a:p>
-            <a:r>
-              <a:rPr lang="fr-FR" dirty="0" smtClean="0"/>
+            <a:pPr marL="0" marR="0" lvl="0" indent="0" defTabSz="914400" eaLnBrk="1" fontAlgn="auto" latinLnBrk="0" hangingPunct="1">
+              <a:lnSpc>
+                <a:spcPct val="100000"/>
+              </a:lnSpc>
+              <a:spcBef>
+                <a:spcPts val="0"/>
+              </a:spcBef>
+              <a:spcAft>
+                <a:spcPts val="0"/>
+              </a:spcAft>
+              <a:buClrTx/>
+              <a:buSzTx/>
+              <a:buFontTx/>
+              <a:buNone/>
+              <a:tabLst/>
+              <a:defRPr/>
+            </a:pPr>
+            <a:r>
+              <a:rPr kumimoji="0" lang="fr-FR" sz="1800" b="0" i="0" u="none" strike="noStrike" kern="0" cap="none" spc="0" normalizeH="0" baseline="0" noProof="0" dirty="0">
+                <a:ln>
+                  <a:noFill/>
+                </a:ln>
+                <a:solidFill>
+                  <a:sysClr val="windowText" lastClr="000000"/>
+                </a:solidFill>
+                <a:effectLst/>
+                <a:uLnTx/>
+                <a:uFillTx/>
+              </a:rPr>
               <a:t>Conservation des fréquences mais pas de la phase.</a:t>
             </a:r>
-            <a:endParaRPr lang="fr-FR" dirty="0"/>
           </a:p>
         </p:txBody>
       </p:sp>
@@ -29901,32 +29672,47 @@
           </a:bodyPr>
           <a:lstStyle/>
           <a:p>
-            <a:r>
-              <a:rPr lang="fr-FR" b="1" dirty="0" smtClean="0">
+            <a:pPr marL="0" marR="0" lvl="0" indent="0" defTabSz="914400" eaLnBrk="1" fontAlgn="auto" latinLnBrk="0" hangingPunct="1">
+              <a:lnSpc>
+                <a:spcPct val="100000"/>
+              </a:lnSpc>
+              <a:spcBef>
+                <a:spcPts val="0"/>
+              </a:spcBef>
+              <a:spcAft>
+                <a:spcPts val="0"/>
+              </a:spcAft>
+              <a:buClrTx/>
+              <a:buSzTx/>
+              <a:buFontTx/>
+              <a:buNone/>
+              <a:tabLst/>
+              <a:defRPr/>
+            </a:pPr>
+            <a:r>
+              <a:rPr kumimoji="0" lang="fr-FR" sz="1800" b="1" i="0" u="none" strike="noStrike" kern="0" cap="none" spc="0" normalizeH="0" baseline="0" noProof="0" dirty="0">
+                <a:ln>
+                  <a:noFill/>
+                </a:ln>
                 <a:solidFill>
                   <a:schemeClr val="tx1">
                     <a:lumMod val="75000"/>
                     <a:lumOff val="25000"/>
                   </a:schemeClr>
                 </a:solidFill>
+                <a:effectLst/>
+                <a:uLnTx/>
+                <a:uFillTx/>
               </a:rPr>
               <a:t>Elimination de la phase de l’image:</a:t>
             </a:r>
-            <a:endParaRPr lang="fr-FR" b="1" dirty="0">
-              <a:solidFill>
-                <a:schemeClr val="tx1">
-                  <a:lumMod val="75000"/>
-                  <a:lumOff val="25000"/>
-                </a:schemeClr>
-              </a:solidFill>
-            </a:endParaRPr>
           </a:p>
         </p:txBody>
       </p:sp>
     </p:spTree>
     <p:extLst>
       <p:ext uri="{BB962C8B-B14F-4D97-AF65-F5344CB8AC3E}">
-        <p14:creationId xmlns:p14="http://schemas.microsoft.com/office/powerpoint/2010/main" val="706910873"/>
+        <p14:creationId xmlns:p14="http://schemas.microsoft.com/office/powerpoint/2010/main" val="3546703756"/>
       </p:ext>
     </p:extLst>
   </p:cSld>
@@ -29935,19 +29721,12 @@
   </p:clrMapOvr>
   <mc:AlternateContent xmlns:mc="http://schemas.openxmlformats.org/markup-compatibility/2006">
     <mc:Choice xmlns:p14="http://schemas.microsoft.com/office/powerpoint/2010/main" Requires="p14">
-      <p:transition p14:dur="0"/>
+      <p:transition p14:dur="10"/>
     </mc:Choice>
     <mc:Fallback>
       <p:transition/>
     </mc:Fallback>
   </mc:AlternateContent>
-  <p:timing>
-    <p:tnLst>
-      <p:par>
-        <p:cTn id="1" dur="indefinite" restart="never" nodeType="tmRoot"/>
-      </p:par>
-    </p:tnLst>
-  </p:timing>
 </p:sld>
 </file>
 
@@ -29980,47 +29759,29 @@
         </p:nvSpPr>
         <p:spPr>
           <a:xfrm>
-            <a:off x="1878012" y="274912"/>
-            <a:ext cx="8915400" cy="6212974"/>
+            <a:off x="7075825" y="1207701"/>
+            <a:ext cx="3962401" cy="6212974"/>
           </a:xfrm>
         </p:spPr>
         <p:txBody>
-          <a:bodyPr tIns="72000">
+          <a:bodyPr tIns="72000" numCol="1">
             <a:noAutofit/>
           </a:bodyPr>
           <a:lstStyle/>
           <a:p>
-            <a:pPr>
-              <a:buFont typeface="Wingdings" panose="05000000000000000000" pitchFamily="2" charset="2"/>
-              <a:buChar char="v"/>
-            </a:pPr>
-            <a:r>
-              <a:rPr lang="fr-FR" sz="2800" u="sng" dirty="0" smtClean="0"/>
-              <a:t>III</a:t>
-            </a:r>
-            <a:r>
-              <a:rPr lang="fr-FR" sz="2800" u="sng" dirty="0"/>
-              <a:t>. Détermination de la position axiale </a:t>
-            </a:r>
-          </a:p>
-          <a:p>
-            <a:pPr>
-              <a:buFont typeface="Wingdings" panose="05000000000000000000" pitchFamily="2" charset="2"/>
-              <a:buChar char="v"/>
-            </a:pPr>
-            <a:endParaRPr lang="fr-FR" sz="2800" dirty="0" smtClean="0"/>
-          </a:p>
-          <a:p>
-            <a:pPr marL="0" indent="0">
-              <a:buNone/>
-            </a:pPr>
-            <a:endParaRPr lang="fr-FR" sz="2800" dirty="0"/>
-          </a:p>
-        </p:txBody>
-      </p:sp>
-      <p:sp>
-        <p:nvSpPr>
-          <p:cNvPr id="6" name="Espace réservé du contenu 2"/>
+            <a:endParaRPr lang="fr-FR" dirty="0"/>
+          </a:p>
+          <a:p>
+            <a:r>
+              <a:rPr lang="fr-FR" dirty="0"/>
+              <a:t>Détermination des barycentres</a:t>
+            </a:r>
+          </a:p>
+        </p:txBody>
+      </p:sp>
+      <p:sp>
+        <p:nvSpPr>
+          <p:cNvPr id="5" name="Espace réservé du contenu 2"/>
           <p:cNvSpPr txBox="1">
             <a:spLocks/>
           </p:cNvSpPr>
@@ -30028,15 +29789,15 @@
         </p:nvSpPr>
         <p:spPr>
           <a:xfrm>
-            <a:off x="1215765" y="989214"/>
-            <a:ext cx="8915400" cy="5692635"/>
+            <a:off x="992088" y="1207701"/>
+            <a:ext cx="4258912" cy="6212974"/>
           </a:xfrm>
           <a:prstGeom prst="rect">
             <a:avLst/>
           </a:prstGeom>
         </p:spPr>
         <p:txBody>
-          <a:bodyPr vert="horz" lIns="91440" tIns="72000" rIns="91440" bIns="45720" rtlCol="0">
+          <a:bodyPr vert="horz" lIns="91440" tIns="72000" rIns="91440" bIns="45720" numCol="1" rtlCol="0">
             <a:noAutofit/>
           </a:bodyPr>
           <a:lstStyle>
@@ -30258,76 +30019,350 @@
             </a:lvl9pPr>
           </a:lstStyle>
           <a:p>
-            <a:pPr marL="446088" indent="-358775">
+            <a:pPr marL="0" indent="0">
               <a:buFont typeface="Wingdings 3" charset="2"/>
               <a:buNone/>
             </a:pPr>
-            <a:r>
-              <a:rPr lang="fr-FR" sz="2400" b="1" dirty="0" smtClean="0"/>
-              <a:t>Création de courbes de calibrations:</a:t>
-            </a:r>
-          </a:p>
-          <a:p>
-            <a:pPr marL="446088" indent="-358775">
+            <a:endParaRPr lang="fr-FR" u="sng" dirty="0"/>
+          </a:p>
+          <a:p>
+            <a:r>
+              <a:rPr lang="fr-FR" dirty="0"/>
+              <a:t>Seuillage</a:t>
+            </a:r>
+            <a:r>
+              <a:rPr lang="en-US" dirty="0"/>
+              <a:t> par rapport à </a:t>
+            </a:r>
+            <a:r>
+              <a:rPr lang="fr-FR" dirty="0"/>
+              <a:t>une</a:t>
+            </a:r>
+            <a:r>
+              <a:rPr lang="en-US" dirty="0"/>
+              <a:t> </a:t>
+            </a:r>
+            <a:r>
+              <a:rPr lang="fr-FR" dirty="0"/>
+              <a:t>gaussienne</a:t>
+            </a:r>
+            <a:r>
+              <a:rPr lang="en-US" dirty="0"/>
+              <a:t> 						</a:t>
+            </a:r>
+          </a:p>
+          <a:p>
+            <a:endParaRPr lang="fr-FR" dirty="0"/>
+          </a:p>
+        </p:txBody>
+      </p:sp>
+      <p:sp>
+        <p:nvSpPr>
+          <p:cNvPr id="6" name="Espace réservé du contenu 2"/>
+          <p:cNvSpPr txBox="1">
+            <a:spLocks/>
+          </p:cNvSpPr>
+          <p:nvPr/>
+        </p:nvSpPr>
+        <p:spPr>
+          <a:xfrm>
+            <a:off x="1152938" y="486947"/>
+            <a:ext cx="10731281" cy="720754"/>
+          </a:xfrm>
+          <a:prstGeom prst="rect">
+            <a:avLst/>
+          </a:prstGeom>
+        </p:spPr>
+        <p:txBody>
+          <a:bodyPr vert="horz" lIns="91440" tIns="72000" rIns="91440" bIns="45720" numCol="1" rtlCol="0">
+            <a:noAutofit/>
+          </a:bodyPr>
+          <a:lstStyle>
+            <a:lvl1pPr marL="342900" indent="-342900" algn="l" defTabSz="457200" rtl="0" eaLnBrk="1" latinLnBrk="0" hangingPunct="1">
+              <a:spcBef>
+                <a:spcPts val="1000"/>
+              </a:spcBef>
+              <a:spcAft>
+                <a:spcPts val="0"/>
+              </a:spcAft>
+              <a:buClr>
+                <a:schemeClr val="accent1"/>
+              </a:buClr>
               <a:buFont typeface="Wingdings 3" charset="2"/>
-              <a:buNone/>
+              <a:buChar char=""/>
+              <a:defRPr sz="1800" kern="1200">
+                <a:solidFill>
+                  <a:schemeClr val="tx1">
+                    <a:lumMod val="75000"/>
+                    <a:lumOff val="25000"/>
+                  </a:schemeClr>
+                </a:solidFill>
+                <a:latin typeface="+mn-lt"/>
+                <a:ea typeface="+mn-ea"/>
+                <a:cs typeface="+mn-cs"/>
+              </a:defRPr>
+            </a:lvl1pPr>
+            <a:lvl2pPr marL="742950" indent="-285750" algn="l" defTabSz="457200" rtl="0" eaLnBrk="1" latinLnBrk="0" hangingPunct="1">
+              <a:spcBef>
+                <a:spcPts val="1000"/>
+              </a:spcBef>
+              <a:spcAft>
+                <a:spcPts val="0"/>
+              </a:spcAft>
+              <a:buClr>
+                <a:schemeClr val="accent1"/>
+              </a:buClr>
+              <a:buFont typeface="Wingdings 3" charset="2"/>
+              <a:buChar char=""/>
+              <a:defRPr sz="1600" kern="1200">
+                <a:solidFill>
+                  <a:schemeClr val="tx1">
+                    <a:lumMod val="75000"/>
+                    <a:lumOff val="25000"/>
+                  </a:schemeClr>
+                </a:solidFill>
+                <a:latin typeface="+mn-lt"/>
+                <a:ea typeface="+mn-ea"/>
+                <a:cs typeface="+mn-cs"/>
+              </a:defRPr>
+            </a:lvl2pPr>
+            <a:lvl3pPr marL="1143000" indent="-228600" algn="l" defTabSz="457200" rtl="0" eaLnBrk="1" latinLnBrk="0" hangingPunct="1">
+              <a:spcBef>
+                <a:spcPts val="1000"/>
+              </a:spcBef>
+              <a:spcAft>
+                <a:spcPts val="0"/>
+              </a:spcAft>
+              <a:buClr>
+                <a:schemeClr val="accent1"/>
+              </a:buClr>
+              <a:buFont typeface="Wingdings 3" charset="2"/>
+              <a:buChar char=""/>
+              <a:defRPr sz="1400" kern="1200">
+                <a:solidFill>
+                  <a:schemeClr val="tx1">
+                    <a:lumMod val="75000"/>
+                    <a:lumOff val="25000"/>
+                  </a:schemeClr>
+                </a:solidFill>
+                <a:latin typeface="+mn-lt"/>
+                <a:ea typeface="+mn-ea"/>
+                <a:cs typeface="+mn-cs"/>
+              </a:defRPr>
+            </a:lvl3pPr>
+            <a:lvl4pPr marL="1600200" indent="-228600" algn="l" defTabSz="457200" rtl="0" eaLnBrk="1" latinLnBrk="0" hangingPunct="1">
+              <a:spcBef>
+                <a:spcPts val="1000"/>
+              </a:spcBef>
+              <a:spcAft>
+                <a:spcPts val="0"/>
+              </a:spcAft>
+              <a:buClr>
+                <a:schemeClr val="accent1"/>
+              </a:buClr>
+              <a:buFont typeface="Wingdings 3" charset="2"/>
+              <a:buChar char=""/>
+              <a:defRPr sz="1200" kern="1200">
+                <a:solidFill>
+                  <a:schemeClr val="tx1">
+                    <a:lumMod val="75000"/>
+                    <a:lumOff val="25000"/>
+                  </a:schemeClr>
+                </a:solidFill>
+                <a:latin typeface="+mn-lt"/>
+                <a:ea typeface="+mn-ea"/>
+                <a:cs typeface="+mn-cs"/>
+              </a:defRPr>
+            </a:lvl4pPr>
+            <a:lvl5pPr marL="2057400" indent="-228600" algn="l" defTabSz="457200" rtl="0" eaLnBrk="1" latinLnBrk="0" hangingPunct="1">
+              <a:spcBef>
+                <a:spcPts val="1000"/>
+              </a:spcBef>
+              <a:spcAft>
+                <a:spcPts val="0"/>
+              </a:spcAft>
+              <a:buClr>
+                <a:schemeClr val="accent1"/>
+              </a:buClr>
+              <a:buFont typeface="Wingdings 3" charset="2"/>
+              <a:buChar char=""/>
+              <a:defRPr sz="1200" kern="1200">
+                <a:solidFill>
+                  <a:schemeClr val="tx1">
+                    <a:lumMod val="75000"/>
+                    <a:lumOff val="25000"/>
+                  </a:schemeClr>
+                </a:solidFill>
+                <a:latin typeface="+mn-lt"/>
+                <a:ea typeface="+mn-ea"/>
+                <a:cs typeface="+mn-cs"/>
+              </a:defRPr>
+            </a:lvl5pPr>
+            <a:lvl6pPr marL="2514600" indent="-228600" algn="l" defTabSz="457200" rtl="0" eaLnBrk="1" latinLnBrk="0" hangingPunct="1">
+              <a:spcBef>
+                <a:spcPts val="1000"/>
+              </a:spcBef>
+              <a:spcAft>
+                <a:spcPts val="0"/>
+              </a:spcAft>
+              <a:buClr>
+                <a:schemeClr val="accent1"/>
+              </a:buClr>
+              <a:buFont typeface="Wingdings 3" charset="2"/>
+              <a:buChar char=""/>
+              <a:defRPr sz="1200" kern="1200">
+                <a:solidFill>
+                  <a:schemeClr val="tx1">
+                    <a:lumMod val="75000"/>
+                    <a:lumOff val="25000"/>
+                  </a:schemeClr>
+                </a:solidFill>
+                <a:latin typeface="+mn-lt"/>
+                <a:ea typeface="+mn-ea"/>
+                <a:cs typeface="+mn-cs"/>
+              </a:defRPr>
+            </a:lvl6pPr>
+            <a:lvl7pPr marL="2971800" indent="-228600" algn="l" defTabSz="457200" rtl="0" eaLnBrk="1" latinLnBrk="0" hangingPunct="1">
+              <a:spcBef>
+                <a:spcPts val="1000"/>
+              </a:spcBef>
+              <a:spcAft>
+                <a:spcPts val="0"/>
+              </a:spcAft>
+              <a:buClr>
+                <a:schemeClr val="accent1"/>
+              </a:buClr>
+              <a:buFont typeface="Wingdings 3" charset="2"/>
+              <a:buChar char=""/>
+              <a:defRPr sz="1200" kern="1200">
+                <a:solidFill>
+                  <a:schemeClr val="tx1">
+                    <a:lumMod val="75000"/>
+                    <a:lumOff val="25000"/>
+                  </a:schemeClr>
+                </a:solidFill>
+                <a:latin typeface="+mn-lt"/>
+                <a:ea typeface="+mn-ea"/>
+                <a:cs typeface="+mn-cs"/>
+              </a:defRPr>
+            </a:lvl7pPr>
+            <a:lvl8pPr marL="3429000" indent="-228600" algn="l" defTabSz="457200" rtl="0" eaLnBrk="1" latinLnBrk="0" hangingPunct="1">
+              <a:spcBef>
+                <a:spcPts val="1000"/>
+              </a:spcBef>
+              <a:spcAft>
+                <a:spcPts val="0"/>
+              </a:spcAft>
+              <a:buClr>
+                <a:schemeClr val="accent1"/>
+              </a:buClr>
+              <a:buFont typeface="Wingdings 3" charset="2"/>
+              <a:buChar char=""/>
+              <a:defRPr sz="1200" kern="1200">
+                <a:solidFill>
+                  <a:schemeClr val="tx1">
+                    <a:lumMod val="75000"/>
+                    <a:lumOff val="25000"/>
+                  </a:schemeClr>
+                </a:solidFill>
+                <a:latin typeface="+mn-lt"/>
+                <a:ea typeface="+mn-ea"/>
+                <a:cs typeface="+mn-cs"/>
+              </a:defRPr>
+            </a:lvl8pPr>
+            <a:lvl9pPr marL="3886200" indent="-228600" algn="l" defTabSz="457200" rtl="0" eaLnBrk="1" latinLnBrk="0" hangingPunct="1">
+              <a:spcBef>
+                <a:spcPts val="1000"/>
+              </a:spcBef>
+              <a:spcAft>
+                <a:spcPts val="0"/>
+              </a:spcAft>
+              <a:buClr>
+                <a:schemeClr val="accent1"/>
+              </a:buClr>
+              <a:buFont typeface="Wingdings 3" charset="2"/>
+              <a:buChar char=""/>
+              <a:defRPr sz="1200" kern="1200">
+                <a:solidFill>
+                  <a:schemeClr val="tx1">
+                    <a:lumMod val="75000"/>
+                    <a:lumOff val="25000"/>
+                  </a:schemeClr>
+                </a:solidFill>
+                <a:latin typeface="+mn-lt"/>
+                <a:ea typeface="+mn-ea"/>
+                <a:cs typeface="+mn-cs"/>
+              </a:defRPr>
+            </a:lvl9pPr>
+          </a:lstStyle>
+          <a:p>
+            <a:pPr algn="ctr">
+              <a:buFont typeface="Wingdings" panose="05000000000000000000" pitchFamily="2" charset="2"/>
+              <a:buChar char="v"/>
             </a:pPr>
             <a:r>
-              <a:rPr lang="fr-FR" sz="2400" dirty="0" smtClean="0"/>
-              <a:t>Interfrange de l’image du réseau:</a:t>
-            </a:r>
-            <a:br>
-              <a:rPr lang="fr-FR" sz="2400" dirty="0" smtClean="0"/>
-            </a:br>
-            <a:r>
-              <a:rPr lang="fr-FR" sz="2400" dirty="0" smtClean="0"/>
-              <a:t>Contient des informations sur le positionnement axial.</a:t>
-            </a:r>
-            <a:br>
-              <a:rPr lang="fr-FR" sz="2400" dirty="0" smtClean="0"/>
-            </a:br>
-            <a:r>
-              <a:rPr lang="fr-FR" sz="2400" dirty="0" smtClean="0"/>
-              <a:t>On peut se passer de la phase de l’image.</a:t>
-            </a:r>
-            <a:br>
-              <a:rPr lang="fr-FR" sz="2400" dirty="0" smtClean="0"/>
-            </a:br>
-            <a:r>
-              <a:rPr lang="fr-FR" sz="2400" dirty="0"/>
-              <a:t/>
-            </a:r>
-            <a:br>
-              <a:rPr lang="fr-FR" sz="2400" dirty="0"/>
-            </a:br>
-            <a:r>
-              <a:rPr lang="fr-FR" sz="2400" dirty="0" smtClean="0"/>
-              <a:t>Les fréquences correspondant au réseau sont plus élevées que la fréquence de coupure du microscope ?</a:t>
-            </a:r>
-            <a:br>
-              <a:rPr lang="fr-FR" sz="2400" dirty="0" smtClean="0"/>
-            </a:br>
-            <a:r>
-              <a:rPr lang="fr-FR" sz="2400" dirty="0" smtClean="0"/>
-              <a:t>On coupe le centre de l’image?</a:t>
-            </a:r>
-          </a:p>
-          <a:p>
-            <a:pPr marL="446088" indent="-358775">
-              <a:buFont typeface="Wingdings 3" charset="2"/>
-              <a:buNone/>
-            </a:pPr>
-            <a:r>
-              <a:rPr lang="fr-FR" sz="2400" dirty="0" smtClean="0"/>
-              <a:t> </a:t>
-            </a:r>
-          </a:p>
-        </p:txBody>
-      </p:sp>
+              <a:rPr lang="fr-FR" sz="2800" u="sng" dirty="0"/>
+              <a:t>Méthode1 : Seuillage des images dans le domaine réel</a:t>
+            </a:r>
+            <a:r>
+              <a:rPr lang="en-US" dirty="0"/>
+              <a:t>			</a:t>
+            </a:r>
+          </a:p>
+        </p:txBody>
+      </p:sp>
+      <p:pic>
+        <p:nvPicPr>
+          <p:cNvPr id="8" name="Image 7"/>
+          <p:cNvPicPr>
+            <a:picLocks noChangeAspect="1"/>
+          </p:cNvPicPr>
+          <p:nvPr/>
+        </p:nvPicPr>
+        <p:blipFill>
+          <a:blip r:embed="rId2"/>
+          <a:stretch>
+            <a:fillRect/>
+          </a:stretch>
+        </p:blipFill>
+        <p:spPr>
+          <a:xfrm>
+            <a:off x="6518576" y="2438753"/>
+            <a:ext cx="5076897" cy="3819375"/>
+          </a:xfrm>
+          <a:prstGeom prst="rect">
+            <a:avLst/>
+          </a:prstGeom>
+        </p:spPr>
+      </p:pic>
+      <p:pic>
+        <p:nvPicPr>
+          <p:cNvPr id="9" name="Image 8"/>
+          <p:cNvPicPr>
+            <a:picLocks noChangeAspect="1"/>
+          </p:cNvPicPr>
+          <p:nvPr/>
+        </p:nvPicPr>
+        <p:blipFill>
+          <a:blip r:embed="rId3"/>
+          <a:stretch>
+            <a:fillRect/>
+          </a:stretch>
+        </p:blipFill>
+        <p:spPr>
+          <a:xfrm>
+            <a:off x="595686" y="2438753"/>
+            <a:ext cx="5076897" cy="3819375"/>
+          </a:xfrm>
+          <a:prstGeom prst="rect">
+            <a:avLst/>
+          </a:prstGeom>
+        </p:spPr>
+      </p:pic>
     </p:spTree>
     <p:extLst>
       <p:ext uri="{BB962C8B-B14F-4D97-AF65-F5344CB8AC3E}">
-        <p14:creationId xmlns:p14="http://schemas.microsoft.com/office/powerpoint/2010/main" val="628538157"/>
+        <p14:creationId xmlns:p14="http://schemas.microsoft.com/office/powerpoint/2010/main" val="2131642033"/>
       </p:ext>
     </p:extLst>
   </p:cSld>
@@ -30336,23 +30371,723 @@
   </p:clrMapOvr>
   <mc:AlternateContent xmlns:mc="http://schemas.openxmlformats.org/markup-compatibility/2006">
     <mc:Choice xmlns:p14="http://schemas.microsoft.com/office/powerpoint/2010/main" Requires="p14">
-      <p:transition p14:dur="10"/>
+      <p:transition p14:dur="0"/>
     </mc:Choice>
     <mc:Fallback>
       <p:transition/>
     </mc:Fallback>
   </mc:AlternateContent>
-  <p:timing>
-    <p:tnLst>
-      <p:par>
-        <p:cTn id="1" dur="indefinite" restart="never" nodeType="tmRoot"/>
-      </p:par>
-    </p:tnLst>
-  </p:timing>
 </p:sld>
 </file>
 
 <file path=ppt/slides/slide14.xml><?xml version="1.0" encoding="utf-8"?>
+<p:sld xmlns:a="http://schemas.openxmlformats.org/drawingml/2006/main" xmlns:r="http://schemas.openxmlformats.org/officeDocument/2006/relationships" xmlns:p="http://schemas.openxmlformats.org/presentationml/2006/main" showMasterSp="0">
+  <p:cSld>
+    <p:spTree>
+      <p:nvGrpSpPr>
+        <p:cNvPr id="1" name=""/>
+        <p:cNvGrpSpPr/>
+        <p:nvPr/>
+      </p:nvGrpSpPr>
+      <p:grpSpPr>
+        <a:xfrm>
+          <a:off x="0" y="0"/>
+          <a:ext cx="0" cy="0"/>
+          <a:chOff x="0" y="0"/>
+          <a:chExt cx="0" cy="0"/>
+        </a:xfrm>
+      </p:grpSpPr>
+      <p:sp>
+        <p:nvSpPr>
+          <p:cNvPr id="6" name="Espace réservé du contenu 2"/>
+          <p:cNvSpPr txBox="1">
+            <a:spLocks/>
+          </p:cNvSpPr>
+          <p:nvPr/>
+        </p:nvSpPr>
+        <p:spPr>
+          <a:xfrm>
+            <a:off x="1152938" y="486946"/>
+            <a:ext cx="10731281" cy="2180615"/>
+          </a:xfrm>
+          <a:prstGeom prst="rect">
+            <a:avLst/>
+          </a:prstGeom>
+        </p:spPr>
+        <p:txBody>
+          <a:bodyPr vert="horz" lIns="91440" tIns="72000" rIns="91440" bIns="45720" numCol="1" rtlCol="0">
+            <a:noAutofit/>
+          </a:bodyPr>
+          <a:lstStyle>
+            <a:lvl1pPr marL="342900" indent="-342900" algn="l" defTabSz="457200" rtl="0" eaLnBrk="1" latinLnBrk="0" hangingPunct="1">
+              <a:spcBef>
+                <a:spcPts val="1000"/>
+              </a:spcBef>
+              <a:spcAft>
+                <a:spcPts val="0"/>
+              </a:spcAft>
+              <a:buClr>
+                <a:schemeClr val="accent1"/>
+              </a:buClr>
+              <a:buFont typeface="Wingdings 3" charset="2"/>
+              <a:buChar char=""/>
+              <a:defRPr sz="1800" kern="1200">
+                <a:solidFill>
+                  <a:schemeClr val="tx1">
+                    <a:lumMod val="75000"/>
+                    <a:lumOff val="25000"/>
+                  </a:schemeClr>
+                </a:solidFill>
+                <a:latin typeface="+mn-lt"/>
+                <a:ea typeface="+mn-ea"/>
+                <a:cs typeface="+mn-cs"/>
+              </a:defRPr>
+            </a:lvl1pPr>
+            <a:lvl2pPr marL="742950" indent="-285750" algn="l" defTabSz="457200" rtl="0" eaLnBrk="1" latinLnBrk="0" hangingPunct="1">
+              <a:spcBef>
+                <a:spcPts val="1000"/>
+              </a:spcBef>
+              <a:spcAft>
+                <a:spcPts val="0"/>
+              </a:spcAft>
+              <a:buClr>
+                <a:schemeClr val="accent1"/>
+              </a:buClr>
+              <a:buFont typeface="Wingdings 3" charset="2"/>
+              <a:buChar char=""/>
+              <a:defRPr sz="1600" kern="1200">
+                <a:solidFill>
+                  <a:schemeClr val="tx1">
+                    <a:lumMod val="75000"/>
+                    <a:lumOff val="25000"/>
+                  </a:schemeClr>
+                </a:solidFill>
+                <a:latin typeface="+mn-lt"/>
+                <a:ea typeface="+mn-ea"/>
+                <a:cs typeface="+mn-cs"/>
+              </a:defRPr>
+            </a:lvl2pPr>
+            <a:lvl3pPr marL="1143000" indent="-228600" algn="l" defTabSz="457200" rtl="0" eaLnBrk="1" latinLnBrk="0" hangingPunct="1">
+              <a:spcBef>
+                <a:spcPts val="1000"/>
+              </a:spcBef>
+              <a:spcAft>
+                <a:spcPts val="0"/>
+              </a:spcAft>
+              <a:buClr>
+                <a:schemeClr val="accent1"/>
+              </a:buClr>
+              <a:buFont typeface="Wingdings 3" charset="2"/>
+              <a:buChar char=""/>
+              <a:defRPr sz="1400" kern="1200">
+                <a:solidFill>
+                  <a:schemeClr val="tx1">
+                    <a:lumMod val="75000"/>
+                    <a:lumOff val="25000"/>
+                  </a:schemeClr>
+                </a:solidFill>
+                <a:latin typeface="+mn-lt"/>
+                <a:ea typeface="+mn-ea"/>
+                <a:cs typeface="+mn-cs"/>
+              </a:defRPr>
+            </a:lvl3pPr>
+            <a:lvl4pPr marL="1600200" indent="-228600" algn="l" defTabSz="457200" rtl="0" eaLnBrk="1" latinLnBrk="0" hangingPunct="1">
+              <a:spcBef>
+                <a:spcPts val="1000"/>
+              </a:spcBef>
+              <a:spcAft>
+                <a:spcPts val="0"/>
+              </a:spcAft>
+              <a:buClr>
+                <a:schemeClr val="accent1"/>
+              </a:buClr>
+              <a:buFont typeface="Wingdings 3" charset="2"/>
+              <a:buChar char=""/>
+              <a:defRPr sz="1200" kern="1200">
+                <a:solidFill>
+                  <a:schemeClr val="tx1">
+                    <a:lumMod val="75000"/>
+                    <a:lumOff val="25000"/>
+                  </a:schemeClr>
+                </a:solidFill>
+                <a:latin typeface="+mn-lt"/>
+                <a:ea typeface="+mn-ea"/>
+                <a:cs typeface="+mn-cs"/>
+              </a:defRPr>
+            </a:lvl4pPr>
+            <a:lvl5pPr marL="2057400" indent="-228600" algn="l" defTabSz="457200" rtl="0" eaLnBrk="1" latinLnBrk="0" hangingPunct="1">
+              <a:spcBef>
+                <a:spcPts val="1000"/>
+              </a:spcBef>
+              <a:spcAft>
+                <a:spcPts val="0"/>
+              </a:spcAft>
+              <a:buClr>
+                <a:schemeClr val="accent1"/>
+              </a:buClr>
+              <a:buFont typeface="Wingdings 3" charset="2"/>
+              <a:buChar char=""/>
+              <a:defRPr sz="1200" kern="1200">
+                <a:solidFill>
+                  <a:schemeClr val="tx1">
+                    <a:lumMod val="75000"/>
+                    <a:lumOff val="25000"/>
+                  </a:schemeClr>
+                </a:solidFill>
+                <a:latin typeface="+mn-lt"/>
+                <a:ea typeface="+mn-ea"/>
+                <a:cs typeface="+mn-cs"/>
+              </a:defRPr>
+            </a:lvl5pPr>
+            <a:lvl6pPr marL="2514600" indent="-228600" algn="l" defTabSz="457200" rtl="0" eaLnBrk="1" latinLnBrk="0" hangingPunct="1">
+              <a:spcBef>
+                <a:spcPts val="1000"/>
+              </a:spcBef>
+              <a:spcAft>
+                <a:spcPts val="0"/>
+              </a:spcAft>
+              <a:buClr>
+                <a:schemeClr val="accent1"/>
+              </a:buClr>
+              <a:buFont typeface="Wingdings 3" charset="2"/>
+              <a:buChar char=""/>
+              <a:defRPr sz="1200" kern="1200">
+                <a:solidFill>
+                  <a:schemeClr val="tx1">
+                    <a:lumMod val="75000"/>
+                    <a:lumOff val="25000"/>
+                  </a:schemeClr>
+                </a:solidFill>
+                <a:latin typeface="+mn-lt"/>
+                <a:ea typeface="+mn-ea"/>
+                <a:cs typeface="+mn-cs"/>
+              </a:defRPr>
+            </a:lvl6pPr>
+            <a:lvl7pPr marL="2971800" indent="-228600" algn="l" defTabSz="457200" rtl="0" eaLnBrk="1" latinLnBrk="0" hangingPunct="1">
+              <a:spcBef>
+                <a:spcPts val="1000"/>
+              </a:spcBef>
+              <a:spcAft>
+                <a:spcPts val="0"/>
+              </a:spcAft>
+              <a:buClr>
+                <a:schemeClr val="accent1"/>
+              </a:buClr>
+              <a:buFont typeface="Wingdings 3" charset="2"/>
+              <a:buChar char=""/>
+              <a:defRPr sz="1200" kern="1200">
+                <a:solidFill>
+                  <a:schemeClr val="tx1">
+                    <a:lumMod val="75000"/>
+                    <a:lumOff val="25000"/>
+                  </a:schemeClr>
+                </a:solidFill>
+                <a:latin typeface="+mn-lt"/>
+                <a:ea typeface="+mn-ea"/>
+                <a:cs typeface="+mn-cs"/>
+              </a:defRPr>
+            </a:lvl7pPr>
+            <a:lvl8pPr marL="3429000" indent="-228600" algn="l" defTabSz="457200" rtl="0" eaLnBrk="1" latinLnBrk="0" hangingPunct="1">
+              <a:spcBef>
+                <a:spcPts val="1000"/>
+              </a:spcBef>
+              <a:spcAft>
+                <a:spcPts val="0"/>
+              </a:spcAft>
+              <a:buClr>
+                <a:schemeClr val="accent1"/>
+              </a:buClr>
+              <a:buFont typeface="Wingdings 3" charset="2"/>
+              <a:buChar char=""/>
+              <a:defRPr sz="1200" kern="1200">
+                <a:solidFill>
+                  <a:schemeClr val="tx1">
+                    <a:lumMod val="75000"/>
+                    <a:lumOff val="25000"/>
+                  </a:schemeClr>
+                </a:solidFill>
+                <a:latin typeface="+mn-lt"/>
+                <a:ea typeface="+mn-ea"/>
+                <a:cs typeface="+mn-cs"/>
+              </a:defRPr>
+            </a:lvl8pPr>
+            <a:lvl9pPr marL="3886200" indent="-228600" algn="l" defTabSz="457200" rtl="0" eaLnBrk="1" latinLnBrk="0" hangingPunct="1">
+              <a:spcBef>
+                <a:spcPts val="1000"/>
+              </a:spcBef>
+              <a:spcAft>
+                <a:spcPts val="0"/>
+              </a:spcAft>
+              <a:buClr>
+                <a:schemeClr val="accent1"/>
+              </a:buClr>
+              <a:buFont typeface="Wingdings 3" charset="2"/>
+              <a:buChar char=""/>
+              <a:defRPr sz="1200" kern="1200">
+                <a:solidFill>
+                  <a:schemeClr val="tx1">
+                    <a:lumMod val="75000"/>
+                    <a:lumOff val="25000"/>
+                  </a:schemeClr>
+                </a:solidFill>
+                <a:latin typeface="+mn-lt"/>
+                <a:ea typeface="+mn-ea"/>
+                <a:cs typeface="+mn-cs"/>
+              </a:defRPr>
+            </a:lvl9pPr>
+          </a:lstStyle>
+          <a:p>
+            <a:pPr algn="ctr">
+              <a:buFont typeface="Wingdings" panose="05000000000000000000" pitchFamily="2" charset="2"/>
+              <a:buChar char="v"/>
+            </a:pPr>
+            <a:r>
+              <a:rPr lang="fr-FR" sz="2800" u="sng" dirty="0"/>
+              <a:t>Méthode1 : Seuillage des images dans le domaine réel</a:t>
+            </a:r>
+            <a:r>
+              <a:rPr lang="en-US" dirty="0"/>
+              <a:t>			</a:t>
+            </a:r>
+          </a:p>
+          <a:p>
+            <a:endParaRPr lang="fr-FR" dirty="0"/>
+          </a:p>
+        </p:txBody>
+      </p:sp>
+      <p:sp>
+        <p:nvSpPr>
+          <p:cNvPr id="2" name="Espace réservé du contenu 1"/>
+          <p:cNvSpPr>
+            <a:spLocks noGrp="1"/>
+          </p:cNvSpPr>
+          <p:nvPr>
+            <p:ph idx="1"/>
+          </p:nvPr>
+        </p:nvSpPr>
+        <p:spPr>
+          <a:xfrm>
+            <a:off x="1152938" y="1987827"/>
+            <a:ext cx="8915400" cy="3777622"/>
+          </a:xfrm>
+        </p:spPr>
+        <p:txBody>
+          <a:bodyPr>
+            <a:normAutofit fontScale="92500"/>
+          </a:bodyPr>
+          <a:lstStyle/>
+          <a:p>
+            <a:r>
+              <a:rPr lang="fr-FR" sz="2400" dirty="0"/>
+              <a:t>Détermination de l’écart entre les barycentres → interfrange </a:t>
+            </a:r>
+          </a:p>
+          <a:p>
+            <a:endParaRPr lang="fr-FR" sz="2400" dirty="0"/>
+          </a:p>
+          <a:p>
+            <a:r>
+              <a:rPr lang="fr-FR" sz="2400" dirty="0"/>
+              <a:t>Courbe de la fréquence selon la profondeur </a:t>
+            </a:r>
+          </a:p>
+          <a:p>
+            <a:endParaRPr lang="fr-FR" dirty="0"/>
+          </a:p>
+          <a:p>
+            <a:endParaRPr lang="fr-FR" dirty="0"/>
+          </a:p>
+          <a:p>
+            <a:endParaRPr lang="fr-FR" dirty="0"/>
+          </a:p>
+          <a:p>
+            <a:endParaRPr lang="fr-FR" dirty="0"/>
+          </a:p>
+          <a:p>
+            <a:endParaRPr lang="fr-FR" dirty="0"/>
+          </a:p>
+          <a:p>
+            <a:pPr>
+              <a:buFont typeface="Wingdings" panose="05000000000000000000" pitchFamily="2" charset="2"/>
+              <a:buChar char="Ø"/>
+            </a:pPr>
+            <a:r>
+              <a:rPr lang="fr-FR" sz="2200" dirty="0"/>
+              <a:t>Cette méthode n’a pas encore abouti</a:t>
+            </a:r>
+          </a:p>
+        </p:txBody>
+      </p:sp>
+    </p:spTree>
+    <p:extLst>
+      <p:ext uri="{BB962C8B-B14F-4D97-AF65-F5344CB8AC3E}">
+        <p14:creationId xmlns:p14="http://schemas.microsoft.com/office/powerpoint/2010/main" val="809911889"/>
+      </p:ext>
+    </p:extLst>
+  </p:cSld>
+  <p:clrMapOvr>
+    <a:masterClrMapping/>
+  </p:clrMapOvr>
+  <mc:AlternateContent xmlns:mc="http://schemas.openxmlformats.org/markup-compatibility/2006">
+    <mc:Choice xmlns:p14="http://schemas.microsoft.com/office/powerpoint/2010/main" Requires="p14">
+      <p:transition p14:dur="0"/>
+    </mc:Choice>
+    <mc:Fallback>
+      <p:transition/>
+    </mc:Fallback>
+  </mc:AlternateContent>
+</p:sld>
+</file>
+
+<file path=ppt/slides/slide15.xml><?xml version="1.0" encoding="utf-8"?>
+<p:sld xmlns:a="http://schemas.openxmlformats.org/drawingml/2006/main" xmlns:r="http://schemas.openxmlformats.org/officeDocument/2006/relationships" xmlns:p="http://schemas.openxmlformats.org/presentationml/2006/main" showMasterSp="0">
+  <p:cSld>
+    <p:spTree>
+      <p:nvGrpSpPr>
+        <p:cNvPr id="1" name=""/>
+        <p:cNvGrpSpPr/>
+        <p:nvPr/>
+      </p:nvGrpSpPr>
+      <p:grpSpPr>
+        <a:xfrm>
+          <a:off x="0" y="0"/>
+          <a:ext cx="0" cy="0"/>
+          <a:chOff x="0" y="0"/>
+          <a:chExt cx="0" cy="0"/>
+        </a:xfrm>
+      </p:grpSpPr>
+      <p:sp>
+        <p:nvSpPr>
+          <p:cNvPr id="6" name="Espace réservé du contenu 2"/>
+          <p:cNvSpPr txBox="1">
+            <a:spLocks/>
+          </p:cNvSpPr>
+          <p:nvPr/>
+        </p:nvSpPr>
+        <p:spPr>
+          <a:xfrm>
+            <a:off x="1152938" y="486946"/>
+            <a:ext cx="10731281" cy="2180615"/>
+          </a:xfrm>
+          <a:prstGeom prst="rect">
+            <a:avLst/>
+          </a:prstGeom>
+        </p:spPr>
+        <p:txBody>
+          <a:bodyPr vert="horz" lIns="91440" tIns="72000" rIns="91440" bIns="45720" numCol="1" rtlCol="0">
+            <a:noAutofit/>
+          </a:bodyPr>
+          <a:lstStyle>
+            <a:lvl1pPr marL="342900" indent="-342900" algn="l" defTabSz="457200" rtl="0" eaLnBrk="1" latinLnBrk="0" hangingPunct="1">
+              <a:spcBef>
+                <a:spcPts val="1000"/>
+              </a:spcBef>
+              <a:spcAft>
+                <a:spcPts val="0"/>
+              </a:spcAft>
+              <a:buClr>
+                <a:schemeClr val="accent1"/>
+              </a:buClr>
+              <a:buFont typeface="Wingdings 3" charset="2"/>
+              <a:buChar char=""/>
+              <a:defRPr sz="1800" kern="1200">
+                <a:solidFill>
+                  <a:schemeClr val="tx1">
+                    <a:lumMod val="75000"/>
+                    <a:lumOff val="25000"/>
+                  </a:schemeClr>
+                </a:solidFill>
+                <a:latin typeface="+mn-lt"/>
+                <a:ea typeface="+mn-ea"/>
+                <a:cs typeface="+mn-cs"/>
+              </a:defRPr>
+            </a:lvl1pPr>
+            <a:lvl2pPr marL="742950" indent="-285750" algn="l" defTabSz="457200" rtl="0" eaLnBrk="1" latinLnBrk="0" hangingPunct="1">
+              <a:spcBef>
+                <a:spcPts val="1000"/>
+              </a:spcBef>
+              <a:spcAft>
+                <a:spcPts val="0"/>
+              </a:spcAft>
+              <a:buClr>
+                <a:schemeClr val="accent1"/>
+              </a:buClr>
+              <a:buFont typeface="Wingdings 3" charset="2"/>
+              <a:buChar char=""/>
+              <a:defRPr sz="1600" kern="1200">
+                <a:solidFill>
+                  <a:schemeClr val="tx1">
+                    <a:lumMod val="75000"/>
+                    <a:lumOff val="25000"/>
+                  </a:schemeClr>
+                </a:solidFill>
+                <a:latin typeface="+mn-lt"/>
+                <a:ea typeface="+mn-ea"/>
+                <a:cs typeface="+mn-cs"/>
+              </a:defRPr>
+            </a:lvl2pPr>
+            <a:lvl3pPr marL="1143000" indent="-228600" algn="l" defTabSz="457200" rtl="0" eaLnBrk="1" latinLnBrk="0" hangingPunct="1">
+              <a:spcBef>
+                <a:spcPts val="1000"/>
+              </a:spcBef>
+              <a:spcAft>
+                <a:spcPts val="0"/>
+              </a:spcAft>
+              <a:buClr>
+                <a:schemeClr val="accent1"/>
+              </a:buClr>
+              <a:buFont typeface="Wingdings 3" charset="2"/>
+              <a:buChar char=""/>
+              <a:defRPr sz="1400" kern="1200">
+                <a:solidFill>
+                  <a:schemeClr val="tx1">
+                    <a:lumMod val="75000"/>
+                    <a:lumOff val="25000"/>
+                  </a:schemeClr>
+                </a:solidFill>
+                <a:latin typeface="+mn-lt"/>
+                <a:ea typeface="+mn-ea"/>
+                <a:cs typeface="+mn-cs"/>
+              </a:defRPr>
+            </a:lvl3pPr>
+            <a:lvl4pPr marL="1600200" indent="-228600" algn="l" defTabSz="457200" rtl="0" eaLnBrk="1" latinLnBrk="0" hangingPunct="1">
+              <a:spcBef>
+                <a:spcPts val="1000"/>
+              </a:spcBef>
+              <a:spcAft>
+                <a:spcPts val="0"/>
+              </a:spcAft>
+              <a:buClr>
+                <a:schemeClr val="accent1"/>
+              </a:buClr>
+              <a:buFont typeface="Wingdings 3" charset="2"/>
+              <a:buChar char=""/>
+              <a:defRPr sz="1200" kern="1200">
+                <a:solidFill>
+                  <a:schemeClr val="tx1">
+                    <a:lumMod val="75000"/>
+                    <a:lumOff val="25000"/>
+                  </a:schemeClr>
+                </a:solidFill>
+                <a:latin typeface="+mn-lt"/>
+                <a:ea typeface="+mn-ea"/>
+                <a:cs typeface="+mn-cs"/>
+              </a:defRPr>
+            </a:lvl4pPr>
+            <a:lvl5pPr marL="2057400" indent="-228600" algn="l" defTabSz="457200" rtl="0" eaLnBrk="1" latinLnBrk="0" hangingPunct="1">
+              <a:spcBef>
+                <a:spcPts val="1000"/>
+              </a:spcBef>
+              <a:spcAft>
+                <a:spcPts val="0"/>
+              </a:spcAft>
+              <a:buClr>
+                <a:schemeClr val="accent1"/>
+              </a:buClr>
+              <a:buFont typeface="Wingdings 3" charset="2"/>
+              <a:buChar char=""/>
+              <a:defRPr sz="1200" kern="1200">
+                <a:solidFill>
+                  <a:schemeClr val="tx1">
+                    <a:lumMod val="75000"/>
+                    <a:lumOff val="25000"/>
+                  </a:schemeClr>
+                </a:solidFill>
+                <a:latin typeface="+mn-lt"/>
+                <a:ea typeface="+mn-ea"/>
+                <a:cs typeface="+mn-cs"/>
+              </a:defRPr>
+            </a:lvl5pPr>
+            <a:lvl6pPr marL="2514600" indent="-228600" algn="l" defTabSz="457200" rtl="0" eaLnBrk="1" latinLnBrk="0" hangingPunct="1">
+              <a:spcBef>
+                <a:spcPts val="1000"/>
+              </a:spcBef>
+              <a:spcAft>
+                <a:spcPts val="0"/>
+              </a:spcAft>
+              <a:buClr>
+                <a:schemeClr val="accent1"/>
+              </a:buClr>
+              <a:buFont typeface="Wingdings 3" charset="2"/>
+              <a:buChar char=""/>
+              <a:defRPr sz="1200" kern="1200">
+                <a:solidFill>
+                  <a:schemeClr val="tx1">
+                    <a:lumMod val="75000"/>
+                    <a:lumOff val="25000"/>
+                  </a:schemeClr>
+                </a:solidFill>
+                <a:latin typeface="+mn-lt"/>
+                <a:ea typeface="+mn-ea"/>
+                <a:cs typeface="+mn-cs"/>
+              </a:defRPr>
+            </a:lvl6pPr>
+            <a:lvl7pPr marL="2971800" indent="-228600" algn="l" defTabSz="457200" rtl="0" eaLnBrk="1" latinLnBrk="0" hangingPunct="1">
+              <a:spcBef>
+                <a:spcPts val="1000"/>
+              </a:spcBef>
+              <a:spcAft>
+                <a:spcPts val="0"/>
+              </a:spcAft>
+              <a:buClr>
+                <a:schemeClr val="accent1"/>
+              </a:buClr>
+              <a:buFont typeface="Wingdings 3" charset="2"/>
+              <a:buChar char=""/>
+              <a:defRPr sz="1200" kern="1200">
+                <a:solidFill>
+                  <a:schemeClr val="tx1">
+                    <a:lumMod val="75000"/>
+                    <a:lumOff val="25000"/>
+                  </a:schemeClr>
+                </a:solidFill>
+                <a:latin typeface="+mn-lt"/>
+                <a:ea typeface="+mn-ea"/>
+                <a:cs typeface="+mn-cs"/>
+              </a:defRPr>
+            </a:lvl7pPr>
+            <a:lvl8pPr marL="3429000" indent="-228600" algn="l" defTabSz="457200" rtl="0" eaLnBrk="1" latinLnBrk="0" hangingPunct="1">
+              <a:spcBef>
+                <a:spcPts val="1000"/>
+              </a:spcBef>
+              <a:spcAft>
+                <a:spcPts val="0"/>
+              </a:spcAft>
+              <a:buClr>
+                <a:schemeClr val="accent1"/>
+              </a:buClr>
+              <a:buFont typeface="Wingdings 3" charset="2"/>
+              <a:buChar char=""/>
+              <a:defRPr sz="1200" kern="1200">
+                <a:solidFill>
+                  <a:schemeClr val="tx1">
+                    <a:lumMod val="75000"/>
+                    <a:lumOff val="25000"/>
+                  </a:schemeClr>
+                </a:solidFill>
+                <a:latin typeface="+mn-lt"/>
+                <a:ea typeface="+mn-ea"/>
+                <a:cs typeface="+mn-cs"/>
+              </a:defRPr>
+            </a:lvl8pPr>
+            <a:lvl9pPr marL="3886200" indent="-228600" algn="l" defTabSz="457200" rtl="0" eaLnBrk="1" latinLnBrk="0" hangingPunct="1">
+              <a:spcBef>
+                <a:spcPts val="1000"/>
+              </a:spcBef>
+              <a:spcAft>
+                <a:spcPts val="0"/>
+              </a:spcAft>
+              <a:buClr>
+                <a:schemeClr val="accent1"/>
+              </a:buClr>
+              <a:buFont typeface="Wingdings 3" charset="2"/>
+              <a:buChar char=""/>
+              <a:defRPr sz="1200" kern="1200">
+                <a:solidFill>
+                  <a:schemeClr val="tx1">
+                    <a:lumMod val="75000"/>
+                    <a:lumOff val="25000"/>
+                  </a:schemeClr>
+                </a:solidFill>
+                <a:latin typeface="+mn-lt"/>
+                <a:ea typeface="+mn-ea"/>
+                <a:cs typeface="+mn-cs"/>
+              </a:defRPr>
+            </a:lvl9pPr>
+          </a:lstStyle>
+          <a:p>
+            <a:pPr algn="ctr">
+              <a:buFont typeface="Wingdings" panose="05000000000000000000" pitchFamily="2" charset="2"/>
+              <a:buChar char="v"/>
+            </a:pPr>
+            <a:r>
+              <a:rPr lang="fr-FR" sz="2800" u="sng" dirty="0"/>
+              <a:t>Avantages et inconvénients des deux méthodes</a:t>
+            </a:r>
+          </a:p>
+          <a:p>
+            <a:pPr marL="0" indent="0" algn="ctr">
+              <a:buNone/>
+            </a:pPr>
+            <a:r>
+              <a:rPr lang="en-US" dirty="0"/>
+              <a:t>			</a:t>
+            </a:r>
+          </a:p>
+          <a:p>
+            <a:endParaRPr lang="fr-FR" dirty="0"/>
+          </a:p>
+        </p:txBody>
+      </p:sp>
+      <p:sp>
+        <p:nvSpPr>
+          <p:cNvPr id="3" name="Espace réservé du contenu 2"/>
+          <p:cNvSpPr>
+            <a:spLocks noGrp="1"/>
+          </p:cNvSpPr>
+          <p:nvPr>
+            <p:ph idx="1"/>
+          </p:nvPr>
+        </p:nvSpPr>
+        <p:spPr>
+          <a:xfrm>
+            <a:off x="1152938" y="1828800"/>
+            <a:ext cx="8915400" cy="4346713"/>
+          </a:xfrm>
+        </p:spPr>
+        <p:txBody>
+          <a:bodyPr>
+            <a:normAutofit/>
+          </a:bodyPr>
+          <a:lstStyle/>
+          <a:p>
+            <a:r>
+              <a:rPr lang="fr-FR" sz="2200" dirty="0"/>
+              <a:t>Fourier : précis mais lent</a:t>
+            </a:r>
+          </a:p>
+          <a:p>
+            <a:endParaRPr lang="fr-FR" sz="2200" dirty="0"/>
+          </a:p>
+          <a:p>
+            <a:endParaRPr lang="fr-FR" sz="2200" dirty="0"/>
+          </a:p>
+          <a:p>
+            <a:endParaRPr lang="fr-FR" sz="2200" dirty="0"/>
+          </a:p>
+          <a:p>
+            <a:endParaRPr lang="fr-FR" sz="2200" dirty="0"/>
+          </a:p>
+          <a:p>
+            <a:r>
+              <a:rPr lang="fr-FR" sz="2200" dirty="0"/>
+              <a:t>Seuillage : rapide mais moins précis…</a:t>
+            </a:r>
+          </a:p>
+        </p:txBody>
+      </p:sp>
+    </p:spTree>
+    <p:extLst>
+      <p:ext uri="{BB962C8B-B14F-4D97-AF65-F5344CB8AC3E}">
+        <p14:creationId xmlns:p14="http://schemas.microsoft.com/office/powerpoint/2010/main" val="828097113"/>
+      </p:ext>
+    </p:extLst>
+  </p:cSld>
+  <p:clrMapOvr>
+    <a:masterClrMapping/>
+  </p:clrMapOvr>
+  <mc:AlternateContent xmlns:mc="http://schemas.openxmlformats.org/markup-compatibility/2006">
+    <mc:Choice xmlns:p14="http://schemas.microsoft.com/office/powerpoint/2010/main" Requires="p14">
+      <p:transition p14:dur="0"/>
+    </mc:Choice>
+    <mc:Fallback>
+      <p:transition/>
+    </mc:Fallback>
+  </mc:AlternateContent>
+</p:sld>
+</file>
+
+<file path=ppt/slides/slide16.xml><?xml version="1.0" encoding="utf-8"?>
 <p:sld xmlns:a="http://schemas.openxmlformats.org/drawingml/2006/main" xmlns:r="http://schemas.openxmlformats.org/officeDocument/2006/relationships" xmlns:p="http://schemas.openxmlformats.org/presentationml/2006/main" showMasterSp="0">
   <p:cSld>
     <p:bg>
@@ -30368,8 +31103,7 @@
             </a:gs>
             <a:gs pos="100000">
               <a:schemeClr val="accent6">
-                <a:lumMod val="60000"/>
-                <a:lumOff val="40000"/>
+                <a:lumMod val="75000"/>
               </a:schemeClr>
             </a:gs>
           </a:gsLst>
@@ -30475,10 +31209,10 @@
               <a:buChar char="v"/>
             </a:pPr>
             <a:r>
-              <a:rPr lang="fr-FR" sz="2800" u="sng" dirty="0" smtClean="0"/>
+              <a:rPr lang="fr-FR" sz="2800" u="sng" dirty="0"/>
               <a:t>Pour aller plus loin:</a:t>
             </a:r>
-            <a:endParaRPr lang="fr-FR" sz="2800" dirty="0" smtClean="0"/>
+            <a:endParaRPr lang="fr-FR" sz="2800" dirty="0"/>
           </a:p>
           <a:p>
             <a:pPr marL="0" indent="0">
@@ -30565,26 +31299,13 @@
           <a:lstStyle/>
           <a:p>
             <a:r>
-              <a:rPr lang="fr-FR" dirty="0" smtClean="0">
+              <a:rPr lang="fr-FR" dirty="0">
                 <a:solidFill>
                   <a:prstClr val="black"/>
                 </a:solidFill>
               </a:rPr>
-              <a:t>Expérimentalement,  on capte une </a:t>
-            </a:r>
-            <a:r>
-              <a:rPr lang="fr-FR" dirty="0" smtClean="0">
-                <a:solidFill>
-                  <a:prstClr val="black"/>
-                </a:solidFill>
-              </a:rPr>
-              <a:t>interférence non désirée avec le réseau</a:t>
-            </a:r>
-            <a:endParaRPr lang="fr-FR" dirty="0">
-              <a:solidFill>
-                <a:prstClr val="black"/>
-              </a:solidFill>
-            </a:endParaRPr>
+              <a:t>Expérimentalement,  on capte une interférence non désirée avec le réseau</a:t>
+            </a:r>
           </a:p>
         </p:txBody>
       </p:sp>
@@ -30715,51 +31436,34 @@
           <a:p>
             <a:pPr algn="ctr"/>
             <a:r>
-              <a:rPr lang="fr-FR" sz="2000" dirty="0" smtClean="0">
+              <a:rPr lang="fr-FR" sz="2000" dirty="0">
                 <a:solidFill>
                   <a:schemeClr val="accent1">
                     <a:lumMod val="50000"/>
                   </a:schemeClr>
                 </a:solidFill>
               </a:rPr>
-              <a:t>Détection et élimination </a:t>
-            </a:r>
-            <a:r>
-              <a:rPr lang="fr-FR" sz="2000" dirty="0" smtClean="0">
+              <a:t>Détection et élimination des pics fréquentiels </a:t>
+            </a:r>
+            <a:br>
+              <a:rPr lang="fr-FR" sz="2000" dirty="0">
                 <a:solidFill>
                   <a:schemeClr val="accent1">
                     <a:lumMod val="50000"/>
                   </a:schemeClr>
                 </a:solidFill>
               </a:rPr>
-              <a:t>des pics fréquentiels </a:t>
-            </a:r>
-            <a:br>
-              <a:rPr lang="fr-FR" sz="2000" dirty="0" smtClean="0">
+            </a:br>
+            <a:r>
+              <a:rPr lang="fr-FR" sz="2000" dirty="0">
                 <a:solidFill>
                   <a:schemeClr val="accent1">
                     <a:lumMod val="50000"/>
                   </a:schemeClr>
                 </a:solidFill>
               </a:rPr>
-            </a:br>
-            <a:r>
-              <a:rPr lang="fr-FR" sz="2000" dirty="0" smtClean="0">
-                <a:solidFill>
-                  <a:schemeClr val="accent1">
-                    <a:lumMod val="50000"/>
-                  </a:schemeClr>
-                </a:solidFill>
-              </a:rPr>
               <a:t>dans l’espace de Fourier</a:t>
             </a:r>
-            <a:endParaRPr lang="fr-FR" sz="2000" dirty="0">
-              <a:solidFill>
-                <a:schemeClr val="accent1">
-                  <a:lumMod val="50000"/>
-                </a:schemeClr>
-              </a:solidFill>
-            </a:endParaRPr>
           </a:p>
         </p:txBody>
       </p:sp>
@@ -30786,10 +31490,9 @@
           <a:lstStyle/>
           <a:p>
             <a:r>
-              <a:rPr lang="fr-FR" sz="800" b="1" dirty="0" smtClean="0"/>
+              <a:rPr lang="fr-FR" sz="800" b="1" dirty="0"/>
               <a:t>fréquence</a:t>
             </a:r>
-            <a:endParaRPr lang="fr-FR" sz="800" b="1" dirty="0"/>
           </a:p>
         </p:txBody>
       </p:sp>
@@ -30816,10 +31519,9 @@
           <a:lstStyle/>
           <a:p>
             <a:r>
-              <a:rPr lang="fr-FR" sz="800" b="1" dirty="0" smtClean="0"/>
+              <a:rPr lang="fr-FR" sz="800" b="1" dirty="0"/>
               <a:t>valeur</a:t>
             </a:r>
-            <a:endParaRPr lang="fr-FR" sz="800" b="1" dirty="0"/>
           </a:p>
         </p:txBody>
       </p:sp>
@@ -30847,29 +31549,16 @@
           <a:p>
             <a:pPr algn="ctr"/>
             <a:r>
-              <a:rPr lang="fr-FR" dirty="0" smtClean="0"/>
-              <a:t>Espace de </a:t>
-            </a:r>
-            <a:r>
               <a:rPr lang="fr-FR" dirty="0"/>
-              <a:t>F</a:t>
-            </a:r>
-            <a:r>
-              <a:rPr lang="fr-FR" dirty="0" smtClean="0"/>
-              <a:t>ourier</a:t>
-            </a:r>
-            <a:r>
-              <a:rPr lang="fr-FR" dirty="0"/>
-              <a:t/>
+              <a:t>Espace de Fourier</a:t>
             </a:r>
             <a:br>
               <a:rPr lang="fr-FR" dirty="0"/>
             </a:br>
             <a:r>
-              <a:rPr lang="fr-FR" dirty="0" smtClean="0"/>
+              <a:rPr lang="fr-FR" dirty="0"/>
               <a:t>après traitement</a:t>
             </a:r>
-            <a:endParaRPr lang="fr-FR" dirty="0"/>
           </a:p>
         </p:txBody>
       </p:sp>
@@ -30884,28 +31573,408 @@
     <a:masterClrMapping/>
   </p:clrMapOvr>
   <mc:AlternateContent xmlns:mc="http://schemas.openxmlformats.org/markup-compatibility/2006">
-    <mc:Choice xmlns:p15="http://schemas.microsoft.com/office/powerpoint/2012/main" xmlns="" Requires="p15">
-      <p:transition xmlns:p14="http://schemas.microsoft.com/office/powerpoint/2010/main" spd="slow" p14:dur="1250">
-        <p15:prstTrans prst="peelOff"/>
-      </p:transition>
+    <mc:Choice xmlns:p14="http://schemas.microsoft.com/office/powerpoint/2010/main" Requires="p14">
+      <p:transition p14:dur="0"/>
     </mc:Choice>
     <mc:Fallback>
-      <p:transition spd="slow">
-        <p:fade/>
-      </p:transition>
+      <p:transition/>
     </mc:Fallback>
   </mc:AlternateContent>
-  <p:timing>
-    <p:tnLst>
-      <p:par>
-        <p:cTn id="1" dur="indefinite" restart="never" nodeType="tmRoot"/>
-      </p:par>
-    </p:tnLst>
-  </p:timing>
 </p:sld>
 </file>
 
-<file path=ppt/slides/slide15.xml><?xml version="1.0" encoding="utf-8"?>
+<file path=ppt/slides/slide17.xml><?xml version="1.0" encoding="utf-8"?>
+<p:sld xmlns:a="http://schemas.openxmlformats.org/drawingml/2006/main" xmlns:r="http://schemas.openxmlformats.org/officeDocument/2006/relationships" xmlns:p="http://schemas.openxmlformats.org/presentationml/2006/main" showMasterSp="0">
+  <p:cSld>
+    <p:bg>
+      <p:bgPr>
+        <a:gradFill flip="none" rotWithShape="1">
+          <a:gsLst>
+            <a:gs pos="0">
+              <a:schemeClr val="bg2">
+                <a:tint val="90000"/>
+                <a:satMod val="92000"/>
+                <a:lumMod val="120000"/>
+              </a:schemeClr>
+            </a:gs>
+            <a:gs pos="100000">
+              <a:schemeClr val="accent6">
+                <a:lumMod val="75000"/>
+              </a:schemeClr>
+            </a:gs>
+          </a:gsLst>
+          <a:path path="circle">
+            <a:fillToRect l="50000" t="50000" r="100000" b="100000"/>
+          </a:path>
+          <a:tileRect/>
+        </a:gradFill>
+        <a:effectLst/>
+      </p:bgPr>
+    </p:bg>
+    <p:spTree>
+      <p:nvGrpSpPr>
+        <p:cNvPr id="1" name=""/>
+        <p:cNvGrpSpPr/>
+        <p:nvPr/>
+      </p:nvGrpSpPr>
+      <p:grpSpPr>
+        <a:xfrm>
+          <a:off x="0" y="0"/>
+          <a:ext cx="0" cy="0"/>
+          <a:chOff x="0" y="0"/>
+          <a:chExt cx="0" cy="0"/>
+        </a:xfrm>
+      </p:grpSpPr>
+      <p:sp>
+        <p:nvSpPr>
+          <p:cNvPr id="3" name="Espace réservé du contenu 2"/>
+          <p:cNvSpPr>
+            <a:spLocks noGrp="1"/>
+          </p:cNvSpPr>
+          <p:nvPr>
+            <p:ph idx="1"/>
+          </p:nvPr>
+        </p:nvSpPr>
+        <p:spPr>
+          <a:xfrm>
+            <a:off x="1878012" y="274912"/>
+            <a:ext cx="8915400" cy="714303"/>
+          </a:xfrm>
+        </p:spPr>
+        <p:txBody>
+          <a:bodyPr tIns="72000">
+            <a:noAutofit/>
+          </a:bodyPr>
+          <a:lstStyle/>
+          <a:p>
+            <a:pPr>
+              <a:buFont typeface="Wingdings" panose="05000000000000000000" pitchFamily="2" charset="2"/>
+              <a:buChar char="v"/>
+            </a:pPr>
+            <a:r>
+              <a:rPr lang="fr-FR" sz="2800" u="sng" dirty="0"/>
+              <a:t>Pour aller plus loin:</a:t>
+            </a:r>
+            <a:endParaRPr lang="fr-FR" sz="2800" dirty="0"/>
+          </a:p>
+          <a:p>
+            <a:pPr marL="0" indent="0">
+              <a:buNone/>
+            </a:pPr>
+            <a:endParaRPr lang="fr-FR" sz="2800" dirty="0"/>
+          </a:p>
+        </p:txBody>
+      </p:sp>
+      <p:sp>
+        <p:nvSpPr>
+          <p:cNvPr id="13" name="Espace réservé du contenu 2"/>
+          <p:cNvSpPr txBox="1">
+            <a:spLocks/>
+          </p:cNvSpPr>
+          <p:nvPr/>
+        </p:nvSpPr>
+        <p:spPr>
+          <a:xfrm>
+            <a:off x="1007164" y="1404730"/>
+            <a:ext cx="8915400" cy="4346713"/>
+          </a:xfrm>
+          <a:prstGeom prst="rect">
+            <a:avLst/>
+          </a:prstGeom>
+        </p:spPr>
+        <p:txBody>
+          <a:bodyPr vert="horz" lIns="91440" tIns="45720" rIns="91440" bIns="45720" rtlCol="0">
+            <a:normAutofit/>
+          </a:bodyPr>
+          <a:lstStyle>
+            <a:lvl1pPr marL="342900" indent="-342900" algn="l" defTabSz="457200" rtl="0" eaLnBrk="1" latinLnBrk="0" hangingPunct="1">
+              <a:spcBef>
+                <a:spcPts val="1000"/>
+              </a:spcBef>
+              <a:spcAft>
+                <a:spcPts val="0"/>
+              </a:spcAft>
+              <a:buClr>
+                <a:schemeClr val="accent1"/>
+              </a:buClr>
+              <a:buFont typeface="Wingdings 3" charset="2"/>
+              <a:buChar char=""/>
+              <a:defRPr sz="1800" kern="1200">
+                <a:solidFill>
+                  <a:schemeClr val="tx1">
+                    <a:lumMod val="75000"/>
+                    <a:lumOff val="25000"/>
+                  </a:schemeClr>
+                </a:solidFill>
+                <a:latin typeface="+mn-lt"/>
+                <a:ea typeface="+mn-ea"/>
+                <a:cs typeface="+mn-cs"/>
+              </a:defRPr>
+            </a:lvl1pPr>
+            <a:lvl2pPr marL="742950" indent="-285750" algn="l" defTabSz="457200" rtl="0" eaLnBrk="1" latinLnBrk="0" hangingPunct="1">
+              <a:spcBef>
+                <a:spcPts val="1000"/>
+              </a:spcBef>
+              <a:spcAft>
+                <a:spcPts val="0"/>
+              </a:spcAft>
+              <a:buClr>
+                <a:schemeClr val="accent1"/>
+              </a:buClr>
+              <a:buFont typeface="Wingdings 3" charset="2"/>
+              <a:buChar char=""/>
+              <a:defRPr sz="1600" kern="1200">
+                <a:solidFill>
+                  <a:schemeClr val="tx1">
+                    <a:lumMod val="75000"/>
+                    <a:lumOff val="25000"/>
+                  </a:schemeClr>
+                </a:solidFill>
+                <a:latin typeface="+mn-lt"/>
+                <a:ea typeface="+mn-ea"/>
+                <a:cs typeface="+mn-cs"/>
+              </a:defRPr>
+            </a:lvl2pPr>
+            <a:lvl3pPr marL="1143000" indent="-228600" algn="l" defTabSz="457200" rtl="0" eaLnBrk="1" latinLnBrk="0" hangingPunct="1">
+              <a:spcBef>
+                <a:spcPts val="1000"/>
+              </a:spcBef>
+              <a:spcAft>
+                <a:spcPts val="0"/>
+              </a:spcAft>
+              <a:buClr>
+                <a:schemeClr val="accent1"/>
+              </a:buClr>
+              <a:buFont typeface="Wingdings 3" charset="2"/>
+              <a:buChar char=""/>
+              <a:defRPr sz="1400" kern="1200">
+                <a:solidFill>
+                  <a:schemeClr val="tx1">
+                    <a:lumMod val="75000"/>
+                    <a:lumOff val="25000"/>
+                  </a:schemeClr>
+                </a:solidFill>
+                <a:latin typeface="+mn-lt"/>
+                <a:ea typeface="+mn-ea"/>
+                <a:cs typeface="+mn-cs"/>
+              </a:defRPr>
+            </a:lvl3pPr>
+            <a:lvl4pPr marL="1600200" indent="-228600" algn="l" defTabSz="457200" rtl="0" eaLnBrk="1" latinLnBrk="0" hangingPunct="1">
+              <a:spcBef>
+                <a:spcPts val="1000"/>
+              </a:spcBef>
+              <a:spcAft>
+                <a:spcPts val="0"/>
+              </a:spcAft>
+              <a:buClr>
+                <a:schemeClr val="accent1"/>
+              </a:buClr>
+              <a:buFont typeface="Wingdings 3" charset="2"/>
+              <a:buChar char=""/>
+              <a:defRPr sz="1200" kern="1200">
+                <a:solidFill>
+                  <a:schemeClr val="tx1">
+                    <a:lumMod val="75000"/>
+                    <a:lumOff val="25000"/>
+                  </a:schemeClr>
+                </a:solidFill>
+                <a:latin typeface="+mn-lt"/>
+                <a:ea typeface="+mn-ea"/>
+                <a:cs typeface="+mn-cs"/>
+              </a:defRPr>
+            </a:lvl4pPr>
+            <a:lvl5pPr marL="2057400" indent="-228600" algn="l" defTabSz="457200" rtl="0" eaLnBrk="1" latinLnBrk="0" hangingPunct="1">
+              <a:spcBef>
+                <a:spcPts val="1000"/>
+              </a:spcBef>
+              <a:spcAft>
+                <a:spcPts val="0"/>
+              </a:spcAft>
+              <a:buClr>
+                <a:schemeClr val="accent1"/>
+              </a:buClr>
+              <a:buFont typeface="Wingdings 3" charset="2"/>
+              <a:buChar char=""/>
+              <a:defRPr sz="1200" kern="1200">
+                <a:solidFill>
+                  <a:schemeClr val="tx1">
+                    <a:lumMod val="75000"/>
+                    <a:lumOff val="25000"/>
+                  </a:schemeClr>
+                </a:solidFill>
+                <a:latin typeface="+mn-lt"/>
+                <a:ea typeface="+mn-ea"/>
+                <a:cs typeface="+mn-cs"/>
+              </a:defRPr>
+            </a:lvl5pPr>
+            <a:lvl6pPr marL="2514600" indent="-228600" algn="l" defTabSz="457200" rtl="0" eaLnBrk="1" latinLnBrk="0" hangingPunct="1">
+              <a:spcBef>
+                <a:spcPts val="1000"/>
+              </a:spcBef>
+              <a:spcAft>
+                <a:spcPts val="0"/>
+              </a:spcAft>
+              <a:buClr>
+                <a:schemeClr val="accent1"/>
+              </a:buClr>
+              <a:buFont typeface="Wingdings 3" charset="2"/>
+              <a:buChar char=""/>
+              <a:defRPr sz="1200" kern="1200">
+                <a:solidFill>
+                  <a:schemeClr val="tx1">
+                    <a:lumMod val="75000"/>
+                    <a:lumOff val="25000"/>
+                  </a:schemeClr>
+                </a:solidFill>
+                <a:latin typeface="+mn-lt"/>
+                <a:ea typeface="+mn-ea"/>
+                <a:cs typeface="+mn-cs"/>
+              </a:defRPr>
+            </a:lvl6pPr>
+            <a:lvl7pPr marL="2971800" indent="-228600" algn="l" defTabSz="457200" rtl="0" eaLnBrk="1" latinLnBrk="0" hangingPunct="1">
+              <a:spcBef>
+                <a:spcPts val="1000"/>
+              </a:spcBef>
+              <a:spcAft>
+                <a:spcPts val="0"/>
+              </a:spcAft>
+              <a:buClr>
+                <a:schemeClr val="accent1"/>
+              </a:buClr>
+              <a:buFont typeface="Wingdings 3" charset="2"/>
+              <a:buChar char=""/>
+              <a:defRPr sz="1200" kern="1200">
+                <a:solidFill>
+                  <a:schemeClr val="tx1">
+                    <a:lumMod val="75000"/>
+                    <a:lumOff val="25000"/>
+                  </a:schemeClr>
+                </a:solidFill>
+                <a:latin typeface="+mn-lt"/>
+                <a:ea typeface="+mn-ea"/>
+                <a:cs typeface="+mn-cs"/>
+              </a:defRPr>
+            </a:lvl7pPr>
+            <a:lvl8pPr marL="3429000" indent="-228600" algn="l" defTabSz="457200" rtl="0" eaLnBrk="1" latinLnBrk="0" hangingPunct="1">
+              <a:spcBef>
+                <a:spcPts val="1000"/>
+              </a:spcBef>
+              <a:spcAft>
+                <a:spcPts val="0"/>
+              </a:spcAft>
+              <a:buClr>
+                <a:schemeClr val="accent1"/>
+              </a:buClr>
+              <a:buFont typeface="Wingdings 3" charset="2"/>
+              <a:buChar char=""/>
+              <a:defRPr sz="1200" kern="1200">
+                <a:solidFill>
+                  <a:schemeClr val="tx1">
+                    <a:lumMod val="75000"/>
+                    <a:lumOff val="25000"/>
+                  </a:schemeClr>
+                </a:solidFill>
+                <a:latin typeface="+mn-lt"/>
+                <a:ea typeface="+mn-ea"/>
+                <a:cs typeface="+mn-cs"/>
+              </a:defRPr>
+            </a:lvl8pPr>
+            <a:lvl9pPr marL="3886200" indent="-228600" algn="l" defTabSz="457200" rtl="0" eaLnBrk="1" latinLnBrk="0" hangingPunct="1">
+              <a:spcBef>
+                <a:spcPts val="1000"/>
+              </a:spcBef>
+              <a:spcAft>
+                <a:spcPts val="0"/>
+              </a:spcAft>
+              <a:buClr>
+                <a:schemeClr val="accent1"/>
+              </a:buClr>
+              <a:buFont typeface="Wingdings 3" charset="2"/>
+              <a:buChar char=""/>
+              <a:defRPr sz="1200" kern="1200">
+                <a:solidFill>
+                  <a:schemeClr val="tx1">
+                    <a:lumMod val="75000"/>
+                    <a:lumOff val="25000"/>
+                  </a:schemeClr>
+                </a:solidFill>
+                <a:latin typeface="+mn-lt"/>
+                <a:ea typeface="+mn-ea"/>
+                <a:cs typeface="+mn-cs"/>
+              </a:defRPr>
+            </a:lvl9pPr>
+          </a:lstStyle>
+          <a:p>
+            <a:r>
+              <a:rPr lang="fr-FR" sz="2200" dirty="0"/>
+              <a:t>Création d’une </a:t>
+            </a:r>
+            <a:r>
+              <a:rPr lang="fr-FR" sz="2200" dirty="0" err="1"/>
+              <a:t>Graphical</a:t>
+            </a:r>
+            <a:r>
+              <a:rPr lang="fr-FR" sz="2200" dirty="0"/>
+              <a:t> User Interface :</a:t>
+            </a:r>
+          </a:p>
+          <a:p>
+            <a:endParaRPr lang="fr-FR" sz="2200" dirty="0"/>
+          </a:p>
+          <a:p>
+            <a:pPr marL="457200" lvl="1" indent="0">
+              <a:buNone/>
+            </a:pPr>
+            <a:endParaRPr lang="fr-FR" sz="1800" dirty="0"/>
+          </a:p>
+        </p:txBody>
+      </p:sp>
+      <p:pic>
+        <p:nvPicPr>
+          <p:cNvPr id="12" name="Image 11"/>
+          <p:cNvPicPr>
+            <a:picLocks noChangeAspect="1"/>
+          </p:cNvPicPr>
+          <p:nvPr/>
+        </p:nvPicPr>
+        <p:blipFill>
+          <a:blip r:embed="rId2"/>
+          <a:stretch>
+            <a:fillRect/>
+          </a:stretch>
+        </p:blipFill>
+        <p:spPr>
+          <a:xfrm>
+            <a:off x="3389985" y="2128565"/>
+            <a:ext cx="5317884" cy="4038393"/>
+          </a:xfrm>
+          <a:prstGeom prst="rect">
+            <a:avLst/>
+          </a:prstGeom>
+        </p:spPr>
+      </p:pic>
+    </p:spTree>
+    <p:extLst>
+      <p:ext uri="{BB962C8B-B14F-4D97-AF65-F5344CB8AC3E}">
+        <p14:creationId xmlns:p14="http://schemas.microsoft.com/office/powerpoint/2010/main" val="1231778741"/>
+      </p:ext>
+    </p:extLst>
+  </p:cSld>
+  <p:clrMapOvr>
+    <a:masterClrMapping/>
+  </p:clrMapOvr>
+  <mc:AlternateContent xmlns:mc="http://schemas.openxmlformats.org/markup-compatibility/2006">
+    <mc:Choice xmlns:p14="http://schemas.microsoft.com/office/powerpoint/2010/main" Requires="p14">
+      <p:transition p14:dur="0"/>
+    </mc:Choice>
+    <mc:Fallback>
+      <p:transition/>
+    </mc:Fallback>
+  </mc:AlternateContent>
+</p:sld>
+</file>
+
+<file path=ppt/slides/slide18.xml><?xml version="1.0" encoding="utf-8"?>
 <p:sld xmlns:a="http://schemas.openxmlformats.org/drawingml/2006/main" xmlns:r="http://schemas.openxmlformats.org/officeDocument/2006/relationships" xmlns:p="http://schemas.openxmlformats.org/presentationml/2006/main" showMasterSp="0">
   <p:cSld>
     <p:spTree>
@@ -30934,7 +32003,7 @@
         </p:nvSpPr>
         <p:spPr>
           <a:xfrm>
-            <a:off x="1088967" y="1006432"/>
+            <a:off x="1088967" y="648623"/>
             <a:ext cx="9673965" cy="6212974"/>
           </a:xfrm>
         </p:spPr>
@@ -30949,7 +32018,7 @@
               <a:buChar char="v"/>
             </a:pPr>
             <a:r>
-              <a:rPr lang="fr-FR" sz="2800" u="sng" dirty="0" smtClean="0"/>
+              <a:rPr lang="fr-FR" sz="2800" u="sng" dirty="0"/>
               <a:t>Conclusion:</a:t>
             </a:r>
           </a:p>
@@ -30958,98 +32027,314 @@
               <a:buFont typeface="Wingdings" panose="05000000000000000000" pitchFamily="2" charset="2"/>
               <a:buChar char="v"/>
             </a:pPr>
-            <a:endParaRPr lang="fr-FR" sz="2800" u="sng" dirty="0" smtClean="0"/>
-          </a:p>
-        </p:txBody>
-      </p:sp>
-      <p:sp>
-        <p:nvSpPr>
-          <p:cNvPr id="2" name="ZoneTexte 1"/>
-          <p:cNvSpPr txBox="1"/>
+            <a:endParaRPr lang="fr-FR" sz="2800" u="sng" dirty="0"/>
+          </a:p>
+        </p:txBody>
+      </p:sp>
+      <p:sp>
+        <p:nvSpPr>
+          <p:cNvPr id="4" name="Espace réservé du contenu 2"/>
+          <p:cNvSpPr txBox="1">
+            <a:spLocks/>
+          </p:cNvSpPr>
           <p:nvPr/>
         </p:nvSpPr>
         <p:spPr>
           <a:xfrm>
-            <a:off x="2202873" y="1862051"/>
-            <a:ext cx="8769927" cy="3139321"/>
+            <a:off x="1152938" y="1470991"/>
+            <a:ext cx="8915400" cy="4002157"/>
           </a:xfrm>
           <a:prstGeom prst="rect">
             <a:avLst/>
           </a:prstGeom>
-          <a:noFill/>
         </p:spPr>
         <p:txBody>
-          <a:bodyPr wrap="square" rtlCol="0">
-            <a:spAutoFit/>
+          <a:bodyPr vert="horz" lIns="91440" tIns="45720" rIns="91440" bIns="45720" rtlCol="0">
+            <a:normAutofit/>
           </a:bodyPr>
-          <a:lstStyle/>
-          <a:p>
-            <a:r>
-              <a:rPr lang="fr-FR" dirty="0" smtClean="0"/>
-              <a:t>Blablabla</a:t>
+          <a:lstStyle>
+            <a:lvl1pPr marL="342900" indent="-342900" algn="l" defTabSz="457200" rtl="0" eaLnBrk="1" latinLnBrk="0" hangingPunct="1">
+              <a:spcBef>
+                <a:spcPts val="1000"/>
+              </a:spcBef>
+              <a:spcAft>
+                <a:spcPts val="0"/>
+              </a:spcAft>
+              <a:buClr>
+                <a:schemeClr val="accent1"/>
+              </a:buClr>
+              <a:buFont typeface="Wingdings 3" charset="2"/>
+              <a:buChar char=""/>
+              <a:defRPr sz="1800" kern="1200">
+                <a:solidFill>
+                  <a:schemeClr val="tx1">
+                    <a:lumMod val="75000"/>
+                    <a:lumOff val="25000"/>
+                  </a:schemeClr>
+                </a:solidFill>
+                <a:latin typeface="+mn-lt"/>
+                <a:ea typeface="+mn-ea"/>
+                <a:cs typeface="+mn-cs"/>
+              </a:defRPr>
+            </a:lvl1pPr>
+            <a:lvl2pPr marL="742950" indent="-285750" algn="l" defTabSz="457200" rtl="0" eaLnBrk="1" latinLnBrk="0" hangingPunct="1">
+              <a:spcBef>
+                <a:spcPts val="1000"/>
+              </a:spcBef>
+              <a:spcAft>
+                <a:spcPts val="0"/>
+              </a:spcAft>
+              <a:buClr>
+                <a:schemeClr val="accent1"/>
+              </a:buClr>
+              <a:buFont typeface="Wingdings 3" charset="2"/>
+              <a:buChar char=""/>
+              <a:defRPr sz="1600" kern="1200">
+                <a:solidFill>
+                  <a:schemeClr val="tx1">
+                    <a:lumMod val="75000"/>
+                    <a:lumOff val="25000"/>
+                  </a:schemeClr>
+                </a:solidFill>
+                <a:latin typeface="+mn-lt"/>
+                <a:ea typeface="+mn-ea"/>
+                <a:cs typeface="+mn-cs"/>
+              </a:defRPr>
+            </a:lvl2pPr>
+            <a:lvl3pPr marL="1143000" indent="-228600" algn="l" defTabSz="457200" rtl="0" eaLnBrk="1" latinLnBrk="0" hangingPunct="1">
+              <a:spcBef>
+                <a:spcPts val="1000"/>
+              </a:spcBef>
+              <a:spcAft>
+                <a:spcPts val="0"/>
+              </a:spcAft>
+              <a:buClr>
+                <a:schemeClr val="accent1"/>
+              </a:buClr>
+              <a:buFont typeface="Wingdings 3" charset="2"/>
+              <a:buChar char=""/>
+              <a:defRPr sz="1400" kern="1200">
+                <a:solidFill>
+                  <a:schemeClr val="tx1">
+                    <a:lumMod val="75000"/>
+                    <a:lumOff val="25000"/>
+                  </a:schemeClr>
+                </a:solidFill>
+                <a:latin typeface="+mn-lt"/>
+                <a:ea typeface="+mn-ea"/>
+                <a:cs typeface="+mn-cs"/>
+              </a:defRPr>
+            </a:lvl3pPr>
+            <a:lvl4pPr marL="1600200" indent="-228600" algn="l" defTabSz="457200" rtl="0" eaLnBrk="1" latinLnBrk="0" hangingPunct="1">
+              <a:spcBef>
+                <a:spcPts val="1000"/>
+              </a:spcBef>
+              <a:spcAft>
+                <a:spcPts val="0"/>
+              </a:spcAft>
+              <a:buClr>
+                <a:schemeClr val="accent1"/>
+              </a:buClr>
+              <a:buFont typeface="Wingdings 3" charset="2"/>
+              <a:buChar char=""/>
+              <a:defRPr sz="1200" kern="1200">
+                <a:solidFill>
+                  <a:schemeClr val="tx1">
+                    <a:lumMod val="75000"/>
+                    <a:lumOff val="25000"/>
+                  </a:schemeClr>
+                </a:solidFill>
+                <a:latin typeface="+mn-lt"/>
+                <a:ea typeface="+mn-ea"/>
+                <a:cs typeface="+mn-cs"/>
+              </a:defRPr>
+            </a:lvl4pPr>
+            <a:lvl5pPr marL="2057400" indent="-228600" algn="l" defTabSz="457200" rtl="0" eaLnBrk="1" latinLnBrk="0" hangingPunct="1">
+              <a:spcBef>
+                <a:spcPts val="1000"/>
+              </a:spcBef>
+              <a:spcAft>
+                <a:spcPts val="0"/>
+              </a:spcAft>
+              <a:buClr>
+                <a:schemeClr val="accent1"/>
+              </a:buClr>
+              <a:buFont typeface="Wingdings 3" charset="2"/>
+              <a:buChar char=""/>
+              <a:defRPr sz="1200" kern="1200">
+                <a:solidFill>
+                  <a:schemeClr val="tx1">
+                    <a:lumMod val="75000"/>
+                    <a:lumOff val="25000"/>
+                  </a:schemeClr>
+                </a:solidFill>
+                <a:latin typeface="+mn-lt"/>
+                <a:ea typeface="+mn-ea"/>
+                <a:cs typeface="+mn-cs"/>
+              </a:defRPr>
+            </a:lvl5pPr>
+            <a:lvl6pPr marL="2514600" indent="-228600" algn="l" defTabSz="457200" rtl="0" eaLnBrk="1" latinLnBrk="0" hangingPunct="1">
+              <a:spcBef>
+                <a:spcPts val="1000"/>
+              </a:spcBef>
+              <a:spcAft>
+                <a:spcPts val="0"/>
+              </a:spcAft>
+              <a:buClr>
+                <a:schemeClr val="accent1"/>
+              </a:buClr>
+              <a:buFont typeface="Wingdings 3" charset="2"/>
+              <a:buChar char=""/>
+              <a:defRPr sz="1200" kern="1200">
+                <a:solidFill>
+                  <a:schemeClr val="tx1">
+                    <a:lumMod val="75000"/>
+                    <a:lumOff val="25000"/>
+                  </a:schemeClr>
+                </a:solidFill>
+                <a:latin typeface="+mn-lt"/>
+                <a:ea typeface="+mn-ea"/>
+                <a:cs typeface="+mn-cs"/>
+              </a:defRPr>
+            </a:lvl6pPr>
+            <a:lvl7pPr marL="2971800" indent="-228600" algn="l" defTabSz="457200" rtl="0" eaLnBrk="1" latinLnBrk="0" hangingPunct="1">
+              <a:spcBef>
+                <a:spcPts val="1000"/>
+              </a:spcBef>
+              <a:spcAft>
+                <a:spcPts val="0"/>
+              </a:spcAft>
+              <a:buClr>
+                <a:schemeClr val="accent1"/>
+              </a:buClr>
+              <a:buFont typeface="Wingdings 3" charset="2"/>
+              <a:buChar char=""/>
+              <a:defRPr sz="1200" kern="1200">
+                <a:solidFill>
+                  <a:schemeClr val="tx1">
+                    <a:lumMod val="75000"/>
+                    <a:lumOff val="25000"/>
+                  </a:schemeClr>
+                </a:solidFill>
+                <a:latin typeface="+mn-lt"/>
+                <a:ea typeface="+mn-ea"/>
+                <a:cs typeface="+mn-cs"/>
+              </a:defRPr>
+            </a:lvl7pPr>
+            <a:lvl8pPr marL="3429000" indent="-228600" algn="l" defTabSz="457200" rtl="0" eaLnBrk="1" latinLnBrk="0" hangingPunct="1">
+              <a:spcBef>
+                <a:spcPts val="1000"/>
+              </a:spcBef>
+              <a:spcAft>
+                <a:spcPts val="0"/>
+              </a:spcAft>
+              <a:buClr>
+                <a:schemeClr val="accent1"/>
+              </a:buClr>
+              <a:buFont typeface="Wingdings 3" charset="2"/>
+              <a:buChar char=""/>
+              <a:defRPr sz="1200" kern="1200">
+                <a:solidFill>
+                  <a:schemeClr val="tx1">
+                    <a:lumMod val="75000"/>
+                    <a:lumOff val="25000"/>
+                  </a:schemeClr>
+                </a:solidFill>
+                <a:latin typeface="+mn-lt"/>
+                <a:ea typeface="+mn-ea"/>
+                <a:cs typeface="+mn-cs"/>
+              </a:defRPr>
+            </a:lvl8pPr>
+            <a:lvl9pPr marL="3886200" indent="-228600" algn="l" defTabSz="457200" rtl="0" eaLnBrk="1" latinLnBrk="0" hangingPunct="1">
+              <a:spcBef>
+                <a:spcPts val="1000"/>
+              </a:spcBef>
+              <a:spcAft>
+                <a:spcPts val="0"/>
+              </a:spcAft>
+              <a:buClr>
+                <a:schemeClr val="accent1"/>
+              </a:buClr>
+              <a:buFont typeface="Wingdings 3" charset="2"/>
+              <a:buChar char=""/>
+              <a:defRPr sz="1200" kern="1200">
+                <a:solidFill>
+                  <a:schemeClr val="tx1">
+                    <a:lumMod val="75000"/>
+                    <a:lumOff val="25000"/>
+                  </a:schemeClr>
+                </a:solidFill>
+                <a:latin typeface="+mn-lt"/>
+                <a:ea typeface="+mn-ea"/>
+                <a:cs typeface="+mn-cs"/>
+              </a:defRPr>
+            </a:lvl9pPr>
+          </a:lstStyle>
+          <a:p>
+            <a:pPr marL="0" indent="0">
+              <a:buNone/>
+            </a:pPr>
+            <a:r>
+              <a:rPr lang="fr-FR" sz="2200" dirty="0"/>
+              <a:t>Pour l’instant:</a:t>
+            </a:r>
+          </a:p>
+          <a:p>
+            <a:pPr lvl="1"/>
+            <a:r>
+              <a:rPr lang="fr-FR" sz="2000" dirty="0"/>
+              <a:t>Précision transverse: ~30nm mais erreurs isolées de pointé</a:t>
             </a:r>
             <a:br>
-              <a:rPr lang="fr-FR" dirty="0" smtClean="0"/>
+              <a:rPr lang="fr-FR" sz="2000" dirty="0"/>
             </a:br>
-            <a:r>
-              <a:rPr lang="fr-FR" dirty="0" smtClean="0"/>
-              <a:t>on a rencontré tel </a:t>
-            </a:r>
-            <a:r>
-              <a:rPr lang="fr-FR" dirty="0" err="1" smtClean="0"/>
-              <a:t>pb</a:t>
-            </a:r>
-            <a:r>
-              <a:rPr lang="fr-FR" dirty="0" smtClean="0"/>
-              <a:t/>
-            </a:r>
-            <a:br>
-              <a:rPr lang="fr-FR" dirty="0" smtClean="0"/>
-            </a:br>
-            <a:r>
-              <a:rPr lang="fr-FR" dirty="0" smtClean="0"/>
-              <a:t>Qu’on a résolu avec ça</a:t>
-            </a:r>
-          </a:p>
-          <a:p>
-            <a:r>
-              <a:rPr lang="fr-FR" dirty="0" smtClean="0"/>
-              <a:t>Mais du coup autre </a:t>
-            </a:r>
-            <a:r>
-              <a:rPr lang="fr-FR" dirty="0" err="1" smtClean="0"/>
-              <a:t>pb</a:t>
-            </a:r>
-            <a:r>
-              <a:rPr lang="fr-FR" dirty="0" smtClean="0"/>
-              <a:t/>
-            </a:r>
-            <a:br>
-              <a:rPr lang="fr-FR" dirty="0" smtClean="0"/>
-            </a:br>
-            <a:r>
-              <a:rPr lang="fr-FR" dirty="0" smtClean="0"/>
-              <a:t>et ca va un peu</a:t>
-            </a:r>
-          </a:p>
-          <a:p>
-            <a:endParaRPr lang="fr-FR" dirty="0"/>
-          </a:p>
-          <a:p>
-            <a:r>
-              <a:rPr lang="fr-FR" dirty="0" smtClean="0"/>
-              <a:t>Il reste encore, à partir d’images expérimentales contenant plusieurs tâche, à isoler les tâches pour effectuer des traitements respectifs.</a:t>
-            </a:r>
-          </a:p>
-          <a:p>
-            <a:endParaRPr lang="fr-FR" dirty="0"/>
-          </a:p>
-          <a:p>
-            <a:r>
-              <a:rPr lang="fr-FR" dirty="0" smtClean="0"/>
-              <a:t>Notre travail pourra ouvrir la voie à de nouvelles méthodes de super-résolution en microscopie, et à la reconstitution 3D d’échantillons.</a:t>
-            </a:r>
-            <a:endParaRPr lang="fr-FR" dirty="0"/>
+            <a:endParaRPr lang="fr-FR" sz="2000" dirty="0"/>
+          </a:p>
+          <a:p>
+            <a:pPr lvl="1"/>
+            <a:r>
+              <a:rPr lang="fr-FR" sz="2000" dirty="0"/>
+              <a:t>Précision axiale: ~100nm</a:t>
+            </a:r>
+          </a:p>
+          <a:p>
+            <a:pPr marL="457200" lvl="1" indent="0">
+              <a:buNone/>
+            </a:pPr>
+            <a:endParaRPr lang="fr-FR" sz="2000" dirty="0"/>
+          </a:p>
+          <a:p>
+            <a:pPr marL="0" indent="0">
+              <a:buNone/>
+            </a:pPr>
+            <a:r>
+              <a:rPr lang="fr-FR" sz="2200" dirty="0"/>
+              <a:t>Il reste à faire:</a:t>
+            </a:r>
+          </a:p>
+          <a:p>
+            <a:pPr lvl="1"/>
+            <a:r>
+              <a:rPr lang="fr-FR" sz="2000" dirty="0"/>
+              <a:t>Isoler les tâches d’image expérimentale, pour effectuer des traitements respectifs.</a:t>
+            </a:r>
+          </a:p>
+          <a:p>
+            <a:pPr lvl="1"/>
+            <a:r>
+              <a:rPr lang="fr-FR" sz="2000" dirty="0"/>
+              <a:t>Améliorer les algorithmes de courbe de calibration.</a:t>
+            </a:r>
+          </a:p>
+          <a:p>
+            <a:pPr lvl="1"/>
+            <a:endParaRPr lang="fr-FR" sz="2000" dirty="0"/>
+          </a:p>
+          <a:p>
+            <a:pPr marL="457200" lvl="1" indent="0">
+              <a:buNone/>
+            </a:pPr>
+            <a:endParaRPr lang="fr-FR" sz="2000" dirty="0"/>
           </a:p>
         </p:txBody>
       </p:sp>
@@ -31063,25 +32348,18 @@
   <p:clrMapOvr>
     <a:masterClrMapping/>
   </p:clrMapOvr>
-  <mc:AlternateContent xmlns:mc="http://schemas.openxmlformats.org/markup-compatibility/2006" xmlns:p14="http://schemas.microsoft.com/office/powerpoint/2010/main">
-    <mc:Choice Requires="p14">
-      <p:transition p14:dur="0"/>
+  <mc:AlternateContent xmlns:mc="http://schemas.openxmlformats.org/markup-compatibility/2006">
+    <mc:Choice xmlns:p14="http://schemas.microsoft.com/office/powerpoint/2010/main" Requires="p14">
+      <p:transition p14:dur="10"/>
     </mc:Choice>
-    <mc:Fallback xmlns="">
+    <mc:Fallback>
       <p:transition/>
     </mc:Fallback>
   </mc:AlternateContent>
-  <p:timing>
-    <p:tnLst>
-      <p:par>
-        <p:cTn id="1" dur="indefinite" restart="never" nodeType="tmRoot"/>
-      </p:par>
-    </p:tnLst>
-  </p:timing>
 </p:sld>
 </file>
 
-<file path=ppt/slides/slide16.xml><?xml version="1.0" encoding="utf-8"?>
+<file path=ppt/slides/slide19.xml><?xml version="1.0" encoding="utf-8"?>
 <p:sld xmlns:a="http://schemas.openxmlformats.org/drawingml/2006/main" xmlns:r="http://schemas.openxmlformats.org/officeDocument/2006/relationships" xmlns:p="http://schemas.openxmlformats.org/presentationml/2006/main" showMasterSp="0">
   <p:cSld>
     <p:spTree>
@@ -31124,10 +32402,10 @@
               <a:buNone/>
             </a:pPr>
             <a:r>
-              <a:rPr lang="fr-FR" sz="4400" b="1" dirty="0" smtClean="0"/>
+              <a:rPr lang="fr-FR" sz="4400" b="1" dirty="0"/>
               <a:t>Merci pour votre attention</a:t>
             </a:r>
-            <a:endParaRPr lang="fr-FR" sz="2000" b="1" dirty="0" smtClean="0"/>
+            <a:endParaRPr lang="fr-FR" sz="2000" b="1" dirty="0"/>
           </a:p>
         </p:txBody>
       </p:sp>
@@ -31144,13 +32422,6 @@
   <p:transition spd="slow">
     <p:push dir="u"/>
   </p:transition>
-  <p:timing>
-    <p:tnLst>
-      <p:par>
-        <p:cTn id="1" dur="indefinite" restart="never" nodeType="tmRoot"/>
-      </p:par>
-    </p:tnLst>
-  </p:timing>
 </p:sld>
 </file>
 
@@ -31375,7 +32646,7 @@
               <a:defRPr/>
             </a:pPr>
             <a:r>
-              <a:rPr kumimoji="0" lang="fr-FR" sz="2800" b="0" i="0" u="sng" strike="noStrike" kern="1200" cap="none" spc="0" normalizeH="0" baseline="0" noProof="0" smtClean="0">
+              <a:rPr kumimoji="0" lang="fr-FR" sz="2800" b="0" i="0" u="sng" strike="noStrike" kern="1200" cap="none" spc="0" normalizeH="0" baseline="0" noProof="0">
                 <a:ln>
                   <a:noFill/>
                 </a:ln>
@@ -31391,7 +32662,7 @@
               </a:rPr>
               <a:t>Introduction</a:t>
             </a:r>
-            <a:endParaRPr kumimoji="0" lang="fr-FR" sz="2800" b="0" i="0" u="sng" strike="noStrike" kern="1200" cap="none" spc="0" normalizeH="0" baseline="0" noProof="0" dirty="0" smtClean="0">
+            <a:endParaRPr kumimoji="0" lang="fr-FR" sz="2800" b="0" i="0" u="sng" strike="noStrike" kern="1200" cap="none" spc="0" normalizeH="0" baseline="0" noProof="0" dirty="0">
               <a:ln>
                 <a:noFill/>
               </a:ln>
@@ -31496,7 +32767,7 @@
                 <a:defRPr/>
               </a:pPr>
               <a:r>
-                <a:rPr kumimoji="0" lang="fr-FR" sz="1800" b="1" i="0" u="none" strike="noStrike" kern="0" cap="none" spc="0" normalizeH="0" baseline="0" noProof="0" dirty="0" smtClean="0">
+                <a:rPr kumimoji="0" lang="fr-FR" sz="1800" b="1" i="0" u="none" strike="noStrike" kern="0" cap="none" spc="0" normalizeH="0" baseline="0" noProof="0" dirty="0">
                   <a:ln>
                     <a:noFill/>
                   </a:ln>
@@ -31625,7 +32896,7 @@
                 <a:defRPr/>
               </a:pPr>
               <a:r>
-                <a:rPr kumimoji="0" lang="fr-FR" sz="1800" b="1" i="0" u="none" strike="noStrike" kern="0" cap="none" spc="0" normalizeH="0" baseline="0" noProof="0" dirty="0" smtClean="0">
+                <a:rPr kumimoji="0" lang="fr-FR" sz="1800" b="1" i="0" u="none" strike="noStrike" kern="0" cap="none" spc="0" normalizeH="0" baseline="0" noProof="0" dirty="0">
                   <a:ln>
                     <a:noFill/>
                   </a:ln>
@@ -31666,7 +32937,7 @@
           <a:lstStyle/>
           <a:p>
             <a:r>
-              <a:rPr lang="fr-FR" dirty="0" smtClean="0">
+              <a:rPr lang="fr-FR" dirty="0">
                 <a:solidFill>
                   <a:prstClr val="black"/>
                 </a:solidFill>
@@ -31674,12 +32945,6 @@
               </a:rPr>
               <a:t>Résolution latérale max ~ 200nm</a:t>
             </a:r>
-            <a:endParaRPr lang="fr-FR" dirty="0">
-              <a:solidFill>
-                <a:prstClr val="black"/>
-              </a:solidFill>
-              <a:latin typeface="Calibri" panose="020F0502020204030204"/>
-            </a:endParaRPr>
           </a:p>
         </p:txBody>
       </p:sp>
@@ -31707,7 +32972,7 @@
           <a:p>
             <a:pPr algn="ctr"/>
             <a:r>
-              <a:rPr lang="fr-FR" dirty="0" smtClean="0">
+              <a:rPr lang="fr-FR" dirty="0">
                 <a:solidFill>
                   <a:prstClr val="black"/>
                 </a:solidFill>
@@ -31715,12 +32980,6 @@
               </a:rPr>
               <a:t>Résolution basée sur la localisation unique : ~ 20nm</a:t>
             </a:r>
-            <a:endParaRPr lang="fr-FR" dirty="0">
-              <a:solidFill>
-                <a:prstClr val="black"/>
-              </a:solidFill>
-              <a:latin typeface="Calibri" panose="020F0502020204030204"/>
-            </a:endParaRPr>
           </a:p>
         </p:txBody>
       </p:sp>
@@ -31747,7 +33006,7 @@
           <a:lstStyle/>
           <a:p>
             <a:r>
-              <a:rPr lang="fr-FR" sz="2000" b="1" dirty="0" smtClean="0">
+              <a:rPr lang="fr-FR" sz="2000" b="1" dirty="0">
                 <a:solidFill>
                   <a:prstClr val="black"/>
                 </a:solidFill>
@@ -31755,12 +33014,6 @@
               </a:rPr>
               <a:t>Microscopie classique</a:t>
             </a:r>
-            <a:endParaRPr lang="fr-FR" sz="2000" b="1" dirty="0">
-              <a:solidFill>
-                <a:prstClr val="black"/>
-              </a:solidFill>
-              <a:latin typeface="Calibri" panose="020F0502020204030204"/>
-            </a:endParaRPr>
           </a:p>
         </p:txBody>
       </p:sp>
@@ -31787,7 +33040,7 @@
           <a:lstStyle/>
           <a:p>
             <a:r>
-              <a:rPr lang="fr-FR" dirty="0" smtClean="0">
+              <a:rPr lang="fr-FR" dirty="0">
                 <a:solidFill>
                   <a:prstClr val="black"/>
                 </a:solidFill>
@@ -31795,12 +33048,6 @@
               </a:rPr>
               <a:t>Eclairage Köhler, diffusion, contraste de phase…</a:t>
             </a:r>
-            <a:endParaRPr lang="fr-FR" dirty="0">
-              <a:solidFill>
-                <a:prstClr val="black"/>
-              </a:solidFill>
-              <a:latin typeface="Calibri" panose="020F0502020204030204"/>
-            </a:endParaRPr>
           </a:p>
         </p:txBody>
       </p:sp>
@@ -31827,7 +33074,7 @@
           <a:lstStyle/>
           <a:p>
             <a:r>
-              <a:rPr lang="fr-FR" sz="2000" b="1" dirty="0" smtClean="0">
+              <a:rPr lang="fr-FR" sz="2000" b="1" dirty="0">
                 <a:solidFill>
                   <a:prstClr val="black"/>
                 </a:solidFill>
@@ -31835,12 +33082,6 @@
               </a:rPr>
               <a:t>Microscopie de fluorescence, dont PALM</a:t>
             </a:r>
-            <a:endParaRPr lang="fr-FR" sz="2000" b="1" dirty="0">
-              <a:solidFill>
-                <a:prstClr val="black"/>
-              </a:solidFill>
-              <a:latin typeface="Calibri" panose="020F0502020204030204"/>
-            </a:endParaRPr>
           </a:p>
         </p:txBody>
       </p:sp>
@@ -31867,7 +33108,7 @@
           <a:lstStyle/>
           <a:p>
             <a:r>
-              <a:rPr lang="fr-FR" dirty="0" smtClean="0">
+              <a:rPr lang="fr-FR" dirty="0">
                 <a:solidFill>
                   <a:prstClr val="black"/>
                 </a:solidFill>
@@ -31875,12 +33116,39 @@
               </a:rPr>
               <a:t>Activation de photoémetteurs </a:t>
             </a:r>
-            <a:endParaRPr lang="fr-FR" dirty="0">
-              <a:solidFill>
-                <a:prstClr val="black"/>
-              </a:solidFill>
-              <a:latin typeface="Calibri" panose="020F0502020204030204"/>
-            </a:endParaRPr>
+          </a:p>
+        </p:txBody>
+      </p:sp>
+      <p:sp>
+        <p:nvSpPr>
+          <p:cNvPr id="2" name="Rectangle 1"/>
+          <p:cNvSpPr/>
+          <p:nvPr/>
+        </p:nvSpPr>
+        <p:spPr>
+          <a:xfrm>
+            <a:off x="5768611" y="6190680"/>
+            <a:ext cx="5461816" cy="369332"/>
+          </a:xfrm>
+          <a:prstGeom prst="rect">
+            <a:avLst/>
+          </a:prstGeom>
+        </p:spPr>
+        <p:txBody>
+          <a:bodyPr wrap="none">
+            <a:spAutoFit/>
+          </a:bodyPr>
+          <a:lstStyle/>
+          <a:p>
+            <a:r>
+              <a:rPr lang="fr-FR" dirty="0">
+                <a:solidFill>
+                  <a:prstClr val="black"/>
+                </a:solidFill>
+                <a:latin typeface="Calibri" panose="020F0502020204030204"/>
+              </a:rPr>
+              <a:t>Fluorescence =&gt; petite quantité de lumière =&gt; RSB élevé</a:t>
+            </a:r>
           </a:p>
         </p:txBody>
       </p:sp>
@@ -31902,13 +33170,6 @@
       <p:transition/>
     </mc:Fallback>
   </mc:AlternateContent>
-  <p:timing>
-    <p:tnLst>
-      <p:par>
-        <p:cTn id="1" dur="indefinite" restart="never" nodeType="tmRoot"/>
-      </p:par>
-    </p:tnLst>
-  </p:timing>
 </p:sld>
 </file>
 
@@ -31931,701 +33192,6 @@
       </p:grpSpPr>
       <p:sp>
         <p:nvSpPr>
-          <p:cNvPr id="15" name="Espace réservé du contenu 2"/>
-          <p:cNvSpPr txBox="1">
-            <a:spLocks/>
-          </p:cNvSpPr>
-          <p:nvPr/>
-        </p:nvSpPr>
-        <p:spPr>
-          <a:xfrm>
-            <a:off x="1805780" y="318527"/>
-            <a:ext cx="8915400" cy="1259248"/>
-          </a:xfrm>
-          <a:prstGeom prst="rect">
-            <a:avLst/>
-          </a:prstGeom>
-        </p:spPr>
-        <p:txBody>
-          <a:bodyPr vert="horz" lIns="91440" tIns="72000" rIns="91440" bIns="45720" rtlCol="0">
-            <a:noAutofit/>
-          </a:bodyPr>
-          <a:lstStyle>
-            <a:lvl1pPr marL="228600" indent="-228600" algn="l" defTabSz="914400" rtl="0" eaLnBrk="1" latinLnBrk="0" hangingPunct="1">
-              <a:lnSpc>
-                <a:spcPct val="90000"/>
-              </a:lnSpc>
-              <a:spcBef>
-                <a:spcPts val="1000"/>
-              </a:spcBef>
-              <a:buFont typeface="Arial" panose="020B0604020202020204" pitchFamily="34" charset="0"/>
-              <a:buChar char="•"/>
-              <a:defRPr sz="2800" kern="1200">
-                <a:solidFill>
-                  <a:schemeClr val="tx1"/>
-                </a:solidFill>
-                <a:latin typeface="+mn-lt"/>
-                <a:ea typeface="+mn-ea"/>
-                <a:cs typeface="+mn-cs"/>
-              </a:defRPr>
-            </a:lvl1pPr>
-            <a:lvl2pPr marL="685800" indent="-228600" algn="l" defTabSz="914400" rtl="0" eaLnBrk="1" latinLnBrk="0" hangingPunct="1">
-              <a:lnSpc>
-                <a:spcPct val="90000"/>
-              </a:lnSpc>
-              <a:spcBef>
-                <a:spcPts val="500"/>
-              </a:spcBef>
-              <a:buFont typeface="Arial" panose="020B0604020202020204" pitchFamily="34" charset="0"/>
-              <a:buChar char="•"/>
-              <a:defRPr sz="2400" kern="1200">
-                <a:solidFill>
-                  <a:schemeClr val="tx1"/>
-                </a:solidFill>
-                <a:latin typeface="+mn-lt"/>
-                <a:ea typeface="+mn-ea"/>
-                <a:cs typeface="+mn-cs"/>
-              </a:defRPr>
-            </a:lvl2pPr>
-            <a:lvl3pPr marL="1143000" indent="-228600" algn="l" defTabSz="914400" rtl="0" eaLnBrk="1" latinLnBrk="0" hangingPunct="1">
-              <a:lnSpc>
-                <a:spcPct val="90000"/>
-              </a:lnSpc>
-              <a:spcBef>
-                <a:spcPts val="500"/>
-              </a:spcBef>
-              <a:buFont typeface="Arial" panose="020B0604020202020204" pitchFamily="34" charset="0"/>
-              <a:buChar char="•"/>
-              <a:defRPr sz="2000" kern="1200">
-                <a:solidFill>
-                  <a:schemeClr val="tx1"/>
-                </a:solidFill>
-                <a:latin typeface="+mn-lt"/>
-                <a:ea typeface="+mn-ea"/>
-                <a:cs typeface="+mn-cs"/>
-              </a:defRPr>
-            </a:lvl3pPr>
-            <a:lvl4pPr marL="1600200" indent="-228600" algn="l" defTabSz="914400" rtl="0" eaLnBrk="1" latinLnBrk="0" hangingPunct="1">
-              <a:lnSpc>
-                <a:spcPct val="90000"/>
-              </a:lnSpc>
-              <a:spcBef>
-                <a:spcPts val="500"/>
-              </a:spcBef>
-              <a:buFont typeface="Arial" panose="020B0604020202020204" pitchFamily="34" charset="0"/>
-              <a:buChar char="•"/>
-              <a:defRPr sz="1800" kern="1200">
-                <a:solidFill>
-                  <a:schemeClr val="tx1"/>
-                </a:solidFill>
-                <a:latin typeface="+mn-lt"/>
-                <a:ea typeface="+mn-ea"/>
-                <a:cs typeface="+mn-cs"/>
-              </a:defRPr>
-            </a:lvl4pPr>
-            <a:lvl5pPr marL="2057400" indent="-228600" algn="l" defTabSz="914400" rtl="0" eaLnBrk="1" latinLnBrk="0" hangingPunct="1">
-              <a:lnSpc>
-                <a:spcPct val="90000"/>
-              </a:lnSpc>
-              <a:spcBef>
-                <a:spcPts val="500"/>
-              </a:spcBef>
-              <a:buFont typeface="Arial" panose="020B0604020202020204" pitchFamily="34" charset="0"/>
-              <a:buChar char="•"/>
-              <a:defRPr sz="1800" kern="1200">
-                <a:solidFill>
-                  <a:schemeClr val="tx1"/>
-                </a:solidFill>
-                <a:latin typeface="+mn-lt"/>
-                <a:ea typeface="+mn-ea"/>
-                <a:cs typeface="+mn-cs"/>
-              </a:defRPr>
-            </a:lvl5pPr>
-            <a:lvl6pPr marL="2514600" indent="-228600" algn="l" defTabSz="914400" rtl="0" eaLnBrk="1" latinLnBrk="0" hangingPunct="1">
-              <a:lnSpc>
-                <a:spcPct val="90000"/>
-              </a:lnSpc>
-              <a:spcBef>
-                <a:spcPts val="500"/>
-              </a:spcBef>
-              <a:buFont typeface="Arial" panose="020B0604020202020204" pitchFamily="34" charset="0"/>
-              <a:buChar char="•"/>
-              <a:defRPr sz="1800" kern="1200">
-                <a:solidFill>
-                  <a:schemeClr val="tx1"/>
-                </a:solidFill>
-                <a:latin typeface="+mn-lt"/>
-                <a:ea typeface="+mn-ea"/>
-                <a:cs typeface="+mn-cs"/>
-              </a:defRPr>
-            </a:lvl6pPr>
-            <a:lvl7pPr marL="2971800" indent="-228600" algn="l" defTabSz="914400" rtl="0" eaLnBrk="1" latinLnBrk="0" hangingPunct="1">
-              <a:lnSpc>
-                <a:spcPct val="90000"/>
-              </a:lnSpc>
-              <a:spcBef>
-                <a:spcPts val="500"/>
-              </a:spcBef>
-              <a:buFont typeface="Arial" panose="020B0604020202020204" pitchFamily="34" charset="0"/>
-              <a:buChar char="•"/>
-              <a:defRPr sz="1800" kern="1200">
-                <a:solidFill>
-                  <a:schemeClr val="tx1"/>
-                </a:solidFill>
-                <a:latin typeface="+mn-lt"/>
-                <a:ea typeface="+mn-ea"/>
-                <a:cs typeface="+mn-cs"/>
-              </a:defRPr>
-            </a:lvl7pPr>
-            <a:lvl8pPr marL="3429000" indent="-228600" algn="l" defTabSz="914400" rtl="0" eaLnBrk="1" latinLnBrk="0" hangingPunct="1">
-              <a:lnSpc>
-                <a:spcPct val="90000"/>
-              </a:lnSpc>
-              <a:spcBef>
-                <a:spcPts val="500"/>
-              </a:spcBef>
-              <a:buFont typeface="Arial" panose="020B0604020202020204" pitchFamily="34" charset="0"/>
-              <a:buChar char="•"/>
-              <a:defRPr sz="1800" kern="1200">
-                <a:solidFill>
-                  <a:schemeClr val="tx1"/>
-                </a:solidFill>
-                <a:latin typeface="+mn-lt"/>
-                <a:ea typeface="+mn-ea"/>
-                <a:cs typeface="+mn-cs"/>
-              </a:defRPr>
-            </a:lvl8pPr>
-            <a:lvl9pPr marL="3886200" indent="-228600" algn="l" defTabSz="914400" rtl="0" eaLnBrk="1" latinLnBrk="0" hangingPunct="1">
-              <a:lnSpc>
-                <a:spcPct val="90000"/>
-              </a:lnSpc>
-              <a:spcBef>
-                <a:spcPts val="500"/>
-              </a:spcBef>
-              <a:buFont typeface="Arial" panose="020B0604020202020204" pitchFamily="34" charset="0"/>
-              <a:buChar char="•"/>
-              <a:defRPr sz="1800" kern="1200">
-                <a:solidFill>
-                  <a:schemeClr val="tx1"/>
-                </a:solidFill>
-                <a:latin typeface="+mn-lt"/>
-                <a:ea typeface="+mn-ea"/>
-                <a:cs typeface="+mn-cs"/>
-              </a:defRPr>
-            </a:lvl9pPr>
-          </a:lstStyle>
-          <a:p>
-            <a:pPr marL="228600" marR="0" lvl="0" indent="-228600" algn="l" defTabSz="914400" rtl="0" eaLnBrk="1" fontAlgn="auto" latinLnBrk="0" hangingPunct="1">
-              <a:lnSpc>
-                <a:spcPct val="90000"/>
-              </a:lnSpc>
-              <a:spcBef>
-                <a:spcPts val="1000"/>
-              </a:spcBef>
-              <a:spcAft>
-                <a:spcPts val="0"/>
-              </a:spcAft>
-              <a:buClrTx/>
-              <a:buSzTx/>
-              <a:buFont typeface="Wingdings" panose="05000000000000000000" pitchFamily="2" charset="2"/>
-              <a:buChar char="v"/>
-              <a:tabLst/>
-              <a:defRPr/>
-            </a:pPr>
-            <a:r>
-              <a:rPr kumimoji="0" lang="fr-FR" sz="2800" b="0" i="0" u="sng" strike="noStrike" kern="1200" cap="none" spc="0" normalizeH="0" baseline="0" noProof="0" smtClean="0">
-                <a:ln>
-                  <a:noFill/>
-                </a:ln>
-                <a:solidFill>
-                  <a:sysClr val="windowText" lastClr="000000"/>
-                </a:solidFill>
-                <a:effectLst/>
-                <a:uLnTx/>
-                <a:uFillTx/>
-                <a:latin typeface="Calibri" panose="020F0502020204030204"/>
-                <a:ea typeface="+mn-ea"/>
-                <a:cs typeface="+mn-cs"/>
-              </a:rPr>
-              <a:t>Introduction:</a:t>
-            </a:r>
-          </a:p>
-          <a:p>
-            <a:pPr marL="0" marR="0" lvl="0" indent="0" algn="l" defTabSz="914400" rtl="0" eaLnBrk="1" fontAlgn="auto" latinLnBrk="0" hangingPunct="1">
-              <a:lnSpc>
-                <a:spcPct val="90000"/>
-              </a:lnSpc>
-              <a:spcBef>
-                <a:spcPts val="1000"/>
-              </a:spcBef>
-              <a:spcAft>
-                <a:spcPts val="0"/>
-              </a:spcAft>
-              <a:buClrTx/>
-              <a:buSzTx/>
-              <a:buFont typeface="Arial" panose="020B0604020202020204" pitchFamily="34" charset="0"/>
-              <a:buNone/>
-              <a:tabLst/>
-              <a:defRPr/>
-            </a:pPr>
-            <a:r>
-              <a:rPr kumimoji="0" lang="fr-FR" sz="2400" b="0" i="0" u="none" strike="noStrike" kern="1200" cap="none" spc="0" normalizeH="0" baseline="0" noProof="0" smtClean="0">
-                <a:ln>
-                  <a:noFill/>
-                </a:ln>
-                <a:solidFill>
-                  <a:sysClr val="windowText" lastClr="000000"/>
-                </a:solidFill>
-                <a:effectLst/>
-                <a:uLnTx/>
-                <a:uFillTx/>
-                <a:latin typeface="Calibri" panose="020F0502020204030204"/>
-                <a:ea typeface="+mn-ea"/>
-                <a:cs typeface="+mn-cs"/>
-              </a:rPr>
-              <a:t>Microscopie de fluorescence: capteur et traitement</a:t>
-            </a:r>
-            <a:endParaRPr kumimoji="0" lang="fr-FR" sz="2800" b="0" i="0" u="none" strike="noStrike" kern="1200" cap="none" spc="0" normalizeH="0" baseline="0" noProof="0" smtClean="0">
-              <a:ln>
-                <a:noFill/>
-              </a:ln>
-              <a:solidFill>
-                <a:sysClr val="windowText" lastClr="000000"/>
-              </a:solidFill>
-              <a:effectLst/>
-              <a:uLnTx/>
-              <a:uFillTx/>
-              <a:latin typeface="Calibri" panose="020F0502020204030204"/>
-              <a:ea typeface="+mn-ea"/>
-              <a:cs typeface="+mn-cs"/>
-            </a:endParaRPr>
-          </a:p>
-          <a:p>
-            <a:pPr marL="0" marR="0" lvl="0" indent="0" algn="l" defTabSz="914400" rtl="0" eaLnBrk="1" fontAlgn="auto" latinLnBrk="0" hangingPunct="1">
-              <a:lnSpc>
-                <a:spcPct val="90000"/>
-              </a:lnSpc>
-              <a:spcBef>
-                <a:spcPts val="1000"/>
-              </a:spcBef>
-              <a:spcAft>
-                <a:spcPts val="0"/>
-              </a:spcAft>
-              <a:buClrTx/>
-              <a:buSzTx/>
-              <a:buFont typeface="Arial" panose="020B0604020202020204" pitchFamily="34" charset="0"/>
-              <a:buNone/>
-              <a:tabLst/>
-              <a:defRPr/>
-            </a:pPr>
-            <a:endParaRPr kumimoji="0" lang="fr-FR" sz="2800" b="0" i="0" u="none" strike="noStrike" kern="1200" cap="none" spc="0" normalizeH="0" baseline="0" noProof="0" dirty="0">
-              <a:ln>
-                <a:noFill/>
-              </a:ln>
-              <a:solidFill>
-                <a:sysClr val="windowText" lastClr="000000"/>
-              </a:solidFill>
-              <a:effectLst/>
-              <a:uLnTx/>
-              <a:uFillTx/>
-              <a:latin typeface="Calibri" panose="020F0502020204030204"/>
-              <a:ea typeface="+mn-ea"/>
-              <a:cs typeface="+mn-cs"/>
-            </a:endParaRPr>
-          </a:p>
-        </p:txBody>
-      </p:sp>
-      <p:sp>
-        <p:nvSpPr>
-          <p:cNvPr id="16" name="ZoneTexte 15"/>
-          <p:cNvSpPr txBox="1"/>
-          <p:nvPr/>
-        </p:nvSpPr>
-        <p:spPr>
-          <a:xfrm>
-            <a:off x="1805780" y="1421426"/>
-            <a:ext cx="6951216" cy="369332"/>
-          </a:xfrm>
-          <a:prstGeom prst="rect">
-            <a:avLst/>
-          </a:prstGeom>
-          <a:noFill/>
-        </p:spPr>
-        <p:txBody>
-          <a:bodyPr wrap="square" rtlCol="0">
-            <a:spAutoFit/>
-          </a:bodyPr>
-          <a:lstStyle/>
-          <a:p>
-            <a:r>
-              <a:rPr lang="fr-FR" dirty="0" smtClean="0">
-                <a:solidFill>
-                  <a:prstClr val="black"/>
-                </a:solidFill>
-                <a:latin typeface="Calibri" panose="020F0502020204030204"/>
-              </a:rPr>
-              <a:t>Fluorescence =&gt; petite quantité de lumière =&gt; RSB élevé</a:t>
-            </a:r>
-            <a:endParaRPr lang="fr-FR" dirty="0">
-              <a:solidFill>
-                <a:prstClr val="black"/>
-              </a:solidFill>
-              <a:latin typeface="Calibri" panose="020F0502020204030204"/>
-            </a:endParaRPr>
-          </a:p>
-        </p:txBody>
-      </p:sp>
-      <p:sp>
-        <p:nvSpPr>
-          <p:cNvPr id="17" name="ZoneTexte 16"/>
-          <p:cNvSpPr txBox="1"/>
-          <p:nvPr/>
-        </p:nvSpPr>
-        <p:spPr>
-          <a:xfrm>
-            <a:off x="1681493" y="2003741"/>
-            <a:ext cx="6327373" cy="2554545"/>
-          </a:xfrm>
-          <a:prstGeom prst="rect">
-            <a:avLst/>
-          </a:prstGeom>
-          <a:noFill/>
-        </p:spPr>
-        <p:txBody>
-          <a:bodyPr wrap="none" rtlCol="0">
-            <a:spAutoFit/>
-          </a:bodyPr>
-          <a:lstStyle/>
-          <a:p>
-            <a:r>
-              <a:rPr lang="fr-FR" sz="2000" dirty="0" smtClean="0">
-                <a:solidFill>
-                  <a:prstClr val="black"/>
-                </a:solidFill>
-                <a:latin typeface="Calibri" panose="020F0502020204030204"/>
-              </a:rPr>
-              <a:t>La précision du pointé dépend de plusieurs bruits:</a:t>
-            </a:r>
-          </a:p>
-          <a:p>
-            <a:pPr marL="285750" indent="-19050">
-              <a:buFont typeface="Arial" panose="020B0604020202020204" pitchFamily="34" charset="0"/>
-              <a:buChar char="•"/>
-            </a:pPr>
-            <a:r>
-              <a:rPr lang="fr-FR" sz="2000" dirty="0" smtClean="0">
-                <a:solidFill>
-                  <a:prstClr val="black"/>
-                </a:solidFill>
-                <a:latin typeface="Calibri" panose="020F0502020204030204"/>
-              </a:rPr>
-              <a:t> Impact des photons non uniforme</a:t>
-            </a:r>
-          </a:p>
-          <a:p>
-            <a:pPr marL="285750" indent="-19050">
-              <a:buFont typeface="Arial" panose="020B0604020202020204" pitchFamily="34" charset="0"/>
-              <a:buChar char="•"/>
-            </a:pPr>
-            <a:r>
-              <a:rPr lang="fr-FR" sz="2000" dirty="0" smtClean="0">
-                <a:solidFill>
-                  <a:prstClr val="black"/>
-                </a:solidFill>
-                <a:latin typeface="Calibri" panose="020F0502020204030204"/>
-              </a:rPr>
-              <a:t> lumière parasite </a:t>
-            </a:r>
-            <a:endParaRPr lang="fr-FR" sz="2000" dirty="0">
-              <a:solidFill>
-                <a:prstClr val="black"/>
-              </a:solidFill>
-              <a:latin typeface="Calibri" panose="020F0502020204030204"/>
-            </a:endParaRPr>
-          </a:p>
-          <a:p>
-            <a:pPr marL="285750" indent="-19050">
-              <a:buFont typeface="Arial" panose="020B0604020202020204" pitchFamily="34" charset="0"/>
-              <a:buChar char="•"/>
-            </a:pPr>
-            <a:r>
-              <a:rPr lang="fr-FR" sz="2000" dirty="0" smtClean="0">
-                <a:solidFill>
-                  <a:prstClr val="black"/>
-                </a:solidFill>
-                <a:latin typeface="Calibri" panose="020F0502020204030204"/>
-              </a:rPr>
-              <a:t> </a:t>
-            </a:r>
-            <a:r>
-              <a:rPr lang="fr-FR" sz="2000" dirty="0" err="1">
-                <a:solidFill>
-                  <a:prstClr val="black"/>
-                </a:solidFill>
-                <a:latin typeface="Calibri" panose="020F0502020204030204"/>
-              </a:rPr>
-              <a:t>f</a:t>
-            </a:r>
-            <a:r>
-              <a:rPr lang="fr-FR" sz="2000" dirty="0" err="1" smtClean="0">
-                <a:solidFill>
-                  <a:prstClr val="black"/>
-                </a:solidFill>
-                <a:latin typeface="Calibri" panose="020F0502020204030204"/>
-              </a:rPr>
-              <a:t>luorophores</a:t>
-            </a:r>
-            <a:r>
-              <a:rPr lang="fr-FR" sz="2000" dirty="0" smtClean="0">
-                <a:solidFill>
-                  <a:prstClr val="black"/>
-                </a:solidFill>
-                <a:latin typeface="Calibri" panose="020F0502020204030204"/>
-              </a:rPr>
-              <a:t> non homogènes</a:t>
-            </a:r>
-          </a:p>
-          <a:p>
-            <a:pPr marL="285750" indent="-19050">
-              <a:buFont typeface="Arial" panose="020B0604020202020204" pitchFamily="34" charset="0"/>
-              <a:buChar char="•"/>
-            </a:pPr>
-            <a:r>
-              <a:rPr lang="fr-FR" sz="2000" dirty="0" smtClean="0">
-                <a:solidFill>
-                  <a:prstClr val="black"/>
-                </a:solidFill>
-                <a:latin typeface="Calibri" panose="020F0502020204030204"/>
-              </a:rPr>
-              <a:t> courant d’obscurité (diodes du capteur)</a:t>
-            </a:r>
-            <a:br>
-              <a:rPr lang="fr-FR" sz="2000" dirty="0" smtClean="0">
-                <a:solidFill>
-                  <a:prstClr val="black"/>
-                </a:solidFill>
-                <a:latin typeface="Calibri" panose="020F0502020204030204"/>
-              </a:rPr>
-            </a:br>
-            <a:endParaRPr lang="fr-FR" sz="2000" dirty="0" smtClean="0">
-              <a:solidFill>
-                <a:prstClr val="black"/>
-              </a:solidFill>
-              <a:latin typeface="Calibri" panose="020F0502020204030204"/>
-            </a:endParaRPr>
-          </a:p>
-          <a:p>
-            <a:r>
-              <a:rPr lang="fr-FR" sz="2000" dirty="0">
-                <a:solidFill>
-                  <a:prstClr val="black"/>
-                </a:solidFill>
-                <a:latin typeface="Calibri" panose="020F0502020204030204"/>
-              </a:rPr>
-              <a:t>	</a:t>
-            </a:r>
-            <a:endParaRPr lang="fr-FR" sz="2000" dirty="0" smtClean="0">
-              <a:solidFill>
-                <a:prstClr val="black"/>
-              </a:solidFill>
-              <a:latin typeface="Calibri" panose="020F0502020204030204"/>
-            </a:endParaRPr>
-          </a:p>
-          <a:p>
-            <a:r>
-              <a:rPr lang="fr-FR" sz="2000" dirty="0" smtClean="0">
-                <a:solidFill>
-                  <a:prstClr val="black"/>
-                </a:solidFill>
-                <a:latin typeface="Calibri" panose="020F0502020204030204"/>
-              </a:rPr>
-              <a:t>	</a:t>
-            </a:r>
-            <a:endParaRPr lang="fr-FR" sz="2000" dirty="0">
-              <a:solidFill>
-                <a:prstClr val="black"/>
-              </a:solidFill>
-              <a:latin typeface="Calibri" panose="020F0502020204030204"/>
-            </a:endParaRPr>
-          </a:p>
-        </p:txBody>
-      </p:sp>
-      <p:sp>
-        <p:nvSpPr>
-          <p:cNvPr id="31" name="Rectangle 30"/>
-          <p:cNvSpPr/>
-          <p:nvPr/>
-        </p:nvSpPr>
-        <p:spPr>
-          <a:xfrm>
-            <a:off x="1681493" y="3710672"/>
-            <a:ext cx="6096000" cy="1631216"/>
-          </a:xfrm>
-          <a:prstGeom prst="rect">
-            <a:avLst/>
-          </a:prstGeom>
-        </p:spPr>
-        <p:txBody>
-          <a:bodyPr>
-            <a:spAutoFit/>
-          </a:bodyPr>
-          <a:lstStyle/>
-          <a:p>
-            <a:r>
-              <a:rPr lang="fr-FR" sz="2000" dirty="0" smtClean="0">
-                <a:solidFill>
-                  <a:prstClr val="black"/>
-                </a:solidFill>
-                <a:latin typeface="Calibri" panose="020F0502020204030204"/>
-              </a:rPr>
-              <a:t>Méthodes numériques:</a:t>
-            </a:r>
-            <a:endParaRPr lang="fr-FR" sz="2000" dirty="0">
-              <a:solidFill>
-                <a:prstClr val="black"/>
-              </a:solidFill>
-              <a:latin typeface="Calibri" panose="020F0502020204030204"/>
-            </a:endParaRPr>
-          </a:p>
-          <a:p>
-            <a:pPr marL="285750" indent="-19050">
-              <a:buFont typeface="Arial" panose="020B0604020202020204" pitchFamily="34" charset="0"/>
-              <a:buChar char="•"/>
-            </a:pPr>
-            <a:r>
-              <a:rPr lang="fr-FR" sz="2000" dirty="0" smtClean="0">
-                <a:solidFill>
-                  <a:prstClr val="black"/>
-                </a:solidFill>
-                <a:latin typeface="Calibri" panose="020F0502020204030204"/>
-              </a:rPr>
-              <a:t> Augmentation de contraste</a:t>
-            </a:r>
-            <a:endParaRPr lang="fr-FR" sz="2000" dirty="0">
-              <a:solidFill>
-                <a:prstClr val="black"/>
-              </a:solidFill>
-              <a:latin typeface="Calibri" panose="020F0502020204030204"/>
-            </a:endParaRPr>
-          </a:p>
-          <a:p>
-            <a:pPr marL="285750" indent="-19050">
-              <a:buFont typeface="Arial" panose="020B0604020202020204" pitchFamily="34" charset="0"/>
-              <a:buChar char="•"/>
-            </a:pPr>
-            <a:r>
-              <a:rPr lang="fr-FR" sz="2000" dirty="0">
-                <a:solidFill>
-                  <a:prstClr val="black"/>
-                </a:solidFill>
-                <a:latin typeface="Calibri" panose="020F0502020204030204"/>
-              </a:rPr>
-              <a:t> </a:t>
-            </a:r>
-            <a:r>
-              <a:rPr lang="fr-FR" sz="2000" dirty="0" smtClean="0">
-                <a:solidFill>
-                  <a:prstClr val="black"/>
-                </a:solidFill>
-                <a:latin typeface="Calibri" panose="020F0502020204030204"/>
-              </a:rPr>
-              <a:t>Filtrage gaussien ou médian</a:t>
-            </a:r>
-            <a:endParaRPr lang="fr-FR" sz="2000" dirty="0">
-              <a:solidFill>
-                <a:prstClr val="black"/>
-              </a:solidFill>
-              <a:latin typeface="Calibri" panose="020F0502020204030204"/>
-            </a:endParaRPr>
-          </a:p>
-          <a:p>
-            <a:pPr marL="285750" indent="-19050">
-              <a:buFont typeface="Arial" panose="020B0604020202020204" pitchFamily="34" charset="0"/>
-              <a:buChar char="•"/>
-            </a:pPr>
-            <a:r>
-              <a:rPr lang="fr-FR" sz="2000" dirty="0">
-                <a:solidFill>
-                  <a:prstClr val="black"/>
-                </a:solidFill>
-                <a:latin typeface="Calibri" panose="020F0502020204030204"/>
-              </a:rPr>
-              <a:t> </a:t>
-            </a:r>
-            <a:r>
-              <a:rPr lang="fr-FR" sz="2000" dirty="0" err="1" smtClean="0">
-                <a:solidFill>
-                  <a:prstClr val="black"/>
-                </a:solidFill>
-                <a:latin typeface="Calibri" panose="020F0502020204030204"/>
-              </a:rPr>
-              <a:t>Déconvolution</a:t>
-            </a:r>
-            <a:r>
-              <a:rPr lang="fr-FR" sz="2000" dirty="0" smtClean="0">
-                <a:solidFill>
-                  <a:prstClr val="black"/>
-                </a:solidFill>
-                <a:latin typeface="Calibri" panose="020F0502020204030204"/>
-              </a:rPr>
-              <a:t> de la PSF, ou/et de l’image du bruit par le réseau.</a:t>
-            </a:r>
-            <a:endParaRPr lang="fr-FR" sz="2000" dirty="0">
-              <a:solidFill>
-                <a:prstClr val="black"/>
-              </a:solidFill>
-              <a:latin typeface="Calibri" panose="020F0502020204030204"/>
-            </a:endParaRPr>
-          </a:p>
-        </p:txBody>
-      </p:sp>
-    </p:spTree>
-    <p:extLst>
-      <p:ext uri="{BB962C8B-B14F-4D97-AF65-F5344CB8AC3E}">
-        <p14:creationId xmlns:p14="http://schemas.microsoft.com/office/powerpoint/2010/main" val="2672040720"/>
-      </p:ext>
-    </p:extLst>
-  </p:cSld>
-  <p:clrMapOvr>
-    <a:masterClrMapping/>
-  </p:clrMapOvr>
-  <mc:AlternateContent xmlns:mc="http://schemas.openxmlformats.org/markup-compatibility/2006" xmlns:p14="http://schemas.microsoft.com/office/powerpoint/2010/main">
-    <mc:Choice Requires="p14">
-      <p:transition p14:dur="0"/>
-    </mc:Choice>
-    <mc:Fallback xmlns="">
-      <p:transition/>
-    </mc:Fallback>
-  </mc:AlternateContent>
-  <p:timing>
-    <p:tnLst>
-      <p:par>
-        <p:cTn id="1" dur="indefinite" restart="never" nodeType="tmRoot"/>
-      </p:par>
-    </p:tnLst>
-  </p:timing>
-</p:sld>
-</file>
-
-<file path=ppt/slides/slide4.xml><?xml version="1.0" encoding="utf-8"?>
-<p:sld xmlns:a="http://schemas.openxmlformats.org/drawingml/2006/main" xmlns:r="http://schemas.openxmlformats.org/officeDocument/2006/relationships" xmlns:p="http://schemas.openxmlformats.org/presentationml/2006/main" showMasterSp="0">
-  <p:cSld>
-    <p:spTree>
-      <p:nvGrpSpPr>
-        <p:cNvPr id="1" name=""/>
-        <p:cNvGrpSpPr/>
-        <p:nvPr/>
-      </p:nvGrpSpPr>
-      <p:grpSpPr>
-        <a:xfrm>
-          <a:off x="0" y="0"/>
-          <a:ext cx="0" cy="0"/>
-          <a:chOff x="0" y="0"/>
-          <a:chExt cx="0" cy="0"/>
-        </a:xfrm>
-      </p:grpSpPr>
-      <p:sp>
-        <p:nvSpPr>
           <p:cNvPr id="3" name="Espace réservé du contenu 2"/>
           <p:cNvSpPr>
             <a:spLocks noGrp="1"/>
@@ -32651,7 +33217,7 @@
               <a:buChar char="v"/>
             </a:pPr>
             <a:r>
-              <a:rPr lang="fr-FR" sz="2800" u="sng" dirty="0" smtClean="0"/>
+              <a:rPr lang="fr-FR" sz="2800" u="sng" dirty="0"/>
               <a:t>Objectif:</a:t>
             </a:r>
           </a:p>
@@ -32660,11 +33226,11 @@
               <a:buNone/>
             </a:pPr>
             <a:r>
-              <a:rPr lang="fr-FR" sz="2800" dirty="0" smtClean="0"/>
+              <a:rPr lang="fr-FR" sz="2800" dirty="0"/>
               <a:t>	</a:t>
             </a:r>
             <a:r>
-              <a:rPr lang="fr-FR" sz="2400" dirty="0" smtClean="0"/>
+              <a:rPr lang="fr-FR" sz="2400" dirty="0"/>
               <a:t>- positionnement axial (image nette)</a:t>
             </a:r>
           </a:p>
@@ -32673,7 +33239,7 @@
               <a:buNone/>
             </a:pPr>
             <a:r>
-              <a:rPr lang="fr-FR" sz="2400" dirty="0" smtClean="0"/>
+              <a:rPr lang="fr-FR" sz="2400" dirty="0"/>
               <a:t>	- positionnement transversal (image centrée)</a:t>
             </a:r>
           </a:p>
@@ -32682,7 +33248,7 @@
               <a:buNone/>
             </a:pPr>
             <a:r>
-              <a:rPr lang="fr-FR" sz="2400" dirty="0" smtClean="0"/>
+              <a:rPr lang="fr-FR" sz="2400" dirty="0"/>
               <a:t>	</a:t>
             </a:r>
           </a:p>
@@ -32692,7 +33258,7 @@
               <a:buChar char="v"/>
             </a:pPr>
             <a:r>
-              <a:rPr lang="fr-FR" sz="2800" u="sng" dirty="0" smtClean="0"/>
+              <a:rPr lang="fr-FR" sz="2800" u="sng" dirty="0"/>
               <a:t>Données:</a:t>
             </a:r>
           </a:p>
@@ -32702,12 +33268,8 @@
               <a:buNone/>
             </a:pPr>
             <a:r>
-              <a:rPr lang="fr-FR" sz="2400" dirty="0" smtClean="0"/>
-              <a:t>- images </a:t>
-            </a:r>
-            <a:r>
               <a:rPr lang="fr-FR" sz="2400" dirty="0"/>
-              <a:t>de calibrations </a:t>
+              <a:t>- images de calibrations </a:t>
             </a:r>
           </a:p>
           <a:p>
@@ -32716,16 +33278,8 @@
               <a:buNone/>
             </a:pPr>
             <a:r>
-              <a:rPr lang="fr-FR" sz="2400" dirty="0" smtClean="0"/>
-              <a:t>- images </a:t>
-            </a:r>
-            <a:r>
               <a:rPr lang="fr-FR" sz="2400" dirty="0"/>
-              <a:t>de </a:t>
-            </a:r>
-            <a:r>
-              <a:rPr lang="fr-FR" sz="2400" dirty="0" smtClean="0"/>
-              <a:t>mesure</a:t>
+              <a:t>- images de mesure</a:t>
             </a:r>
           </a:p>
           <a:p>
@@ -32734,20 +33288,16 @@
               <a:buNone/>
             </a:pPr>
             <a:r>
-              <a:rPr lang="fr-FR" sz="2400" dirty="0" smtClean="0"/>
+              <a:rPr lang="fr-FR" sz="2400" dirty="0"/>
               <a:t>- images en situation</a:t>
             </a:r>
             <a:br>
-              <a:rPr lang="fr-FR" sz="2400" dirty="0" smtClean="0"/>
+              <a:rPr lang="fr-FR" sz="2400" dirty="0"/>
             </a:br>
-            <a:r>
-              <a:rPr lang="fr-FR" sz="2400" dirty="0" smtClean="0"/>
-              <a:t/>
-            </a:r>
             <a:br>
-              <a:rPr lang="fr-FR" sz="2400" dirty="0" smtClean="0"/>
+              <a:rPr lang="fr-FR" sz="2400" dirty="0"/>
             </a:br>
-            <a:endParaRPr lang="fr-FR" sz="2800" dirty="0" smtClean="0"/>
+            <a:endParaRPr lang="fr-FR" sz="2800" dirty="0"/>
           </a:p>
           <a:p>
             <a:pPr marL="0" indent="0">
@@ -32759,27 +33309,19 @@
             <a:pPr marL="0" indent="0">
               <a:buNone/>
             </a:pPr>
-            <a:r>
-              <a:rPr lang="fr-FR" sz="2400" dirty="0" smtClean="0"/>
-              <a:t/>
-            </a:r>
             <a:br>
-              <a:rPr lang="fr-FR" sz="2400" dirty="0" smtClean="0"/>
+              <a:rPr lang="fr-FR" sz="2400" dirty="0"/>
             </a:br>
-            <a:r>
-              <a:rPr lang="fr-FR" sz="2400" dirty="0" smtClean="0"/>
-              <a:t/>
-            </a:r>
             <a:br>
-              <a:rPr lang="fr-FR" sz="2400" dirty="0" smtClean="0"/>
+              <a:rPr lang="fr-FR" sz="2400" dirty="0"/>
             </a:br>
-            <a:endParaRPr lang="fr-FR" sz="2400" dirty="0" smtClean="0"/>
+            <a:endParaRPr lang="fr-FR" sz="2400" dirty="0"/>
           </a:p>
           <a:p>
             <a:pPr marL="0" indent="0">
               <a:buNone/>
             </a:pPr>
-            <a:endParaRPr lang="fr-FR" sz="2400" dirty="0" smtClean="0"/>
+            <a:endParaRPr lang="fr-FR" sz="2400" dirty="0"/>
           </a:p>
           <a:p>
             <a:pPr marL="0" indent="0">
@@ -32817,36 +33359,23 @@
                   <a:prstClr val="black"/>
                 </a:solidFill>
               </a:rPr>
-              <a:t>A</a:t>
-            </a:r>
-            <a:r>
-              <a:rPr lang="fr-FR" sz="2400" i="1" dirty="0" smtClean="0">
-                <a:solidFill>
-                  <a:prstClr val="black"/>
-                </a:solidFill>
-              </a:rPr>
-              <a:t>vec quelle précision peut on localiser un émetteur fluorescent ?</a:t>
+              <a:t>Avec quelle précision peut on localiser un émetteur fluorescent ?</a:t>
             </a:r>
             <a:br>
-              <a:rPr lang="fr-FR" sz="2400" i="1" dirty="0" smtClean="0">
+              <a:rPr lang="fr-FR" sz="2400" i="1" dirty="0">
                 <a:solidFill>
                   <a:prstClr val="black"/>
                 </a:solidFill>
               </a:rPr>
             </a:br>
             <a:r>
-              <a:rPr lang="fr-FR" sz="2400" i="1" dirty="0" smtClean="0">
+              <a:rPr lang="fr-FR" sz="2400" i="1" dirty="0">
                 <a:solidFill>
                   <a:prstClr val="black"/>
                 </a:solidFill>
               </a:rPr>
               <a:t>Quels traitements et solutions faut-il envisager ?</a:t>
             </a:r>
-            <a:endParaRPr lang="fr-FR" sz="2400" i="1" dirty="0">
-              <a:solidFill>
-                <a:prstClr val="black"/>
-              </a:solidFill>
-            </a:endParaRPr>
           </a:p>
         </p:txBody>
       </p:sp>
@@ -32868,17 +33397,10 @@
       <p:transition/>
     </mc:Fallback>
   </mc:AlternateContent>
-  <p:timing>
-    <p:tnLst>
-      <p:par>
-        <p:cTn id="1" dur="indefinite" restart="never" nodeType="tmRoot"/>
-      </p:par>
-    </p:tnLst>
-  </p:timing>
 </p:sld>
 </file>
 
-<file path=ppt/slides/slide5.xml><?xml version="1.0" encoding="utf-8"?>
+<file path=ppt/slides/slide4.xml><?xml version="1.0" encoding="utf-8"?>
 <p:sld xmlns:a="http://schemas.openxmlformats.org/drawingml/2006/main" xmlns:r="http://schemas.openxmlformats.org/officeDocument/2006/relationships" xmlns:p="http://schemas.openxmlformats.org/presentationml/2006/main" showMasterSp="0">
   <p:cSld>
     <p:spTree>
@@ -33035,7 +33557,7 @@
               <a:buChar char="v"/>
             </a:pPr>
             <a:r>
-              <a:rPr lang="fr-FR" sz="3600" u="sng" dirty="0" smtClean="0">
+              <a:rPr lang="fr-FR" sz="3600" u="sng" dirty="0">
                 <a:solidFill>
                   <a:prstClr val="black">
                     <a:lumMod val="75000"/>
@@ -33045,14 +33567,6 @@
               </a:rPr>
               <a:t>Données:</a:t>
             </a:r>
-            <a:endParaRPr lang="fr-FR" sz="3600" u="sng" dirty="0">
-              <a:solidFill>
-                <a:prstClr val="black">
-                  <a:lumMod val="75000"/>
-                  <a:lumOff val="25000"/>
-                </a:prstClr>
-              </a:solidFill>
-            </a:endParaRPr>
           </a:p>
         </p:txBody>
       </p:sp>
@@ -33174,21 +33688,140 @@
   <p:clrMapOvr>
     <a:masterClrMapping/>
   </p:clrMapOvr>
-  <mc:AlternateContent xmlns:mc="http://schemas.openxmlformats.org/markup-compatibility/2006">
-    <mc:Choice xmlns:p14="http://schemas.microsoft.com/office/powerpoint/2010/main" Requires="p14">
+  <mc:AlternateContent xmlns:mc="http://schemas.openxmlformats.org/markup-compatibility/2006" xmlns:p14="http://schemas.microsoft.com/office/powerpoint/2010/main">
+    <mc:Choice Requires="p14">
       <p:transition p14:dur="0"/>
     </mc:Choice>
-    <mc:Fallback>
+    <mc:Fallback xmlns="">
       <p:transition/>
     </mc:Fallback>
   </mc:AlternateContent>
-  <p:timing>
-    <p:tnLst>
-      <p:par>
-        <p:cTn id="1" dur="indefinite" restart="never" nodeType="tmRoot"/>
-      </p:par>
-    </p:tnLst>
-  </p:timing>
+</p:sld>
+</file>
+
+<file path=ppt/slides/slide5.xml><?xml version="1.0" encoding="utf-8"?>
+<p:sld xmlns:a="http://schemas.openxmlformats.org/drawingml/2006/main" xmlns:r="http://schemas.openxmlformats.org/officeDocument/2006/relationships" xmlns:p="http://schemas.openxmlformats.org/presentationml/2006/main" showMasterSp="0">
+  <p:cSld>
+    <p:spTree>
+      <p:nvGrpSpPr>
+        <p:cNvPr id="1" name=""/>
+        <p:cNvGrpSpPr/>
+        <p:nvPr/>
+      </p:nvGrpSpPr>
+      <p:grpSpPr>
+        <a:xfrm>
+          <a:off x="0" y="0"/>
+          <a:ext cx="0" cy="0"/>
+          <a:chOff x="0" y="0"/>
+          <a:chExt cx="0" cy="0"/>
+        </a:xfrm>
+      </p:grpSpPr>
+      <p:sp>
+        <p:nvSpPr>
+          <p:cNvPr id="2" name="ZoneTexte 1"/>
+          <p:cNvSpPr txBox="1"/>
+          <p:nvPr/>
+        </p:nvSpPr>
+        <p:spPr>
+          <a:xfrm>
+            <a:off x="1952858" y="1642177"/>
+            <a:ext cx="8211821" cy="3046988"/>
+          </a:xfrm>
+          <a:prstGeom prst="rect">
+            <a:avLst/>
+          </a:prstGeom>
+          <a:noFill/>
+        </p:spPr>
+        <p:txBody>
+          <a:bodyPr wrap="square" rtlCol="0">
+            <a:spAutoFit/>
+          </a:bodyPr>
+          <a:lstStyle/>
+          <a:p>
+            <a:r>
+              <a:rPr lang="fr-FR" sz="3200" i="1" u="sng" dirty="0">
+                <a:effectLst>
+                  <a:outerShdw blurRad="38100" dist="38100" dir="2700000" algn="tl">
+                    <a:srgbClr val="000000">
+                      <a:alpha val="43137"/>
+                    </a:srgbClr>
+                  </a:outerShdw>
+                </a:effectLst>
+              </a:rPr>
+              <a:t>I Traitements préliminaires</a:t>
+            </a:r>
+          </a:p>
+          <a:p>
+            <a:r>
+              <a:rPr lang="fr-FR" sz="3200" dirty="0"/>
+              <a:t>	</a:t>
+            </a:r>
+          </a:p>
+          <a:p>
+            <a:r>
+              <a:rPr lang="fr-FR" sz="3200" i="1" u="sng" dirty="0">
+                <a:effectLst>
+                  <a:outerShdw blurRad="38100" dist="38100" dir="2700000" algn="tl">
+                    <a:srgbClr val="000000">
+                      <a:alpha val="43137"/>
+                    </a:srgbClr>
+                  </a:outerShdw>
+                </a:effectLst>
+              </a:rPr>
+              <a:t>II Utilisation de la tâche d’Airy</a:t>
+            </a:r>
+          </a:p>
+          <a:p>
+            <a:r>
+              <a:rPr lang="fr-FR" sz="3200" dirty="0"/>
+              <a:t>	</a:t>
+            </a:r>
+          </a:p>
+          <a:p>
+            <a:r>
+              <a:rPr lang="fr-FR" sz="3200" i="1" u="sng" dirty="0">
+                <a:effectLst>
+                  <a:outerShdw blurRad="38100" dist="38100" dir="2700000" algn="tl">
+                    <a:srgbClr val="000000">
+                      <a:alpha val="43137"/>
+                    </a:srgbClr>
+                  </a:outerShdw>
+                </a:effectLst>
+              </a:rPr>
+              <a:t>III Détermination de la position axiale</a:t>
+            </a:r>
+          </a:p>
+          <a:p>
+            <a:endParaRPr lang="fr-FR" sz="3200" i="1" u="sng" dirty="0">
+              <a:effectLst>
+                <a:outerShdw blurRad="38100" dist="38100" dir="2700000" algn="tl">
+                  <a:srgbClr val="000000">
+                    <a:alpha val="43137"/>
+                  </a:srgbClr>
+                </a:outerShdw>
+              </a:effectLst>
+            </a:endParaRPr>
+          </a:p>
+        </p:txBody>
+      </p:sp>
+    </p:spTree>
+    <p:extLst>
+      <p:ext uri="{BB962C8B-B14F-4D97-AF65-F5344CB8AC3E}">
+        <p14:creationId xmlns:p14="http://schemas.microsoft.com/office/powerpoint/2010/main" val="400189223"/>
+      </p:ext>
+    </p:extLst>
+  </p:cSld>
+  <p:clrMapOvr>
+    <a:masterClrMapping/>
+  </p:clrMapOvr>
+  <mc:AlternateContent xmlns:mc="http://schemas.openxmlformats.org/markup-compatibility/2006" xmlns:p14="http://schemas.microsoft.com/office/powerpoint/2010/main">
+    <mc:Choice Requires="p14">
+      <p:transition p14:dur="0"/>
+    </mc:Choice>
+    <mc:Fallback xmlns="">
+      <p:transition/>
+    </mc:Fallback>
+  </mc:AlternateContent>
 </p:sld>
 </file>
 
@@ -33211,160 +33844,6 @@
       </p:grpSpPr>
       <p:sp>
         <p:nvSpPr>
-          <p:cNvPr id="2" name="ZoneTexte 1"/>
-          <p:cNvSpPr txBox="1"/>
-          <p:nvPr/>
-        </p:nvSpPr>
-        <p:spPr>
-          <a:xfrm>
-            <a:off x="2265679" y="1666240"/>
-            <a:ext cx="8211821" cy="3046988"/>
-          </a:xfrm>
-          <a:prstGeom prst="rect">
-            <a:avLst/>
-          </a:prstGeom>
-          <a:noFill/>
-        </p:spPr>
-        <p:txBody>
-          <a:bodyPr wrap="square" rtlCol="0">
-            <a:spAutoFit/>
-          </a:bodyPr>
-          <a:lstStyle/>
-          <a:p>
-            <a:r>
-              <a:rPr lang="fr-FR" sz="3200" i="1" u="sng" dirty="0">
-                <a:effectLst>
-                  <a:outerShdw blurRad="38100" dist="38100" dir="2700000" algn="tl">
-                    <a:srgbClr val="000000">
-                      <a:alpha val="43137"/>
-                    </a:srgbClr>
-                  </a:outerShdw>
-                </a:effectLst>
-              </a:rPr>
-              <a:t>I </a:t>
-            </a:r>
-            <a:r>
-              <a:rPr lang="fr-FR" sz="3200" i="1" u="sng" dirty="0" smtClean="0">
-                <a:effectLst>
-                  <a:outerShdw blurRad="38100" dist="38100" dir="2700000" algn="tl">
-                    <a:srgbClr val="000000">
-                      <a:alpha val="43137"/>
-                    </a:srgbClr>
-                  </a:outerShdw>
-                </a:effectLst>
-              </a:rPr>
-              <a:t>Traitements préliminaires</a:t>
-            </a:r>
-            <a:endParaRPr lang="fr-FR" sz="3200" i="1" u="sng" dirty="0">
-              <a:effectLst>
-                <a:outerShdw blurRad="38100" dist="38100" dir="2700000" algn="tl">
-                  <a:srgbClr val="000000">
-                    <a:alpha val="43137"/>
-                  </a:srgbClr>
-                </a:outerShdw>
-              </a:effectLst>
-            </a:endParaRPr>
-          </a:p>
-          <a:p>
-            <a:r>
-              <a:rPr lang="fr-FR" sz="3200" dirty="0" smtClean="0"/>
-              <a:t>	</a:t>
-            </a:r>
-          </a:p>
-          <a:p>
-            <a:r>
-              <a:rPr lang="fr-FR" sz="3200" i="1" u="sng" dirty="0" smtClean="0">
-                <a:effectLst>
-                  <a:outerShdw blurRad="38100" dist="38100" dir="2700000" algn="tl">
-                    <a:srgbClr val="000000">
-                      <a:alpha val="43137"/>
-                    </a:srgbClr>
-                  </a:outerShdw>
-                </a:effectLst>
-              </a:rPr>
-              <a:t>II Utilisation de la tâche d’Airy</a:t>
-            </a:r>
-          </a:p>
-          <a:p>
-            <a:r>
-              <a:rPr lang="fr-FR" sz="3200" dirty="0" smtClean="0"/>
-              <a:t>	</a:t>
-            </a:r>
-          </a:p>
-          <a:p>
-            <a:r>
-              <a:rPr lang="fr-FR" sz="3200" i="1" u="sng" dirty="0" smtClean="0">
-                <a:effectLst>
-                  <a:outerShdw blurRad="38100" dist="38100" dir="2700000" algn="tl">
-                    <a:srgbClr val="000000">
-                      <a:alpha val="43137"/>
-                    </a:srgbClr>
-                  </a:outerShdw>
-                </a:effectLst>
-              </a:rPr>
-              <a:t>III Détermination de la position axiale</a:t>
-            </a:r>
-          </a:p>
-          <a:p>
-            <a:endParaRPr lang="fr-FR" sz="3200" i="1" u="sng" dirty="0">
-              <a:effectLst>
-                <a:outerShdw blurRad="38100" dist="38100" dir="2700000" algn="tl">
-                  <a:srgbClr val="000000">
-                    <a:alpha val="43137"/>
-                  </a:srgbClr>
-                </a:outerShdw>
-              </a:effectLst>
-            </a:endParaRPr>
-          </a:p>
-        </p:txBody>
-      </p:sp>
-    </p:spTree>
-    <p:extLst>
-      <p:ext uri="{BB962C8B-B14F-4D97-AF65-F5344CB8AC3E}">
-        <p14:creationId xmlns:p14="http://schemas.microsoft.com/office/powerpoint/2010/main" val="400189223"/>
-      </p:ext>
-    </p:extLst>
-  </p:cSld>
-  <p:clrMapOvr>
-    <a:masterClrMapping/>
-  </p:clrMapOvr>
-  <mc:AlternateContent xmlns:mc="http://schemas.openxmlformats.org/markup-compatibility/2006" xmlns:p14="http://schemas.microsoft.com/office/powerpoint/2010/main">
-    <mc:Choice Requires="p14">
-      <p:transition p14:dur="0"/>
-    </mc:Choice>
-    <mc:Fallback xmlns="">
-      <p:transition/>
-    </mc:Fallback>
-  </mc:AlternateContent>
-  <p:timing>
-    <p:tnLst>
-      <p:par>
-        <p:cTn id="1" dur="indefinite" restart="never" nodeType="tmRoot"/>
-      </p:par>
-    </p:tnLst>
-  </p:timing>
-</p:sld>
-</file>
-
-<file path=ppt/slides/slide7.xml><?xml version="1.0" encoding="utf-8"?>
-<p:sld xmlns:a="http://schemas.openxmlformats.org/drawingml/2006/main" xmlns:r="http://schemas.openxmlformats.org/officeDocument/2006/relationships" xmlns:p="http://schemas.openxmlformats.org/presentationml/2006/main" showMasterSp="0">
-  <p:cSld>
-    <p:spTree>
-      <p:nvGrpSpPr>
-        <p:cNvPr id="1" name=""/>
-        <p:cNvGrpSpPr/>
-        <p:nvPr/>
-      </p:nvGrpSpPr>
-      <p:grpSpPr>
-        <a:xfrm>
-          <a:off x="0" y="0"/>
-          <a:ext cx="0" cy="0"/>
-          <a:chOff x="0" y="0"/>
-          <a:chExt cx="0" cy="0"/>
-        </a:xfrm>
-      </p:grpSpPr>
-      <p:sp>
-        <p:nvSpPr>
           <p:cNvPr id="3" name="Espace réservé du contenu 2"/>
           <p:cNvSpPr>
             <a:spLocks noGrp="1"/>
@@ -33390,8 +33869,8 @@
               <a:buChar char="v"/>
             </a:pPr>
             <a:r>
-              <a:rPr lang="fr-FR" sz="2800" u="sng" dirty="0" smtClean="0"/>
-              <a:t>I. Traitements préliminaires</a:t>
+              <a:rPr lang="fr-FR" sz="2800" u="sng" dirty="0"/>
+              <a:t>Traitements préliminaires</a:t>
             </a:r>
           </a:p>
         </p:txBody>
@@ -33419,10 +33898,9 @@
           <a:lstStyle/>
           <a:p>
             <a:r>
-              <a:rPr lang="fr-FR" dirty="0" smtClean="0"/>
+              <a:rPr lang="fr-FR" dirty="0"/>
               <a:t>Rehaussement de contraste:</a:t>
             </a:r>
-            <a:endParaRPr lang="fr-FR" dirty="0"/>
           </a:p>
         </p:txBody>
       </p:sp>
@@ -33434,7 +33912,7 @@
         </p:nvSpPr>
         <p:spPr>
           <a:xfrm>
-            <a:off x="3529672" y="2948563"/>
+            <a:off x="5695353" y="2948563"/>
             <a:ext cx="1141237" cy="385736"/>
           </a:xfrm>
           <a:prstGeom prst="rightArrow">
@@ -33494,7 +33972,7 @@
         </p:blipFill>
         <p:spPr bwMode="auto">
           <a:xfrm>
-            <a:off x="4826389" y="1683292"/>
+            <a:off x="7569588" y="1745002"/>
             <a:ext cx="2843920" cy="2926815"/>
           </a:xfrm>
           <a:prstGeom prst="rect">
@@ -33548,7 +34026,7 @@
         </p:blipFill>
         <p:spPr bwMode="auto">
           <a:xfrm>
-            <a:off x="547856" y="1672755"/>
+            <a:off x="2111960" y="1672755"/>
             <a:ext cx="2809641" cy="2937352"/>
           </a:xfrm>
           <a:prstGeom prst="rect">
@@ -33602,10 +34080,9 @@
           <a:lstStyle/>
           <a:p>
             <a:r>
-              <a:rPr lang="fr-FR" dirty="0" smtClean="0"/>
+              <a:rPr lang="fr-FR" dirty="0"/>
               <a:t>+ Filtrage du fond (on enlève la médiane)</a:t>
             </a:r>
-            <a:endParaRPr lang="fr-FR" dirty="0"/>
           </a:p>
         </p:txBody>
       </p:sp>
@@ -33632,10 +34109,9 @@
           <a:lstStyle/>
           <a:p>
             <a:r>
-              <a:rPr lang="fr-FR" dirty="0" smtClean="0"/>
+              <a:rPr lang="fr-FR" dirty="0"/>
               <a:t>Pas de bruit poivre et sel, on ne fait pas de filtrage médian</a:t>
             </a:r>
-            <a:endParaRPr lang="fr-FR" dirty="0"/>
           </a:p>
         </p:txBody>
       </p:sp>
@@ -33662,10 +34138,9 @@
           <a:lstStyle/>
           <a:p>
             <a:r>
-              <a:rPr lang="fr-FR" dirty="0" smtClean="0"/>
+              <a:rPr lang="fr-FR" dirty="0"/>
               <a:t>Filtrage de Wiener envisagé, mais il abîme les fréquences qui nous intéressent, et il est difficile de déterminer l’objet à obtenir.</a:t>
             </a:r>
-            <a:endParaRPr lang="fr-FR" dirty="0"/>
           </a:p>
         </p:txBody>
       </p:sp>
@@ -33679,25 +34154,18 @@
   <p:clrMapOvr>
     <a:masterClrMapping/>
   </p:clrMapOvr>
-  <mc:AlternateContent xmlns:mc="http://schemas.openxmlformats.org/markup-compatibility/2006">
-    <mc:Choice xmlns:p14="http://schemas.microsoft.com/office/powerpoint/2010/main" Requires="p14">
+  <mc:AlternateContent xmlns:mc="http://schemas.openxmlformats.org/markup-compatibility/2006" xmlns:p14="http://schemas.microsoft.com/office/powerpoint/2010/main">
+    <mc:Choice Requires="p14">
       <p:transition p14:dur="0"/>
     </mc:Choice>
-    <mc:Fallback>
+    <mc:Fallback xmlns="">
       <p:transition/>
     </mc:Fallback>
   </mc:AlternateContent>
-  <p:timing>
-    <p:tnLst>
-      <p:par>
-        <p:cTn id="1" dur="indefinite" restart="never" nodeType="tmRoot"/>
-      </p:par>
-    </p:tnLst>
-  </p:timing>
 </p:sld>
 </file>
 
-<file path=ppt/slides/slide8.xml><?xml version="1.0" encoding="utf-8"?>
+<file path=ppt/slides/slide7.xml><?xml version="1.0" encoding="utf-8"?>
 <p:sld xmlns:a="http://schemas.openxmlformats.org/drawingml/2006/main" xmlns:r="http://schemas.openxmlformats.org/officeDocument/2006/relationships" xmlns:p="http://schemas.openxmlformats.org/presentationml/2006/main" showMasterSp="0">
   <p:cSld>
     <p:spTree>
@@ -33741,8 +34209,8 @@
               <a:buChar char="v"/>
             </a:pPr>
             <a:r>
-              <a:rPr lang="fr-FR" sz="2800" u="sng" dirty="0" smtClean="0"/>
-              <a:t>I. Traitements préliminaires</a:t>
+              <a:rPr lang="fr-FR" sz="2800" u="sng" dirty="0"/>
+              <a:t>Traitements préliminaires</a:t>
             </a:r>
           </a:p>
         </p:txBody>
@@ -33770,10 +34238,9 @@
           <a:lstStyle/>
           <a:p>
             <a:r>
-              <a:rPr lang="fr-FR" dirty="0" smtClean="0"/>
+              <a:rPr lang="fr-FR" dirty="0"/>
               <a:t>Hyper-gaussienne 2D</a:t>
             </a:r>
-            <a:endParaRPr lang="fr-FR" dirty="0"/>
           </a:p>
         </p:txBody>
       </p:sp>
@@ -33854,10 +34321,9 @@
           <a:lstStyle/>
           <a:p>
             <a:r>
-              <a:rPr lang="fr-FR" dirty="0" smtClean="0"/>
+              <a:rPr lang="fr-FR" dirty="0"/>
               <a:t>Vue de coupe</a:t>
             </a:r>
-            <a:endParaRPr lang="fr-FR" dirty="0"/>
           </a:p>
         </p:txBody>
       </p:sp>
@@ -34100,26 +34566,26 @@
           <a:lstStyle/>
           <a:p>
             <a:r>
-              <a:rPr lang="fr-FR" dirty="0" smtClean="0"/>
+              <a:rPr lang="fr-FR" dirty="0"/>
               <a:t>Différence de deux </a:t>
             </a:r>
             <a:r>
-              <a:rPr lang="fr-FR" dirty="0" err="1" smtClean="0"/>
+              <a:rPr lang="fr-FR" dirty="0" err="1"/>
               <a:t>hypergaussiennes</a:t>
             </a:r>
             <a:r>
-              <a:rPr lang="fr-FR" dirty="0" smtClean="0"/>
+              <a:rPr lang="fr-FR" dirty="0"/>
               <a:t> :</a:t>
             </a:r>
             <a:br>
-              <a:rPr lang="fr-FR" dirty="0" smtClean="0"/>
+              <a:rPr lang="fr-FR" dirty="0"/>
             </a:br>
             <a:r>
-              <a:rPr lang="fr-FR" dirty="0" smtClean="0"/>
+              <a:rPr lang="fr-FR" dirty="0"/>
               <a:t>	</a:t>
             </a:r>
             <a:r>
-              <a:rPr lang="fr-FR" sz="1600" i="1" dirty="0" smtClean="0"/>
+              <a:rPr lang="fr-FR" sz="1600" i="1" dirty="0"/>
               <a:t>Sélection des interfranges</a:t>
             </a:r>
             <a:endParaRPr lang="fr-FR" i="1" dirty="0"/>
@@ -34194,14 +34660,13 @@
           <a:lstStyle/>
           <a:p>
             <a:r>
-              <a:rPr lang="fr-FR" u="sng" dirty="0" smtClean="0"/>
+              <a:rPr lang="fr-FR" u="sng" dirty="0"/>
               <a:t>Alternative</a:t>
             </a:r>
             <a:r>
-              <a:rPr lang="fr-FR" dirty="0" smtClean="0"/>
+              <a:rPr lang="fr-FR" dirty="0"/>
               <a:t>: faire un fit gaussien et soustraire la gaussienne à l’image.</a:t>
             </a:r>
-            <a:endParaRPr lang="fr-FR" dirty="0"/>
           </a:p>
         </p:txBody>
       </p:sp>
@@ -34223,13 +34688,397 @@
       <p:transition/>
     </mc:Fallback>
   </mc:AlternateContent>
-  <p:timing>
-    <p:tnLst>
-      <p:par>
-        <p:cTn id="1" dur="indefinite" restart="never" nodeType="tmRoot"/>
-      </p:par>
-    </p:tnLst>
-  </p:timing>
+</p:sld>
+</file>
+
+<file path=ppt/slides/slide8.xml><?xml version="1.0" encoding="utf-8"?>
+<p:sld xmlns:a="http://schemas.openxmlformats.org/drawingml/2006/main" xmlns:r="http://schemas.openxmlformats.org/officeDocument/2006/relationships" xmlns:p="http://schemas.openxmlformats.org/presentationml/2006/main" showMasterSp="0">
+  <p:cSld>
+    <p:spTree>
+      <p:nvGrpSpPr>
+        <p:cNvPr id="1" name=""/>
+        <p:cNvGrpSpPr/>
+        <p:nvPr/>
+      </p:nvGrpSpPr>
+      <p:grpSpPr>
+        <a:xfrm>
+          <a:off x="0" y="0"/>
+          <a:ext cx="0" cy="0"/>
+          <a:chOff x="0" y="0"/>
+          <a:chExt cx="0" cy="0"/>
+        </a:xfrm>
+      </p:grpSpPr>
+      <p:sp>
+        <p:nvSpPr>
+          <p:cNvPr id="3" name="Espace réservé du contenu 2"/>
+          <p:cNvSpPr>
+            <a:spLocks noGrp="1"/>
+          </p:cNvSpPr>
+          <p:nvPr>
+            <p:ph idx="1"/>
+          </p:nvPr>
+        </p:nvSpPr>
+        <p:spPr>
+          <a:xfrm>
+            <a:off x="1878012" y="274912"/>
+            <a:ext cx="8915400" cy="6212974"/>
+          </a:xfrm>
+        </p:spPr>
+        <p:txBody>
+          <a:bodyPr tIns="72000">
+            <a:noAutofit/>
+          </a:bodyPr>
+          <a:lstStyle/>
+          <a:p>
+            <a:pPr>
+              <a:buFont typeface="Wingdings" panose="05000000000000000000" pitchFamily="2" charset="2"/>
+              <a:buChar char="v"/>
+            </a:pPr>
+            <a:r>
+              <a:rPr lang="fr-FR" sz="2800" u="sng" dirty="0"/>
+              <a:t>Utilisation de la tâche d’Airy</a:t>
+            </a:r>
+          </a:p>
+          <a:p>
+            <a:pPr>
+              <a:buFont typeface="Wingdings" panose="05000000000000000000" pitchFamily="2" charset="2"/>
+              <a:buChar char="v"/>
+            </a:pPr>
+            <a:endParaRPr lang="fr-FR" sz="2800" u="sng" dirty="0"/>
+          </a:p>
+          <a:p>
+            <a:pPr marL="0" indent="0">
+              <a:buNone/>
+            </a:pPr>
+            <a:endParaRPr lang="fr-FR" sz="2800" dirty="0"/>
+          </a:p>
+          <a:p>
+            <a:pPr marL="0" indent="0">
+              <a:buNone/>
+            </a:pPr>
+            <a:endParaRPr lang="fr-FR" sz="2800" dirty="0"/>
+          </a:p>
+        </p:txBody>
+      </p:sp>
+      <p:sp>
+        <p:nvSpPr>
+          <p:cNvPr id="6" name="Espace réservé du contenu 2"/>
+          <p:cNvSpPr txBox="1">
+            <a:spLocks/>
+          </p:cNvSpPr>
+          <p:nvPr/>
+        </p:nvSpPr>
+        <p:spPr>
+          <a:xfrm>
+            <a:off x="1215765" y="989214"/>
+            <a:ext cx="8915400" cy="5692635"/>
+          </a:xfrm>
+          <a:prstGeom prst="rect">
+            <a:avLst/>
+          </a:prstGeom>
+        </p:spPr>
+        <p:txBody>
+          <a:bodyPr vert="horz" lIns="91440" tIns="72000" rIns="91440" bIns="45720" rtlCol="0">
+            <a:noAutofit/>
+          </a:bodyPr>
+          <a:lstStyle>
+            <a:lvl1pPr marL="342900" indent="-342900" algn="l" defTabSz="457200" rtl="0" eaLnBrk="1" latinLnBrk="0" hangingPunct="1">
+              <a:spcBef>
+                <a:spcPts val="1000"/>
+              </a:spcBef>
+              <a:spcAft>
+                <a:spcPts val="0"/>
+              </a:spcAft>
+              <a:buClr>
+                <a:schemeClr val="accent1"/>
+              </a:buClr>
+              <a:buFont typeface="Wingdings 3" charset="2"/>
+              <a:buChar char=""/>
+              <a:defRPr sz="1800" kern="1200">
+                <a:solidFill>
+                  <a:schemeClr val="tx1">
+                    <a:lumMod val="75000"/>
+                    <a:lumOff val="25000"/>
+                  </a:schemeClr>
+                </a:solidFill>
+                <a:latin typeface="+mn-lt"/>
+                <a:ea typeface="+mn-ea"/>
+                <a:cs typeface="+mn-cs"/>
+              </a:defRPr>
+            </a:lvl1pPr>
+            <a:lvl2pPr marL="742950" indent="-285750" algn="l" defTabSz="457200" rtl="0" eaLnBrk="1" latinLnBrk="0" hangingPunct="1">
+              <a:spcBef>
+                <a:spcPts val="1000"/>
+              </a:spcBef>
+              <a:spcAft>
+                <a:spcPts val="0"/>
+              </a:spcAft>
+              <a:buClr>
+                <a:schemeClr val="accent1"/>
+              </a:buClr>
+              <a:buFont typeface="Wingdings 3" charset="2"/>
+              <a:buChar char=""/>
+              <a:defRPr sz="1600" kern="1200">
+                <a:solidFill>
+                  <a:schemeClr val="tx1">
+                    <a:lumMod val="75000"/>
+                    <a:lumOff val="25000"/>
+                  </a:schemeClr>
+                </a:solidFill>
+                <a:latin typeface="+mn-lt"/>
+                <a:ea typeface="+mn-ea"/>
+                <a:cs typeface="+mn-cs"/>
+              </a:defRPr>
+            </a:lvl2pPr>
+            <a:lvl3pPr marL="1143000" indent="-228600" algn="l" defTabSz="457200" rtl="0" eaLnBrk="1" latinLnBrk="0" hangingPunct="1">
+              <a:spcBef>
+                <a:spcPts val="1000"/>
+              </a:spcBef>
+              <a:spcAft>
+                <a:spcPts val="0"/>
+              </a:spcAft>
+              <a:buClr>
+                <a:schemeClr val="accent1"/>
+              </a:buClr>
+              <a:buFont typeface="Wingdings 3" charset="2"/>
+              <a:buChar char=""/>
+              <a:defRPr sz="1400" kern="1200">
+                <a:solidFill>
+                  <a:schemeClr val="tx1">
+                    <a:lumMod val="75000"/>
+                    <a:lumOff val="25000"/>
+                  </a:schemeClr>
+                </a:solidFill>
+                <a:latin typeface="+mn-lt"/>
+                <a:ea typeface="+mn-ea"/>
+                <a:cs typeface="+mn-cs"/>
+              </a:defRPr>
+            </a:lvl3pPr>
+            <a:lvl4pPr marL="1600200" indent="-228600" algn="l" defTabSz="457200" rtl="0" eaLnBrk="1" latinLnBrk="0" hangingPunct="1">
+              <a:spcBef>
+                <a:spcPts val="1000"/>
+              </a:spcBef>
+              <a:spcAft>
+                <a:spcPts val="0"/>
+              </a:spcAft>
+              <a:buClr>
+                <a:schemeClr val="accent1"/>
+              </a:buClr>
+              <a:buFont typeface="Wingdings 3" charset="2"/>
+              <a:buChar char=""/>
+              <a:defRPr sz="1200" kern="1200">
+                <a:solidFill>
+                  <a:schemeClr val="tx1">
+                    <a:lumMod val="75000"/>
+                    <a:lumOff val="25000"/>
+                  </a:schemeClr>
+                </a:solidFill>
+                <a:latin typeface="+mn-lt"/>
+                <a:ea typeface="+mn-ea"/>
+                <a:cs typeface="+mn-cs"/>
+              </a:defRPr>
+            </a:lvl4pPr>
+            <a:lvl5pPr marL="2057400" indent="-228600" algn="l" defTabSz="457200" rtl="0" eaLnBrk="1" latinLnBrk="0" hangingPunct="1">
+              <a:spcBef>
+                <a:spcPts val="1000"/>
+              </a:spcBef>
+              <a:spcAft>
+                <a:spcPts val="0"/>
+              </a:spcAft>
+              <a:buClr>
+                <a:schemeClr val="accent1"/>
+              </a:buClr>
+              <a:buFont typeface="Wingdings 3" charset="2"/>
+              <a:buChar char=""/>
+              <a:defRPr sz="1200" kern="1200">
+                <a:solidFill>
+                  <a:schemeClr val="tx1">
+                    <a:lumMod val="75000"/>
+                    <a:lumOff val="25000"/>
+                  </a:schemeClr>
+                </a:solidFill>
+                <a:latin typeface="+mn-lt"/>
+                <a:ea typeface="+mn-ea"/>
+                <a:cs typeface="+mn-cs"/>
+              </a:defRPr>
+            </a:lvl5pPr>
+            <a:lvl6pPr marL="2514600" indent="-228600" algn="l" defTabSz="457200" rtl="0" eaLnBrk="1" latinLnBrk="0" hangingPunct="1">
+              <a:spcBef>
+                <a:spcPts val="1000"/>
+              </a:spcBef>
+              <a:spcAft>
+                <a:spcPts val="0"/>
+              </a:spcAft>
+              <a:buClr>
+                <a:schemeClr val="accent1"/>
+              </a:buClr>
+              <a:buFont typeface="Wingdings 3" charset="2"/>
+              <a:buChar char=""/>
+              <a:defRPr sz="1200" kern="1200">
+                <a:solidFill>
+                  <a:schemeClr val="tx1">
+                    <a:lumMod val="75000"/>
+                    <a:lumOff val="25000"/>
+                  </a:schemeClr>
+                </a:solidFill>
+                <a:latin typeface="+mn-lt"/>
+                <a:ea typeface="+mn-ea"/>
+                <a:cs typeface="+mn-cs"/>
+              </a:defRPr>
+            </a:lvl6pPr>
+            <a:lvl7pPr marL="2971800" indent="-228600" algn="l" defTabSz="457200" rtl="0" eaLnBrk="1" latinLnBrk="0" hangingPunct="1">
+              <a:spcBef>
+                <a:spcPts val="1000"/>
+              </a:spcBef>
+              <a:spcAft>
+                <a:spcPts val="0"/>
+              </a:spcAft>
+              <a:buClr>
+                <a:schemeClr val="accent1"/>
+              </a:buClr>
+              <a:buFont typeface="Wingdings 3" charset="2"/>
+              <a:buChar char=""/>
+              <a:defRPr sz="1200" kern="1200">
+                <a:solidFill>
+                  <a:schemeClr val="tx1">
+                    <a:lumMod val="75000"/>
+                    <a:lumOff val="25000"/>
+                  </a:schemeClr>
+                </a:solidFill>
+                <a:latin typeface="+mn-lt"/>
+                <a:ea typeface="+mn-ea"/>
+                <a:cs typeface="+mn-cs"/>
+              </a:defRPr>
+            </a:lvl7pPr>
+            <a:lvl8pPr marL="3429000" indent="-228600" algn="l" defTabSz="457200" rtl="0" eaLnBrk="1" latinLnBrk="0" hangingPunct="1">
+              <a:spcBef>
+                <a:spcPts val="1000"/>
+              </a:spcBef>
+              <a:spcAft>
+                <a:spcPts val="0"/>
+              </a:spcAft>
+              <a:buClr>
+                <a:schemeClr val="accent1"/>
+              </a:buClr>
+              <a:buFont typeface="Wingdings 3" charset="2"/>
+              <a:buChar char=""/>
+              <a:defRPr sz="1200" kern="1200">
+                <a:solidFill>
+                  <a:schemeClr val="tx1">
+                    <a:lumMod val="75000"/>
+                    <a:lumOff val="25000"/>
+                  </a:schemeClr>
+                </a:solidFill>
+                <a:latin typeface="+mn-lt"/>
+                <a:ea typeface="+mn-ea"/>
+                <a:cs typeface="+mn-cs"/>
+              </a:defRPr>
+            </a:lvl8pPr>
+            <a:lvl9pPr marL="3886200" indent="-228600" algn="l" defTabSz="457200" rtl="0" eaLnBrk="1" latinLnBrk="0" hangingPunct="1">
+              <a:spcBef>
+                <a:spcPts val="1000"/>
+              </a:spcBef>
+              <a:spcAft>
+                <a:spcPts val="0"/>
+              </a:spcAft>
+              <a:buClr>
+                <a:schemeClr val="accent1"/>
+              </a:buClr>
+              <a:buFont typeface="Wingdings 3" charset="2"/>
+              <a:buChar char=""/>
+              <a:defRPr sz="1200" kern="1200">
+                <a:solidFill>
+                  <a:schemeClr val="tx1">
+                    <a:lumMod val="75000"/>
+                    <a:lumOff val="25000"/>
+                  </a:schemeClr>
+                </a:solidFill>
+                <a:latin typeface="+mn-lt"/>
+                <a:ea typeface="+mn-ea"/>
+                <a:cs typeface="+mn-cs"/>
+              </a:defRPr>
+            </a:lvl9pPr>
+          </a:lstStyle>
+          <a:p>
+            <a:pPr marL="446088" indent="-358775">
+              <a:buFont typeface="Wingdings 3" charset="2"/>
+              <a:buNone/>
+            </a:pPr>
+            <a:r>
+              <a:rPr lang="fr-FR" sz="2400" b="1" dirty="0"/>
+              <a:t>Détermination de la position transversale</a:t>
+            </a:r>
+          </a:p>
+          <a:p>
+            <a:pPr marL="446088" indent="-358775">
+              <a:buFont typeface="Wingdings 3" charset="2"/>
+              <a:buNone/>
+            </a:pPr>
+            <a:r>
+              <a:rPr lang="fr-FR" sz="2400" dirty="0"/>
+              <a:t>Tâche d’Airy: on se concentre sur le centre de l’image (hautes fréquences non importantes). </a:t>
+            </a:r>
+            <a:br>
+              <a:rPr lang="fr-FR" sz="2400" dirty="0"/>
+            </a:br>
+            <a:br>
+              <a:rPr lang="fr-FR" sz="2400" dirty="0"/>
+            </a:br>
+            <a:r>
+              <a:rPr lang="fr-FR" sz="2400" dirty="0"/>
+              <a:t>Suppression des fréquences supérieures à la fréquence de coupure du microscope, sélection de la tâche centrale.</a:t>
+            </a:r>
+            <a:br>
+              <a:rPr lang="fr-FR" sz="2400" dirty="0"/>
+            </a:br>
+            <a:br>
+              <a:rPr lang="fr-FR" sz="2400" dirty="0"/>
+            </a:br>
+            <a:r>
+              <a:rPr lang="fr-FR" sz="2400" dirty="0"/>
+              <a:t>Utilisation d’un fit gaussien.</a:t>
+            </a:r>
+            <a:br>
+              <a:rPr lang="fr-FR" sz="2400" dirty="0"/>
+            </a:br>
+            <a:br>
+              <a:rPr lang="fr-FR" sz="2400" dirty="0"/>
+            </a:br>
+            <a:br>
+              <a:rPr lang="fr-FR" sz="2400" dirty="0"/>
+            </a:br>
+            <a:endParaRPr lang="fr-FR" sz="2400" dirty="0"/>
+          </a:p>
+          <a:p>
+            <a:pPr marL="446088" indent="-358775">
+              <a:buFont typeface="Wingdings 3" charset="2"/>
+              <a:buNone/>
+            </a:pPr>
+            <a:r>
+              <a:rPr lang="fr-FR" sz="2400" dirty="0"/>
+              <a:t> </a:t>
+            </a:r>
+          </a:p>
+        </p:txBody>
+      </p:sp>
+    </p:spTree>
+    <p:extLst>
+      <p:ext uri="{BB962C8B-B14F-4D97-AF65-F5344CB8AC3E}">
+        <p14:creationId xmlns:p14="http://schemas.microsoft.com/office/powerpoint/2010/main" val="4208918303"/>
+      </p:ext>
+    </p:extLst>
+  </p:cSld>
+  <p:clrMapOvr>
+    <a:masterClrMapping/>
+  </p:clrMapOvr>
+  <mc:AlternateContent xmlns:mc="http://schemas.openxmlformats.org/markup-compatibility/2006" xmlns:p14="http://schemas.microsoft.com/office/powerpoint/2010/main">
+    <mc:Choice Requires="p14">
+      <p:transition p14:dur="0"/>
+    </mc:Choice>
+    <mc:Fallback xmlns="">
+      <p:transition/>
+    </mc:Fallback>
+  </mc:AlternateContent>
 </p:sld>
 </file>
 
@@ -34250,6 +35099,101 @@
           <a:chExt cx="0" cy="0"/>
         </a:xfrm>
       </p:grpSpPr>
+      <p:pic>
+        <p:nvPicPr>
+          <p:cNvPr id="1030" name="Picture 6" descr="D:\FarView\PIMS\Pres_Avril\fitgauss3.png"/>
+          <p:cNvPicPr>
+            <a:picLocks noChangeAspect="1" noChangeArrowheads="1"/>
+          </p:cNvPicPr>
+          <p:nvPr/>
+        </p:nvPicPr>
+        <p:blipFill>
+          <a:blip r:embed="rId2">
+            <a:extLst>
+              <a:ext uri="{28A0092B-C50C-407E-A947-70E740481C1C}">
+                <a14:useLocalDpi xmlns:a14="http://schemas.microsoft.com/office/drawing/2010/main" val="0"/>
+              </a:ext>
+            </a:extLst>
+          </a:blip>
+          <a:srcRect/>
+          <a:stretch>
+            <a:fillRect/>
+          </a:stretch>
+        </p:blipFill>
+        <p:spPr bwMode="auto">
+          <a:xfrm>
+            <a:off x="7147775" y="2010917"/>
+            <a:ext cx="4121828" cy="3554644"/>
+          </a:xfrm>
+          <a:prstGeom prst="rect">
+            <a:avLst/>
+          </a:prstGeom>
+          <a:noFill/>
+          <a:extLst>
+            <a:ext uri="{909E8E84-426E-40DD-AFC4-6F175D3DCCD1}">
+              <a14:hiddenFill xmlns:a14="http://schemas.microsoft.com/office/drawing/2010/main">
+                <a:solidFill>
+                  <a:srgbClr val="FFFFFF"/>
+                </a:solidFill>
+              </a14:hiddenFill>
+            </a:ext>
+          </a:extLst>
+        </p:spPr>
+      </p:pic>
+      <p:pic>
+        <p:nvPicPr>
+          <p:cNvPr id="1029" name="Picture 5"/>
+          <p:cNvPicPr>
+            <a:picLocks noChangeAspect="1" noChangeArrowheads="1"/>
+          </p:cNvPicPr>
+          <p:nvPr/>
+        </p:nvPicPr>
+        <p:blipFill>
+          <a:blip r:embed="rId3">
+            <a:extLst>
+              <a:ext uri="{28A0092B-C50C-407E-A947-70E740481C1C}">
+                <a14:useLocalDpi xmlns:a14="http://schemas.microsoft.com/office/drawing/2010/main" val="0"/>
+              </a:ext>
+            </a:extLst>
+          </a:blip>
+          <a:srcRect/>
+          <a:stretch>
+            <a:fillRect/>
+          </a:stretch>
+        </p:blipFill>
+        <p:spPr bwMode="auto">
+          <a:xfrm>
+            <a:off x="386367" y="1685573"/>
+            <a:ext cx="5737216" cy="4876349"/>
+          </a:xfrm>
+          <a:prstGeom prst="rect">
+            <a:avLst/>
+          </a:prstGeom>
+          <a:noFill/>
+          <a:ln>
+            <a:noFill/>
+          </a:ln>
+          <a:extLst>
+            <a:ext uri="{909E8E84-426E-40DD-AFC4-6F175D3DCCD1}">
+              <a14:hiddenFill xmlns:a14="http://schemas.microsoft.com/office/drawing/2010/main">
+                <a:solidFill>
+                  <a:schemeClr val="accent1"/>
+                </a:solidFill>
+              </a14:hiddenFill>
+            </a:ext>
+            <a:ext uri="{91240B29-F687-4F45-9708-019B960494DF}">
+              <a14:hiddenLine xmlns:a14="http://schemas.microsoft.com/office/drawing/2010/main" w="9525">
+                <a:solidFill>
+                  <a:schemeClr val="tx1"/>
+                </a:solidFill>
+                <a:miter lim="800000"/>
+                <a:headEnd/>
+                <a:tailEnd/>
+              </a14:hiddenLine>
+            </a:ext>
+          </a:extLst>
+        </p:spPr>
+      </p:pic>
       <p:sp>
         <p:nvSpPr>
           <p:cNvPr id="3" name="Espace réservé du contenu 2"/>
@@ -34263,7 +35207,7 @@
         <p:spPr>
           <a:xfrm>
             <a:off x="1878012" y="274912"/>
-            <a:ext cx="8915400" cy="6212974"/>
+            <a:ext cx="8915400" cy="772492"/>
           </a:xfrm>
         </p:spPr>
         <p:txBody>
@@ -34277,26 +35221,24 @@
               <a:buChar char="v"/>
             </a:pPr>
             <a:r>
-              <a:rPr lang="fr-FR" sz="2800" u="sng" dirty="0" smtClean="0"/>
-              <a:t>II. </a:t>
-            </a:r>
-            <a:r>
               <a:rPr lang="fr-FR" sz="2800" u="sng" dirty="0"/>
               <a:t>Utilisation de la tâche d’Airy</a:t>
             </a:r>
           </a:p>
           <a:p>
-            <a:pPr>
-              <a:buFont typeface="Wingdings" panose="05000000000000000000" pitchFamily="2" charset="2"/>
-              <a:buChar char="v"/>
+            <a:pPr marL="0" indent="0">
+              <a:buNone/>
             </a:pPr>
-            <a:endParaRPr lang="fr-FR" sz="2800" u="sng" dirty="0" smtClean="0"/>
+            <a:r>
+              <a:rPr lang="fr-FR" sz="2800" u="sng" dirty="0"/>
+              <a:t> </a:t>
+            </a:r>
           </a:p>
           <a:p>
             <a:pPr marL="0" indent="0">
               <a:buNone/>
             </a:pPr>
-            <a:endParaRPr lang="fr-FR" sz="2800" dirty="0" smtClean="0"/>
+            <a:endParaRPr lang="fr-FR" sz="2800" dirty="0"/>
           </a:p>
           <a:p>
             <a:pPr marL="0" indent="0">
@@ -34316,8 +35258,8 @@
         </p:nvSpPr>
         <p:spPr>
           <a:xfrm>
-            <a:off x="1215765" y="989214"/>
-            <a:ext cx="8915400" cy="5692635"/>
+            <a:off x="1215765" y="989215"/>
+            <a:ext cx="8915400" cy="681644"/>
           </a:xfrm>
           <a:prstGeom prst="rect">
             <a:avLst/>
@@ -34551,7 +35493,7 @@
               <a:buNone/>
             </a:pPr>
             <a:r>
-              <a:rPr lang="fr-FR" sz="2400" b="1" dirty="0" smtClean="0"/>
+              <a:rPr lang="fr-FR" sz="2400" b="1" dirty="0"/>
               <a:t>Détermination de la position transversale</a:t>
             </a:r>
           </a:p>
@@ -34561,93 +35503,149 @@
               <a:buNone/>
             </a:pPr>
             <a:r>
-              <a:rPr lang="fr-FR" sz="2400" dirty="0" smtClean="0"/>
-              <a:t>Tâche d’Airy: on se concentre sur le centre de l’image (hautes fréquences non importantes). </a:t>
-            </a:r>
-            <a:br>
-              <a:rPr lang="fr-FR" sz="2400" dirty="0" smtClean="0"/>
-            </a:br>
-            <a:r>
-              <a:rPr lang="fr-FR" sz="2400" dirty="0" smtClean="0"/>
-              <a:t/>
-            </a:r>
-            <a:br>
-              <a:rPr lang="fr-FR" sz="2400" dirty="0" smtClean="0"/>
-            </a:br>
-            <a:r>
-              <a:rPr lang="fr-FR" sz="2400" dirty="0" smtClean="0"/>
-              <a:t>Suppression des fréquences supérieures à la fréquence de coupure du microscope, sélection de la tâche centrale.</a:t>
-            </a:r>
-            <a:br>
-              <a:rPr lang="fr-FR" sz="2400" dirty="0" smtClean="0"/>
-            </a:br>
-            <a:r>
-              <a:rPr lang="fr-FR" sz="2400" dirty="0" smtClean="0"/>
-              <a:t/>
-            </a:r>
-            <a:br>
-              <a:rPr lang="fr-FR" sz="2400" dirty="0" smtClean="0"/>
-            </a:br>
-            <a:r>
-              <a:rPr lang="fr-FR" sz="2400" dirty="0" smtClean="0"/>
-              <a:t>Utilisation d’un fit gaussien.</a:t>
-            </a:r>
-            <a:br>
-              <a:rPr lang="fr-FR" sz="2400" dirty="0" smtClean="0"/>
-            </a:br>
-            <a:r>
-              <a:rPr lang="fr-FR" sz="2400" dirty="0" smtClean="0"/>
-              <a:t/>
-            </a:r>
-            <a:br>
-              <a:rPr lang="fr-FR" sz="2400" dirty="0" smtClean="0"/>
-            </a:br>
-            <a:r>
-              <a:rPr lang="fr-FR" sz="2400" dirty="0" smtClean="0"/>
-              <a:t/>
-            </a:r>
-            <a:br>
-              <a:rPr lang="fr-FR" sz="2400" dirty="0" smtClean="0"/>
-            </a:br>
-            <a:endParaRPr lang="fr-FR" sz="2400" dirty="0" smtClean="0"/>
-          </a:p>
-          <a:p>
-            <a:pPr marL="446088" indent="-358775">
-              <a:buFont typeface="Wingdings 3" charset="2"/>
-              <a:buNone/>
-            </a:pPr>
-            <a:r>
-              <a:rPr lang="fr-FR" sz="2400" dirty="0" smtClean="0"/>
+              <a:rPr lang="fr-FR" sz="2400" dirty="0"/>
               <a:t> </a:t>
             </a:r>
           </a:p>
         </p:txBody>
       </p:sp>
+      <p:sp>
+        <p:nvSpPr>
+          <p:cNvPr id="4" name="ZoneTexte 3"/>
+          <p:cNvSpPr txBox="1"/>
+          <p:nvPr/>
+        </p:nvSpPr>
+        <p:spPr>
+          <a:xfrm>
+            <a:off x="7390015" y="1500907"/>
+            <a:ext cx="3879588" cy="369332"/>
+          </a:xfrm>
+          <a:prstGeom prst="rect">
+            <a:avLst/>
+          </a:prstGeom>
+          <a:noFill/>
+        </p:spPr>
+        <p:txBody>
+          <a:bodyPr wrap="none" rtlCol="0">
+            <a:spAutoFit/>
+          </a:bodyPr>
+          <a:lstStyle/>
+          <a:p>
+            <a:r>
+              <a:rPr lang="fr-FR" dirty="0"/>
+              <a:t>Détermination de la position en x</a:t>
+            </a:r>
+          </a:p>
+        </p:txBody>
+      </p:sp>
+      <p:sp>
+        <p:nvSpPr>
+          <p:cNvPr id="5" name="ZoneTexte 4"/>
+          <p:cNvSpPr txBox="1"/>
+          <p:nvPr/>
+        </p:nvSpPr>
+        <p:spPr>
+          <a:xfrm>
+            <a:off x="2152305" y="3762958"/>
+            <a:ext cx="2533066" cy="307777"/>
+          </a:xfrm>
+          <a:prstGeom prst="rect">
+            <a:avLst/>
+          </a:prstGeom>
+          <a:noFill/>
+        </p:spPr>
+        <p:txBody>
+          <a:bodyPr wrap="none" rtlCol="0">
+            <a:spAutoFit/>
+          </a:bodyPr>
+          <a:lstStyle/>
+          <a:p>
+            <a:r>
+              <a:rPr lang="fr-FR" sz="1400" i="1" dirty="0"/>
+              <a:t>Image calibration à 700nm</a:t>
+            </a:r>
+          </a:p>
+        </p:txBody>
+      </p:sp>
+      <p:sp>
+        <p:nvSpPr>
+          <p:cNvPr id="7" name="Rectangle 6"/>
+          <p:cNvSpPr/>
+          <p:nvPr/>
+        </p:nvSpPr>
+        <p:spPr>
+          <a:xfrm>
+            <a:off x="6732943" y="5776576"/>
+            <a:ext cx="4995949" cy="923330"/>
+          </a:xfrm>
+          <a:prstGeom prst="rect">
+            <a:avLst/>
+          </a:prstGeom>
+        </p:spPr>
+        <p:txBody>
+          <a:bodyPr wrap="square">
+            <a:spAutoFit/>
+          </a:bodyPr>
+          <a:lstStyle/>
+          <a:p>
+            <a:r>
+              <a:rPr lang="fr-FR" dirty="0"/>
+              <a:t>La tâche d’Airy contient des informations sur la localisation dans un plan, mais aussi sur le positionnement axial.</a:t>
+            </a:r>
+          </a:p>
+        </p:txBody>
+      </p:sp>
+      <p:cxnSp>
+        <p:nvCxnSpPr>
+          <p:cNvPr id="9" name="Connecteur droit 8"/>
+          <p:cNvCxnSpPr/>
+          <p:nvPr/>
+        </p:nvCxnSpPr>
+        <p:spPr>
+          <a:xfrm>
+            <a:off x="9377078" y="2335184"/>
+            <a:ext cx="0" cy="2942705"/>
+          </a:xfrm>
+          <a:prstGeom prst="line">
+            <a:avLst/>
+          </a:prstGeom>
+          <a:ln>
+            <a:prstDash val="sysDot"/>
+          </a:ln>
+        </p:spPr>
+        <p:style>
+          <a:lnRef idx="1">
+            <a:schemeClr val="accent1"/>
+          </a:lnRef>
+          <a:fillRef idx="0">
+            <a:schemeClr val="accent1"/>
+          </a:fillRef>
+          <a:effectRef idx="0">
+            <a:schemeClr val="accent1"/>
+          </a:effectRef>
+          <a:fontRef idx="minor">
+            <a:schemeClr val="tx1"/>
+          </a:fontRef>
+        </p:style>
+      </p:cxnSp>
     </p:spTree>
     <p:extLst>
       <p:ext uri="{BB962C8B-B14F-4D97-AF65-F5344CB8AC3E}">
-        <p14:creationId xmlns:p14="http://schemas.microsoft.com/office/powerpoint/2010/main" val="4208918303"/>
+        <p14:creationId xmlns:p14="http://schemas.microsoft.com/office/powerpoint/2010/main" val="2485028402"/>
       </p:ext>
     </p:extLst>
   </p:cSld>
   <p:clrMapOvr>
     <a:masterClrMapping/>
   </p:clrMapOvr>
-  <mc:AlternateContent xmlns:mc="http://schemas.openxmlformats.org/markup-compatibility/2006">
-    <mc:Choice xmlns:p14="http://schemas.microsoft.com/office/powerpoint/2010/main" Requires="p14">
+  <mc:AlternateContent xmlns:mc="http://schemas.openxmlformats.org/markup-compatibility/2006" xmlns:p14="http://schemas.microsoft.com/office/powerpoint/2010/main">
+    <mc:Choice Requires="p14">
       <p:transition p14:dur="0"/>
     </mc:Choice>
-    <mc:Fallback>
+    <mc:Fallback xmlns="">
       <p:transition/>
     </mc:Fallback>
   </mc:AlternateContent>
-  <p:timing>
-    <p:tnLst>
-      <p:par>
-        <p:cTn id="1" dur="indefinite" restart="never" nodeType="tmRoot"/>
-      </p:par>
-    </p:tnLst>
-  </p:timing>
 </p:sld>
 </file>
 
@@ -34888,7 +35886,7 @@
   <a:extraClrSchemeLst/>
   <a:extLst>
     <a:ext uri="{05A4C25C-085E-4340-85A3-A5531E510DB2}">
-      <thm15:themeFamily xmlns:thm15="http://schemas.microsoft.com/office/thememl/2012/main" xmlns="" name="Wisp" id="{7CB32D59-10C0-40DD-B7BD-2E94284A981C}" vid="{24B1A44C-C006-48B2-A4D7-E5549B3D8CD4}"/>
+      <thm15:themeFamily xmlns:thm15="http://schemas.microsoft.com/office/thememl/2012/main" name="Wisp" id="{7CB32D59-10C0-40DD-B7BD-2E94284A981C}" vid="{24B1A44C-C006-48B2-A4D7-E5549B3D8CD4}"/>
     </a:ext>
   </a:extLst>
 </a:theme>
@@ -35131,7 +36129,7 @@
   <a:extraClrSchemeLst/>
   <a:extLst>
     <a:ext uri="{05A4C25C-085E-4340-85A3-A5531E510DB2}">
-      <thm15:themeFamily xmlns:thm15="http://schemas.microsoft.com/office/thememl/2012/main" xmlns="" name="Wisp" id="{7CB32D59-10C0-40DD-B7BD-2E94284A981C}" vid="{24B1A44C-C006-48B2-A4D7-E5549B3D8CD4}"/>
+      <thm15:themeFamily xmlns:thm15="http://schemas.microsoft.com/office/thememl/2012/main" name="Wisp" id="{7CB32D59-10C0-40DD-B7BD-2E94284A981C}" vid="{24B1A44C-C006-48B2-A4D7-E5549B3D8CD4}"/>
     </a:ext>
   </a:extLst>
 </a:theme>
@@ -35392,7 +36390,7 @@
   <a:extraClrSchemeLst/>
   <a:extLst>
     <a:ext uri="{05A4C25C-085E-4340-85A3-A5531E510DB2}">
-      <thm15:themeFamily xmlns:thm15="http://schemas.microsoft.com/office/thememl/2012/main" xmlns="" name="Office Theme" id="{62F939B6-93AF-4DB8-9C6B-D6C7DFDC589F}" vid="{4A3C46E8-61CC-4603-A589-7422A47A8E4A}"/>
+      <thm15:themeFamily xmlns:thm15="http://schemas.microsoft.com/office/thememl/2012/main" name="Office Theme" id="{62F939B6-93AF-4DB8-9C6B-D6C7DFDC589F}" vid="{4A3C46E8-61CC-4603-A589-7422A47A8E4A}"/>
     </a:ext>
   </a:extLst>
 </a:theme>
@@ -35635,7 +36633,7 @@
   <a:extraClrSchemeLst/>
   <a:extLst>
     <a:ext uri="{05A4C25C-085E-4340-85A3-A5531E510DB2}">
-      <thm15:themeFamily xmlns:thm15="http://schemas.microsoft.com/office/thememl/2012/main" xmlns="" name="Wisp" id="{7CB32D59-10C0-40DD-B7BD-2E94284A981C}" vid="{24B1A44C-C006-48B2-A4D7-E5549B3D8CD4}"/>
+      <thm15:themeFamily xmlns:thm15="http://schemas.microsoft.com/office/thememl/2012/main" name="Wisp" id="{7CB32D59-10C0-40DD-B7BD-2E94284A981C}" vid="{24B1A44C-C006-48B2-A4D7-E5549B3D8CD4}"/>
     </a:ext>
   </a:extLst>
 </a:theme>

--- a/Pres_Avril/PresentationPIMSAvril.pptx
+++ b/Pres_Avril/PresentationPIMSAvril.pptx
@@ -9,8 +9,8 @@
   </p:sldMasterIdLst>
   <p:sldIdLst>
     <p:sldId id="303" r:id="rId5"/>
-    <p:sldId id="301" r:id="rId6"/>
-    <p:sldId id="299" r:id="rId7"/>
+    <p:sldId id="310" r:id="rId6"/>
+    <p:sldId id="311" r:id="rId7"/>
     <p:sldId id="278" r:id="rId8"/>
     <p:sldId id="289" r:id="rId9"/>
     <p:sldId id="290" r:id="rId10"/>
@@ -23,10 +23,15 @@
     <p:sldId id="306" r:id="rId17"/>
     <p:sldId id="307" r:id="rId18"/>
     <p:sldId id="308" r:id="rId19"/>
-    <p:sldId id="304" r:id="rId20"/>
-    <p:sldId id="309" r:id="rId21"/>
-    <p:sldId id="297" r:id="rId22"/>
-    <p:sldId id="298" r:id="rId23"/>
+    <p:sldId id="312" r:id="rId20"/>
+    <p:sldId id="313" r:id="rId21"/>
+    <p:sldId id="314" r:id="rId22"/>
+    <p:sldId id="315" r:id="rId23"/>
+    <p:sldId id="316" r:id="rId24"/>
+    <p:sldId id="304" r:id="rId25"/>
+    <p:sldId id="309" r:id="rId26"/>
+    <p:sldId id="297" r:id="rId27"/>
+    <p:sldId id="298" r:id="rId28"/>
   </p:sldIdLst>
   <p:sldSz cx="12192000" cy="6858000"/>
   <p:notesSz cx="6858000" cy="9144000"/>
@@ -127,7 +132,7 @@
   </p:defaultTextStyle>
   <p:extLst>
     <p:ext uri="{EFAFB233-063F-42B5-8137-9DF3F51BA10A}">
-      <p15:sldGuideLst xmlns:p15="http://schemas.microsoft.com/office/powerpoint/2012/main">
+      <p15:sldGuideLst xmlns:p15="http://schemas.microsoft.com/office/powerpoint/2012/main" xmlns="">
         <p15:guide id="1" orient="horz" pos="2160">
           <p15:clr>
             <a:srgbClr val="A4A3A4"/>
@@ -503,18 +508,9 @@
   <p:clrMapOvr>
     <a:masterClrMapping/>
   </p:clrMapOvr>
-  <mc:AlternateContent xmlns:mc="http://schemas.openxmlformats.org/markup-compatibility/2006" xmlns:p15="http://schemas.microsoft.com/office/powerpoint/2012/main">
-    <mc:Choice Requires="p15">
-      <p:transition xmlns:p14="http://schemas.microsoft.com/office/powerpoint/2010/main" spd="slow" p14:dur="1250">
-        <p15:prstTrans prst="peelOff"/>
-      </p:transition>
-    </mc:Choice>
-    <mc:Fallback xmlns="">
-      <p:transition spd="slow">
-        <p:fade/>
-      </p:transition>
-    </mc:Fallback>
-  </mc:AlternateContent>
+  <p:transition spd="slow">
+    <p:fade/>
+  </p:transition>
 </p:sldLayout>
 </file>
 
@@ -873,18 +869,9 @@
   <p:clrMapOvr>
     <a:masterClrMapping/>
   </p:clrMapOvr>
-  <mc:AlternateContent xmlns:mc="http://schemas.openxmlformats.org/markup-compatibility/2006" xmlns:p15="http://schemas.microsoft.com/office/powerpoint/2012/main">
-    <mc:Choice Requires="p15">
-      <p:transition xmlns:p14="http://schemas.microsoft.com/office/powerpoint/2010/main" spd="slow" p14:dur="1250">
-        <p15:prstTrans prst="peelOff"/>
-      </p:transition>
-    </mc:Choice>
-    <mc:Fallback xmlns="">
-      <p:transition spd="slow">
-        <p:fade/>
-      </p:transition>
-    </mc:Fallback>
-  </mc:AlternateContent>
+  <p:transition spd="slow">
+    <p:fade/>
+  </p:transition>
 </p:sldLayout>
 </file>
 
@@ -1378,18 +1365,9 @@
   <p:clrMapOvr>
     <a:masterClrMapping/>
   </p:clrMapOvr>
-  <mc:AlternateContent xmlns:mc="http://schemas.openxmlformats.org/markup-compatibility/2006" xmlns:p15="http://schemas.microsoft.com/office/powerpoint/2012/main">
-    <mc:Choice Requires="p15">
-      <p:transition xmlns:p14="http://schemas.microsoft.com/office/powerpoint/2010/main" spd="slow" p14:dur="1250">
-        <p15:prstTrans prst="peelOff"/>
-      </p:transition>
-    </mc:Choice>
-    <mc:Fallback xmlns="">
-      <p:transition spd="slow">
-        <p:fade/>
-      </p:transition>
-    </mc:Fallback>
-  </mc:AlternateContent>
+  <p:transition spd="slow">
+    <p:fade/>
+  </p:transition>
 </p:sldLayout>
 </file>
 
@@ -1670,18 +1648,9 @@
   <p:clrMapOvr>
     <a:masterClrMapping/>
   </p:clrMapOvr>
-  <mc:AlternateContent xmlns:mc="http://schemas.openxmlformats.org/markup-compatibility/2006" xmlns:p15="http://schemas.microsoft.com/office/powerpoint/2012/main">
-    <mc:Choice Requires="p15">
-      <p:transition xmlns:p14="http://schemas.microsoft.com/office/powerpoint/2010/main" spd="slow" p14:dur="1250">
-        <p15:prstTrans prst="peelOff"/>
-      </p:transition>
-    </mc:Choice>
-    <mc:Fallback xmlns="">
-      <p:transition spd="slow">
-        <p:fade/>
-      </p:transition>
-    </mc:Fallback>
-  </mc:AlternateContent>
+  <p:transition spd="slow">
+    <p:fade/>
+  </p:transition>
 </p:sldLayout>
 </file>
 
@@ -2094,18 +2063,9 @@
   <p:clrMapOvr>
     <a:masterClrMapping/>
   </p:clrMapOvr>
-  <mc:AlternateContent xmlns:mc="http://schemas.openxmlformats.org/markup-compatibility/2006" xmlns:p15="http://schemas.microsoft.com/office/powerpoint/2012/main">
-    <mc:Choice Requires="p15">
-      <p:transition xmlns:p14="http://schemas.microsoft.com/office/powerpoint/2010/main" spd="slow" p14:dur="1250">
-        <p15:prstTrans prst="peelOff"/>
-      </p:transition>
-    </mc:Choice>
-    <mc:Fallback xmlns="">
-      <p:transition spd="slow">
-        <p:fade/>
-      </p:transition>
-    </mc:Fallback>
-  </mc:AlternateContent>
+  <p:transition spd="slow">
+    <p:fade/>
+  </p:transition>
 </p:sldLayout>
 </file>
 
@@ -2446,18 +2406,9 @@
   <p:clrMapOvr>
     <a:masterClrMapping/>
   </p:clrMapOvr>
-  <mc:AlternateContent xmlns:mc="http://schemas.openxmlformats.org/markup-compatibility/2006" xmlns:p15="http://schemas.microsoft.com/office/powerpoint/2012/main">
-    <mc:Choice Requires="p15">
-      <p:transition xmlns:p14="http://schemas.microsoft.com/office/powerpoint/2010/main" spd="slow" p14:dur="1250">
-        <p15:prstTrans prst="peelOff"/>
-      </p:transition>
-    </mc:Choice>
-    <mc:Fallback xmlns="">
-      <p:transition spd="slow">
-        <p:fade/>
-      </p:transition>
-    </mc:Fallback>
-  </mc:AlternateContent>
+  <p:transition spd="slow">
+    <p:fade/>
+  </p:transition>
 </p:sldLayout>
 </file>
 
@@ -2730,18 +2681,9 @@
   <p:clrMapOvr>
     <a:masterClrMapping/>
   </p:clrMapOvr>
-  <mc:AlternateContent xmlns:mc="http://schemas.openxmlformats.org/markup-compatibility/2006" xmlns:p15="http://schemas.microsoft.com/office/powerpoint/2012/main">
-    <mc:Choice Requires="p15">
-      <p:transition xmlns:p14="http://schemas.microsoft.com/office/powerpoint/2010/main" spd="slow" p14:dur="1250">
-        <p15:prstTrans prst="peelOff"/>
-      </p:transition>
-    </mc:Choice>
-    <mc:Fallback xmlns="">
-      <p:transition spd="slow">
-        <p:fade/>
-      </p:transition>
-    </mc:Fallback>
-  </mc:AlternateContent>
+  <p:transition spd="slow">
+    <p:fade/>
+  </p:transition>
 </p:sldLayout>
 </file>
 
@@ -3024,18 +2966,9 @@
   <p:clrMapOvr>
     <a:masterClrMapping/>
   </p:clrMapOvr>
-  <mc:AlternateContent xmlns:mc="http://schemas.openxmlformats.org/markup-compatibility/2006" xmlns:p15="http://schemas.microsoft.com/office/powerpoint/2012/main">
-    <mc:Choice Requires="p15">
-      <p:transition xmlns:p14="http://schemas.microsoft.com/office/powerpoint/2010/main" spd="slow" p14:dur="1250">
-        <p15:prstTrans prst="peelOff"/>
-      </p:transition>
-    </mc:Choice>
-    <mc:Fallback xmlns="">
-      <p:transition spd="slow">
-        <p:fade/>
-      </p:transition>
-    </mc:Fallback>
-  </mc:AlternateContent>
+  <p:transition spd="slow">
+    <p:fade/>
+  </p:transition>
 </p:sldLayout>
 </file>
 
@@ -3392,18 +3325,9 @@
   <p:clrMapOvr>
     <a:masterClrMapping/>
   </p:clrMapOvr>
-  <mc:AlternateContent xmlns:mc="http://schemas.openxmlformats.org/markup-compatibility/2006" xmlns:p15="http://schemas.microsoft.com/office/powerpoint/2012/main">
-    <mc:Choice Requires="p15">
-      <p:transition xmlns:p14="http://schemas.microsoft.com/office/powerpoint/2010/main" spd="slow" p14:dur="1250">
-        <p15:prstTrans prst="peelOff"/>
-      </p:transition>
-    </mc:Choice>
-    <mc:Fallback xmlns="">
-      <p:transition spd="slow">
-        <p:fade/>
-      </p:transition>
-    </mc:Fallback>
-  </mc:AlternateContent>
+  <p:transition spd="slow">
+    <p:fade/>
+  </p:transition>
 </p:sldLayout>
 </file>
 
@@ -3686,18 +3610,9 @@
   <p:clrMapOvr>
     <a:masterClrMapping/>
   </p:clrMapOvr>
-  <mc:AlternateContent xmlns:mc="http://schemas.openxmlformats.org/markup-compatibility/2006" xmlns:p15="http://schemas.microsoft.com/office/powerpoint/2012/main">
-    <mc:Choice Requires="p15">
-      <p:transition xmlns:p14="http://schemas.microsoft.com/office/powerpoint/2010/main" spd="slow" p14:dur="1250">
-        <p15:prstTrans prst="peelOff"/>
-      </p:transition>
-    </mc:Choice>
-    <mc:Fallback xmlns="">
-      <p:transition spd="slow">
-        <p:fade/>
-      </p:transition>
-    </mc:Fallback>
-  </mc:AlternateContent>
+  <p:transition spd="slow">
+    <p:fade/>
+  </p:transition>
 </p:sldLayout>
 </file>
 
@@ -4052,18 +3967,9 @@
   <p:clrMapOvr>
     <a:masterClrMapping/>
   </p:clrMapOvr>
-  <mc:AlternateContent xmlns:mc="http://schemas.openxmlformats.org/markup-compatibility/2006" xmlns:p15="http://schemas.microsoft.com/office/powerpoint/2012/main">
-    <mc:Choice Requires="p15">
-      <p:transition xmlns:p14="http://schemas.microsoft.com/office/powerpoint/2010/main" spd="slow" p14:dur="1250">
-        <p15:prstTrans prst="peelOff"/>
-      </p:transition>
-    </mc:Choice>
-    <mc:Fallback xmlns="">
-      <p:transition spd="slow">
-        <p:fade/>
-      </p:transition>
-    </mc:Fallback>
-  </mc:AlternateContent>
+  <p:transition spd="slow">
+    <p:fade/>
+  </p:transition>
 </p:sldLayout>
 </file>
 
@@ -4346,18 +4252,9 @@
   <p:clrMapOvr>
     <a:masterClrMapping/>
   </p:clrMapOvr>
-  <mc:AlternateContent xmlns:mc="http://schemas.openxmlformats.org/markup-compatibility/2006" xmlns:p15="http://schemas.microsoft.com/office/powerpoint/2012/main">
-    <mc:Choice Requires="p15">
-      <p:transition xmlns:p14="http://schemas.microsoft.com/office/powerpoint/2010/main" spd="slow" p14:dur="1250">
-        <p15:prstTrans prst="peelOff"/>
-      </p:transition>
-    </mc:Choice>
-    <mc:Fallback xmlns="">
-      <p:transition spd="slow">
-        <p:fade/>
-      </p:transition>
-    </mc:Fallback>
-  </mc:AlternateContent>
+  <p:transition spd="slow">
+    <p:fade/>
+  </p:transition>
 </p:sldLayout>
 </file>
 
@@ -4701,18 +4598,9 @@
   <p:clrMapOvr>
     <a:masterClrMapping/>
   </p:clrMapOvr>
-  <mc:AlternateContent xmlns:mc="http://schemas.openxmlformats.org/markup-compatibility/2006" xmlns:p15="http://schemas.microsoft.com/office/powerpoint/2012/main">
-    <mc:Choice Requires="p15">
-      <p:transition xmlns:p14="http://schemas.microsoft.com/office/powerpoint/2010/main" spd="slow" p14:dur="1250">
-        <p15:prstTrans prst="peelOff"/>
-      </p:transition>
-    </mc:Choice>
-    <mc:Fallback xmlns="">
-      <p:transition spd="slow">
-        <p:fade/>
-      </p:transition>
-    </mc:Fallback>
-  </mc:AlternateContent>
+  <p:transition spd="slow">
+    <p:fade/>
+  </p:transition>
 </p:sldLayout>
 </file>
 
@@ -5190,18 +5078,9 @@
   <p:clrMapOvr>
     <a:masterClrMapping/>
   </p:clrMapOvr>
-  <mc:AlternateContent xmlns:mc="http://schemas.openxmlformats.org/markup-compatibility/2006" xmlns:p15="http://schemas.microsoft.com/office/powerpoint/2012/main">
-    <mc:Choice Requires="p15">
-      <p:transition xmlns:p14="http://schemas.microsoft.com/office/powerpoint/2010/main" spd="slow" p14:dur="1250">
-        <p15:prstTrans prst="peelOff"/>
-      </p:transition>
-    </mc:Choice>
-    <mc:Fallback xmlns="">
-      <p:transition spd="slow">
-        <p:fade/>
-      </p:transition>
-    </mc:Fallback>
-  </mc:AlternateContent>
+  <p:transition spd="slow">
+    <p:fade/>
+  </p:transition>
 </p:sldLayout>
 </file>
 
@@ -5422,18 +5301,9 @@
   <p:clrMapOvr>
     <a:masterClrMapping/>
   </p:clrMapOvr>
-  <mc:AlternateContent xmlns:mc="http://schemas.openxmlformats.org/markup-compatibility/2006" xmlns:p15="http://schemas.microsoft.com/office/powerpoint/2012/main">
-    <mc:Choice Requires="p15">
-      <p:transition xmlns:p14="http://schemas.microsoft.com/office/powerpoint/2010/main" spd="slow" p14:dur="1250">
-        <p15:prstTrans prst="peelOff"/>
-      </p:transition>
-    </mc:Choice>
-    <mc:Fallback xmlns="">
-      <p:transition spd="slow">
-        <p:fade/>
-      </p:transition>
-    </mc:Fallback>
-  </mc:AlternateContent>
+  <p:transition spd="slow">
+    <p:fade/>
+  </p:transition>
 </p:sldLayout>
 </file>
 
@@ -5631,18 +5501,9 @@
   <p:clrMapOvr>
     <a:masterClrMapping/>
   </p:clrMapOvr>
-  <mc:AlternateContent xmlns:mc="http://schemas.openxmlformats.org/markup-compatibility/2006" xmlns:p15="http://schemas.microsoft.com/office/powerpoint/2012/main">
-    <mc:Choice Requires="p15">
-      <p:transition xmlns:p14="http://schemas.microsoft.com/office/powerpoint/2010/main" spd="slow" p14:dur="1250">
-        <p15:prstTrans prst="peelOff"/>
-      </p:transition>
-    </mc:Choice>
-    <mc:Fallback xmlns="">
-      <p:transition spd="slow">
-        <p:fade/>
-      </p:transition>
-    </mc:Fallback>
-  </mc:AlternateContent>
+  <p:transition spd="slow">
+    <p:fade/>
+  </p:transition>
 </p:sldLayout>
 </file>
 
@@ -5996,18 +5857,9 @@
   <p:clrMapOvr>
     <a:masterClrMapping/>
   </p:clrMapOvr>
-  <mc:AlternateContent xmlns:mc="http://schemas.openxmlformats.org/markup-compatibility/2006" xmlns:p15="http://schemas.microsoft.com/office/powerpoint/2012/main">
-    <mc:Choice Requires="p15">
-      <p:transition xmlns:p14="http://schemas.microsoft.com/office/powerpoint/2010/main" spd="slow" p14:dur="1250">
-        <p15:prstTrans prst="peelOff"/>
-      </p:transition>
-    </mc:Choice>
-    <mc:Fallback xmlns="">
-      <p:transition spd="slow">
-        <p:fade/>
-      </p:transition>
-    </mc:Fallback>
-  </mc:AlternateContent>
+  <p:transition spd="slow">
+    <p:fade/>
+  </p:transition>
 </p:sldLayout>
 </file>
 
@@ -6378,18 +6230,9 @@
   <p:clrMapOvr>
     <a:masterClrMapping/>
   </p:clrMapOvr>
-  <mc:AlternateContent xmlns:mc="http://schemas.openxmlformats.org/markup-compatibility/2006" xmlns:p15="http://schemas.microsoft.com/office/powerpoint/2012/main">
-    <mc:Choice Requires="p15">
-      <p:transition xmlns:p14="http://schemas.microsoft.com/office/powerpoint/2010/main" spd="slow" p14:dur="1250">
-        <p15:prstTrans prst="peelOff"/>
-      </p:transition>
-    </mc:Choice>
-    <mc:Fallback xmlns="">
-      <p:transition spd="slow">
-        <p:fade/>
-      </p:transition>
-    </mc:Fallback>
-  </mc:AlternateContent>
+  <p:transition spd="slow">
+    <p:fade/>
+  </p:transition>
 </p:sldLayout>
 </file>
 
@@ -6748,18 +6591,9 @@
   <p:clrMapOvr>
     <a:masterClrMapping/>
   </p:clrMapOvr>
-  <mc:AlternateContent xmlns:mc="http://schemas.openxmlformats.org/markup-compatibility/2006" xmlns:p15="http://schemas.microsoft.com/office/powerpoint/2012/main">
-    <mc:Choice Requires="p15">
-      <p:transition xmlns:p14="http://schemas.microsoft.com/office/powerpoint/2010/main" spd="slow" p14:dur="1250">
-        <p15:prstTrans prst="peelOff"/>
-      </p:transition>
-    </mc:Choice>
-    <mc:Fallback xmlns="">
-      <p:transition spd="slow">
-        <p:fade/>
-      </p:transition>
-    </mc:Fallback>
-  </mc:AlternateContent>
+  <p:transition spd="slow">
+    <p:fade/>
+  </p:transition>
 </p:sldLayout>
 </file>
 
@@ -7253,18 +7087,9 @@
   <p:clrMapOvr>
     <a:masterClrMapping/>
   </p:clrMapOvr>
-  <mc:AlternateContent xmlns:mc="http://schemas.openxmlformats.org/markup-compatibility/2006" xmlns:p15="http://schemas.microsoft.com/office/powerpoint/2012/main">
-    <mc:Choice Requires="p15">
-      <p:transition xmlns:p14="http://schemas.microsoft.com/office/powerpoint/2010/main" spd="slow" p14:dur="1250">
-        <p15:prstTrans prst="peelOff"/>
-      </p:transition>
-    </mc:Choice>
-    <mc:Fallback xmlns="">
-      <p:transition spd="slow">
-        <p:fade/>
-      </p:transition>
-    </mc:Fallback>
-  </mc:AlternateContent>
+  <p:transition spd="slow">
+    <p:fade/>
+  </p:transition>
 </p:sldLayout>
 </file>
 
@@ -7545,18 +7370,9 @@
   <p:clrMapOvr>
     <a:masterClrMapping/>
   </p:clrMapOvr>
-  <mc:AlternateContent xmlns:mc="http://schemas.openxmlformats.org/markup-compatibility/2006" xmlns:p15="http://schemas.microsoft.com/office/powerpoint/2012/main">
-    <mc:Choice Requires="p15">
-      <p:transition xmlns:p14="http://schemas.microsoft.com/office/powerpoint/2010/main" spd="slow" p14:dur="1250">
-        <p15:prstTrans prst="peelOff"/>
-      </p:transition>
-    </mc:Choice>
-    <mc:Fallback xmlns="">
-      <p:transition spd="slow">
-        <p:fade/>
-      </p:transition>
-    </mc:Fallback>
-  </mc:AlternateContent>
+  <p:transition spd="slow">
+    <p:fade/>
+  </p:transition>
 </p:sldLayout>
 </file>
 
@@ -7969,18 +7785,9 @@
   <p:clrMapOvr>
     <a:masterClrMapping/>
   </p:clrMapOvr>
-  <mc:AlternateContent xmlns:mc="http://schemas.openxmlformats.org/markup-compatibility/2006" xmlns:p15="http://schemas.microsoft.com/office/powerpoint/2012/main">
-    <mc:Choice Requires="p15">
-      <p:transition xmlns:p14="http://schemas.microsoft.com/office/powerpoint/2010/main" spd="slow" p14:dur="1250">
-        <p15:prstTrans prst="peelOff"/>
-      </p:transition>
-    </mc:Choice>
-    <mc:Fallback xmlns="">
-      <p:transition spd="slow">
-        <p:fade/>
-      </p:transition>
-    </mc:Fallback>
-  </mc:AlternateContent>
+  <p:transition spd="slow">
+    <p:fade/>
+  </p:transition>
 </p:sldLayout>
 </file>
 
@@ -8335,18 +8142,9 @@
   <p:clrMapOvr>
     <a:masterClrMapping/>
   </p:clrMapOvr>
-  <mc:AlternateContent xmlns:mc="http://schemas.openxmlformats.org/markup-compatibility/2006" xmlns:p15="http://schemas.microsoft.com/office/powerpoint/2012/main">
-    <mc:Choice Requires="p15">
-      <p:transition xmlns:p14="http://schemas.microsoft.com/office/powerpoint/2010/main" spd="slow" p14:dur="1250">
-        <p15:prstTrans prst="peelOff"/>
-      </p:transition>
-    </mc:Choice>
-    <mc:Fallback xmlns="">
-      <p:transition spd="slow">
-        <p:fade/>
-      </p:transition>
-    </mc:Fallback>
-  </mc:AlternateContent>
+  <p:transition spd="slow">
+    <p:fade/>
+  </p:transition>
 </p:sldLayout>
 </file>
 
@@ -8687,18 +8485,9 @@
   <p:clrMapOvr>
     <a:masterClrMapping/>
   </p:clrMapOvr>
-  <mc:AlternateContent xmlns:mc="http://schemas.openxmlformats.org/markup-compatibility/2006" xmlns:p15="http://schemas.microsoft.com/office/powerpoint/2012/main">
-    <mc:Choice Requires="p15">
-      <p:transition xmlns:p14="http://schemas.microsoft.com/office/powerpoint/2010/main" spd="slow" p14:dur="1250">
-        <p15:prstTrans prst="peelOff"/>
-      </p:transition>
-    </mc:Choice>
-    <mc:Fallback xmlns="">
-      <p:transition spd="slow">
-        <p:fade/>
-      </p:transition>
-    </mc:Fallback>
-  </mc:AlternateContent>
+  <p:transition spd="slow">
+    <p:fade/>
+  </p:transition>
 </p:sldLayout>
 </file>
 
@@ -8971,18 +8760,9 @@
   <p:clrMapOvr>
     <a:masterClrMapping/>
   </p:clrMapOvr>
-  <mc:AlternateContent xmlns:mc="http://schemas.openxmlformats.org/markup-compatibility/2006" xmlns:p15="http://schemas.microsoft.com/office/powerpoint/2012/main">
-    <mc:Choice Requires="p15">
-      <p:transition xmlns:p14="http://schemas.microsoft.com/office/powerpoint/2010/main" spd="slow" p14:dur="1250">
-        <p15:prstTrans prst="peelOff"/>
-      </p:transition>
-    </mc:Choice>
-    <mc:Fallback xmlns="">
-      <p:transition spd="slow">
-        <p:fade/>
-      </p:transition>
-    </mc:Fallback>
-  </mc:AlternateContent>
+  <p:transition spd="slow">
+    <p:fade/>
+  </p:transition>
 </p:sldLayout>
 </file>
 
@@ -9265,18 +9045,9 @@
   <p:clrMapOvr>
     <a:masterClrMapping/>
   </p:clrMapOvr>
-  <mc:AlternateContent xmlns:mc="http://schemas.openxmlformats.org/markup-compatibility/2006" xmlns:p15="http://schemas.microsoft.com/office/powerpoint/2012/main">
-    <mc:Choice Requires="p15">
-      <p:transition xmlns:p14="http://schemas.microsoft.com/office/powerpoint/2010/main" spd="slow" p14:dur="1250">
-        <p15:prstTrans prst="peelOff"/>
-      </p:transition>
-    </mc:Choice>
-    <mc:Fallback xmlns="">
-      <p:transition spd="slow">
-        <p:fade/>
-      </p:transition>
-    </mc:Fallback>
-  </mc:AlternateContent>
+  <p:transition spd="slow">
+    <p:fade/>
+  </p:transition>
 </p:sldLayout>
 </file>
 
@@ -9499,18 +9270,9 @@
   <p:clrMapOvr>
     <a:masterClrMapping/>
   </p:clrMapOvr>
-  <mc:AlternateContent xmlns:mc="http://schemas.openxmlformats.org/markup-compatibility/2006" xmlns:p15="http://schemas.microsoft.com/office/powerpoint/2012/main">
-    <mc:Choice Requires="p15">
-      <p:transition xmlns:p14="http://schemas.microsoft.com/office/powerpoint/2010/main" spd="slow" p14:dur="1250">
-        <p15:prstTrans prst="peelOff"/>
-      </p:transition>
-    </mc:Choice>
-    <mc:Fallback xmlns="">
-      <p:transition spd="slow">
-        <p:fade/>
-      </p:transition>
-    </mc:Fallback>
-  </mc:AlternateContent>
+  <p:transition spd="slow">
+    <p:fade/>
+  </p:transition>
 </p:sldLayout>
 </file>
 
@@ -9711,18 +9473,9 @@
   <p:clrMapOvr>
     <a:masterClrMapping/>
   </p:clrMapOvr>
-  <mc:AlternateContent xmlns:mc="http://schemas.openxmlformats.org/markup-compatibility/2006" xmlns:p15="http://schemas.microsoft.com/office/powerpoint/2012/main">
-    <mc:Choice Requires="p15">
-      <p:transition xmlns:p14="http://schemas.microsoft.com/office/powerpoint/2010/main" spd="slow" p14:dur="1250">
-        <p15:prstTrans prst="peelOff"/>
-      </p:transition>
-    </mc:Choice>
-    <mc:Fallback xmlns="">
-      <p:transition spd="slow">
-        <p:fade/>
-      </p:transition>
-    </mc:Fallback>
-  </mc:AlternateContent>
+  <p:transition spd="slow">
+    <p:fade/>
+  </p:transition>
 </p:sldLayout>
 </file>
 
@@ -10000,18 +9753,9 @@
   <p:clrMapOvr>
     <a:masterClrMapping/>
   </p:clrMapOvr>
-  <mc:AlternateContent xmlns:mc="http://schemas.openxmlformats.org/markup-compatibility/2006" xmlns:p15="http://schemas.microsoft.com/office/powerpoint/2012/main">
-    <mc:Choice Requires="p15">
-      <p:transition xmlns:p14="http://schemas.microsoft.com/office/powerpoint/2010/main" spd="slow" p14:dur="1250">
-        <p15:prstTrans prst="peelOff"/>
-      </p:transition>
-    </mc:Choice>
-    <mc:Fallback xmlns="">
-      <p:transition spd="slow">
-        <p:fade/>
-      </p:transition>
-    </mc:Fallback>
-  </mc:AlternateContent>
+  <p:transition spd="slow">
+    <p:fade/>
+  </p:transition>
 </p:sldLayout>
 </file>
 
@@ -10273,18 +10017,9 @@
   <p:clrMapOvr>
     <a:masterClrMapping/>
   </p:clrMapOvr>
-  <mc:AlternateContent xmlns:mc="http://schemas.openxmlformats.org/markup-compatibility/2006" xmlns:p15="http://schemas.microsoft.com/office/powerpoint/2012/main">
-    <mc:Choice Requires="p15">
-      <p:transition xmlns:p14="http://schemas.microsoft.com/office/powerpoint/2010/main" spd="slow" p14:dur="1250">
-        <p15:prstTrans prst="peelOff"/>
-      </p:transition>
-    </mc:Choice>
-    <mc:Fallback xmlns="">
-      <p:transition spd="slow">
-        <p:fade/>
-      </p:transition>
-    </mc:Fallback>
-  </mc:AlternateContent>
+  <p:transition spd="slow">
+    <p:fade/>
+  </p:transition>
 </p:sldLayout>
 </file>
 
@@ -10681,18 +10416,9 @@
   <p:clrMapOvr>
     <a:masterClrMapping/>
   </p:clrMapOvr>
-  <mc:AlternateContent xmlns:mc="http://schemas.openxmlformats.org/markup-compatibility/2006" xmlns:p15="http://schemas.microsoft.com/office/powerpoint/2012/main">
-    <mc:Choice Requires="p15">
-      <p:transition xmlns:p14="http://schemas.microsoft.com/office/powerpoint/2010/main" spd="slow" p14:dur="1250">
-        <p15:prstTrans prst="peelOff"/>
-      </p:transition>
-    </mc:Choice>
-    <mc:Fallback xmlns="">
-      <p:transition spd="slow">
-        <p:fade/>
-      </p:transition>
-    </mc:Fallback>
-  </mc:AlternateContent>
+  <p:transition spd="slow">
+    <p:fade/>
+  </p:transition>
 </p:sldLayout>
 </file>
 
@@ -10842,18 +10568,9 @@
   <p:clrMapOvr>
     <a:masterClrMapping/>
   </p:clrMapOvr>
-  <mc:AlternateContent xmlns:mc="http://schemas.openxmlformats.org/markup-compatibility/2006" xmlns:p15="http://schemas.microsoft.com/office/powerpoint/2012/main">
-    <mc:Choice Requires="p15">
-      <p:transition xmlns:p14="http://schemas.microsoft.com/office/powerpoint/2010/main" spd="slow" p14:dur="1250">
-        <p15:prstTrans prst="peelOff"/>
-      </p:transition>
-    </mc:Choice>
-    <mc:Fallback xmlns="">
-      <p:transition spd="slow">
-        <p:fade/>
-      </p:transition>
-    </mc:Fallback>
-  </mc:AlternateContent>
+  <p:transition spd="slow">
+    <p:fade/>
+  </p:transition>
 </p:sldLayout>
 </file>
 
@@ -10981,18 +10698,9 @@
   <p:clrMapOvr>
     <a:masterClrMapping/>
   </p:clrMapOvr>
-  <mc:AlternateContent xmlns:mc="http://schemas.openxmlformats.org/markup-compatibility/2006" xmlns:p15="http://schemas.microsoft.com/office/powerpoint/2012/main">
-    <mc:Choice Requires="p15">
-      <p:transition xmlns:p14="http://schemas.microsoft.com/office/powerpoint/2010/main" spd="slow" p14:dur="1250">
-        <p15:prstTrans prst="peelOff"/>
-      </p:transition>
-    </mc:Choice>
-    <mc:Fallback xmlns="">
-      <p:transition spd="slow">
-        <p:fade/>
-      </p:transition>
-    </mc:Fallback>
-  </mc:AlternateContent>
+  <p:transition spd="slow">
+    <p:fade/>
+  </p:transition>
 </p:sldLayout>
 </file>
 
@@ -11336,18 +11044,9 @@
   <p:clrMapOvr>
     <a:masterClrMapping/>
   </p:clrMapOvr>
-  <mc:AlternateContent xmlns:mc="http://schemas.openxmlformats.org/markup-compatibility/2006" xmlns:p15="http://schemas.microsoft.com/office/powerpoint/2012/main">
-    <mc:Choice Requires="p15">
-      <p:transition xmlns:p14="http://schemas.microsoft.com/office/powerpoint/2010/main" spd="slow" p14:dur="1250">
-        <p15:prstTrans prst="peelOff"/>
-      </p:transition>
-    </mc:Choice>
-    <mc:Fallback xmlns="">
-      <p:transition spd="slow">
-        <p:fade/>
-      </p:transition>
-    </mc:Fallback>
-  </mc:AlternateContent>
+  <p:transition spd="slow">
+    <p:fade/>
+  </p:transition>
 </p:sldLayout>
 </file>
 
@@ -11655,18 +11354,9 @@
   <p:clrMapOvr>
     <a:masterClrMapping/>
   </p:clrMapOvr>
-  <mc:AlternateContent xmlns:mc="http://schemas.openxmlformats.org/markup-compatibility/2006" xmlns:p15="http://schemas.microsoft.com/office/powerpoint/2012/main">
-    <mc:Choice Requires="p15">
-      <p:transition xmlns:p14="http://schemas.microsoft.com/office/powerpoint/2010/main" spd="slow" p14:dur="1250">
-        <p15:prstTrans prst="peelOff"/>
-      </p:transition>
-    </mc:Choice>
-    <mc:Fallback xmlns="">
-      <p:transition spd="slow">
-        <p:fade/>
-      </p:transition>
-    </mc:Fallback>
-  </mc:AlternateContent>
+  <p:transition spd="slow">
+    <p:fade/>
+  </p:transition>
 </p:sldLayout>
 </file>
 
@@ -11951,18 +11641,9 @@
   <p:clrMapOvr>
     <a:masterClrMapping/>
   </p:clrMapOvr>
-  <mc:AlternateContent xmlns:mc="http://schemas.openxmlformats.org/markup-compatibility/2006" xmlns:p15="http://schemas.microsoft.com/office/powerpoint/2012/main">
-    <mc:Choice Requires="p15">
-      <p:transition xmlns:p14="http://schemas.microsoft.com/office/powerpoint/2010/main" spd="slow" p14:dur="1250">
-        <p15:prstTrans prst="peelOff"/>
-      </p:transition>
-    </mc:Choice>
-    <mc:Fallback xmlns="">
-      <p:transition spd="slow">
-        <p:fade/>
-      </p:transition>
-    </mc:Fallback>
-  </mc:AlternateContent>
+  <p:transition spd="slow">
+    <p:fade/>
+  </p:transition>
 </p:sldLayout>
 </file>
 
@@ -12163,18 +11844,9 @@
   <p:clrMapOvr>
     <a:masterClrMapping/>
   </p:clrMapOvr>
-  <mc:AlternateContent xmlns:mc="http://schemas.openxmlformats.org/markup-compatibility/2006" xmlns:p15="http://schemas.microsoft.com/office/powerpoint/2012/main">
-    <mc:Choice Requires="p15">
-      <p:transition xmlns:p14="http://schemas.microsoft.com/office/powerpoint/2010/main" spd="slow" p14:dur="1250">
-        <p15:prstTrans prst="peelOff"/>
-      </p:transition>
-    </mc:Choice>
-    <mc:Fallback xmlns="">
-      <p:transition spd="slow">
-        <p:fade/>
-      </p:transition>
-    </mc:Fallback>
-  </mc:AlternateContent>
+  <p:transition spd="slow">
+    <p:fade/>
+  </p:transition>
 </p:sldLayout>
 </file>
 
@@ -12385,18 +12057,9 @@
   <p:clrMapOvr>
     <a:masterClrMapping/>
   </p:clrMapOvr>
-  <mc:AlternateContent xmlns:mc="http://schemas.openxmlformats.org/markup-compatibility/2006" xmlns:p15="http://schemas.microsoft.com/office/powerpoint/2012/main">
-    <mc:Choice Requires="p15">
-      <p:transition xmlns:p14="http://schemas.microsoft.com/office/powerpoint/2010/main" spd="slow" p14:dur="1250">
-        <p15:prstTrans prst="peelOff"/>
-      </p:transition>
-    </mc:Choice>
-    <mc:Fallback xmlns="">
-      <p:transition spd="slow">
-        <p:fade/>
-      </p:transition>
-    </mc:Fallback>
-  </mc:AlternateContent>
+  <p:transition spd="slow">
+    <p:fade/>
+  </p:transition>
 </p:sldLayout>
 </file>
 
@@ -12753,18 +12416,9 @@
   <p:clrMapOvr>
     <a:masterClrMapping/>
   </p:clrMapOvr>
-  <mc:AlternateContent xmlns:mc="http://schemas.openxmlformats.org/markup-compatibility/2006" xmlns:p15="http://schemas.microsoft.com/office/powerpoint/2012/main">
-    <mc:Choice Requires="p15">
-      <p:transition xmlns:p14="http://schemas.microsoft.com/office/powerpoint/2010/main" spd="slow" p14:dur="1250">
-        <p15:prstTrans prst="peelOff"/>
-      </p:transition>
-    </mc:Choice>
-    <mc:Fallback xmlns="">
-      <p:transition spd="slow">
-        <p:fade/>
-      </p:transition>
-    </mc:Fallback>
-  </mc:AlternateContent>
+  <p:transition spd="slow">
+    <p:fade/>
+  </p:transition>
 </p:sldLayout>
 </file>
 
@@ -13047,18 +12701,9 @@
   <p:clrMapOvr>
     <a:masterClrMapping/>
   </p:clrMapOvr>
-  <mc:AlternateContent xmlns:mc="http://schemas.openxmlformats.org/markup-compatibility/2006" xmlns:p15="http://schemas.microsoft.com/office/powerpoint/2012/main">
-    <mc:Choice Requires="p15">
-      <p:transition xmlns:p14="http://schemas.microsoft.com/office/powerpoint/2010/main" spd="slow" p14:dur="1250">
-        <p15:prstTrans prst="peelOff"/>
-      </p:transition>
-    </mc:Choice>
-    <mc:Fallback xmlns="">
-      <p:transition spd="slow">
-        <p:fade/>
-      </p:transition>
-    </mc:Fallback>
-  </mc:AlternateContent>
+  <p:transition spd="slow">
+    <p:fade/>
+  </p:transition>
 </p:sldLayout>
 </file>
 
@@ -13413,18 +13058,9 @@
   <p:clrMapOvr>
     <a:masterClrMapping/>
   </p:clrMapOvr>
-  <mc:AlternateContent xmlns:mc="http://schemas.openxmlformats.org/markup-compatibility/2006" xmlns:p15="http://schemas.microsoft.com/office/powerpoint/2012/main">
-    <mc:Choice Requires="p15">
-      <p:transition xmlns:p14="http://schemas.microsoft.com/office/powerpoint/2010/main" spd="slow" p14:dur="1250">
-        <p15:prstTrans prst="peelOff"/>
-      </p:transition>
-    </mc:Choice>
-    <mc:Fallback xmlns="">
-      <p:transition spd="slow">
-        <p:fade/>
-      </p:transition>
-    </mc:Fallback>
-  </mc:AlternateContent>
+  <p:transition spd="slow">
+    <p:fade/>
+  </p:transition>
 </p:sldLayout>
 </file>
 
@@ -13768,18 +13404,9 @@
   <p:clrMapOvr>
     <a:masterClrMapping/>
   </p:clrMapOvr>
-  <mc:AlternateContent xmlns:mc="http://schemas.openxmlformats.org/markup-compatibility/2006" xmlns:p15="http://schemas.microsoft.com/office/powerpoint/2012/main">
-    <mc:Choice Requires="p15">
-      <p:transition xmlns:p14="http://schemas.microsoft.com/office/powerpoint/2010/main" spd="slow" p14:dur="1250">
-        <p15:prstTrans prst="peelOff"/>
-      </p:transition>
-    </mc:Choice>
-    <mc:Fallback xmlns="">
-      <p:transition spd="slow">
-        <p:fade/>
-      </p:transition>
-    </mc:Fallback>
-  </mc:AlternateContent>
+  <p:transition spd="slow">
+    <p:fade/>
+  </p:transition>
 </p:sldLayout>
 </file>
 
@@ -14257,18 +13884,9 @@
   <p:clrMapOvr>
     <a:masterClrMapping/>
   </p:clrMapOvr>
-  <mc:AlternateContent xmlns:mc="http://schemas.openxmlformats.org/markup-compatibility/2006" xmlns:p15="http://schemas.microsoft.com/office/powerpoint/2012/main">
-    <mc:Choice Requires="p15">
-      <p:transition xmlns:p14="http://schemas.microsoft.com/office/powerpoint/2010/main" spd="slow" p14:dur="1250">
-        <p15:prstTrans prst="peelOff"/>
-      </p:transition>
-    </mc:Choice>
-    <mc:Fallback xmlns="">
-      <p:transition spd="slow">
-        <p:fade/>
-      </p:transition>
-    </mc:Fallback>
-  </mc:AlternateContent>
+  <p:transition spd="slow">
+    <p:fade/>
+  </p:transition>
 </p:sldLayout>
 </file>
 
@@ -14489,18 +14107,9 @@
   <p:clrMapOvr>
     <a:masterClrMapping/>
   </p:clrMapOvr>
-  <mc:AlternateContent xmlns:mc="http://schemas.openxmlformats.org/markup-compatibility/2006" xmlns:p15="http://schemas.microsoft.com/office/powerpoint/2012/main">
-    <mc:Choice Requires="p15">
-      <p:transition xmlns:p14="http://schemas.microsoft.com/office/powerpoint/2010/main" spd="slow" p14:dur="1250">
-        <p15:prstTrans prst="peelOff"/>
-      </p:transition>
-    </mc:Choice>
-    <mc:Fallback xmlns="">
-      <p:transition spd="slow">
-        <p:fade/>
-      </p:transition>
-    </mc:Fallback>
-  </mc:AlternateContent>
+  <p:transition spd="slow">
+    <p:fade/>
+  </p:transition>
 </p:sldLayout>
 </file>
 
@@ -14978,18 +14587,9 @@
   <p:clrMapOvr>
     <a:masterClrMapping/>
   </p:clrMapOvr>
-  <mc:AlternateContent xmlns:mc="http://schemas.openxmlformats.org/markup-compatibility/2006" xmlns:p15="http://schemas.microsoft.com/office/powerpoint/2012/main">
-    <mc:Choice Requires="p15">
-      <p:transition xmlns:p14="http://schemas.microsoft.com/office/powerpoint/2010/main" spd="slow" p14:dur="1250">
-        <p15:prstTrans prst="peelOff"/>
-      </p:transition>
-    </mc:Choice>
-    <mc:Fallback xmlns="">
-      <p:transition spd="slow">
-        <p:fade/>
-      </p:transition>
-    </mc:Fallback>
-  </mc:AlternateContent>
+  <p:transition spd="slow">
+    <p:fade/>
+  </p:transition>
 </p:sldLayout>
 </file>
 
@@ -15187,18 +14787,9 @@
   <p:clrMapOvr>
     <a:masterClrMapping/>
   </p:clrMapOvr>
-  <mc:AlternateContent xmlns:mc="http://schemas.openxmlformats.org/markup-compatibility/2006" xmlns:p15="http://schemas.microsoft.com/office/powerpoint/2012/main">
-    <mc:Choice Requires="p15">
-      <p:transition xmlns:p14="http://schemas.microsoft.com/office/powerpoint/2010/main" spd="slow" p14:dur="1250">
-        <p15:prstTrans prst="peelOff"/>
-      </p:transition>
-    </mc:Choice>
-    <mc:Fallback xmlns="">
-      <p:transition spd="slow">
-        <p:fade/>
-      </p:transition>
-    </mc:Fallback>
-  </mc:AlternateContent>
+  <p:transition spd="slow">
+    <p:fade/>
+  </p:transition>
 </p:sldLayout>
 </file>
 
@@ -15552,18 +15143,9 @@
   <p:clrMapOvr>
     <a:masterClrMapping/>
   </p:clrMapOvr>
-  <mc:AlternateContent xmlns:mc="http://schemas.openxmlformats.org/markup-compatibility/2006" xmlns:p15="http://schemas.microsoft.com/office/powerpoint/2012/main">
-    <mc:Choice Requires="p15">
-      <p:transition xmlns:p14="http://schemas.microsoft.com/office/powerpoint/2010/main" spd="slow" p14:dur="1250">
-        <p15:prstTrans prst="peelOff"/>
-      </p:transition>
-    </mc:Choice>
-    <mc:Fallback xmlns="">
-      <p:transition spd="slow">
-        <p:fade/>
-      </p:transition>
-    </mc:Fallback>
-  </mc:AlternateContent>
+  <p:transition spd="slow">
+    <p:fade/>
+  </p:transition>
 </p:sldLayout>
 </file>
 
@@ -15934,18 +15516,9 @@
   <p:clrMapOvr>
     <a:masterClrMapping/>
   </p:clrMapOvr>
-  <mc:AlternateContent xmlns:mc="http://schemas.openxmlformats.org/markup-compatibility/2006" xmlns:p15="http://schemas.microsoft.com/office/powerpoint/2012/main">
-    <mc:Choice Requires="p15">
-      <p:transition xmlns:p14="http://schemas.microsoft.com/office/powerpoint/2010/main" spd="slow" p14:dur="1250">
-        <p15:prstTrans prst="peelOff"/>
-      </p:transition>
-    </mc:Choice>
-    <mc:Fallback xmlns="">
-      <p:transition spd="slow">
-        <p:fade/>
-      </p:transition>
-    </mc:Fallback>
-  </mc:AlternateContent>
+  <p:transition spd="slow">
+    <p:fade/>
+  </p:transition>
 </p:sldLayout>
 </file>
 
@@ -16304,18 +15877,9 @@
   <p:clrMapOvr>
     <a:masterClrMapping/>
   </p:clrMapOvr>
-  <mc:AlternateContent xmlns:mc="http://schemas.openxmlformats.org/markup-compatibility/2006" xmlns:p15="http://schemas.microsoft.com/office/powerpoint/2012/main">
-    <mc:Choice Requires="p15">
-      <p:transition xmlns:p14="http://schemas.microsoft.com/office/powerpoint/2010/main" spd="slow" p14:dur="1250">
-        <p15:prstTrans prst="peelOff"/>
-      </p:transition>
-    </mc:Choice>
-    <mc:Fallback xmlns="">
-      <p:transition spd="slow">
-        <p:fade/>
-      </p:transition>
-    </mc:Fallback>
-  </mc:AlternateContent>
+  <p:transition spd="slow">
+    <p:fade/>
+  </p:transition>
 </p:sldLayout>
 </file>
 
@@ -16809,18 +16373,9 @@
   <p:clrMapOvr>
     <a:masterClrMapping/>
   </p:clrMapOvr>
-  <mc:AlternateContent xmlns:mc="http://schemas.openxmlformats.org/markup-compatibility/2006" xmlns:p15="http://schemas.microsoft.com/office/powerpoint/2012/main">
-    <mc:Choice Requires="p15">
-      <p:transition xmlns:p14="http://schemas.microsoft.com/office/powerpoint/2010/main" spd="slow" p14:dur="1250">
-        <p15:prstTrans prst="peelOff"/>
-      </p:transition>
-    </mc:Choice>
-    <mc:Fallback xmlns="">
-      <p:transition spd="slow">
-        <p:fade/>
-      </p:transition>
-    </mc:Fallback>
-  </mc:AlternateContent>
+  <p:transition spd="slow">
+    <p:fade/>
+  </p:transition>
 </p:sldLayout>
 </file>
 
@@ -17101,18 +16656,9 @@
   <p:clrMapOvr>
     <a:masterClrMapping/>
   </p:clrMapOvr>
-  <mc:AlternateContent xmlns:mc="http://schemas.openxmlformats.org/markup-compatibility/2006" xmlns:p15="http://schemas.microsoft.com/office/powerpoint/2012/main">
-    <mc:Choice Requires="p15">
-      <p:transition xmlns:p14="http://schemas.microsoft.com/office/powerpoint/2010/main" spd="slow" p14:dur="1250">
-        <p15:prstTrans prst="peelOff"/>
-      </p:transition>
-    </mc:Choice>
-    <mc:Fallback xmlns="">
-      <p:transition spd="slow">
-        <p:fade/>
-      </p:transition>
-    </mc:Fallback>
-  </mc:AlternateContent>
+  <p:transition spd="slow">
+    <p:fade/>
+  </p:transition>
 </p:sldLayout>
 </file>
 
@@ -17525,18 +17071,9 @@
   <p:clrMapOvr>
     <a:masterClrMapping/>
   </p:clrMapOvr>
-  <mc:AlternateContent xmlns:mc="http://schemas.openxmlformats.org/markup-compatibility/2006" xmlns:p15="http://schemas.microsoft.com/office/powerpoint/2012/main">
-    <mc:Choice Requires="p15">
-      <p:transition xmlns:p14="http://schemas.microsoft.com/office/powerpoint/2010/main" spd="slow" p14:dur="1250">
-        <p15:prstTrans prst="peelOff"/>
-      </p:transition>
-    </mc:Choice>
-    <mc:Fallback xmlns="">
-      <p:transition spd="slow">
-        <p:fade/>
-      </p:transition>
-    </mc:Fallback>
-  </mc:AlternateContent>
+  <p:transition spd="slow">
+    <p:fade/>
+  </p:transition>
 </p:sldLayout>
 </file>
 
@@ -17877,18 +17414,9 @@
   <p:clrMapOvr>
     <a:masterClrMapping/>
   </p:clrMapOvr>
-  <mc:AlternateContent xmlns:mc="http://schemas.openxmlformats.org/markup-compatibility/2006" xmlns:p15="http://schemas.microsoft.com/office/powerpoint/2012/main">
-    <mc:Choice Requires="p15">
-      <p:transition xmlns:p14="http://schemas.microsoft.com/office/powerpoint/2010/main" spd="slow" p14:dur="1250">
-        <p15:prstTrans prst="peelOff"/>
-      </p:transition>
-    </mc:Choice>
-    <mc:Fallback xmlns="">
-      <p:transition spd="slow">
-        <p:fade/>
-      </p:transition>
-    </mc:Fallback>
-  </mc:AlternateContent>
+  <p:transition spd="slow">
+    <p:fade/>
+  </p:transition>
 </p:sldLayout>
 </file>
 
@@ -18161,18 +17689,9 @@
   <p:clrMapOvr>
     <a:masterClrMapping/>
   </p:clrMapOvr>
-  <mc:AlternateContent xmlns:mc="http://schemas.openxmlformats.org/markup-compatibility/2006" xmlns:p15="http://schemas.microsoft.com/office/powerpoint/2012/main">
-    <mc:Choice Requires="p15">
-      <p:transition xmlns:p14="http://schemas.microsoft.com/office/powerpoint/2010/main" spd="slow" p14:dur="1250">
-        <p15:prstTrans prst="peelOff"/>
-      </p:transition>
-    </mc:Choice>
-    <mc:Fallback xmlns="">
-      <p:transition spd="slow">
-        <p:fade/>
-      </p:transition>
-    </mc:Fallback>
-  </mc:AlternateContent>
+  <p:transition spd="slow">
+    <p:fade/>
+  </p:transition>
 </p:sldLayout>
 </file>
 
@@ -18455,18 +17974,9 @@
   <p:clrMapOvr>
     <a:masterClrMapping/>
   </p:clrMapOvr>
-  <mc:AlternateContent xmlns:mc="http://schemas.openxmlformats.org/markup-compatibility/2006" xmlns:p15="http://schemas.microsoft.com/office/powerpoint/2012/main">
-    <mc:Choice Requires="p15">
-      <p:transition xmlns:p14="http://schemas.microsoft.com/office/powerpoint/2010/main" spd="slow" p14:dur="1250">
-        <p15:prstTrans prst="peelOff"/>
-      </p:transition>
-    </mc:Choice>
-    <mc:Fallback xmlns="">
-      <p:transition spd="slow">
-        <p:fade/>
-      </p:transition>
-    </mc:Fallback>
-  </mc:AlternateContent>
+  <p:transition spd="slow">
+    <p:fade/>
+  </p:transition>
 </p:sldLayout>
 </file>
 
@@ -18687,18 +18197,9 @@
   <p:clrMapOvr>
     <a:masterClrMapping/>
   </p:clrMapOvr>
-  <mc:AlternateContent xmlns:mc="http://schemas.openxmlformats.org/markup-compatibility/2006" xmlns:p15="http://schemas.microsoft.com/office/powerpoint/2012/main">
-    <mc:Choice Requires="p15">
-      <p:transition xmlns:p14="http://schemas.microsoft.com/office/powerpoint/2010/main" spd="slow" p14:dur="1250">
-        <p15:prstTrans prst="peelOff"/>
-      </p:transition>
-    </mc:Choice>
-    <mc:Fallback xmlns="">
-      <p:transition spd="slow">
-        <p:fade/>
-      </p:transition>
-    </mc:Fallback>
-  </mc:AlternateContent>
+  <p:transition spd="slow">
+    <p:fade/>
+  </p:transition>
 </p:sldLayout>
 </file>
 
@@ -18896,18 +18397,9 @@
   <p:clrMapOvr>
     <a:masterClrMapping/>
   </p:clrMapOvr>
-  <mc:AlternateContent xmlns:mc="http://schemas.openxmlformats.org/markup-compatibility/2006" xmlns:p15="http://schemas.microsoft.com/office/powerpoint/2012/main">
-    <mc:Choice Requires="p15">
-      <p:transition xmlns:p14="http://schemas.microsoft.com/office/powerpoint/2010/main" spd="slow" p14:dur="1250">
-        <p15:prstTrans prst="peelOff"/>
-      </p:transition>
-    </mc:Choice>
-    <mc:Fallback xmlns="">
-      <p:transition spd="slow">
-        <p:fade/>
-      </p:transition>
-    </mc:Fallback>
-  </mc:AlternateContent>
+  <p:transition spd="slow">
+    <p:fade/>
+  </p:transition>
 </p:sldLayout>
 </file>
 
@@ -19261,18 +18753,9 @@
   <p:clrMapOvr>
     <a:masterClrMapping/>
   </p:clrMapOvr>
-  <mc:AlternateContent xmlns:mc="http://schemas.openxmlformats.org/markup-compatibility/2006" xmlns:p15="http://schemas.microsoft.com/office/powerpoint/2012/main">
-    <mc:Choice Requires="p15">
-      <p:transition xmlns:p14="http://schemas.microsoft.com/office/powerpoint/2010/main" spd="slow" p14:dur="1250">
-        <p15:prstTrans prst="peelOff"/>
-      </p:transition>
-    </mc:Choice>
-    <mc:Fallback xmlns="">
-      <p:transition spd="slow">
-        <p:fade/>
-      </p:transition>
-    </mc:Fallback>
-  </mc:AlternateContent>
+  <p:transition spd="slow">
+    <p:fade/>
+  </p:transition>
 </p:sldLayout>
 </file>
 
@@ -19643,18 +19126,9 @@
   <p:clrMapOvr>
     <a:masterClrMapping/>
   </p:clrMapOvr>
-  <mc:AlternateContent xmlns:mc="http://schemas.openxmlformats.org/markup-compatibility/2006" xmlns:p15="http://schemas.microsoft.com/office/powerpoint/2012/main">
-    <mc:Choice Requires="p15">
-      <p:transition xmlns:p14="http://schemas.microsoft.com/office/powerpoint/2010/main" spd="slow" p14:dur="1250">
-        <p15:prstTrans prst="peelOff"/>
-      </p:transition>
-    </mc:Choice>
-    <mc:Fallback xmlns="">
-      <p:transition spd="slow">
-        <p:fade/>
-      </p:transition>
-    </mc:Fallback>
-  </mc:AlternateContent>
+  <p:transition spd="slow">
+    <p:fade/>
+  </p:transition>
 </p:sldLayout>
 </file>
 
@@ -21775,18 +21249,9 @@
     <p:sldLayoutId id="2147483853" r:id="rId15"/>
     <p:sldLayoutId id="2147483854" r:id="rId16"/>
   </p:sldLayoutIdLst>
-  <mc:AlternateContent xmlns:mc="http://schemas.openxmlformats.org/markup-compatibility/2006" xmlns:p15="http://schemas.microsoft.com/office/powerpoint/2012/main">
-    <mc:Choice Requires="p15">
-      <p:transition xmlns:p14="http://schemas.microsoft.com/office/powerpoint/2010/main" spd="slow" p14:dur="1250">
-        <p15:prstTrans prst="peelOff"/>
-      </p:transition>
-    </mc:Choice>
-    <mc:Fallback xmlns="">
-      <p:transition spd="slow">
-        <p:fade/>
-      </p:transition>
-    </mc:Fallback>
-  </mc:AlternateContent>
+  <p:transition spd="slow">
+    <p:fade/>
+  </p:transition>
   <p:txStyles>
     <p:titleStyle>
       <a:lvl1pPr algn="l" defTabSz="457200" rtl="0" eaLnBrk="1" latinLnBrk="0" hangingPunct="1">
@@ -24297,18 +23762,9 @@
     <p:sldLayoutId id="2147483870" r:id="rId15"/>
     <p:sldLayoutId id="2147483871" r:id="rId16"/>
   </p:sldLayoutIdLst>
-  <mc:AlternateContent xmlns:mc="http://schemas.openxmlformats.org/markup-compatibility/2006" xmlns:p15="http://schemas.microsoft.com/office/powerpoint/2012/main">
-    <mc:Choice Requires="p15">
-      <p:transition xmlns:p14="http://schemas.microsoft.com/office/powerpoint/2010/main" spd="slow" p14:dur="1250">
-        <p15:prstTrans prst="peelOff"/>
-      </p:transition>
-    </mc:Choice>
-    <mc:Fallback xmlns="">
-      <p:transition spd="slow">
-        <p:fade/>
-      </p:transition>
-    </mc:Fallback>
-  </mc:AlternateContent>
+  <p:transition spd="slow">
+    <p:fade/>
+  </p:transition>
   <p:txStyles>
     <p:titleStyle>
       <a:lvl1pPr algn="l" defTabSz="457200" rtl="0" eaLnBrk="1" latinLnBrk="0" hangingPunct="1">
@@ -25010,18 +24466,9 @@
     <p:sldLayoutId id="2147483882" r:id="rId10"/>
     <p:sldLayoutId id="2147483883" r:id="rId11"/>
   </p:sldLayoutIdLst>
-  <mc:AlternateContent xmlns:mc="http://schemas.openxmlformats.org/markup-compatibility/2006" xmlns:p15="http://schemas.microsoft.com/office/powerpoint/2012/main">
-    <mc:Choice Requires="p15">
-      <p:transition xmlns:p14="http://schemas.microsoft.com/office/powerpoint/2010/main" spd="slow" p14:dur="1250">
-        <p15:prstTrans prst="peelOff"/>
-      </p:transition>
-    </mc:Choice>
-    <mc:Fallback xmlns="">
-      <p:transition spd="slow">
-        <p:fade/>
-      </p:transition>
-    </mc:Fallback>
-  </mc:AlternateContent>
+  <p:transition spd="slow">
+    <p:fade/>
+  </p:transition>
   <p:txStyles>
     <p:titleStyle>
       <a:lvl1pPr algn="l" defTabSz="914400" rtl="0" eaLnBrk="1" latinLnBrk="0" hangingPunct="1">
@@ -27423,18 +26870,9 @@
     <p:sldLayoutId id="2147483899" r:id="rId15"/>
     <p:sldLayoutId id="2147483900" r:id="rId16"/>
   </p:sldLayoutIdLst>
-  <mc:AlternateContent xmlns:mc="http://schemas.openxmlformats.org/markup-compatibility/2006" xmlns:p15="http://schemas.microsoft.com/office/powerpoint/2012/main">
-    <mc:Choice Requires="p15">
-      <p:transition xmlns:p14="http://schemas.microsoft.com/office/powerpoint/2010/main" spd="slow" p14:dur="1250">
-        <p15:prstTrans prst="peelOff"/>
-      </p:transition>
-    </mc:Choice>
-    <mc:Fallback xmlns="">
-      <p:transition spd="slow">
-        <p:fade/>
-      </p:transition>
-    </mc:Fallback>
-  </mc:AlternateContent>
+  <p:transition spd="slow">
+    <p:fade/>
+  </p:transition>
   <p:txStyles>
     <p:titleStyle>
       <a:lvl1pPr algn="l" defTabSz="457200" rtl="0" eaLnBrk="1" latinLnBrk="0" hangingPunct="1">
@@ -27987,6 +27425,29 @@
               </a:rPr>
               <a:t>:</a:t>
             </a:r>
+            <a:r>
+              <a:rPr lang="fr-FR" sz="5400" dirty="0">
+                <a:ln w="15875">
+                  <a:solidFill>
+                    <a:prstClr val="black">
+                      <a:alpha val="63000"/>
+                    </a:prstClr>
+                  </a:solidFill>
+                </a:ln>
+                <a:solidFill>
+                  <a:srgbClr val="FFFF00"/>
+                </a:solidFill>
+                <a:effectLst>
+                  <a:outerShdw blurRad="38100" dist="38100" dir="2700000" algn="tl">
+                    <a:srgbClr val="000000">
+                      <a:alpha val="43137"/>
+                    </a:srgbClr>
+                  </a:outerShdw>
+                  <a:reflection blurRad="6350" stA="0" endPos="35500" dir="5400000" sy="-90000" algn="bl" rotWithShape="0"/>
+                </a:effectLst>
+              </a:rPr>
+              <a:t/>
+            </a:r>
             <a:br>
               <a:rPr lang="fr-FR" sz="5400" dirty="0">
                 <a:ln w="15875">
@@ -28178,6 +27639,13 @@
       </p:transition>
     </mc:Fallback>
   </mc:AlternateContent>
+  <p:timing>
+    <p:tnLst>
+      <p:par>
+        <p:cTn id="1" dur="indefinite" restart="never" nodeType="tmRoot"/>
+      </p:par>
+    </p:tnLst>
+  </p:timing>
 </p:sld>
 </file>
 
@@ -29719,11 +29187,11 @@
   <p:clrMapOvr>
     <a:masterClrMapping/>
   </p:clrMapOvr>
-  <mc:AlternateContent xmlns:mc="http://schemas.openxmlformats.org/markup-compatibility/2006">
-    <mc:Choice xmlns:p14="http://schemas.microsoft.com/office/powerpoint/2010/main" Requires="p14">
+  <mc:AlternateContent xmlns:mc="http://schemas.openxmlformats.org/markup-compatibility/2006" xmlns:p14="http://schemas.microsoft.com/office/powerpoint/2010/main">
+    <mc:Choice Requires="p14">
       <p:transition p14:dur="10"/>
     </mc:Choice>
-    <mc:Fallback>
+    <mc:Fallback xmlns="">
       <p:transition/>
     </mc:Fallback>
   </mc:AlternateContent>
@@ -30369,11 +29837,11 @@
   <p:clrMapOvr>
     <a:masterClrMapping/>
   </p:clrMapOvr>
-  <mc:AlternateContent xmlns:mc="http://schemas.openxmlformats.org/markup-compatibility/2006">
-    <mc:Choice xmlns:p14="http://schemas.microsoft.com/office/powerpoint/2010/main" Requires="p14">
+  <mc:AlternateContent xmlns:mc="http://schemas.openxmlformats.org/markup-compatibility/2006" xmlns:p14="http://schemas.microsoft.com/office/powerpoint/2010/main">
+    <mc:Choice Requires="p14">
       <p:transition p14:dur="0"/>
     </mc:Choice>
-    <mc:Fallback>
+    <mc:Fallback xmlns="">
       <p:transition/>
     </mc:Fallback>
   </mc:AlternateContent>
@@ -30728,14 +30196,21 @@
   <p:clrMapOvr>
     <a:masterClrMapping/>
   </p:clrMapOvr>
-  <mc:AlternateContent xmlns:mc="http://schemas.openxmlformats.org/markup-compatibility/2006">
-    <mc:Choice xmlns:p14="http://schemas.microsoft.com/office/powerpoint/2010/main" Requires="p14">
+  <mc:AlternateContent xmlns:mc="http://schemas.openxmlformats.org/markup-compatibility/2006" xmlns:p14="http://schemas.microsoft.com/office/powerpoint/2010/main">
+    <mc:Choice Requires="p14">
       <p:transition p14:dur="0"/>
     </mc:Choice>
-    <mc:Fallback>
+    <mc:Fallback xmlns="">
       <p:transition/>
     </mc:Fallback>
   </mc:AlternateContent>
+  <p:timing>
+    <p:tnLst>
+      <p:par>
+        <p:cTn id="1" dur="indefinite" restart="never" nodeType="tmRoot"/>
+      </p:par>
+    </p:tnLst>
+  </p:timing>
 </p:sld>
 </file>
 
@@ -31076,18 +30551,2558 @@
   <p:clrMapOvr>
     <a:masterClrMapping/>
   </p:clrMapOvr>
-  <mc:AlternateContent xmlns:mc="http://schemas.openxmlformats.org/markup-compatibility/2006">
-    <mc:Choice xmlns:p14="http://schemas.microsoft.com/office/powerpoint/2010/main" Requires="p14">
+  <mc:AlternateContent xmlns:mc="http://schemas.openxmlformats.org/markup-compatibility/2006" xmlns:p14="http://schemas.microsoft.com/office/powerpoint/2010/main">
+    <mc:Choice Requires="p14">
       <p:transition p14:dur="0"/>
     </mc:Choice>
-    <mc:Fallback>
+    <mc:Fallback xmlns="">
       <p:transition/>
     </mc:Fallback>
   </mc:AlternateContent>
+  <p:timing>
+    <p:tnLst>
+      <p:par>
+        <p:cTn id="1" dur="indefinite" restart="never" nodeType="tmRoot"/>
+      </p:par>
+    </p:tnLst>
+  </p:timing>
 </p:sld>
 </file>
 
 <file path=ppt/slides/slide16.xml><?xml version="1.0" encoding="utf-8"?>
+<p:sld xmlns:a="http://schemas.openxmlformats.org/drawingml/2006/main" xmlns:r="http://schemas.openxmlformats.org/officeDocument/2006/relationships" xmlns:p="http://schemas.openxmlformats.org/presentationml/2006/main" showMasterSp="0">
+  <p:cSld>
+    <p:spTree>
+      <p:nvGrpSpPr>
+        <p:cNvPr id="1" name=""/>
+        <p:cNvGrpSpPr/>
+        <p:nvPr/>
+      </p:nvGrpSpPr>
+      <p:grpSpPr>
+        <a:xfrm>
+          <a:off x="0" y="0"/>
+          <a:ext cx="0" cy="0"/>
+          <a:chOff x="0" y="0"/>
+          <a:chExt cx="0" cy="0"/>
+        </a:xfrm>
+      </p:grpSpPr>
+      <p:sp>
+        <p:nvSpPr>
+          <p:cNvPr id="6" name="ZoneTexte 5"/>
+          <p:cNvSpPr txBox="1"/>
+          <p:nvPr/>
+        </p:nvSpPr>
+        <p:spPr>
+          <a:xfrm>
+            <a:off x="8900741" y="3429000"/>
+            <a:ext cx="1440160" cy="230832"/>
+          </a:xfrm>
+          <a:prstGeom prst="rect">
+            <a:avLst/>
+          </a:prstGeom>
+          <a:solidFill>
+            <a:schemeClr val="bg1"/>
+          </a:solidFill>
+        </p:spPr>
+        <p:txBody>
+          <a:bodyPr wrap="square" rtlCol="0">
+            <a:spAutoFit/>
+          </a:bodyPr>
+          <a:lstStyle/>
+          <a:p>
+            <a:endParaRPr lang="fr-FR" sz="900" dirty="0"/>
+          </a:p>
+        </p:txBody>
+      </p:sp>
+      <p:pic>
+        <p:nvPicPr>
+          <p:cNvPr id="5125" name="Picture 5" descr="E:\Docum\PROJETS ETI MATLAB SOLID\PIMS_Projet\img_powerpoint\fig900.png"/>
+          <p:cNvPicPr>
+            <a:picLocks noChangeAspect="1" noChangeArrowheads="1"/>
+          </p:cNvPicPr>
+          <p:nvPr/>
+        </p:nvPicPr>
+        <p:blipFill rotWithShape="1">
+          <a:blip r:embed="rId2">
+            <a:extLst>
+              <a:ext uri="{28A0092B-C50C-407E-A947-70E740481C1C}">
+                <a14:useLocalDpi xmlns:a14="http://schemas.microsoft.com/office/drawing/2010/main" val="0"/>
+              </a:ext>
+            </a:extLst>
+          </a:blip>
+          <a:srcRect l="41434" t="33375" r="37978" b="36148"/>
+          <a:stretch/>
+        </p:blipFill>
+        <p:spPr bwMode="auto">
+          <a:xfrm>
+            <a:off x="431371" y="2868597"/>
+            <a:ext cx="3840427" cy="3197756"/>
+          </a:xfrm>
+          <a:prstGeom prst="rect">
+            <a:avLst/>
+          </a:prstGeom>
+          <a:noFill/>
+          <a:extLst>
+            <a:ext uri="{909E8E84-426E-40DD-AFC4-6F175D3DCCD1}">
+              <a14:hiddenFill xmlns:a14="http://schemas.microsoft.com/office/drawing/2010/main">
+                <a:solidFill>
+                  <a:srgbClr val="FFFFFF"/>
+                </a:solidFill>
+              </a14:hiddenFill>
+            </a:ext>
+          </a:extLst>
+        </p:spPr>
+      </p:pic>
+      <p:pic>
+        <p:nvPicPr>
+          <p:cNvPr id="5126" name="Picture 6" descr="E:\Docum\PROJETS ETI MATLAB SOLID\PIMS_Projet\img_powerpoint\fourier 900.png"/>
+          <p:cNvPicPr>
+            <a:picLocks noChangeAspect="1" noChangeArrowheads="1"/>
+          </p:cNvPicPr>
+          <p:nvPr/>
+        </p:nvPicPr>
+        <p:blipFill rotWithShape="1">
+          <a:blip r:embed="rId3">
+            <a:extLst>
+              <a:ext uri="{28A0092B-C50C-407E-A947-70E740481C1C}">
+                <a14:useLocalDpi xmlns:a14="http://schemas.microsoft.com/office/drawing/2010/main" val="0"/>
+              </a:ext>
+            </a:extLst>
+          </a:blip>
+          <a:srcRect l="8284" t="6344" r="8050" b="5298"/>
+          <a:stretch/>
+        </p:blipFill>
+        <p:spPr bwMode="auto">
+          <a:xfrm>
+            <a:off x="5810205" y="2702542"/>
+            <a:ext cx="5950424" cy="3534770"/>
+          </a:xfrm>
+          <a:prstGeom prst="rect">
+            <a:avLst/>
+          </a:prstGeom>
+          <a:noFill/>
+          <a:extLst>
+            <a:ext uri="{909E8E84-426E-40DD-AFC4-6F175D3DCCD1}">
+              <a14:hiddenFill xmlns:a14="http://schemas.microsoft.com/office/drawing/2010/main">
+                <a:solidFill>
+                  <a:srgbClr val="FFFFFF"/>
+                </a:solidFill>
+              </a14:hiddenFill>
+            </a:ext>
+          </a:extLst>
+        </p:spPr>
+      </p:pic>
+      <p:sp>
+        <p:nvSpPr>
+          <p:cNvPr id="7" name="ZoneTexte 6"/>
+          <p:cNvSpPr txBox="1"/>
+          <p:nvPr/>
+        </p:nvSpPr>
+        <p:spPr>
+          <a:xfrm>
+            <a:off x="1373315" y="2462863"/>
+            <a:ext cx="1712328" cy="369332"/>
+          </a:xfrm>
+          <a:prstGeom prst="rect">
+            <a:avLst/>
+          </a:prstGeom>
+          <a:noFill/>
+        </p:spPr>
+        <p:txBody>
+          <a:bodyPr wrap="none" rtlCol="0">
+            <a:spAutoFit/>
+          </a:bodyPr>
+          <a:lstStyle/>
+          <a:p>
+            <a:r>
+              <a:rPr lang="fr-FR" dirty="0" smtClean="0"/>
+              <a:t>Image traitée</a:t>
+            </a:r>
+            <a:endParaRPr lang="fr-FR" dirty="0"/>
+          </a:p>
+        </p:txBody>
+      </p:sp>
+      <p:sp>
+        <p:nvSpPr>
+          <p:cNvPr id="8" name="ZoneTexte 7"/>
+          <p:cNvSpPr txBox="1"/>
+          <p:nvPr/>
+        </p:nvSpPr>
+        <p:spPr>
+          <a:xfrm>
+            <a:off x="5523285" y="2366772"/>
+            <a:ext cx="5896166" cy="369332"/>
+          </a:xfrm>
+          <a:prstGeom prst="rect">
+            <a:avLst/>
+          </a:prstGeom>
+          <a:noFill/>
+        </p:spPr>
+        <p:txBody>
+          <a:bodyPr wrap="none" rtlCol="0">
+            <a:spAutoFit/>
+          </a:bodyPr>
+          <a:lstStyle/>
+          <a:p>
+            <a:r>
+              <a:rPr lang="fr-FR" dirty="0" smtClean="0"/>
+              <a:t>Transformée de </a:t>
+            </a:r>
+            <a:r>
+              <a:rPr lang="fr-FR" dirty="0" err="1" smtClean="0"/>
+              <a:t>fourier</a:t>
+            </a:r>
+            <a:r>
+              <a:rPr lang="fr-FR" dirty="0" smtClean="0"/>
+              <a:t> de l’image après traitement</a:t>
+            </a:r>
+            <a:endParaRPr lang="fr-FR" dirty="0"/>
+          </a:p>
+        </p:txBody>
+      </p:sp>
+      <p:sp>
+        <p:nvSpPr>
+          <p:cNvPr id="9" name="ZoneTexte 8"/>
+          <p:cNvSpPr txBox="1"/>
+          <p:nvPr/>
+        </p:nvSpPr>
+        <p:spPr>
+          <a:xfrm>
+            <a:off x="1373315" y="260648"/>
+            <a:ext cx="8300670" cy="461665"/>
+          </a:xfrm>
+          <a:prstGeom prst="rect">
+            <a:avLst/>
+          </a:prstGeom>
+          <a:noFill/>
+        </p:spPr>
+        <p:txBody>
+          <a:bodyPr wrap="none" rtlCol="0">
+            <a:spAutoFit/>
+          </a:bodyPr>
+          <a:lstStyle/>
+          <a:p>
+            <a:r>
+              <a:rPr lang="fr-FR" sz="2400" dirty="0" smtClean="0"/>
+              <a:t>Récupération des fréquences d’intérêt et </a:t>
+            </a:r>
+            <a:r>
+              <a:rPr lang="fr-FR" sz="2400" dirty="0" err="1" smtClean="0"/>
+              <a:t>moyennage</a:t>
+            </a:r>
+            <a:endParaRPr lang="fr-FR" sz="2400" dirty="0"/>
+          </a:p>
+        </p:txBody>
+      </p:sp>
+      <p:sp>
+        <p:nvSpPr>
+          <p:cNvPr id="10" name="ZoneTexte 9"/>
+          <p:cNvSpPr txBox="1"/>
+          <p:nvPr/>
+        </p:nvSpPr>
+        <p:spPr>
+          <a:xfrm>
+            <a:off x="4586139" y="6140377"/>
+            <a:ext cx="1305165" cy="369332"/>
+          </a:xfrm>
+          <a:prstGeom prst="rect">
+            <a:avLst/>
+          </a:prstGeom>
+          <a:noFill/>
+        </p:spPr>
+        <p:txBody>
+          <a:bodyPr wrap="none" rtlCol="0">
+            <a:spAutoFit/>
+          </a:bodyPr>
+          <a:lstStyle/>
+          <a:p>
+            <a:r>
+              <a:rPr lang="fr-FR" dirty="0" smtClean="0"/>
+              <a:t>Z = 900nm</a:t>
+            </a:r>
+            <a:endParaRPr lang="fr-FR" dirty="0"/>
+          </a:p>
+        </p:txBody>
+      </p:sp>
+      <p:sp>
+        <p:nvSpPr>
+          <p:cNvPr id="2" name="ZoneTexte 1"/>
+          <p:cNvSpPr txBox="1"/>
+          <p:nvPr/>
+        </p:nvSpPr>
+        <p:spPr>
+          <a:xfrm>
+            <a:off x="818761" y="980729"/>
+            <a:ext cx="9409047" cy="1323439"/>
+          </a:xfrm>
+          <a:prstGeom prst="rect">
+            <a:avLst/>
+          </a:prstGeom>
+          <a:noFill/>
+        </p:spPr>
+        <p:txBody>
+          <a:bodyPr wrap="square" rtlCol="0">
+            <a:spAutoFit/>
+          </a:bodyPr>
+          <a:lstStyle/>
+          <a:p>
+            <a:r>
+              <a:rPr lang="fr-FR" sz="2000" u="sng" dirty="0" smtClean="0"/>
+              <a:t>2 utilisations</a:t>
+            </a:r>
+          </a:p>
+          <a:p>
+            <a:r>
+              <a:rPr lang="fr-FR" sz="2000" dirty="0" smtClean="0"/>
+              <a:t>-Création d’un graphe de calibration</a:t>
+            </a:r>
+          </a:p>
+          <a:p>
+            <a:endParaRPr lang="fr-FR" sz="2000" dirty="0" smtClean="0"/>
+          </a:p>
+          <a:p>
+            <a:r>
+              <a:rPr lang="fr-FR" sz="2000" dirty="0" smtClean="0"/>
+              <a:t>-Mesure de la fréquence d’intérêt sur une image d’échantillon réel</a:t>
+            </a:r>
+            <a:endParaRPr lang="fr-FR" sz="2000" dirty="0"/>
+          </a:p>
+        </p:txBody>
+      </p:sp>
+    </p:spTree>
+    <p:extLst>
+      <p:ext uri="{BB962C8B-B14F-4D97-AF65-F5344CB8AC3E}">
+        <p14:creationId xmlns:p14="http://schemas.microsoft.com/office/powerpoint/2010/main" val="2567609920"/>
+      </p:ext>
+    </p:extLst>
+  </p:cSld>
+  <p:clrMapOvr>
+    <a:masterClrMapping/>
+  </p:clrMapOvr>
+  <p:transition spd="slow">
+    <p:fade/>
+  </p:transition>
+  <p:timing>
+    <p:tnLst>
+      <p:par>
+        <p:cTn id="1" dur="indefinite" restart="never" nodeType="tmRoot"/>
+      </p:par>
+    </p:tnLst>
+  </p:timing>
+</p:sld>
+</file>
+
+<file path=ppt/slides/slide17.xml><?xml version="1.0" encoding="utf-8"?>
+<p:sld xmlns:a="http://schemas.openxmlformats.org/drawingml/2006/main" xmlns:r="http://schemas.openxmlformats.org/officeDocument/2006/relationships" xmlns:p="http://schemas.openxmlformats.org/presentationml/2006/main" showMasterSp="0">
+  <p:cSld>
+    <p:bg>
+      <p:bgPr>
+        <a:solidFill>
+          <a:schemeClr val="bg1"/>
+        </a:solidFill>
+        <a:effectLst/>
+      </p:bgPr>
+    </p:bg>
+    <p:spTree>
+      <p:nvGrpSpPr>
+        <p:cNvPr id="1" name=""/>
+        <p:cNvGrpSpPr/>
+        <p:nvPr/>
+      </p:nvGrpSpPr>
+      <p:grpSpPr>
+        <a:xfrm>
+          <a:off x="0" y="0"/>
+          <a:ext cx="0" cy="0"/>
+          <a:chOff x="0" y="0"/>
+          <a:chExt cx="0" cy="0"/>
+        </a:xfrm>
+      </p:grpSpPr>
+      <p:pic>
+        <p:nvPicPr>
+          <p:cNvPr id="3074" name="Picture 2" descr="E:\Docum\PROJETS ETI MATLAB SOLID\PIMS_Projet\PIMS\CR\images\freq=f(z).png"/>
+          <p:cNvPicPr>
+            <a:picLocks noChangeAspect="1" noChangeArrowheads="1"/>
+          </p:cNvPicPr>
+          <p:nvPr/>
+        </p:nvPicPr>
+        <p:blipFill rotWithShape="1">
+          <a:blip r:embed="rId2">
+            <a:extLst>
+              <a:ext uri="{BEBA8EAE-BF5A-486C-A8C5-ECC9F3942E4B}">
+                <a14:imgProps xmlns:a14="http://schemas.microsoft.com/office/drawing/2010/main">
+                  <a14:imgLayer r:embed="rId3">
+                    <a14:imgEffect>
+                      <a14:backgroundRemoval t="12378" b="88318" l="16164" r="83889">
+                        <a14:backgroundMark x1="28843" y1="31490" x2="28843" y2="31490"/>
+                        <a14:backgroundMark x1="27013" y1="23963" x2="27013" y2="23963"/>
+                        <a14:backgroundMark x1="61786" y1="72350" x2="61786" y2="72350"/>
+                        <a14:backgroundMark x1="15007" y1="63594" x2="15007" y2="63594"/>
+                        <a14:backgroundMark x1="8492" y1="66513" x2="8492" y2="66513"/>
+                        <a14:backgroundMark x1="14568" y1="42857" x2="14568" y2="42857"/>
+                        <a14:backgroundMark x1="9004" y1="29800" x2="9004" y2="29800"/>
+                        <a14:backgroundMark x1="25037" y1="10138" x2="25037" y2="10138"/>
+                      </a14:backgroundRemoval>
+                    </a14:imgEffect>
+                  </a14:imgLayer>
+                </a14:imgProps>
+              </a:ext>
+              <a:ext uri="{28A0092B-C50C-407E-A947-70E740481C1C}">
+                <a14:useLocalDpi xmlns:a14="http://schemas.microsoft.com/office/drawing/2010/main" val="0"/>
+              </a:ext>
+            </a:extLst>
+          </a:blip>
+          <a:srcRect l="7698" t="2886" r="7645" b="2189"/>
+          <a:stretch/>
+        </p:blipFill>
+        <p:spPr bwMode="auto">
+          <a:xfrm>
+            <a:off x="0" y="1057275"/>
+            <a:ext cx="12192000" cy="4886326"/>
+          </a:xfrm>
+          <a:prstGeom prst="rect">
+            <a:avLst/>
+          </a:prstGeom>
+          <a:noFill/>
+          <a:extLst>
+            <a:ext uri="{909E8E84-426E-40DD-AFC4-6F175D3DCCD1}">
+              <a14:hiddenFill xmlns:a14="http://schemas.microsoft.com/office/drawing/2010/main">
+                <a:solidFill>
+                  <a:srgbClr val="FFFFFF"/>
+                </a:solidFill>
+              </a14:hiddenFill>
+            </a:ext>
+          </a:extLst>
+        </p:spPr>
+      </p:pic>
+      <p:sp>
+        <p:nvSpPr>
+          <p:cNvPr id="4" name="ZoneTexte 3"/>
+          <p:cNvSpPr txBox="1"/>
+          <p:nvPr/>
+        </p:nvSpPr>
+        <p:spPr>
+          <a:xfrm>
+            <a:off x="4367808" y="116632"/>
+            <a:ext cx="4608512" cy="369332"/>
+          </a:xfrm>
+          <a:prstGeom prst="rect">
+            <a:avLst/>
+          </a:prstGeom>
+          <a:solidFill>
+            <a:schemeClr val="bg1"/>
+          </a:solidFill>
+        </p:spPr>
+        <p:txBody>
+          <a:bodyPr wrap="square" rtlCol="0">
+            <a:spAutoFit/>
+          </a:bodyPr>
+          <a:lstStyle/>
+          <a:p>
+            <a:r>
+              <a:rPr lang="fr-FR" dirty="0" smtClean="0"/>
+              <a:t>Position de </a:t>
+            </a:r>
+            <a:r>
+              <a:rPr lang="fr-FR" dirty="0" err="1" smtClean="0"/>
+              <a:t>fmax</a:t>
+            </a:r>
+            <a:r>
+              <a:rPr lang="fr-FR" dirty="0" smtClean="0"/>
+              <a:t> en fonction de z</a:t>
+            </a:r>
+            <a:endParaRPr lang="fr-FR" dirty="0"/>
+          </a:p>
+        </p:txBody>
+      </p:sp>
+      <p:pic>
+        <p:nvPicPr>
+          <p:cNvPr id="1026" name="Picture 2" descr="E:\Docum\PROJETS ETI MATLAB SOLID\PIMS_Projet\PIMS\CR\images\freq=f(z).png"/>
+          <p:cNvPicPr>
+            <a:picLocks noChangeAspect="1" noChangeArrowheads="1"/>
+          </p:cNvPicPr>
+          <p:nvPr/>
+        </p:nvPicPr>
+        <p:blipFill rotWithShape="1">
+          <a:blip r:embed="rId4">
+            <a:extLst>
+              <a:ext uri="{28A0092B-C50C-407E-A947-70E740481C1C}">
+                <a14:useLocalDpi xmlns:a14="http://schemas.microsoft.com/office/drawing/2010/main" val="0"/>
+              </a:ext>
+            </a:extLst>
+          </a:blip>
+          <a:srcRect l="9864" t="6932" r="7698" b="6330"/>
+          <a:stretch/>
+        </p:blipFill>
+        <p:spPr bwMode="auto">
+          <a:xfrm>
+            <a:off x="395917" y="565150"/>
+            <a:ext cx="11796083" cy="6108184"/>
+          </a:xfrm>
+          <a:prstGeom prst="rect">
+            <a:avLst/>
+          </a:prstGeom>
+          <a:noFill/>
+          <a:extLst>
+            <a:ext uri="{909E8E84-426E-40DD-AFC4-6F175D3DCCD1}">
+              <a14:hiddenFill xmlns:a14="http://schemas.microsoft.com/office/drawing/2010/main">
+                <a:solidFill>
+                  <a:srgbClr val="FFFFFF"/>
+                </a:solidFill>
+              </a14:hiddenFill>
+            </a:ext>
+          </a:extLst>
+        </p:spPr>
+      </p:pic>
+      <p:sp>
+        <p:nvSpPr>
+          <p:cNvPr id="5" name="ZoneTexte 4"/>
+          <p:cNvSpPr txBox="1"/>
+          <p:nvPr/>
+        </p:nvSpPr>
+        <p:spPr>
+          <a:xfrm>
+            <a:off x="-48682" y="1628800"/>
+            <a:ext cx="461665" cy="2808312"/>
+          </a:xfrm>
+          <a:prstGeom prst="rect">
+            <a:avLst/>
+          </a:prstGeom>
+          <a:solidFill>
+            <a:schemeClr val="bg1"/>
+          </a:solidFill>
+        </p:spPr>
+        <p:txBody>
+          <a:bodyPr vert="vert270" wrap="square" rtlCol="0">
+            <a:spAutoFit/>
+          </a:bodyPr>
+          <a:lstStyle/>
+          <a:p>
+            <a:r>
+              <a:rPr lang="fr-FR" dirty="0" err="1" smtClean="0"/>
+              <a:t>Freq</a:t>
+            </a:r>
+            <a:r>
+              <a:rPr lang="fr-FR" dirty="0" smtClean="0"/>
+              <a:t> </a:t>
+            </a:r>
+            <a:r>
+              <a:rPr lang="fr-FR" dirty="0"/>
+              <a:t>m</a:t>
+            </a:r>
+            <a:r>
+              <a:rPr lang="fr-FR" dirty="0" smtClean="0"/>
+              <a:t>ax (1/µm)</a:t>
+            </a:r>
+            <a:endParaRPr lang="fr-FR" dirty="0"/>
+          </a:p>
+        </p:txBody>
+      </p:sp>
+      <p:sp>
+        <p:nvSpPr>
+          <p:cNvPr id="6" name="ZoneTexte 5"/>
+          <p:cNvSpPr txBox="1"/>
+          <p:nvPr/>
+        </p:nvSpPr>
+        <p:spPr>
+          <a:xfrm>
+            <a:off x="5000368" y="6488668"/>
+            <a:ext cx="2015295" cy="369332"/>
+          </a:xfrm>
+          <a:prstGeom prst="rect">
+            <a:avLst/>
+          </a:prstGeom>
+          <a:solidFill>
+            <a:schemeClr val="bg1"/>
+          </a:solidFill>
+        </p:spPr>
+        <p:txBody>
+          <a:bodyPr wrap="none" rtlCol="0">
+            <a:spAutoFit/>
+          </a:bodyPr>
+          <a:lstStyle/>
+          <a:p>
+            <a:r>
+              <a:rPr lang="fr-FR" dirty="0" smtClean="0"/>
+              <a:t>Profondeur (nm)</a:t>
+            </a:r>
+            <a:endParaRPr lang="fr-FR" dirty="0"/>
+          </a:p>
+        </p:txBody>
+      </p:sp>
+      <p:sp>
+        <p:nvSpPr>
+          <p:cNvPr id="3" name="ZoneTexte 2"/>
+          <p:cNvSpPr txBox="1"/>
+          <p:nvPr/>
+        </p:nvSpPr>
+        <p:spPr>
+          <a:xfrm>
+            <a:off x="395917" y="161538"/>
+            <a:ext cx="1829347" cy="400110"/>
+          </a:xfrm>
+          <a:prstGeom prst="rect">
+            <a:avLst/>
+          </a:prstGeom>
+          <a:noFill/>
+        </p:spPr>
+        <p:txBody>
+          <a:bodyPr wrap="none" rtlCol="0">
+            <a:spAutoFit/>
+          </a:bodyPr>
+          <a:lstStyle/>
+          <a:p>
+            <a:r>
+              <a:rPr lang="fr-FR" sz="2000" b="1" u="sng" dirty="0" smtClean="0"/>
+              <a:t>CALIBRATION</a:t>
+            </a:r>
+            <a:endParaRPr lang="fr-FR" sz="2000" b="1" u="sng" dirty="0"/>
+          </a:p>
+        </p:txBody>
+      </p:sp>
+    </p:spTree>
+    <p:extLst>
+      <p:ext uri="{BB962C8B-B14F-4D97-AF65-F5344CB8AC3E}">
+        <p14:creationId xmlns:p14="http://schemas.microsoft.com/office/powerpoint/2010/main" val="2419334263"/>
+      </p:ext>
+    </p:extLst>
+  </p:cSld>
+  <p:clrMapOvr>
+    <a:masterClrMapping/>
+  </p:clrMapOvr>
+  <p:transition spd="slow">
+    <p:fade/>
+  </p:transition>
+  <p:timing>
+    <p:tnLst>
+      <p:par>
+        <p:cTn id="1" dur="indefinite" restart="never" nodeType="tmRoot"/>
+      </p:par>
+    </p:tnLst>
+  </p:timing>
+</p:sld>
+</file>
+
+<file path=ppt/slides/slide18.xml><?xml version="1.0" encoding="utf-8"?>
+<p:sld xmlns:a="http://schemas.openxmlformats.org/drawingml/2006/main" xmlns:r="http://schemas.openxmlformats.org/officeDocument/2006/relationships" xmlns:p="http://schemas.openxmlformats.org/presentationml/2006/main" showMasterSp="0">
+  <p:cSld>
+    <p:bg>
+      <p:bgPr>
+        <a:solidFill>
+          <a:schemeClr val="bg1"/>
+        </a:solidFill>
+        <a:effectLst/>
+      </p:bgPr>
+    </p:bg>
+    <p:spTree>
+      <p:nvGrpSpPr>
+        <p:cNvPr id="1" name=""/>
+        <p:cNvGrpSpPr/>
+        <p:nvPr/>
+      </p:nvGrpSpPr>
+      <p:grpSpPr>
+        <a:xfrm>
+          <a:off x="0" y="0"/>
+          <a:ext cx="0" cy="0"/>
+          <a:chOff x="0" y="0"/>
+          <a:chExt cx="0" cy="0"/>
+        </a:xfrm>
+      </p:grpSpPr>
+      <p:pic>
+        <p:nvPicPr>
+          <p:cNvPr id="6148" name="Picture 4" descr="E:\Docum\PROJETS ETI MATLAB SOLID\PIMS_Projet\PIMS\CR\images\Airy=f(z).png"/>
+          <p:cNvPicPr>
+            <a:picLocks noChangeAspect="1" noChangeArrowheads="1"/>
+          </p:cNvPicPr>
+          <p:nvPr/>
+        </p:nvPicPr>
+        <p:blipFill rotWithShape="1">
+          <a:blip r:embed="rId2">
+            <a:extLst>
+              <a:ext uri="{28A0092B-C50C-407E-A947-70E740481C1C}">
+                <a14:useLocalDpi xmlns:a14="http://schemas.microsoft.com/office/drawing/2010/main" val="0"/>
+              </a:ext>
+            </a:extLst>
+          </a:blip>
+          <a:srcRect l="8565" r="7555"/>
+          <a:stretch/>
+        </p:blipFill>
+        <p:spPr bwMode="auto">
+          <a:xfrm>
+            <a:off x="129618" y="404664"/>
+            <a:ext cx="11919044" cy="6200775"/>
+          </a:xfrm>
+          <a:prstGeom prst="rect">
+            <a:avLst/>
+          </a:prstGeom>
+          <a:noFill/>
+          <a:extLst>
+            <a:ext uri="{909E8E84-426E-40DD-AFC4-6F175D3DCCD1}">
+              <a14:hiddenFill xmlns:a14="http://schemas.microsoft.com/office/drawing/2010/main">
+                <a:solidFill>
+                  <a:srgbClr val="FFFFFF"/>
+                </a:solidFill>
+              </a14:hiddenFill>
+            </a:ext>
+          </a:extLst>
+        </p:spPr>
+      </p:pic>
+      <p:sp>
+        <p:nvSpPr>
+          <p:cNvPr id="7" name="ZoneTexte 6"/>
+          <p:cNvSpPr txBox="1"/>
+          <p:nvPr/>
+        </p:nvSpPr>
+        <p:spPr>
+          <a:xfrm>
+            <a:off x="2831637" y="375048"/>
+            <a:ext cx="6191118" cy="461665"/>
+          </a:xfrm>
+          <a:prstGeom prst="rect">
+            <a:avLst/>
+          </a:prstGeom>
+          <a:solidFill>
+            <a:schemeClr val="bg1"/>
+          </a:solidFill>
+        </p:spPr>
+        <p:txBody>
+          <a:bodyPr wrap="none" rtlCol="0">
+            <a:spAutoFit/>
+          </a:bodyPr>
+          <a:lstStyle/>
+          <a:p>
+            <a:r>
+              <a:rPr lang="fr-FR" sz="2400" dirty="0" smtClean="0"/>
+              <a:t>Taille de la tache </a:t>
+            </a:r>
+            <a:r>
+              <a:rPr lang="fr-FR" sz="2400" dirty="0" err="1" smtClean="0"/>
+              <a:t>d’airy</a:t>
+            </a:r>
+            <a:r>
+              <a:rPr lang="fr-FR" sz="2400" dirty="0" smtClean="0"/>
+              <a:t> en fonction de z</a:t>
+            </a:r>
+            <a:endParaRPr lang="fr-FR" sz="2400" dirty="0"/>
+          </a:p>
+        </p:txBody>
+      </p:sp>
+      <p:sp>
+        <p:nvSpPr>
+          <p:cNvPr id="4" name="ZoneTexte 3"/>
+          <p:cNvSpPr txBox="1"/>
+          <p:nvPr/>
+        </p:nvSpPr>
+        <p:spPr>
+          <a:xfrm>
+            <a:off x="129618" y="47522"/>
+            <a:ext cx="6843540" cy="369332"/>
+          </a:xfrm>
+          <a:prstGeom prst="rect">
+            <a:avLst/>
+          </a:prstGeom>
+          <a:noFill/>
+        </p:spPr>
+        <p:txBody>
+          <a:bodyPr wrap="none" rtlCol="0">
+            <a:spAutoFit/>
+          </a:bodyPr>
+          <a:lstStyle/>
+          <a:p>
+            <a:r>
+              <a:rPr lang="fr-FR" dirty="0" smtClean="0"/>
+              <a:t>On utilise cette courbe pour produire créer </a:t>
+            </a:r>
+            <a:r>
+              <a:rPr lang="fr-FR" dirty="0" err="1" smtClean="0"/>
+              <a:t>fmax</a:t>
+            </a:r>
+            <a:r>
+              <a:rPr lang="fr-FR" dirty="0" smtClean="0"/>
+              <a:t> = f (sigma)</a:t>
+            </a:r>
+            <a:endParaRPr lang="fr-FR" dirty="0"/>
+          </a:p>
+        </p:txBody>
+      </p:sp>
+      <p:sp>
+        <p:nvSpPr>
+          <p:cNvPr id="12" name="ZoneTexte 11"/>
+          <p:cNvSpPr txBox="1"/>
+          <p:nvPr/>
+        </p:nvSpPr>
+        <p:spPr>
+          <a:xfrm>
+            <a:off x="9600072" y="161538"/>
+            <a:ext cx="1829347" cy="400110"/>
+          </a:xfrm>
+          <a:prstGeom prst="rect">
+            <a:avLst/>
+          </a:prstGeom>
+          <a:noFill/>
+        </p:spPr>
+        <p:txBody>
+          <a:bodyPr wrap="none" rtlCol="0">
+            <a:spAutoFit/>
+          </a:bodyPr>
+          <a:lstStyle/>
+          <a:p>
+            <a:r>
+              <a:rPr lang="fr-FR" sz="2000" b="1" u="sng" dirty="0" smtClean="0"/>
+              <a:t>CALIBRATION</a:t>
+            </a:r>
+            <a:endParaRPr lang="fr-FR" sz="2000" b="1" u="sng" dirty="0"/>
+          </a:p>
+        </p:txBody>
+      </p:sp>
+    </p:spTree>
+    <p:extLst>
+      <p:ext uri="{BB962C8B-B14F-4D97-AF65-F5344CB8AC3E}">
+        <p14:creationId xmlns:p14="http://schemas.microsoft.com/office/powerpoint/2010/main" val="3901478998"/>
+      </p:ext>
+    </p:extLst>
+  </p:cSld>
+  <p:clrMapOvr>
+    <a:masterClrMapping/>
+  </p:clrMapOvr>
+  <p:transition spd="slow">
+    <p:fade/>
+  </p:transition>
+  <p:timing>
+    <p:tnLst>
+      <p:par>
+        <p:cTn id="1" dur="indefinite" restart="never" nodeType="tmRoot"/>
+      </p:par>
+    </p:tnLst>
+  </p:timing>
+</p:sld>
+</file>
+
+<file path=ppt/slides/slide19.xml><?xml version="1.0" encoding="utf-8"?>
+<p:sld xmlns:a="http://schemas.openxmlformats.org/drawingml/2006/main" xmlns:r="http://schemas.openxmlformats.org/officeDocument/2006/relationships" xmlns:p="http://schemas.openxmlformats.org/presentationml/2006/main" showMasterSp="0">
+  <p:cSld>
+    <p:bg>
+      <p:bgPr>
+        <a:solidFill>
+          <a:schemeClr val="bg1"/>
+        </a:solidFill>
+        <a:effectLst/>
+      </p:bgPr>
+    </p:bg>
+    <p:spTree>
+      <p:nvGrpSpPr>
+        <p:cNvPr id="1" name=""/>
+        <p:cNvGrpSpPr/>
+        <p:nvPr/>
+      </p:nvGrpSpPr>
+      <p:grpSpPr>
+        <a:xfrm>
+          <a:off x="0" y="0"/>
+          <a:ext cx="0" cy="0"/>
+          <a:chOff x="0" y="0"/>
+          <a:chExt cx="0" cy="0"/>
+        </a:xfrm>
+      </p:grpSpPr>
+      <p:pic>
+        <p:nvPicPr>
+          <p:cNvPr id="2050" name="Picture 2" descr="E:\Docum\PROJETS ETI MATLAB SOLID\PIMS_Projet\PIMS\CR\images\freq=f(sigma).png"/>
+          <p:cNvPicPr>
+            <a:picLocks noChangeAspect="1" noChangeArrowheads="1"/>
+          </p:cNvPicPr>
+          <p:nvPr/>
+        </p:nvPicPr>
+        <p:blipFill rotWithShape="1">
+          <a:blip r:embed="rId2">
+            <a:extLst>
+              <a:ext uri="{28A0092B-C50C-407E-A947-70E740481C1C}">
+                <a14:useLocalDpi xmlns:a14="http://schemas.microsoft.com/office/drawing/2010/main" val="0"/>
+              </a:ext>
+            </a:extLst>
+          </a:blip>
+          <a:srcRect l="9909" t="7023" r="8894" b="6913"/>
+          <a:stretch/>
+        </p:blipFill>
+        <p:spPr bwMode="auto">
+          <a:xfrm>
+            <a:off x="431371" y="714762"/>
+            <a:ext cx="13332948" cy="5810582"/>
+          </a:xfrm>
+          <a:prstGeom prst="rect">
+            <a:avLst/>
+          </a:prstGeom>
+          <a:noFill/>
+          <a:extLst>
+            <a:ext uri="{909E8E84-426E-40DD-AFC4-6F175D3DCCD1}">
+              <a14:hiddenFill xmlns:a14="http://schemas.microsoft.com/office/drawing/2010/main">
+                <a:solidFill>
+                  <a:srgbClr val="FFFFFF"/>
+                </a:solidFill>
+              </a14:hiddenFill>
+            </a:ext>
+          </a:extLst>
+        </p:spPr>
+      </p:pic>
+      <p:sp>
+        <p:nvSpPr>
+          <p:cNvPr id="4" name="ZoneTexte 3"/>
+          <p:cNvSpPr txBox="1"/>
+          <p:nvPr/>
+        </p:nvSpPr>
+        <p:spPr>
+          <a:xfrm>
+            <a:off x="5264725" y="6503278"/>
+            <a:ext cx="1459054" cy="369332"/>
+          </a:xfrm>
+          <a:prstGeom prst="rect">
+            <a:avLst/>
+          </a:prstGeom>
+          <a:solidFill>
+            <a:schemeClr val="bg1"/>
+          </a:solidFill>
+        </p:spPr>
+        <p:txBody>
+          <a:bodyPr wrap="none" rtlCol="0">
+            <a:spAutoFit/>
+          </a:bodyPr>
+          <a:lstStyle/>
+          <a:p>
+            <a:r>
+              <a:rPr lang="fr-FR" dirty="0" smtClean="0"/>
+              <a:t>Sigma (µm)</a:t>
+            </a:r>
+            <a:endParaRPr lang="fr-FR" dirty="0"/>
+          </a:p>
+        </p:txBody>
+      </p:sp>
+      <p:sp>
+        <p:nvSpPr>
+          <p:cNvPr id="5" name="ZoneTexte 4"/>
+          <p:cNvSpPr txBox="1"/>
+          <p:nvPr/>
+        </p:nvSpPr>
+        <p:spPr>
+          <a:xfrm>
+            <a:off x="744677" y="6318612"/>
+            <a:ext cx="312906" cy="369332"/>
+          </a:xfrm>
+          <a:prstGeom prst="rect">
+            <a:avLst/>
+          </a:prstGeom>
+          <a:solidFill>
+            <a:schemeClr val="bg1"/>
+          </a:solidFill>
+        </p:spPr>
+        <p:txBody>
+          <a:bodyPr wrap="none" rtlCol="0">
+            <a:spAutoFit/>
+          </a:bodyPr>
+          <a:lstStyle/>
+          <a:p>
+            <a:r>
+              <a:rPr lang="fr-FR" dirty="0" smtClean="0"/>
+              <a:t>1</a:t>
+            </a:r>
+            <a:endParaRPr lang="fr-FR" dirty="0"/>
+          </a:p>
+        </p:txBody>
+      </p:sp>
+      <p:sp>
+        <p:nvSpPr>
+          <p:cNvPr id="7" name="ZoneTexte 6"/>
+          <p:cNvSpPr txBox="1"/>
+          <p:nvPr/>
+        </p:nvSpPr>
+        <p:spPr>
+          <a:xfrm>
+            <a:off x="2558221" y="6318612"/>
+            <a:ext cx="505267" cy="369332"/>
+          </a:xfrm>
+          <a:prstGeom prst="rect">
+            <a:avLst/>
+          </a:prstGeom>
+          <a:solidFill>
+            <a:schemeClr val="bg1"/>
+          </a:solidFill>
+        </p:spPr>
+        <p:txBody>
+          <a:bodyPr wrap="none" rtlCol="0">
+            <a:spAutoFit/>
+          </a:bodyPr>
+          <a:lstStyle/>
+          <a:p>
+            <a:r>
+              <a:rPr lang="fr-FR" dirty="0" smtClean="0"/>
+              <a:t>1,5</a:t>
+            </a:r>
+            <a:endParaRPr lang="fr-FR" dirty="0"/>
+          </a:p>
+        </p:txBody>
+      </p:sp>
+      <p:sp>
+        <p:nvSpPr>
+          <p:cNvPr id="8" name="ZoneTexte 7"/>
+          <p:cNvSpPr txBox="1"/>
+          <p:nvPr/>
+        </p:nvSpPr>
+        <p:spPr>
+          <a:xfrm>
+            <a:off x="4862477" y="6318612"/>
+            <a:ext cx="312906" cy="369332"/>
+          </a:xfrm>
+          <a:prstGeom prst="rect">
+            <a:avLst/>
+          </a:prstGeom>
+          <a:solidFill>
+            <a:schemeClr val="bg1"/>
+          </a:solidFill>
+        </p:spPr>
+        <p:txBody>
+          <a:bodyPr wrap="none" rtlCol="0">
+            <a:spAutoFit/>
+          </a:bodyPr>
+          <a:lstStyle/>
+          <a:p>
+            <a:r>
+              <a:rPr lang="fr-FR" dirty="0"/>
+              <a:t>2</a:t>
+            </a:r>
+          </a:p>
+        </p:txBody>
+      </p:sp>
+      <p:sp>
+        <p:nvSpPr>
+          <p:cNvPr id="6" name="ZoneTexte 5"/>
+          <p:cNvSpPr txBox="1"/>
+          <p:nvPr/>
+        </p:nvSpPr>
+        <p:spPr>
+          <a:xfrm>
+            <a:off x="6974712" y="6318612"/>
+            <a:ext cx="505267" cy="369332"/>
+          </a:xfrm>
+          <a:prstGeom prst="rect">
+            <a:avLst/>
+          </a:prstGeom>
+          <a:solidFill>
+            <a:schemeClr val="bg1"/>
+          </a:solidFill>
+        </p:spPr>
+        <p:txBody>
+          <a:bodyPr wrap="none" rtlCol="0">
+            <a:spAutoFit/>
+          </a:bodyPr>
+          <a:lstStyle/>
+          <a:p>
+            <a:r>
+              <a:rPr lang="fr-FR" dirty="0" smtClean="0"/>
+              <a:t>2,5</a:t>
+            </a:r>
+            <a:endParaRPr lang="fr-FR" dirty="0"/>
+          </a:p>
+        </p:txBody>
+      </p:sp>
+      <p:sp>
+        <p:nvSpPr>
+          <p:cNvPr id="10" name="ZoneTexte 9"/>
+          <p:cNvSpPr txBox="1"/>
+          <p:nvPr/>
+        </p:nvSpPr>
+        <p:spPr>
+          <a:xfrm>
+            <a:off x="9164752" y="6318612"/>
+            <a:ext cx="312906" cy="369332"/>
+          </a:xfrm>
+          <a:prstGeom prst="rect">
+            <a:avLst/>
+          </a:prstGeom>
+          <a:solidFill>
+            <a:schemeClr val="bg1"/>
+          </a:solidFill>
+        </p:spPr>
+        <p:txBody>
+          <a:bodyPr wrap="none" rtlCol="0">
+            <a:spAutoFit/>
+          </a:bodyPr>
+          <a:lstStyle/>
+          <a:p>
+            <a:r>
+              <a:rPr lang="fr-FR" dirty="0" smtClean="0"/>
+              <a:t>3</a:t>
+            </a:r>
+            <a:endParaRPr lang="fr-FR" dirty="0"/>
+          </a:p>
+        </p:txBody>
+      </p:sp>
+      <p:sp>
+        <p:nvSpPr>
+          <p:cNvPr id="9" name="ZoneTexte 8"/>
+          <p:cNvSpPr txBox="1"/>
+          <p:nvPr/>
+        </p:nvSpPr>
+        <p:spPr>
+          <a:xfrm>
+            <a:off x="11140029" y="6318612"/>
+            <a:ext cx="505267" cy="369332"/>
+          </a:xfrm>
+          <a:prstGeom prst="rect">
+            <a:avLst/>
+          </a:prstGeom>
+          <a:solidFill>
+            <a:schemeClr val="bg1"/>
+          </a:solidFill>
+        </p:spPr>
+        <p:txBody>
+          <a:bodyPr wrap="none" rtlCol="0">
+            <a:spAutoFit/>
+          </a:bodyPr>
+          <a:lstStyle/>
+          <a:p>
+            <a:r>
+              <a:rPr lang="fr-FR" dirty="0" smtClean="0"/>
+              <a:t>3,5</a:t>
+            </a:r>
+            <a:endParaRPr lang="fr-FR" dirty="0"/>
+          </a:p>
+        </p:txBody>
+      </p:sp>
+      <p:sp>
+        <p:nvSpPr>
+          <p:cNvPr id="11" name="ZoneTexte 10"/>
+          <p:cNvSpPr txBox="1"/>
+          <p:nvPr/>
+        </p:nvSpPr>
+        <p:spPr>
+          <a:xfrm>
+            <a:off x="3093861" y="231032"/>
+            <a:ext cx="5808000" cy="461665"/>
+          </a:xfrm>
+          <a:prstGeom prst="rect">
+            <a:avLst/>
+          </a:prstGeom>
+          <a:solidFill>
+            <a:schemeClr val="bg1"/>
+          </a:solidFill>
+        </p:spPr>
+        <p:txBody>
+          <a:bodyPr wrap="none" rtlCol="0">
+            <a:spAutoFit/>
+          </a:bodyPr>
+          <a:lstStyle/>
+          <a:p>
+            <a:r>
+              <a:rPr lang="fr-FR" sz="2400" dirty="0" smtClean="0"/>
+              <a:t>Fréquence max en fonction de sigma</a:t>
+            </a:r>
+            <a:endParaRPr lang="fr-FR" sz="2400" dirty="0"/>
+          </a:p>
+        </p:txBody>
+      </p:sp>
+      <p:sp>
+        <p:nvSpPr>
+          <p:cNvPr id="13" name="ZoneTexte 12"/>
+          <p:cNvSpPr txBox="1"/>
+          <p:nvPr/>
+        </p:nvSpPr>
+        <p:spPr>
+          <a:xfrm>
+            <a:off x="-144693" y="1628800"/>
+            <a:ext cx="461665" cy="2808312"/>
+          </a:xfrm>
+          <a:prstGeom prst="rect">
+            <a:avLst/>
+          </a:prstGeom>
+          <a:solidFill>
+            <a:schemeClr val="bg1"/>
+          </a:solidFill>
+        </p:spPr>
+        <p:txBody>
+          <a:bodyPr vert="vert270" wrap="square" rtlCol="0">
+            <a:spAutoFit/>
+          </a:bodyPr>
+          <a:lstStyle/>
+          <a:p>
+            <a:r>
+              <a:rPr lang="fr-FR" dirty="0" err="1" smtClean="0"/>
+              <a:t>Freq</a:t>
+            </a:r>
+            <a:r>
+              <a:rPr lang="fr-FR" dirty="0" smtClean="0"/>
+              <a:t> </a:t>
+            </a:r>
+            <a:r>
+              <a:rPr lang="fr-FR" dirty="0"/>
+              <a:t>m</a:t>
+            </a:r>
+            <a:r>
+              <a:rPr lang="fr-FR" dirty="0" smtClean="0"/>
+              <a:t>ax (1/µm)</a:t>
+            </a:r>
+            <a:endParaRPr lang="fr-FR" dirty="0"/>
+          </a:p>
+        </p:txBody>
+      </p:sp>
+      <p:sp>
+        <p:nvSpPr>
+          <p:cNvPr id="14" name="ZoneTexte 13"/>
+          <p:cNvSpPr txBox="1"/>
+          <p:nvPr/>
+        </p:nvSpPr>
+        <p:spPr>
+          <a:xfrm>
+            <a:off x="395917" y="161538"/>
+            <a:ext cx="1829347" cy="400110"/>
+          </a:xfrm>
+          <a:prstGeom prst="rect">
+            <a:avLst/>
+          </a:prstGeom>
+          <a:noFill/>
+        </p:spPr>
+        <p:txBody>
+          <a:bodyPr wrap="none" rtlCol="0">
+            <a:spAutoFit/>
+          </a:bodyPr>
+          <a:lstStyle/>
+          <a:p>
+            <a:r>
+              <a:rPr lang="fr-FR" sz="2000" b="1" u="sng" dirty="0" smtClean="0"/>
+              <a:t>CALIBRATION</a:t>
+            </a:r>
+            <a:endParaRPr lang="fr-FR" sz="2000" b="1" u="sng" dirty="0"/>
+          </a:p>
+        </p:txBody>
+      </p:sp>
+    </p:spTree>
+    <p:extLst>
+      <p:ext uri="{BB962C8B-B14F-4D97-AF65-F5344CB8AC3E}">
+        <p14:creationId xmlns:p14="http://schemas.microsoft.com/office/powerpoint/2010/main" val="967999101"/>
+      </p:ext>
+    </p:extLst>
+  </p:cSld>
+  <p:clrMapOvr>
+    <a:masterClrMapping/>
+  </p:clrMapOvr>
+  <p:transition spd="slow">
+    <p:fade/>
+  </p:transition>
+  <p:timing>
+    <p:tnLst>
+      <p:par>
+        <p:cTn id="1" dur="indefinite" restart="never" nodeType="tmRoot"/>
+      </p:par>
+    </p:tnLst>
+  </p:timing>
+</p:sld>
+</file>
+
+<file path=ppt/slides/slide2.xml><?xml version="1.0" encoding="utf-8"?>
+<p:sld xmlns:a="http://schemas.openxmlformats.org/drawingml/2006/main" xmlns:r="http://schemas.openxmlformats.org/officeDocument/2006/relationships" xmlns:p="http://schemas.openxmlformats.org/presentationml/2006/main" showMasterSp="0">
+  <p:cSld>
+    <p:spTree>
+      <p:nvGrpSpPr>
+        <p:cNvPr id="1" name=""/>
+        <p:cNvGrpSpPr/>
+        <p:nvPr/>
+      </p:nvGrpSpPr>
+      <p:grpSpPr>
+        <a:xfrm>
+          <a:off x="0" y="0"/>
+          <a:ext cx="0" cy="0"/>
+          <a:chOff x="0" y="0"/>
+          <a:chExt cx="0" cy="0"/>
+        </a:xfrm>
+      </p:grpSpPr>
+      <p:sp>
+        <p:nvSpPr>
+          <p:cNvPr id="2" name="ZoneTexte 1"/>
+          <p:cNvSpPr txBox="1"/>
+          <p:nvPr/>
+        </p:nvSpPr>
+        <p:spPr>
+          <a:xfrm>
+            <a:off x="92747" y="709246"/>
+            <a:ext cx="3325572" cy="646331"/>
+          </a:xfrm>
+          <a:prstGeom prst="rect">
+            <a:avLst/>
+          </a:prstGeom>
+          <a:noFill/>
+        </p:spPr>
+        <p:txBody>
+          <a:bodyPr wrap="square" rtlCol="0">
+            <a:spAutoFit/>
+          </a:bodyPr>
+          <a:lstStyle/>
+          <a:p>
+            <a:r>
+              <a:rPr lang="fr-FR" sz="3600" dirty="0" smtClean="0"/>
+              <a:t>Monde 2D</a:t>
+            </a:r>
+          </a:p>
+        </p:txBody>
+      </p:sp>
+      <p:sp>
+        <p:nvSpPr>
+          <p:cNvPr id="5" name="ZoneTexte 4"/>
+          <p:cNvSpPr txBox="1"/>
+          <p:nvPr/>
+        </p:nvSpPr>
+        <p:spPr>
+          <a:xfrm>
+            <a:off x="9072331" y="740022"/>
+            <a:ext cx="2567492" cy="584775"/>
+          </a:xfrm>
+          <a:prstGeom prst="rect">
+            <a:avLst/>
+          </a:prstGeom>
+          <a:noFill/>
+        </p:spPr>
+        <p:txBody>
+          <a:bodyPr wrap="square" rtlCol="0">
+            <a:spAutoFit/>
+          </a:bodyPr>
+          <a:lstStyle/>
+          <a:p>
+            <a:r>
+              <a:rPr lang="fr-FR" sz="3200" dirty="0" smtClean="0"/>
+              <a:t>Monde 3D</a:t>
+            </a:r>
+          </a:p>
+        </p:txBody>
+      </p:sp>
+      <p:sp>
+        <p:nvSpPr>
+          <p:cNvPr id="3" name="Flèche droite 2"/>
+          <p:cNvSpPr/>
+          <p:nvPr/>
+        </p:nvSpPr>
+        <p:spPr>
+          <a:xfrm>
+            <a:off x="3599723" y="940078"/>
+            <a:ext cx="4608512" cy="184666"/>
+          </a:xfrm>
+          <a:prstGeom prst="rightArrow">
+            <a:avLst/>
+          </a:prstGeom>
+        </p:spPr>
+        <p:style>
+          <a:lnRef idx="2">
+            <a:schemeClr val="accent1">
+              <a:shade val="50000"/>
+            </a:schemeClr>
+          </a:lnRef>
+          <a:fillRef idx="1">
+            <a:schemeClr val="accent1"/>
+          </a:fillRef>
+          <a:effectRef idx="0">
+            <a:schemeClr val="accent1"/>
+          </a:effectRef>
+          <a:fontRef idx="minor">
+            <a:schemeClr val="lt1"/>
+          </a:fontRef>
+        </p:style>
+        <p:txBody>
+          <a:bodyPr rtlCol="0" anchor="ctr"/>
+          <a:lstStyle/>
+          <a:p>
+            <a:pPr algn="ctr"/>
+            <a:endParaRPr lang="fr-FR"/>
+          </a:p>
+        </p:txBody>
+      </p:sp>
+      <p:sp>
+        <p:nvSpPr>
+          <p:cNvPr id="6" name="ZoneTexte 5"/>
+          <p:cNvSpPr txBox="1"/>
+          <p:nvPr/>
+        </p:nvSpPr>
+        <p:spPr>
+          <a:xfrm>
+            <a:off x="4452208" y="312769"/>
+            <a:ext cx="2592288" cy="369332"/>
+          </a:xfrm>
+          <a:prstGeom prst="rect">
+            <a:avLst/>
+          </a:prstGeom>
+          <a:noFill/>
+        </p:spPr>
+        <p:txBody>
+          <a:bodyPr wrap="square" rtlCol="0">
+            <a:spAutoFit/>
+          </a:bodyPr>
+          <a:lstStyle/>
+          <a:p>
+            <a:r>
+              <a:rPr lang="fr-FR" dirty="0" smtClean="0"/>
+              <a:t>3</a:t>
+            </a:r>
+            <a:r>
+              <a:rPr lang="fr-FR" baseline="30000" dirty="0" smtClean="0"/>
+              <a:t>ème</a:t>
+            </a:r>
+            <a:r>
+              <a:rPr lang="fr-FR" dirty="0" smtClean="0"/>
+              <a:t> coordonnée</a:t>
+            </a:r>
+            <a:endParaRPr lang="fr-FR" dirty="0"/>
+          </a:p>
+        </p:txBody>
+      </p:sp>
+      <p:grpSp>
+        <p:nvGrpSpPr>
+          <p:cNvPr id="15" name="Groupe 14"/>
+          <p:cNvGrpSpPr/>
+          <p:nvPr/>
+        </p:nvGrpSpPr>
+        <p:grpSpPr>
+          <a:xfrm>
+            <a:off x="-48683" y="1844824"/>
+            <a:ext cx="6136117" cy="4602088"/>
+            <a:chOff x="-36512" y="1844824"/>
+            <a:chExt cx="4602088" cy="4602088"/>
+          </a:xfrm>
+        </p:grpSpPr>
+        <p:grpSp>
+          <p:nvGrpSpPr>
+            <p:cNvPr id="13" name="Groupe 12"/>
+            <p:cNvGrpSpPr/>
+            <p:nvPr/>
+          </p:nvGrpSpPr>
+          <p:grpSpPr>
+            <a:xfrm>
+              <a:off x="-36512" y="1844824"/>
+              <a:ext cx="4602088" cy="4602088"/>
+              <a:chOff x="-36512" y="1844824"/>
+              <a:chExt cx="4602088" cy="4602088"/>
+            </a:xfrm>
+          </p:grpSpPr>
+          <p:grpSp>
+            <p:nvGrpSpPr>
+              <p:cNvPr id="8" name="Groupe 7"/>
+              <p:cNvGrpSpPr/>
+              <p:nvPr/>
+            </p:nvGrpSpPr>
+            <p:grpSpPr>
+              <a:xfrm>
+                <a:off x="-36512" y="1844824"/>
+                <a:ext cx="4602088" cy="4602088"/>
+                <a:chOff x="215008" y="1844824"/>
+                <a:chExt cx="4602088" cy="4602088"/>
+              </a:xfrm>
+            </p:grpSpPr>
+            <p:pic>
+              <p:nvPicPr>
+                <p:cNvPr id="1027" name="Picture 3" descr="E:\Docum\PROJETS ETI MATLAB SOLID\ow yea.png"/>
+                <p:cNvPicPr>
+                  <a:picLocks noChangeAspect="1" noChangeArrowheads="1"/>
+                </p:cNvPicPr>
+                <p:nvPr/>
+              </p:nvPicPr>
+              <p:blipFill>
+                <a:blip r:embed="rId2">
+                  <a:extLst>
+                    <a:ext uri="{BEBA8EAE-BF5A-486C-A8C5-ECC9F3942E4B}">
+                      <a14:imgProps xmlns:a14="http://schemas.microsoft.com/office/drawing/2010/main">
+                        <a14:imgLayer r:embed="rId3">
+                          <a14:imgEffect>
+                            <a14:backgroundRemoval t="1333" b="89333" l="6000" r="98667">
+                              <a14:foregroundMark x1="80667" y1="33667" x2="80667" y2="33667"/>
+                              <a14:foregroundMark x1="84667" y1="19333" x2="84667" y2="19333"/>
+                              <a14:foregroundMark x1="72333" y1="38000" x2="72333" y2="38000"/>
+                              <a14:foregroundMark x1="43000" y1="63333" x2="43000" y2="63333"/>
+                              <a14:foregroundMark x1="32000" y1="47000" x2="32000" y2="47000"/>
+                              <a14:backgroundMark x1="34667" y1="30000" x2="34667" y2="30000"/>
+                            </a14:backgroundRemoval>
+                          </a14:imgEffect>
+                        </a14:imgLayer>
+                      </a14:imgProps>
+                    </a:ext>
+                    <a:ext uri="{28A0092B-C50C-407E-A947-70E740481C1C}">
+                      <a14:useLocalDpi xmlns:a14="http://schemas.microsoft.com/office/drawing/2010/main" val="0"/>
+                    </a:ext>
+                  </a:extLst>
+                </a:blip>
+                <a:srcRect/>
+                <a:stretch>
+                  <a:fillRect/>
+                </a:stretch>
+              </p:blipFill>
+              <p:spPr bwMode="auto">
+                <a:xfrm>
+                  <a:off x="215008" y="1844824"/>
+                  <a:ext cx="4602088" cy="4602088"/>
+                </a:xfrm>
+                <a:prstGeom prst="rect">
+                  <a:avLst/>
+                </a:prstGeom>
+                <a:noFill/>
+                <a:extLst>
+                  <a:ext uri="{909E8E84-426E-40DD-AFC4-6F175D3DCCD1}">
+                    <a14:hiddenFill xmlns:a14="http://schemas.microsoft.com/office/drawing/2010/main">
+                      <a:solidFill>
+                        <a:srgbClr val="FFFFFF"/>
+                      </a:solidFill>
+                    </a14:hiddenFill>
+                  </a:ext>
+                </a:extLst>
+              </p:spPr>
+            </p:pic>
+            <p:sp>
+              <p:nvSpPr>
+                <p:cNvPr id="7" name="ZoneTexte 6"/>
+                <p:cNvSpPr txBox="1"/>
+                <p:nvPr/>
+              </p:nvSpPr>
+              <p:spPr>
+                <a:xfrm>
+                  <a:off x="1260709" y="5229200"/>
+                  <a:ext cx="978874" cy="369332"/>
+                </a:xfrm>
+                <a:prstGeom prst="rect">
+                  <a:avLst/>
+                </a:prstGeom>
+                <a:noFill/>
+              </p:spPr>
+              <p:txBody>
+                <a:bodyPr wrap="none" rtlCol="0">
+                  <a:spAutoFit/>
+                </a:bodyPr>
+                <a:lstStyle/>
+                <a:p>
+                  <a:r>
+                    <a:rPr lang="fr-FR" dirty="0" smtClean="0"/>
+                    <a:t>Plan focal</a:t>
+                  </a:r>
+                  <a:endParaRPr lang="fr-FR" dirty="0"/>
+                </a:p>
+              </p:txBody>
+            </p:sp>
+          </p:grpSp>
+          <p:sp>
+            <p:nvSpPr>
+              <p:cNvPr id="9" name="ZoneTexte 8"/>
+              <p:cNvSpPr txBox="1"/>
+              <p:nvPr/>
+            </p:nvSpPr>
+            <p:spPr>
+              <a:xfrm>
+                <a:off x="3635896" y="4327483"/>
+                <a:ext cx="407804" cy="461665"/>
+              </a:xfrm>
+              <a:prstGeom prst="rect">
+                <a:avLst/>
+              </a:prstGeom>
+              <a:noFill/>
+            </p:spPr>
+            <p:txBody>
+              <a:bodyPr wrap="none" rtlCol="0">
+                <a:spAutoFit/>
+              </a:bodyPr>
+              <a:lstStyle/>
+              <a:p>
+                <a:r>
+                  <a:rPr lang="el-GR" sz="2400" dirty="0" smtClean="0"/>
+                  <a:t>Δ</a:t>
+                </a:r>
+                <a:r>
+                  <a:rPr lang="fr-FR" sz="2400" dirty="0" smtClean="0"/>
+                  <a:t>z</a:t>
+                </a:r>
+                <a:endParaRPr lang="fr-FR" sz="2400" dirty="0"/>
+              </a:p>
+            </p:txBody>
+          </p:sp>
+          <p:cxnSp>
+            <p:nvCxnSpPr>
+              <p:cNvPr id="11" name="Connecteur droit avec flèche 10"/>
+              <p:cNvCxnSpPr/>
+              <p:nvPr/>
+            </p:nvCxnSpPr>
+            <p:spPr>
+              <a:xfrm flipV="1">
+                <a:off x="2483768" y="4022257"/>
+                <a:ext cx="1440160" cy="979783"/>
+              </a:xfrm>
+              <a:prstGeom prst="straightConnector1">
+                <a:avLst/>
+              </a:prstGeom>
+              <a:ln>
+                <a:headEnd type="arrow"/>
+                <a:tailEnd type="arrow"/>
+              </a:ln>
+            </p:spPr>
+            <p:style>
+              <a:lnRef idx="1">
+                <a:schemeClr val="accent1"/>
+              </a:lnRef>
+              <a:fillRef idx="0">
+                <a:schemeClr val="accent1"/>
+              </a:fillRef>
+              <a:effectRef idx="0">
+                <a:schemeClr val="accent1"/>
+              </a:effectRef>
+              <a:fontRef idx="minor">
+                <a:schemeClr val="tx1"/>
+              </a:fontRef>
+            </p:style>
+          </p:cxnSp>
+        </p:grpSp>
+        <p:sp>
+          <p:nvSpPr>
+            <p:cNvPr id="12" name="ZoneTexte 11"/>
+            <p:cNvSpPr txBox="1"/>
+            <p:nvPr/>
+          </p:nvSpPr>
+          <p:spPr>
+            <a:xfrm>
+              <a:off x="2230925" y="2132856"/>
+              <a:ext cx="1735091" cy="369332"/>
+            </a:xfrm>
+            <a:prstGeom prst="rect">
+              <a:avLst/>
+            </a:prstGeom>
+            <a:noFill/>
+          </p:spPr>
+          <p:txBody>
+            <a:bodyPr wrap="none" rtlCol="0">
+              <a:spAutoFit/>
+            </a:bodyPr>
+            <a:lstStyle/>
+            <a:p>
+              <a:r>
+                <a:rPr lang="fr-FR" dirty="0" smtClean="0"/>
+                <a:t>Particule émettrice</a:t>
+              </a:r>
+              <a:endParaRPr lang="fr-FR" dirty="0"/>
+            </a:p>
+          </p:txBody>
+        </p:sp>
+      </p:grpSp>
+      <p:pic>
+        <p:nvPicPr>
+          <p:cNvPr id="1026" name="Picture 2" descr="E:\Docum\PROJETS ETI MATLAB SOLID\PIMS_Projet\img_powerpoint\#dulourd.png"/>
+          <p:cNvPicPr>
+            <a:picLocks noChangeAspect="1" noChangeArrowheads="1"/>
+          </p:cNvPicPr>
+          <p:nvPr/>
+        </p:nvPicPr>
+        <p:blipFill>
+          <a:blip r:embed="rId4">
+            <a:extLst>
+              <a:ext uri="{28A0092B-C50C-407E-A947-70E740481C1C}">
+                <a14:useLocalDpi xmlns:a14="http://schemas.microsoft.com/office/drawing/2010/main" val="0"/>
+              </a:ext>
+            </a:extLst>
+          </a:blip>
+          <a:srcRect/>
+          <a:stretch>
+            <a:fillRect/>
+          </a:stretch>
+        </p:blipFill>
+        <p:spPr bwMode="auto">
+          <a:xfrm>
+            <a:off x="5389035" y="1704144"/>
+            <a:ext cx="6250788" cy="4688091"/>
+          </a:xfrm>
+          <a:prstGeom prst="rect">
+            <a:avLst/>
+          </a:prstGeom>
+          <a:noFill/>
+          <a:extLst>
+            <a:ext uri="{909E8E84-426E-40DD-AFC4-6F175D3DCCD1}">
+              <a14:hiddenFill xmlns:a14="http://schemas.microsoft.com/office/drawing/2010/main">
+                <a:solidFill>
+                  <a:srgbClr val="FFFFFF"/>
+                </a:solidFill>
+              </a14:hiddenFill>
+            </a:ext>
+          </a:extLst>
+        </p:spPr>
+      </p:pic>
+      <p:cxnSp>
+        <p:nvCxnSpPr>
+          <p:cNvPr id="16" name="Connecteur droit avec flèche 15"/>
+          <p:cNvCxnSpPr/>
+          <p:nvPr/>
+        </p:nvCxnSpPr>
+        <p:spPr>
+          <a:xfrm flipV="1">
+            <a:off x="9072331" y="3861049"/>
+            <a:ext cx="1920213" cy="979783"/>
+          </a:xfrm>
+          <a:prstGeom prst="straightConnector1">
+            <a:avLst/>
+          </a:prstGeom>
+          <a:ln>
+            <a:headEnd type="arrow"/>
+            <a:tailEnd type="arrow"/>
+          </a:ln>
+        </p:spPr>
+        <p:style>
+          <a:lnRef idx="1">
+            <a:schemeClr val="accent1"/>
+          </a:lnRef>
+          <a:fillRef idx="0">
+            <a:schemeClr val="accent1"/>
+          </a:fillRef>
+          <a:effectRef idx="0">
+            <a:schemeClr val="accent1"/>
+          </a:effectRef>
+          <a:fontRef idx="minor">
+            <a:schemeClr val="tx1"/>
+          </a:fontRef>
+        </p:style>
+      </p:cxnSp>
+      <p:sp>
+        <p:nvSpPr>
+          <p:cNvPr id="17" name="ZoneTexte 16"/>
+          <p:cNvSpPr txBox="1"/>
+          <p:nvPr/>
+        </p:nvSpPr>
+        <p:spPr>
+          <a:xfrm>
+            <a:off x="9936427" y="4221089"/>
+            <a:ext cx="1715534" cy="461665"/>
+          </a:xfrm>
+          <a:prstGeom prst="rect">
+            <a:avLst/>
+          </a:prstGeom>
+          <a:noFill/>
+        </p:spPr>
+        <p:txBody>
+          <a:bodyPr wrap="none" rtlCol="0">
+            <a:spAutoFit/>
+          </a:bodyPr>
+          <a:lstStyle/>
+          <a:p>
+            <a:r>
+              <a:rPr lang="el-GR" sz="2400" dirty="0" smtClean="0"/>
+              <a:t>Δ</a:t>
+            </a:r>
+            <a:r>
+              <a:rPr lang="fr-FR" sz="2400" dirty="0" smtClean="0"/>
+              <a:t>z=200nm</a:t>
+            </a:r>
+            <a:endParaRPr lang="fr-FR" sz="2400" dirty="0"/>
+          </a:p>
+        </p:txBody>
+      </p:sp>
+      <p:sp>
+        <p:nvSpPr>
+          <p:cNvPr id="10" name="ZoneTexte 9"/>
+          <p:cNvSpPr txBox="1"/>
+          <p:nvPr/>
+        </p:nvSpPr>
+        <p:spPr>
+          <a:xfrm>
+            <a:off x="6976957" y="5598532"/>
+            <a:ext cx="1305165" cy="369332"/>
+          </a:xfrm>
+          <a:prstGeom prst="rect">
+            <a:avLst/>
+          </a:prstGeom>
+          <a:noFill/>
+        </p:spPr>
+        <p:txBody>
+          <a:bodyPr wrap="none" rtlCol="0">
+            <a:spAutoFit/>
+          </a:bodyPr>
+          <a:lstStyle/>
+          <a:p>
+            <a:r>
+              <a:rPr lang="fr-FR" dirty="0" smtClean="0"/>
+              <a:t>Plan focal</a:t>
+            </a:r>
+            <a:endParaRPr lang="fr-FR" dirty="0"/>
+          </a:p>
+        </p:txBody>
+      </p:sp>
+      <p:sp>
+        <p:nvSpPr>
+          <p:cNvPr id="14" name="ZoneTexte 13"/>
+          <p:cNvSpPr txBox="1"/>
+          <p:nvPr/>
+        </p:nvSpPr>
+        <p:spPr>
+          <a:xfrm>
+            <a:off x="9501103" y="1988841"/>
+            <a:ext cx="1503938" cy="461665"/>
+          </a:xfrm>
+          <a:prstGeom prst="rect">
+            <a:avLst/>
+          </a:prstGeom>
+          <a:noFill/>
+        </p:spPr>
+        <p:txBody>
+          <a:bodyPr wrap="none" rtlCol="0">
+            <a:spAutoFit/>
+          </a:bodyPr>
+          <a:lstStyle/>
+          <a:p>
+            <a:r>
+              <a:rPr lang="fr-FR" sz="2400" dirty="0" smtClean="0"/>
+              <a:t>Z=900nm</a:t>
+            </a:r>
+            <a:endParaRPr lang="fr-FR" sz="2400" dirty="0"/>
+          </a:p>
+        </p:txBody>
+      </p:sp>
+      <p:sp>
+        <p:nvSpPr>
+          <p:cNvPr id="20" name="ZoneTexte 19"/>
+          <p:cNvSpPr txBox="1"/>
+          <p:nvPr/>
+        </p:nvSpPr>
+        <p:spPr>
+          <a:xfrm>
+            <a:off x="7196847" y="5229201"/>
+            <a:ext cx="1503938" cy="461665"/>
+          </a:xfrm>
+          <a:prstGeom prst="rect">
+            <a:avLst/>
+          </a:prstGeom>
+          <a:noFill/>
+        </p:spPr>
+        <p:txBody>
+          <a:bodyPr wrap="none" rtlCol="0">
+            <a:spAutoFit/>
+          </a:bodyPr>
+          <a:lstStyle/>
+          <a:p>
+            <a:r>
+              <a:rPr lang="fr-FR" sz="2400" dirty="0" smtClean="0"/>
+              <a:t>Z=700nm</a:t>
+            </a:r>
+            <a:endParaRPr lang="fr-FR" sz="2400" dirty="0"/>
+          </a:p>
+        </p:txBody>
+      </p:sp>
+      <p:cxnSp>
+        <p:nvCxnSpPr>
+          <p:cNvPr id="19" name="Connecteur droit 18"/>
+          <p:cNvCxnSpPr/>
+          <p:nvPr/>
+        </p:nvCxnSpPr>
+        <p:spPr>
+          <a:xfrm>
+            <a:off x="2063552" y="4390200"/>
+            <a:ext cx="0" cy="262937"/>
+          </a:xfrm>
+          <a:prstGeom prst="line">
+            <a:avLst/>
+          </a:prstGeom>
+          <a:ln w="12700">
+            <a:solidFill>
+              <a:schemeClr val="tx1"/>
+            </a:solidFill>
+          </a:ln>
+        </p:spPr>
+        <p:style>
+          <a:lnRef idx="1">
+            <a:schemeClr val="accent1"/>
+          </a:lnRef>
+          <a:fillRef idx="0">
+            <a:schemeClr val="accent1"/>
+          </a:fillRef>
+          <a:effectRef idx="0">
+            <a:schemeClr val="accent1"/>
+          </a:effectRef>
+          <a:fontRef idx="minor">
+            <a:schemeClr val="tx1"/>
+          </a:fontRef>
+        </p:style>
+      </p:cxnSp>
+      <p:sp>
+        <p:nvSpPr>
+          <p:cNvPr id="22" name="ZoneTexte 21"/>
+          <p:cNvSpPr txBox="1"/>
+          <p:nvPr/>
+        </p:nvSpPr>
+        <p:spPr>
+          <a:xfrm>
+            <a:off x="1696802" y="3804263"/>
+            <a:ext cx="470000" cy="523220"/>
+          </a:xfrm>
+          <a:prstGeom prst="rect">
+            <a:avLst/>
+          </a:prstGeom>
+          <a:noFill/>
+        </p:spPr>
+        <p:txBody>
+          <a:bodyPr wrap="none" rtlCol="0">
+            <a:spAutoFit/>
+          </a:bodyPr>
+          <a:lstStyle/>
+          <a:p>
+            <a:r>
+              <a:rPr lang="fr-FR" sz="2800" dirty="0" err="1" smtClean="0"/>
+              <a:t>Zf</a:t>
+            </a:r>
+            <a:endParaRPr lang="fr-FR" sz="2800" dirty="0"/>
+          </a:p>
+        </p:txBody>
+      </p:sp>
+      <p:sp>
+        <p:nvSpPr>
+          <p:cNvPr id="23" name="ZoneTexte 22"/>
+          <p:cNvSpPr txBox="1"/>
+          <p:nvPr/>
+        </p:nvSpPr>
+        <p:spPr>
+          <a:xfrm>
+            <a:off x="3983765" y="2523928"/>
+            <a:ext cx="1476555" cy="523220"/>
+          </a:xfrm>
+          <a:prstGeom prst="rect">
+            <a:avLst/>
+          </a:prstGeom>
+          <a:noFill/>
+        </p:spPr>
+        <p:txBody>
+          <a:bodyPr wrap="square" rtlCol="0">
+            <a:spAutoFit/>
+          </a:bodyPr>
+          <a:lstStyle/>
+          <a:p>
+            <a:r>
+              <a:rPr lang="fr-FR" sz="2800" dirty="0" err="1" smtClean="0"/>
+              <a:t>Zf</a:t>
+            </a:r>
+            <a:r>
+              <a:rPr lang="fr-FR" sz="2800" dirty="0" smtClean="0"/>
+              <a:t>+</a:t>
+            </a:r>
+            <a:r>
+              <a:rPr lang="el-GR" sz="2800" dirty="0"/>
+              <a:t>Δ</a:t>
+            </a:r>
+            <a:r>
+              <a:rPr lang="fr-FR" sz="2800" dirty="0" smtClean="0"/>
+              <a:t>z</a:t>
+            </a:r>
+            <a:endParaRPr lang="fr-FR" sz="2800" dirty="0"/>
+          </a:p>
+        </p:txBody>
+      </p:sp>
+    </p:spTree>
+    <p:extLst>
+      <p:ext uri="{BB962C8B-B14F-4D97-AF65-F5344CB8AC3E}">
+        <p14:creationId xmlns:p14="http://schemas.microsoft.com/office/powerpoint/2010/main" val="1979338540"/>
+      </p:ext>
+    </p:extLst>
+  </p:cSld>
+  <p:clrMapOvr>
+    <a:masterClrMapping/>
+  </p:clrMapOvr>
+  <p:transition spd="slow">
+    <p:fade/>
+  </p:transition>
+  <p:timing>
+    <p:tnLst>
+      <p:par>
+        <p:cTn id="1" dur="indefinite" restart="never" nodeType="tmRoot"/>
+      </p:par>
+    </p:tnLst>
+  </p:timing>
+</p:sld>
+</file>
+
+<file path=ppt/slides/slide20.xml><?xml version="1.0" encoding="utf-8"?>
+<p:sld xmlns:a="http://schemas.openxmlformats.org/drawingml/2006/main" xmlns:r="http://schemas.openxmlformats.org/officeDocument/2006/relationships" xmlns:p="http://schemas.openxmlformats.org/presentationml/2006/main" showMasterSp="0">
+  <p:cSld>
+    <p:bg>
+      <p:bgPr>
+        <a:solidFill>
+          <a:schemeClr val="bg1"/>
+        </a:solidFill>
+        <a:effectLst/>
+      </p:bgPr>
+    </p:bg>
+    <p:spTree>
+      <p:nvGrpSpPr>
+        <p:cNvPr id="1" name=""/>
+        <p:cNvGrpSpPr/>
+        <p:nvPr/>
+      </p:nvGrpSpPr>
+      <p:grpSpPr>
+        <a:xfrm>
+          <a:off x="0" y="0"/>
+          <a:ext cx="0" cy="0"/>
+          <a:chOff x="0" y="0"/>
+          <a:chExt cx="0" cy="0"/>
+        </a:xfrm>
+      </p:grpSpPr>
+      <p:pic>
+        <p:nvPicPr>
+          <p:cNvPr id="3076" name="Picture 4" descr="E:\Docum\PROJETS ETI MATLAB SOLID\PIMS_Projet\PIMS\CR\images\courbes de tolérance\courbe avec plein de ronds2.png"/>
+          <p:cNvPicPr>
+            <a:picLocks noChangeAspect="1" noChangeArrowheads="1"/>
+          </p:cNvPicPr>
+          <p:nvPr/>
+        </p:nvPicPr>
+        <p:blipFill rotWithShape="1">
+          <a:blip r:embed="rId2">
+            <a:extLst>
+              <a:ext uri="{28A0092B-C50C-407E-A947-70E740481C1C}">
+                <a14:useLocalDpi xmlns:a14="http://schemas.microsoft.com/office/drawing/2010/main" val="0"/>
+              </a:ext>
+            </a:extLst>
+          </a:blip>
+          <a:srcRect l="9718" t="5883" r="9152" b="7113"/>
+          <a:stretch/>
+        </p:blipFill>
+        <p:spPr bwMode="auto">
+          <a:xfrm>
+            <a:off x="335361" y="332656"/>
+            <a:ext cx="12961440" cy="6120680"/>
+          </a:xfrm>
+          <a:prstGeom prst="rect">
+            <a:avLst/>
+          </a:prstGeom>
+          <a:noFill/>
+          <a:extLst>
+            <a:ext uri="{909E8E84-426E-40DD-AFC4-6F175D3DCCD1}">
+              <a14:hiddenFill xmlns:a14="http://schemas.microsoft.com/office/drawing/2010/main">
+                <a:solidFill>
+                  <a:srgbClr val="FFFFFF"/>
+                </a:solidFill>
+              </a14:hiddenFill>
+            </a:ext>
+          </a:extLst>
+        </p:spPr>
+      </p:pic>
+      <p:sp>
+        <p:nvSpPr>
+          <p:cNvPr id="5" name="ZoneTexte 4"/>
+          <p:cNvSpPr txBox="1"/>
+          <p:nvPr/>
+        </p:nvSpPr>
+        <p:spPr>
+          <a:xfrm>
+            <a:off x="7840" y="1412776"/>
+            <a:ext cx="461665" cy="2808312"/>
+          </a:xfrm>
+          <a:prstGeom prst="rect">
+            <a:avLst/>
+          </a:prstGeom>
+          <a:solidFill>
+            <a:schemeClr val="bg1"/>
+          </a:solidFill>
+        </p:spPr>
+        <p:txBody>
+          <a:bodyPr vert="vert270" wrap="square" rtlCol="0">
+            <a:spAutoFit/>
+          </a:bodyPr>
+          <a:lstStyle/>
+          <a:p>
+            <a:endParaRPr lang="fr-FR" dirty="0"/>
+          </a:p>
+        </p:txBody>
+      </p:sp>
+      <p:sp>
+        <p:nvSpPr>
+          <p:cNvPr id="6" name="ZoneTexte 5"/>
+          <p:cNvSpPr txBox="1"/>
+          <p:nvPr/>
+        </p:nvSpPr>
+        <p:spPr>
+          <a:xfrm>
+            <a:off x="4943872" y="6453336"/>
+            <a:ext cx="4128459" cy="369332"/>
+          </a:xfrm>
+          <a:prstGeom prst="rect">
+            <a:avLst/>
+          </a:prstGeom>
+          <a:solidFill>
+            <a:schemeClr val="bg1"/>
+          </a:solidFill>
+        </p:spPr>
+        <p:txBody>
+          <a:bodyPr wrap="square" rtlCol="0">
+            <a:spAutoFit/>
+          </a:bodyPr>
+          <a:lstStyle/>
+          <a:p>
+            <a:r>
+              <a:rPr lang="fr-FR" dirty="0" smtClean="0"/>
+              <a:t>Taille de la tâche d’Airy(µm)</a:t>
+            </a:r>
+            <a:endParaRPr lang="fr-FR" dirty="0"/>
+          </a:p>
+        </p:txBody>
+      </p:sp>
+      <p:sp>
+        <p:nvSpPr>
+          <p:cNvPr id="8" name="ZoneTexte 7"/>
+          <p:cNvSpPr txBox="1"/>
+          <p:nvPr/>
+        </p:nvSpPr>
+        <p:spPr>
+          <a:xfrm>
+            <a:off x="-48682" y="1218238"/>
+            <a:ext cx="696024" cy="338554"/>
+          </a:xfrm>
+          <a:prstGeom prst="rect">
+            <a:avLst/>
+          </a:prstGeom>
+          <a:solidFill>
+            <a:schemeClr val="bg1"/>
+          </a:solidFill>
+        </p:spPr>
+        <p:txBody>
+          <a:bodyPr wrap="none" rtlCol="0">
+            <a:spAutoFit/>
+          </a:bodyPr>
+          <a:lstStyle/>
+          <a:p>
+            <a:r>
+              <a:rPr lang="fr-FR" sz="1600" dirty="0" smtClean="0"/>
+              <a:t>0,105</a:t>
+            </a:r>
+            <a:endParaRPr lang="fr-FR" sz="1600" dirty="0"/>
+          </a:p>
+        </p:txBody>
+      </p:sp>
+      <p:sp>
+        <p:nvSpPr>
+          <p:cNvPr id="9" name="ZoneTexte 8"/>
+          <p:cNvSpPr txBox="1"/>
+          <p:nvPr/>
+        </p:nvSpPr>
+        <p:spPr>
+          <a:xfrm>
+            <a:off x="244300" y="2154342"/>
+            <a:ext cx="468398" cy="338554"/>
+          </a:xfrm>
+          <a:prstGeom prst="rect">
+            <a:avLst/>
+          </a:prstGeom>
+          <a:solidFill>
+            <a:schemeClr val="bg1"/>
+          </a:solidFill>
+        </p:spPr>
+        <p:txBody>
+          <a:bodyPr wrap="none" rtlCol="0">
+            <a:spAutoFit/>
+          </a:bodyPr>
+          <a:lstStyle/>
+          <a:p>
+            <a:r>
+              <a:rPr lang="fr-FR" sz="1600" dirty="0" smtClean="0"/>
+              <a:t>0,1</a:t>
+            </a:r>
+            <a:endParaRPr lang="fr-FR" sz="1600" dirty="0"/>
+          </a:p>
+        </p:txBody>
+      </p:sp>
+      <p:sp>
+        <p:nvSpPr>
+          <p:cNvPr id="10" name="ZoneTexte 9"/>
+          <p:cNvSpPr txBox="1"/>
+          <p:nvPr/>
+        </p:nvSpPr>
+        <p:spPr>
+          <a:xfrm>
+            <a:off x="47328" y="5949280"/>
+            <a:ext cx="582211" cy="338554"/>
+          </a:xfrm>
+          <a:prstGeom prst="rect">
+            <a:avLst/>
+          </a:prstGeom>
+          <a:solidFill>
+            <a:schemeClr val="bg1"/>
+          </a:solidFill>
+        </p:spPr>
+        <p:txBody>
+          <a:bodyPr wrap="none" rtlCol="0">
+            <a:spAutoFit/>
+          </a:bodyPr>
+          <a:lstStyle/>
+          <a:p>
+            <a:r>
+              <a:rPr lang="fr-FR" sz="1600" dirty="0" smtClean="0"/>
+              <a:t>0,08</a:t>
+            </a:r>
+            <a:endParaRPr lang="fr-FR" sz="1600" dirty="0"/>
+          </a:p>
+        </p:txBody>
+      </p:sp>
+      <p:sp>
+        <p:nvSpPr>
+          <p:cNvPr id="11" name="ZoneTexte 10"/>
+          <p:cNvSpPr txBox="1"/>
+          <p:nvPr/>
+        </p:nvSpPr>
+        <p:spPr>
+          <a:xfrm>
+            <a:off x="-48682" y="5013176"/>
+            <a:ext cx="696024" cy="338554"/>
+          </a:xfrm>
+          <a:prstGeom prst="rect">
+            <a:avLst/>
+          </a:prstGeom>
+          <a:solidFill>
+            <a:schemeClr val="bg1"/>
+          </a:solidFill>
+        </p:spPr>
+        <p:txBody>
+          <a:bodyPr wrap="none" rtlCol="0">
+            <a:spAutoFit/>
+          </a:bodyPr>
+          <a:lstStyle/>
+          <a:p>
+            <a:r>
+              <a:rPr lang="fr-FR" sz="1600" dirty="0" smtClean="0"/>
+              <a:t>0,085</a:t>
+            </a:r>
+            <a:endParaRPr lang="fr-FR" sz="1600" dirty="0"/>
+          </a:p>
+        </p:txBody>
+      </p:sp>
+      <p:sp>
+        <p:nvSpPr>
+          <p:cNvPr id="12" name="ZoneTexte 11"/>
+          <p:cNvSpPr txBox="1"/>
+          <p:nvPr/>
+        </p:nvSpPr>
+        <p:spPr>
+          <a:xfrm>
+            <a:off x="84016" y="4113455"/>
+            <a:ext cx="582211" cy="338554"/>
+          </a:xfrm>
+          <a:prstGeom prst="rect">
+            <a:avLst/>
+          </a:prstGeom>
+          <a:solidFill>
+            <a:schemeClr val="bg1"/>
+          </a:solidFill>
+        </p:spPr>
+        <p:txBody>
+          <a:bodyPr wrap="none" rtlCol="0">
+            <a:spAutoFit/>
+          </a:bodyPr>
+          <a:lstStyle/>
+          <a:p>
+            <a:r>
+              <a:rPr lang="fr-FR" sz="1600" dirty="0" smtClean="0"/>
+              <a:t>0,09</a:t>
+            </a:r>
+            <a:endParaRPr lang="fr-FR" sz="1600" dirty="0"/>
+          </a:p>
+        </p:txBody>
+      </p:sp>
+      <p:sp>
+        <p:nvSpPr>
+          <p:cNvPr id="13" name="ZoneTexte 12"/>
+          <p:cNvSpPr txBox="1"/>
+          <p:nvPr/>
+        </p:nvSpPr>
+        <p:spPr>
+          <a:xfrm rot="5400000">
+            <a:off x="1976737" y="-1698377"/>
+            <a:ext cx="461665" cy="3744416"/>
+          </a:xfrm>
+          <a:prstGeom prst="rect">
+            <a:avLst/>
+          </a:prstGeom>
+          <a:solidFill>
+            <a:schemeClr val="bg1"/>
+          </a:solidFill>
+        </p:spPr>
+        <p:txBody>
+          <a:bodyPr vert="vert270" wrap="square" rtlCol="0">
+            <a:spAutoFit/>
+          </a:bodyPr>
+          <a:lstStyle/>
+          <a:p>
+            <a:r>
+              <a:rPr lang="fr-FR" dirty="0" err="1" smtClean="0"/>
+              <a:t>Freq</a:t>
+            </a:r>
+            <a:r>
+              <a:rPr lang="fr-FR" dirty="0" smtClean="0"/>
+              <a:t> </a:t>
+            </a:r>
+            <a:r>
+              <a:rPr lang="fr-FR" dirty="0"/>
+              <a:t>m</a:t>
+            </a:r>
+            <a:r>
+              <a:rPr lang="fr-FR" dirty="0" smtClean="0"/>
+              <a:t>ax (1/µm)</a:t>
+            </a:r>
+            <a:endParaRPr lang="fr-FR" dirty="0"/>
+          </a:p>
+        </p:txBody>
+      </p:sp>
+      <p:sp>
+        <p:nvSpPr>
+          <p:cNvPr id="14" name="ZoneTexte 13"/>
+          <p:cNvSpPr txBox="1"/>
+          <p:nvPr/>
+        </p:nvSpPr>
+        <p:spPr>
+          <a:xfrm>
+            <a:off x="-48682" y="3098769"/>
+            <a:ext cx="696024" cy="338554"/>
+          </a:xfrm>
+          <a:prstGeom prst="rect">
+            <a:avLst/>
+          </a:prstGeom>
+          <a:solidFill>
+            <a:schemeClr val="bg1"/>
+          </a:solidFill>
+        </p:spPr>
+        <p:txBody>
+          <a:bodyPr wrap="none" rtlCol="0">
+            <a:spAutoFit/>
+          </a:bodyPr>
+          <a:lstStyle/>
+          <a:p>
+            <a:r>
+              <a:rPr lang="fr-FR" sz="1600" dirty="0" smtClean="0"/>
+              <a:t>0,095</a:t>
+            </a:r>
+            <a:endParaRPr lang="fr-FR" sz="1600" dirty="0"/>
+          </a:p>
+        </p:txBody>
+      </p:sp>
+      <p:sp>
+        <p:nvSpPr>
+          <p:cNvPr id="4" name="ZoneTexte 3"/>
+          <p:cNvSpPr txBox="1"/>
+          <p:nvPr/>
+        </p:nvSpPr>
+        <p:spPr>
+          <a:xfrm>
+            <a:off x="47328" y="354142"/>
+            <a:ext cx="582211" cy="338554"/>
+          </a:xfrm>
+          <a:prstGeom prst="rect">
+            <a:avLst/>
+          </a:prstGeom>
+          <a:solidFill>
+            <a:schemeClr val="bg1"/>
+          </a:solidFill>
+        </p:spPr>
+        <p:txBody>
+          <a:bodyPr wrap="none" rtlCol="0">
+            <a:spAutoFit/>
+          </a:bodyPr>
+          <a:lstStyle/>
+          <a:p>
+            <a:r>
+              <a:rPr lang="fr-FR" sz="1600" dirty="0" smtClean="0"/>
+              <a:t>0,11</a:t>
+            </a:r>
+            <a:endParaRPr lang="fr-FR" sz="1600" dirty="0"/>
+          </a:p>
+        </p:txBody>
+      </p:sp>
+      <p:sp>
+        <p:nvSpPr>
+          <p:cNvPr id="7" name="ZoneTexte 6"/>
+          <p:cNvSpPr txBox="1"/>
+          <p:nvPr/>
+        </p:nvSpPr>
+        <p:spPr>
+          <a:xfrm>
+            <a:off x="8453454" y="4113455"/>
+            <a:ext cx="819455" cy="369332"/>
+          </a:xfrm>
+          <a:prstGeom prst="rect">
+            <a:avLst/>
+          </a:prstGeom>
+          <a:noFill/>
+        </p:spPr>
+        <p:txBody>
+          <a:bodyPr wrap="none" rtlCol="0">
+            <a:spAutoFit/>
+          </a:bodyPr>
+          <a:lstStyle/>
+          <a:p>
+            <a:r>
+              <a:rPr lang="fr-FR" dirty="0" smtClean="0"/>
+              <a:t>Z=300</a:t>
+            </a:r>
+            <a:endParaRPr lang="fr-FR" dirty="0"/>
+          </a:p>
+        </p:txBody>
+      </p:sp>
+      <p:sp>
+        <p:nvSpPr>
+          <p:cNvPr id="16" name="ZoneTexte 15"/>
+          <p:cNvSpPr txBox="1"/>
+          <p:nvPr/>
+        </p:nvSpPr>
+        <p:spPr>
+          <a:xfrm>
+            <a:off x="1902385" y="5351730"/>
+            <a:ext cx="819455" cy="369332"/>
+          </a:xfrm>
+          <a:prstGeom prst="rect">
+            <a:avLst/>
+          </a:prstGeom>
+          <a:noFill/>
+        </p:spPr>
+        <p:txBody>
+          <a:bodyPr wrap="none" rtlCol="0">
+            <a:spAutoFit/>
+          </a:bodyPr>
+          <a:lstStyle/>
+          <a:p>
+            <a:r>
+              <a:rPr lang="fr-FR" dirty="0" smtClean="0"/>
+              <a:t>Z=500</a:t>
+            </a:r>
+            <a:endParaRPr lang="fr-FR" dirty="0"/>
+          </a:p>
+        </p:txBody>
+      </p:sp>
+      <p:sp>
+        <p:nvSpPr>
+          <p:cNvPr id="17" name="ZoneTexte 16"/>
+          <p:cNvSpPr txBox="1"/>
+          <p:nvPr/>
+        </p:nvSpPr>
+        <p:spPr>
+          <a:xfrm>
+            <a:off x="3747015" y="3645024"/>
+            <a:ext cx="819455" cy="369332"/>
+          </a:xfrm>
+          <a:prstGeom prst="rect">
+            <a:avLst/>
+          </a:prstGeom>
+          <a:noFill/>
+        </p:spPr>
+        <p:txBody>
+          <a:bodyPr wrap="none" rtlCol="0">
+            <a:spAutoFit/>
+          </a:bodyPr>
+          <a:lstStyle/>
+          <a:p>
+            <a:r>
+              <a:rPr lang="fr-FR" dirty="0" smtClean="0"/>
+              <a:t>Z=700</a:t>
+            </a:r>
+            <a:endParaRPr lang="fr-FR" dirty="0"/>
+          </a:p>
+        </p:txBody>
+      </p:sp>
+      <p:sp>
+        <p:nvSpPr>
+          <p:cNvPr id="18" name="ZoneTexte 17"/>
+          <p:cNvSpPr txBox="1"/>
+          <p:nvPr/>
+        </p:nvSpPr>
+        <p:spPr>
+          <a:xfrm>
+            <a:off x="4079778" y="620688"/>
+            <a:ext cx="947695" cy="369332"/>
+          </a:xfrm>
+          <a:prstGeom prst="rect">
+            <a:avLst/>
+          </a:prstGeom>
+          <a:noFill/>
+        </p:spPr>
+        <p:txBody>
+          <a:bodyPr wrap="none" rtlCol="0">
+            <a:spAutoFit/>
+          </a:bodyPr>
+          <a:lstStyle/>
+          <a:p>
+            <a:r>
+              <a:rPr lang="fr-FR" dirty="0" smtClean="0"/>
+              <a:t>Z=1000</a:t>
+            </a:r>
+            <a:endParaRPr lang="fr-FR" dirty="0"/>
+          </a:p>
+        </p:txBody>
+      </p:sp>
+      <p:sp>
+        <p:nvSpPr>
+          <p:cNvPr id="19" name="ZoneTexte 18"/>
+          <p:cNvSpPr txBox="1"/>
+          <p:nvPr/>
+        </p:nvSpPr>
+        <p:spPr>
+          <a:xfrm>
+            <a:off x="7905741" y="1137720"/>
+            <a:ext cx="947695" cy="369332"/>
+          </a:xfrm>
+          <a:prstGeom prst="rect">
+            <a:avLst/>
+          </a:prstGeom>
+          <a:noFill/>
+        </p:spPr>
+        <p:txBody>
+          <a:bodyPr wrap="none" rtlCol="0">
+            <a:spAutoFit/>
+          </a:bodyPr>
+          <a:lstStyle/>
+          <a:p>
+            <a:r>
+              <a:rPr lang="fr-FR" dirty="0" smtClean="0"/>
+              <a:t>Z=1200</a:t>
+            </a:r>
+            <a:endParaRPr lang="fr-FR" dirty="0"/>
+          </a:p>
+        </p:txBody>
+      </p:sp>
+      <p:sp>
+        <p:nvSpPr>
+          <p:cNvPr id="15" name="ZoneTexte 14"/>
+          <p:cNvSpPr txBox="1"/>
+          <p:nvPr/>
+        </p:nvSpPr>
+        <p:spPr>
+          <a:xfrm>
+            <a:off x="4499995" y="-58510"/>
+            <a:ext cx="3768980" cy="400110"/>
+          </a:xfrm>
+          <a:prstGeom prst="rect">
+            <a:avLst/>
+          </a:prstGeom>
+          <a:solidFill>
+            <a:schemeClr val="bg1"/>
+          </a:solidFill>
+        </p:spPr>
+        <p:txBody>
+          <a:bodyPr wrap="none" rtlCol="0">
+            <a:spAutoFit/>
+          </a:bodyPr>
+          <a:lstStyle/>
+          <a:p>
+            <a:r>
+              <a:rPr lang="fr-FR" sz="2000" b="1" dirty="0" smtClean="0"/>
+              <a:t>Courbe de calibration axiale</a:t>
+            </a:r>
+            <a:endParaRPr lang="fr-FR" sz="2000" b="1" dirty="0"/>
+          </a:p>
+        </p:txBody>
+      </p:sp>
+    </p:spTree>
+    <p:extLst>
+      <p:ext uri="{BB962C8B-B14F-4D97-AF65-F5344CB8AC3E}">
+        <p14:creationId xmlns:p14="http://schemas.microsoft.com/office/powerpoint/2010/main" val="3388928949"/>
+      </p:ext>
+    </p:extLst>
+  </p:cSld>
+  <p:clrMapOvr>
+    <a:masterClrMapping/>
+  </p:clrMapOvr>
+  <p:transition spd="slow">
+    <p:fade/>
+  </p:transition>
+  <p:timing>
+    <p:tnLst>
+      <p:par>
+        <p:cTn id="1" dur="indefinite" restart="never" nodeType="tmRoot"/>
+      </p:par>
+    </p:tnLst>
+  </p:timing>
+</p:sld>
+</file>
+
+<file path=ppt/slides/slide21.xml><?xml version="1.0" encoding="utf-8"?>
 <p:sld xmlns:a="http://schemas.openxmlformats.org/drawingml/2006/main" xmlns:r="http://schemas.openxmlformats.org/officeDocument/2006/relationships" xmlns:p="http://schemas.openxmlformats.org/presentationml/2006/main" showMasterSp="0">
   <p:cSld>
     <p:bg>
@@ -31572,18 +33587,25 @@
   <p:clrMapOvr>
     <a:masterClrMapping/>
   </p:clrMapOvr>
-  <mc:AlternateContent xmlns:mc="http://schemas.openxmlformats.org/markup-compatibility/2006">
-    <mc:Choice xmlns:p14="http://schemas.microsoft.com/office/powerpoint/2010/main" Requires="p14">
+  <mc:AlternateContent xmlns:mc="http://schemas.openxmlformats.org/markup-compatibility/2006" xmlns:p14="http://schemas.microsoft.com/office/powerpoint/2010/main">
+    <mc:Choice Requires="p14">
       <p:transition p14:dur="0"/>
     </mc:Choice>
-    <mc:Fallback>
+    <mc:Fallback xmlns="">
       <p:transition/>
     </mc:Fallback>
   </mc:AlternateContent>
+  <p:timing>
+    <p:tnLst>
+      <p:par>
+        <p:cTn id="1" dur="indefinite" restart="never" nodeType="tmRoot"/>
+      </p:par>
+    </p:tnLst>
+  </p:timing>
 </p:sld>
 </file>
 
-<file path=ppt/slides/slide17.xml><?xml version="1.0" encoding="utf-8"?>
+<file path=ppt/slides/slide22.xml><?xml version="1.0" encoding="utf-8"?>
 <p:sld xmlns:a="http://schemas.openxmlformats.org/drawingml/2006/main" xmlns:r="http://schemas.openxmlformats.org/officeDocument/2006/relationships" xmlns:p="http://schemas.openxmlformats.org/presentationml/2006/main" showMasterSp="0">
   <p:cSld>
     <p:bg>
@@ -31963,18 +33985,18 @@
   <p:clrMapOvr>
     <a:masterClrMapping/>
   </p:clrMapOvr>
-  <mc:AlternateContent xmlns:mc="http://schemas.openxmlformats.org/markup-compatibility/2006">
-    <mc:Choice xmlns:p14="http://schemas.microsoft.com/office/powerpoint/2010/main" Requires="p14">
+  <mc:AlternateContent xmlns:mc="http://schemas.openxmlformats.org/markup-compatibility/2006" xmlns:p14="http://schemas.microsoft.com/office/powerpoint/2010/main">
+    <mc:Choice Requires="p14">
       <p:transition p14:dur="0"/>
     </mc:Choice>
-    <mc:Fallback>
+    <mc:Fallback xmlns="">
       <p:transition/>
     </mc:Fallback>
   </mc:AlternateContent>
 </p:sld>
 </file>
 
-<file path=ppt/slides/slide18.xml><?xml version="1.0" encoding="utf-8"?>
+<file path=ppt/slides/slide23.xml><?xml version="1.0" encoding="utf-8"?>
 <p:sld xmlns:a="http://schemas.openxmlformats.org/drawingml/2006/main" xmlns:r="http://schemas.openxmlformats.org/officeDocument/2006/relationships" xmlns:p="http://schemas.openxmlformats.org/presentationml/2006/main" showMasterSp="0">
   <p:cSld>
     <p:spTree>
@@ -32348,18 +34370,18 @@
   <p:clrMapOvr>
     <a:masterClrMapping/>
   </p:clrMapOvr>
-  <mc:AlternateContent xmlns:mc="http://schemas.openxmlformats.org/markup-compatibility/2006">
-    <mc:Choice xmlns:p14="http://schemas.microsoft.com/office/powerpoint/2010/main" Requires="p14">
+  <mc:AlternateContent xmlns:mc="http://schemas.openxmlformats.org/markup-compatibility/2006" xmlns:p14="http://schemas.microsoft.com/office/powerpoint/2010/main">
+    <mc:Choice Requires="p14">
       <p:transition p14:dur="10"/>
     </mc:Choice>
-    <mc:Fallback>
+    <mc:Fallback xmlns="">
       <p:transition/>
     </mc:Fallback>
   </mc:AlternateContent>
 </p:sld>
 </file>
 
-<file path=ppt/slides/slide19.xml><?xml version="1.0" encoding="utf-8"?>
+<file path=ppt/slides/slide24.xml><?xml version="1.0" encoding="utf-8"?>
 <p:sld xmlns:a="http://schemas.openxmlformats.org/drawingml/2006/main" xmlns:r="http://schemas.openxmlformats.org/officeDocument/2006/relationships" xmlns:p="http://schemas.openxmlformats.org/presentationml/2006/main" showMasterSp="0">
   <p:cSld>
     <p:spTree>
@@ -32422,754 +34444,6 @@
   <p:transition spd="slow">
     <p:push dir="u"/>
   </p:transition>
-</p:sld>
-</file>
-
-<file path=ppt/slides/slide2.xml><?xml version="1.0" encoding="utf-8"?>
-<p:sld xmlns:a="http://schemas.openxmlformats.org/drawingml/2006/main" xmlns:r="http://schemas.openxmlformats.org/officeDocument/2006/relationships" xmlns:p="http://schemas.openxmlformats.org/presentationml/2006/main" showMasterSp="0">
-  <p:cSld>
-    <p:spTree>
-      <p:nvGrpSpPr>
-        <p:cNvPr id="1" name=""/>
-        <p:cNvGrpSpPr/>
-        <p:nvPr/>
-      </p:nvGrpSpPr>
-      <p:grpSpPr>
-        <a:xfrm>
-          <a:off x="0" y="0"/>
-          <a:ext cx="0" cy="0"/>
-          <a:chOff x="0" y="0"/>
-          <a:chExt cx="0" cy="0"/>
-        </a:xfrm>
-      </p:grpSpPr>
-      <p:sp>
-        <p:nvSpPr>
-          <p:cNvPr id="18" name="Espace réservé du contenu 2"/>
-          <p:cNvSpPr txBox="1">
-            <a:spLocks/>
-          </p:cNvSpPr>
-          <p:nvPr/>
-        </p:nvSpPr>
-        <p:spPr>
-          <a:xfrm>
-            <a:off x="1805780" y="318527"/>
-            <a:ext cx="8915400" cy="687313"/>
-          </a:xfrm>
-          <a:prstGeom prst="rect">
-            <a:avLst/>
-          </a:prstGeom>
-        </p:spPr>
-        <p:txBody>
-          <a:bodyPr vert="horz" lIns="91440" tIns="72000" rIns="91440" bIns="45720" rtlCol="0">
-            <a:noAutofit/>
-          </a:bodyPr>
-          <a:lstStyle>
-            <a:lvl1pPr marL="228600" indent="-228600" algn="l" defTabSz="914400" rtl="0" eaLnBrk="1" latinLnBrk="0" hangingPunct="1">
-              <a:lnSpc>
-                <a:spcPct val="90000"/>
-              </a:lnSpc>
-              <a:spcBef>
-                <a:spcPts val="1000"/>
-              </a:spcBef>
-              <a:buFont typeface="Arial" panose="020B0604020202020204" pitchFamily="34" charset="0"/>
-              <a:buChar char="•"/>
-              <a:defRPr sz="2800" kern="1200">
-                <a:solidFill>
-                  <a:schemeClr val="tx1"/>
-                </a:solidFill>
-                <a:latin typeface="+mn-lt"/>
-                <a:ea typeface="+mn-ea"/>
-                <a:cs typeface="+mn-cs"/>
-              </a:defRPr>
-            </a:lvl1pPr>
-            <a:lvl2pPr marL="685800" indent="-228600" algn="l" defTabSz="914400" rtl="0" eaLnBrk="1" latinLnBrk="0" hangingPunct="1">
-              <a:lnSpc>
-                <a:spcPct val="90000"/>
-              </a:lnSpc>
-              <a:spcBef>
-                <a:spcPts val="500"/>
-              </a:spcBef>
-              <a:buFont typeface="Arial" panose="020B0604020202020204" pitchFamily="34" charset="0"/>
-              <a:buChar char="•"/>
-              <a:defRPr sz="2400" kern="1200">
-                <a:solidFill>
-                  <a:schemeClr val="tx1"/>
-                </a:solidFill>
-                <a:latin typeface="+mn-lt"/>
-                <a:ea typeface="+mn-ea"/>
-                <a:cs typeface="+mn-cs"/>
-              </a:defRPr>
-            </a:lvl2pPr>
-            <a:lvl3pPr marL="1143000" indent="-228600" algn="l" defTabSz="914400" rtl="0" eaLnBrk="1" latinLnBrk="0" hangingPunct="1">
-              <a:lnSpc>
-                <a:spcPct val="90000"/>
-              </a:lnSpc>
-              <a:spcBef>
-                <a:spcPts val="500"/>
-              </a:spcBef>
-              <a:buFont typeface="Arial" panose="020B0604020202020204" pitchFamily="34" charset="0"/>
-              <a:buChar char="•"/>
-              <a:defRPr sz="2000" kern="1200">
-                <a:solidFill>
-                  <a:schemeClr val="tx1"/>
-                </a:solidFill>
-                <a:latin typeface="+mn-lt"/>
-                <a:ea typeface="+mn-ea"/>
-                <a:cs typeface="+mn-cs"/>
-              </a:defRPr>
-            </a:lvl3pPr>
-            <a:lvl4pPr marL="1600200" indent="-228600" algn="l" defTabSz="914400" rtl="0" eaLnBrk="1" latinLnBrk="0" hangingPunct="1">
-              <a:lnSpc>
-                <a:spcPct val="90000"/>
-              </a:lnSpc>
-              <a:spcBef>
-                <a:spcPts val="500"/>
-              </a:spcBef>
-              <a:buFont typeface="Arial" panose="020B0604020202020204" pitchFamily="34" charset="0"/>
-              <a:buChar char="•"/>
-              <a:defRPr sz="1800" kern="1200">
-                <a:solidFill>
-                  <a:schemeClr val="tx1"/>
-                </a:solidFill>
-                <a:latin typeface="+mn-lt"/>
-                <a:ea typeface="+mn-ea"/>
-                <a:cs typeface="+mn-cs"/>
-              </a:defRPr>
-            </a:lvl4pPr>
-            <a:lvl5pPr marL="2057400" indent="-228600" algn="l" defTabSz="914400" rtl="0" eaLnBrk="1" latinLnBrk="0" hangingPunct="1">
-              <a:lnSpc>
-                <a:spcPct val="90000"/>
-              </a:lnSpc>
-              <a:spcBef>
-                <a:spcPts val="500"/>
-              </a:spcBef>
-              <a:buFont typeface="Arial" panose="020B0604020202020204" pitchFamily="34" charset="0"/>
-              <a:buChar char="•"/>
-              <a:defRPr sz="1800" kern="1200">
-                <a:solidFill>
-                  <a:schemeClr val="tx1"/>
-                </a:solidFill>
-                <a:latin typeface="+mn-lt"/>
-                <a:ea typeface="+mn-ea"/>
-                <a:cs typeface="+mn-cs"/>
-              </a:defRPr>
-            </a:lvl5pPr>
-            <a:lvl6pPr marL="2514600" indent="-228600" algn="l" defTabSz="914400" rtl="0" eaLnBrk="1" latinLnBrk="0" hangingPunct="1">
-              <a:lnSpc>
-                <a:spcPct val="90000"/>
-              </a:lnSpc>
-              <a:spcBef>
-                <a:spcPts val="500"/>
-              </a:spcBef>
-              <a:buFont typeface="Arial" panose="020B0604020202020204" pitchFamily="34" charset="0"/>
-              <a:buChar char="•"/>
-              <a:defRPr sz="1800" kern="1200">
-                <a:solidFill>
-                  <a:schemeClr val="tx1"/>
-                </a:solidFill>
-                <a:latin typeface="+mn-lt"/>
-                <a:ea typeface="+mn-ea"/>
-                <a:cs typeface="+mn-cs"/>
-              </a:defRPr>
-            </a:lvl6pPr>
-            <a:lvl7pPr marL="2971800" indent="-228600" algn="l" defTabSz="914400" rtl="0" eaLnBrk="1" latinLnBrk="0" hangingPunct="1">
-              <a:lnSpc>
-                <a:spcPct val="90000"/>
-              </a:lnSpc>
-              <a:spcBef>
-                <a:spcPts val="500"/>
-              </a:spcBef>
-              <a:buFont typeface="Arial" panose="020B0604020202020204" pitchFamily="34" charset="0"/>
-              <a:buChar char="•"/>
-              <a:defRPr sz="1800" kern="1200">
-                <a:solidFill>
-                  <a:schemeClr val="tx1"/>
-                </a:solidFill>
-                <a:latin typeface="+mn-lt"/>
-                <a:ea typeface="+mn-ea"/>
-                <a:cs typeface="+mn-cs"/>
-              </a:defRPr>
-            </a:lvl7pPr>
-            <a:lvl8pPr marL="3429000" indent="-228600" algn="l" defTabSz="914400" rtl="0" eaLnBrk="1" latinLnBrk="0" hangingPunct="1">
-              <a:lnSpc>
-                <a:spcPct val="90000"/>
-              </a:lnSpc>
-              <a:spcBef>
-                <a:spcPts val="500"/>
-              </a:spcBef>
-              <a:buFont typeface="Arial" panose="020B0604020202020204" pitchFamily="34" charset="0"/>
-              <a:buChar char="•"/>
-              <a:defRPr sz="1800" kern="1200">
-                <a:solidFill>
-                  <a:schemeClr val="tx1"/>
-                </a:solidFill>
-                <a:latin typeface="+mn-lt"/>
-                <a:ea typeface="+mn-ea"/>
-                <a:cs typeface="+mn-cs"/>
-              </a:defRPr>
-            </a:lvl8pPr>
-            <a:lvl9pPr marL="3886200" indent="-228600" algn="l" defTabSz="914400" rtl="0" eaLnBrk="1" latinLnBrk="0" hangingPunct="1">
-              <a:lnSpc>
-                <a:spcPct val="90000"/>
-              </a:lnSpc>
-              <a:spcBef>
-                <a:spcPts val="500"/>
-              </a:spcBef>
-              <a:buFont typeface="Arial" panose="020B0604020202020204" pitchFamily="34" charset="0"/>
-              <a:buChar char="•"/>
-              <a:defRPr sz="1800" kern="1200">
-                <a:solidFill>
-                  <a:schemeClr val="tx1"/>
-                </a:solidFill>
-                <a:latin typeface="+mn-lt"/>
-                <a:ea typeface="+mn-ea"/>
-                <a:cs typeface="+mn-cs"/>
-              </a:defRPr>
-            </a:lvl9pPr>
-          </a:lstStyle>
-          <a:p>
-            <a:pPr marL="228600" marR="0" lvl="0" indent="-228600" algn="l" defTabSz="914400" rtl="0" eaLnBrk="1" fontAlgn="auto" latinLnBrk="0" hangingPunct="1">
-              <a:lnSpc>
-                <a:spcPct val="90000"/>
-              </a:lnSpc>
-              <a:spcBef>
-                <a:spcPts val="1000"/>
-              </a:spcBef>
-              <a:spcAft>
-                <a:spcPts val="0"/>
-              </a:spcAft>
-              <a:buClrTx/>
-              <a:buSzTx/>
-              <a:buFont typeface="Wingdings" panose="05000000000000000000" pitchFamily="2" charset="2"/>
-              <a:buChar char="v"/>
-              <a:tabLst/>
-              <a:defRPr/>
-            </a:pPr>
-            <a:r>
-              <a:rPr kumimoji="0" lang="fr-FR" sz="2800" b="0" i="0" u="sng" strike="noStrike" kern="1200" cap="none" spc="0" normalizeH="0" baseline="0" noProof="0">
-                <a:ln>
-                  <a:noFill/>
-                </a:ln>
-                <a:solidFill>
-                  <a:sysClr val="windowText" lastClr="000000"/>
-                </a:solidFill>
-                <a:effectLst/>
-                <a:uLnTx/>
-                <a:uFillTx/>
-                <a:latin typeface="Calibri" panose="020F0502020204030204"/>
-                <a:ea typeface="+mn-ea"/>
-                <a:cs typeface="+mn-cs"/>
-              </a:rPr>
-              <a:t>Introduction</a:t>
-            </a:r>
-            <a:endParaRPr kumimoji="0" lang="fr-FR" sz="2800" b="0" i="0" u="sng" strike="noStrike" kern="1200" cap="none" spc="0" normalizeH="0" baseline="0" noProof="0" dirty="0">
-              <a:ln>
-                <a:noFill/>
-              </a:ln>
-              <a:solidFill>
-                <a:sysClr val="windowText" lastClr="000000"/>
-              </a:solidFill>
-              <a:effectLst/>
-              <a:uLnTx/>
-              <a:uFillTx/>
-              <a:latin typeface="Calibri" panose="020F0502020204030204"/>
-              <a:ea typeface="+mn-ea"/>
-              <a:cs typeface="+mn-cs"/>
-            </a:endParaRPr>
-          </a:p>
-        </p:txBody>
-      </p:sp>
-      <p:grpSp>
-        <p:nvGrpSpPr>
-          <p:cNvPr id="19" name="Groupe 18"/>
-          <p:cNvGrpSpPr/>
-          <p:nvPr/>
-        </p:nvGrpSpPr>
-        <p:grpSpPr>
-          <a:xfrm>
-            <a:off x="6464346" y="2116330"/>
-            <a:ext cx="3819048" cy="3057143"/>
-            <a:chOff x="630476" y="1900428"/>
-            <a:chExt cx="3819048" cy="3057143"/>
-          </a:xfrm>
-        </p:grpSpPr>
-        <p:pic>
-          <p:nvPicPr>
-            <p:cNvPr id="20" name="Image 19"/>
-            <p:cNvPicPr>
-              <a:picLocks noChangeAspect="1"/>
-            </p:cNvPicPr>
-            <p:nvPr/>
-          </p:nvPicPr>
-          <p:blipFill>
-            <a:blip r:embed="rId2"/>
-            <a:stretch>
-              <a:fillRect/>
-            </a:stretch>
-          </p:blipFill>
-          <p:spPr>
-            <a:xfrm>
-              <a:off x="630476" y="1900428"/>
-              <a:ext cx="3819048" cy="3057143"/>
-            </a:xfrm>
-            <a:prstGeom prst="rect">
-              <a:avLst/>
-            </a:prstGeom>
-            <a:effectLst>
-              <a:glow rad="228600">
-                <a:srgbClr val="70AD47">
-                  <a:lumMod val="40000"/>
-                  <a:lumOff val="60000"/>
-                  <a:alpha val="40000"/>
-                </a:srgbClr>
-              </a:glow>
-              <a:softEdge rad="0"/>
-            </a:effectLst>
-          </p:spPr>
-        </p:pic>
-        <p:sp>
-          <p:nvSpPr>
-            <p:cNvPr id="21" name="ZoneTexte 20"/>
-            <p:cNvSpPr txBox="1"/>
-            <p:nvPr/>
-          </p:nvSpPr>
-          <p:spPr>
-            <a:xfrm>
-              <a:off x="1775300" y="1900428"/>
-              <a:ext cx="1780700" cy="369332"/>
-            </a:xfrm>
-            <a:prstGeom prst="rect">
-              <a:avLst/>
-            </a:prstGeom>
-            <a:noFill/>
-          </p:spPr>
-          <p:txBody>
-            <a:bodyPr wrap="square" rtlCol="0">
-              <a:spAutoFit/>
-            </a:bodyPr>
-            <a:lstStyle/>
-            <a:p>
-              <a:pPr marL="0" marR="0" lvl="0" indent="0" defTabSz="914400" eaLnBrk="1" fontAlgn="auto" latinLnBrk="0" hangingPunct="1">
-                <a:lnSpc>
-                  <a:spcPct val="100000"/>
-                </a:lnSpc>
-                <a:spcBef>
-                  <a:spcPts val="0"/>
-                </a:spcBef>
-                <a:spcAft>
-                  <a:spcPts val="0"/>
-                </a:spcAft>
-                <a:buClrTx/>
-                <a:buSzTx/>
-                <a:buFontTx/>
-                <a:buNone/>
-                <a:tabLst/>
-                <a:defRPr/>
-              </a:pPr>
-              <a:r>
-                <a:rPr kumimoji="0" lang="fr-FR" sz="1800" b="1" i="0" u="none" strike="noStrike" kern="0" cap="none" spc="0" normalizeH="0" baseline="0" noProof="0" dirty="0">
-                  <a:ln>
-                    <a:noFill/>
-                  </a:ln>
-                  <a:solidFill>
-                    <a:prstClr val="black"/>
-                  </a:solidFill>
-                  <a:effectLst/>
-                  <a:uLnTx/>
-                  <a:uFillTx/>
-                  <a:latin typeface="Calibri" panose="020F0502020204030204"/>
-                </a:rPr>
-                <a:t>fluorescence</a:t>
-              </a:r>
-            </a:p>
-          </p:txBody>
-        </p:sp>
-      </p:grpSp>
-      <p:grpSp>
-        <p:nvGrpSpPr>
-          <p:cNvPr id="22" name="Groupe 21"/>
-          <p:cNvGrpSpPr/>
-          <p:nvPr/>
-        </p:nvGrpSpPr>
-        <p:grpSpPr>
-          <a:xfrm>
-            <a:off x="1484167" y="1972774"/>
-            <a:ext cx="3543300" cy="3569733"/>
-            <a:chOff x="5594348" y="1715762"/>
-            <a:chExt cx="3543300" cy="3569733"/>
-          </a:xfrm>
-          <a:effectLst>
-            <a:glow>
-              <a:srgbClr val="5B9BD5">
-                <a:alpha val="40000"/>
-              </a:srgbClr>
-            </a:glow>
-          </a:effectLst>
-        </p:grpSpPr>
-        <p:pic>
-          <p:nvPicPr>
-            <p:cNvPr id="23" name="Picture 2" descr="Afficher l'image d'origine"/>
-            <p:cNvPicPr>
-              <a:picLocks noChangeAspect="1" noChangeArrowheads="1"/>
-            </p:cNvPicPr>
-            <p:nvPr/>
-          </p:nvPicPr>
-          <p:blipFill>
-            <a:blip r:embed="rId3">
-              <a:extLst>
-                <a:ext uri="{28A0092B-C50C-407E-A947-70E740481C1C}">
-                  <a14:useLocalDpi xmlns:a14="http://schemas.microsoft.com/office/drawing/2010/main" val="0"/>
-                </a:ext>
-              </a:extLst>
-            </a:blip>
-            <a:srcRect/>
-            <a:stretch>
-              <a:fillRect/>
-            </a:stretch>
-          </p:blipFill>
-          <p:spPr bwMode="auto">
-            <a:xfrm>
-              <a:off x="5594348" y="2085094"/>
-              <a:ext cx="3543300" cy="3200401"/>
-            </a:xfrm>
-            <a:prstGeom prst="rect">
-              <a:avLst/>
-            </a:prstGeom>
-            <a:noFill/>
-            <a:effectLst>
-              <a:glow rad="647700">
-                <a:srgbClr val="70AD47">
-                  <a:lumMod val="40000"/>
-                  <a:lumOff val="60000"/>
-                  <a:alpha val="40000"/>
-                </a:srgbClr>
-              </a:glow>
-            </a:effectLst>
-            <a:extLst>
-              <a:ext uri="{909E8E84-426E-40DD-AFC4-6F175D3DCCD1}">
-                <a14:hiddenFill xmlns:a14="http://schemas.microsoft.com/office/drawing/2010/main">
-                  <a:solidFill>
-                    <a:srgbClr val="FFFFFF"/>
-                  </a:solidFill>
-                </a14:hiddenFill>
-              </a:ext>
-            </a:extLst>
-          </p:spPr>
-        </p:pic>
-        <p:sp>
-          <p:nvSpPr>
-            <p:cNvPr id="24" name="ZoneTexte 23"/>
-            <p:cNvSpPr txBox="1"/>
-            <p:nvPr/>
-          </p:nvSpPr>
-          <p:spPr>
-            <a:xfrm>
-              <a:off x="6061425" y="1715762"/>
-              <a:ext cx="2730235" cy="369332"/>
-            </a:xfrm>
-            <a:prstGeom prst="rect">
-              <a:avLst/>
-            </a:prstGeom>
-            <a:noFill/>
-          </p:spPr>
-          <p:txBody>
-            <a:bodyPr wrap="none" rtlCol="0">
-              <a:spAutoFit/>
-            </a:bodyPr>
-            <a:lstStyle/>
-            <a:p>
-              <a:pPr marL="0" marR="0" lvl="0" indent="0" defTabSz="914400" eaLnBrk="1" fontAlgn="auto" latinLnBrk="0" hangingPunct="1">
-                <a:lnSpc>
-                  <a:spcPct val="100000"/>
-                </a:lnSpc>
-                <a:spcBef>
-                  <a:spcPts val="0"/>
-                </a:spcBef>
-                <a:spcAft>
-                  <a:spcPts val="0"/>
-                </a:spcAft>
-                <a:buClrTx/>
-                <a:buSzTx/>
-                <a:buFontTx/>
-                <a:buNone/>
-                <a:tabLst/>
-                <a:defRPr/>
-              </a:pPr>
-              <a:r>
-                <a:rPr kumimoji="0" lang="fr-FR" sz="1800" b="1" i="0" u="none" strike="noStrike" kern="0" cap="none" spc="0" normalizeH="0" baseline="0" noProof="0" dirty="0">
-                  <a:ln>
-                    <a:noFill/>
-                  </a:ln>
-                  <a:solidFill>
-                    <a:prstClr val="black"/>
-                  </a:solidFill>
-                  <a:effectLst/>
-                  <a:uLnTx/>
-                  <a:uFillTx/>
-                  <a:latin typeface="Calibri" panose="020F0502020204030204"/>
-                </a:rPr>
-                <a:t>Limité par la diffraction</a:t>
-              </a:r>
-            </a:p>
-          </p:txBody>
-        </p:sp>
-      </p:grpSp>
-      <p:sp>
-        <p:nvSpPr>
-          <p:cNvPr id="25" name="ZoneTexte 24"/>
-          <p:cNvSpPr txBox="1"/>
-          <p:nvPr/>
-        </p:nvSpPr>
-        <p:spPr>
-          <a:xfrm>
-            <a:off x="1365661" y="5645525"/>
-            <a:ext cx="4887659" cy="369332"/>
-          </a:xfrm>
-          <a:prstGeom prst="rect">
-            <a:avLst/>
-          </a:prstGeom>
-          <a:noFill/>
-        </p:spPr>
-        <p:txBody>
-          <a:bodyPr wrap="square" rtlCol="0">
-            <a:spAutoFit/>
-          </a:bodyPr>
-          <a:lstStyle/>
-          <a:p>
-            <a:r>
-              <a:rPr lang="fr-FR" dirty="0">
-                <a:solidFill>
-                  <a:prstClr val="black"/>
-                </a:solidFill>
-                <a:latin typeface="Calibri" panose="020F0502020204030204"/>
-              </a:rPr>
-              <a:t>Résolution latérale max ~ 200nm</a:t>
-            </a:r>
-          </a:p>
-        </p:txBody>
-      </p:sp>
-      <p:sp>
-        <p:nvSpPr>
-          <p:cNvPr id="26" name="ZoneTexte 25"/>
-          <p:cNvSpPr txBox="1"/>
-          <p:nvPr/>
-        </p:nvSpPr>
-        <p:spPr>
-          <a:xfrm>
-            <a:off x="6399078" y="5507025"/>
-            <a:ext cx="4200883" cy="646331"/>
-          </a:xfrm>
-          <a:prstGeom prst="rect">
-            <a:avLst/>
-          </a:prstGeom>
-          <a:noFill/>
-        </p:spPr>
-        <p:txBody>
-          <a:bodyPr wrap="square" rtlCol="0">
-            <a:spAutoFit/>
-          </a:bodyPr>
-          <a:lstStyle/>
-          <a:p>
-            <a:pPr algn="ctr"/>
-            <a:r>
-              <a:rPr lang="fr-FR" dirty="0">
-                <a:solidFill>
-                  <a:prstClr val="black"/>
-                </a:solidFill>
-                <a:latin typeface="Calibri" panose="020F0502020204030204"/>
-              </a:rPr>
-              <a:t>Résolution basée sur la localisation unique : ~ 20nm</a:t>
-            </a:r>
-          </a:p>
-        </p:txBody>
-      </p:sp>
-      <p:sp>
-        <p:nvSpPr>
-          <p:cNvPr id="27" name="ZoneTexte 26"/>
-          <p:cNvSpPr txBox="1"/>
-          <p:nvPr/>
-        </p:nvSpPr>
-        <p:spPr>
-          <a:xfrm>
-            <a:off x="1878676" y="963177"/>
-            <a:ext cx="2957861" cy="400110"/>
-          </a:xfrm>
-          <a:prstGeom prst="rect">
-            <a:avLst/>
-          </a:prstGeom>
-          <a:noFill/>
-        </p:spPr>
-        <p:txBody>
-          <a:bodyPr wrap="none" rtlCol="0">
-            <a:spAutoFit/>
-          </a:bodyPr>
-          <a:lstStyle/>
-          <a:p>
-            <a:r>
-              <a:rPr lang="fr-FR" sz="2000" b="1" dirty="0">
-                <a:solidFill>
-                  <a:prstClr val="black"/>
-                </a:solidFill>
-                <a:latin typeface="Calibri" panose="020F0502020204030204"/>
-              </a:rPr>
-              <a:t>Microscopie classique</a:t>
-            </a:r>
-          </a:p>
-        </p:txBody>
-      </p:sp>
-      <p:sp>
-        <p:nvSpPr>
-          <p:cNvPr id="28" name="ZoneTexte 27"/>
-          <p:cNvSpPr txBox="1"/>
-          <p:nvPr/>
-        </p:nvSpPr>
-        <p:spPr>
-          <a:xfrm>
-            <a:off x="1842302" y="1346194"/>
-            <a:ext cx="3185166" cy="646331"/>
-          </a:xfrm>
-          <a:prstGeom prst="rect">
-            <a:avLst/>
-          </a:prstGeom>
-          <a:noFill/>
-        </p:spPr>
-        <p:txBody>
-          <a:bodyPr wrap="square" rtlCol="0">
-            <a:spAutoFit/>
-          </a:bodyPr>
-          <a:lstStyle/>
-          <a:p>
-            <a:r>
-              <a:rPr lang="fr-FR" dirty="0">
-                <a:solidFill>
-                  <a:prstClr val="black"/>
-                </a:solidFill>
-                <a:latin typeface="Calibri" panose="020F0502020204030204"/>
-              </a:rPr>
-              <a:t>Eclairage Köhler, diffusion, contraste de phase…</a:t>
-            </a:r>
-          </a:p>
-        </p:txBody>
-      </p:sp>
-      <p:sp>
-        <p:nvSpPr>
-          <p:cNvPr id="29" name="ZoneTexte 28"/>
-          <p:cNvSpPr txBox="1"/>
-          <p:nvPr/>
-        </p:nvSpPr>
-        <p:spPr>
-          <a:xfrm>
-            <a:off x="5934772" y="981112"/>
-            <a:ext cx="5269391" cy="400110"/>
-          </a:xfrm>
-          <a:prstGeom prst="rect">
-            <a:avLst/>
-          </a:prstGeom>
-          <a:noFill/>
-        </p:spPr>
-        <p:txBody>
-          <a:bodyPr wrap="none" rtlCol="0">
-            <a:spAutoFit/>
-          </a:bodyPr>
-          <a:lstStyle/>
-          <a:p>
-            <a:r>
-              <a:rPr lang="fr-FR" sz="2000" b="1" dirty="0">
-                <a:solidFill>
-                  <a:prstClr val="black"/>
-                </a:solidFill>
-                <a:latin typeface="Calibri" panose="020F0502020204030204"/>
-              </a:rPr>
-              <a:t>Microscopie de fluorescence, dont PALM</a:t>
-            </a:r>
-          </a:p>
-        </p:txBody>
-      </p:sp>
-      <p:sp>
-        <p:nvSpPr>
-          <p:cNvPr id="30" name="ZoneTexte 29"/>
-          <p:cNvSpPr txBox="1"/>
-          <p:nvPr/>
-        </p:nvSpPr>
-        <p:spPr>
-          <a:xfrm>
-            <a:off x="6680753" y="1366329"/>
-            <a:ext cx="3637534" cy="369332"/>
-          </a:xfrm>
-          <a:prstGeom prst="rect">
-            <a:avLst/>
-          </a:prstGeom>
-          <a:noFill/>
-        </p:spPr>
-        <p:txBody>
-          <a:bodyPr wrap="none" rtlCol="0">
-            <a:spAutoFit/>
-          </a:bodyPr>
-          <a:lstStyle/>
-          <a:p>
-            <a:r>
-              <a:rPr lang="fr-FR" dirty="0">
-                <a:solidFill>
-                  <a:prstClr val="black"/>
-                </a:solidFill>
-                <a:latin typeface="Calibri" panose="020F0502020204030204"/>
-              </a:rPr>
-              <a:t>Activation de photoémetteurs </a:t>
-            </a:r>
-          </a:p>
-        </p:txBody>
-      </p:sp>
-      <p:sp>
-        <p:nvSpPr>
-          <p:cNvPr id="2" name="Rectangle 1"/>
-          <p:cNvSpPr/>
-          <p:nvPr/>
-        </p:nvSpPr>
-        <p:spPr>
-          <a:xfrm>
-            <a:off x="5768611" y="6190680"/>
-            <a:ext cx="5461816" cy="369332"/>
-          </a:xfrm>
-          <a:prstGeom prst="rect">
-            <a:avLst/>
-          </a:prstGeom>
-        </p:spPr>
-        <p:txBody>
-          <a:bodyPr wrap="none">
-            <a:spAutoFit/>
-          </a:bodyPr>
-          <a:lstStyle/>
-          <a:p>
-            <a:r>
-              <a:rPr lang="fr-FR" dirty="0">
-                <a:solidFill>
-                  <a:prstClr val="black"/>
-                </a:solidFill>
-                <a:latin typeface="Calibri" panose="020F0502020204030204"/>
-              </a:rPr>
-              <a:t>Fluorescence =&gt; petite quantité de lumière =&gt; RSB élevé</a:t>
-            </a:r>
-          </a:p>
-        </p:txBody>
-      </p:sp>
-    </p:spTree>
-    <p:extLst>
-      <p:ext uri="{BB962C8B-B14F-4D97-AF65-F5344CB8AC3E}">
-        <p14:creationId xmlns:p14="http://schemas.microsoft.com/office/powerpoint/2010/main" val="1552233089"/>
-      </p:ext>
-    </p:extLst>
-  </p:cSld>
-  <p:clrMapOvr>
-    <a:masterClrMapping/>
-  </p:clrMapOvr>
-  <mc:AlternateContent xmlns:mc="http://schemas.openxmlformats.org/markup-compatibility/2006" xmlns:p14="http://schemas.microsoft.com/office/powerpoint/2010/main">
-    <mc:Choice Requires="p14">
-      <p:transition p14:dur="0"/>
-    </mc:Choice>
-    <mc:Fallback xmlns="">
-      <p:transition/>
-    </mc:Fallback>
-  </mc:AlternateContent>
 </p:sld>
 </file>
 
@@ -33192,155 +34466,14 @@
       </p:grpSpPr>
       <p:sp>
         <p:nvSpPr>
-          <p:cNvPr id="3" name="Espace réservé du contenu 2"/>
-          <p:cNvSpPr>
-            <a:spLocks noGrp="1"/>
-          </p:cNvSpPr>
-          <p:nvPr>
-            <p:ph idx="1"/>
-          </p:nvPr>
-        </p:nvSpPr>
-        <p:spPr>
-          <a:xfrm>
-            <a:off x="1620317" y="1480258"/>
-            <a:ext cx="8915400" cy="3777622"/>
-          </a:xfrm>
-        </p:spPr>
-        <p:txBody>
-          <a:bodyPr tIns="72000">
-            <a:noAutofit/>
-          </a:bodyPr>
-          <a:lstStyle/>
-          <a:p>
-            <a:pPr>
-              <a:buFont typeface="Wingdings" panose="05000000000000000000" pitchFamily="2" charset="2"/>
-              <a:buChar char="v"/>
-            </a:pPr>
-            <a:r>
-              <a:rPr lang="fr-FR" sz="2800" u="sng" dirty="0"/>
-              <a:t>Objectif:</a:t>
-            </a:r>
-          </a:p>
-          <a:p>
-            <a:pPr marL="0" indent="0">
-              <a:buNone/>
-            </a:pPr>
-            <a:r>
-              <a:rPr lang="fr-FR" sz="2800" dirty="0"/>
-              <a:t>	</a:t>
-            </a:r>
-            <a:r>
-              <a:rPr lang="fr-FR" sz="2400" dirty="0"/>
-              <a:t>- positionnement axial (image nette)</a:t>
-            </a:r>
-          </a:p>
-          <a:p>
-            <a:pPr marL="0" indent="0">
-              <a:buNone/>
-            </a:pPr>
-            <a:r>
-              <a:rPr lang="fr-FR" sz="2400" dirty="0"/>
-              <a:t>	- positionnement transversal (image centrée)</a:t>
-            </a:r>
-          </a:p>
-          <a:p>
-            <a:pPr marL="0" indent="0">
-              <a:buNone/>
-            </a:pPr>
-            <a:r>
-              <a:rPr lang="fr-FR" sz="2400" dirty="0"/>
-              <a:t>	</a:t>
-            </a:r>
-          </a:p>
-          <a:p>
-            <a:pPr>
-              <a:buFont typeface="Wingdings" panose="05000000000000000000" pitchFamily="2" charset="2"/>
-              <a:buChar char="v"/>
-            </a:pPr>
-            <a:r>
-              <a:rPr lang="fr-FR" sz="2800" u="sng" dirty="0"/>
-              <a:t>Données:</a:t>
-            </a:r>
-          </a:p>
-          <a:p>
-            <a:pPr marL="457200" lvl="1" indent="0">
-              <a:buClrTx/>
-              <a:buNone/>
-            </a:pPr>
-            <a:r>
-              <a:rPr lang="fr-FR" sz="2400" dirty="0"/>
-              <a:t>- images de calibrations </a:t>
-            </a:r>
-          </a:p>
-          <a:p>
-            <a:pPr marL="457200" lvl="1" indent="0">
-              <a:buClrTx/>
-              <a:buNone/>
-            </a:pPr>
-            <a:r>
-              <a:rPr lang="fr-FR" sz="2400" dirty="0"/>
-              <a:t>- images de mesure</a:t>
-            </a:r>
-          </a:p>
-          <a:p>
-            <a:pPr marL="457200" lvl="1" indent="0">
-              <a:buClrTx/>
-              <a:buNone/>
-            </a:pPr>
-            <a:r>
-              <a:rPr lang="fr-FR" sz="2400" dirty="0"/>
-              <a:t>- images en situation</a:t>
-            </a:r>
-            <a:br>
-              <a:rPr lang="fr-FR" sz="2400" dirty="0"/>
-            </a:br>
-            <a:br>
-              <a:rPr lang="fr-FR" sz="2400" dirty="0"/>
-            </a:br>
-            <a:endParaRPr lang="fr-FR" sz="2800" dirty="0"/>
-          </a:p>
-          <a:p>
-            <a:pPr marL="0" indent="0">
-              <a:buNone/>
-            </a:pPr>
-            <a:endParaRPr lang="fr-FR" sz="2400" dirty="0"/>
-          </a:p>
-          <a:p>
-            <a:pPr marL="0" indent="0">
-              <a:buNone/>
-            </a:pPr>
-            <a:br>
-              <a:rPr lang="fr-FR" sz="2400" dirty="0"/>
-            </a:br>
-            <a:br>
-              <a:rPr lang="fr-FR" sz="2400" dirty="0"/>
-            </a:br>
-            <a:endParaRPr lang="fr-FR" sz="2400" dirty="0"/>
-          </a:p>
-          <a:p>
-            <a:pPr marL="0" indent="0">
-              <a:buNone/>
-            </a:pPr>
-            <a:endParaRPr lang="fr-FR" sz="2400" dirty="0"/>
-          </a:p>
-          <a:p>
-            <a:pPr marL="0" indent="0">
-              <a:buNone/>
-            </a:pPr>
-            <a:endParaRPr lang="fr-FR" sz="2400" dirty="0"/>
-          </a:p>
-        </p:txBody>
-      </p:sp>
-      <p:sp>
-        <p:nvSpPr>
           <p:cNvPr id="2" name="ZoneTexte 1"/>
           <p:cNvSpPr txBox="1"/>
           <p:nvPr/>
         </p:nvSpPr>
         <p:spPr>
           <a:xfrm>
-            <a:off x="706582" y="249382"/>
-            <a:ext cx="10631978" cy="830997"/>
+            <a:off x="837255" y="192265"/>
+            <a:ext cx="10631979" cy="1200329"/>
           </a:xfrm>
           <a:prstGeom prst="rect">
             <a:avLst/>
@@ -33353,50 +34486,191 @@
           </a:bodyPr>
           <a:lstStyle/>
           <a:p>
-            <a:r>
-              <a:rPr lang="fr-FR" sz="2400" i="1" dirty="0">
-                <a:solidFill>
-                  <a:prstClr val="black"/>
-                </a:solidFill>
-              </a:rPr>
-              <a:t>Avec quelle précision peut on localiser un émetteur fluorescent ?</a:t>
-            </a:r>
-            <a:br>
-              <a:rPr lang="fr-FR" sz="2400" i="1" dirty="0">
-                <a:solidFill>
-                  <a:prstClr val="black"/>
-                </a:solidFill>
-              </a:rPr>
-            </a:br>
-            <a:r>
-              <a:rPr lang="fr-FR" sz="2400" i="1" dirty="0">
-                <a:solidFill>
-                  <a:prstClr val="black"/>
-                </a:solidFill>
-              </a:rPr>
-              <a:t>Quels traitements et solutions faut-il envisager ?</a:t>
-            </a:r>
-          </a:p>
-        </p:txBody>
-      </p:sp>
+            <a:pPr algn="ctr"/>
+            <a:r>
+              <a:rPr lang="fr-FR" sz="3600" i="1" dirty="0" smtClean="0"/>
+              <a:t>Comment obtenir le positionnement axial du photophore ?</a:t>
+            </a:r>
+            <a:endParaRPr lang="fr-FR" sz="3600" i="1" dirty="0"/>
+          </a:p>
+        </p:txBody>
+      </p:sp>
+      <p:sp>
+        <p:nvSpPr>
+          <p:cNvPr id="5" name="ZoneTexte 4"/>
+          <p:cNvSpPr txBox="1"/>
+          <p:nvPr/>
+        </p:nvSpPr>
+        <p:spPr>
+          <a:xfrm>
+            <a:off x="843495" y="1412776"/>
+            <a:ext cx="10059725" cy="1569660"/>
+          </a:xfrm>
+          <a:prstGeom prst="rect">
+            <a:avLst/>
+          </a:prstGeom>
+          <a:noFill/>
+        </p:spPr>
+        <p:txBody>
+          <a:bodyPr wrap="square" rtlCol="0">
+            <a:spAutoFit/>
+          </a:bodyPr>
+          <a:lstStyle/>
+          <a:p>
+            <a:pPr marL="342900" indent="-342900">
+              <a:buFontTx/>
+              <a:buChar char="-"/>
+            </a:pPr>
+            <a:r>
+              <a:rPr lang="fr-FR" sz="2400" dirty="0" smtClean="0"/>
+              <a:t>Taille de la tache d’Airy</a:t>
+            </a:r>
+            <a:endParaRPr lang="fr-FR" sz="2400" dirty="0"/>
+          </a:p>
+          <a:p>
+            <a:pPr marL="342900" indent="-342900">
+              <a:buFontTx/>
+              <a:buChar char="-"/>
+            </a:pPr>
+            <a:r>
+              <a:rPr lang="fr-FR" sz="2400" dirty="0"/>
+              <a:t>Fréquence de la figure d’interférence</a:t>
+            </a:r>
+          </a:p>
+          <a:p>
+            <a:pPr marL="342900" indent="-342900">
+              <a:buFontTx/>
+              <a:buChar char="-"/>
+            </a:pPr>
+            <a:endParaRPr lang="fr-FR" sz="2400" dirty="0" smtClean="0"/>
+          </a:p>
+          <a:p>
+            <a:pPr marL="342900" indent="-342900">
+              <a:buFontTx/>
+              <a:buChar char="-"/>
+            </a:pPr>
+            <a:endParaRPr lang="fr-FR" sz="2400" dirty="0" smtClean="0"/>
+          </a:p>
+        </p:txBody>
+      </p:sp>
+      <p:pic>
+        <p:nvPicPr>
+          <p:cNvPr id="2053" name="Picture 5" descr="E:\Docum\PROJETS ETI MATLAB SOLID\PIMS_Projet\img_powerpoint\300-700-900-1200.png"/>
+          <p:cNvPicPr>
+            <a:picLocks noChangeAspect="1" noChangeArrowheads="1"/>
+          </p:cNvPicPr>
+          <p:nvPr/>
+        </p:nvPicPr>
+        <p:blipFill rotWithShape="1">
+          <a:blip r:embed="rId2">
+            <a:extLst>
+              <a:ext uri="{28A0092B-C50C-407E-A947-70E740481C1C}">
+                <a14:useLocalDpi xmlns:a14="http://schemas.microsoft.com/office/drawing/2010/main" val="0"/>
+              </a:ext>
+            </a:extLst>
+          </a:blip>
+          <a:srcRect l="-1" t="1" r="48785" b="-1679"/>
+          <a:stretch/>
+        </p:blipFill>
+        <p:spPr bwMode="auto">
+          <a:xfrm>
+            <a:off x="1967542" y="2316434"/>
+            <a:ext cx="7816612" cy="2405692"/>
+          </a:xfrm>
+          <a:prstGeom prst="rect">
+            <a:avLst/>
+          </a:prstGeom>
+          <a:noFill/>
+          <a:effectLst>
+            <a:glow>
+              <a:schemeClr val="accent1">
+                <a:alpha val="40000"/>
+              </a:schemeClr>
+            </a:glow>
+            <a:outerShdw sx="1000" sy="1000" algn="ctr" rotWithShape="0">
+              <a:srgbClr val="000000"/>
+            </a:outerShdw>
+          </a:effectLst>
+          <a:extLst>
+            <a:ext uri="{909E8E84-426E-40DD-AFC4-6F175D3DCCD1}">
+              <a14:hiddenFill xmlns:a14="http://schemas.microsoft.com/office/drawing/2010/main">
+                <a:solidFill>
+                  <a:srgbClr val="FFFFFF"/>
+                </a:solidFill>
+              </a14:hiddenFill>
+            </a:ext>
+          </a:extLst>
+        </p:spPr>
+      </p:pic>
+      <p:pic>
+        <p:nvPicPr>
+          <p:cNvPr id="11" name="Picture 5" descr="E:\Docum\PROJETS ETI MATLAB SOLID\PIMS_Projet\img_powerpoint\300-700-900-1200.png"/>
+          <p:cNvPicPr>
+            <a:picLocks noChangeAspect="1" noChangeArrowheads="1"/>
+          </p:cNvPicPr>
+          <p:nvPr/>
+        </p:nvPicPr>
+        <p:blipFill rotWithShape="1">
+          <a:blip r:embed="rId2">
+            <a:extLst>
+              <a:ext uri="{28A0092B-C50C-407E-A947-70E740481C1C}">
+                <a14:useLocalDpi xmlns:a14="http://schemas.microsoft.com/office/drawing/2010/main" val="0"/>
+              </a:ext>
+            </a:extLst>
+          </a:blip>
+          <a:srcRect l="50000"/>
+          <a:stretch/>
+        </p:blipFill>
+        <p:spPr bwMode="auto">
+          <a:xfrm>
+            <a:off x="1975440" y="4432946"/>
+            <a:ext cx="7821592" cy="2425055"/>
+          </a:xfrm>
+          <a:prstGeom prst="rect">
+            <a:avLst/>
+          </a:prstGeom>
+          <a:noFill/>
+          <a:effectLst>
+            <a:glow>
+              <a:schemeClr val="accent1">
+                <a:alpha val="40000"/>
+              </a:schemeClr>
+            </a:glow>
+            <a:outerShdw sx="1000" sy="1000" algn="ctr" rotWithShape="0">
+              <a:srgbClr val="000000"/>
+            </a:outerShdw>
+          </a:effectLst>
+          <a:extLst>
+            <a:ext uri="{909E8E84-426E-40DD-AFC4-6F175D3DCCD1}">
+              <a14:hiddenFill xmlns:a14="http://schemas.microsoft.com/office/drawing/2010/main">
+                <a:solidFill>
+                  <a:srgbClr val="FFFFFF"/>
+                </a:solidFill>
+              </a14:hiddenFill>
+            </a:ext>
+          </a:extLst>
+        </p:spPr>
+      </p:pic>
     </p:spTree>
     <p:extLst>
       <p:ext uri="{BB962C8B-B14F-4D97-AF65-F5344CB8AC3E}">
-        <p14:creationId xmlns:p14="http://schemas.microsoft.com/office/powerpoint/2010/main" val="1803403462"/>
+        <p14:creationId xmlns:p14="http://schemas.microsoft.com/office/powerpoint/2010/main" val="3781512607"/>
       </p:ext>
     </p:extLst>
   </p:cSld>
   <p:clrMapOvr>
     <a:masterClrMapping/>
   </p:clrMapOvr>
-  <mc:AlternateContent xmlns:mc="http://schemas.openxmlformats.org/markup-compatibility/2006" xmlns:p14="http://schemas.microsoft.com/office/powerpoint/2010/main">
-    <mc:Choice Requires="p14">
-      <p:transition p14:dur="0"/>
-    </mc:Choice>
-    <mc:Fallback xmlns="">
-      <p:transition/>
-    </mc:Fallback>
-  </mc:AlternateContent>
+  <p:transition spd="slow">
+    <p:fade/>
+  </p:transition>
+  <p:timing>
+    <p:tnLst>
+      <p:par>
+        <p:cTn id="1" dur="indefinite" restart="never" nodeType="tmRoot"/>
+      </p:par>
+    </p:tnLst>
+  </p:timing>
 </p:sld>
 </file>
 
@@ -35021,6 +36295,10 @@
             <a:br>
               <a:rPr lang="fr-FR" sz="2400" dirty="0"/>
             </a:br>
+            <a:r>
+              <a:rPr lang="fr-FR" sz="2400" dirty="0"/>
+              <a:t/>
+            </a:r>
             <a:br>
               <a:rPr lang="fr-FR" sz="2400" dirty="0"/>
             </a:br>
@@ -35031,6 +36309,10 @@
             <a:br>
               <a:rPr lang="fr-FR" sz="2400" dirty="0"/>
             </a:br>
+            <a:r>
+              <a:rPr lang="fr-FR" sz="2400" dirty="0"/>
+              <a:t/>
+            </a:r>
             <a:br>
               <a:rPr lang="fr-FR" sz="2400" dirty="0"/>
             </a:br>
@@ -35041,9 +36323,17 @@
             <a:br>
               <a:rPr lang="fr-FR" sz="2400" dirty="0"/>
             </a:br>
+            <a:r>
+              <a:rPr lang="fr-FR" sz="2400" dirty="0"/>
+              <a:t/>
+            </a:r>
             <a:br>
               <a:rPr lang="fr-FR" sz="2400" dirty="0"/>
             </a:br>
+            <a:r>
+              <a:rPr lang="fr-FR" sz="2400" dirty="0"/>
+              <a:t/>
+            </a:r>
             <a:br>
               <a:rPr lang="fr-FR" sz="2400" dirty="0"/>
             </a:br>
@@ -35692,7 +36982,7 @@
     </a:clrScheme>
     <a:fontScheme name="Brin">
       <a:majorFont>
-        <a:latin typeface="Century Gothic" panose="020B0502020202020204"/>
+        <a:latin typeface="Century Gothic"/>
         <a:ea typeface=""/>
         <a:cs typeface=""/>
         <a:font script="Jpan" typeface="メイリオ"/>
@@ -35727,7 +37017,7 @@
         <a:font script="Geor" typeface="Sylfaen"/>
       </a:majorFont>
       <a:minorFont>
-        <a:latin typeface="Century Gothic" panose="020B0502020202020204"/>
+        <a:latin typeface="Century Gothic"/>
         <a:ea typeface=""/>
         <a:cs typeface=""/>
         <a:font script="Jpan" typeface="メイリオ"/>
@@ -35886,7 +37176,7 @@
   <a:extraClrSchemeLst/>
   <a:extLst>
     <a:ext uri="{05A4C25C-085E-4340-85A3-A5531E510DB2}">
-      <thm15:themeFamily xmlns:thm15="http://schemas.microsoft.com/office/thememl/2012/main" name="Wisp" id="{7CB32D59-10C0-40DD-B7BD-2E94284A981C}" vid="{24B1A44C-C006-48B2-A4D7-E5549B3D8CD4}"/>
+      <thm15:themeFamily xmlns:thm15="http://schemas.microsoft.com/office/thememl/2012/main" xmlns="" name="Wisp" id="{7CB32D59-10C0-40DD-B7BD-2E94284A981C}" vid="{24B1A44C-C006-48B2-A4D7-E5549B3D8CD4}"/>
     </a:ext>
   </a:extLst>
 </a:theme>
@@ -35935,7 +37225,7 @@
     </a:clrScheme>
     <a:fontScheme name="Brin">
       <a:majorFont>
-        <a:latin typeface="Century Gothic" panose="020B0502020202020204"/>
+        <a:latin typeface="Century Gothic"/>
         <a:ea typeface=""/>
         <a:cs typeface=""/>
         <a:font script="Jpan" typeface="メイリオ"/>
@@ -35970,7 +37260,7 @@
         <a:font script="Geor" typeface="Sylfaen"/>
       </a:majorFont>
       <a:minorFont>
-        <a:latin typeface="Century Gothic" panose="020B0502020202020204"/>
+        <a:latin typeface="Century Gothic"/>
         <a:ea typeface=""/>
         <a:cs typeface=""/>
         <a:font script="Jpan" typeface="メイリオ"/>
@@ -36129,7 +37419,7 @@
   <a:extraClrSchemeLst/>
   <a:extLst>
     <a:ext uri="{05A4C25C-085E-4340-85A3-A5531E510DB2}">
-      <thm15:themeFamily xmlns:thm15="http://schemas.microsoft.com/office/thememl/2012/main" name="Wisp" id="{7CB32D59-10C0-40DD-B7BD-2E94284A981C}" vid="{24B1A44C-C006-48B2-A4D7-E5549B3D8CD4}"/>
+      <thm15:themeFamily xmlns:thm15="http://schemas.microsoft.com/office/thememl/2012/main" xmlns="" name="Wisp" id="{7CB32D59-10C0-40DD-B7BD-2E94284A981C}" vid="{24B1A44C-C006-48B2-A4D7-E5549B3D8CD4}"/>
     </a:ext>
   </a:extLst>
 </a:theme>
@@ -36178,7 +37468,7 @@
     </a:clrScheme>
     <a:fontScheme name="Office">
       <a:majorFont>
-        <a:latin typeface="Calibri Light" panose="020F0302020204030204"/>
+        <a:latin typeface="Calibri Light"/>
         <a:ea typeface=""/>
         <a:cs typeface=""/>
         <a:font script="Jpan" typeface="ＭＳ Ｐゴシック"/>
@@ -36213,7 +37503,7 @@
         <a:font script="Geor" typeface="Sylfaen"/>
       </a:majorFont>
       <a:minorFont>
-        <a:latin typeface="Calibri" panose="020F0502020204030204"/>
+        <a:latin typeface="Calibri"/>
         <a:ea typeface=""/>
         <a:cs typeface=""/>
         <a:font script="Jpan" typeface="ＭＳ Ｐゴシック"/>
@@ -36390,7 +37680,7 @@
   <a:extraClrSchemeLst/>
   <a:extLst>
     <a:ext uri="{05A4C25C-085E-4340-85A3-A5531E510DB2}">
-      <thm15:themeFamily xmlns:thm15="http://schemas.microsoft.com/office/thememl/2012/main" name="Office Theme" id="{62F939B6-93AF-4DB8-9C6B-D6C7DFDC589F}" vid="{4A3C46E8-61CC-4603-A589-7422A47A8E4A}"/>
+      <thm15:themeFamily xmlns:thm15="http://schemas.microsoft.com/office/thememl/2012/main" xmlns="" name="Office Theme" id="{62F939B6-93AF-4DB8-9C6B-D6C7DFDC589F}" vid="{4A3C46E8-61CC-4603-A589-7422A47A8E4A}"/>
     </a:ext>
   </a:extLst>
 </a:theme>
@@ -36439,7 +37729,7 @@
     </a:clrScheme>
     <a:fontScheme name="Brin">
       <a:majorFont>
-        <a:latin typeface="Century Gothic" panose="020B0502020202020204"/>
+        <a:latin typeface="Century Gothic"/>
         <a:ea typeface=""/>
         <a:cs typeface=""/>
         <a:font script="Jpan" typeface="メイリオ"/>
@@ -36474,7 +37764,7 @@
         <a:font script="Geor" typeface="Sylfaen"/>
       </a:majorFont>
       <a:minorFont>
-        <a:latin typeface="Century Gothic" panose="020B0502020202020204"/>
+        <a:latin typeface="Century Gothic"/>
         <a:ea typeface=""/>
         <a:cs typeface=""/>
         <a:font script="Jpan" typeface="メイリオ"/>
@@ -36633,7 +37923,7 @@
   <a:extraClrSchemeLst/>
   <a:extLst>
     <a:ext uri="{05A4C25C-085E-4340-85A3-A5531E510DB2}">
-      <thm15:themeFamily xmlns:thm15="http://schemas.microsoft.com/office/thememl/2012/main" name="Wisp" id="{7CB32D59-10C0-40DD-B7BD-2E94284A981C}" vid="{24B1A44C-C006-48B2-A4D7-E5549B3D8CD4}"/>
+      <thm15:themeFamily xmlns:thm15="http://schemas.microsoft.com/office/thememl/2012/main" xmlns="" name="Wisp" id="{7CB32D59-10C0-40DD-B7BD-2E94284A981C}" vid="{24B1A44C-C006-48B2-A4D7-E5549B3D8CD4}"/>
     </a:ext>
   </a:extLst>
 </a:theme>

--- a/Pres_Avril/PresentationPIMSAvril.pptx
+++ b/Pres_Avril/PresentationPIMSAvril.pptx
@@ -12,26 +12,25 @@
     <p:sldId id="310" r:id="rId6"/>
     <p:sldId id="311" r:id="rId7"/>
     <p:sldId id="278" r:id="rId8"/>
-    <p:sldId id="289" r:id="rId9"/>
-    <p:sldId id="290" r:id="rId10"/>
-    <p:sldId id="291" r:id="rId11"/>
-    <p:sldId id="292" r:id="rId12"/>
-    <p:sldId id="293" r:id="rId13"/>
-    <p:sldId id="294" r:id="rId14"/>
-    <p:sldId id="296" r:id="rId15"/>
-    <p:sldId id="305" r:id="rId16"/>
-    <p:sldId id="306" r:id="rId17"/>
-    <p:sldId id="307" r:id="rId18"/>
-    <p:sldId id="308" r:id="rId19"/>
-    <p:sldId id="312" r:id="rId20"/>
-    <p:sldId id="313" r:id="rId21"/>
-    <p:sldId id="314" r:id="rId22"/>
-    <p:sldId id="315" r:id="rId23"/>
-    <p:sldId id="316" r:id="rId24"/>
-    <p:sldId id="304" r:id="rId25"/>
-    <p:sldId id="309" r:id="rId26"/>
-    <p:sldId id="297" r:id="rId27"/>
-    <p:sldId id="298" r:id="rId28"/>
+    <p:sldId id="290" r:id="rId9"/>
+    <p:sldId id="291" r:id="rId10"/>
+    <p:sldId id="292" r:id="rId11"/>
+    <p:sldId id="293" r:id="rId12"/>
+    <p:sldId id="294" r:id="rId13"/>
+    <p:sldId id="296" r:id="rId14"/>
+    <p:sldId id="305" r:id="rId15"/>
+    <p:sldId id="306" r:id="rId16"/>
+    <p:sldId id="307" r:id="rId17"/>
+    <p:sldId id="312" r:id="rId18"/>
+    <p:sldId id="313" r:id="rId19"/>
+    <p:sldId id="314" r:id="rId20"/>
+    <p:sldId id="315" r:id="rId21"/>
+    <p:sldId id="316" r:id="rId22"/>
+    <p:sldId id="317" r:id="rId23"/>
+    <p:sldId id="304" r:id="rId24"/>
+    <p:sldId id="309" r:id="rId25"/>
+    <p:sldId id="297" r:id="rId26"/>
+    <p:sldId id="298" r:id="rId27"/>
   </p:sldIdLst>
   <p:sldSz cx="12192000" cy="6858000"/>
   <p:notesSz cx="6858000" cy="9144000"/>
@@ -132,7 +131,7 @@
   </p:defaultTextStyle>
   <p:extLst>
     <p:ext uri="{EFAFB233-063F-42B5-8137-9DF3F51BA10A}">
-      <p15:sldGuideLst xmlns:p15="http://schemas.microsoft.com/office/powerpoint/2012/main" xmlns="">
+      <p15:sldGuideLst xmlns:p15="http://schemas.microsoft.com/office/powerpoint/2012/main">
         <p15:guide id="1" orient="horz" pos="2160">
           <p15:clr>
             <a:srgbClr val="A4A3A4"/>
@@ -27322,7 +27321,7 @@
         </p:nvSpPr>
         <p:spPr>
           <a:xfrm>
-            <a:off x="2668146" y="4492899"/>
+            <a:off x="1700741" y="6294858"/>
             <a:ext cx="8915399" cy="1126283"/>
           </a:xfrm>
         </p:spPr>
@@ -27333,9 +27332,9 @@
           <a:lstStyle/>
           <a:p>
             <a:r>
-              <a:rPr lang="fr-FR" sz="3200" i="1" dirty="0">
-                <a:solidFill>
-                  <a:schemeClr val="accent2"/>
+              <a:rPr lang="fr-FR" sz="3200" b="1" i="1" dirty="0">
+                <a:solidFill>
+                  <a:schemeClr val="bg1"/>
                 </a:solidFill>
                 <a:effectLst>
                   <a:outerShdw blurRad="38100" dist="38100" dir="2700000" algn="tl">
@@ -27358,7 +27357,7 @@
         </p:nvSpPr>
         <p:spPr>
           <a:xfrm>
-            <a:off x="2644485" y="1715088"/>
+            <a:off x="2631233" y="1675332"/>
             <a:ext cx="7065589" cy="2862322"/>
           </a:xfrm>
           <a:prstGeom prst="rect">
@@ -27424,29 +27423,6 @@
                 </a:effectLst>
               </a:rPr>
               <a:t>:</a:t>
-            </a:r>
-            <a:r>
-              <a:rPr lang="fr-FR" sz="5400" dirty="0">
-                <a:ln w="15875">
-                  <a:solidFill>
-                    <a:prstClr val="black">
-                      <a:alpha val="63000"/>
-                    </a:prstClr>
-                  </a:solidFill>
-                </a:ln>
-                <a:solidFill>
-                  <a:srgbClr val="FFFF00"/>
-                </a:solidFill>
-                <a:effectLst>
-                  <a:outerShdw blurRad="38100" dist="38100" dir="2700000" algn="tl">
-                    <a:srgbClr val="000000">
-                      <a:alpha val="43137"/>
-                    </a:srgbClr>
-                  </a:outerShdw>
-                  <a:reflection blurRad="6350" stA="0" endPos="35500" dir="5400000" sy="-90000" algn="bl" rotWithShape="0"/>
-                </a:effectLst>
-              </a:rPr>
-              <a:t/>
             </a:r>
             <a:br>
               <a:rPr lang="fr-FR" sz="5400" dirty="0">
@@ -27639,13 +27615,6 @@
       </p:transition>
     </mc:Fallback>
   </mc:AlternateContent>
-  <p:timing>
-    <p:tnLst>
-      <p:par>
-        <p:cTn id="1" dur="indefinite" restart="never" nodeType="tmRoot"/>
-      </p:par>
-    </p:tnLst>
-  </p:timing>
 </p:sld>
 </file>
 
@@ -27668,6 +27637,52 @@
       </p:grpSpPr>
       <p:sp>
         <p:nvSpPr>
+          <p:cNvPr id="3" name="Espace réservé du contenu 2"/>
+          <p:cNvSpPr>
+            <a:spLocks noGrp="1"/>
+          </p:cNvSpPr>
+          <p:nvPr>
+            <p:ph idx="1"/>
+          </p:nvPr>
+        </p:nvSpPr>
+        <p:spPr>
+          <a:xfrm>
+            <a:off x="1878012" y="274912"/>
+            <a:ext cx="8915400" cy="6212974"/>
+          </a:xfrm>
+        </p:spPr>
+        <p:txBody>
+          <a:bodyPr tIns="72000">
+            <a:noAutofit/>
+          </a:bodyPr>
+          <a:lstStyle/>
+          <a:p>
+            <a:pPr>
+              <a:buFont typeface="Wingdings" panose="05000000000000000000" pitchFamily="2" charset="2"/>
+              <a:buChar char="v"/>
+            </a:pPr>
+            <a:r>
+              <a:rPr lang="fr-FR" sz="2800" u="sng" dirty="0"/>
+              <a:t>Détermination de la position axiale </a:t>
+            </a:r>
+          </a:p>
+          <a:p>
+            <a:pPr>
+              <a:buFont typeface="Wingdings" panose="05000000000000000000" pitchFamily="2" charset="2"/>
+              <a:buChar char="v"/>
+            </a:pPr>
+            <a:endParaRPr lang="fr-FR" sz="2800" dirty="0"/>
+          </a:p>
+          <a:p>
+            <a:pPr marL="0" indent="0">
+              <a:buNone/>
+            </a:pPr>
+            <a:endParaRPr lang="fr-FR" sz="2800" dirty="0"/>
+          </a:p>
+        </p:txBody>
+      </p:sp>
+      <p:sp>
+        <p:nvSpPr>
           <p:cNvPr id="6" name="Espace réservé du contenu 2"/>
           <p:cNvSpPr txBox="1">
             <a:spLocks/>
@@ -27676,8 +27691,8 @@
         </p:nvSpPr>
         <p:spPr>
           <a:xfrm>
-            <a:off x="770470" y="723208"/>
-            <a:ext cx="8915400" cy="745982"/>
+            <a:off x="1215765" y="989214"/>
+            <a:ext cx="8915400" cy="5692635"/>
           </a:xfrm>
           <a:prstGeom prst="rect">
             <a:avLst/>
@@ -27910,841 +27925,6 @@
               <a:buFont typeface="Wingdings 3" charset="2"/>
               <a:buNone/>
             </a:pPr>
-            <a:r>
-              <a:rPr lang="fr-FR" sz="2400" b="1" dirty="0"/>
-              <a:t>Création de courbes de calibrations:</a:t>
-            </a:r>
-          </a:p>
-          <a:p>
-            <a:pPr marL="446088" indent="-358775">
-              <a:buFont typeface="Wingdings 3" charset="2"/>
-              <a:buNone/>
-            </a:pPr>
-            <a:r>
-              <a:rPr lang="fr-FR" sz="2400" dirty="0"/>
-              <a:t> </a:t>
-            </a:r>
-          </a:p>
-        </p:txBody>
-      </p:sp>
-      <p:pic>
-        <p:nvPicPr>
-          <p:cNvPr id="1026" name="Picture 2"/>
-          <p:cNvPicPr>
-            <a:picLocks noChangeAspect="1" noChangeArrowheads="1"/>
-          </p:cNvPicPr>
-          <p:nvPr/>
-        </p:nvPicPr>
-        <p:blipFill>
-          <a:blip r:embed="rId2">
-            <a:extLst>
-              <a:ext uri="{28A0092B-C50C-407E-A947-70E740481C1C}">
-                <a14:useLocalDpi xmlns:a14="http://schemas.microsoft.com/office/drawing/2010/main" val="0"/>
-              </a:ext>
-            </a:extLst>
-          </a:blip>
-          <a:srcRect/>
-          <a:stretch>
-            <a:fillRect/>
-          </a:stretch>
-        </p:blipFill>
-        <p:spPr bwMode="auto">
-          <a:xfrm>
-            <a:off x="317991" y="1469190"/>
-            <a:ext cx="6274147" cy="5072926"/>
-          </a:xfrm>
-          <a:prstGeom prst="rect">
-            <a:avLst/>
-          </a:prstGeom>
-          <a:noFill/>
-          <a:ln>
-            <a:noFill/>
-          </a:ln>
-          <a:extLst>
-            <a:ext uri="{909E8E84-426E-40DD-AFC4-6F175D3DCCD1}">
-              <a14:hiddenFill xmlns:a14="http://schemas.microsoft.com/office/drawing/2010/main">
-                <a:solidFill>
-                  <a:schemeClr val="accent1"/>
-                </a:solidFill>
-              </a14:hiddenFill>
-            </a:ext>
-            <a:ext uri="{91240B29-F687-4F45-9708-019B960494DF}">
-              <a14:hiddenLine xmlns:a14="http://schemas.microsoft.com/office/drawing/2010/main" w="9525">
-                <a:solidFill>
-                  <a:schemeClr val="tx1"/>
-                </a:solidFill>
-                <a:miter lim="800000"/>
-                <a:headEnd/>
-                <a:tailEnd/>
-              </a14:hiddenLine>
-            </a:ext>
-          </a:extLst>
-        </p:spPr>
-      </p:pic>
-      <p:sp>
-        <p:nvSpPr>
-          <p:cNvPr id="2" name="ZoneTexte 1"/>
-          <p:cNvSpPr txBox="1"/>
-          <p:nvPr/>
-        </p:nvSpPr>
-        <p:spPr>
-          <a:xfrm>
-            <a:off x="6848365" y="1292457"/>
-            <a:ext cx="5675009" cy="5909310"/>
-          </a:xfrm>
-          <a:prstGeom prst="rect">
-            <a:avLst/>
-          </a:prstGeom>
-          <a:noFill/>
-        </p:spPr>
-        <p:txBody>
-          <a:bodyPr wrap="square" rtlCol="0">
-            <a:spAutoFit/>
-          </a:bodyPr>
-          <a:lstStyle/>
-          <a:p>
-            <a:r>
-              <a:rPr lang="fr-FR" dirty="0"/>
-              <a:t>Pour cette courbe la position transverse </a:t>
-            </a:r>
-            <a:br>
-              <a:rPr lang="fr-FR" dirty="0"/>
-            </a:br>
-            <a:r>
-              <a:rPr lang="fr-FR" dirty="0"/>
-              <a:t>importe peu et les fréquences du réseau</a:t>
-            </a:r>
-            <a:br>
-              <a:rPr lang="fr-FR" dirty="0"/>
-            </a:br>
-            <a:r>
-              <a:rPr lang="fr-FR" dirty="0"/>
-              <a:t>peuvent gêner:</a:t>
-            </a:r>
-          </a:p>
-          <a:p>
-            <a:endParaRPr lang="fr-FR" dirty="0"/>
-          </a:p>
-          <a:p>
-            <a:endParaRPr lang="fr-FR" dirty="0"/>
-          </a:p>
-          <a:p>
-            <a:endParaRPr lang="fr-FR" dirty="0"/>
-          </a:p>
-          <a:p>
-            <a:endParaRPr lang="fr-FR" dirty="0"/>
-          </a:p>
-          <a:p>
-            <a:endParaRPr lang="fr-FR" dirty="0"/>
-          </a:p>
-          <a:p>
-            <a:endParaRPr lang="fr-FR" dirty="0"/>
-          </a:p>
-          <a:p>
-            <a:endParaRPr lang="fr-FR" dirty="0"/>
-          </a:p>
-          <a:p>
-            <a:endParaRPr lang="fr-FR" dirty="0"/>
-          </a:p>
-          <a:p>
-            <a:endParaRPr lang="fr-FR" dirty="0"/>
-          </a:p>
-          <a:p>
-            <a:endParaRPr lang="fr-FR" dirty="0"/>
-          </a:p>
-          <a:p>
-            <a:endParaRPr lang="fr-FR" dirty="0"/>
-          </a:p>
-          <a:p>
-            <a:endParaRPr lang="fr-FR" dirty="0"/>
-          </a:p>
-          <a:p>
-            <a:r>
-              <a:rPr lang="fr-FR" dirty="0"/>
-              <a:t>On supprimera la phase de l’image </a:t>
-            </a:r>
-            <a:br>
-              <a:rPr lang="fr-FR" dirty="0"/>
-            </a:br>
-            <a:r>
-              <a:rPr lang="fr-FR" dirty="0"/>
-              <a:t>afin de distinguer clairement le pic Airy </a:t>
-            </a:r>
-            <a:br>
-              <a:rPr lang="fr-FR" dirty="0"/>
-            </a:br>
-            <a:r>
-              <a:rPr lang="fr-FR" dirty="0"/>
-              <a:t>central de l’image d’interférence, celle-ci</a:t>
-            </a:r>
-            <a:br>
-              <a:rPr lang="fr-FR" dirty="0"/>
-            </a:br>
-            <a:r>
-              <a:rPr lang="fr-FR" dirty="0"/>
-              <a:t>sera enlevée avec un masque </a:t>
-            </a:r>
-            <a:r>
-              <a:rPr lang="fr-FR" dirty="0" err="1"/>
-              <a:t>hypergaussien</a:t>
-            </a:r>
-            <a:r>
-              <a:rPr lang="fr-FR" dirty="0"/>
-              <a:t>.</a:t>
-            </a:r>
-            <a:br>
-              <a:rPr lang="fr-FR" dirty="0"/>
-            </a:br>
-            <a:endParaRPr lang="fr-FR" dirty="0"/>
-          </a:p>
-          <a:p>
-            <a:endParaRPr lang="fr-FR" dirty="0"/>
-          </a:p>
-        </p:txBody>
-      </p:sp>
-      <p:pic>
-        <p:nvPicPr>
-          <p:cNvPr id="3074" name="Picture 2"/>
-          <p:cNvPicPr>
-            <a:picLocks noChangeAspect="1" noChangeArrowheads="1"/>
-          </p:cNvPicPr>
-          <p:nvPr/>
-        </p:nvPicPr>
-        <p:blipFill>
-          <a:blip r:embed="rId3" cstate="print">
-            <a:extLst>
-              <a:ext uri="{28A0092B-C50C-407E-A947-70E740481C1C}">
-                <a14:useLocalDpi xmlns:a14="http://schemas.microsoft.com/office/drawing/2010/main" val="0"/>
-              </a:ext>
-            </a:extLst>
-          </a:blip>
-          <a:srcRect/>
-          <a:stretch>
-            <a:fillRect/>
-          </a:stretch>
-        </p:blipFill>
-        <p:spPr bwMode="auto">
-          <a:xfrm>
-            <a:off x="8138797" y="2345199"/>
-            <a:ext cx="2695123" cy="2899121"/>
-          </a:xfrm>
-          <a:prstGeom prst="rect">
-            <a:avLst/>
-          </a:prstGeom>
-          <a:noFill/>
-          <a:ln>
-            <a:noFill/>
-          </a:ln>
-          <a:extLst>
-            <a:ext uri="{909E8E84-426E-40DD-AFC4-6F175D3DCCD1}">
-              <a14:hiddenFill xmlns:a14="http://schemas.microsoft.com/office/drawing/2010/main">
-                <a:solidFill>
-                  <a:schemeClr val="accent1"/>
-                </a:solidFill>
-              </a14:hiddenFill>
-            </a:ext>
-            <a:ext uri="{91240B29-F687-4F45-9708-019B960494DF}">
-              <a14:hiddenLine xmlns:a14="http://schemas.microsoft.com/office/drawing/2010/main" w="9525">
-                <a:solidFill>
-                  <a:schemeClr val="tx1"/>
-                </a:solidFill>
-                <a:miter lim="800000"/>
-                <a:headEnd/>
-                <a:tailEnd/>
-              </a14:hiddenLine>
-            </a:ext>
-          </a:extLst>
-        </p:spPr>
-      </p:pic>
-      <p:sp>
-        <p:nvSpPr>
-          <p:cNvPr id="9" name="Espace réservé du contenu 2"/>
-          <p:cNvSpPr txBox="1">
-            <a:spLocks/>
-          </p:cNvSpPr>
-          <p:nvPr/>
-        </p:nvSpPr>
-        <p:spPr>
-          <a:xfrm>
-            <a:off x="317991" y="216132"/>
-            <a:ext cx="8915400" cy="681644"/>
-          </a:xfrm>
-          <a:prstGeom prst="rect">
-            <a:avLst/>
-          </a:prstGeom>
-        </p:spPr>
-        <p:txBody>
-          <a:bodyPr vert="horz" lIns="91440" tIns="72000" rIns="91440" bIns="45720" rtlCol="0">
-            <a:noAutofit/>
-          </a:bodyPr>
-          <a:lstStyle>
-            <a:lvl1pPr marL="342900" indent="-342900" algn="l" defTabSz="457200" rtl="0" eaLnBrk="1" latinLnBrk="0" hangingPunct="1">
-              <a:spcBef>
-                <a:spcPts val="1000"/>
-              </a:spcBef>
-              <a:spcAft>
-                <a:spcPts val="0"/>
-              </a:spcAft>
-              <a:buClr>
-                <a:schemeClr val="accent1"/>
-              </a:buClr>
-              <a:buFont typeface="Wingdings 3" charset="2"/>
-              <a:buChar char=""/>
-              <a:defRPr sz="1800" kern="1200">
-                <a:solidFill>
-                  <a:schemeClr val="tx1">
-                    <a:lumMod val="75000"/>
-                    <a:lumOff val="25000"/>
-                  </a:schemeClr>
-                </a:solidFill>
-                <a:latin typeface="+mn-lt"/>
-                <a:ea typeface="+mn-ea"/>
-                <a:cs typeface="+mn-cs"/>
-              </a:defRPr>
-            </a:lvl1pPr>
-            <a:lvl2pPr marL="742950" indent="-285750" algn="l" defTabSz="457200" rtl="0" eaLnBrk="1" latinLnBrk="0" hangingPunct="1">
-              <a:spcBef>
-                <a:spcPts val="1000"/>
-              </a:spcBef>
-              <a:spcAft>
-                <a:spcPts val="0"/>
-              </a:spcAft>
-              <a:buClr>
-                <a:schemeClr val="accent1"/>
-              </a:buClr>
-              <a:buFont typeface="Wingdings 3" charset="2"/>
-              <a:buChar char=""/>
-              <a:defRPr sz="1600" kern="1200">
-                <a:solidFill>
-                  <a:schemeClr val="tx1">
-                    <a:lumMod val="75000"/>
-                    <a:lumOff val="25000"/>
-                  </a:schemeClr>
-                </a:solidFill>
-                <a:latin typeface="+mn-lt"/>
-                <a:ea typeface="+mn-ea"/>
-                <a:cs typeface="+mn-cs"/>
-              </a:defRPr>
-            </a:lvl2pPr>
-            <a:lvl3pPr marL="1143000" indent="-228600" algn="l" defTabSz="457200" rtl="0" eaLnBrk="1" latinLnBrk="0" hangingPunct="1">
-              <a:spcBef>
-                <a:spcPts val="1000"/>
-              </a:spcBef>
-              <a:spcAft>
-                <a:spcPts val="0"/>
-              </a:spcAft>
-              <a:buClr>
-                <a:schemeClr val="accent1"/>
-              </a:buClr>
-              <a:buFont typeface="Wingdings 3" charset="2"/>
-              <a:buChar char=""/>
-              <a:defRPr sz="1400" kern="1200">
-                <a:solidFill>
-                  <a:schemeClr val="tx1">
-                    <a:lumMod val="75000"/>
-                    <a:lumOff val="25000"/>
-                  </a:schemeClr>
-                </a:solidFill>
-                <a:latin typeface="+mn-lt"/>
-                <a:ea typeface="+mn-ea"/>
-                <a:cs typeface="+mn-cs"/>
-              </a:defRPr>
-            </a:lvl3pPr>
-            <a:lvl4pPr marL="1600200" indent="-228600" algn="l" defTabSz="457200" rtl="0" eaLnBrk="1" latinLnBrk="0" hangingPunct="1">
-              <a:spcBef>
-                <a:spcPts val="1000"/>
-              </a:spcBef>
-              <a:spcAft>
-                <a:spcPts val="0"/>
-              </a:spcAft>
-              <a:buClr>
-                <a:schemeClr val="accent1"/>
-              </a:buClr>
-              <a:buFont typeface="Wingdings 3" charset="2"/>
-              <a:buChar char=""/>
-              <a:defRPr sz="1200" kern="1200">
-                <a:solidFill>
-                  <a:schemeClr val="tx1">
-                    <a:lumMod val="75000"/>
-                    <a:lumOff val="25000"/>
-                  </a:schemeClr>
-                </a:solidFill>
-                <a:latin typeface="+mn-lt"/>
-                <a:ea typeface="+mn-ea"/>
-                <a:cs typeface="+mn-cs"/>
-              </a:defRPr>
-            </a:lvl4pPr>
-            <a:lvl5pPr marL="2057400" indent="-228600" algn="l" defTabSz="457200" rtl="0" eaLnBrk="1" latinLnBrk="0" hangingPunct="1">
-              <a:spcBef>
-                <a:spcPts val="1000"/>
-              </a:spcBef>
-              <a:spcAft>
-                <a:spcPts val="0"/>
-              </a:spcAft>
-              <a:buClr>
-                <a:schemeClr val="accent1"/>
-              </a:buClr>
-              <a:buFont typeface="Wingdings 3" charset="2"/>
-              <a:buChar char=""/>
-              <a:defRPr sz="1200" kern="1200">
-                <a:solidFill>
-                  <a:schemeClr val="tx1">
-                    <a:lumMod val="75000"/>
-                    <a:lumOff val="25000"/>
-                  </a:schemeClr>
-                </a:solidFill>
-                <a:latin typeface="+mn-lt"/>
-                <a:ea typeface="+mn-ea"/>
-                <a:cs typeface="+mn-cs"/>
-              </a:defRPr>
-            </a:lvl5pPr>
-            <a:lvl6pPr marL="2514600" indent="-228600" algn="l" defTabSz="457200" rtl="0" eaLnBrk="1" latinLnBrk="0" hangingPunct="1">
-              <a:spcBef>
-                <a:spcPts val="1000"/>
-              </a:spcBef>
-              <a:spcAft>
-                <a:spcPts val="0"/>
-              </a:spcAft>
-              <a:buClr>
-                <a:schemeClr val="accent1"/>
-              </a:buClr>
-              <a:buFont typeface="Wingdings 3" charset="2"/>
-              <a:buChar char=""/>
-              <a:defRPr sz="1200" kern="1200">
-                <a:solidFill>
-                  <a:schemeClr val="tx1">
-                    <a:lumMod val="75000"/>
-                    <a:lumOff val="25000"/>
-                  </a:schemeClr>
-                </a:solidFill>
-                <a:latin typeface="+mn-lt"/>
-                <a:ea typeface="+mn-ea"/>
-                <a:cs typeface="+mn-cs"/>
-              </a:defRPr>
-            </a:lvl6pPr>
-            <a:lvl7pPr marL="2971800" indent="-228600" algn="l" defTabSz="457200" rtl="0" eaLnBrk="1" latinLnBrk="0" hangingPunct="1">
-              <a:spcBef>
-                <a:spcPts val="1000"/>
-              </a:spcBef>
-              <a:spcAft>
-                <a:spcPts val="0"/>
-              </a:spcAft>
-              <a:buClr>
-                <a:schemeClr val="accent1"/>
-              </a:buClr>
-              <a:buFont typeface="Wingdings 3" charset="2"/>
-              <a:buChar char=""/>
-              <a:defRPr sz="1200" kern="1200">
-                <a:solidFill>
-                  <a:schemeClr val="tx1">
-                    <a:lumMod val="75000"/>
-                    <a:lumOff val="25000"/>
-                  </a:schemeClr>
-                </a:solidFill>
-                <a:latin typeface="+mn-lt"/>
-                <a:ea typeface="+mn-ea"/>
-                <a:cs typeface="+mn-cs"/>
-              </a:defRPr>
-            </a:lvl7pPr>
-            <a:lvl8pPr marL="3429000" indent="-228600" algn="l" defTabSz="457200" rtl="0" eaLnBrk="1" latinLnBrk="0" hangingPunct="1">
-              <a:spcBef>
-                <a:spcPts val="1000"/>
-              </a:spcBef>
-              <a:spcAft>
-                <a:spcPts val="0"/>
-              </a:spcAft>
-              <a:buClr>
-                <a:schemeClr val="accent1"/>
-              </a:buClr>
-              <a:buFont typeface="Wingdings 3" charset="2"/>
-              <a:buChar char=""/>
-              <a:defRPr sz="1200" kern="1200">
-                <a:solidFill>
-                  <a:schemeClr val="tx1">
-                    <a:lumMod val="75000"/>
-                    <a:lumOff val="25000"/>
-                  </a:schemeClr>
-                </a:solidFill>
-                <a:latin typeface="+mn-lt"/>
-                <a:ea typeface="+mn-ea"/>
-                <a:cs typeface="+mn-cs"/>
-              </a:defRPr>
-            </a:lvl8pPr>
-            <a:lvl9pPr marL="3886200" indent="-228600" algn="l" defTabSz="457200" rtl="0" eaLnBrk="1" latinLnBrk="0" hangingPunct="1">
-              <a:spcBef>
-                <a:spcPts val="1000"/>
-              </a:spcBef>
-              <a:spcAft>
-                <a:spcPts val="0"/>
-              </a:spcAft>
-              <a:buClr>
-                <a:schemeClr val="accent1"/>
-              </a:buClr>
-              <a:buFont typeface="Wingdings 3" charset="2"/>
-              <a:buChar char=""/>
-              <a:defRPr sz="1200" kern="1200">
-                <a:solidFill>
-                  <a:schemeClr val="tx1">
-                    <a:lumMod val="75000"/>
-                    <a:lumOff val="25000"/>
-                  </a:schemeClr>
-                </a:solidFill>
-                <a:latin typeface="+mn-lt"/>
-                <a:ea typeface="+mn-ea"/>
-                <a:cs typeface="+mn-cs"/>
-              </a:defRPr>
-            </a:lvl9pPr>
-          </a:lstStyle>
-          <a:p>
-            <a:pPr>
-              <a:buFont typeface="Wingdings" panose="05000000000000000000" pitchFamily="2" charset="2"/>
-              <a:buChar char="v"/>
-            </a:pPr>
-            <a:r>
-              <a:rPr lang="fr-FR" sz="2400" u="sng" dirty="0"/>
-              <a:t>Utilisation de la tâche d’Airy</a:t>
-            </a:r>
-          </a:p>
-          <a:p>
-            <a:pPr marL="446088" indent="-358775">
-              <a:buFont typeface="Wingdings 3" charset="2"/>
-              <a:buNone/>
-            </a:pPr>
-            <a:r>
-              <a:rPr lang="fr-FR" sz="2400" dirty="0"/>
-              <a:t> </a:t>
-            </a:r>
-          </a:p>
-        </p:txBody>
-      </p:sp>
-    </p:spTree>
-    <p:extLst>
-      <p:ext uri="{BB962C8B-B14F-4D97-AF65-F5344CB8AC3E}">
-        <p14:creationId xmlns:p14="http://schemas.microsoft.com/office/powerpoint/2010/main" val="645236963"/>
-      </p:ext>
-    </p:extLst>
-  </p:cSld>
-  <p:clrMapOvr>
-    <a:masterClrMapping/>
-  </p:clrMapOvr>
-  <mc:AlternateContent xmlns:mc="http://schemas.openxmlformats.org/markup-compatibility/2006" xmlns:p14="http://schemas.microsoft.com/office/powerpoint/2010/main">
-    <mc:Choice Requires="p14">
-      <p:transition p14:dur="0"/>
-    </mc:Choice>
-    <mc:Fallback xmlns="">
-      <p:transition/>
-    </mc:Fallback>
-  </mc:AlternateContent>
-</p:sld>
-</file>
-
-<file path=ppt/slides/slide11.xml><?xml version="1.0" encoding="utf-8"?>
-<p:sld xmlns:a="http://schemas.openxmlformats.org/drawingml/2006/main" xmlns:r="http://schemas.openxmlformats.org/officeDocument/2006/relationships" xmlns:p="http://schemas.openxmlformats.org/presentationml/2006/main" showMasterSp="0">
-  <p:cSld>
-    <p:spTree>
-      <p:nvGrpSpPr>
-        <p:cNvPr id="1" name=""/>
-        <p:cNvGrpSpPr/>
-        <p:nvPr/>
-      </p:nvGrpSpPr>
-      <p:grpSpPr>
-        <a:xfrm>
-          <a:off x="0" y="0"/>
-          <a:ext cx="0" cy="0"/>
-          <a:chOff x="0" y="0"/>
-          <a:chExt cx="0" cy="0"/>
-        </a:xfrm>
-      </p:grpSpPr>
-      <p:sp>
-        <p:nvSpPr>
-          <p:cNvPr id="3" name="Espace réservé du contenu 2"/>
-          <p:cNvSpPr>
-            <a:spLocks noGrp="1"/>
-          </p:cNvSpPr>
-          <p:nvPr>
-            <p:ph idx="1"/>
-          </p:nvPr>
-        </p:nvSpPr>
-        <p:spPr>
-          <a:xfrm>
-            <a:off x="1878012" y="274912"/>
-            <a:ext cx="8915400" cy="6212974"/>
-          </a:xfrm>
-        </p:spPr>
-        <p:txBody>
-          <a:bodyPr tIns="72000">
-            <a:noAutofit/>
-          </a:bodyPr>
-          <a:lstStyle/>
-          <a:p>
-            <a:pPr>
-              <a:buFont typeface="Wingdings" panose="05000000000000000000" pitchFamily="2" charset="2"/>
-              <a:buChar char="v"/>
-            </a:pPr>
-            <a:r>
-              <a:rPr lang="fr-FR" sz="2800" u="sng" dirty="0"/>
-              <a:t>Détermination de la position axiale </a:t>
-            </a:r>
-          </a:p>
-          <a:p>
-            <a:pPr>
-              <a:buFont typeface="Wingdings" panose="05000000000000000000" pitchFamily="2" charset="2"/>
-              <a:buChar char="v"/>
-            </a:pPr>
-            <a:endParaRPr lang="fr-FR" sz="2800" dirty="0"/>
-          </a:p>
-          <a:p>
-            <a:pPr marL="0" indent="0">
-              <a:buNone/>
-            </a:pPr>
-            <a:endParaRPr lang="fr-FR" sz="2800" dirty="0"/>
-          </a:p>
-        </p:txBody>
-      </p:sp>
-      <p:sp>
-        <p:nvSpPr>
-          <p:cNvPr id="6" name="Espace réservé du contenu 2"/>
-          <p:cNvSpPr txBox="1">
-            <a:spLocks/>
-          </p:cNvSpPr>
-          <p:nvPr/>
-        </p:nvSpPr>
-        <p:spPr>
-          <a:xfrm>
-            <a:off x="1215765" y="989214"/>
-            <a:ext cx="8915400" cy="5692635"/>
-          </a:xfrm>
-          <a:prstGeom prst="rect">
-            <a:avLst/>
-          </a:prstGeom>
-        </p:spPr>
-        <p:txBody>
-          <a:bodyPr vert="horz" lIns="91440" tIns="72000" rIns="91440" bIns="45720" rtlCol="0">
-            <a:noAutofit/>
-          </a:bodyPr>
-          <a:lstStyle>
-            <a:lvl1pPr marL="342900" indent="-342900" algn="l" defTabSz="457200" rtl="0" eaLnBrk="1" latinLnBrk="0" hangingPunct="1">
-              <a:spcBef>
-                <a:spcPts val="1000"/>
-              </a:spcBef>
-              <a:spcAft>
-                <a:spcPts val="0"/>
-              </a:spcAft>
-              <a:buClr>
-                <a:schemeClr val="accent1"/>
-              </a:buClr>
-              <a:buFont typeface="Wingdings 3" charset="2"/>
-              <a:buChar char=""/>
-              <a:defRPr sz="1800" kern="1200">
-                <a:solidFill>
-                  <a:schemeClr val="tx1">
-                    <a:lumMod val="75000"/>
-                    <a:lumOff val="25000"/>
-                  </a:schemeClr>
-                </a:solidFill>
-                <a:latin typeface="+mn-lt"/>
-                <a:ea typeface="+mn-ea"/>
-                <a:cs typeface="+mn-cs"/>
-              </a:defRPr>
-            </a:lvl1pPr>
-            <a:lvl2pPr marL="742950" indent="-285750" algn="l" defTabSz="457200" rtl="0" eaLnBrk="1" latinLnBrk="0" hangingPunct="1">
-              <a:spcBef>
-                <a:spcPts val="1000"/>
-              </a:spcBef>
-              <a:spcAft>
-                <a:spcPts val="0"/>
-              </a:spcAft>
-              <a:buClr>
-                <a:schemeClr val="accent1"/>
-              </a:buClr>
-              <a:buFont typeface="Wingdings 3" charset="2"/>
-              <a:buChar char=""/>
-              <a:defRPr sz="1600" kern="1200">
-                <a:solidFill>
-                  <a:schemeClr val="tx1">
-                    <a:lumMod val="75000"/>
-                    <a:lumOff val="25000"/>
-                  </a:schemeClr>
-                </a:solidFill>
-                <a:latin typeface="+mn-lt"/>
-                <a:ea typeface="+mn-ea"/>
-                <a:cs typeface="+mn-cs"/>
-              </a:defRPr>
-            </a:lvl2pPr>
-            <a:lvl3pPr marL="1143000" indent="-228600" algn="l" defTabSz="457200" rtl="0" eaLnBrk="1" latinLnBrk="0" hangingPunct="1">
-              <a:spcBef>
-                <a:spcPts val="1000"/>
-              </a:spcBef>
-              <a:spcAft>
-                <a:spcPts val="0"/>
-              </a:spcAft>
-              <a:buClr>
-                <a:schemeClr val="accent1"/>
-              </a:buClr>
-              <a:buFont typeface="Wingdings 3" charset="2"/>
-              <a:buChar char=""/>
-              <a:defRPr sz="1400" kern="1200">
-                <a:solidFill>
-                  <a:schemeClr val="tx1">
-                    <a:lumMod val="75000"/>
-                    <a:lumOff val="25000"/>
-                  </a:schemeClr>
-                </a:solidFill>
-                <a:latin typeface="+mn-lt"/>
-                <a:ea typeface="+mn-ea"/>
-                <a:cs typeface="+mn-cs"/>
-              </a:defRPr>
-            </a:lvl3pPr>
-            <a:lvl4pPr marL="1600200" indent="-228600" algn="l" defTabSz="457200" rtl="0" eaLnBrk="1" latinLnBrk="0" hangingPunct="1">
-              <a:spcBef>
-                <a:spcPts val="1000"/>
-              </a:spcBef>
-              <a:spcAft>
-                <a:spcPts val="0"/>
-              </a:spcAft>
-              <a:buClr>
-                <a:schemeClr val="accent1"/>
-              </a:buClr>
-              <a:buFont typeface="Wingdings 3" charset="2"/>
-              <a:buChar char=""/>
-              <a:defRPr sz="1200" kern="1200">
-                <a:solidFill>
-                  <a:schemeClr val="tx1">
-                    <a:lumMod val="75000"/>
-                    <a:lumOff val="25000"/>
-                  </a:schemeClr>
-                </a:solidFill>
-                <a:latin typeface="+mn-lt"/>
-                <a:ea typeface="+mn-ea"/>
-                <a:cs typeface="+mn-cs"/>
-              </a:defRPr>
-            </a:lvl4pPr>
-            <a:lvl5pPr marL="2057400" indent="-228600" algn="l" defTabSz="457200" rtl="0" eaLnBrk="1" latinLnBrk="0" hangingPunct="1">
-              <a:spcBef>
-                <a:spcPts val="1000"/>
-              </a:spcBef>
-              <a:spcAft>
-                <a:spcPts val="0"/>
-              </a:spcAft>
-              <a:buClr>
-                <a:schemeClr val="accent1"/>
-              </a:buClr>
-              <a:buFont typeface="Wingdings 3" charset="2"/>
-              <a:buChar char=""/>
-              <a:defRPr sz="1200" kern="1200">
-                <a:solidFill>
-                  <a:schemeClr val="tx1">
-                    <a:lumMod val="75000"/>
-                    <a:lumOff val="25000"/>
-                  </a:schemeClr>
-                </a:solidFill>
-                <a:latin typeface="+mn-lt"/>
-                <a:ea typeface="+mn-ea"/>
-                <a:cs typeface="+mn-cs"/>
-              </a:defRPr>
-            </a:lvl5pPr>
-            <a:lvl6pPr marL="2514600" indent="-228600" algn="l" defTabSz="457200" rtl="0" eaLnBrk="1" latinLnBrk="0" hangingPunct="1">
-              <a:spcBef>
-                <a:spcPts val="1000"/>
-              </a:spcBef>
-              <a:spcAft>
-                <a:spcPts val="0"/>
-              </a:spcAft>
-              <a:buClr>
-                <a:schemeClr val="accent1"/>
-              </a:buClr>
-              <a:buFont typeface="Wingdings 3" charset="2"/>
-              <a:buChar char=""/>
-              <a:defRPr sz="1200" kern="1200">
-                <a:solidFill>
-                  <a:schemeClr val="tx1">
-                    <a:lumMod val="75000"/>
-                    <a:lumOff val="25000"/>
-                  </a:schemeClr>
-                </a:solidFill>
-                <a:latin typeface="+mn-lt"/>
-                <a:ea typeface="+mn-ea"/>
-                <a:cs typeface="+mn-cs"/>
-              </a:defRPr>
-            </a:lvl6pPr>
-            <a:lvl7pPr marL="2971800" indent="-228600" algn="l" defTabSz="457200" rtl="0" eaLnBrk="1" latinLnBrk="0" hangingPunct="1">
-              <a:spcBef>
-                <a:spcPts val="1000"/>
-              </a:spcBef>
-              <a:spcAft>
-                <a:spcPts val="0"/>
-              </a:spcAft>
-              <a:buClr>
-                <a:schemeClr val="accent1"/>
-              </a:buClr>
-              <a:buFont typeface="Wingdings 3" charset="2"/>
-              <a:buChar char=""/>
-              <a:defRPr sz="1200" kern="1200">
-                <a:solidFill>
-                  <a:schemeClr val="tx1">
-                    <a:lumMod val="75000"/>
-                    <a:lumOff val="25000"/>
-                  </a:schemeClr>
-                </a:solidFill>
-                <a:latin typeface="+mn-lt"/>
-                <a:ea typeface="+mn-ea"/>
-                <a:cs typeface="+mn-cs"/>
-              </a:defRPr>
-            </a:lvl7pPr>
-            <a:lvl8pPr marL="3429000" indent="-228600" algn="l" defTabSz="457200" rtl="0" eaLnBrk="1" latinLnBrk="0" hangingPunct="1">
-              <a:spcBef>
-                <a:spcPts val="1000"/>
-              </a:spcBef>
-              <a:spcAft>
-                <a:spcPts val="0"/>
-              </a:spcAft>
-              <a:buClr>
-                <a:schemeClr val="accent1"/>
-              </a:buClr>
-              <a:buFont typeface="Wingdings 3" charset="2"/>
-              <a:buChar char=""/>
-              <a:defRPr sz="1200" kern="1200">
-                <a:solidFill>
-                  <a:schemeClr val="tx1">
-                    <a:lumMod val="75000"/>
-                    <a:lumOff val="25000"/>
-                  </a:schemeClr>
-                </a:solidFill>
-                <a:latin typeface="+mn-lt"/>
-                <a:ea typeface="+mn-ea"/>
-                <a:cs typeface="+mn-cs"/>
-              </a:defRPr>
-            </a:lvl8pPr>
-            <a:lvl9pPr marL="3886200" indent="-228600" algn="l" defTabSz="457200" rtl="0" eaLnBrk="1" latinLnBrk="0" hangingPunct="1">
-              <a:spcBef>
-                <a:spcPts val="1000"/>
-              </a:spcBef>
-              <a:spcAft>
-                <a:spcPts val="0"/>
-              </a:spcAft>
-              <a:buClr>
-                <a:schemeClr val="accent1"/>
-              </a:buClr>
-              <a:buFont typeface="Wingdings 3" charset="2"/>
-              <a:buChar char=""/>
-              <a:defRPr sz="1200" kern="1200">
-                <a:solidFill>
-                  <a:schemeClr val="tx1">
-                    <a:lumMod val="75000"/>
-                    <a:lumOff val="25000"/>
-                  </a:schemeClr>
-                </a:solidFill>
-                <a:latin typeface="+mn-lt"/>
-                <a:ea typeface="+mn-ea"/>
-                <a:cs typeface="+mn-cs"/>
-              </a:defRPr>
-            </a:lvl9pPr>
-          </a:lstStyle>
-          <a:p>
-            <a:pPr marL="446088" indent="-358775">
-              <a:buFont typeface="Wingdings 3" charset="2"/>
-              <a:buNone/>
-            </a:pPr>
             <a:endParaRPr lang="fr-FR" sz="2400" dirty="0"/>
           </a:p>
         </p:txBody>
@@ -28765,8 +27945,8 @@
         </p:blipFill>
         <p:spPr>
           <a:xfrm>
-            <a:off x="6378762" y="1925842"/>
-            <a:ext cx="5076897" cy="3819375"/>
+            <a:off x="5527538" y="1956789"/>
+            <a:ext cx="5928121" cy="4459755"/>
           </a:xfrm>
           <a:prstGeom prst="rect">
             <a:avLst/>
@@ -28789,8 +27969,8 @@
         </p:blipFill>
         <p:spPr>
           <a:xfrm>
-            <a:off x="639618" y="1925841"/>
-            <a:ext cx="5076897" cy="3819375"/>
+            <a:off x="0" y="1956789"/>
+            <a:ext cx="5928121" cy="4459755"/>
           </a:xfrm>
           <a:prstGeom prst="rect">
             <a:avLst/>
@@ -28818,7 +27998,7 @@
 </p:sld>
 </file>
 
-<file path=ppt/slides/slide12.xml><?xml version="1.0" encoding="utf-8"?>
+<file path=ppt/slides/slide11.xml><?xml version="1.0" encoding="utf-8"?>
 <p:sld xmlns:a="http://schemas.openxmlformats.org/drawingml/2006/main" xmlns:r="http://schemas.openxmlformats.org/officeDocument/2006/relationships" xmlns:p="http://schemas.openxmlformats.org/presentationml/2006/main" showMasterSp="0">
   <p:cSld>
     <p:spTree>
@@ -29198,7 +28378,7 @@
 </p:sld>
 </file>
 
-<file path=ppt/slides/slide13.xml><?xml version="1.0" encoding="utf-8"?>
+<file path=ppt/slides/slide12.xml><?xml version="1.0" encoding="utf-8"?>
 <p:sld xmlns:a="http://schemas.openxmlformats.org/drawingml/2006/main" xmlns:r="http://schemas.openxmlformats.org/officeDocument/2006/relationships" xmlns:p="http://schemas.openxmlformats.org/presentationml/2006/main" showMasterSp="0">
   <p:cSld>
     <p:spTree>
@@ -29787,16 +28967,15 @@
           </p:cNvPicPr>
           <p:nvPr/>
         </p:nvPicPr>
-        <p:blipFill>
+        <p:blipFill rotWithShape="1">
           <a:blip r:embed="rId2"/>
-          <a:stretch>
-            <a:fillRect/>
-          </a:stretch>
+          <a:srcRect t="7277"/>
+          <a:stretch/>
         </p:blipFill>
         <p:spPr>
           <a:xfrm>
-            <a:off x="6518576" y="2438753"/>
-            <a:ext cx="5076897" cy="3819375"/>
+            <a:off x="6518576" y="2543472"/>
+            <a:ext cx="5076897" cy="3541432"/>
           </a:xfrm>
           <a:prstGeom prst="rect">
             <a:avLst/>
@@ -29811,16 +28990,15 @@
           </p:cNvPicPr>
           <p:nvPr/>
         </p:nvPicPr>
-        <p:blipFill>
+        <p:blipFill rotWithShape="1">
           <a:blip r:embed="rId3"/>
-          <a:stretch>
-            <a:fillRect/>
-          </a:stretch>
+          <a:srcRect t="7277"/>
+          <a:stretch/>
         </p:blipFill>
         <p:spPr>
           <a:xfrm>
-            <a:off x="595686" y="2438753"/>
-            <a:ext cx="5076897" cy="3819375"/>
+            <a:off x="277634" y="2543472"/>
+            <a:ext cx="5076897" cy="3541432"/>
           </a:xfrm>
           <a:prstGeom prst="rect">
             <a:avLst/>
@@ -29848,7 +29026,7 @@
 </p:sld>
 </file>
 
-<file path=ppt/slides/slide14.xml><?xml version="1.0" encoding="utf-8"?>
+<file path=ppt/slides/slide13.xml><?xml version="1.0" encoding="utf-8"?>
 <p:sld xmlns:a="http://schemas.openxmlformats.org/drawingml/2006/main" xmlns:r="http://schemas.openxmlformats.org/officeDocument/2006/relationships" xmlns:p="http://schemas.openxmlformats.org/presentationml/2006/main" showMasterSp="0">
   <p:cSld>
     <p:spTree>
@@ -29876,7 +29054,7 @@
         <p:spPr>
           <a:xfrm>
             <a:off x="1152938" y="486946"/>
-            <a:ext cx="10731281" cy="2180615"/>
+            <a:ext cx="10731281" cy="626237"/>
           </a:xfrm>
           <a:prstGeom prst="rect">
             <a:avLst/>
@@ -30181,7 +29359,7 @@
             </a:pPr>
             <a:r>
               <a:rPr lang="fr-FR" sz="2200" dirty="0"/>
-              <a:t>Cette méthode n’a pas encore abouti</a:t>
+              <a:t>Cette méthode n’a pas encore aboutie</a:t>
             </a:r>
           </a:p>
         </p:txBody>
@@ -30204,372 +29382,10 @@
       <p:transition/>
     </mc:Fallback>
   </mc:AlternateContent>
-  <p:timing>
-    <p:tnLst>
-      <p:par>
-        <p:cTn id="1" dur="indefinite" restart="never" nodeType="tmRoot"/>
-      </p:par>
-    </p:tnLst>
-  </p:timing>
 </p:sld>
 </file>
 
-<file path=ppt/slides/slide15.xml><?xml version="1.0" encoding="utf-8"?>
-<p:sld xmlns:a="http://schemas.openxmlformats.org/drawingml/2006/main" xmlns:r="http://schemas.openxmlformats.org/officeDocument/2006/relationships" xmlns:p="http://schemas.openxmlformats.org/presentationml/2006/main" showMasterSp="0">
-  <p:cSld>
-    <p:spTree>
-      <p:nvGrpSpPr>
-        <p:cNvPr id="1" name=""/>
-        <p:cNvGrpSpPr/>
-        <p:nvPr/>
-      </p:nvGrpSpPr>
-      <p:grpSpPr>
-        <a:xfrm>
-          <a:off x="0" y="0"/>
-          <a:ext cx="0" cy="0"/>
-          <a:chOff x="0" y="0"/>
-          <a:chExt cx="0" cy="0"/>
-        </a:xfrm>
-      </p:grpSpPr>
-      <p:sp>
-        <p:nvSpPr>
-          <p:cNvPr id="6" name="Espace réservé du contenu 2"/>
-          <p:cNvSpPr txBox="1">
-            <a:spLocks/>
-          </p:cNvSpPr>
-          <p:nvPr/>
-        </p:nvSpPr>
-        <p:spPr>
-          <a:xfrm>
-            <a:off x="1152938" y="486946"/>
-            <a:ext cx="10731281" cy="2180615"/>
-          </a:xfrm>
-          <a:prstGeom prst="rect">
-            <a:avLst/>
-          </a:prstGeom>
-        </p:spPr>
-        <p:txBody>
-          <a:bodyPr vert="horz" lIns="91440" tIns="72000" rIns="91440" bIns="45720" numCol="1" rtlCol="0">
-            <a:noAutofit/>
-          </a:bodyPr>
-          <a:lstStyle>
-            <a:lvl1pPr marL="342900" indent="-342900" algn="l" defTabSz="457200" rtl="0" eaLnBrk="1" latinLnBrk="0" hangingPunct="1">
-              <a:spcBef>
-                <a:spcPts val="1000"/>
-              </a:spcBef>
-              <a:spcAft>
-                <a:spcPts val="0"/>
-              </a:spcAft>
-              <a:buClr>
-                <a:schemeClr val="accent1"/>
-              </a:buClr>
-              <a:buFont typeface="Wingdings 3" charset="2"/>
-              <a:buChar char=""/>
-              <a:defRPr sz="1800" kern="1200">
-                <a:solidFill>
-                  <a:schemeClr val="tx1">
-                    <a:lumMod val="75000"/>
-                    <a:lumOff val="25000"/>
-                  </a:schemeClr>
-                </a:solidFill>
-                <a:latin typeface="+mn-lt"/>
-                <a:ea typeface="+mn-ea"/>
-                <a:cs typeface="+mn-cs"/>
-              </a:defRPr>
-            </a:lvl1pPr>
-            <a:lvl2pPr marL="742950" indent="-285750" algn="l" defTabSz="457200" rtl="0" eaLnBrk="1" latinLnBrk="0" hangingPunct="1">
-              <a:spcBef>
-                <a:spcPts val="1000"/>
-              </a:spcBef>
-              <a:spcAft>
-                <a:spcPts val="0"/>
-              </a:spcAft>
-              <a:buClr>
-                <a:schemeClr val="accent1"/>
-              </a:buClr>
-              <a:buFont typeface="Wingdings 3" charset="2"/>
-              <a:buChar char=""/>
-              <a:defRPr sz="1600" kern="1200">
-                <a:solidFill>
-                  <a:schemeClr val="tx1">
-                    <a:lumMod val="75000"/>
-                    <a:lumOff val="25000"/>
-                  </a:schemeClr>
-                </a:solidFill>
-                <a:latin typeface="+mn-lt"/>
-                <a:ea typeface="+mn-ea"/>
-                <a:cs typeface="+mn-cs"/>
-              </a:defRPr>
-            </a:lvl2pPr>
-            <a:lvl3pPr marL="1143000" indent="-228600" algn="l" defTabSz="457200" rtl="0" eaLnBrk="1" latinLnBrk="0" hangingPunct="1">
-              <a:spcBef>
-                <a:spcPts val="1000"/>
-              </a:spcBef>
-              <a:spcAft>
-                <a:spcPts val="0"/>
-              </a:spcAft>
-              <a:buClr>
-                <a:schemeClr val="accent1"/>
-              </a:buClr>
-              <a:buFont typeface="Wingdings 3" charset="2"/>
-              <a:buChar char=""/>
-              <a:defRPr sz="1400" kern="1200">
-                <a:solidFill>
-                  <a:schemeClr val="tx1">
-                    <a:lumMod val="75000"/>
-                    <a:lumOff val="25000"/>
-                  </a:schemeClr>
-                </a:solidFill>
-                <a:latin typeface="+mn-lt"/>
-                <a:ea typeface="+mn-ea"/>
-                <a:cs typeface="+mn-cs"/>
-              </a:defRPr>
-            </a:lvl3pPr>
-            <a:lvl4pPr marL="1600200" indent="-228600" algn="l" defTabSz="457200" rtl="0" eaLnBrk="1" latinLnBrk="0" hangingPunct="1">
-              <a:spcBef>
-                <a:spcPts val="1000"/>
-              </a:spcBef>
-              <a:spcAft>
-                <a:spcPts val="0"/>
-              </a:spcAft>
-              <a:buClr>
-                <a:schemeClr val="accent1"/>
-              </a:buClr>
-              <a:buFont typeface="Wingdings 3" charset="2"/>
-              <a:buChar char=""/>
-              <a:defRPr sz="1200" kern="1200">
-                <a:solidFill>
-                  <a:schemeClr val="tx1">
-                    <a:lumMod val="75000"/>
-                    <a:lumOff val="25000"/>
-                  </a:schemeClr>
-                </a:solidFill>
-                <a:latin typeface="+mn-lt"/>
-                <a:ea typeface="+mn-ea"/>
-                <a:cs typeface="+mn-cs"/>
-              </a:defRPr>
-            </a:lvl4pPr>
-            <a:lvl5pPr marL="2057400" indent="-228600" algn="l" defTabSz="457200" rtl="0" eaLnBrk="1" latinLnBrk="0" hangingPunct="1">
-              <a:spcBef>
-                <a:spcPts val="1000"/>
-              </a:spcBef>
-              <a:spcAft>
-                <a:spcPts val="0"/>
-              </a:spcAft>
-              <a:buClr>
-                <a:schemeClr val="accent1"/>
-              </a:buClr>
-              <a:buFont typeface="Wingdings 3" charset="2"/>
-              <a:buChar char=""/>
-              <a:defRPr sz="1200" kern="1200">
-                <a:solidFill>
-                  <a:schemeClr val="tx1">
-                    <a:lumMod val="75000"/>
-                    <a:lumOff val="25000"/>
-                  </a:schemeClr>
-                </a:solidFill>
-                <a:latin typeface="+mn-lt"/>
-                <a:ea typeface="+mn-ea"/>
-                <a:cs typeface="+mn-cs"/>
-              </a:defRPr>
-            </a:lvl5pPr>
-            <a:lvl6pPr marL="2514600" indent="-228600" algn="l" defTabSz="457200" rtl="0" eaLnBrk="1" latinLnBrk="0" hangingPunct="1">
-              <a:spcBef>
-                <a:spcPts val="1000"/>
-              </a:spcBef>
-              <a:spcAft>
-                <a:spcPts val="0"/>
-              </a:spcAft>
-              <a:buClr>
-                <a:schemeClr val="accent1"/>
-              </a:buClr>
-              <a:buFont typeface="Wingdings 3" charset="2"/>
-              <a:buChar char=""/>
-              <a:defRPr sz="1200" kern="1200">
-                <a:solidFill>
-                  <a:schemeClr val="tx1">
-                    <a:lumMod val="75000"/>
-                    <a:lumOff val="25000"/>
-                  </a:schemeClr>
-                </a:solidFill>
-                <a:latin typeface="+mn-lt"/>
-                <a:ea typeface="+mn-ea"/>
-                <a:cs typeface="+mn-cs"/>
-              </a:defRPr>
-            </a:lvl6pPr>
-            <a:lvl7pPr marL="2971800" indent="-228600" algn="l" defTabSz="457200" rtl="0" eaLnBrk="1" latinLnBrk="0" hangingPunct="1">
-              <a:spcBef>
-                <a:spcPts val="1000"/>
-              </a:spcBef>
-              <a:spcAft>
-                <a:spcPts val="0"/>
-              </a:spcAft>
-              <a:buClr>
-                <a:schemeClr val="accent1"/>
-              </a:buClr>
-              <a:buFont typeface="Wingdings 3" charset="2"/>
-              <a:buChar char=""/>
-              <a:defRPr sz="1200" kern="1200">
-                <a:solidFill>
-                  <a:schemeClr val="tx1">
-                    <a:lumMod val="75000"/>
-                    <a:lumOff val="25000"/>
-                  </a:schemeClr>
-                </a:solidFill>
-                <a:latin typeface="+mn-lt"/>
-                <a:ea typeface="+mn-ea"/>
-                <a:cs typeface="+mn-cs"/>
-              </a:defRPr>
-            </a:lvl7pPr>
-            <a:lvl8pPr marL="3429000" indent="-228600" algn="l" defTabSz="457200" rtl="0" eaLnBrk="1" latinLnBrk="0" hangingPunct="1">
-              <a:spcBef>
-                <a:spcPts val="1000"/>
-              </a:spcBef>
-              <a:spcAft>
-                <a:spcPts val="0"/>
-              </a:spcAft>
-              <a:buClr>
-                <a:schemeClr val="accent1"/>
-              </a:buClr>
-              <a:buFont typeface="Wingdings 3" charset="2"/>
-              <a:buChar char=""/>
-              <a:defRPr sz="1200" kern="1200">
-                <a:solidFill>
-                  <a:schemeClr val="tx1">
-                    <a:lumMod val="75000"/>
-                    <a:lumOff val="25000"/>
-                  </a:schemeClr>
-                </a:solidFill>
-                <a:latin typeface="+mn-lt"/>
-                <a:ea typeface="+mn-ea"/>
-                <a:cs typeface="+mn-cs"/>
-              </a:defRPr>
-            </a:lvl8pPr>
-            <a:lvl9pPr marL="3886200" indent="-228600" algn="l" defTabSz="457200" rtl="0" eaLnBrk="1" latinLnBrk="0" hangingPunct="1">
-              <a:spcBef>
-                <a:spcPts val="1000"/>
-              </a:spcBef>
-              <a:spcAft>
-                <a:spcPts val="0"/>
-              </a:spcAft>
-              <a:buClr>
-                <a:schemeClr val="accent1"/>
-              </a:buClr>
-              <a:buFont typeface="Wingdings 3" charset="2"/>
-              <a:buChar char=""/>
-              <a:defRPr sz="1200" kern="1200">
-                <a:solidFill>
-                  <a:schemeClr val="tx1">
-                    <a:lumMod val="75000"/>
-                    <a:lumOff val="25000"/>
-                  </a:schemeClr>
-                </a:solidFill>
-                <a:latin typeface="+mn-lt"/>
-                <a:ea typeface="+mn-ea"/>
-                <a:cs typeface="+mn-cs"/>
-              </a:defRPr>
-            </a:lvl9pPr>
-          </a:lstStyle>
-          <a:p>
-            <a:pPr algn="ctr">
-              <a:buFont typeface="Wingdings" panose="05000000000000000000" pitchFamily="2" charset="2"/>
-              <a:buChar char="v"/>
-            </a:pPr>
-            <a:r>
-              <a:rPr lang="fr-FR" sz="2800" u="sng" dirty="0"/>
-              <a:t>Avantages et inconvénients des deux méthodes</a:t>
-            </a:r>
-          </a:p>
-          <a:p>
-            <a:pPr marL="0" indent="0" algn="ctr">
-              <a:buNone/>
-            </a:pPr>
-            <a:r>
-              <a:rPr lang="en-US" dirty="0"/>
-              <a:t>			</a:t>
-            </a:r>
-          </a:p>
-          <a:p>
-            <a:endParaRPr lang="fr-FR" dirty="0"/>
-          </a:p>
-        </p:txBody>
-      </p:sp>
-      <p:sp>
-        <p:nvSpPr>
-          <p:cNvPr id="3" name="Espace réservé du contenu 2"/>
-          <p:cNvSpPr>
-            <a:spLocks noGrp="1"/>
-          </p:cNvSpPr>
-          <p:nvPr>
-            <p:ph idx="1"/>
-          </p:nvPr>
-        </p:nvSpPr>
-        <p:spPr>
-          <a:xfrm>
-            <a:off x="1152938" y="1828800"/>
-            <a:ext cx="8915400" cy="4346713"/>
-          </a:xfrm>
-        </p:spPr>
-        <p:txBody>
-          <a:bodyPr>
-            <a:normAutofit/>
-          </a:bodyPr>
-          <a:lstStyle/>
-          <a:p>
-            <a:r>
-              <a:rPr lang="fr-FR" sz="2200" dirty="0"/>
-              <a:t>Fourier : précis mais lent</a:t>
-            </a:r>
-          </a:p>
-          <a:p>
-            <a:endParaRPr lang="fr-FR" sz="2200" dirty="0"/>
-          </a:p>
-          <a:p>
-            <a:endParaRPr lang="fr-FR" sz="2200" dirty="0"/>
-          </a:p>
-          <a:p>
-            <a:endParaRPr lang="fr-FR" sz="2200" dirty="0"/>
-          </a:p>
-          <a:p>
-            <a:endParaRPr lang="fr-FR" sz="2200" dirty="0"/>
-          </a:p>
-          <a:p>
-            <a:r>
-              <a:rPr lang="fr-FR" sz="2200" dirty="0"/>
-              <a:t>Seuillage : rapide mais moins précis…</a:t>
-            </a:r>
-          </a:p>
-        </p:txBody>
-      </p:sp>
-    </p:spTree>
-    <p:extLst>
-      <p:ext uri="{BB962C8B-B14F-4D97-AF65-F5344CB8AC3E}">
-        <p14:creationId xmlns:p14="http://schemas.microsoft.com/office/powerpoint/2010/main" val="828097113"/>
-      </p:ext>
-    </p:extLst>
-  </p:cSld>
-  <p:clrMapOvr>
-    <a:masterClrMapping/>
-  </p:clrMapOvr>
-  <mc:AlternateContent xmlns:mc="http://schemas.openxmlformats.org/markup-compatibility/2006" xmlns:p14="http://schemas.microsoft.com/office/powerpoint/2010/main">
-    <mc:Choice Requires="p14">
-      <p:transition p14:dur="0"/>
-    </mc:Choice>
-    <mc:Fallback xmlns="">
-      <p:transition/>
-    </mc:Fallback>
-  </mc:AlternateContent>
-  <p:timing>
-    <p:tnLst>
-      <p:par>
-        <p:cTn id="1" dur="indefinite" restart="never" nodeType="tmRoot"/>
-      </p:par>
-    </p:tnLst>
-  </p:timing>
-</p:sld>
-</file>
-
-<file path=ppt/slides/slide16.xml><?xml version="1.0" encoding="utf-8"?>
+<file path=ppt/slides/slide14.xml><?xml version="1.0" encoding="utf-8"?>
 <p:sld xmlns:a="http://schemas.openxmlformats.org/drawingml/2006/main" xmlns:r="http://schemas.openxmlformats.org/officeDocument/2006/relationships" xmlns:p="http://schemas.openxmlformats.org/presentationml/2006/main" showMasterSp="0">
   <p:cSld>
     <p:spTree>
@@ -30715,10 +29531,9 @@
           <a:lstStyle/>
           <a:p>
             <a:r>
-              <a:rPr lang="fr-FR" dirty="0" smtClean="0"/>
+              <a:rPr lang="fr-FR" dirty="0"/>
               <a:t>Image traitée</a:t>
             </a:r>
-            <a:endParaRPr lang="fr-FR" dirty="0"/>
           </a:p>
         </p:txBody>
       </p:sp>
@@ -30745,52 +29560,17 @@
           <a:lstStyle/>
           <a:p>
             <a:r>
-              <a:rPr lang="fr-FR" dirty="0" smtClean="0"/>
+              <a:rPr lang="fr-FR" dirty="0"/>
               <a:t>Transformée de </a:t>
             </a:r>
             <a:r>
-              <a:rPr lang="fr-FR" dirty="0" err="1" smtClean="0"/>
+              <a:rPr lang="fr-FR" dirty="0" err="1"/>
               <a:t>fourier</a:t>
             </a:r>
             <a:r>
-              <a:rPr lang="fr-FR" dirty="0" smtClean="0"/>
+              <a:rPr lang="fr-FR" dirty="0"/>
               <a:t> de l’image après traitement</a:t>
             </a:r>
-            <a:endParaRPr lang="fr-FR" dirty="0"/>
-          </a:p>
-        </p:txBody>
-      </p:sp>
-      <p:sp>
-        <p:nvSpPr>
-          <p:cNvPr id="9" name="ZoneTexte 8"/>
-          <p:cNvSpPr txBox="1"/>
-          <p:nvPr/>
-        </p:nvSpPr>
-        <p:spPr>
-          <a:xfrm>
-            <a:off x="1373315" y="260648"/>
-            <a:ext cx="8300670" cy="461665"/>
-          </a:xfrm>
-          <a:prstGeom prst="rect">
-            <a:avLst/>
-          </a:prstGeom>
-          <a:noFill/>
-        </p:spPr>
-        <p:txBody>
-          <a:bodyPr wrap="none" rtlCol="0">
-            <a:spAutoFit/>
-          </a:bodyPr>
-          <a:lstStyle/>
-          <a:p>
-            <a:r>
-              <a:rPr lang="fr-FR" sz="2400" dirty="0" smtClean="0"/>
-              <a:t>Récupération des fréquences d’intérêt et </a:t>
-            </a:r>
-            <a:r>
-              <a:rPr lang="fr-FR" sz="2400" dirty="0" err="1" smtClean="0"/>
-              <a:t>moyennage</a:t>
-            </a:r>
-            <a:endParaRPr lang="fr-FR" sz="2400" dirty="0"/>
           </a:p>
         </p:txBody>
       </p:sp>
@@ -30817,10 +29597,9 @@
           <a:lstStyle/>
           <a:p>
             <a:r>
-              <a:rPr lang="fr-FR" dirty="0" smtClean="0"/>
+              <a:rPr lang="fr-FR" dirty="0"/>
               <a:t>Z = 900nm</a:t>
             </a:r>
-            <a:endParaRPr lang="fr-FR" dirty="0"/>
           </a:p>
         </p:txBody>
       </p:sp>
@@ -30847,25 +29626,286 @@
           <a:lstStyle/>
           <a:p>
             <a:r>
-              <a:rPr lang="fr-FR" sz="2000" u="sng" dirty="0" smtClean="0"/>
+              <a:rPr lang="fr-FR" sz="2000" u="sng" dirty="0"/>
               <a:t>2 utilisations</a:t>
             </a:r>
           </a:p>
           <a:p>
             <a:r>
-              <a:rPr lang="fr-FR" sz="2000" dirty="0" smtClean="0"/>
+              <a:rPr lang="fr-FR" sz="2000" dirty="0"/>
               <a:t>-Création d’un graphe de calibration</a:t>
             </a:r>
           </a:p>
           <a:p>
-            <a:endParaRPr lang="fr-FR" sz="2000" dirty="0" smtClean="0"/>
-          </a:p>
-          <a:p>
-            <a:r>
-              <a:rPr lang="fr-FR" sz="2000" dirty="0" smtClean="0"/>
+            <a:endParaRPr lang="fr-FR" sz="2000" dirty="0"/>
+          </a:p>
+          <a:p>
+            <a:r>
+              <a:rPr lang="fr-FR" sz="2000" dirty="0"/>
               <a:t>-Mesure de la fréquence d’intérêt sur une image d’échantillon réel</a:t>
             </a:r>
-            <a:endParaRPr lang="fr-FR" sz="2000" dirty="0"/>
+          </a:p>
+        </p:txBody>
+      </p:sp>
+      <p:sp>
+        <p:nvSpPr>
+          <p:cNvPr id="11" name="Espace réservé du contenu 2"/>
+          <p:cNvSpPr txBox="1">
+            <a:spLocks/>
+          </p:cNvSpPr>
+          <p:nvPr/>
+        </p:nvSpPr>
+        <p:spPr>
+          <a:xfrm>
+            <a:off x="251790" y="323190"/>
+            <a:ext cx="10731281" cy="626237"/>
+          </a:xfrm>
+          <a:prstGeom prst="rect">
+            <a:avLst/>
+          </a:prstGeom>
+        </p:spPr>
+        <p:txBody>
+          <a:bodyPr vert="horz" lIns="91440" tIns="72000" rIns="91440" bIns="45720" numCol="1" rtlCol="0">
+            <a:noAutofit/>
+          </a:bodyPr>
+          <a:lstStyle>
+            <a:lvl1pPr marL="342900" indent="-342900" algn="l" defTabSz="457200" rtl="0" eaLnBrk="1" latinLnBrk="0" hangingPunct="1">
+              <a:spcBef>
+                <a:spcPts val="1000"/>
+              </a:spcBef>
+              <a:spcAft>
+                <a:spcPts val="0"/>
+              </a:spcAft>
+              <a:buClr>
+                <a:schemeClr val="accent1"/>
+              </a:buClr>
+              <a:buFont typeface="Wingdings 3" charset="2"/>
+              <a:buChar char=""/>
+              <a:defRPr sz="1800" kern="1200">
+                <a:solidFill>
+                  <a:schemeClr val="tx1">
+                    <a:lumMod val="75000"/>
+                    <a:lumOff val="25000"/>
+                  </a:schemeClr>
+                </a:solidFill>
+                <a:latin typeface="+mn-lt"/>
+                <a:ea typeface="+mn-ea"/>
+                <a:cs typeface="+mn-cs"/>
+              </a:defRPr>
+            </a:lvl1pPr>
+            <a:lvl2pPr marL="742950" indent="-285750" algn="l" defTabSz="457200" rtl="0" eaLnBrk="1" latinLnBrk="0" hangingPunct="1">
+              <a:spcBef>
+                <a:spcPts val="1000"/>
+              </a:spcBef>
+              <a:spcAft>
+                <a:spcPts val="0"/>
+              </a:spcAft>
+              <a:buClr>
+                <a:schemeClr val="accent1"/>
+              </a:buClr>
+              <a:buFont typeface="Wingdings 3" charset="2"/>
+              <a:buChar char=""/>
+              <a:defRPr sz="1600" kern="1200">
+                <a:solidFill>
+                  <a:schemeClr val="tx1">
+                    <a:lumMod val="75000"/>
+                    <a:lumOff val="25000"/>
+                  </a:schemeClr>
+                </a:solidFill>
+                <a:latin typeface="+mn-lt"/>
+                <a:ea typeface="+mn-ea"/>
+                <a:cs typeface="+mn-cs"/>
+              </a:defRPr>
+            </a:lvl2pPr>
+            <a:lvl3pPr marL="1143000" indent="-228600" algn="l" defTabSz="457200" rtl="0" eaLnBrk="1" latinLnBrk="0" hangingPunct="1">
+              <a:spcBef>
+                <a:spcPts val="1000"/>
+              </a:spcBef>
+              <a:spcAft>
+                <a:spcPts val="0"/>
+              </a:spcAft>
+              <a:buClr>
+                <a:schemeClr val="accent1"/>
+              </a:buClr>
+              <a:buFont typeface="Wingdings 3" charset="2"/>
+              <a:buChar char=""/>
+              <a:defRPr sz="1400" kern="1200">
+                <a:solidFill>
+                  <a:schemeClr val="tx1">
+                    <a:lumMod val="75000"/>
+                    <a:lumOff val="25000"/>
+                  </a:schemeClr>
+                </a:solidFill>
+                <a:latin typeface="+mn-lt"/>
+                <a:ea typeface="+mn-ea"/>
+                <a:cs typeface="+mn-cs"/>
+              </a:defRPr>
+            </a:lvl3pPr>
+            <a:lvl4pPr marL="1600200" indent="-228600" algn="l" defTabSz="457200" rtl="0" eaLnBrk="1" latinLnBrk="0" hangingPunct="1">
+              <a:spcBef>
+                <a:spcPts val="1000"/>
+              </a:spcBef>
+              <a:spcAft>
+                <a:spcPts val="0"/>
+              </a:spcAft>
+              <a:buClr>
+                <a:schemeClr val="accent1"/>
+              </a:buClr>
+              <a:buFont typeface="Wingdings 3" charset="2"/>
+              <a:buChar char=""/>
+              <a:defRPr sz="1200" kern="1200">
+                <a:solidFill>
+                  <a:schemeClr val="tx1">
+                    <a:lumMod val="75000"/>
+                    <a:lumOff val="25000"/>
+                  </a:schemeClr>
+                </a:solidFill>
+                <a:latin typeface="+mn-lt"/>
+                <a:ea typeface="+mn-ea"/>
+                <a:cs typeface="+mn-cs"/>
+              </a:defRPr>
+            </a:lvl4pPr>
+            <a:lvl5pPr marL="2057400" indent="-228600" algn="l" defTabSz="457200" rtl="0" eaLnBrk="1" latinLnBrk="0" hangingPunct="1">
+              <a:spcBef>
+                <a:spcPts val="1000"/>
+              </a:spcBef>
+              <a:spcAft>
+                <a:spcPts val="0"/>
+              </a:spcAft>
+              <a:buClr>
+                <a:schemeClr val="accent1"/>
+              </a:buClr>
+              <a:buFont typeface="Wingdings 3" charset="2"/>
+              <a:buChar char=""/>
+              <a:defRPr sz="1200" kern="1200">
+                <a:solidFill>
+                  <a:schemeClr val="tx1">
+                    <a:lumMod val="75000"/>
+                    <a:lumOff val="25000"/>
+                  </a:schemeClr>
+                </a:solidFill>
+                <a:latin typeface="+mn-lt"/>
+                <a:ea typeface="+mn-ea"/>
+                <a:cs typeface="+mn-cs"/>
+              </a:defRPr>
+            </a:lvl5pPr>
+            <a:lvl6pPr marL="2514600" indent="-228600" algn="l" defTabSz="457200" rtl="0" eaLnBrk="1" latinLnBrk="0" hangingPunct="1">
+              <a:spcBef>
+                <a:spcPts val="1000"/>
+              </a:spcBef>
+              <a:spcAft>
+                <a:spcPts val="0"/>
+              </a:spcAft>
+              <a:buClr>
+                <a:schemeClr val="accent1"/>
+              </a:buClr>
+              <a:buFont typeface="Wingdings 3" charset="2"/>
+              <a:buChar char=""/>
+              <a:defRPr sz="1200" kern="1200">
+                <a:solidFill>
+                  <a:schemeClr val="tx1">
+                    <a:lumMod val="75000"/>
+                    <a:lumOff val="25000"/>
+                  </a:schemeClr>
+                </a:solidFill>
+                <a:latin typeface="+mn-lt"/>
+                <a:ea typeface="+mn-ea"/>
+                <a:cs typeface="+mn-cs"/>
+              </a:defRPr>
+            </a:lvl6pPr>
+            <a:lvl7pPr marL="2971800" indent="-228600" algn="l" defTabSz="457200" rtl="0" eaLnBrk="1" latinLnBrk="0" hangingPunct="1">
+              <a:spcBef>
+                <a:spcPts val="1000"/>
+              </a:spcBef>
+              <a:spcAft>
+                <a:spcPts val="0"/>
+              </a:spcAft>
+              <a:buClr>
+                <a:schemeClr val="accent1"/>
+              </a:buClr>
+              <a:buFont typeface="Wingdings 3" charset="2"/>
+              <a:buChar char=""/>
+              <a:defRPr sz="1200" kern="1200">
+                <a:solidFill>
+                  <a:schemeClr val="tx1">
+                    <a:lumMod val="75000"/>
+                    <a:lumOff val="25000"/>
+                  </a:schemeClr>
+                </a:solidFill>
+                <a:latin typeface="+mn-lt"/>
+                <a:ea typeface="+mn-ea"/>
+                <a:cs typeface="+mn-cs"/>
+              </a:defRPr>
+            </a:lvl7pPr>
+            <a:lvl8pPr marL="3429000" indent="-228600" algn="l" defTabSz="457200" rtl="0" eaLnBrk="1" latinLnBrk="0" hangingPunct="1">
+              <a:spcBef>
+                <a:spcPts val="1000"/>
+              </a:spcBef>
+              <a:spcAft>
+                <a:spcPts val="0"/>
+              </a:spcAft>
+              <a:buClr>
+                <a:schemeClr val="accent1"/>
+              </a:buClr>
+              <a:buFont typeface="Wingdings 3" charset="2"/>
+              <a:buChar char=""/>
+              <a:defRPr sz="1200" kern="1200">
+                <a:solidFill>
+                  <a:schemeClr val="tx1">
+                    <a:lumMod val="75000"/>
+                    <a:lumOff val="25000"/>
+                  </a:schemeClr>
+                </a:solidFill>
+                <a:latin typeface="+mn-lt"/>
+                <a:ea typeface="+mn-ea"/>
+                <a:cs typeface="+mn-cs"/>
+              </a:defRPr>
+            </a:lvl8pPr>
+            <a:lvl9pPr marL="3886200" indent="-228600" algn="l" defTabSz="457200" rtl="0" eaLnBrk="1" latinLnBrk="0" hangingPunct="1">
+              <a:spcBef>
+                <a:spcPts val="1000"/>
+              </a:spcBef>
+              <a:spcAft>
+                <a:spcPts val="0"/>
+              </a:spcAft>
+              <a:buClr>
+                <a:schemeClr val="accent1"/>
+              </a:buClr>
+              <a:buFont typeface="Wingdings 3" charset="2"/>
+              <a:buChar char=""/>
+              <a:defRPr sz="1200" kern="1200">
+                <a:solidFill>
+                  <a:schemeClr val="tx1">
+                    <a:lumMod val="75000"/>
+                    <a:lumOff val="25000"/>
+                  </a:schemeClr>
+                </a:solidFill>
+                <a:latin typeface="+mn-lt"/>
+                <a:ea typeface="+mn-ea"/>
+                <a:cs typeface="+mn-cs"/>
+              </a:defRPr>
+            </a:lvl9pPr>
+          </a:lstStyle>
+          <a:p>
+            <a:pPr algn="ctr">
+              <a:buFont typeface="Wingdings" panose="05000000000000000000" pitchFamily="2" charset="2"/>
+              <a:buChar char="v"/>
+            </a:pPr>
+            <a:r>
+              <a:rPr lang="fr-FR" sz="2400" u="sng" dirty="0"/>
+              <a:t>Méthode2 : Récupération des fréquences d’intérêt et </a:t>
+            </a:r>
+            <a:r>
+              <a:rPr lang="fr-FR" sz="2400" u="sng" dirty="0" err="1"/>
+              <a:t>moyennage</a:t>
+            </a:r>
+            <a:r>
+              <a:rPr lang="en-US" sz="1600" dirty="0"/>
+              <a:t>	</a:t>
+            </a:r>
+          </a:p>
+          <a:p>
+            <a:endParaRPr lang="fr-FR" sz="1600" dirty="0"/>
           </a:p>
         </p:txBody>
       </p:sp>
@@ -30879,20 +29919,18 @@
   <p:clrMapOvr>
     <a:masterClrMapping/>
   </p:clrMapOvr>
-  <p:transition spd="slow">
-    <p:fade/>
-  </p:transition>
-  <p:timing>
-    <p:tnLst>
-      <p:par>
-        <p:cTn id="1" dur="indefinite" restart="never" nodeType="tmRoot"/>
-      </p:par>
-    </p:tnLst>
-  </p:timing>
+  <mc:AlternateContent xmlns:mc="http://schemas.openxmlformats.org/markup-compatibility/2006">
+    <mc:Choice xmlns:p14="http://schemas.microsoft.com/office/powerpoint/2010/main" Requires="p14">
+      <p:transition p14:dur="0"/>
+    </mc:Choice>
+    <mc:Fallback>
+      <p:transition/>
+    </mc:Fallback>
+  </mc:AlternateContent>
 </p:sld>
 </file>
 
-<file path=ppt/slides/slide17.xml><?xml version="1.0" encoding="utf-8"?>
+<file path=ppt/slides/slide15.xml><?xml version="1.0" encoding="utf-8"?>
 <p:sld xmlns:a="http://schemas.openxmlformats.org/drawingml/2006/main" xmlns:r="http://schemas.openxmlformats.org/officeDocument/2006/relationships" xmlns:p="http://schemas.openxmlformats.org/presentationml/2006/main" showMasterSp="0">
   <p:cSld>
     <p:bg>
@@ -30999,18 +30037,17 @@
           <a:lstStyle/>
           <a:p>
             <a:r>
-              <a:rPr lang="fr-FR" dirty="0" smtClean="0"/>
+              <a:rPr lang="fr-FR" dirty="0"/>
               <a:t>Position de </a:t>
             </a:r>
             <a:r>
-              <a:rPr lang="fr-FR" dirty="0" err="1" smtClean="0"/>
+              <a:rPr lang="fr-FR" dirty="0" err="1"/>
               <a:t>fmax</a:t>
             </a:r>
             <a:r>
-              <a:rPr lang="fr-FR" dirty="0" smtClean="0"/>
+              <a:rPr lang="fr-FR" dirty="0"/>
               <a:t> en fonction de z</a:t>
             </a:r>
-            <a:endParaRPr lang="fr-FR" dirty="0"/>
           </a:p>
         </p:txBody>
       </p:sp>
@@ -31078,22 +30115,13 @@
           <a:lstStyle/>
           <a:p>
             <a:r>
-              <a:rPr lang="fr-FR" dirty="0" err="1" smtClean="0"/>
+              <a:rPr lang="fr-FR" dirty="0" err="1"/>
               <a:t>Freq</a:t>
             </a:r>
             <a:r>
-              <a:rPr lang="fr-FR" dirty="0" smtClean="0"/>
-              <a:t> </a:t>
-            </a:r>
-            <a:r>
               <a:rPr lang="fr-FR" dirty="0"/>
-              <a:t>m</a:t>
-            </a:r>
-            <a:r>
-              <a:rPr lang="fr-FR" dirty="0" smtClean="0"/>
-              <a:t>ax (1/µm)</a:t>
-            </a:r>
-            <a:endParaRPr lang="fr-FR" dirty="0"/>
+              <a:t> max (1/µm)</a:t>
+            </a:r>
           </a:p>
         </p:txBody>
       </p:sp>
@@ -31122,10 +30150,9 @@
           <a:lstStyle/>
           <a:p>
             <a:r>
-              <a:rPr lang="fr-FR" dirty="0" smtClean="0"/>
+              <a:rPr lang="fr-FR" dirty="0"/>
               <a:t>Profondeur (nm)</a:t>
             </a:r>
-            <a:endParaRPr lang="fr-FR" dirty="0"/>
           </a:p>
         </p:txBody>
       </p:sp>
@@ -31152,10 +30179,9 @@
           <a:lstStyle/>
           <a:p>
             <a:r>
-              <a:rPr lang="fr-FR" sz="2000" b="1" u="sng" dirty="0" smtClean="0"/>
+              <a:rPr lang="fr-FR" sz="2000" b="1" u="sng" dirty="0"/>
               <a:t>CALIBRATION</a:t>
             </a:r>
-            <a:endParaRPr lang="fr-FR" sz="2000" b="1" u="sng" dirty="0"/>
           </a:p>
         </p:txBody>
       </p:sp>
@@ -31169,20 +30195,18 @@
   <p:clrMapOvr>
     <a:masterClrMapping/>
   </p:clrMapOvr>
-  <p:transition spd="slow">
-    <p:fade/>
-  </p:transition>
-  <p:timing>
-    <p:tnLst>
-      <p:par>
-        <p:cTn id="1" dur="indefinite" restart="never" nodeType="tmRoot"/>
-      </p:par>
-    </p:tnLst>
-  </p:timing>
+  <mc:AlternateContent xmlns:mc="http://schemas.openxmlformats.org/markup-compatibility/2006">
+    <mc:Choice xmlns:p14="http://schemas.microsoft.com/office/powerpoint/2010/main" Requires="p14">
+      <p:transition p14:dur="0"/>
+    </mc:Choice>
+    <mc:Fallback>
+      <p:transition/>
+    </mc:Fallback>
+  </mc:AlternateContent>
 </p:sld>
 </file>
 
-<file path=ppt/slides/slide18.xml><?xml version="1.0" encoding="utf-8"?>
+<file path=ppt/slides/slide16.xml><?xml version="1.0" encoding="utf-8"?>
 <p:sld xmlns:a="http://schemas.openxmlformats.org/drawingml/2006/main" xmlns:r="http://schemas.openxmlformats.org/officeDocument/2006/relationships" xmlns:p="http://schemas.openxmlformats.org/presentationml/2006/main" showMasterSp="0">
   <p:cSld>
     <p:bg>
@@ -31271,18 +30295,17 @@
           <a:lstStyle/>
           <a:p>
             <a:r>
-              <a:rPr lang="fr-FR" sz="2400" dirty="0" smtClean="0"/>
+              <a:rPr lang="fr-FR" sz="2400" dirty="0"/>
               <a:t>Taille de la tache </a:t>
             </a:r>
             <a:r>
-              <a:rPr lang="fr-FR" sz="2400" dirty="0" err="1" smtClean="0"/>
+              <a:rPr lang="fr-FR" sz="2400" dirty="0" err="1"/>
               <a:t>d’airy</a:t>
             </a:r>
             <a:r>
-              <a:rPr lang="fr-FR" sz="2400" dirty="0" smtClean="0"/>
+              <a:rPr lang="fr-FR" sz="2400" dirty="0"/>
               <a:t> en fonction de z</a:t>
             </a:r>
-            <a:endParaRPr lang="fr-FR" sz="2400" dirty="0"/>
           </a:p>
         </p:txBody>
       </p:sp>
@@ -31309,18 +30332,17 @@
           <a:lstStyle/>
           <a:p>
             <a:r>
-              <a:rPr lang="fr-FR" dirty="0" smtClean="0"/>
+              <a:rPr lang="fr-FR" dirty="0"/>
               <a:t>On utilise cette courbe pour produire créer </a:t>
             </a:r>
             <a:r>
-              <a:rPr lang="fr-FR" dirty="0" err="1" smtClean="0"/>
+              <a:rPr lang="fr-FR" dirty="0" err="1"/>
               <a:t>fmax</a:t>
             </a:r>
             <a:r>
-              <a:rPr lang="fr-FR" dirty="0" smtClean="0"/>
+              <a:rPr lang="fr-FR" dirty="0"/>
               <a:t> = f (sigma)</a:t>
             </a:r>
-            <a:endParaRPr lang="fr-FR" dirty="0"/>
           </a:p>
         </p:txBody>
       </p:sp>
@@ -31347,10 +30369,9 @@
           <a:lstStyle/>
           <a:p>
             <a:r>
-              <a:rPr lang="fr-FR" sz="2000" b="1" u="sng" dirty="0" smtClean="0"/>
+              <a:rPr lang="fr-FR" sz="2000" b="1" u="sng" dirty="0"/>
               <a:t>CALIBRATION</a:t>
             </a:r>
-            <a:endParaRPr lang="fr-FR" sz="2000" b="1" u="sng" dirty="0"/>
           </a:p>
         </p:txBody>
       </p:sp>
@@ -31364,20 +30385,18 @@
   <p:clrMapOvr>
     <a:masterClrMapping/>
   </p:clrMapOvr>
-  <p:transition spd="slow">
-    <p:fade/>
-  </p:transition>
-  <p:timing>
-    <p:tnLst>
-      <p:par>
-        <p:cTn id="1" dur="indefinite" restart="never" nodeType="tmRoot"/>
-      </p:par>
-    </p:tnLst>
-  </p:timing>
+  <mc:AlternateContent xmlns:mc="http://schemas.openxmlformats.org/markup-compatibility/2006">
+    <mc:Choice xmlns:p14="http://schemas.microsoft.com/office/powerpoint/2010/main" Requires="p14">
+      <p:transition p14:dur="0"/>
+    </mc:Choice>
+    <mc:Fallback>
+      <p:transition/>
+    </mc:Fallback>
+  </mc:AlternateContent>
 </p:sld>
 </file>
 
-<file path=ppt/slides/slide19.xml><?xml version="1.0" encoding="utf-8"?>
+<file path=ppt/slides/slide17.xml><?xml version="1.0" encoding="utf-8"?>
 <p:sld xmlns:a="http://schemas.openxmlformats.org/drawingml/2006/main" xmlns:r="http://schemas.openxmlformats.org/officeDocument/2006/relationships" xmlns:p="http://schemas.openxmlformats.org/presentationml/2006/main" showMasterSp="0">
   <p:cSld>
     <p:bg>
@@ -31466,10 +30485,9 @@
           <a:lstStyle/>
           <a:p>
             <a:r>
-              <a:rPr lang="fr-FR" dirty="0" smtClean="0"/>
+              <a:rPr lang="fr-FR" dirty="0"/>
               <a:t>Sigma (µm)</a:t>
             </a:r>
-            <a:endParaRPr lang="fr-FR" dirty="0"/>
           </a:p>
         </p:txBody>
       </p:sp>
@@ -31498,10 +30516,9 @@
           <a:lstStyle/>
           <a:p>
             <a:r>
-              <a:rPr lang="fr-FR" dirty="0" smtClean="0"/>
+              <a:rPr lang="fr-FR" dirty="0"/>
               <a:t>1</a:t>
             </a:r>
-            <a:endParaRPr lang="fr-FR" dirty="0"/>
           </a:p>
         </p:txBody>
       </p:sp>
@@ -31530,10 +30547,9 @@
           <a:lstStyle/>
           <a:p>
             <a:r>
-              <a:rPr lang="fr-FR" dirty="0" smtClean="0"/>
+              <a:rPr lang="fr-FR" dirty="0"/>
               <a:t>1,5</a:t>
             </a:r>
-            <a:endParaRPr lang="fr-FR" dirty="0"/>
           </a:p>
         </p:txBody>
       </p:sp>
@@ -31593,10 +30609,9 @@
           <a:lstStyle/>
           <a:p>
             <a:r>
-              <a:rPr lang="fr-FR" dirty="0" smtClean="0"/>
+              <a:rPr lang="fr-FR" dirty="0"/>
               <a:t>2,5</a:t>
             </a:r>
-            <a:endParaRPr lang="fr-FR" dirty="0"/>
           </a:p>
         </p:txBody>
       </p:sp>
@@ -31625,10 +30640,9 @@
           <a:lstStyle/>
           <a:p>
             <a:r>
-              <a:rPr lang="fr-FR" dirty="0" smtClean="0"/>
+              <a:rPr lang="fr-FR" dirty="0"/>
               <a:t>3</a:t>
             </a:r>
-            <a:endParaRPr lang="fr-FR" dirty="0"/>
           </a:p>
         </p:txBody>
       </p:sp>
@@ -31657,10 +30671,9 @@
           <a:lstStyle/>
           <a:p>
             <a:r>
-              <a:rPr lang="fr-FR" dirty="0" smtClean="0"/>
+              <a:rPr lang="fr-FR" dirty="0"/>
               <a:t>3,5</a:t>
             </a:r>
-            <a:endParaRPr lang="fr-FR" dirty="0"/>
           </a:p>
         </p:txBody>
       </p:sp>
@@ -31689,10 +30702,9 @@
           <a:lstStyle/>
           <a:p>
             <a:r>
-              <a:rPr lang="fr-FR" sz="2400" dirty="0" smtClean="0"/>
+              <a:rPr lang="fr-FR" sz="2400" dirty="0"/>
               <a:t>Fréquence max en fonction de sigma</a:t>
             </a:r>
-            <a:endParaRPr lang="fr-FR" sz="2400" dirty="0"/>
           </a:p>
         </p:txBody>
       </p:sp>
@@ -31721,22 +30733,13 @@
           <a:lstStyle/>
           <a:p>
             <a:r>
-              <a:rPr lang="fr-FR" dirty="0" err="1" smtClean="0"/>
+              <a:rPr lang="fr-FR" dirty="0" err="1"/>
               <a:t>Freq</a:t>
             </a:r>
             <a:r>
-              <a:rPr lang="fr-FR" dirty="0" smtClean="0"/>
-              <a:t> </a:t>
-            </a:r>
-            <a:r>
               <a:rPr lang="fr-FR" dirty="0"/>
-              <a:t>m</a:t>
-            </a:r>
-            <a:r>
-              <a:rPr lang="fr-FR" dirty="0" smtClean="0"/>
-              <a:t>ax (1/µm)</a:t>
-            </a:r>
-            <a:endParaRPr lang="fr-FR" dirty="0"/>
+              <a:t> max (1/µm)</a:t>
+            </a:r>
           </a:p>
         </p:txBody>
       </p:sp>
@@ -31763,10 +30766,9 @@
           <a:lstStyle/>
           <a:p>
             <a:r>
-              <a:rPr lang="fr-FR" sz="2000" b="1" u="sng" dirty="0" smtClean="0"/>
+              <a:rPr lang="fr-FR" sz="2000" b="1" u="sng" dirty="0"/>
               <a:t>CALIBRATION</a:t>
             </a:r>
-            <a:endParaRPr lang="fr-FR" sz="2000" b="1" u="sng" dirty="0"/>
           </a:p>
         </p:txBody>
       </p:sp>
@@ -31780,16 +30782,1032 @@
   <p:clrMapOvr>
     <a:masterClrMapping/>
   </p:clrMapOvr>
-  <p:transition spd="slow">
-    <p:fade/>
-  </p:transition>
-  <p:timing>
-    <p:tnLst>
-      <p:par>
-        <p:cTn id="1" dur="indefinite" restart="never" nodeType="tmRoot"/>
-      </p:par>
-    </p:tnLst>
-  </p:timing>
+  <mc:AlternateContent xmlns:mc="http://schemas.openxmlformats.org/markup-compatibility/2006">
+    <mc:Choice xmlns:p14="http://schemas.microsoft.com/office/powerpoint/2010/main" Requires="p14">
+      <p:transition p14:dur="0"/>
+    </mc:Choice>
+    <mc:Fallback>
+      <p:transition/>
+    </mc:Fallback>
+  </mc:AlternateContent>
+</p:sld>
+</file>
+
+<file path=ppt/slides/slide18.xml><?xml version="1.0" encoding="utf-8"?>
+<p:sld xmlns:a="http://schemas.openxmlformats.org/drawingml/2006/main" xmlns:r="http://schemas.openxmlformats.org/officeDocument/2006/relationships" xmlns:p="http://schemas.openxmlformats.org/presentationml/2006/main" showMasterSp="0">
+  <p:cSld>
+    <p:bg>
+      <p:bgPr>
+        <a:solidFill>
+          <a:schemeClr val="bg1"/>
+        </a:solidFill>
+        <a:effectLst/>
+      </p:bgPr>
+    </p:bg>
+    <p:spTree>
+      <p:nvGrpSpPr>
+        <p:cNvPr id="1" name=""/>
+        <p:cNvGrpSpPr/>
+        <p:nvPr/>
+      </p:nvGrpSpPr>
+      <p:grpSpPr>
+        <a:xfrm>
+          <a:off x="0" y="0"/>
+          <a:ext cx="0" cy="0"/>
+          <a:chOff x="0" y="0"/>
+          <a:chExt cx="0" cy="0"/>
+        </a:xfrm>
+      </p:grpSpPr>
+      <p:pic>
+        <p:nvPicPr>
+          <p:cNvPr id="3076" name="Picture 4" descr="E:\Docum\PROJETS ETI MATLAB SOLID\PIMS_Projet\PIMS\CR\images\courbes de tolérance\courbe avec plein de ronds2.png"/>
+          <p:cNvPicPr>
+            <a:picLocks noChangeAspect="1" noChangeArrowheads="1"/>
+          </p:cNvPicPr>
+          <p:nvPr/>
+        </p:nvPicPr>
+        <p:blipFill rotWithShape="1">
+          <a:blip r:embed="rId2">
+            <a:extLst>
+              <a:ext uri="{28A0092B-C50C-407E-A947-70E740481C1C}">
+                <a14:useLocalDpi xmlns:a14="http://schemas.microsoft.com/office/drawing/2010/main" val="0"/>
+              </a:ext>
+            </a:extLst>
+          </a:blip>
+          <a:srcRect l="9718" t="5883" r="9152" b="7113"/>
+          <a:stretch/>
+        </p:blipFill>
+        <p:spPr bwMode="auto">
+          <a:xfrm>
+            <a:off x="335361" y="332656"/>
+            <a:ext cx="12961440" cy="6120680"/>
+          </a:xfrm>
+          <a:prstGeom prst="rect">
+            <a:avLst/>
+          </a:prstGeom>
+          <a:noFill/>
+          <a:extLst>
+            <a:ext uri="{909E8E84-426E-40DD-AFC4-6F175D3DCCD1}">
+              <a14:hiddenFill xmlns:a14="http://schemas.microsoft.com/office/drawing/2010/main">
+                <a:solidFill>
+                  <a:srgbClr val="FFFFFF"/>
+                </a:solidFill>
+              </a14:hiddenFill>
+            </a:ext>
+          </a:extLst>
+        </p:spPr>
+      </p:pic>
+      <p:sp>
+        <p:nvSpPr>
+          <p:cNvPr id="5" name="ZoneTexte 4"/>
+          <p:cNvSpPr txBox="1"/>
+          <p:nvPr/>
+        </p:nvSpPr>
+        <p:spPr>
+          <a:xfrm>
+            <a:off x="7840" y="1412776"/>
+            <a:ext cx="461665" cy="2808312"/>
+          </a:xfrm>
+          <a:prstGeom prst="rect">
+            <a:avLst/>
+          </a:prstGeom>
+          <a:solidFill>
+            <a:schemeClr val="bg1"/>
+          </a:solidFill>
+        </p:spPr>
+        <p:txBody>
+          <a:bodyPr vert="vert270" wrap="square" rtlCol="0">
+            <a:spAutoFit/>
+          </a:bodyPr>
+          <a:lstStyle/>
+          <a:p>
+            <a:endParaRPr lang="fr-FR" dirty="0"/>
+          </a:p>
+        </p:txBody>
+      </p:sp>
+      <p:sp>
+        <p:nvSpPr>
+          <p:cNvPr id="6" name="ZoneTexte 5"/>
+          <p:cNvSpPr txBox="1"/>
+          <p:nvPr/>
+        </p:nvSpPr>
+        <p:spPr>
+          <a:xfrm>
+            <a:off x="4943872" y="6453336"/>
+            <a:ext cx="4128459" cy="369332"/>
+          </a:xfrm>
+          <a:prstGeom prst="rect">
+            <a:avLst/>
+          </a:prstGeom>
+          <a:solidFill>
+            <a:schemeClr val="bg1"/>
+          </a:solidFill>
+        </p:spPr>
+        <p:txBody>
+          <a:bodyPr wrap="square" rtlCol="0">
+            <a:spAutoFit/>
+          </a:bodyPr>
+          <a:lstStyle/>
+          <a:p>
+            <a:r>
+              <a:rPr lang="fr-FR" dirty="0"/>
+              <a:t>Taille de la tâche d’Airy(µm)</a:t>
+            </a:r>
+          </a:p>
+        </p:txBody>
+      </p:sp>
+      <p:sp>
+        <p:nvSpPr>
+          <p:cNvPr id="8" name="ZoneTexte 7"/>
+          <p:cNvSpPr txBox="1"/>
+          <p:nvPr/>
+        </p:nvSpPr>
+        <p:spPr>
+          <a:xfrm>
+            <a:off x="-48682" y="1218238"/>
+            <a:ext cx="696024" cy="338554"/>
+          </a:xfrm>
+          <a:prstGeom prst="rect">
+            <a:avLst/>
+          </a:prstGeom>
+          <a:solidFill>
+            <a:schemeClr val="bg1"/>
+          </a:solidFill>
+        </p:spPr>
+        <p:txBody>
+          <a:bodyPr wrap="none" rtlCol="0">
+            <a:spAutoFit/>
+          </a:bodyPr>
+          <a:lstStyle/>
+          <a:p>
+            <a:r>
+              <a:rPr lang="fr-FR" sz="1600" dirty="0"/>
+              <a:t>0,105</a:t>
+            </a:r>
+          </a:p>
+        </p:txBody>
+      </p:sp>
+      <p:sp>
+        <p:nvSpPr>
+          <p:cNvPr id="9" name="ZoneTexte 8"/>
+          <p:cNvSpPr txBox="1"/>
+          <p:nvPr/>
+        </p:nvSpPr>
+        <p:spPr>
+          <a:xfrm>
+            <a:off x="244300" y="2154342"/>
+            <a:ext cx="468398" cy="338554"/>
+          </a:xfrm>
+          <a:prstGeom prst="rect">
+            <a:avLst/>
+          </a:prstGeom>
+          <a:solidFill>
+            <a:schemeClr val="bg1"/>
+          </a:solidFill>
+        </p:spPr>
+        <p:txBody>
+          <a:bodyPr wrap="none" rtlCol="0">
+            <a:spAutoFit/>
+          </a:bodyPr>
+          <a:lstStyle/>
+          <a:p>
+            <a:r>
+              <a:rPr lang="fr-FR" sz="1600" dirty="0"/>
+              <a:t>0,1</a:t>
+            </a:r>
+          </a:p>
+        </p:txBody>
+      </p:sp>
+      <p:sp>
+        <p:nvSpPr>
+          <p:cNvPr id="10" name="ZoneTexte 9"/>
+          <p:cNvSpPr txBox="1"/>
+          <p:nvPr/>
+        </p:nvSpPr>
+        <p:spPr>
+          <a:xfrm>
+            <a:off x="47328" y="5949280"/>
+            <a:ext cx="582211" cy="338554"/>
+          </a:xfrm>
+          <a:prstGeom prst="rect">
+            <a:avLst/>
+          </a:prstGeom>
+          <a:solidFill>
+            <a:schemeClr val="bg1"/>
+          </a:solidFill>
+        </p:spPr>
+        <p:txBody>
+          <a:bodyPr wrap="none" rtlCol="0">
+            <a:spAutoFit/>
+          </a:bodyPr>
+          <a:lstStyle/>
+          <a:p>
+            <a:r>
+              <a:rPr lang="fr-FR" sz="1600" dirty="0"/>
+              <a:t>0,08</a:t>
+            </a:r>
+          </a:p>
+        </p:txBody>
+      </p:sp>
+      <p:sp>
+        <p:nvSpPr>
+          <p:cNvPr id="11" name="ZoneTexte 10"/>
+          <p:cNvSpPr txBox="1"/>
+          <p:nvPr/>
+        </p:nvSpPr>
+        <p:spPr>
+          <a:xfrm>
+            <a:off x="-48682" y="5013176"/>
+            <a:ext cx="696024" cy="338554"/>
+          </a:xfrm>
+          <a:prstGeom prst="rect">
+            <a:avLst/>
+          </a:prstGeom>
+          <a:solidFill>
+            <a:schemeClr val="bg1"/>
+          </a:solidFill>
+        </p:spPr>
+        <p:txBody>
+          <a:bodyPr wrap="none" rtlCol="0">
+            <a:spAutoFit/>
+          </a:bodyPr>
+          <a:lstStyle/>
+          <a:p>
+            <a:r>
+              <a:rPr lang="fr-FR" sz="1600" dirty="0"/>
+              <a:t>0,085</a:t>
+            </a:r>
+          </a:p>
+        </p:txBody>
+      </p:sp>
+      <p:sp>
+        <p:nvSpPr>
+          <p:cNvPr id="12" name="ZoneTexte 11"/>
+          <p:cNvSpPr txBox="1"/>
+          <p:nvPr/>
+        </p:nvSpPr>
+        <p:spPr>
+          <a:xfrm>
+            <a:off x="84016" y="4113455"/>
+            <a:ext cx="582211" cy="338554"/>
+          </a:xfrm>
+          <a:prstGeom prst="rect">
+            <a:avLst/>
+          </a:prstGeom>
+          <a:solidFill>
+            <a:schemeClr val="bg1"/>
+          </a:solidFill>
+        </p:spPr>
+        <p:txBody>
+          <a:bodyPr wrap="none" rtlCol="0">
+            <a:spAutoFit/>
+          </a:bodyPr>
+          <a:lstStyle/>
+          <a:p>
+            <a:r>
+              <a:rPr lang="fr-FR" sz="1600" dirty="0"/>
+              <a:t>0,09</a:t>
+            </a:r>
+          </a:p>
+        </p:txBody>
+      </p:sp>
+      <p:sp>
+        <p:nvSpPr>
+          <p:cNvPr id="13" name="ZoneTexte 12"/>
+          <p:cNvSpPr txBox="1"/>
+          <p:nvPr/>
+        </p:nvSpPr>
+        <p:spPr>
+          <a:xfrm rot="5400000">
+            <a:off x="1976737" y="-1698377"/>
+            <a:ext cx="461665" cy="3744416"/>
+          </a:xfrm>
+          <a:prstGeom prst="rect">
+            <a:avLst/>
+          </a:prstGeom>
+          <a:solidFill>
+            <a:schemeClr val="bg1"/>
+          </a:solidFill>
+        </p:spPr>
+        <p:txBody>
+          <a:bodyPr vert="vert270" wrap="square" rtlCol="0">
+            <a:spAutoFit/>
+          </a:bodyPr>
+          <a:lstStyle/>
+          <a:p>
+            <a:r>
+              <a:rPr lang="fr-FR" dirty="0" err="1"/>
+              <a:t>Freq</a:t>
+            </a:r>
+            <a:r>
+              <a:rPr lang="fr-FR" dirty="0"/>
+              <a:t> max (1/µm)</a:t>
+            </a:r>
+          </a:p>
+        </p:txBody>
+      </p:sp>
+      <p:sp>
+        <p:nvSpPr>
+          <p:cNvPr id="14" name="ZoneTexte 13"/>
+          <p:cNvSpPr txBox="1"/>
+          <p:nvPr/>
+        </p:nvSpPr>
+        <p:spPr>
+          <a:xfrm>
+            <a:off x="-48682" y="3098769"/>
+            <a:ext cx="696024" cy="338554"/>
+          </a:xfrm>
+          <a:prstGeom prst="rect">
+            <a:avLst/>
+          </a:prstGeom>
+          <a:solidFill>
+            <a:schemeClr val="bg1"/>
+          </a:solidFill>
+        </p:spPr>
+        <p:txBody>
+          <a:bodyPr wrap="none" rtlCol="0">
+            <a:spAutoFit/>
+          </a:bodyPr>
+          <a:lstStyle/>
+          <a:p>
+            <a:r>
+              <a:rPr lang="fr-FR" sz="1600" dirty="0"/>
+              <a:t>0,095</a:t>
+            </a:r>
+          </a:p>
+        </p:txBody>
+      </p:sp>
+      <p:sp>
+        <p:nvSpPr>
+          <p:cNvPr id="4" name="ZoneTexte 3"/>
+          <p:cNvSpPr txBox="1"/>
+          <p:nvPr/>
+        </p:nvSpPr>
+        <p:spPr>
+          <a:xfrm>
+            <a:off x="47328" y="354142"/>
+            <a:ext cx="582211" cy="338554"/>
+          </a:xfrm>
+          <a:prstGeom prst="rect">
+            <a:avLst/>
+          </a:prstGeom>
+          <a:solidFill>
+            <a:schemeClr val="bg1"/>
+          </a:solidFill>
+        </p:spPr>
+        <p:txBody>
+          <a:bodyPr wrap="none" rtlCol="0">
+            <a:spAutoFit/>
+          </a:bodyPr>
+          <a:lstStyle/>
+          <a:p>
+            <a:r>
+              <a:rPr lang="fr-FR" sz="1600" dirty="0"/>
+              <a:t>0,11</a:t>
+            </a:r>
+          </a:p>
+        </p:txBody>
+      </p:sp>
+      <p:sp>
+        <p:nvSpPr>
+          <p:cNvPr id="7" name="ZoneTexte 6"/>
+          <p:cNvSpPr txBox="1"/>
+          <p:nvPr/>
+        </p:nvSpPr>
+        <p:spPr>
+          <a:xfrm>
+            <a:off x="8453454" y="4113455"/>
+            <a:ext cx="819455" cy="369332"/>
+          </a:xfrm>
+          <a:prstGeom prst="rect">
+            <a:avLst/>
+          </a:prstGeom>
+          <a:noFill/>
+        </p:spPr>
+        <p:txBody>
+          <a:bodyPr wrap="none" rtlCol="0">
+            <a:spAutoFit/>
+          </a:bodyPr>
+          <a:lstStyle/>
+          <a:p>
+            <a:r>
+              <a:rPr lang="fr-FR" dirty="0"/>
+              <a:t>Z=300</a:t>
+            </a:r>
+          </a:p>
+        </p:txBody>
+      </p:sp>
+      <p:sp>
+        <p:nvSpPr>
+          <p:cNvPr id="16" name="ZoneTexte 15"/>
+          <p:cNvSpPr txBox="1"/>
+          <p:nvPr/>
+        </p:nvSpPr>
+        <p:spPr>
+          <a:xfrm>
+            <a:off x="4051752" y="4221088"/>
+            <a:ext cx="819455" cy="369332"/>
+          </a:xfrm>
+          <a:prstGeom prst="rect">
+            <a:avLst/>
+          </a:prstGeom>
+          <a:noFill/>
+        </p:spPr>
+        <p:txBody>
+          <a:bodyPr wrap="none" rtlCol="0">
+            <a:spAutoFit/>
+          </a:bodyPr>
+          <a:lstStyle/>
+          <a:p>
+            <a:r>
+              <a:rPr lang="fr-FR" dirty="0"/>
+              <a:t>Z=500</a:t>
+            </a:r>
+          </a:p>
+        </p:txBody>
+      </p:sp>
+      <p:sp>
+        <p:nvSpPr>
+          <p:cNvPr id="17" name="ZoneTexte 16"/>
+          <p:cNvSpPr txBox="1"/>
+          <p:nvPr/>
+        </p:nvSpPr>
+        <p:spPr>
+          <a:xfrm>
+            <a:off x="1949262" y="3851756"/>
+            <a:ext cx="819455" cy="369332"/>
+          </a:xfrm>
+          <a:prstGeom prst="rect">
+            <a:avLst/>
+          </a:prstGeom>
+          <a:noFill/>
+        </p:spPr>
+        <p:txBody>
+          <a:bodyPr wrap="none" rtlCol="0">
+            <a:spAutoFit/>
+          </a:bodyPr>
+          <a:lstStyle/>
+          <a:p>
+            <a:r>
+              <a:rPr lang="fr-FR" dirty="0"/>
+              <a:t>Z=700</a:t>
+            </a:r>
+          </a:p>
+        </p:txBody>
+      </p:sp>
+      <p:sp>
+        <p:nvSpPr>
+          <p:cNvPr id="18" name="ZoneTexte 17"/>
+          <p:cNvSpPr txBox="1"/>
+          <p:nvPr/>
+        </p:nvSpPr>
+        <p:spPr>
+          <a:xfrm>
+            <a:off x="4079778" y="620688"/>
+            <a:ext cx="947695" cy="369332"/>
+          </a:xfrm>
+          <a:prstGeom prst="rect">
+            <a:avLst/>
+          </a:prstGeom>
+          <a:noFill/>
+        </p:spPr>
+        <p:txBody>
+          <a:bodyPr wrap="none" rtlCol="0">
+            <a:spAutoFit/>
+          </a:bodyPr>
+          <a:lstStyle/>
+          <a:p>
+            <a:r>
+              <a:rPr lang="fr-FR" dirty="0"/>
+              <a:t>Z=1000</a:t>
+            </a:r>
+          </a:p>
+        </p:txBody>
+      </p:sp>
+      <p:sp>
+        <p:nvSpPr>
+          <p:cNvPr id="19" name="ZoneTexte 18"/>
+          <p:cNvSpPr txBox="1"/>
+          <p:nvPr/>
+        </p:nvSpPr>
+        <p:spPr>
+          <a:xfrm>
+            <a:off x="7905741" y="1137720"/>
+            <a:ext cx="947695" cy="369332"/>
+          </a:xfrm>
+          <a:prstGeom prst="rect">
+            <a:avLst/>
+          </a:prstGeom>
+          <a:noFill/>
+        </p:spPr>
+        <p:txBody>
+          <a:bodyPr wrap="none" rtlCol="0">
+            <a:spAutoFit/>
+          </a:bodyPr>
+          <a:lstStyle/>
+          <a:p>
+            <a:r>
+              <a:rPr lang="fr-FR" dirty="0"/>
+              <a:t>Z=1200</a:t>
+            </a:r>
+          </a:p>
+        </p:txBody>
+      </p:sp>
+      <p:sp>
+        <p:nvSpPr>
+          <p:cNvPr id="15" name="ZoneTexte 14"/>
+          <p:cNvSpPr txBox="1"/>
+          <p:nvPr/>
+        </p:nvSpPr>
+        <p:spPr>
+          <a:xfrm>
+            <a:off x="4499995" y="-58510"/>
+            <a:ext cx="3768980" cy="400110"/>
+          </a:xfrm>
+          <a:prstGeom prst="rect">
+            <a:avLst/>
+          </a:prstGeom>
+          <a:solidFill>
+            <a:schemeClr val="bg1"/>
+          </a:solidFill>
+        </p:spPr>
+        <p:txBody>
+          <a:bodyPr wrap="none" rtlCol="0">
+            <a:spAutoFit/>
+          </a:bodyPr>
+          <a:lstStyle/>
+          <a:p>
+            <a:r>
+              <a:rPr lang="fr-FR" sz="2000" b="1" dirty="0"/>
+              <a:t>Courbe de calibration axiale</a:t>
+            </a:r>
+          </a:p>
+        </p:txBody>
+      </p:sp>
+    </p:spTree>
+    <p:extLst>
+      <p:ext uri="{BB962C8B-B14F-4D97-AF65-F5344CB8AC3E}">
+        <p14:creationId xmlns:p14="http://schemas.microsoft.com/office/powerpoint/2010/main" val="3388928949"/>
+      </p:ext>
+    </p:extLst>
+  </p:cSld>
+  <p:clrMapOvr>
+    <a:masterClrMapping/>
+  </p:clrMapOvr>
+  <mc:AlternateContent xmlns:mc="http://schemas.openxmlformats.org/markup-compatibility/2006">
+    <mc:Choice xmlns:p14="http://schemas.microsoft.com/office/powerpoint/2010/main" Requires="p14">
+      <p:transition p14:dur="0"/>
+    </mc:Choice>
+    <mc:Fallback>
+      <p:transition/>
+    </mc:Fallback>
+  </mc:AlternateContent>
+</p:sld>
+</file>
+
+<file path=ppt/slides/slide19.xml><?xml version="1.0" encoding="utf-8"?>
+<p:sld xmlns:a="http://schemas.openxmlformats.org/drawingml/2006/main" xmlns:r="http://schemas.openxmlformats.org/officeDocument/2006/relationships" xmlns:p="http://schemas.openxmlformats.org/presentationml/2006/main" showMasterSp="0">
+  <p:cSld>
+    <p:spTree>
+      <p:nvGrpSpPr>
+        <p:cNvPr id="1" name=""/>
+        <p:cNvGrpSpPr/>
+        <p:nvPr/>
+      </p:nvGrpSpPr>
+      <p:grpSpPr>
+        <a:xfrm>
+          <a:off x="0" y="0"/>
+          <a:ext cx="0" cy="0"/>
+          <a:chOff x="0" y="0"/>
+          <a:chExt cx="0" cy="0"/>
+        </a:xfrm>
+      </p:grpSpPr>
+      <p:sp>
+        <p:nvSpPr>
+          <p:cNvPr id="6" name="Espace réservé du contenu 2"/>
+          <p:cNvSpPr txBox="1">
+            <a:spLocks/>
+          </p:cNvSpPr>
+          <p:nvPr/>
+        </p:nvSpPr>
+        <p:spPr>
+          <a:xfrm>
+            <a:off x="1152938" y="486946"/>
+            <a:ext cx="10731281" cy="2180615"/>
+          </a:xfrm>
+          <a:prstGeom prst="rect">
+            <a:avLst/>
+          </a:prstGeom>
+        </p:spPr>
+        <p:txBody>
+          <a:bodyPr vert="horz" lIns="91440" tIns="72000" rIns="91440" bIns="45720" numCol="1" rtlCol="0">
+            <a:noAutofit/>
+          </a:bodyPr>
+          <a:lstStyle>
+            <a:lvl1pPr marL="342900" indent="-342900" algn="l" defTabSz="457200" rtl="0" eaLnBrk="1" latinLnBrk="0" hangingPunct="1">
+              <a:spcBef>
+                <a:spcPts val="1000"/>
+              </a:spcBef>
+              <a:spcAft>
+                <a:spcPts val="0"/>
+              </a:spcAft>
+              <a:buClr>
+                <a:schemeClr val="accent1"/>
+              </a:buClr>
+              <a:buFont typeface="Wingdings 3" charset="2"/>
+              <a:buChar char=""/>
+              <a:defRPr sz="1800" kern="1200">
+                <a:solidFill>
+                  <a:schemeClr val="tx1">
+                    <a:lumMod val="75000"/>
+                    <a:lumOff val="25000"/>
+                  </a:schemeClr>
+                </a:solidFill>
+                <a:latin typeface="+mn-lt"/>
+                <a:ea typeface="+mn-ea"/>
+                <a:cs typeface="+mn-cs"/>
+              </a:defRPr>
+            </a:lvl1pPr>
+            <a:lvl2pPr marL="742950" indent="-285750" algn="l" defTabSz="457200" rtl="0" eaLnBrk="1" latinLnBrk="0" hangingPunct="1">
+              <a:spcBef>
+                <a:spcPts val="1000"/>
+              </a:spcBef>
+              <a:spcAft>
+                <a:spcPts val="0"/>
+              </a:spcAft>
+              <a:buClr>
+                <a:schemeClr val="accent1"/>
+              </a:buClr>
+              <a:buFont typeface="Wingdings 3" charset="2"/>
+              <a:buChar char=""/>
+              <a:defRPr sz="1600" kern="1200">
+                <a:solidFill>
+                  <a:schemeClr val="tx1">
+                    <a:lumMod val="75000"/>
+                    <a:lumOff val="25000"/>
+                  </a:schemeClr>
+                </a:solidFill>
+                <a:latin typeface="+mn-lt"/>
+                <a:ea typeface="+mn-ea"/>
+                <a:cs typeface="+mn-cs"/>
+              </a:defRPr>
+            </a:lvl2pPr>
+            <a:lvl3pPr marL="1143000" indent="-228600" algn="l" defTabSz="457200" rtl="0" eaLnBrk="1" latinLnBrk="0" hangingPunct="1">
+              <a:spcBef>
+                <a:spcPts val="1000"/>
+              </a:spcBef>
+              <a:spcAft>
+                <a:spcPts val="0"/>
+              </a:spcAft>
+              <a:buClr>
+                <a:schemeClr val="accent1"/>
+              </a:buClr>
+              <a:buFont typeface="Wingdings 3" charset="2"/>
+              <a:buChar char=""/>
+              <a:defRPr sz="1400" kern="1200">
+                <a:solidFill>
+                  <a:schemeClr val="tx1">
+                    <a:lumMod val="75000"/>
+                    <a:lumOff val="25000"/>
+                  </a:schemeClr>
+                </a:solidFill>
+                <a:latin typeface="+mn-lt"/>
+                <a:ea typeface="+mn-ea"/>
+                <a:cs typeface="+mn-cs"/>
+              </a:defRPr>
+            </a:lvl3pPr>
+            <a:lvl4pPr marL="1600200" indent="-228600" algn="l" defTabSz="457200" rtl="0" eaLnBrk="1" latinLnBrk="0" hangingPunct="1">
+              <a:spcBef>
+                <a:spcPts val="1000"/>
+              </a:spcBef>
+              <a:spcAft>
+                <a:spcPts val="0"/>
+              </a:spcAft>
+              <a:buClr>
+                <a:schemeClr val="accent1"/>
+              </a:buClr>
+              <a:buFont typeface="Wingdings 3" charset="2"/>
+              <a:buChar char=""/>
+              <a:defRPr sz="1200" kern="1200">
+                <a:solidFill>
+                  <a:schemeClr val="tx1">
+                    <a:lumMod val="75000"/>
+                    <a:lumOff val="25000"/>
+                  </a:schemeClr>
+                </a:solidFill>
+                <a:latin typeface="+mn-lt"/>
+                <a:ea typeface="+mn-ea"/>
+                <a:cs typeface="+mn-cs"/>
+              </a:defRPr>
+            </a:lvl4pPr>
+            <a:lvl5pPr marL="2057400" indent="-228600" algn="l" defTabSz="457200" rtl="0" eaLnBrk="1" latinLnBrk="0" hangingPunct="1">
+              <a:spcBef>
+                <a:spcPts val="1000"/>
+              </a:spcBef>
+              <a:spcAft>
+                <a:spcPts val="0"/>
+              </a:spcAft>
+              <a:buClr>
+                <a:schemeClr val="accent1"/>
+              </a:buClr>
+              <a:buFont typeface="Wingdings 3" charset="2"/>
+              <a:buChar char=""/>
+              <a:defRPr sz="1200" kern="1200">
+                <a:solidFill>
+                  <a:schemeClr val="tx1">
+                    <a:lumMod val="75000"/>
+                    <a:lumOff val="25000"/>
+                  </a:schemeClr>
+                </a:solidFill>
+                <a:latin typeface="+mn-lt"/>
+                <a:ea typeface="+mn-ea"/>
+                <a:cs typeface="+mn-cs"/>
+              </a:defRPr>
+            </a:lvl5pPr>
+            <a:lvl6pPr marL="2514600" indent="-228600" algn="l" defTabSz="457200" rtl="0" eaLnBrk="1" latinLnBrk="0" hangingPunct="1">
+              <a:spcBef>
+                <a:spcPts val="1000"/>
+              </a:spcBef>
+              <a:spcAft>
+                <a:spcPts val="0"/>
+              </a:spcAft>
+              <a:buClr>
+                <a:schemeClr val="accent1"/>
+              </a:buClr>
+              <a:buFont typeface="Wingdings 3" charset="2"/>
+              <a:buChar char=""/>
+              <a:defRPr sz="1200" kern="1200">
+                <a:solidFill>
+                  <a:schemeClr val="tx1">
+                    <a:lumMod val="75000"/>
+                    <a:lumOff val="25000"/>
+                  </a:schemeClr>
+                </a:solidFill>
+                <a:latin typeface="+mn-lt"/>
+                <a:ea typeface="+mn-ea"/>
+                <a:cs typeface="+mn-cs"/>
+              </a:defRPr>
+            </a:lvl6pPr>
+            <a:lvl7pPr marL="2971800" indent="-228600" algn="l" defTabSz="457200" rtl="0" eaLnBrk="1" latinLnBrk="0" hangingPunct="1">
+              <a:spcBef>
+                <a:spcPts val="1000"/>
+              </a:spcBef>
+              <a:spcAft>
+                <a:spcPts val="0"/>
+              </a:spcAft>
+              <a:buClr>
+                <a:schemeClr val="accent1"/>
+              </a:buClr>
+              <a:buFont typeface="Wingdings 3" charset="2"/>
+              <a:buChar char=""/>
+              <a:defRPr sz="1200" kern="1200">
+                <a:solidFill>
+                  <a:schemeClr val="tx1">
+                    <a:lumMod val="75000"/>
+                    <a:lumOff val="25000"/>
+                  </a:schemeClr>
+                </a:solidFill>
+                <a:latin typeface="+mn-lt"/>
+                <a:ea typeface="+mn-ea"/>
+                <a:cs typeface="+mn-cs"/>
+              </a:defRPr>
+            </a:lvl7pPr>
+            <a:lvl8pPr marL="3429000" indent="-228600" algn="l" defTabSz="457200" rtl="0" eaLnBrk="1" latinLnBrk="0" hangingPunct="1">
+              <a:spcBef>
+                <a:spcPts val="1000"/>
+              </a:spcBef>
+              <a:spcAft>
+                <a:spcPts val="0"/>
+              </a:spcAft>
+              <a:buClr>
+                <a:schemeClr val="accent1"/>
+              </a:buClr>
+              <a:buFont typeface="Wingdings 3" charset="2"/>
+              <a:buChar char=""/>
+              <a:defRPr sz="1200" kern="1200">
+                <a:solidFill>
+                  <a:schemeClr val="tx1">
+                    <a:lumMod val="75000"/>
+                    <a:lumOff val="25000"/>
+                  </a:schemeClr>
+                </a:solidFill>
+                <a:latin typeface="+mn-lt"/>
+                <a:ea typeface="+mn-ea"/>
+                <a:cs typeface="+mn-cs"/>
+              </a:defRPr>
+            </a:lvl8pPr>
+            <a:lvl9pPr marL="3886200" indent="-228600" algn="l" defTabSz="457200" rtl="0" eaLnBrk="1" latinLnBrk="0" hangingPunct="1">
+              <a:spcBef>
+                <a:spcPts val="1000"/>
+              </a:spcBef>
+              <a:spcAft>
+                <a:spcPts val="0"/>
+              </a:spcAft>
+              <a:buClr>
+                <a:schemeClr val="accent1"/>
+              </a:buClr>
+              <a:buFont typeface="Wingdings 3" charset="2"/>
+              <a:buChar char=""/>
+              <a:defRPr sz="1200" kern="1200">
+                <a:solidFill>
+                  <a:schemeClr val="tx1">
+                    <a:lumMod val="75000"/>
+                    <a:lumOff val="25000"/>
+                  </a:schemeClr>
+                </a:solidFill>
+                <a:latin typeface="+mn-lt"/>
+                <a:ea typeface="+mn-ea"/>
+                <a:cs typeface="+mn-cs"/>
+              </a:defRPr>
+            </a:lvl9pPr>
+          </a:lstStyle>
+          <a:p>
+            <a:pPr marL="342900" marR="0" lvl="0" indent="-342900" algn="ctr" defTabSz="457200" rtl="0" eaLnBrk="1" fontAlgn="auto" latinLnBrk="0" hangingPunct="1">
+              <a:lnSpc>
+                <a:spcPct val="100000"/>
+              </a:lnSpc>
+              <a:spcBef>
+                <a:spcPts val="1000"/>
+              </a:spcBef>
+              <a:spcAft>
+                <a:spcPts val="0"/>
+              </a:spcAft>
+              <a:buClr>
+                <a:schemeClr val="accent1"/>
+              </a:buClr>
+              <a:buSzTx/>
+              <a:buFont typeface="Wingdings" panose="05000000000000000000" pitchFamily="2" charset="2"/>
+              <a:buChar char="v"/>
+              <a:tabLst/>
+              <a:defRPr/>
+            </a:pPr>
+            <a:r>
+              <a:rPr kumimoji="0" lang="fr-FR" sz="2800" b="0" i="0" u="sng" strike="noStrike" kern="1200" cap="none" spc="0" normalizeH="0" baseline="0" noProof="0" dirty="0">
+                <a:ln>
+                  <a:noFill/>
+                </a:ln>
+                <a:solidFill>
+                  <a:schemeClr val="tx1">
+                    <a:lumMod val="75000"/>
+                    <a:lumOff val="25000"/>
+                  </a:schemeClr>
+                </a:solidFill>
+                <a:effectLst/>
+                <a:uLnTx/>
+                <a:uFillTx/>
+                <a:latin typeface="+mn-lt"/>
+                <a:ea typeface="+mn-ea"/>
+                <a:cs typeface="+mn-cs"/>
+              </a:rPr>
+              <a:t>Avantages et inconvénients des deux méthodes</a:t>
+            </a:r>
+          </a:p>
+          <a:p>
+            <a:pPr marL="0" marR="0" lvl="0" indent="0" algn="ctr" defTabSz="457200" rtl="0" eaLnBrk="1" fontAlgn="auto" latinLnBrk="0" hangingPunct="1">
+              <a:lnSpc>
+                <a:spcPct val="100000"/>
+              </a:lnSpc>
+              <a:spcBef>
+                <a:spcPts val="1000"/>
+              </a:spcBef>
+              <a:spcAft>
+                <a:spcPts val="0"/>
+              </a:spcAft>
+              <a:buClr>
+                <a:schemeClr val="accent1"/>
+              </a:buClr>
+              <a:buSzTx/>
+              <a:buFont typeface="Wingdings 3" charset="2"/>
+              <a:buNone/>
+              <a:tabLst/>
+              <a:defRPr/>
+            </a:pPr>
+            <a:r>
+              <a:rPr kumimoji="0" lang="en-US" sz="1800" b="0" i="0" u="none" strike="noStrike" kern="1200" cap="none" spc="0" normalizeH="0" baseline="0" noProof="0" dirty="0">
+                <a:ln>
+                  <a:noFill/>
+                </a:ln>
+                <a:solidFill>
+                  <a:schemeClr val="tx1">
+                    <a:lumMod val="75000"/>
+                    <a:lumOff val="25000"/>
+                  </a:schemeClr>
+                </a:solidFill>
+                <a:effectLst/>
+                <a:uLnTx/>
+                <a:uFillTx/>
+                <a:latin typeface="+mn-lt"/>
+                <a:ea typeface="+mn-ea"/>
+                <a:cs typeface="+mn-cs"/>
+              </a:rPr>
+              <a:t>			</a:t>
+            </a:r>
+          </a:p>
+          <a:p>
+            <a:pPr marL="342900" marR="0" lvl="0" indent="-342900" algn="l" defTabSz="457200" rtl="0" eaLnBrk="1" fontAlgn="auto" latinLnBrk="0" hangingPunct="1">
+              <a:lnSpc>
+                <a:spcPct val="100000"/>
+              </a:lnSpc>
+              <a:spcBef>
+                <a:spcPts val="1000"/>
+              </a:spcBef>
+              <a:spcAft>
+                <a:spcPts val="0"/>
+              </a:spcAft>
+              <a:buClr>
+                <a:schemeClr val="accent1"/>
+              </a:buClr>
+              <a:buSzTx/>
+              <a:buFont typeface="Wingdings 3" charset="2"/>
+              <a:buChar char=""/>
+              <a:tabLst/>
+              <a:defRPr/>
+            </a:pPr>
+            <a:endParaRPr kumimoji="0" lang="fr-FR" sz="1800" b="0" i="0" u="none" strike="noStrike" kern="1200" cap="none" spc="0" normalizeH="0" baseline="0" noProof="0" dirty="0">
+              <a:ln>
+                <a:noFill/>
+              </a:ln>
+              <a:solidFill>
+                <a:schemeClr val="tx1">
+                  <a:lumMod val="75000"/>
+                  <a:lumOff val="25000"/>
+                </a:schemeClr>
+              </a:solidFill>
+              <a:effectLst/>
+              <a:uLnTx/>
+              <a:uFillTx/>
+              <a:latin typeface="+mn-lt"/>
+              <a:ea typeface="+mn-ea"/>
+              <a:cs typeface="+mn-cs"/>
+            </a:endParaRPr>
+          </a:p>
+        </p:txBody>
+      </p:sp>
+      <p:sp>
+        <p:nvSpPr>
+          <p:cNvPr id="3" name="Espace réservé du contenu 2"/>
+          <p:cNvSpPr>
+            <a:spLocks noGrp="1"/>
+          </p:cNvSpPr>
+          <p:nvPr>
+            <p:ph idx="1"/>
+          </p:nvPr>
+        </p:nvSpPr>
+        <p:spPr>
+          <a:xfrm>
+            <a:off x="1152938" y="1828800"/>
+            <a:ext cx="8915400" cy="4346713"/>
+          </a:xfrm>
+        </p:spPr>
+        <p:txBody>
+          <a:bodyPr>
+            <a:normAutofit/>
+          </a:bodyPr>
+          <a:lstStyle/>
+          <a:p>
+            <a:r>
+              <a:rPr lang="fr-FR" sz="2200" dirty="0"/>
+              <a:t>Fourier : précis mais lent</a:t>
+            </a:r>
+          </a:p>
+          <a:p>
+            <a:endParaRPr lang="fr-FR" sz="2200" dirty="0"/>
+          </a:p>
+          <a:p>
+            <a:endParaRPr lang="fr-FR" sz="2200" dirty="0"/>
+          </a:p>
+          <a:p>
+            <a:endParaRPr lang="fr-FR" sz="2200" dirty="0"/>
+          </a:p>
+          <a:p>
+            <a:endParaRPr lang="fr-FR" sz="2200" dirty="0"/>
+          </a:p>
+          <a:p>
+            <a:r>
+              <a:rPr lang="fr-FR" sz="2200" dirty="0"/>
+              <a:t>Seuillage : rapide mais moins précis…</a:t>
+            </a:r>
+          </a:p>
+        </p:txBody>
+      </p:sp>
+    </p:spTree>
+    <p:extLst>
+      <p:ext uri="{BB962C8B-B14F-4D97-AF65-F5344CB8AC3E}">
+        <p14:creationId xmlns:p14="http://schemas.microsoft.com/office/powerpoint/2010/main" val="290509384"/>
+      </p:ext>
+    </p:extLst>
+  </p:cSld>
+  <p:clrMapOvr>
+    <a:masterClrMapping/>
+  </p:clrMapOvr>
+  <mc:AlternateContent xmlns:mc="http://schemas.openxmlformats.org/markup-compatibility/2006" xmlns:p14="http://schemas.microsoft.com/office/powerpoint/2010/main">
+    <mc:Choice Requires="p14">
+      <p:transition p14:dur="0"/>
+    </mc:Choice>
+    <mc:Fallback xmlns="">
+      <p:transition/>
+    </mc:Fallback>
+  </mc:AlternateContent>
 </p:sld>
 </file>
 
@@ -31818,7 +31836,7 @@
         </p:nvSpPr>
         <p:spPr>
           <a:xfrm>
-            <a:off x="92747" y="709246"/>
+            <a:off x="694588" y="673278"/>
             <a:ext cx="3325572" cy="646331"/>
           </a:xfrm>
           <a:prstGeom prst="rect">
@@ -31833,7 +31851,7 @@
           <a:lstStyle/>
           <a:p>
             <a:r>
-              <a:rPr lang="fr-FR" sz="3600" dirty="0" smtClean="0"/>
+              <a:rPr lang="fr-FR" sz="3600" dirty="0"/>
               <a:t>Monde 2D</a:t>
             </a:r>
           </a:p>
@@ -31862,7 +31880,7 @@
           <a:lstStyle/>
           <a:p>
             <a:r>
-              <a:rPr lang="fr-FR" sz="3200" dirty="0" smtClean="0"/>
+              <a:rPr lang="fr-FR" sz="3200" dirty="0"/>
               <a:t>Monde 3D</a:t>
             </a:r>
           </a:p>
@@ -31931,18 +31949,17 @@
           <a:lstStyle/>
           <a:p>
             <a:r>
-              <a:rPr lang="fr-FR" dirty="0" smtClean="0"/>
+              <a:rPr lang="fr-FR" dirty="0"/>
               <a:t>3</a:t>
             </a:r>
             <a:r>
-              <a:rPr lang="fr-FR" baseline="30000" dirty="0" smtClean="0"/>
+              <a:rPr lang="fr-FR" baseline="30000" dirty="0"/>
               <a:t>ème</a:t>
             </a:r>
             <a:r>
-              <a:rPr lang="fr-FR" dirty="0" smtClean="0"/>
+              <a:rPr lang="fr-FR" dirty="0"/>
               <a:t> coordonnée</a:t>
             </a:r>
-            <a:endParaRPr lang="fr-FR" dirty="0"/>
           </a:p>
         </p:txBody>
       </p:sp>
@@ -31954,7 +31971,7 @@
         </p:nvGrpSpPr>
         <p:grpSpPr>
           <a:xfrm>
-            <a:off x="-48683" y="1844824"/>
+            <a:off x="-48683" y="3064024"/>
             <a:ext cx="6136117" cy="4602088"/>
             <a:chOff x="-36512" y="1844824"/>
             <a:chExt cx="4602088" cy="4602088"/>
@@ -32068,10 +32085,9 @@
                 <a:lstStyle/>
                 <a:p>
                   <a:r>
-                    <a:rPr lang="fr-FR" dirty="0" smtClean="0"/>
+                    <a:rPr lang="fr-FR" dirty="0"/>
                     <a:t>Plan focal</a:t>
                   </a:r>
-                  <a:endParaRPr lang="fr-FR" dirty="0"/>
                 </a:p>
               </p:txBody>
             </p:sp>
@@ -32099,14 +32115,13 @@
               <a:lstStyle/>
               <a:p>
                 <a:r>
-                  <a:rPr lang="el-GR" sz="2400" dirty="0" smtClean="0"/>
+                  <a:rPr lang="el-GR" sz="2400" dirty="0"/>
                   <a:t>Δ</a:t>
                 </a:r>
                 <a:r>
-                  <a:rPr lang="fr-FR" sz="2400" dirty="0" smtClean="0"/>
+                  <a:rPr lang="fr-FR" sz="2400" dirty="0"/>
                   <a:t>z</a:t>
                 </a:r>
-                <a:endParaRPr lang="fr-FR" sz="2400" dirty="0"/>
               </a:p>
             </p:txBody>
           </p:sp>
@@ -32168,10 +32183,9 @@
             <a:lstStyle/>
             <a:p>
               <a:r>
-                <a:rPr lang="fr-FR" dirty="0" smtClean="0"/>
+                <a:rPr lang="fr-FR" dirty="0"/>
                 <a:t>Particule émettrice</a:t>
               </a:r>
-              <a:endParaRPr lang="fr-FR" dirty="0"/>
             </a:p>
           </p:txBody>
         </p:sp>
@@ -32199,7 +32213,7 @@
         </p:blipFill>
         <p:spPr bwMode="auto">
           <a:xfrm>
-            <a:off x="5389035" y="1704144"/>
+            <a:off x="5389035" y="2923344"/>
             <a:ext cx="6250788" cy="4688091"/>
           </a:xfrm>
           <a:prstGeom prst="rect">
@@ -32259,7 +32273,7 @@
         </p:nvSpPr>
         <p:spPr>
           <a:xfrm>
-            <a:off x="9936427" y="4221089"/>
+            <a:off x="9320692" y="3215203"/>
             <a:ext cx="1715534" cy="461665"/>
           </a:xfrm>
           <a:prstGeom prst="rect">
@@ -32274,14 +32288,13 @@
           <a:lstStyle/>
           <a:p>
             <a:r>
-              <a:rPr lang="el-GR" sz="2400" dirty="0" smtClean="0"/>
+              <a:rPr lang="el-GR" sz="2400" dirty="0"/>
               <a:t>Δ</a:t>
             </a:r>
             <a:r>
-              <a:rPr lang="fr-FR" sz="2400" dirty="0" smtClean="0"/>
+              <a:rPr lang="fr-FR" sz="2400" dirty="0"/>
               <a:t>z=200nm</a:t>
             </a:r>
-            <a:endParaRPr lang="fr-FR" sz="2400" dirty="0"/>
           </a:p>
         </p:txBody>
       </p:sp>
@@ -32293,7 +32306,7 @@
         </p:nvSpPr>
         <p:spPr>
           <a:xfrm>
-            <a:off x="6976957" y="5598532"/>
+            <a:off x="7059258" y="4384222"/>
             <a:ext cx="1305165" cy="369332"/>
           </a:xfrm>
           <a:prstGeom prst="rect">
@@ -32308,10 +32321,9 @@
           <a:lstStyle/>
           <a:p>
             <a:r>
-              <a:rPr lang="fr-FR" dirty="0" smtClean="0"/>
+              <a:rPr lang="fr-FR" dirty="0"/>
               <a:t>Plan focal</a:t>
             </a:r>
-            <a:endParaRPr lang="fr-FR" dirty="0"/>
           </a:p>
         </p:txBody>
       </p:sp>
@@ -32323,7 +32335,7 @@
         </p:nvSpPr>
         <p:spPr>
           <a:xfrm>
-            <a:off x="9501103" y="1988841"/>
+            <a:off x="9532288" y="5044582"/>
             <a:ext cx="1503938" cy="461665"/>
           </a:xfrm>
           <a:prstGeom prst="rect">
@@ -32338,10 +32350,9 @@
           <a:lstStyle/>
           <a:p>
             <a:r>
-              <a:rPr lang="fr-FR" sz="2400" dirty="0" smtClean="0"/>
+              <a:rPr lang="fr-FR" sz="2400" dirty="0"/>
               <a:t>Z=900nm</a:t>
             </a:r>
-            <a:endParaRPr lang="fr-FR" sz="2400" dirty="0"/>
           </a:p>
         </p:txBody>
       </p:sp>
@@ -32353,7 +32364,7 @@
         </p:nvSpPr>
         <p:spPr>
           <a:xfrm>
-            <a:off x="7196847" y="5229201"/>
+            <a:off x="7196847" y="6355633"/>
             <a:ext cx="1503938" cy="461665"/>
           </a:xfrm>
           <a:prstGeom prst="rect">
@@ -32368,48 +32379,12 @@
           <a:lstStyle/>
           <a:p>
             <a:r>
-              <a:rPr lang="fr-FR" sz="2400" dirty="0" smtClean="0"/>
+              <a:rPr lang="fr-FR" sz="2400" dirty="0"/>
               <a:t>Z=700nm</a:t>
             </a:r>
-            <a:endParaRPr lang="fr-FR" sz="2400" dirty="0"/>
-          </a:p>
-        </p:txBody>
-      </p:sp>
-      <p:cxnSp>
-        <p:nvCxnSpPr>
-          <p:cNvPr id="19" name="Connecteur droit 18"/>
-          <p:cNvCxnSpPr/>
-          <p:nvPr/>
-        </p:nvCxnSpPr>
-        <p:spPr>
-          <a:xfrm>
-            <a:off x="2063552" y="4390200"/>
-            <a:ext cx="0" cy="262937"/>
-          </a:xfrm>
-          <a:prstGeom prst="line">
-            <a:avLst/>
-          </a:prstGeom>
-          <a:ln w="12700">
-            <a:solidFill>
-              <a:schemeClr val="tx1"/>
-            </a:solidFill>
-          </a:ln>
-        </p:spPr>
-        <p:style>
-          <a:lnRef idx="1">
-            <a:schemeClr val="accent1"/>
-          </a:lnRef>
-          <a:fillRef idx="0">
-            <a:schemeClr val="accent1"/>
-          </a:fillRef>
-          <a:effectRef idx="0">
-            <a:schemeClr val="accent1"/>
-          </a:effectRef>
-          <a:fontRef idx="minor">
-            <a:schemeClr val="tx1"/>
-          </a:fontRef>
-        </p:style>
-      </p:cxnSp>
+          </a:p>
+        </p:txBody>
+      </p:sp>
       <p:sp>
         <p:nvSpPr>
           <p:cNvPr id="22" name="ZoneTexte 21"/>
@@ -32418,7 +32393,7 @@
         </p:nvSpPr>
         <p:spPr>
           <a:xfrm>
-            <a:off x="1696802" y="3804263"/>
+            <a:off x="1696802" y="4957203"/>
             <a:ext cx="470000" cy="523220"/>
           </a:xfrm>
           <a:prstGeom prst="rect">
@@ -32433,7 +32408,7 @@
           <a:lstStyle/>
           <a:p>
             <a:r>
-              <a:rPr lang="fr-FR" sz="2800" dirty="0" err="1" smtClean="0"/>
+              <a:rPr lang="fr-FR" sz="2800" dirty="0" err="1"/>
               <a:t>Zf</a:t>
             </a:r>
             <a:endParaRPr lang="fr-FR" sz="2800" dirty="0"/>
@@ -32448,7 +32423,7 @@
         </p:nvSpPr>
         <p:spPr>
           <a:xfrm>
-            <a:off x="3983765" y="2523928"/>
+            <a:off x="3599723" y="3702608"/>
             <a:ext cx="1476555" cy="523220"/>
           </a:xfrm>
           <a:prstGeom prst="rect">
@@ -32463,11 +32438,11 @@
           <a:lstStyle/>
           <a:p>
             <a:r>
-              <a:rPr lang="fr-FR" sz="2800" dirty="0" err="1" smtClean="0"/>
+              <a:rPr lang="fr-FR" sz="2800" dirty="0" err="1"/>
               <a:t>Zf</a:t>
             </a:r>
             <a:r>
-              <a:rPr lang="fr-FR" sz="2800" dirty="0" smtClean="0"/>
+              <a:rPr lang="fr-FR" sz="2800" dirty="0"/>
               <a:t>+</a:t>
             </a:r>
             <a:r>
@@ -32475,10 +32450,9 @@
               <a:t>Δ</a:t>
             </a:r>
             <a:r>
-              <a:rPr lang="fr-FR" sz="2800" dirty="0" smtClean="0"/>
+              <a:rPr lang="fr-FR" sz="2800" dirty="0"/>
               <a:t>z</a:t>
             </a:r>
-            <a:endParaRPr lang="fr-FR" sz="2800" dirty="0"/>
           </a:p>
         </p:txBody>
       </p:sp>
@@ -32492,617 +32466,18 @@
   <p:clrMapOvr>
     <a:masterClrMapping/>
   </p:clrMapOvr>
-  <p:transition spd="slow">
-    <p:fade/>
-  </p:transition>
-  <p:timing>
-    <p:tnLst>
-      <p:par>
-        <p:cTn id="1" dur="indefinite" restart="never" nodeType="tmRoot"/>
-      </p:par>
-    </p:tnLst>
-  </p:timing>
+  <mc:AlternateContent xmlns:mc="http://schemas.openxmlformats.org/markup-compatibility/2006">
+    <mc:Choice xmlns:p14="http://schemas.microsoft.com/office/powerpoint/2010/main" Requires="p14">
+      <p:transition p14:dur="0"/>
+    </mc:Choice>
+    <mc:Fallback>
+      <p:transition/>
+    </mc:Fallback>
+  </mc:AlternateContent>
 </p:sld>
 </file>
 
 <file path=ppt/slides/slide20.xml><?xml version="1.0" encoding="utf-8"?>
-<p:sld xmlns:a="http://schemas.openxmlformats.org/drawingml/2006/main" xmlns:r="http://schemas.openxmlformats.org/officeDocument/2006/relationships" xmlns:p="http://schemas.openxmlformats.org/presentationml/2006/main" showMasterSp="0">
-  <p:cSld>
-    <p:bg>
-      <p:bgPr>
-        <a:solidFill>
-          <a:schemeClr val="bg1"/>
-        </a:solidFill>
-        <a:effectLst/>
-      </p:bgPr>
-    </p:bg>
-    <p:spTree>
-      <p:nvGrpSpPr>
-        <p:cNvPr id="1" name=""/>
-        <p:cNvGrpSpPr/>
-        <p:nvPr/>
-      </p:nvGrpSpPr>
-      <p:grpSpPr>
-        <a:xfrm>
-          <a:off x="0" y="0"/>
-          <a:ext cx="0" cy="0"/>
-          <a:chOff x="0" y="0"/>
-          <a:chExt cx="0" cy="0"/>
-        </a:xfrm>
-      </p:grpSpPr>
-      <p:pic>
-        <p:nvPicPr>
-          <p:cNvPr id="3076" name="Picture 4" descr="E:\Docum\PROJETS ETI MATLAB SOLID\PIMS_Projet\PIMS\CR\images\courbes de tolérance\courbe avec plein de ronds2.png"/>
-          <p:cNvPicPr>
-            <a:picLocks noChangeAspect="1" noChangeArrowheads="1"/>
-          </p:cNvPicPr>
-          <p:nvPr/>
-        </p:nvPicPr>
-        <p:blipFill rotWithShape="1">
-          <a:blip r:embed="rId2">
-            <a:extLst>
-              <a:ext uri="{28A0092B-C50C-407E-A947-70E740481C1C}">
-                <a14:useLocalDpi xmlns:a14="http://schemas.microsoft.com/office/drawing/2010/main" val="0"/>
-              </a:ext>
-            </a:extLst>
-          </a:blip>
-          <a:srcRect l="9718" t="5883" r="9152" b="7113"/>
-          <a:stretch/>
-        </p:blipFill>
-        <p:spPr bwMode="auto">
-          <a:xfrm>
-            <a:off x="335361" y="332656"/>
-            <a:ext cx="12961440" cy="6120680"/>
-          </a:xfrm>
-          <a:prstGeom prst="rect">
-            <a:avLst/>
-          </a:prstGeom>
-          <a:noFill/>
-          <a:extLst>
-            <a:ext uri="{909E8E84-426E-40DD-AFC4-6F175D3DCCD1}">
-              <a14:hiddenFill xmlns:a14="http://schemas.microsoft.com/office/drawing/2010/main">
-                <a:solidFill>
-                  <a:srgbClr val="FFFFFF"/>
-                </a:solidFill>
-              </a14:hiddenFill>
-            </a:ext>
-          </a:extLst>
-        </p:spPr>
-      </p:pic>
-      <p:sp>
-        <p:nvSpPr>
-          <p:cNvPr id="5" name="ZoneTexte 4"/>
-          <p:cNvSpPr txBox="1"/>
-          <p:nvPr/>
-        </p:nvSpPr>
-        <p:spPr>
-          <a:xfrm>
-            <a:off x="7840" y="1412776"/>
-            <a:ext cx="461665" cy="2808312"/>
-          </a:xfrm>
-          <a:prstGeom prst="rect">
-            <a:avLst/>
-          </a:prstGeom>
-          <a:solidFill>
-            <a:schemeClr val="bg1"/>
-          </a:solidFill>
-        </p:spPr>
-        <p:txBody>
-          <a:bodyPr vert="vert270" wrap="square" rtlCol="0">
-            <a:spAutoFit/>
-          </a:bodyPr>
-          <a:lstStyle/>
-          <a:p>
-            <a:endParaRPr lang="fr-FR" dirty="0"/>
-          </a:p>
-        </p:txBody>
-      </p:sp>
-      <p:sp>
-        <p:nvSpPr>
-          <p:cNvPr id="6" name="ZoneTexte 5"/>
-          <p:cNvSpPr txBox="1"/>
-          <p:nvPr/>
-        </p:nvSpPr>
-        <p:spPr>
-          <a:xfrm>
-            <a:off x="4943872" y="6453336"/>
-            <a:ext cx="4128459" cy="369332"/>
-          </a:xfrm>
-          <a:prstGeom prst="rect">
-            <a:avLst/>
-          </a:prstGeom>
-          <a:solidFill>
-            <a:schemeClr val="bg1"/>
-          </a:solidFill>
-        </p:spPr>
-        <p:txBody>
-          <a:bodyPr wrap="square" rtlCol="0">
-            <a:spAutoFit/>
-          </a:bodyPr>
-          <a:lstStyle/>
-          <a:p>
-            <a:r>
-              <a:rPr lang="fr-FR" dirty="0" smtClean="0"/>
-              <a:t>Taille de la tâche d’Airy(µm)</a:t>
-            </a:r>
-            <a:endParaRPr lang="fr-FR" dirty="0"/>
-          </a:p>
-        </p:txBody>
-      </p:sp>
-      <p:sp>
-        <p:nvSpPr>
-          <p:cNvPr id="8" name="ZoneTexte 7"/>
-          <p:cNvSpPr txBox="1"/>
-          <p:nvPr/>
-        </p:nvSpPr>
-        <p:spPr>
-          <a:xfrm>
-            <a:off x="-48682" y="1218238"/>
-            <a:ext cx="696024" cy="338554"/>
-          </a:xfrm>
-          <a:prstGeom prst="rect">
-            <a:avLst/>
-          </a:prstGeom>
-          <a:solidFill>
-            <a:schemeClr val="bg1"/>
-          </a:solidFill>
-        </p:spPr>
-        <p:txBody>
-          <a:bodyPr wrap="none" rtlCol="0">
-            <a:spAutoFit/>
-          </a:bodyPr>
-          <a:lstStyle/>
-          <a:p>
-            <a:r>
-              <a:rPr lang="fr-FR" sz="1600" dirty="0" smtClean="0"/>
-              <a:t>0,105</a:t>
-            </a:r>
-            <a:endParaRPr lang="fr-FR" sz="1600" dirty="0"/>
-          </a:p>
-        </p:txBody>
-      </p:sp>
-      <p:sp>
-        <p:nvSpPr>
-          <p:cNvPr id="9" name="ZoneTexte 8"/>
-          <p:cNvSpPr txBox="1"/>
-          <p:nvPr/>
-        </p:nvSpPr>
-        <p:spPr>
-          <a:xfrm>
-            <a:off x="244300" y="2154342"/>
-            <a:ext cx="468398" cy="338554"/>
-          </a:xfrm>
-          <a:prstGeom prst="rect">
-            <a:avLst/>
-          </a:prstGeom>
-          <a:solidFill>
-            <a:schemeClr val="bg1"/>
-          </a:solidFill>
-        </p:spPr>
-        <p:txBody>
-          <a:bodyPr wrap="none" rtlCol="0">
-            <a:spAutoFit/>
-          </a:bodyPr>
-          <a:lstStyle/>
-          <a:p>
-            <a:r>
-              <a:rPr lang="fr-FR" sz="1600" dirty="0" smtClean="0"/>
-              <a:t>0,1</a:t>
-            </a:r>
-            <a:endParaRPr lang="fr-FR" sz="1600" dirty="0"/>
-          </a:p>
-        </p:txBody>
-      </p:sp>
-      <p:sp>
-        <p:nvSpPr>
-          <p:cNvPr id="10" name="ZoneTexte 9"/>
-          <p:cNvSpPr txBox="1"/>
-          <p:nvPr/>
-        </p:nvSpPr>
-        <p:spPr>
-          <a:xfrm>
-            <a:off x="47328" y="5949280"/>
-            <a:ext cx="582211" cy="338554"/>
-          </a:xfrm>
-          <a:prstGeom prst="rect">
-            <a:avLst/>
-          </a:prstGeom>
-          <a:solidFill>
-            <a:schemeClr val="bg1"/>
-          </a:solidFill>
-        </p:spPr>
-        <p:txBody>
-          <a:bodyPr wrap="none" rtlCol="0">
-            <a:spAutoFit/>
-          </a:bodyPr>
-          <a:lstStyle/>
-          <a:p>
-            <a:r>
-              <a:rPr lang="fr-FR" sz="1600" dirty="0" smtClean="0"/>
-              <a:t>0,08</a:t>
-            </a:r>
-            <a:endParaRPr lang="fr-FR" sz="1600" dirty="0"/>
-          </a:p>
-        </p:txBody>
-      </p:sp>
-      <p:sp>
-        <p:nvSpPr>
-          <p:cNvPr id="11" name="ZoneTexte 10"/>
-          <p:cNvSpPr txBox="1"/>
-          <p:nvPr/>
-        </p:nvSpPr>
-        <p:spPr>
-          <a:xfrm>
-            <a:off x="-48682" y="5013176"/>
-            <a:ext cx="696024" cy="338554"/>
-          </a:xfrm>
-          <a:prstGeom prst="rect">
-            <a:avLst/>
-          </a:prstGeom>
-          <a:solidFill>
-            <a:schemeClr val="bg1"/>
-          </a:solidFill>
-        </p:spPr>
-        <p:txBody>
-          <a:bodyPr wrap="none" rtlCol="0">
-            <a:spAutoFit/>
-          </a:bodyPr>
-          <a:lstStyle/>
-          <a:p>
-            <a:r>
-              <a:rPr lang="fr-FR" sz="1600" dirty="0" smtClean="0"/>
-              <a:t>0,085</a:t>
-            </a:r>
-            <a:endParaRPr lang="fr-FR" sz="1600" dirty="0"/>
-          </a:p>
-        </p:txBody>
-      </p:sp>
-      <p:sp>
-        <p:nvSpPr>
-          <p:cNvPr id="12" name="ZoneTexte 11"/>
-          <p:cNvSpPr txBox="1"/>
-          <p:nvPr/>
-        </p:nvSpPr>
-        <p:spPr>
-          <a:xfrm>
-            <a:off x="84016" y="4113455"/>
-            <a:ext cx="582211" cy="338554"/>
-          </a:xfrm>
-          <a:prstGeom prst="rect">
-            <a:avLst/>
-          </a:prstGeom>
-          <a:solidFill>
-            <a:schemeClr val="bg1"/>
-          </a:solidFill>
-        </p:spPr>
-        <p:txBody>
-          <a:bodyPr wrap="none" rtlCol="0">
-            <a:spAutoFit/>
-          </a:bodyPr>
-          <a:lstStyle/>
-          <a:p>
-            <a:r>
-              <a:rPr lang="fr-FR" sz="1600" dirty="0" smtClean="0"/>
-              <a:t>0,09</a:t>
-            </a:r>
-            <a:endParaRPr lang="fr-FR" sz="1600" dirty="0"/>
-          </a:p>
-        </p:txBody>
-      </p:sp>
-      <p:sp>
-        <p:nvSpPr>
-          <p:cNvPr id="13" name="ZoneTexte 12"/>
-          <p:cNvSpPr txBox="1"/>
-          <p:nvPr/>
-        </p:nvSpPr>
-        <p:spPr>
-          <a:xfrm rot="5400000">
-            <a:off x="1976737" y="-1698377"/>
-            <a:ext cx="461665" cy="3744416"/>
-          </a:xfrm>
-          <a:prstGeom prst="rect">
-            <a:avLst/>
-          </a:prstGeom>
-          <a:solidFill>
-            <a:schemeClr val="bg1"/>
-          </a:solidFill>
-        </p:spPr>
-        <p:txBody>
-          <a:bodyPr vert="vert270" wrap="square" rtlCol="0">
-            <a:spAutoFit/>
-          </a:bodyPr>
-          <a:lstStyle/>
-          <a:p>
-            <a:r>
-              <a:rPr lang="fr-FR" dirty="0" err="1" smtClean="0"/>
-              <a:t>Freq</a:t>
-            </a:r>
-            <a:r>
-              <a:rPr lang="fr-FR" dirty="0" smtClean="0"/>
-              <a:t> </a:t>
-            </a:r>
-            <a:r>
-              <a:rPr lang="fr-FR" dirty="0"/>
-              <a:t>m</a:t>
-            </a:r>
-            <a:r>
-              <a:rPr lang="fr-FR" dirty="0" smtClean="0"/>
-              <a:t>ax (1/µm)</a:t>
-            </a:r>
-            <a:endParaRPr lang="fr-FR" dirty="0"/>
-          </a:p>
-        </p:txBody>
-      </p:sp>
-      <p:sp>
-        <p:nvSpPr>
-          <p:cNvPr id="14" name="ZoneTexte 13"/>
-          <p:cNvSpPr txBox="1"/>
-          <p:nvPr/>
-        </p:nvSpPr>
-        <p:spPr>
-          <a:xfrm>
-            <a:off x="-48682" y="3098769"/>
-            <a:ext cx="696024" cy="338554"/>
-          </a:xfrm>
-          <a:prstGeom prst="rect">
-            <a:avLst/>
-          </a:prstGeom>
-          <a:solidFill>
-            <a:schemeClr val="bg1"/>
-          </a:solidFill>
-        </p:spPr>
-        <p:txBody>
-          <a:bodyPr wrap="none" rtlCol="0">
-            <a:spAutoFit/>
-          </a:bodyPr>
-          <a:lstStyle/>
-          <a:p>
-            <a:r>
-              <a:rPr lang="fr-FR" sz="1600" dirty="0" smtClean="0"/>
-              <a:t>0,095</a:t>
-            </a:r>
-            <a:endParaRPr lang="fr-FR" sz="1600" dirty="0"/>
-          </a:p>
-        </p:txBody>
-      </p:sp>
-      <p:sp>
-        <p:nvSpPr>
-          <p:cNvPr id="4" name="ZoneTexte 3"/>
-          <p:cNvSpPr txBox="1"/>
-          <p:nvPr/>
-        </p:nvSpPr>
-        <p:spPr>
-          <a:xfrm>
-            <a:off x="47328" y="354142"/>
-            <a:ext cx="582211" cy="338554"/>
-          </a:xfrm>
-          <a:prstGeom prst="rect">
-            <a:avLst/>
-          </a:prstGeom>
-          <a:solidFill>
-            <a:schemeClr val="bg1"/>
-          </a:solidFill>
-        </p:spPr>
-        <p:txBody>
-          <a:bodyPr wrap="none" rtlCol="0">
-            <a:spAutoFit/>
-          </a:bodyPr>
-          <a:lstStyle/>
-          <a:p>
-            <a:r>
-              <a:rPr lang="fr-FR" sz="1600" dirty="0" smtClean="0"/>
-              <a:t>0,11</a:t>
-            </a:r>
-            <a:endParaRPr lang="fr-FR" sz="1600" dirty="0"/>
-          </a:p>
-        </p:txBody>
-      </p:sp>
-      <p:sp>
-        <p:nvSpPr>
-          <p:cNvPr id="7" name="ZoneTexte 6"/>
-          <p:cNvSpPr txBox="1"/>
-          <p:nvPr/>
-        </p:nvSpPr>
-        <p:spPr>
-          <a:xfrm>
-            <a:off x="8453454" y="4113455"/>
-            <a:ext cx="819455" cy="369332"/>
-          </a:xfrm>
-          <a:prstGeom prst="rect">
-            <a:avLst/>
-          </a:prstGeom>
-          <a:noFill/>
-        </p:spPr>
-        <p:txBody>
-          <a:bodyPr wrap="none" rtlCol="0">
-            <a:spAutoFit/>
-          </a:bodyPr>
-          <a:lstStyle/>
-          <a:p>
-            <a:r>
-              <a:rPr lang="fr-FR" dirty="0" smtClean="0"/>
-              <a:t>Z=300</a:t>
-            </a:r>
-            <a:endParaRPr lang="fr-FR" dirty="0"/>
-          </a:p>
-        </p:txBody>
-      </p:sp>
-      <p:sp>
-        <p:nvSpPr>
-          <p:cNvPr id="16" name="ZoneTexte 15"/>
-          <p:cNvSpPr txBox="1"/>
-          <p:nvPr/>
-        </p:nvSpPr>
-        <p:spPr>
-          <a:xfrm>
-            <a:off x="1902385" y="5351730"/>
-            <a:ext cx="819455" cy="369332"/>
-          </a:xfrm>
-          <a:prstGeom prst="rect">
-            <a:avLst/>
-          </a:prstGeom>
-          <a:noFill/>
-        </p:spPr>
-        <p:txBody>
-          <a:bodyPr wrap="none" rtlCol="0">
-            <a:spAutoFit/>
-          </a:bodyPr>
-          <a:lstStyle/>
-          <a:p>
-            <a:r>
-              <a:rPr lang="fr-FR" dirty="0" smtClean="0"/>
-              <a:t>Z=500</a:t>
-            </a:r>
-            <a:endParaRPr lang="fr-FR" dirty="0"/>
-          </a:p>
-        </p:txBody>
-      </p:sp>
-      <p:sp>
-        <p:nvSpPr>
-          <p:cNvPr id="17" name="ZoneTexte 16"/>
-          <p:cNvSpPr txBox="1"/>
-          <p:nvPr/>
-        </p:nvSpPr>
-        <p:spPr>
-          <a:xfrm>
-            <a:off x="3747015" y="3645024"/>
-            <a:ext cx="819455" cy="369332"/>
-          </a:xfrm>
-          <a:prstGeom prst="rect">
-            <a:avLst/>
-          </a:prstGeom>
-          <a:noFill/>
-        </p:spPr>
-        <p:txBody>
-          <a:bodyPr wrap="none" rtlCol="0">
-            <a:spAutoFit/>
-          </a:bodyPr>
-          <a:lstStyle/>
-          <a:p>
-            <a:r>
-              <a:rPr lang="fr-FR" dirty="0" smtClean="0"/>
-              <a:t>Z=700</a:t>
-            </a:r>
-            <a:endParaRPr lang="fr-FR" dirty="0"/>
-          </a:p>
-        </p:txBody>
-      </p:sp>
-      <p:sp>
-        <p:nvSpPr>
-          <p:cNvPr id="18" name="ZoneTexte 17"/>
-          <p:cNvSpPr txBox="1"/>
-          <p:nvPr/>
-        </p:nvSpPr>
-        <p:spPr>
-          <a:xfrm>
-            <a:off x="4079778" y="620688"/>
-            <a:ext cx="947695" cy="369332"/>
-          </a:xfrm>
-          <a:prstGeom prst="rect">
-            <a:avLst/>
-          </a:prstGeom>
-          <a:noFill/>
-        </p:spPr>
-        <p:txBody>
-          <a:bodyPr wrap="none" rtlCol="0">
-            <a:spAutoFit/>
-          </a:bodyPr>
-          <a:lstStyle/>
-          <a:p>
-            <a:r>
-              <a:rPr lang="fr-FR" dirty="0" smtClean="0"/>
-              <a:t>Z=1000</a:t>
-            </a:r>
-            <a:endParaRPr lang="fr-FR" dirty="0"/>
-          </a:p>
-        </p:txBody>
-      </p:sp>
-      <p:sp>
-        <p:nvSpPr>
-          <p:cNvPr id="19" name="ZoneTexte 18"/>
-          <p:cNvSpPr txBox="1"/>
-          <p:nvPr/>
-        </p:nvSpPr>
-        <p:spPr>
-          <a:xfrm>
-            <a:off x="7905741" y="1137720"/>
-            <a:ext cx="947695" cy="369332"/>
-          </a:xfrm>
-          <a:prstGeom prst="rect">
-            <a:avLst/>
-          </a:prstGeom>
-          <a:noFill/>
-        </p:spPr>
-        <p:txBody>
-          <a:bodyPr wrap="none" rtlCol="0">
-            <a:spAutoFit/>
-          </a:bodyPr>
-          <a:lstStyle/>
-          <a:p>
-            <a:r>
-              <a:rPr lang="fr-FR" dirty="0" smtClean="0"/>
-              <a:t>Z=1200</a:t>
-            </a:r>
-            <a:endParaRPr lang="fr-FR" dirty="0"/>
-          </a:p>
-        </p:txBody>
-      </p:sp>
-      <p:sp>
-        <p:nvSpPr>
-          <p:cNvPr id="15" name="ZoneTexte 14"/>
-          <p:cNvSpPr txBox="1"/>
-          <p:nvPr/>
-        </p:nvSpPr>
-        <p:spPr>
-          <a:xfrm>
-            <a:off x="4499995" y="-58510"/>
-            <a:ext cx="3768980" cy="400110"/>
-          </a:xfrm>
-          <a:prstGeom prst="rect">
-            <a:avLst/>
-          </a:prstGeom>
-          <a:solidFill>
-            <a:schemeClr val="bg1"/>
-          </a:solidFill>
-        </p:spPr>
-        <p:txBody>
-          <a:bodyPr wrap="none" rtlCol="0">
-            <a:spAutoFit/>
-          </a:bodyPr>
-          <a:lstStyle/>
-          <a:p>
-            <a:r>
-              <a:rPr lang="fr-FR" sz="2000" b="1" dirty="0" smtClean="0"/>
-              <a:t>Courbe de calibration axiale</a:t>
-            </a:r>
-            <a:endParaRPr lang="fr-FR" sz="2000" b="1" dirty="0"/>
-          </a:p>
-        </p:txBody>
-      </p:sp>
-    </p:spTree>
-    <p:extLst>
-      <p:ext uri="{BB962C8B-B14F-4D97-AF65-F5344CB8AC3E}">
-        <p14:creationId xmlns:p14="http://schemas.microsoft.com/office/powerpoint/2010/main" val="3388928949"/>
-      </p:ext>
-    </p:extLst>
-  </p:cSld>
-  <p:clrMapOvr>
-    <a:masterClrMapping/>
-  </p:clrMapOvr>
-  <p:transition spd="slow">
-    <p:fade/>
-  </p:transition>
-  <p:timing>
-    <p:tnLst>
-      <p:par>
-        <p:cTn id="1" dur="indefinite" restart="never" nodeType="tmRoot"/>
-      </p:par>
-    </p:tnLst>
-  </p:timing>
-</p:sld>
-</file>
-
-<file path=ppt/slides/slide21.xml><?xml version="1.0" encoding="utf-8"?>
 <p:sld xmlns:a="http://schemas.openxmlformats.org/drawingml/2006/main" xmlns:r="http://schemas.openxmlformats.org/officeDocument/2006/relationships" xmlns:p="http://schemas.openxmlformats.org/presentationml/2006/main" showMasterSp="0">
   <p:cSld>
     <p:bg>
@@ -33595,17 +32970,10 @@
       <p:transition/>
     </mc:Fallback>
   </mc:AlternateContent>
-  <p:timing>
-    <p:tnLst>
-      <p:par>
-        <p:cTn id="1" dur="indefinite" restart="never" nodeType="tmRoot"/>
-      </p:par>
-    </p:tnLst>
-  </p:timing>
 </p:sld>
 </file>
 
-<file path=ppt/slides/slide22.xml><?xml version="1.0" encoding="utf-8"?>
+<file path=ppt/slides/slide21.xml><?xml version="1.0" encoding="utf-8"?>
 <p:sld xmlns:a="http://schemas.openxmlformats.org/drawingml/2006/main" xmlns:r="http://schemas.openxmlformats.org/officeDocument/2006/relationships" xmlns:p="http://schemas.openxmlformats.org/presentationml/2006/main" showMasterSp="0">
   <p:cSld>
     <p:bg>
@@ -33996,7 +33364,7 @@
 </p:sld>
 </file>
 
-<file path=ppt/slides/slide23.xml><?xml version="1.0" encoding="utf-8"?>
+<file path=ppt/slides/slide22.xml><?xml version="1.0" encoding="utf-8"?>
 <p:sld xmlns:a="http://schemas.openxmlformats.org/drawingml/2006/main" xmlns:r="http://schemas.openxmlformats.org/officeDocument/2006/relationships" xmlns:p="http://schemas.openxmlformats.org/presentationml/2006/main" showMasterSp="0">
   <p:cSld>
     <p:spTree>
@@ -34298,14 +33666,11 @@
             </a:pPr>
             <a:r>
               <a:rPr lang="fr-FR" sz="2200" dirty="0"/>
-              <a:t>Pour l’instant:</a:t>
-            </a:r>
-          </a:p>
-          <a:p>
-            <a:pPr lvl="1"/>
-            <a:r>
-              <a:rPr lang="fr-FR" sz="2000" dirty="0"/>
-              <a:t>Précision transverse: ~30nm mais erreurs isolées de pointé</a:t>
+              <a:t>Pour l’instant</a:t>
+            </a:r>
+            <a:r>
+              <a:rPr lang="en-US" sz="2200" dirty="0"/>
+              <a:t>:</a:t>
             </a:r>
             <a:br>
               <a:rPr lang="fr-FR" sz="2000" dirty="0"/>
@@ -34316,7 +33681,7 @@
             <a:pPr lvl="1"/>
             <a:r>
               <a:rPr lang="fr-FR" sz="2000" dirty="0"/>
-              <a:t>Précision axiale: ~100nm</a:t>
+              <a:t>Précision axiale: ~100nm mais erreurs isolées de pointé</a:t>
             </a:r>
           </a:p>
           <a:p>
@@ -34338,7 +33703,7 @@
             <a:pPr lvl="1"/>
             <a:r>
               <a:rPr lang="fr-FR" sz="2000" dirty="0"/>
-              <a:t>Isoler les tâches d’image expérimentale, pour effectuer des traitements respectifs.</a:t>
+              <a:t>Isoler les tâches d’images expérimentales, pour effectuer des traitements respectifs.</a:t>
             </a:r>
           </a:p>
           <a:p>
@@ -34346,6 +33711,17 @@
             <a:r>
               <a:rPr lang="fr-FR" sz="2000" dirty="0"/>
               <a:t>Améliorer les algorithmes de courbe de calibration.</a:t>
+            </a:r>
+            <a:br>
+              <a:rPr lang="fr-FR" sz="2000" dirty="0"/>
+            </a:br>
+            <a:endParaRPr lang="fr-FR" sz="2000" dirty="0"/>
+          </a:p>
+          <a:p>
+            <a:pPr lvl="1"/>
+            <a:r>
+              <a:rPr lang="fr-FR" sz="2000" dirty="0"/>
+              <a:t>Reconstituer l’échantillon en 3D</a:t>
             </a:r>
           </a:p>
           <a:p>
@@ -34381,7 +33757,7 @@
 </p:sld>
 </file>
 
-<file path=ppt/slides/slide24.xml><?xml version="1.0" encoding="utf-8"?>
+<file path=ppt/slides/slide23.xml><?xml version="1.0" encoding="utf-8"?>
 <p:sld xmlns:a="http://schemas.openxmlformats.org/drawingml/2006/main" xmlns:r="http://schemas.openxmlformats.org/officeDocument/2006/relationships" xmlns:p="http://schemas.openxmlformats.org/presentationml/2006/main" showMasterSp="0">
   <p:cSld>
     <p:spTree>
@@ -34488,10 +33864,9 @@
           <a:p>
             <a:pPr algn="ctr"/>
             <a:r>
-              <a:rPr lang="fr-FR" sz="3600" i="1" dirty="0" smtClean="0"/>
+              <a:rPr lang="fr-FR" sz="3600" i="1" dirty="0"/>
               <a:t>Comment obtenir le positionnement axial du photophore ?</a:t>
             </a:r>
-            <a:endParaRPr lang="fr-FR" sz="3600" i="1" dirty="0"/>
           </a:p>
         </p:txBody>
       </p:sp>
@@ -34522,10 +33897,9 @@
               <a:buChar char="-"/>
             </a:pPr>
             <a:r>
-              <a:rPr lang="fr-FR" sz="2400" dirty="0" smtClean="0"/>
+              <a:rPr lang="fr-FR" sz="2400" dirty="0"/>
               <a:t>Taille de la tache d’Airy</a:t>
             </a:r>
-            <a:endParaRPr lang="fr-FR" sz="2400" dirty="0"/>
           </a:p>
           <a:p>
             <a:pPr marL="342900" indent="-342900">
@@ -34542,14 +33916,14 @@
               <a:buFontTx/>
               <a:buChar char="-"/>
             </a:pPr>
-            <a:endParaRPr lang="fr-FR" sz="2400" dirty="0" smtClean="0"/>
+            <a:endParaRPr lang="fr-FR" sz="2400" dirty="0"/>
           </a:p>
           <a:p>
             <a:pPr marL="342900" indent="-342900">
               <a:buFontTx/>
               <a:buChar char="-"/>
             </a:pPr>
-            <a:endParaRPr lang="fr-FR" sz="2400" dirty="0" smtClean="0"/>
+            <a:endParaRPr lang="fr-FR" sz="2400" dirty="0"/>
           </a:p>
         </p:txBody>
       </p:sp>
@@ -34624,7 +33998,7 @@
         <p:spPr bwMode="auto">
           <a:xfrm>
             <a:off x="1975440" y="4432946"/>
-            <a:ext cx="7821592" cy="2425055"/>
+            <a:ext cx="7808714" cy="2425055"/>
           </a:xfrm>
           <a:prstGeom prst="rect">
             <a:avLst/>
@@ -34661,16 +34035,14 @@
   <p:clrMapOvr>
     <a:masterClrMapping/>
   </p:clrMapOvr>
-  <p:transition spd="slow">
-    <p:fade/>
-  </p:transition>
-  <p:timing>
-    <p:tnLst>
-      <p:par>
-        <p:cTn id="1" dur="indefinite" restart="never" nodeType="tmRoot"/>
-      </p:par>
-    </p:tnLst>
-  </p:timing>
+  <mc:AlternateContent xmlns:mc="http://schemas.openxmlformats.org/markup-compatibility/2006">
+    <mc:Choice xmlns:p14="http://schemas.microsoft.com/office/powerpoint/2010/main" Requires="p14">
+      <p:transition p14:dur="0"/>
+    </mc:Choice>
+    <mc:Fallback>
+      <p:transition/>
+    </mc:Fallback>
+  </mc:AlternateContent>
 </p:sld>
 </file>
 
@@ -34992,132 +34364,6 @@
       </p:grpSpPr>
       <p:sp>
         <p:nvSpPr>
-          <p:cNvPr id="2" name="ZoneTexte 1"/>
-          <p:cNvSpPr txBox="1"/>
-          <p:nvPr/>
-        </p:nvSpPr>
-        <p:spPr>
-          <a:xfrm>
-            <a:off x="1952858" y="1642177"/>
-            <a:ext cx="8211821" cy="3046988"/>
-          </a:xfrm>
-          <a:prstGeom prst="rect">
-            <a:avLst/>
-          </a:prstGeom>
-          <a:noFill/>
-        </p:spPr>
-        <p:txBody>
-          <a:bodyPr wrap="square" rtlCol="0">
-            <a:spAutoFit/>
-          </a:bodyPr>
-          <a:lstStyle/>
-          <a:p>
-            <a:r>
-              <a:rPr lang="fr-FR" sz="3200" i="1" u="sng" dirty="0">
-                <a:effectLst>
-                  <a:outerShdw blurRad="38100" dist="38100" dir="2700000" algn="tl">
-                    <a:srgbClr val="000000">
-                      <a:alpha val="43137"/>
-                    </a:srgbClr>
-                  </a:outerShdw>
-                </a:effectLst>
-              </a:rPr>
-              <a:t>I Traitements préliminaires</a:t>
-            </a:r>
-          </a:p>
-          <a:p>
-            <a:r>
-              <a:rPr lang="fr-FR" sz="3200" dirty="0"/>
-              <a:t>	</a:t>
-            </a:r>
-          </a:p>
-          <a:p>
-            <a:r>
-              <a:rPr lang="fr-FR" sz="3200" i="1" u="sng" dirty="0">
-                <a:effectLst>
-                  <a:outerShdw blurRad="38100" dist="38100" dir="2700000" algn="tl">
-                    <a:srgbClr val="000000">
-                      <a:alpha val="43137"/>
-                    </a:srgbClr>
-                  </a:outerShdw>
-                </a:effectLst>
-              </a:rPr>
-              <a:t>II Utilisation de la tâche d’Airy</a:t>
-            </a:r>
-          </a:p>
-          <a:p>
-            <a:r>
-              <a:rPr lang="fr-FR" sz="3200" dirty="0"/>
-              <a:t>	</a:t>
-            </a:r>
-          </a:p>
-          <a:p>
-            <a:r>
-              <a:rPr lang="fr-FR" sz="3200" i="1" u="sng" dirty="0">
-                <a:effectLst>
-                  <a:outerShdw blurRad="38100" dist="38100" dir="2700000" algn="tl">
-                    <a:srgbClr val="000000">
-                      <a:alpha val="43137"/>
-                    </a:srgbClr>
-                  </a:outerShdw>
-                </a:effectLst>
-              </a:rPr>
-              <a:t>III Détermination de la position axiale</a:t>
-            </a:r>
-          </a:p>
-          <a:p>
-            <a:endParaRPr lang="fr-FR" sz="3200" i="1" u="sng" dirty="0">
-              <a:effectLst>
-                <a:outerShdw blurRad="38100" dist="38100" dir="2700000" algn="tl">
-                  <a:srgbClr val="000000">
-                    <a:alpha val="43137"/>
-                  </a:srgbClr>
-                </a:outerShdw>
-              </a:effectLst>
-            </a:endParaRPr>
-          </a:p>
-        </p:txBody>
-      </p:sp>
-    </p:spTree>
-    <p:extLst>
-      <p:ext uri="{BB962C8B-B14F-4D97-AF65-F5344CB8AC3E}">
-        <p14:creationId xmlns:p14="http://schemas.microsoft.com/office/powerpoint/2010/main" val="400189223"/>
-      </p:ext>
-    </p:extLst>
-  </p:cSld>
-  <p:clrMapOvr>
-    <a:masterClrMapping/>
-  </p:clrMapOvr>
-  <mc:AlternateContent xmlns:mc="http://schemas.openxmlformats.org/markup-compatibility/2006" xmlns:p14="http://schemas.microsoft.com/office/powerpoint/2010/main">
-    <mc:Choice Requires="p14">
-      <p:transition p14:dur="0"/>
-    </mc:Choice>
-    <mc:Fallback xmlns="">
-      <p:transition/>
-    </mc:Fallback>
-  </mc:AlternateContent>
-</p:sld>
-</file>
-
-<file path=ppt/slides/slide6.xml><?xml version="1.0" encoding="utf-8"?>
-<p:sld xmlns:a="http://schemas.openxmlformats.org/drawingml/2006/main" xmlns:r="http://schemas.openxmlformats.org/officeDocument/2006/relationships" xmlns:p="http://schemas.openxmlformats.org/presentationml/2006/main" showMasterSp="0">
-  <p:cSld>
-    <p:spTree>
-      <p:nvGrpSpPr>
-        <p:cNvPr id="1" name=""/>
-        <p:cNvGrpSpPr/>
-        <p:nvPr/>
-      </p:nvGrpSpPr>
-      <p:grpSpPr>
-        <a:xfrm>
-          <a:off x="0" y="0"/>
-          <a:ext cx="0" cy="0"/>
-          <a:chOff x="0" y="0"/>
-          <a:chExt cx="0" cy="0"/>
-        </a:xfrm>
-      </p:grpSpPr>
-      <p:sp>
-        <p:nvSpPr>
           <p:cNvPr id="3" name="Espace réservé du contenu 2"/>
           <p:cNvSpPr>
             <a:spLocks noGrp="1"/>
@@ -35369,7 +34615,7 @@
         <p:spPr>
           <a:xfrm>
             <a:off x="706582" y="5318359"/>
-            <a:ext cx="6763390" cy="369332"/>
+            <a:ext cx="6845144" cy="369332"/>
           </a:xfrm>
           <a:prstGeom prst="rect">
             <a:avLst/>
@@ -35384,7 +34630,7 @@
           <a:p>
             <a:r>
               <a:rPr lang="fr-FR" dirty="0"/>
-              <a:t>Pas de bruit poivre et sel, on ne fait pas de filtrage médian</a:t>
+              <a:t>Pas de bruit ‘poivre et sel’, on ne fait pas de filtrage médian</a:t>
             </a:r>
           </a:p>
         </p:txBody>
@@ -35439,7 +34685,7 @@
 </p:sld>
 </file>
 
-<file path=ppt/slides/slide7.xml><?xml version="1.0" encoding="utf-8"?>
+<file path=ppt/slides/slide6.xml><?xml version="1.0" encoding="utf-8"?>
 <p:sld xmlns:a="http://schemas.openxmlformats.org/drawingml/2006/main" xmlns:r="http://schemas.openxmlformats.org/officeDocument/2006/relationships" xmlns:p="http://schemas.openxmlformats.org/presentationml/2006/main" showMasterSp="0">
   <p:cSld>
     <p:spTree>
@@ -35469,7 +34715,7 @@
         <p:spPr>
           <a:xfrm>
             <a:off x="1878012" y="274912"/>
-            <a:ext cx="8915400" cy="6212974"/>
+            <a:ext cx="8915400" cy="749615"/>
           </a:xfrm>
         </p:spPr>
         <p:txBody>
@@ -35965,7 +35211,7 @@
 </p:sld>
 </file>
 
-<file path=ppt/slides/slide8.xml><?xml version="1.0" encoding="utf-8"?>
+<file path=ppt/slides/slide7.xml><?xml version="1.0" encoding="utf-8"?>
 <p:sld xmlns:a="http://schemas.openxmlformats.org/drawingml/2006/main" xmlns:r="http://schemas.openxmlformats.org/officeDocument/2006/relationships" xmlns:p="http://schemas.openxmlformats.org/presentationml/2006/main" showMasterSp="0">
   <p:cSld>
     <p:spTree>
@@ -36295,10 +35541,6 @@
             <a:br>
               <a:rPr lang="fr-FR" sz="2400" dirty="0"/>
             </a:br>
-            <a:r>
-              <a:rPr lang="fr-FR" sz="2400" dirty="0"/>
-              <a:t/>
-            </a:r>
             <a:br>
               <a:rPr lang="fr-FR" sz="2400" dirty="0"/>
             </a:br>
@@ -36309,10 +35551,6 @@
             <a:br>
               <a:rPr lang="fr-FR" sz="2400" dirty="0"/>
             </a:br>
-            <a:r>
-              <a:rPr lang="fr-FR" sz="2400" dirty="0"/>
-              <a:t/>
-            </a:r>
             <a:br>
               <a:rPr lang="fr-FR" sz="2400" dirty="0"/>
             </a:br>
@@ -36323,17 +35561,9 @@
             <a:br>
               <a:rPr lang="fr-FR" sz="2400" dirty="0"/>
             </a:br>
-            <a:r>
-              <a:rPr lang="fr-FR" sz="2400" dirty="0"/>
-              <a:t/>
-            </a:r>
             <a:br>
               <a:rPr lang="fr-FR" sz="2400" dirty="0"/>
             </a:br>
-            <a:r>
-              <a:rPr lang="fr-FR" sz="2400" dirty="0"/>
-              <a:t/>
-            </a:r>
             <a:br>
               <a:rPr lang="fr-FR" sz="2400" dirty="0"/>
             </a:br>
@@ -36372,7 +35602,7 @@
 </p:sld>
 </file>
 
-<file path=ppt/slides/slide9.xml><?xml version="1.0" encoding="utf-8"?>
+<file path=ppt/slides/slide8.xml><?xml version="1.0" encoding="utf-8"?>
 <p:sld xmlns:a="http://schemas.openxmlformats.org/drawingml/2006/main" xmlns:r="http://schemas.openxmlformats.org/officeDocument/2006/relationships" xmlns:p="http://schemas.openxmlformats.org/presentationml/2006/main" showMasterSp="0">
   <p:cSld>
     <p:spTree>
@@ -36453,8 +35683,8 @@
         </p:blipFill>
         <p:spPr bwMode="auto">
           <a:xfrm>
-            <a:off x="386367" y="1685573"/>
-            <a:ext cx="5737216" cy="4876349"/>
+            <a:off x="331304" y="1638773"/>
+            <a:ext cx="5792279" cy="4923150"/>
           </a:xfrm>
           <a:prstGeom prst="rect">
             <a:avLst/>
@@ -36922,6 +36152,756 @@
     <p:extLst>
       <p:ext uri="{BB962C8B-B14F-4D97-AF65-F5344CB8AC3E}">
         <p14:creationId xmlns:p14="http://schemas.microsoft.com/office/powerpoint/2010/main" val="2485028402"/>
+      </p:ext>
+    </p:extLst>
+  </p:cSld>
+  <p:clrMapOvr>
+    <a:masterClrMapping/>
+  </p:clrMapOvr>
+  <mc:AlternateContent xmlns:mc="http://schemas.openxmlformats.org/markup-compatibility/2006" xmlns:p14="http://schemas.microsoft.com/office/powerpoint/2010/main">
+    <mc:Choice Requires="p14">
+      <p:transition p14:dur="0"/>
+    </mc:Choice>
+    <mc:Fallback xmlns="">
+      <p:transition/>
+    </mc:Fallback>
+  </mc:AlternateContent>
+</p:sld>
+</file>
+
+<file path=ppt/slides/slide9.xml><?xml version="1.0" encoding="utf-8"?>
+<p:sld xmlns:a="http://schemas.openxmlformats.org/drawingml/2006/main" xmlns:r="http://schemas.openxmlformats.org/officeDocument/2006/relationships" xmlns:p="http://schemas.openxmlformats.org/presentationml/2006/main" showMasterSp="0">
+  <p:cSld>
+    <p:spTree>
+      <p:nvGrpSpPr>
+        <p:cNvPr id="1" name=""/>
+        <p:cNvGrpSpPr/>
+        <p:nvPr/>
+      </p:nvGrpSpPr>
+      <p:grpSpPr>
+        <a:xfrm>
+          <a:off x="0" y="0"/>
+          <a:ext cx="0" cy="0"/>
+          <a:chOff x="0" y="0"/>
+          <a:chExt cx="0" cy="0"/>
+        </a:xfrm>
+      </p:grpSpPr>
+      <p:sp>
+        <p:nvSpPr>
+          <p:cNvPr id="6" name="Espace réservé du contenu 2"/>
+          <p:cNvSpPr txBox="1">
+            <a:spLocks/>
+          </p:cNvSpPr>
+          <p:nvPr/>
+        </p:nvSpPr>
+        <p:spPr>
+          <a:xfrm>
+            <a:off x="770470" y="723208"/>
+            <a:ext cx="8915400" cy="745982"/>
+          </a:xfrm>
+          <a:prstGeom prst="rect">
+            <a:avLst/>
+          </a:prstGeom>
+        </p:spPr>
+        <p:txBody>
+          <a:bodyPr vert="horz" lIns="91440" tIns="72000" rIns="91440" bIns="45720" rtlCol="0">
+            <a:noAutofit/>
+          </a:bodyPr>
+          <a:lstStyle>
+            <a:lvl1pPr marL="342900" indent="-342900" algn="l" defTabSz="457200" rtl="0" eaLnBrk="1" latinLnBrk="0" hangingPunct="1">
+              <a:spcBef>
+                <a:spcPts val="1000"/>
+              </a:spcBef>
+              <a:spcAft>
+                <a:spcPts val="0"/>
+              </a:spcAft>
+              <a:buClr>
+                <a:schemeClr val="accent1"/>
+              </a:buClr>
+              <a:buFont typeface="Wingdings 3" charset="2"/>
+              <a:buChar char=""/>
+              <a:defRPr sz="1800" kern="1200">
+                <a:solidFill>
+                  <a:schemeClr val="tx1">
+                    <a:lumMod val="75000"/>
+                    <a:lumOff val="25000"/>
+                  </a:schemeClr>
+                </a:solidFill>
+                <a:latin typeface="+mn-lt"/>
+                <a:ea typeface="+mn-ea"/>
+                <a:cs typeface="+mn-cs"/>
+              </a:defRPr>
+            </a:lvl1pPr>
+            <a:lvl2pPr marL="742950" indent="-285750" algn="l" defTabSz="457200" rtl="0" eaLnBrk="1" latinLnBrk="0" hangingPunct="1">
+              <a:spcBef>
+                <a:spcPts val="1000"/>
+              </a:spcBef>
+              <a:spcAft>
+                <a:spcPts val="0"/>
+              </a:spcAft>
+              <a:buClr>
+                <a:schemeClr val="accent1"/>
+              </a:buClr>
+              <a:buFont typeface="Wingdings 3" charset="2"/>
+              <a:buChar char=""/>
+              <a:defRPr sz="1600" kern="1200">
+                <a:solidFill>
+                  <a:schemeClr val="tx1">
+                    <a:lumMod val="75000"/>
+                    <a:lumOff val="25000"/>
+                  </a:schemeClr>
+                </a:solidFill>
+                <a:latin typeface="+mn-lt"/>
+                <a:ea typeface="+mn-ea"/>
+                <a:cs typeface="+mn-cs"/>
+              </a:defRPr>
+            </a:lvl2pPr>
+            <a:lvl3pPr marL="1143000" indent="-228600" algn="l" defTabSz="457200" rtl="0" eaLnBrk="1" latinLnBrk="0" hangingPunct="1">
+              <a:spcBef>
+                <a:spcPts val="1000"/>
+              </a:spcBef>
+              <a:spcAft>
+                <a:spcPts val="0"/>
+              </a:spcAft>
+              <a:buClr>
+                <a:schemeClr val="accent1"/>
+              </a:buClr>
+              <a:buFont typeface="Wingdings 3" charset="2"/>
+              <a:buChar char=""/>
+              <a:defRPr sz="1400" kern="1200">
+                <a:solidFill>
+                  <a:schemeClr val="tx1">
+                    <a:lumMod val="75000"/>
+                    <a:lumOff val="25000"/>
+                  </a:schemeClr>
+                </a:solidFill>
+                <a:latin typeface="+mn-lt"/>
+                <a:ea typeface="+mn-ea"/>
+                <a:cs typeface="+mn-cs"/>
+              </a:defRPr>
+            </a:lvl3pPr>
+            <a:lvl4pPr marL="1600200" indent="-228600" algn="l" defTabSz="457200" rtl="0" eaLnBrk="1" latinLnBrk="0" hangingPunct="1">
+              <a:spcBef>
+                <a:spcPts val="1000"/>
+              </a:spcBef>
+              <a:spcAft>
+                <a:spcPts val="0"/>
+              </a:spcAft>
+              <a:buClr>
+                <a:schemeClr val="accent1"/>
+              </a:buClr>
+              <a:buFont typeface="Wingdings 3" charset="2"/>
+              <a:buChar char=""/>
+              <a:defRPr sz="1200" kern="1200">
+                <a:solidFill>
+                  <a:schemeClr val="tx1">
+                    <a:lumMod val="75000"/>
+                    <a:lumOff val="25000"/>
+                  </a:schemeClr>
+                </a:solidFill>
+                <a:latin typeface="+mn-lt"/>
+                <a:ea typeface="+mn-ea"/>
+                <a:cs typeface="+mn-cs"/>
+              </a:defRPr>
+            </a:lvl4pPr>
+            <a:lvl5pPr marL="2057400" indent="-228600" algn="l" defTabSz="457200" rtl="0" eaLnBrk="1" latinLnBrk="0" hangingPunct="1">
+              <a:spcBef>
+                <a:spcPts val="1000"/>
+              </a:spcBef>
+              <a:spcAft>
+                <a:spcPts val="0"/>
+              </a:spcAft>
+              <a:buClr>
+                <a:schemeClr val="accent1"/>
+              </a:buClr>
+              <a:buFont typeface="Wingdings 3" charset="2"/>
+              <a:buChar char=""/>
+              <a:defRPr sz="1200" kern="1200">
+                <a:solidFill>
+                  <a:schemeClr val="tx1">
+                    <a:lumMod val="75000"/>
+                    <a:lumOff val="25000"/>
+                  </a:schemeClr>
+                </a:solidFill>
+                <a:latin typeface="+mn-lt"/>
+                <a:ea typeface="+mn-ea"/>
+                <a:cs typeface="+mn-cs"/>
+              </a:defRPr>
+            </a:lvl5pPr>
+            <a:lvl6pPr marL="2514600" indent="-228600" algn="l" defTabSz="457200" rtl="0" eaLnBrk="1" latinLnBrk="0" hangingPunct="1">
+              <a:spcBef>
+                <a:spcPts val="1000"/>
+              </a:spcBef>
+              <a:spcAft>
+                <a:spcPts val="0"/>
+              </a:spcAft>
+              <a:buClr>
+                <a:schemeClr val="accent1"/>
+              </a:buClr>
+              <a:buFont typeface="Wingdings 3" charset="2"/>
+              <a:buChar char=""/>
+              <a:defRPr sz="1200" kern="1200">
+                <a:solidFill>
+                  <a:schemeClr val="tx1">
+                    <a:lumMod val="75000"/>
+                    <a:lumOff val="25000"/>
+                  </a:schemeClr>
+                </a:solidFill>
+                <a:latin typeface="+mn-lt"/>
+                <a:ea typeface="+mn-ea"/>
+                <a:cs typeface="+mn-cs"/>
+              </a:defRPr>
+            </a:lvl6pPr>
+            <a:lvl7pPr marL="2971800" indent="-228600" algn="l" defTabSz="457200" rtl="0" eaLnBrk="1" latinLnBrk="0" hangingPunct="1">
+              <a:spcBef>
+                <a:spcPts val="1000"/>
+              </a:spcBef>
+              <a:spcAft>
+                <a:spcPts val="0"/>
+              </a:spcAft>
+              <a:buClr>
+                <a:schemeClr val="accent1"/>
+              </a:buClr>
+              <a:buFont typeface="Wingdings 3" charset="2"/>
+              <a:buChar char=""/>
+              <a:defRPr sz="1200" kern="1200">
+                <a:solidFill>
+                  <a:schemeClr val="tx1">
+                    <a:lumMod val="75000"/>
+                    <a:lumOff val="25000"/>
+                  </a:schemeClr>
+                </a:solidFill>
+                <a:latin typeface="+mn-lt"/>
+                <a:ea typeface="+mn-ea"/>
+                <a:cs typeface="+mn-cs"/>
+              </a:defRPr>
+            </a:lvl7pPr>
+            <a:lvl8pPr marL="3429000" indent="-228600" algn="l" defTabSz="457200" rtl="0" eaLnBrk="1" latinLnBrk="0" hangingPunct="1">
+              <a:spcBef>
+                <a:spcPts val="1000"/>
+              </a:spcBef>
+              <a:spcAft>
+                <a:spcPts val="0"/>
+              </a:spcAft>
+              <a:buClr>
+                <a:schemeClr val="accent1"/>
+              </a:buClr>
+              <a:buFont typeface="Wingdings 3" charset="2"/>
+              <a:buChar char=""/>
+              <a:defRPr sz="1200" kern="1200">
+                <a:solidFill>
+                  <a:schemeClr val="tx1">
+                    <a:lumMod val="75000"/>
+                    <a:lumOff val="25000"/>
+                  </a:schemeClr>
+                </a:solidFill>
+                <a:latin typeface="+mn-lt"/>
+                <a:ea typeface="+mn-ea"/>
+                <a:cs typeface="+mn-cs"/>
+              </a:defRPr>
+            </a:lvl8pPr>
+            <a:lvl9pPr marL="3886200" indent="-228600" algn="l" defTabSz="457200" rtl="0" eaLnBrk="1" latinLnBrk="0" hangingPunct="1">
+              <a:spcBef>
+                <a:spcPts val="1000"/>
+              </a:spcBef>
+              <a:spcAft>
+                <a:spcPts val="0"/>
+              </a:spcAft>
+              <a:buClr>
+                <a:schemeClr val="accent1"/>
+              </a:buClr>
+              <a:buFont typeface="Wingdings 3" charset="2"/>
+              <a:buChar char=""/>
+              <a:defRPr sz="1200" kern="1200">
+                <a:solidFill>
+                  <a:schemeClr val="tx1">
+                    <a:lumMod val="75000"/>
+                    <a:lumOff val="25000"/>
+                  </a:schemeClr>
+                </a:solidFill>
+                <a:latin typeface="+mn-lt"/>
+                <a:ea typeface="+mn-ea"/>
+                <a:cs typeface="+mn-cs"/>
+              </a:defRPr>
+            </a:lvl9pPr>
+          </a:lstStyle>
+          <a:p>
+            <a:pPr marL="446088" indent="-358775">
+              <a:buFont typeface="Wingdings 3" charset="2"/>
+              <a:buNone/>
+            </a:pPr>
+            <a:r>
+              <a:rPr lang="fr-FR" sz="2400" b="1" dirty="0"/>
+              <a:t>Création de courbes de calibrations:</a:t>
+            </a:r>
+          </a:p>
+          <a:p>
+            <a:pPr marL="446088" indent="-358775">
+              <a:buFont typeface="Wingdings 3" charset="2"/>
+              <a:buNone/>
+            </a:pPr>
+            <a:r>
+              <a:rPr lang="fr-FR" sz="2400" dirty="0"/>
+              <a:t> </a:t>
+            </a:r>
+          </a:p>
+        </p:txBody>
+      </p:sp>
+      <p:pic>
+        <p:nvPicPr>
+          <p:cNvPr id="1026" name="Picture 2"/>
+          <p:cNvPicPr>
+            <a:picLocks noChangeAspect="1" noChangeArrowheads="1"/>
+          </p:cNvPicPr>
+          <p:nvPr/>
+        </p:nvPicPr>
+        <p:blipFill>
+          <a:blip r:embed="rId2">
+            <a:extLst>
+              <a:ext uri="{28A0092B-C50C-407E-A947-70E740481C1C}">
+                <a14:useLocalDpi xmlns:a14="http://schemas.microsoft.com/office/drawing/2010/main" val="0"/>
+              </a:ext>
+            </a:extLst>
+          </a:blip>
+          <a:srcRect/>
+          <a:stretch>
+            <a:fillRect/>
+          </a:stretch>
+        </p:blipFill>
+        <p:spPr bwMode="auto">
+          <a:xfrm>
+            <a:off x="317991" y="1469190"/>
+            <a:ext cx="6274147" cy="5072926"/>
+          </a:xfrm>
+          <a:prstGeom prst="rect">
+            <a:avLst/>
+          </a:prstGeom>
+          <a:noFill/>
+          <a:ln>
+            <a:noFill/>
+          </a:ln>
+          <a:extLst>
+            <a:ext uri="{909E8E84-426E-40DD-AFC4-6F175D3DCCD1}">
+              <a14:hiddenFill xmlns:a14="http://schemas.microsoft.com/office/drawing/2010/main">
+                <a:solidFill>
+                  <a:schemeClr val="accent1"/>
+                </a:solidFill>
+              </a14:hiddenFill>
+            </a:ext>
+            <a:ext uri="{91240B29-F687-4F45-9708-019B960494DF}">
+              <a14:hiddenLine xmlns:a14="http://schemas.microsoft.com/office/drawing/2010/main" w="9525">
+                <a:solidFill>
+                  <a:schemeClr val="tx1"/>
+                </a:solidFill>
+                <a:miter lim="800000"/>
+                <a:headEnd/>
+                <a:tailEnd/>
+              </a14:hiddenLine>
+            </a:ext>
+          </a:extLst>
+        </p:spPr>
+      </p:pic>
+      <p:sp>
+        <p:nvSpPr>
+          <p:cNvPr id="2" name="ZoneTexte 1"/>
+          <p:cNvSpPr txBox="1"/>
+          <p:nvPr/>
+        </p:nvSpPr>
+        <p:spPr>
+          <a:xfrm>
+            <a:off x="7086904" y="1890961"/>
+            <a:ext cx="5675009" cy="4524315"/>
+          </a:xfrm>
+          <a:prstGeom prst="rect">
+            <a:avLst/>
+          </a:prstGeom>
+          <a:noFill/>
+        </p:spPr>
+        <p:txBody>
+          <a:bodyPr wrap="square" rtlCol="0">
+            <a:spAutoFit/>
+          </a:bodyPr>
+          <a:lstStyle/>
+          <a:p>
+            <a:r>
+              <a:rPr lang="fr-FR" dirty="0"/>
+              <a:t>Pour cette courbe la position transverse </a:t>
+            </a:r>
+            <a:br>
+              <a:rPr lang="fr-FR" dirty="0"/>
+            </a:br>
+            <a:r>
+              <a:rPr lang="fr-FR" dirty="0"/>
+              <a:t>importe peu et les fréquences du réseau</a:t>
+            </a:r>
+            <a:br>
+              <a:rPr lang="fr-FR" dirty="0"/>
+            </a:br>
+            <a:r>
+              <a:rPr lang="fr-FR" dirty="0"/>
+              <a:t>peuvent gêner:</a:t>
+            </a:r>
+          </a:p>
+          <a:p>
+            <a:endParaRPr lang="fr-FR" dirty="0"/>
+          </a:p>
+          <a:p>
+            <a:endParaRPr lang="fr-FR" dirty="0"/>
+          </a:p>
+          <a:p>
+            <a:endParaRPr lang="fr-FR" dirty="0"/>
+          </a:p>
+          <a:p>
+            <a:endParaRPr lang="fr-FR" dirty="0"/>
+          </a:p>
+          <a:p>
+            <a:endParaRPr lang="fr-FR" dirty="0"/>
+          </a:p>
+          <a:p>
+            <a:endParaRPr lang="fr-FR" dirty="0"/>
+          </a:p>
+          <a:p>
+            <a:endParaRPr lang="fr-FR" dirty="0"/>
+          </a:p>
+          <a:p>
+            <a:endParaRPr lang="fr-FR" dirty="0"/>
+          </a:p>
+          <a:p>
+            <a:endParaRPr lang="fr-FR" dirty="0"/>
+          </a:p>
+          <a:p>
+            <a:endParaRPr lang="fr-FR" dirty="0"/>
+          </a:p>
+          <a:p>
+            <a:endParaRPr lang="fr-FR" dirty="0"/>
+          </a:p>
+          <a:p>
+            <a:endParaRPr lang="fr-FR" dirty="0"/>
+          </a:p>
+          <a:p>
+            <a:endParaRPr lang="fr-FR" dirty="0"/>
+          </a:p>
+        </p:txBody>
+      </p:sp>
+      <p:pic>
+        <p:nvPicPr>
+          <p:cNvPr id="3074" name="Picture 2"/>
+          <p:cNvPicPr>
+            <a:picLocks noChangeAspect="1" noChangeArrowheads="1"/>
+          </p:cNvPicPr>
+          <p:nvPr/>
+        </p:nvPicPr>
+        <p:blipFill>
+          <a:blip r:embed="rId3" cstate="print">
+            <a:extLst>
+              <a:ext uri="{28A0092B-C50C-407E-A947-70E740481C1C}">
+                <a14:useLocalDpi xmlns:a14="http://schemas.microsoft.com/office/drawing/2010/main" val="0"/>
+              </a:ext>
+            </a:extLst>
+          </a:blip>
+          <a:srcRect/>
+          <a:stretch>
+            <a:fillRect/>
+          </a:stretch>
+        </p:blipFill>
+        <p:spPr bwMode="auto">
+          <a:xfrm>
+            <a:off x="8138797" y="2928294"/>
+            <a:ext cx="2695123" cy="2899121"/>
+          </a:xfrm>
+          <a:prstGeom prst="rect">
+            <a:avLst/>
+          </a:prstGeom>
+          <a:noFill/>
+          <a:ln>
+            <a:noFill/>
+          </a:ln>
+          <a:extLst>
+            <a:ext uri="{909E8E84-426E-40DD-AFC4-6F175D3DCCD1}">
+              <a14:hiddenFill xmlns:a14="http://schemas.microsoft.com/office/drawing/2010/main">
+                <a:solidFill>
+                  <a:schemeClr val="accent1"/>
+                </a:solidFill>
+              </a14:hiddenFill>
+            </a:ext>
+            <a:ext uri="{91240B29-F687-4F45-9708-019B960494DF}">
+              <a14:hiddenLine xmlns:a14="http://schemas.microsoft.com/office/drawing/2010/main" w="9525">
+                <a:solidFill>
+                  <a:schemeClr val="tx1"/>
+                </a:solidFill>
+                <a:miter lim="800000"/>
+                <a:headEnd/>
+                <a:tailEnd/>
+              </a14:hiddenLine>
+            </a:ext>
+          </a:extLst>
+        </p:spPr>
+      </p:pic>
+      <p:sp>
+        <p:nvSpPr>
+          <p:cNvPr id="9" name="Espace réservé du contenu 2"/>
+          <p:cNvSpPr txBox="1">
+            <a:spLocks/>
+          </p:cNvSpPr>
+          <p:nvPr/>
+        </p:nvSpPr>
+        <p:spPr>
+          <a:xfrm>
+            <a:off x="317991" y="216132"/>
+            <a:ext cx="8915400" cy="681644"/>
+          </a:xfrm>
+          <a:prstGeom prst="rect">
+            <a:avLst/>
+          </a:prstGeom>
+        </p:spPr>
+        <p:txBody>
+          <a:bodyPr vert="horz" lIns="91440" tIns="72000" rIns="91440" bIns="45720" rtlCol="0">
+            <a:noAutofit/>
+          </a:bodyPr>
+          <a:lstStyle>
+            <a:lvl1pPr marL="342900" indent="-342900" algn="l" defTabSz="457200" rtl="0" eaLnBrk="1" latinLnBrk="0" hangingPunct="1">
+              <a:spcBef>
+                <a:spcPts val="1000"/>
+              </a:spcBef>
+              <a:spcAft>
+                <a:spcPts val="0"/>
+              </a:spcAft>
+              <a:buClr>
+                <a:schemeClr val="accent1"/>
+              </a:buClr>
+              <a:buFont typeface="Wingdings 3" charset="2"/>
+              <a:buChar char=""/>
+              <a:defRPr sz="1800" kern="1200">
+                <a:solidFill>
+                  <a:schemeClr val="tx1">
+                    <a:lumMod val="75000"/>
+                    <a:lumOff val="25000"/>
+                  </a:schemeClr>
+                </a:solidFill>
+                <a:latin typeface="+mn-lt"/>
+                <a:ea typeface="+mn-ea"/>
+                <a:cs typeface="+mn-cs"/>
+              </a:defRPr>
+            </a:lvl1pPr>
+            <a:lvl2pPr marL="742950" indent="-285750" algn="l" defTabSz="457200" rtl="0" eaLnBrk="1" latinLnBrk="0" hangingPunct="1">
+              <a:spcBef>
+                <a:spcPts val="1000"/>
+              </a:spcBef>
+              <a:spcAft>
+                <a:spcPts val="0"/>
+              </a:spcAft>
+              <a:buClr>
+                <a:schemeClr val="accent1"/>
+              </a:buClr>
+              <a:buFont typeface="Wingdings 3" charset="2"/>
+              <a:buChar char=""/>
+              <a:defRPr sz="1600" kern="1200">
+                <a:solidFill>
+                  <a:schemeClr val="tx1">
+                    <a:lumMod val="75000"/>
+                    <a:lumOff val="25000"/>
+                  </a:schemeClr>
+                </a:solidFill>
+                <a:latin typeface="+mn-lt"/>
+                <a:ea typeface="+mn-ea"/>
+                <a:cs typeface="+mn-cs"/>
+              </a:defRPr>
+            </a:lvl2pPr>
+            <a:lvl3pPr marL="1143000" indent="-228600" algn="l" defTabSz="457200" rtl="0" eaLnBrk="1" latinLnBrk="0" hangingPunct="1">
+              <a:spcBef>
+                <a:spcPts val="1000"/>
+              </a:spcBef>
+              <a:spcAft>
+                <a:spcPts val="0"/>
+              </a:spcAft>
+              <a:buClr>
+                <a:schemeClr val="accent1"/>
+              </a:buClr>
+              <a:buFont typeface="Wingdings 3" charset="2"/>
+              <a:buChar char=""/>
+              <a:defRPr sz="1400" kern="1200">
+                <a:solidFill>
+                  <a:schemeClr val="tx1">
+                    <a:lumMod val="75000"/>
+                    <a:lumOff val="25000"/>
+                  </a:schemeClr>
+                </a:solidFill>
+                <a:latin typeface="+mn-lt"/>
+                <a:ea typeface="+mn-ea"/>
+                <a:cs typeface="+mn-cs"/>
+              </a:defRPr>
+            </a:lvl3pPr>
+            <a:lvl4pPr marL="1600200" indent="-228600" algn="l" defTabSz="457200" rtl="0" eaLnBrk="1" latinLnBrk="0" hangingPunct="1">
+              <a:spcBef>
+                <a:spcPts val="1000"/>
+              </a:spcBef>
+              <a:spcAft>
+                <a:spcPts val="0"/>
+              </a:spcAft>
+              <a:buClr>
+                <a:schemeClr val="accent1"/>
+              </a:buClr>
+              <a:buFont typeface="Wingdings 3" charset="2"/>
+              <a:buChar char=""/>
+              <a:defRPr sz="1200" kern="1200">
+                <a:solidFill>
+                  <a:schemeClr val="tx1">
+                    <a:lumMod val="75000"/>
+                    <a:lumOff val="25000"/>
+                  </a:schemeClr>
+                </a:solidFill>
+                <a:latin typeface="+mn-lt"/>
+                <a:ea typeface="+mn-ea"/>
+                <a:cs typeface="+mn-cs"/>
+              </a:defRPr>
+            </a:lvl4pPr>
+            <a:lvl5pPr marL="2057400" indent="-228600" algn="l" defTabSz="457200" rtl="0" eaLnBrk="1" latinLnBrk="0" hangingPunct="1">
+              <a:spcBef>
+                <a:spcPts val="1000"/>
+              </a:spcBef>
+              <a:spcAft>
+                <a:spcPts val="0"/>
+              </a:spcAft>
+              <a:buClr>
+                <a:schemeClr val="accent1"/>
+              </a:buClr>
+              <a:buFont typeface="Wingdings 3" charset="2"/>
+              <a:buChar char=""/>
+              <a:defRPr sz="1200" kern="1200">
+                <a:solidFill>
+                  <a:schemeClr val="tx1">
+                    <a:lumMod val="75000"/>
+                    <a:lumOff val="25000"/>
+                  </a:schemeClr>
+                </a:solidFill>
+                <a:latin typeface="+mn-lt"/>
+                <a:ea typeface="+mn-ea"/>
+                <a:cs typeface="+mn-cs"/>
+              </a:defRPr>
+            </a:lvl5pPr>
+            <a:lvl6pPr marL="2514600" indent="-228600" algn="l" defTabSz="457200" rtl="0" eaLnBrk="1" latinLnBrk="0" hangingPunct="1">
+              <a:spcBef>
+                <a:spcPts val="1000"/>
+              </a:spcBef>
+              <a:spcAft>
+                <a:spcPts val="0"/>
+              </a:spcAft>
+              <a:buClr>
+                <a:schemeClr val="accent1"/>
+              </a:buClr>
+              <a:buFont typeface="Wingdings 3" charset="2"/>
+              <a:buChar char=""/>
+              <a:defRPr sz="1200" kern="1200">
+                <a:solidFill>
+                  <a:schemeClr val="tx1">
+                    <a:lumMod val="75000"/>
+                    <a:lumOff val="25000"/>
+                  </a:schemeClr>
+                </a:solidFill>
+                <a:latin typeface="+mn-lt"/>
+                <a:ea typeface="+mn-ea"/>
+                <a:cs typeface="+mn-cs"/>
+              </a:defRPr>
+            </a:lvl6pPr>
+            <a:lvl7pPr marL="2971800" indent="-228600" algn="l" defTabSz="457200" rtl="0" eaLnBrk="1" latinLnBrk="0" hangingPunct="1">
+              <a:spcBef>
+                <a:spcPts val="1000"/>
+              </a:spcBef>
+              <a:spcAft>
+                <a:spcPts val="0"/>
+              </a:spcAft>
+              <a:buClr>
+                <a:schemeClr val="accent1"/>
+              </a:buClr>
+              <a:buFont typeface="Wingdings 3" charset="2"/>
+              <a:buChar char=""/>
+              <a:defRPr sz="1200" kern="1200">
+                <a:solidFill>
+                  <a:schemeClr val="tx1">
+                    <a:lumMod val="75000"/>
+                    <a:lumOff val="25000"/>
+                  </a:schemeClr>
+                </a:solidFill>
+                <a:latin typeface="+mn-lt"/>
+                <a:ea typeface="+mn-ea"/>
+                <a:cs typeface="+mn-cs"/>
+              </a:defRPr>
+            </a:lvl7pPr>
+            <a:lvl8pPr marL="3429000" indent="-228600" algn="l" defTabSz="457200" rtl="0" eaLnBrk="1" latinLnBrk="0" hangingPunct="1">
+              <a:spcBef>
+                <a:spcPts val="1000"/>
+              </a:spcBef>
+              <a:spcAft>
+                <a:spcPts val="0"/>
+              </a:spcAft>
+              <a:buClr>
+                <a:schemeClr val="accent1"/>
+              </a:buClr>
+              <a:buFont typeface="Wingdings 3" charset="2"/>
+              <a:buChar char=""/>
+              <a:defRPr sz="1200" kern="1200">
+                <a:solidFill>
+                  <a:schemeClr val="tx1">
+                    <a:lumMod val="75000"/>
+                    <a:lumOff val="25000"/>
+                  </a:schemeClr>
+                </a:solidFill>
+                <a:latin typeface="+mn-lt"/>
+                <a:ea typeface="+mn-ea"/>
+                <a:cs typeface="+mn-cs"/>
+              </a:defRPr>
+            </a:lvl8pPr>
+            <a:lvl9pPr marL="3886200" indent="-228600" algn="l" defTabSz="457200" rtl="0" eaLnBrk="1" latinLnBrk="0" hangingPunct="1">
+              <a:spcBef>
+                <a:spcPts val="1000"/>
+              </a:spcBef>
+              <a:spcAft>
+                <a:spcPts val="0"/>
+              </a:spcAft>
+              <a:buClr>
+                <a:schemeClr val="accent1"/>
+              </a:buClr>
+              <a:buFont typeface="Wingdings 3" charset="2"/>
+              <a:buChar char=""/>
+              <a:defRPr sz="1200" kern="1200">
+                <a:solidFill>
+                  <a:schemeClr val="tx1">
+                    <a:lumMod val="75000"/>
+                    <a:lumOff val="25000"/>
+                  </a:schemeClr>
+                </a:solidFill>
+                <a:latin typeface="+mn-lt"/>
+                <a:ea typeface="+mn-ea"/>
+                <a:cs typeface="+mn-cs"/>
+              </a:defRPr>
+            </a:lvl9pPr>
+          </a:lstStyle>
+          <a:p>
+            <a:pPr>
+              <a:buFont typeface="Wingdings" panose="05000000000000000000" pitchFamily="2" charset="2"/>
+              <a:buChar char="v"/>
+            </a:pPr>
+            <a:r>
+              <a:rPr lang="fr-FR" sz="2400" u="sng" dirty="0"/>
+              <a:t>Utilisation de la tâche d’Airy</a:t>
+            </a:r>
+          </a:p>
+          <a:p>
+            <a:pPr marL="446088" indent="-358775">
+              <a:buFont typeface="Wingdings 3" charset="2"/>
+              <a:buNone/>
+            </a:pPr>
+            <a:r>
+              <a:rPr lang="fr-FR" sz="2400" dirty="0"/>
+              <a:t> </a:t>
+            </a:r>
+          </a:p>
+        </p:txBody>
+      </p:sp>
+    </p:spTree>
+    <p:extLst>
+      <p:ext uri="{BB962C8B-B14F-4D97-AF65-F5344CB8AC3E}">
+        <p14:creationId xmlns:p14="http://schemas.microsoft.com/office/powerpoint/2010/main" val="645236963"/>
       </p:ext>
     </p:extLst>
   </p:cSld>
@@ -37176,7 +37156,7 @@
   <a:extraClrSchemeLst/>
   <a:extLst>
     <a:ext uri="{05A4C25C-085E-4340-85A3-A5531E510DB2}">
-      <thm15:themeFamily xmlns:thm15="http://schemas.microsoft.com/office/thememl/2012/main" xmlns="" name="Wisp" id="{7CB32D59-10C0-40DD-B7BD-2E94284A981C}" vid="{24B1A44C-C006-48B2-A4D7-E5549B3D8CD4}"/>
+      <thm15:themeFamily xmlns:thm15="http://schemas.microsoft.com/office/thememl/2012/main" name="Wisp" id="{7CB32D59-10C0-40DD-B7BD-2E94284A981C}" vid="{24B1A44C-C006-48B2-A4D7-E5549B3D8CD4}"/>
     </a:ext>
   </a:extLst>
 </a:theme>
@@ -37419,7 +37399,7 @@
   <a:extraClrSchemeLst/>
   <a:extLst>
     <a:ext uri="{05A4C25C-085E-4340-85A3-A5531E510DB2}">
-      <thm15:themeFamily xmlns:thm15="http://schemas.microsoft.com/office/thememl/2012/main" xmlns="" name="Wisp" id="{7CB32D59-10C0-40DD-B7BD-2E94284A981C}" vid="{24B1A44C-C006-48B2-A4D7-E5549B3D8CD4}"/>
+      <thm15:themeFamily xmlns:thm15="http://schemas.microsoft.com/office/thememl/2012/main" name="Wisp" id="{7CB32D59-10C0-40DD-B7BD-2E94284A981C}" vid="{24B1A44C-C006-48B2-A4D7-E5549B3D8CD4}"/>
     </a:ext>
   </a:extLst>
 </a:theme>
@@ -37680,7 +37660,7 @@
   <a:extraClrSchemeLst/>
   <a:extLst>
     <a:ext uri="{05A4C25C-085E-4340-85A3-A5531E510DB2}">
-      <thm15:themeFamily xmlns:thm15="http://schemas.microsoft.com/office/thememl/2012/main" xmlns="" name="Office Theme" id="{62F939B6-93AF-4DB8-9C6B-D6C7DFDC589F}" vid="{4A3C46E8-61CC-4603-A589-7422A47A8E4A}"/>
+      <thm15:themeFamily xmlns:thm15="http://schemas.microsoft.com/office/thememl/2012/main" name="Office Theme" id="{62F939B6-93AF-4DB8-9C6B-D6C7DFDC589F}" vid="{4A3C46E8-61CC-4603-A589-7422A47A8E4A}"/>
     </a:ext>
   </a:extLst>
 </a:theme>
@@ -37923,7 +37903,7 @@
   <a:extraClrSchemeLst/>
   <a:extLst>
     <a:ext uri="{05A4C25C-085E-4340-85A3-A5531E510DB2}">
-      <thm15:themeFamily xmlns:thm15="http://schemas.microsoft.com/office/thememl/2012/main" xmlns="" name="Wisp" id="{7CB32D59-10C0-40DD-B7BD-2E94284A981C}" vid="{24B1A44C-C006-48B2-A4D7-E5549B3D8CD4}"/>
+      <thm15:themeFamily xmlns:thm15="http://schemas.microsoft.com/office/thememl/2012/main" name="Wisp" id="{7CB32D59-10C0-40DD-B7BD-2E94284A981C}" vid="{24B1A44C-C006-48B2-A4D7-E5549B3D8CD4}"/>
     </a:ext>
   </a:extLst>
 </a:theme>
